--- a/doc/slides.pptx
+++ b/doc/slides.pptx
@@ -5,15 +5,20 @@
     <p:sldMasterId id="2147483648" r:id="rId1"/>
   </p:sldMasterIdLst>
   <p:notesMasterIdLst>
-    <p:notesMasterId r:id="rId8"/>
+    <p:notesMasterId r:id="rId13"/>
   </p:notesMasterIdLst>
   <p:sldIdLst>
     <p:sldId id="256" r:id="rId2"/>
     <p:sldId id="257" r:id="rId3"/>
     <p:sldId id="258" r:id="rId4"/>
-    <p:sldId id="259" r:id="rId5"/>
-    <p:sldId id="260" r:id="rId6"/>
-    <p:sldId id="261" r:id="rId7"/>
+    <p:sldId id="262" r:id="rId5"/>
+    <p:sldId id="259" r:id="rId6"/>
+    <p:sldId id="263" r:id="rId7"/>
+    <p:sldId id="260" r:id="rId8"/>
+    <p:sldId id="265" r:id="rId9"/>
+    <p:sldId id="266" r:id="rId10"/>
+    <p:sldId id="264" r:id="rId11"/>
+    <p:sldId id="261" r:id="rId12"/>
   </p:sldIdLst>
   <p:sldSz cx="12192000" cy="6858000"/>
   <p:notesSz cx="6858000" cy="9144000"/>
@@ -202,7 +207,7 @@
           <a:p>
             <a:fld id="{D5C9E47B-4149-4D78-AEA7-6A63220E520D}" type="datetimeFigureOut">
               <a:rPr lang="en-US" smtClean="0"/>
-              <a:t>1/12/2016</a:t>
+              <a:t>1/14/2016</a:t>
             </a:fld>
             <a:endParaRPr lang="en-US"/>
           </a:p>
@@ -520,9 +525,52 @@
             </a:r>
             <a:r>
               <a:rPr lang="en-US" baseline="0" dirty="0" smtClean="0"/>
-              <a:t> for MICRO benchmarks – i.e., which version of a method is faster</a:t>
-            </a:r>
-            <a:endParaRPr lang="en-US" dirty="0"/>
+              <a:t> for MICRO benchmarks – i.e., which version of a method is </a:t>
+            </a:r>
+            <a:r>
+              <a:rPr lang="en-US" baseline="0" dirty="0" smtClean="0"/>
+              <a:t>faster</a:t>
+            </a:r>
+          </a:p>
+          <a:p>
+            <a:endParaRPr lang="en-US" b="1" baseline="0" dirty="0" smtClean="0"/>
+          </a:p>
+          <a:p>
+            <a:r>
+              <a:rPr lang="en-US" b="1" dirty="0" smtClean="0"/>
+              <a:t>“Its distinctive advantage </a:t>
+            </a:r>
+            <a:r>
+              <a:rPr lang="en-US" dirty="0" smtClean="0"/>
+              <a:t>over other frameworks is that it is developed by the same guys in Oracle who implement the JIT. In particular I want to mention </a:t>
+            </a:r>
+            <a:r>
+              <a:rPr lang="en-US" dirty="0" smtClean="0">
+                <a:hlinkClick r:id="rId3"/>
+              </a:rPr>
+              <a:t>Aleksey </a:t>
+            </a:r>
+            <a:r>
+              <a:rPr lang="en-US" dirty="0" err="1" smtClean="0">
+                <a:hlinkClick r:id="rId3"/>
+              </a:rPr>
+              <a:t>Shipilev</a:t>
+            </a:r>
+            <a:r>
+              <a:rPr lang="en-US" dirty="0" smtClean="0">
+                <a:hlinkClick r:id="rId3"/>
+              </a:rPr>
+              <a:t> and his brilliant blog</a:t>
+            </a:r>
+            <a:r>
+              <a:rPr lang="en-US" dirty="0" smtClean="0"/>
+              <a:t>. </a:t>
+            </a:r>
+            <a:r>
+              <a:rPr lang="en-US" b="1" dirty="0" smtClean="0"/>
+              <a:t>JMH is likely to be in sync with the latest Oracle JRE changes, which makes its results very reliable. “</a:t>
+            </a:r>
+            <a:endParaRPr lang="en-US" b="1" dirty="0"/>
           </a:p>
         </p:txBody>
       </p:sp>
@@ -608,19 +656,13 @@
           <a:p>
             <a:r>
               <a:rPr lang="en-US" dirty="0" smtClean="0"/>
-              <a:t>Because </a:t>
-            </a:r>
-            <a:r>
-              <a:rPr lang="en-US" dirty="0" err="1" smtClean="0"/>
-              <a:t>Gradle</a:t>
-            </a:r>
-            <a:r>
-              <a:rPr lang="en-US" dirty="0" smtClean="0"/>
-              <a:t> is</a:t>
-            </a:r>
-            <a:r>
-              <a:rPr lang="en-US" baseline="0" dirty="0" smtClean="0"/>
-              <a:t> several hundred times </a:t>
+              <a:t>Setup is somewhat difficult because - </a:t>
+            </a:r>
+          </a:p>
+          <a:p>
+            <a:r>
+              <a:rPr lang="en-US" dirty="0" smtClean="0"/>
+              <a:t>In all cases, the key to using JMH is enabling the annotation- or bytecode-processors to generate the synthetic benchmark code</a:t>
             </a:r>
             <a:endParaRPr lang="en-US" dirty="0"/>
           </a:p>
@@ -652,7 +694,7 @@
     </p:spTree>
     <p:extLst>
       <p:ext uri="{BB962C8B-B14F-4D97-AF65-F5344CB8AC3E}">
-        <p14:creationId xmlns:p14="http://schemas.microsoft.com/office/powerpoint/2010/main" val="278153674"/>
+        <p14:creationId xmlns:p14="http://schemas.microsoft.com/office/powerpoint/2010/main" val="3160364319"/>
       </p:ext>
     </p:extLst>
   </p:cSld>
@@ -708,11 +750,193 @@
           <a:p>
             <a:r>
               <a:rPr lang="en-US" dirty="0" smtClean="0"/>
-              <a:t>Max</a:t>
+              <a:t>The</a:t>
             </a:r>
             <a:r>
               <a:rPr lang="en-US" baseline="0" dirty="0" smtClean="0"/>
-              <a:t> of 1 second – shows emphasis on “micro”-benchmarks</a:t>
+              <a:t> separate project business is </a:t>
+            </a:r>
+            <a:r>
+              <a:rPr lang="en-US" dirty="0" smtClean="0"/>
+              <a:t>JMH</a:t>
+            </a:r>
+            <a:r>
+              <a:rPr lang="en-US" baseline="0" dirty="0" smtClean="0"/>
+              <a:t> is trying to ensure that </a:t>
+            </a:r>
+            <a:r>
+              <a:rPr lang="en-US" dirty="0" smtClean="0"/>
+              <a:t>the benchmarks are </a:t>
+            </a:r>
+            <a:r>
+              <a:rPr lang="en-US" b="1" dirty="0" smtClean="0"/>
+              <a:t>correctly initialized and produce reliable results</a:t>
+            </a:r>
+            <a:r>
+              <a:rPr lang="en-US" dirty="0" smtClean="0"/>
+              <a:t>. </a:t>
+            </a:r>
+          </a:p>
+          <a:p>
+            <a:endParaRPr lang="en-US" dirty="0" smtClean="0"/>
+          </a:p>
+          <a:p>
+            <a:r>
+              <a:rPr lang="en-US" dirty="0" smtClean="0"/>
+              <a:t>Because </a:t>
+            </a:r>
+            <a:r>
+              <a:rPr lang="en-US" dirty="0" err="1" smtClean="0"/>
+              <a:t>Gradle</a:t>
+            </a:r>
+            <a:r>
+              <a:rPr lang="en-US" dirty="0" smtClean="0"/>
+              <a:t> is</a:t>
+            </a:r>
+            <a:r>
+              <a:rPr lang="en-US" baseline="0" dirty="0" smtClean="0"/>
+              <a:t> several hundred times </a:t>
+            </a:r>
+            <a:r>
+              <a:rPr lang="en-US" baseline="0" dirty="0" smtClean="0"/>
+              <a:t>better than JMH, I’ve setup a simple </a:t>
+            </a:r>
+            <a:r>
+              <a:rPr lang="en-US" baseline="0" dirty="0" err="1" smtClean="0"/>
+              <a:t>Gradle</a:t>
+            </a:r>
+            <a:r>
+              <a:rPr lang="en-US" baseline="0" dirty="0" smtClean="0"/>
+              <a:t> project which will run JMH for you – all you have to do is add your code to the </a:t>
+            </a:r>
+            <a:r>
+              <a:rPr lang="en-US" baseline="0" dirty="0" err="1" smtClean="0"/>
+              <a:t>src</a:t>
+            </a:r>
+            <a:r>
+              <a:rPr lang="en-US" baseline="0" dirty="0" smtClean="0"/>
+              <a:t>/</a:t>
+            </a:r>
+            <a:r>
+              <a:rPr lang="en-US" baseline="0" dirty="0" err="1" smtClean="0"/>
+              <a:t>jmh</a:t>
+            </a:r>
+            <a:r>
+              <a:rPr lang="en-US" baseline="0" dirty="0" smtClean="0"/>
+              <a:t>/java folder, and run.</a:t>
+            </a:r>
+          </a:p>
+          <a:p>
+            <a:endParaRPr lang="en-US" baseline="0" dirty="0" smtClean="0"/>
+          </a:p>
+          <a:p>
+            <a:pPr marL="0" marR="0" indent="0" algn="l" defTabSz="914400" rtl="0" eaLnBrk="1" fontAlgn="auto" latinLnBrk="0" hangingPunct="1">
+              <a:lnSpc>
+                <a:spcPct val="100000"/>
+              </a:lnSpc>
+              <a:spcBef>
+                <a:spcPts val="0"/>
+              </a:spcBef>
+              <a:spcAft>
+                <a:spcPts val="0"/>
+              </a:spcAft>
+              <a:buClrTx/>
+              <a:buSzTx/>
+              <a:buFontTx/>
+              <a:buNone/>
+              <a:tabLst/>
+              <a:defRPr/>
+            </a:pPr>
+            <a:r>
+              <a:rPr lang="en-US" dirty="0" smtClean="0"/>
+              <a:t>It is possible to run benchmarks from within an existing project, and even from within an IDE, however setup is more complex and the results are less reliable.</a:t>
+            </a:r>
+          </a:p>
+        </p:txBody>
+      </p:sp>
+      <p:sp>
+        <p:nvSpPr>
+          <p:cNvPr id="4" name="Slide Number Placeholder 3"/>
+          <p:cNvSpPr>
+            <a:spLocks noGrp="1"/>
+          </p:cNvSpPr>
+          <p:nvPr>
+            <p:ph type="sldNum" sz="quarter" idx="10"/>
+          </p:nvPr>
+        </p:nvSpPr>
+        <p:spPr/>
+        <p:txBody>
+          <a:bodyPr/>
+          <a:lstStyle/>
+          <a:p>
+            <a:fld id="{CFAD290B-5269-4E99-8A8A-8691B1EB0AE9}" type="slidenum">
+              <a:rPr lang="en-US" smtClean="0"/>
+              <a:t>5</a:t>
+            </a:fld>
+            <a:endParaRPr lang="en-US"/>
+          </a:p>
+        </p:txBody>
+      </p:sp>
+    </p:spTree>
+    <p:extLst>
+      <p:ext uri="{BB962C8B-B14F-4D97-AF65-F5344CB8AC3E}">
+        <p14:creationId xmlns:p14="http://schemas.microsoft.com/office/powerpoint/2010/main" val="278153674"/>
+      </p:ext>
+    </p:extLst>
+  </p:cSld>
+  <p:clrMapOvr>
+    <a:masterClrMapping/>
+  </p:clrMapOvr>
+</p:notes>
+</file>
+
+<file path=ppt/notesSlides/notesSlide4.xml><?xml version="1.0" encoding="utf-8"?>
+<p:notes xmlns:a="http://schemas.openxmlformats.org/drawingml/2006/main" xmlns:r="http://schemas.openxmlformats.org/officeDocument/2006/relationships" xmlns:p="http://schemas.openxmlformats.org/presentationml/2006/main">
+  <p:cSld>
+    <p:spTree>
+      <p:nvGrpSpPr>
+        <p:cNvPr id="1" name=""/>
+        <p:cNvGrpSpPr/>
+        <p:nvPr/>
+      </p:nvGrpSpPr>
+      <p:grpSpPr>
+        <a:xfrm>
+          <a:off x="0" y="0"/>
+          <a:ext cx="0" cy="0"/>
+          <a:chOff x="0" y="0"/>
+          <a:chExt cx="0" cy="0"/>
+        </a:xfrm>
+      </p:grpSpPr>
+      <p:sp>
+        <p:nvSpPr>
+          <p:cNvPr id="2" name="Slide Image Placeholder 1"/>
+          <p:cNvSpPr>
+            <a:spLocks noGrp="1" noRot="1" noChangeAspect="1"/>
+          </p:cNvSpPr>
+          <p:nvPr>
+            <p:ph type="sldImg"/>
+          </p:nvPr>
+        </p:nvSpPr>
+        <p:spPr/>
+      </p:sp>
+      <p:sp>
+        <p:nvSpPr>
+          <p:cNvPr id="3" name="Notes Placeholder 2"/>
+          <p:cNvSpPr>
+            <a:spLocks noGrp="1"/>
+          </p:cNvSpPr>
+          <p:nvPr>
+            <p:ph type="body" idx="1"/>
+          </p:nvPr>
+        </p:nvSpPr>
+        <p:spPr/>
+        <p:txBody>
+          <a:bodyPr/>
+          <a:lstStyle/>
+          <a:p>
+            <a:r>
+              <a:rPr lang="en-US" dirty="0" smtClean="0"/>
+              <a:t>When dealing with large projects, it is customary to keep the benchmarks in a separate subproject, which then depends on the tested modules via the usual build dependencies.</a:t>
             </a:r>
             <a:endParaRPr lang="en-US" dirty="0"/>
           </a:p>
@@ -735,7 +959,123 @@
           <a:p>
             <a:fld id="{CFAD290B-5269-4E99-8A8A-8691B1EB0AE9}" type="slidenum">
               <a:rPr lang="en-US" smtClean="0"/>
-              <a:t>5</a:t>
+              <a:t>6</a:t>
+            </a:fld>
+            <a:endParaRPr lang="en-US"/>
+          </a:p>
+        </p:txBody>
+      </p:sp>
+    </p:spTree>
+    <p:extLst>
+      <p:ext uri="{BB962C8B-B14F-4D97-AF65-F5344CB8AC3E}">
+        <p14:creationId xmlns:p14="http://schemas.microsoft.com/office/powerpoint/2010/main" val="3355601355"/>
+      </p:ext>
+    </p:extLst>
+  </p:cSld>
+  <p:clrMapOvr>
+    <a:masterClrMapping/>
+  </p:clrMapOvr>
+</p:notes>
+</file>
+
+<file path=ppt/notesSlides/notesSlide5.xml><?xml version="1.0" encoding="utf-8"?>
+<p:notes xmlns:a="http://schemas.openxmlformats.org/drawingml/2006/main" xmlns:r="http://schemas.openxmlformats.org/officeDocument/2006/relationships" xmlns:p="http://schemas.openxmlformats.org/presentationml/2006/main">
+  <p:cSld>
+    <p:spTree>
+      <p:nvGrpSpPr>
+        <p:cNvPr id="1" name=""/>
+        <p:cNvGrpSpPr/>
+        <p:nvPr/>
+      </p:nvGrpSpPr>
+      <p:grpSpPr>
+        <a:xfrm>
+          <a:off x="0" y="0"/>
+          <a:ext cx="0" cy="0"/>
+          <a:chOff x="0" y="0"/>
+          <a:chExt cx="0" cy="0"/>
+        </a:xfrm>
+      </p:grpSpPr>
+      <p:sp>
+        <p:nvSpPr>
+          <p:cNvPr id="2" name="Slide Image Placeholder 1"/>
+          <p:cNvSpPr>
+            <a:spLocks noGrp="1" noRot="1" noChangeAspect="1"/>
+          </p:cNvSpPr>
+          <p:nvPr>
+            <p:ph type="sldImg"/>
+          </p:nvPr>
+        </p:nvSpPr>
+        <p:spPr/>
+      </p:sp>
+      <p:sp>
+        <p:nvSpPr>
+          <p:cNvPr id="3" name="Notes Placeholder 2"/>
+          <p:cNvSpPr>
+            <a:spLocks noGrp="1"/>
+          </p:cNvSpPr>
+          <p:nvPr>
+            <p:ph type="body" idx="1"/>
+          </p:nvPr>
+        </p:nvSpPr>
+        <p:spPr/>
+        <p:txBody>
+          <a:bodyPr/>
+          <a:lstStyle/>
+          <a:p>
+            <a:r>
+              <a:rPr lang="en-US" dirty="0" smtClean="0"/>
+              <a:t>The</a:t>
+            </a:r>
+            <a:r>
+              <a:rPr lang="en-US" baseline="0" dirty="0" smtClean="0"/>
+              <a:t> default m</a:t>
+            </a:r>
+            <a:r>
+              <a:rPr lang="en-US" dirty="0" smtClean="0"/>
+              <a:t>ax</a:t>
+            </a:r>
+            <a:r>
+              <a:rPr lang="en-US" baseline="0" dirty="0" smtClean="0"/>
+              <a:t> </a:t>
+            </a:r>
+            <a:r>
+              <a:rPr lang="en-US" baseline="0" dirty="0" smtClean="0"/>
+              <a:t>of 1 second – shows </a:t>
+            </a:r>
+            <a:r>
+              <a:rPr lang="en-US" baseline="0" dirty="0" smtClean="0"/>
+              <a:t>the emphasis </a:t>
+            </a:r>
+            <a:r>
+              <a:rPr lang="en-US" baseline="0" dirty="0" smtClean="0"/>
+              <a:t>on “micro”-</a:t>
+            </a:r>
+            <a:r>
+              <a:rPr lang="en-US" baseline="0" dirty="0" smtClean="0"/>
+              <a:t>benchmarks.</a:t>
+            </a:r>
+            <a:endParaRPr lang="en-US" dirty="0"/>
+          </a:p>
+        </p:txBody>
+      </p:sp>
+      <p:sp>
+        <p:nvSpPr>
+          <p:cNvPr id="4" name="Slide Number Placeholder 3"/>
+          <p:cNvSpPr>
+            <a:spLocks noGrp="1"/>
+          </p:cNvSpPr>
+          <p:nvPr>
+            <p:ph type="sldNum" sz="quarter" idx="10"/>
+          </p:nvPr>
+        </p:nvSpPr>
+        <p:spPr/>
+        <p:txBody>
+          <a:bodyPr/>
+          <a:lstStyle/>
+          <a:p>
+            <a:fld id="{CFAD290B-5269-4E99-8A8A-8691B1EB0AE9}" type="slidenum">
+              <a:rPr lang="en-US" smtClean="0"/>
+              <a:t>7</a:t>
             </a:fld>
             <a:endParaRPr lang="en-US"/>
           </a:p>
@@ -745,6 +1085,184 @@
     <p:extLst>
       <p:ext uri="{BB962C8B-B14F-4D97-AF65-F5344CB8AC3E}">
         <p14:creationId xmlns:p14="http://schemas.microsoft.com/office/powerpoint/2010/main" val="1668912180"/>
+      </p:ext>
+    </p:extLst>
+  </p:cSld>
+  <p:clrMapOvr>
+    <a:masterClrMapping/>
+  </p:clrMapOvr>
+</p:notes>
+</file>
+
+<file path=ppt/notesSlides/notesSlide6.xml><?xml version="1.0" encoding="utf-8"?>
+<p:notes xmlns:a="http://schemas.openxmlformats.org/drawingml/2006/main" xmlns:r="http://schemas.openxmlformats.org/officeDocument/2006/relationships" xmlns:p="http://schemas.openxmlformats.org/presentationml/2006/main">
+  <p:cSld>
+    <p:spTree>
+      <p:nvGrpSpPr>
+        <p:cNvPr id="1" name=""/>
+        <p:cNvGrpSpPr/>
+        <p:nvPr/>
+      </p:nvGrpSpPr>
+      <p:grpSpPr>
+        <a:xfrm>
+          <a:off x="0" y="0"/>
+          <a:ext cx="0" cy="0"/>
+          <a:chOff x="0" y="0"/>
+          <a:chExt cx="0" cy="0"/>
+        </a:xfrm>
+      </p:grpSpPr>
+      <p:sp>
+        <p:nvSpPr>
+          <p:cNvPr id="2" name="Slide Image Placeholder 1"/>
+          <p:cNvSpPr>
+            <a:spLocks noGrp="1" noRot="1" noChangeAspect="1"/>
+          </p:cNvSpPr>
+          <p:nvPr>
+            <p:ph type="sldImg"/>
+          </p:nvPr>
+        </p:nvSpPr>
+        <p:spPr/>
+      </p:sp>
+      <p:sp>
+        <p:nvSpPr>
+          <p:cNvPr id="3" name="Notes Placeholder 2"/>
+          <p:cNvSpPr>
+            <a:spLocks noGrp="1"/>
+          </p:cNvSpPr>
+          <p:nvPr>
+            <p:ph type="body" idx="1"/>
+          </p:nvPr>
+        </p:nvSpPr>
+        <p:spPr/>
+        <p:txBody>
+          <a:bodyPr/>
+          <a:lstStyle/>
+          <a:p>
+            <a:r>
+              <a:rPr lang="en-US" dirty="0" smtClean="0"/>
+              <a:t>Results of running</a:t>
+            </a:r>
+            <a:r>
+              <a:rPr lang="en-US" baseline="0" dirty="0" smtClean="0"/>
+              <a:t> JMH are written to /build/reports – which is the default </a:t>
+            </a:r>
+            <a:r>
+              <a:rPr lang="en-US" baseline="0" dirty="0" err="1" smtClean="0"/>
+              <a:t>Gradle</a:t>
+            </a:r>
+            <a:r>
+              <a:rPr lang="en-US" baseline="0" dirty="0" smtClean="0"/>
+              <a:t> report output directory </a:t>
+            </a:r>
+            <a:r>
+              <a:rPr lang="en-US" baseline="0" dirty="0" smtClean="0"/>
+              <a:t>– </a:t>
+            </a:r>
+            <a:r>
+              <a:rPr lang="en-US" baseline="0" dirty="0" smtClean="0"/>
+              <a:t>/</a:t>
+            </a:r>
+            <a:r>
+              <a:rPr lang="en-US" baseline="0" dirty="0" err="1" smtClean="0"/>
+              <a:t>jmh</a:t>
+            </a:r>
+            <a:r>
+              <a:rPr lang="en-US" baseline="0" dirty="0" smtClean="0"/>
+              <a:t>/human.txt for human-readable output</a:t>
+            </a:r>
+            <a:endParaRPr lang="en-US" dirty="0" smtClean="0"/>
+          </a:p>
+          <a:p>
+            <a:endParaRPr lang="en-US" dirty="0" smtClean="0"/>
+          </a:p>
+          <a:p>
+            <a:r>
+              <a:rPr lang="en-US" dirty="0" smtClean="0"/>
+              <a:t>Alternately,</a:t>
+            </a:r>
+            <a:r>
+              <a:rPr lang="en-US" baseline="0" dirty="0" smtClean="0"/>
+              <a:t> this runner is setup as a Visual Studio Code project – which is in many ways a nicer editor/runner than eclipse for this sort of thing – I’d use eclipse for heavy java development, but for managing the project and running it, </a:t>
+            </a:r>
+            <a:r>
+              <a:rPr lang="en-US" baseline="0" dirty="0" err="1" smtClean="0"/>
+              <a:t>VSCode</a:t>
+            </a:r>
+            <a:r>
+              <a:rPr lang="en-US" baseline="0" dirty="0" smtClean="0"/>
+              <a:t> is nicer.  It calls out to </a:t>
+            </a:r>
+            <a:r>
+              <a:rPr lang="en-US" baseline="0" dirty="0" err="1" smtClean="0"/>
+              <a:t>Gradle</a:t>
+            </a:r>
+            <a:r>
+              <a:rPr lang="en-US" baseline="0" dirty="0" smtClean="0"/>
+              <a:t>.</a:t>
+            </a:r>
+          </a:p>
+          <a:p>
+            <a:r>
+              <a:rPr lang="en-US" b="1" baseline="0" dirty="0" smtClean="0"/>
+              <a:t>Ctrl-Shift-R </a:t>
+            </a:r>
+            <a:r>
+              <a:rPr lang="en-US" b="0" baseline="0" dirty="0" smtClean="0"/>
+              <a:t>to run tasks – </a:t>
+            </a:r>
+            <a:r>
+              <a:rPr lang="en-US" b="0" baseline="0" dirty="0" err="1" smtClean="0"/>
+              <a:t>jmh</a:t>
+            </a:r>
+            <a:r>
+              <a:rPr lang="en-US" b="0" baseline="0" dirty="0" smtClean="0"/>
+              <a:t> task</a:t>
+            </a:r>
+            <a:endParaRPr lang="en-US" b="1" baseline="0" dirty="0" smtClean="0"/>
+          </a:p>
+          <a:p>
+            <a:r>
+              <a:rPr lang="en-US" b="0" baseline="0" dirty="0" smtClean="0"/>
+              <a:t>Bindings defined in hidden .</a:t>
+            </a:r>
+            <a:r>
+              <a:rPr lang="en-US" b="0" baseline="0" dirty="0" err="1" smtClean="0"/>
+              <a:t>vscode</a:t>
+            </a:r>
+            <a:r>
+              <a:rPr lang="en-US" b="0" baseline="0" dirty="0" smtClean="0"/>
+              <a:t> directory</a:t>
+            </a:r>
+          </a:p>
+        </p:txBody>
+      </p:sp>
+      <p:sp>
+        <p:nvSpPr>
+          <p:cNvPr id="4" name="Slide Number Placeholder 3"/>
+          <p:cNvSpPr>
+            <a:spLocks noGrp="1"/>
+          </p:cNvSpPr>
+          <p:nvPr>
+            <p:ph type="sldNum" sz="quarter" idx="10"/>
+          </p:nvPr>
+        </p:nvSpPr>
+        <p:spPr/>
+        <p:txBody>
+          <a:bodyPr/>
+          <a:lstStyle/>
+          <a:p>
+            <a:fld id="{CFAD290B-5269-4E99-8A8A-8691B1EB0AE9}" type="slidenum">
+              <a:rPr lang="en-US" smtClean="0"/>
+              <a:t>8</a:t>
+            </a:fld>
+            <a:endParaRPr lang="en-US"/>
+          </a:p>
+        </p:txBody>
+      </p:sp>
+    </p:spTree>
+    <p:extLst>
+      <p:ext uri="{BB962C8B-B14F-4D97-AF65-F5344CB8AC3E}">
+        <p14:creationId xmlns:p14="http://schemas.microsoft.com/office/powerpoint/2010/main" val="1506391699"/>
       </p:ext>
     </p:extLst>
   </p:cSld>
@@ -885,7 +1403,7 @@
           <a:p>
             <a:fld id="{389CBC56-3CF8-4B9B-874C-BFFEBE1619EE}" type="datetimeFigureOut">
               <a:rPr lang="en-US" smtClean="0"/>
-              <a:t>1/12/2016</a:t>
+              <a:t>1/14/2016</a:t>
             </a:fld>
             <a:endParaRPr lang="en-US"/>
           </a:p>
@@ -1055,7 +1573,7 @@
           <a:p>
             <a:fld id="{389CBC56-3CF8-4B9B-874C-BFFEBE1619EE}" type="datetimeFigureOut">
               <a:rPr lang="en-US" smtClean="0"/>
-              <a:t>1/12/2016</a:t>
+              <a:t>1/14/2016</a:t>
             </a:fld>
             <a:endParaRPr lang="en-US"/>
           </a:p>
@@ -1235,7 +1753,7 @@
           <a:p>
             <a:fld id="{389CBC56-3CF8-4B9B-874C-BFFEBE1619EE}" type="datetimeFigureOut">
               <a:rPr lang="en-US" smtClean="0"/>
-              <a:t>1/12/2016</a:t>
+              <a:t>1/14/2016</a:t>
             </a:fld>
             <a:endParaRPr lang="en-US"/>
           </a:p>
@@ -1405,7 +1923,7 @@
           <a:p>
             <a:fld id="{389CBC56-3CF8-4B9B-874C-BFFEBE1619EE}" type="datetimeFigureOut">
               <a:rPr lang="en-US" smtClean="0"/>
-              <a:t>1/12/2016</a:t>
+              <a:t>1/14/2016</a:t>
             </a:fld>
             <a:endParaRPr lang="en-US"/>
           </a:p>
@@ -1651,7 +2169,7 @@
           <a:p>
             <a:fld id="{389CBC56-3CF8-4B9B-874C-BFFEBE1619EE}" type="datetimeFigureOut">
               <a:rPr lang="en-US" smtClean="0"/>
-              <a:t>1/12/2016</a:t>
+              <a:t>1/14/2016</a:t>
             </a:fld>
             <a:endParaRPr lang="en-US"/>
           </a:p>
@@ -1883,7 +2401,7 @@
           <a:p>
             <a:fld id="{389CBC56-3CF8-4B9B-874C-BFFEBE1619EE}" type="datetimeFigureOut">
               <a:rPr lang="en-US" smtClean="0"/>
-              <a:t>1/12/2016</a:t>
+              <a:t>1/14/2016</a:t>
             </a:fld>
             <a:endParaRPr lang="en-US"/>
           </a:p>
@@ -2250,7 +2768,7 @@
           <a:p>
             <a:fld id="{389CBC56-3CF8-4B9B-874C-BFFEBE1619EE}" type="datetimeFigureOut">
               <a:rPr lang="en-US" smtClean="0"/>
-              <a:t>1/12/2016</a:t>
+              <a:t>1/14/2016</a:t>
             </a:fld>
             <a:endParaRPr lang="en-US"/>
           </a:p>
@@ -2368,7 +2886,7 @@
           <a:p>
             <a:fld id="{389CBC56-3CF8-4B9B-874C-BFFEBE1619EE}" type="datetimeFigureOut">
               <a:rPr lang="en-US" smtClean="0"/>
-              <a:t>1/12/2016</a:t>
+              <a:t>1/14/2016</a:t>
             </a:fld>
             <a:endParaRPr lang="en-US"/>
           </a:p>
@@ -2463,7 +2981,7 @@
           <a:p>
             <a:fld id="{389CBC56-3CF8-4B9B-874C-BFFEBE1619EE}" type="datetimeFigureOut">
               <a:rPr lang="en-US" smtClean="0"/>
-              <a:t>1/12/2016</a:t>
+              <a:t>1/14/2016</a:t>
             </a:fld>
             <a:endParaRPr lang="en-US"/>
           </a:p>
@@ -2740,7 +3258,7 @@
           <a:p>
             <a:fld id="{389CBC56-3CF8-4B9B-874C-BFFEBE1619EE}" type="datetimeFigureOut">
               <a:rPr lang="en-US" smtClean="0"/>
-              <a:t>1/12/2016</a:t>
+              <a:t>1/14/2016</a:t>
             </a:fld>
             <a:endParaRPr lang="en-US"/>
           </a:p>
@@ -2993,7 +3511,7 @@
           <a:p>
             <a:fld id="{389CBC56-3CF8-4B9B-874C-BFFEBE1619EE}" type="datetimeFigureOut">
               <a:rPr lang="en-US" smtClean="0"/>
-              <a:t>1/12/2016</a:t>
+              <a:t>1/14/2016</a:t>
             </a:fld>
             <a:endParaRPr lang="en-US"/>
           </a:p>
@@ -3206,7 +3724,7 @@
           <a:p>
             <a:fld id="{389CBC56-3CF8-4B9B-874C-BFFEBE1619EE}" type="datetimeFigureOut">
               <a:rPr lang="en-US" smtClean="0"/>
-              <a:t>1/12/2016</a:t>
+              <a:t>1/14/2016</a:t>
             </a:fld>
             <a:endParaRPr lang="en-US"/>
           </a:p>
@@ -3662,6 +4180,296 @@
 </p:sld>
 </file>
 
+<file path=ppt/slides/slide10.xml><?xml version="1.0" encoding="utf-8"?>
+<p:sld xmlns:a="http://schemas.openxmlformats.org/drawingml/2006/main" xmlns:r="http://schemas.openxmlformats.org/officeDocument/2006/relationships" xmlns:p="http://schemas.openxmlformats.org/presentationml/2006/main">
+  <p:cSld>
+    <p:spTree>
+      <p:nvGrpSpPr>
+        <p:cNvPr id="1" name=""/>
+        <p:cNvGrpSpPr/>
+        <p:nvPr/>
+      </p:nvGrpSpPr>
+      <p:grpSpPr>
+        <a:xfrm>
+          <a:off x="0" y="0"/>
+          <a:ext cx="0" cy="0"/>
+          <a:chOff x="0" y="0"/>
+          <a:chExt cx="0" cy="0"/>
+        </a:xfrm>
+      </p:grpSpPr>
+      <p:sp>
+        <p:nvSpPr>
+          <p:cNvPr id="2" name="Title 1"/>
+          <p:cNvSpPr>
+            <a:spLocks noGrp="1"/>
+          </p:cNvSpPr>
+          <p:nvPr>
+            <p:ph type="title"/>
+          </p:nvPr>
+        </p:nvSpPr>
+        <p:spPr/>
+        <p:txBody>
+          <a:bodyPr/>
+          <a:lstStyle/>
+          <a:p>
+            <a:r>
+              <a:rPr lang="en-US" dirty="0" smtClean="0"/>
+              <a:t>Further Considerations</a:t>
+            </a:r>
+            <a:endParaRPr lang="en-US" dirty="0"/>
+          </a:p>
+        </p:txBody>
+      </p:sp>
+      <p:sp>
+        <p:nvSpPr>
+          <p:cNvPr id="3" name="Content Placeholder 2"/>
+          <p:cNvSpPr>
+            <a:spLocks noGrp="1"/>
+          </p:cNvSpPr>
+          <p:nvPr>
+            <p:ph idx="1"/>
+          </p:nvPr>
+        </p:nvSpPr>
+        <p:spPr/>
+        <p:txBody>
+          <a:bodyPr/>
+          <a:lstStyle/>
+          <a:p>
+            <a:r>
+              <a:rPr lang="en-US" b="1" dirty="0"/>
+              <a:t>JMH annotations </a:t>
+            </a:r>
+            <a:r>
+              <a:rPr lang="en-US" b="1" dirty="0" err="1"/>
+              <a:t>Javadocs</a:t>
+            </a:r>
+            <a:r>
+              <a:rPr lang="en-US" b="1" dirty="0"/>
+              <a:t> and Samples are essential </a:t>
+            </a:r>
+            <a:r>
+              <a:rPr lang="en-US" b="1" dirty="0" smtClean="0"/>
+              <a:t>reading</a:t>
+            </a:r>
+            <a:endParaRPr lang="en-US" dirty="0" smtClean="0"/>
+          </a:p>
+          <a:p>
+            <a:pPr lvl="1"/>
+            <a:r>
+              <a:rPr lang="en-US" dirty="0" smtClean="0"/>
+              <a:t>Follow </a:t>
+            </a:r>
+            <a:r>
+              <a:rPr lang="en-US" dirty="0"/>
+              <a:t>the </a:t>
+            </a:r>
+            <a:r>
+              <a:rPr lang="en-US" dirty="0">
+                <a:hlinkClick r:id="rId2"/>
+              </a:rPr>
+              <a:t>JMH samples</a:t>
+            </a:r>
+            <a:r>
+              <a:rPr lang="en-US" dirty="0"/>
+              <a:t> to get familiar with the API, use cases, culprits, and pitfalls </a:t>
+            </a:r>
+          </a:p>
+          <a:p>
+            <a:r>
+              <a:rPr lang="en-US" b="1" dirty="0" smtClean="0"/>
+              <a:t>Your </a:t>
+            </a:r>
+            <a:r>
+              <a:rPr lang="en-US" b="1" dirty="0"/>
+              <a:t>benchmarks should be </a:t>
+            </a:r>
+            <a:r>
+              <a:rPr lang="en-US" b="1" dirty="0" smtClean="0"/>
+              <a:t>peer-reviewed</a:t>
+            </a:r>
+            <a:endParaRPr lang="en-US" dirty="0" smtClean="0"/>
+          </a:p>
+          <a:p>
+            <a:pPr lvl="1"/>
+            <a:r>
+              <a:rPr lang="en-US" dirty="0" smtClean="0"/>
+              <a:t>JMH does </a:t>
+            </a:r>
+            <a:r>
+              <a:rPr lang="en-US" b="1" dirty="0" smtClean="0"/>
+              <a:t>NOT</a:t>
+            </a:r>
+            <a:r>
+              <a:rPr lang="en-US" dirty="0" smtClean="0"/>
+              <a:t> magically </a:t>
+            </a:r>
+            <a:r>
+              <a:rPr lang="en-US" dirty="0"/>
+              <a:t>free you from considering benchmarking </a:t>
+            </a:r>
+            <a:r>
+              <a:rPr lang="en-US" dirty="0" smtClean="0"/>
+              <a:t>pitfalls</a:t>
+            </a:r>
+          </a:p>
+          <a:p>
+            <a:pPr lvl="1"/>
+            <a:r>
+              <a:rPr lang="en-US" dirty="0" smtClean="0"/>
+              <a:t>“We </a:t>
+            </a:r>
+            <a:r>
+              <a:rPr lang="en-US" dirty="0"/>
+              <a:t>only promise to make avoiding them easier, not </a:t>
+            </a:r>
+            <a:r>
+              <a:rPr lang="en-US" dirty="0" smtClean="0"/>
+              <a:t>avoid </a:t>
+            </a:r>
+            <a:r>
+              <a:rPr lang="en-US" dirty="0"/>
+              <a:t>them completely</a:t>
+            </a:r>
+            <a:r>
+              <a:rPr lang="en-US" dirty="0" smtClean="0"/>
+              <a:t>.”</a:t>
+            </a:r>
+            <a:endParaRPr lang="en-US" dirty="0"/>
+          </a:p>
+          <a:p>
+            <a:endParaRPr lang="en-US" dirty="0"/>
+          </a:p>
+        </p:txBody>
+      </p:sp>
+    </p:spTree>
+    <p:extLst>
+      <p:ext uri="{BB962C8B-B14F-4D97-AF65-F5344CB8AC3E}">
+        <p14:creationId xmlns:p14="http://schemas.microsoft.com/office/powerpoint/2010/main" val="347531558"/>
+      </p:ext>
+    </p:extLst>
+  </p:cSld>
+  <p:clrMapOvr>
+    <a:masterClrMapping/>
+  </p:clrMapOvr>
+</p:sld>
+</file>
+
+<file path=ppt/slides/slide11.xml><?xml version="1.0" encoding="utf-8"?>
+<p:sld xmlns:a="http://schemas.openxmlformats.org/drawingml/2006/main" xmlns:r="http://schemas.openxmlformats.org/officeDocument/2006/relationships" xmlns:p="http://schemas.openxmlformats.org/presentationml/2006/main">
+  <p:cSld>
+    <p:spTree>
+      <p:nvGrpSpPr>
+        <p:cNvPr id="1" name=""/>
+        <p:cNvGrpSpPr/>
+        <p:nvPr/>
+      </p:nvGrpSpPr>
+      <p:grpSpPr>
+        <a:xfrm>
+          <a:off x="0" y="0"/>
+          <a:ext cx="0" cy="0"/>
+          <a:chOff x="0" y="0"/>
+          <a:chExt cx="0" cy="0"/>
+        </a:xfrm>
+      </p:grpSpPr>
+      <p:sp>
+        <p:nvSpPr>
+          <p:cNvPr id="2" name="Title 1"/>
+          <p:cNvSpPr>
+            <a:spLocks noGrp="1"/>
+          </p:cNvSpPr>
+          <p:nvPr>
+            <p:ph type="title"/>
+          </p:nvPr>
+        </p:nvSpPr>
+        <p:spPr/>
+        <p:txBody>
+          <a:bodyPr/>
+          <a:lstStyle/>
+          <a:p>
+            <a:r>
+              <a:rPr lang="en-US" dirty="0" smtClean="0"/>
+              <a:t>References</a:t>
+            </a:r>
+            <a:endParaRPr lang="en-US" dirty="0"/>
+          </a:p>
+        </p:txBody>
+      </p:sp>
+      <p:sp>
+        <p:nvSpPr>
+          <p:cNvPr id="3" name="Content Placeholder 2"/>
+          <p:cNvSpPr>
+            <a:spLocks noGrp="1"/>
+          </p:cNvSpPr>
+          <p:nvPr>
+            <p:ph idx="1"/>
+          </p:nvPr>
+        </p:nvSpPr>
+        <p:spPr/>
+        <p:txBody>
+          <a:bodyPr/>
+          <a:lstStyle/>
+          <a:p>
+            <a:r>
+              <a:rPr lang="en-US" dirty="0">
+                <a:hlinkClick r:id="rId2"/>
+              </a:rPr>
+              <a:t>http://</a:t>
+            </a:r>
+            <a:r>
+              <a:rPr lang="en-US" dirty="0" smtClean="0">
+                <a:hlinkClick r:id="rId2"/>
+              </a:rPr>
+              <a:t>www.oracle.com/technetwork/articles/java/architect-benchmarking-2266277.html</a:t>
+            </a:r>
+            <a:endParaRPr lang="en-US" dirty="0" smtClean="0"/>
+          </a:p>
+          <a:p>
+            <a:pPr lvl="1"/>
+            <a:r>
+              <a:rPr lang="en-US" dirty="0" smtClean="0"/>
+              <a:t>The basis for this whole </a:t>
+            </a:r>
+            <a:r>
+              <a:rPr lang="en-US" dirty="0" smtClean="0"/>
+              <a:t>presentation</a:t>
+            </a:r>
+          </a:p>
+          <a:p>
+            <a:pPr lvl="1"/>
+            <a:endParaRPr lang="en-US" dirty="0" smtClean="0"/>
+          </a:p>
+          <a:p>
+            <a:r>
+              <a:rPr lang="en-US" dirty="0" smtClean="0"/>
+              <a:t>Background</a:t>
+            </a:r>
+            <a:endParaRPr lang="en-US" dirty="0"/>
+          </a:p>
+          <a:p>
+            <a:pPr lvl="1"/>
+            <a:r>
+              <a:rPr lang="en-US" dirty="0">
+                <a:hlinkClick r:id="rId3"/>
+              </a:rPr>
+              <a:t>http://java-performance.info/jmh/</a:t>
+            </a:r>
+            <a:endParaRPr lang="en-US" dirty="0"/>
+          </a:p>
+        </p:txBody>
+      </p:sp>
+    </p:spTree>
+    <p:extLst>
+      <p:ext uri="{BB962C8B-B14F-4D97-AF65-F5344CB8AC3E}">
+        <p14:creationId xmlns:p14="http://schemas.microsoft.com/office/powerpoint/2010/main" val="1280026601"/>
+      </p:ext>
+    </p:extLst>
+  </p:cSld>
+  <p:clrMapOvr>
+    <a:masterClrMapping/>
+  </p:clrMapOvr>
+</p:sld>
+</file>
+
 <file path=ppt/slides/slide2.xml><?xml version="1.0" encoding="utf-8"?>
 <p:sld xmlns:a="http://schemas.openxmlformats.org/drawingml/2006/main" xmlns:r="http://schemas.openxmlformats.org/officeDocument/2006/relationships" xmlns:p="http://schemas.openxmlformats.org/presentationml/2006/main">
   <p:cSld>
@@ -3803,14 +4611,17 @@
         <p:spPr/>
         <p:txBody>
           <a:bodyPr>
-            <a:normAutofit lnSpcReduction="10000"/>
+            <a:normAutofit fontScale="92500" lnSpcReduction="10000"/>
           </a:bodyPr>
           <a:lstStyle/>
           <a:p>
             <a:r>
-              <a:rPr lang="en-US" dirty="0"/>
+              <a:rPr lang="en-US" dirty="0" smtClean="0">
+                <a:hlinkClick r:id="rId3"/>
+              </a:rPr>
               <a:t>http://openjdk.java.net/projects/code-tools/jmh/</a:t>
             </a:r>
+            <a:endParaRPr lang="en-US" dirty="0" smtClean="0"/>
           </a:p>
           <a:p>
             <a:r>
@@ -3822,7 +4633,11 @@
             <a:pPr lvl="1"/>
             <a:r>
               <a:rPr lang="en-US" dirty="0" smtClean="0"/>
-              <a:t>Does not prevent all pitfalls, but can at least mitigate MOST of them</a:t>
+              <a:t>Does </a:t>
+            </a:r>
+            <a:r>
+              <a:rPr lang="en-US" dirty="0" smtClean="0"/>
+              <a:t>not prevent all pitfalls, but can at least mitigate MOST of them</a:t>
             </a:r>
           </a:p>
           <a:p>
@@ -3847,8 +4662,20 @@
             <a:pPr lvl="1"/>
             <a:r>
               <a:rPr lang="en-US" dirty="0" smtClean="0"/>
-              <a:t>Active development (1.11.2 released October 2015)</a:t>
-            </a:r>
+              <a:t>Active development (1.11.2 released October 2015</a:t>
+            </a:r>
+            <a:r>
+              <a:rPr lang="en-US" dirty="0" smtClean="0"/>
+              <a:t>)</a:t>
+            </a:r>
+          </a:p>
+          <a:p>
+            <a:pPr lvl="1"/>
+            <a:r>
+              <a:rPr lang="en-US" dirty="0" smtClean="0"/>
+              <a:t>Developed by same guys in Oracle who maintain the JIT</a:t>
+            </a:r>
+            <a:endParaRPr lang="en-US" dirty="0" smtClean="0"/>
           </a:p>
           <a:p>
             <a:r>
@@ -3918,7 +4745,7 @@
           <a:p>
             <a:r>
               <a:rPr lang="en-US" dirty="0" smtClean="0"/>
-              <a:t>JMH and Maven</a:t>
+              <a:t>JMH – How it Works</a:t>
             </a:r>
             <a:endParaRPr lang="en-US" dirty="0"/>
           </a:p>
@@ -3939,67 +4766,14 @@
           <a:bodyPr/>
           <a:lstStyle/>
           <a:p>
-            <a:r>
-              <a:rPr lang="en-US" dirty="0" smtClean="0"/>
-              <a:t>Setup as a Maven project</a:t>
-            </a:r>
-          </a:p>
-          <a:p>
-            <a:r>
-              <a:rPr lang="en-US" dirty="0" smtClean="0"/>
-              <a:t>#$*@ Maven – use </a:t>
-            </a:r>
-            <a:r>
-              <a:rPr lang="en-US" dirty="0" err="1" smtClean="0"/>
-              <a:t>Gradle</a:t>
-            </a:r>
-            <a:r>
-              <a:rPr lang="en-US" dirty="0" smtClean="0"/>
-              <a:t> instead</a:t>
-            </a:r>
-          </a:p>
-          <a:p>
-            <a:pPr lvl="1"/>
-            <a:r>
-              <a:rPr lang="en-US" dirty="0">
-                <a:hlinkClick r:id="rId3"/>
-              </a:rPr>
-              <a:t>https://</a:t>
-            </a:r>
-            <a:r>
-              <a:rPr lang="en-US" dirty="0" smtClean="0">
-                <a:hlinkClick r:id="rId3"/>
-              </a:rPr>
-              <a:t>github.com/melix/jmh-gradle-plugin</a:t>
-            </a:r>
-            <a:endParaRPr lang="en-US" dirty="0" smtClean="0"/>
-          </a:p>
-          <a:p>
-            <a:pPr lvl="1"/>
-            <a:r>
-              <a:rPr lang="en-US" dirty="0" smtClean="0"/>
-              <a:t>“The </a:t>
-            </a:r>
-            <a:r>
-              <a:rPr lang="en-US" dirty="0" err="1"/>
-              <a:t>jmh</a:t>
-            </a:r>
-            <a:r>
-              <a:rPr lang="en-US" dirty="0"/>
-              <a:t> plugin makes it easy to test existing sources without having to create a separate project for this</a:t>
-            </a:r>
-            <a:r>
-              <a:rPr lang="en-US" dirty="0" smtClean="0"/>
-              <a:t>.”</a:t>
-            </a:r>
-            <a:endParaRPr lang="en-US" dirty="0"/>
+            <a:endParaRPr lang="en-US"/>
           </a:p>
         </p:txBody>
       </p:sp>
     </p:spTree>
     <p:extLst>
       <p:ext uri="{BB962C8B-B14F-4D97-AF65-F5344CB8AC3E}">
-        <p14:creationId xmlns:p14="http://schemas.microsoft.com/office/powerpoint/2010/main" val="3570349981"/>
+        <p14:creationId xmlns:p14="http://schemas.microsoft.com/office/powerpoint/2010/main" val="1717836692"/>
       </p:ext>
     </p:extLst>
   </p:cSld>
@@ -4043,7 +4817,7 @@
           <a:p>
             <a:r>
               <a:rPr lang="en-US" dirty="0" smtClean="0"/>
-              <a:t>JMH Defaults</a:t>
+              <a:t>JMH – Setup</a:t>
             </a:r>
             <a:endParaRPr lang="en-US" dirty="0"/>
           </a:p>
@@ -4061,73 +4835,149 @@
         </p:nvSpPr>
         <p:spPr/>
         <p:txBody>
-          <a:bodyPr/>
-          <a:lstStyle/>
-          <a:p>
-            <a:r>
-              <a:rPr lang="en-US" dirty="0" smtClean="0"/>
-              <a:t>Each benchmark run 20 warm-up rounds (max 1 second each)</a:t>
-            </a:r>
-          </a:p>
-          <a:p>
-            <a:r>
-              <a:rPr lang="en-US" dirty="0" smtClean="0"/>
-              <a:t>Then 20 measurement rounds (max 1 second each)</a:t>
-            </a:r>
-          </a:p>
-          <a:p>
-            <a:r>
-              <a:rPr lang="en-US" dirty="0" smtClean="0"/>
-              <a:t>Launches a new JVM 10 times for running each benchmark</a:t>
-            </a:r>
-          </a:p>
-          <a:p>
-            <a:r>
-              <a:rPr lang="en-US" dirty="0" smtClean="0"/>
-              <a:t>Command line flags and source annotations can customize this per benchmark</a:t>
+          <a:bodyPr>
+            <a:normAutofit fontScale="92500"/>
+          </a:bodyPr>
+          <a:lstStyle/>
+          <a:p>
+            <a:r>
+              <a:rPr lang="en-US" dirty="0" smtClean="0"/>
+              <a:t>Setup as a Maven </a:t>
+            </a:r>
+            <a:r>
+              <a:rPr lang="en-US" dirty="0" smtClean="0"/>
+              <a:t>project</a:t>
             </a:r>
           </a:p>
           <a:p>
             <a:pPr lvl="1"/>
             <a:r>
               <a:rPr lang="en-US" dirty="0" smtClean="0"/>
-              <a:t>Running through </a:t>
-            </a:r>
-            <a:r>
-              <a:rPr lang="en-US" dirty="0" err="1" smtClean="0"/>
-              <a:t>Gradle</a:t>
-            </a:r>
-            <a:r>
-              <a:rPr lang="en-US" dirty="0" smtClean="0"/>
-              <a:t> – configurable in build script</a:t>
-            </a:r>
-          </a:p>
-          <a:p>
-            <a:pPr lvl="1"/>
+              <a:t>“</a:t>
+            </a:r>
+            <a:r>
+              <a:rPr lang="en-US" dirty="0"/>
+              <a:t>The recommended way to run a JMH benchmark is to use </a:t>
+            </a:r>
             <a:r>
               <a:rPr lang="en-US" dirty="0">
                 <a:hlinkClick r:id="rId3"/>
               </a:rPr>
+              <a:t>Maven</a:t>
+            </a:r>
+            <a:r>
+              <a:rPr lang="en-US" dirty="0"/>
+              <a:t> to setup a standalone project that depends on the jar files of your </a:t>
+            </a:r>
+            <a:r>
+              <a:rPr lang="en-US" dirty="0" smtClean="0"/>
+              <a:t>application”</a:t>
+            </a:r>
+            <a:endParaRPr lang="en-US" dirty="0" smtClean="0"/>
+          </a:p>
+          <a:p>
+            <a:r>
+              <a:rPr lang="en-US" dirty="0" smtClean="0"/>
+              <a:t>#$*@ Maven – use </a:t>
+            </a:r>
+            <a:r>
+              <a:rPr lang="en-US" dirty="0" err="1" smtClean="0"/>
+              <a:t>Gradle</a:t>
+            </a:r>
+            <a:r>
+              <a:rPr lang="en-US" dirty="0" smtClean="0"/>
+              <a:t> </a:t>
+            </a:r>
+            <a:r>
+              <a:rPr lang="en-US" dirty="0" smtClean="0"/>
+              <a:t>instead	</a:t>
+            </a:r>
+            <a:endParaRPr lang="en-US" dirty="0" smtClean="0"/>
+          </a:p>
+          <a:p>
+            <a:pPr lvl="1"/>
+            <a:r>
+              <a:rPr lang="en-US" dirty="0">
+                <a:hlinkClick r:id="rId4"/>
+              </a:rPr>
               <a:t>https://</a:t>
             </a:r>
             <a:r>
               <a:rPr lang="en-US" dirty="0" smtClean="0">
-                <a:hlinkClick r:id="rId3"/>
+                <a:hlinkClick r:id="rId4"/>
               </a:rPr>
-              <a:t>github.com/melix/jmh-gradle-plugin#configuration-options</a:t>
+              <a:t>github.com/melix/jmh-gradle-plugin</a:t>
             </a:r>
             <a:endParaRPr lang="en-US" dirty="0" smtClean="0"/>
           </a:p>
           <a:p>
             <a:pPr lvl="1"/>
+            <a:r>
+              <a:rPr lang="en-US" dirty="0" smtClean="0"/>
+              <a:t>“The </a:t>
+            </a:r>
+            <a:r>
+              <a:rPr lang="en-US" dirty="0" err="1"/>
+              <a:t>jmh</a:t>
+            </a:r>
+            <a:r>
+              <a:rPr lang="en-US" dirty="0"/>
+              <a:t> plugin makes it easy to test existing sources without having to create a separate project for this</a:t>
+            </a:r>
+            <a:r>
+              <a:rPr lang="en-US" dirty="0" smtClean="0"/>
+              <a:t>.”</a:t>
+            </a:r>
             <a:endParaRPr lang="en-US" dirty="0"/>
+          </a:p>
+          <a:p>
+            <a:r>
+              <a:rPr lang="en-US" dirty="0" smtClean="0"/>
+              <a:t>Runner project already setup – just add the code you want to benchmark</a:t>
+            </a:r>
+          </a:p>
+          <a:p>
+            <a:pPr lvl="1"/>
+            <a:r>
+              <a:rPr lang="en-US" dirty="0" smtClean="0"/>
+              <a:t>Type “</a:t>
+            </a:r>
+            <a:r>
+              <a:rPr lang="en-US" dirty="0" err="1" smtClean="0"/>
+              <a:t>gradle</a:t>
+            </a:r>
+            <a:r>
+              <a:rPr lang="en-US" dirty="0" smtClean="0"/>
+              <a:t> </a:t>
+            </a:r>
+            <a:r>
+              <a:rPr lang="en-US" dirty="0" err="1" smtClean="0"/>
+              <a:t>jmh</a:t>
+            </a:r>
+            <a:r>
+              <a:rPr lang="en-US" dirty="0" smtClean="0"/>
+              <a:t>” and then wait for results</a:t>
+            </a:r>
+          </a:p>
+          <a:p>
+            <a:r>
+              <a:rPr lang="en-US" dirty="0" smtClean="0"/>
+              <a:t>Possible to run within an existing project, within an IDE</a:t>
+            </a:r>
+          </a:p>
+          <a:p>
+            <a:pPr lvl="1"/>
+            <a:r>
+              <a:rPr lang="en-US" dirty="0" smtClean="0"/>
+              <a:t>Not recommended</a:t>
+            </a:r>
           </a:p>
         </p:txBody>
       </p:sp>
     </p:spTree>
     <p:extLst>
       <p:ext uri="{BB962C8B-B14F-4D97-AF65-F5344CB8AC3E}">
-        <p14:creationId xmlns:p14="http://schemas.microsoft.com/office/powerpoint/2010/main" val="2162986850"/>
+        <p14:creationId xmlns:p14="http://schemas.microsoft.com/office/powerpoint/2010/main" val="3570349981"/>
       </p:ext>
     </p:extLst>
   </p:cSld>
@@ -4170,8 +5020,12 @@
           <a:lstStyle/>
           <a:p>
             <a:r>
-              <a:rPr lang="en-US" dirty="0" smtClean="0"/>
-              <a:t>References</a:t>
+              <a:rPr lang="en-US" dirty="0"/>
+              <a:t>JMH – </a:t>
+            </a:r>
+            <a:r>
+              <a:rPr lang="en-US" dirty="0" smtClean="0"/>
+              <a:t>Setup (2)</a:t>
             </a:r>
             <a:endParaRPr lang="en-US" dirty="0"/>
           </a:p>
@@ -4193,37 +5047,379 @@
           <a:lstStyle/>
           <a:p>
             <a:r>
-              <a:rPr lang="en-US" dirty="0">
-                <a:hlinkClick r:id="rId2"/>
-              </a:rPr>
-              <a:t>http://</a:t>
-            </a:r>
-            <a:r>
-              <a:rPr lang="en-US" dirty="0" smtClean="0">
-                <a:hlinkClick r:id="rId2"/>
-              </a:rPr>
-              <a:t>www.oracle.com/technetwork/articles/java/architect-benchmarking-2266277.html</a:t>
-            </a:r>
-            <a:endParaRPr lang="en-US" dirty="0" smtClean="0"/>
+              <a:rPr lang="en-US" dirty="0" smtClean="0"/>
+              <a:t>Keep code and benchmarks separate</a:t>
+            </a:r>
+          </a:p>
+          <a:p>
+            <a:r>
+              <a:rPr lang="en-US" dirty="0" smtClean="0"/>
+              <a:t>In </a:t>
+            </a:r>
+            <a:r>
+              <a:rPr lang="en-US" dirty="0" err="1" smtClean="0"/>
+              <a:t>Gradle</a:t>
+            </a:r>
+            <a:r>
+              <a:rPr lang="en-US" dirty="0" smtClean="0"/>
+              <a:t>/Maven – split into 2 separate source trees</a:t>
+            </a:r>
+            <a:endParaRPr lang="en-US" dirty="0"/>
           </a:p>
           <a:p>
             <a:pPr lvl="1"/>
             <a:r>
-              <a:rPr lang="en-US" dirty="0" smtClean="0"/>
-              <a:t>The basis for this </a:t>
-            </a:r>
-            <a:r>
-              <a:rPr lang="en-US" smtClean="0"/>
-              <a:t>whole presentation</a:t>
-            </a:r>
-            <a:endParaRPr lang="en-US"/>
+              <a:rPr lang="en-US" dirty="0"/>
+              <a:t>/</a:t>
+            </a:r>
+            <a:r>
+              <a:rPr lang="en-US" dirty="0" err="1" smtClean="0"/>
+              <a:t>src</a:t>
+            </a:r>
+            <a:r>
+              <a:rPr lang="en-US" dirty="0" smtClean="0"/>
+              <a:t>/main/java</a:t>
+            </a:r>
+          </a:p>
+          <a:p>
+            <a:pPr lvl="2"/>
+            <a:r>
+              <a:rPr lang="en-US" dirty="0" smtClean="0"/>
+              <a:t>Application code</a:t>
+            </a:r>
+          </a:p>
+          <a:p>
+            <a:pPr lvl="1"/>
+            <a:r>
+              <a:rPr lang="en-US" dirty="0" smtClean="0"/>
+              <a:t>/</a:t>
+            </a:r>
+            <a:r>
+              <a:rPr lang="en-US" dirty="0" err="1" smtClean="0"/>
+              <a:t>src</a:t>
+            </a:r>
+            <a:r>
+              <a:rPr lang="en-US" dirty="0" smtClean="0"/>
+              <a:t>/</a:t>
+            </a:r>
+            <a:r>
+              <a:rPr lang="en-US" dirty="0" err="1" smtClean="0"/>
+              <a:t>jmh</a:t>
+            </a:r>
+            <a:r>
+              <a:rPr lang="en-US" dirty="0" smtClean="0"/>
+              <a:t>/java</a:t>
+            </a:r>
+          </a:p>
+          <a:p>
+            <a:pPr lvl="2"/>
+            <a:r>
+              <a:rPr lang="en-US" dirty="0" smtClean="0"/>
+              <a:t>Benchmark code</a:t>
+            </a:r>
+          </a:p>
+          <a:p>
+            <a:r>
+              <a:rPr lang="en-US" dirty="0" smtClean="0"/>
+              <a:t>Or build a benchmark project which depends on your application jar(s)</a:t>
+            </a:r>
           </a:p>
         </p:txBody>
       </p:sp>
     </p:spTree>
     <p:extLst>
       <p:ext uri="{BB962C8B-B14F-4D97-AF65-F5344CB8AC3E}">
-        <p14:creationId xmlns:p14="http://schemas.microsoft.com/office/powerpoint/2010/main" val="1280026601"/>
+        <p14:creationId xmlns:p14="http://schemas.microsoft.com/office/powerpoint/2010/main" val="324309615"/>
+      </p:ext>
+    </p:extLst>
+  </p:cSld>
+  <p:clrMapOvr>
+    <a:masterClrMapping/>
+  </p:clrMapOvr>
+</p:sld>
+</file>
+
+<file path=ppt/slides/slide7.xml><?xml version="1.0" encoding="utf-8"?>
+<p:sld xmlns:a="http://schemas.openxmlformats.org/drawingml/2006/main" xmlns:r="http://schemas.openxmlformats.org/officeDocument/2006/relationships" xmlns:p="http://schemas.openxmlformats.org/presentationml/2006/main">
+  <p:cSld>
+    <p:spTree>
+      <p:nvGrpSpPr>
+        <p:cNvPr id="1" name=""/>
+        <p:cNvGrpSpPr/>
+        <p:nvPr/>
+      </p:nvGrpSpPr>
+      <p:grpSpPr>
+        <a:xfrm>
+          <a:off x="0" y="0"/>
+          <a:ext cx="0" cy="0"/>
+          <a:chOff x="0" y="0"/>
+          <a:chExt cx="0" cy="0"/>
+        </a:xfrm>
+      </p:grpSpPr>
+      <p:sp>
+        <p:nvSpPr>
+          <p:cNvPr id="2" name="Title 1"/>
+          <p:cNvSpPr>
+            <a:spLocks noGrp="1"/>
+          </p:cNvSpPr>
+          <p:nvPr>
+            <p:ph type="title"/>
+          </p:nvPr>
+        </p:nvSpPr>
+        <p:spPr/>
+        <p:txBody>
+          <a:bodyPr/>
+          <a:lstStyle/>
+          <a:p>
+            <a:r>
+              <a:rPr lang="en-US" dirty="0" smtClean="0"/>
+              <a:t>JMH </a:t>
+            </a:r>
+            <a:r>
+              <a:rPr lang="en-US" dirty="0" smtClean="0"/>
+              <a:t>– Defaults</a:t>
+            </a:r>
+            <a:endParaRPr lang="en-US" dirty="0"/>
+          </a:p>
+        </p:txBody>
+      </p:sp>
+      <p:sp>
+        <p:nvSpPr>
+          <p:cNvPr id="3" name="Content Placeholder 2"/>
+          <p:cNvSpPr>
+            <a:spLocks noGrp="1"/>
+          </p:cNvSpPr>
+          <p:nvPr>
+            <p:ph idx="1"/>
+          </p:nvPr>
+        </p:nvSpPr>
+        <p:spPr/>
+        <p:txBody>
+          <a:bodyPr/>
+          <a:lstStyle/>
+          <a:p>
+            <a:r>
+              <a:rPr lang="en-US" dirty="0" smtClean="0"/>
+              <a:t>Each benchmark run 20 warm-up rounds (max 1 second each)</a:t>
+            </a:r>
+          </a:p>
+          <a:p>
+            <a:r>
+              <a:rPr lang="en-US" dirty="0" smtClean="0"/>
+              <a:t>Then 20 measurement rounds (max 1 second each)</a:t>
+            </a:r>
+          </a:p>
+          <a:p>
+            <a:r>
+              <a:rPr lang="en-US" dirty="0" smtClean="0"/>
+              <a:t>Launches a new JVM 10 times for running each benchmark</a:t>
+            </a:r>
+          </a:p>
+          <a:p>
+            <a:r>
+              <a:rPr lang="en-US" dirty="0" smtClean="0"/>
+              <a:t>Command line flags and source annotations can customize this per benchmark</a:t>
+            </a:r>
+          </a:p>
+          <a:p>
+            <a:pPr lvl="1"/>
+            <a:r>
+              <a:rPr lang="en-US" dirty="0" smtClean="0"/>
+              <a:t>Running through </a:t>
+            </a:r>
+            <a:r>
+              <a:rPr lang="en-US" dirty="0" err="1" smtClean="0"/>
+              <a:t>Gradle</a:t>
+            </a:r>
+            <a:r>
+              <a:rPr lang="en-US" dirty="0" smtClean="0"/>
+              <a:t> – configurable in build script</a:t>
+            </a:r>
+          </a:p>
+          <a:p>
+            <a:pPr lvl="1"/>
+            <a:r>
+              <a:rPr lang="en-US" dirty="0">
+                <a:hlinkClick r:id="rId3"/>
+              </a:rPr>
+              <a:t>https://</a:t>
+            </a:r>
+            <a:r>
+              <a:rPr lang="en-US" dirty="0" smtClean="0">
+                <a:hlinkClick r:id="rId3"/>
+              </a:rPr>
+              <a:t>github.com/melix/jmh-gradle-plugin#configuration-options</a:t>
+            </a:r>
+            <a:endParaRPr lang="en-US" dirty="0" smtClean="0"/>
+          </a:p>
+          <a:p>
+            <a:pPr lvl="1"/>
+            <a:endParaRPr lang="en-US" dirty="0"/>
+          </a:p>
+        </p:txBody>
+      </p:sp>
+    </p:spTree>
+    <p:extLst>
+      <p:ext uri="{BB962C8B-B14F-4D97-AF65-F5344CB8AC3E}">
+        <p14:creationId xmlns:p14="http://schemas.microsoft.com/office/powerpoint/2010/main" val="2162986850"/>
+      </p:ext>
+    </p:extLst>
+  </p:cSld>
+  <p:clrMapOvr>
+    <a:masterClrMapping/>
+  </p:clrMapOvr>
+</p:sld>
+</file>
+
+<file path=ppt/slides/slide8.xml><?xml version="1.0" encoding="utf-8"?>
+<p:sld xmlns:a="http://schemas.openxmlformats.org/drawingml/2006/main" xmlns:r="http://schemas.openxmlformats.org/officeDocument/2006/relationships" xmlns:p="http://schemas.openxmlformats.org/presentationml/2006/main">
+  <p:cSld>
+    <p:spTree>
+      <p:nvGrpSpPr>
+        <p:cNvPr id="1" name=""/>
+        <p:cNvGrpSpPr/>
+        <p:nvPr/>
+      </p:nvGrpSpPr>
+      <p:grpSpPr>
+        <a:xfrm>
+          <a:off x="0" y="0"/>
+          <a:ext cx="0" cy="0"/>
+          <a:chOff x="0" y="0"/>
+          <a:chExt cx="0" cy="0"/>
+        </a:xfrm>
+      </p:grpSpPr>
+      <p:sp>
+        <p:nvSpPr>
+          <p:cNvPr id="2" name="Title 1"/>
+          <p:cNvSpPr>
+            <a:spLocks noGrp="1"/>
+          </p:cNvSpPr>
+          <p:nvPr>
+            <p:ph type="title"/>
+          </p:nvPr>
+        </p:nvSpPr>
+        <p:spPr/>
+        <p:txBody>
+          <a:bodyPr/>
+          <a:lstStyle/>
+          <a:p>
+            <a:r>
+              <a:rPr lang="en-US" dirty="0" smtClean="0"/>
+              <a:t>JMH – Hello World</a:t>
+            </a:r>
+            <a:endParaRPr lang="en-US" dirty="0"/>
+          </a:p>
+        </p:txBody>
+      </p:sp>
+      <p:sp>
+        <p:nvSpPr>
+          <p:cNvPr id="3" name="Content Placeholder 2"/>
+          <p:cNvSpPr>
+            <a:spLocks noGrp="1"/>
+          </p:cNvSpPr>
+          <p:nvPr>
+            <p:ph idx="1"/>
+          </p:nvPr>
+        </p:nvSpPr>
+        <p:spPr/>
+        <p:txBody>
+          <a:bodyPr/>
+          <a:lstStyle/>
+          <a:p>
+            <a:r>
+              <a:rPr lang="en-US" dirty="0" smtClean="0"/>
+              <a:t>JMH-Runner project is self-contained example</a:t>
+            </a:r>
+          </a:p>
+          <a:p>
+            <a:r>
+              <a:rPr lang="en-US" dirty="0" smtClean="0"/>
+              <a:t>Output in build/reports/</a:t>
+            </a:r>
+            <a:r>
+              <a:rPr lang="en-US" dirty="0" err="1" smtClean="0"/>
+              <a:t>jmh</a:t>
+            </a:r>
+            <a:r>
+              <a:rPr lang="en-US" dirty="0" smtClean="0"/>
+              <a:t>/human.txt</a:t>
+            </a:r>
+            <a:endParaRPr lang="en-US" dirty="0"/>
+          </a:p>
+        </p:txBody>
+      </p:sp>
+    </p:spTree>
+    <p:extLst>
+      <p:ext uri="{BB962C8B-B14F-4D97-AF65-F5344CB8AC3E}">
+        <p14:creationId xmlns:p14="http://schemas.microsoft.com/office/powerpoint/2010/main" val="1353279716"/>
+      </p:ext>
+    </p:extLst>
+  </p:cSld>
+  <p:clrMapOvr>
+    <a:masterClrMapping/>
+  </p:clrMapOvr>
+</p:sld>
+</file>
+
+<file path=ppt/slides/slide9.xml><?xml version="1.0" encoding="utf-8"?>
+<p:sld xmlns:a="http://schemas.openxmlformats.org/drawingml/2006/main" xmlns:r="http://schemas.openxmlformats.org/officeDocument/2006/relationships" xmlns:p="http://schemas.openxmlformats.org/presentationml/2006/main">
+  <p:cSld>
+    <p:spTree>
+      <p:nvGrpSpPr>
+        <p:cNvPr id="1" name=""/>
+        <p:cNvGrpSpPr/>
+        <p:nvPr/>
+      </p:nvGrpSpPr>
+      <p:grpSpPr>
+        <a:xfrm>
+          <a:off x="0" y="0"/>
+          <a:ext cx="0" cy="0"/>
+          <a:chOff x="0" y="0"/>
+          <a:chExt cx="0" cy="0"/>
+        </a:xfrm>
+      </p:grpSpPr>
+      <p:sp>
+        <p:nvSpPr>
+          <p:cNvPr id="2" name="Title 1"/>
+          <p:cNvSpPr>
+            <a:spLocks noGrp="1"/>
+          </p:cNvSpPr>
+          <p:nvPr>
+            <p:ph type="title"/>
+          </p:nvPr>
+        </p:nvSpPr>
+        <p:spPr/>
+        <p:txBody>
+          <a:bodyPr/>
+          <a:lstStyle/>
+          <a:p>
+            <a:endParaRPr lang="en-US"/>
+          </a:p>
+        </p:txBody>
+      </p:sp>
+      <p:sp>
+        <p:nvSpPr>
+          <p:cNvPr id="3" name="Content Placeholder 2"/>
+          <p:cNvSpPr>
+            <a:spLocks noGrp="1"/>
+          </p:cNvSpPr>
+          <p:nvPr>
+            <p:ph idx="1"/>
+          </p:nvPr>
+        </p:nvSpPr>
+        <p:spPr/>
+        <p:txBody>
+          <a:bodyPr/>
+          <a:lstStyle/>
+          <a:p>
+            <a:endParaRPr lang="en-US"/>
+          </a:p>
+        </p:txBody>
+      </p:sp>
+    </p:spTree>
+    <p:extLst>
+      <p:ext uri="{BB962C8B-B14F-4D97-AF65-F5344CB8AC3E}">
+        <p14:creationId xmlns:p14="http://schemas.microsoft.com/office/powerpoint/2010/main" val="2727199964"/>
       </p:ext>
     </p:extLst>
   </p:cSld>

--- a/doc/slides.pptx
+++ b/doc/slides.pptx
@@ -5,7 +5,7 @@
     <p:sldMasterId id="2147483648" r:id="rId1"/>
   </p:sldMasterIdLst>
   <p:notesMasterIdLst>
-    <p:notesMasterId r:id="rId13"/>
+    <p:notesMasterId r:id="rId24"/>
   </p:notesMasterIdLst>
   <p:sldIdLst>
     <p:sldId id="256" r:id="rId2"/>
@@ -16,9 +16,20 @@
     <p:sldId id="263" r:id="rId7"/>
     <p:sldId id="260" r:id="rId8"/>
     <p:sldId id="265" r:id="rId9"/>
-    <p:sldId id="266" r:id="rId10"/>
-    <p:sldId id="264" r:id="rId11"/>
-    <p:sldId id="261" r:id="rId12"/>
+    <p:sldId id="267" r:id="rId10"/>
+    <p:sldId id="268" r:id="rId11"/>
+    <p:sldId id="266" r:id="rId12"/>
+    <p:sldId id="269" r:id="rId13"/>
+    <p:sldId id="270" r:id="rId14"/>
+    <p:sldId id="271" r:id="rId15"/>
+    <p:sldId id="272" r:id="rId16"/>
+    <p:sldId id="274" r:id="rId17"/>
+    <p:sldId id="275" r:id="rId18"/>
+    <p:sldId id="273" r:id="rId19"/>
+    <p:sldId id="276" r:id="rId20"/>
+    <p:sldId id="277" r:id="rId21"/>
+    <p:sldId id="264" r:id="rId22"/>
+    <p:sldId id="261" r:id="rId23"/>
   </p:sldIdLst>
   <p:sldSz cx="12192000" cy="6858000"/>
   <p:notesSz cx="6858000" cy="9144000"/>
@@ -207,7 +218,7 @@
           <a:p>
             <a:fld id="{D5C9E47B-4149-4D78-AEA7-6A63220E520D}" type="datetimeFigureOut">
               <a:rPr lang="en-US" smtClean="0"/>
-              <a:t>1/14/2016</a:t>
+              <a:t>1/21/2016</a:t>
             </a:fld>
             <a:endParaRPr lang="en-US"/>
           </a:p>
@@ -521,56 +532,46 @@
           <a:p>
             <a:r>
               <a:rPr lang="en-US" dirty="0" smtClean="0"/>
-              <a:t>Other than micro and concurrent, JMH is a general-purpose benchmarking harness also possibly useful for larger benchmarks, too.  Emphasis is on using it</a:t>
+              <a:t>I</a:t>
             </a:r>
             <a:r>
               <a:rPr lang="en-US" baseline="0" dirty="0" smtClean="0"/>
-              <a:t> for MICRO benchmarks – i.e., which version of a method is </a:t>
-            </a:r>
+              <a:t> plan to *introduce* a tool called JMH and show how to use it.</a:t>
+            </a:r>
+          </a:p>
+          <a:p>
+            <a:endParaRPr lang="en-US" baseline="0" dirty="0" smtClean="0"/>
+          </a:p>
+          <a:p>
+            <a:pPr marL="0" marR="0" indent="0" algn="l" defTabSz="914400" rtl="0" eaLnBrk="1" fontAlgn="auto" latinLnBrk="0" hangingPunct="1">
+              <a:lnSpc>
+                <a:spcPct val="100000"/>
+              </a:lnSpc>
+              <a:spcBef>
+                <a:spcPts val="0"/>
+              </a:spcBef>
+              <a:spcAft>
+                <a:spcPts val="0"/>
+              </a:spcAft>
+              <a:buClrTx/>
+              <a:buSzTx/>
+              <a:buFontTx/>
+              <a:buNone/>
+              <a:tabLst/>
+              <a:defRPr/>
+            </a:pPr>
             <a:r>
               <a:rPr lang="en-US" baseline="0" dirty="0" smtClean="0"/>
-              <a:t>faster</a:t>
-            </a:r>
-          </a:p>
-          <a:p>
-            <a:endParaRPr lang="en-US" b="1" baseline="0" dirty="0" smtClean="0"/>
-          </a:p>
-          <a:p>
-            <a:r>
-              <a:rPr lang="en-US" b="1" dirty="0" smtClean="0"/>
-              <a:t>“Its distinctive advantage </a:t>
-            </a:r>
-            <a:r>
-              <a:rPr lang="en-US" dirty="0" smtClean="0"/>
-              <a:t>over other frameworks is that it is developed by the same guys in Oracle who implement the JIT. In particular I want to mention </a:t>
-            </a:r>
-            <a:r>
-              <a:rPr lang="en-US" dirty="0" smtClean="0">
-                <a:hlinkClick r:id="rId3"/>
-              </a:rPr>
-              <a:t>Aleksey </a:t>
-            </a:r>
-            <a:r>
-              <a:rPr lang="en-US" dirty="0" err="1" smtClean="0">
-                <a:hlinkClick r:id="rId3"/>
-              </a:rPr>
-              <a:t>Shipilev</a:t>
-            </a:r>
-            <a:r>
-              <a:rPr lang="en-US" dirty="0" smtClean="0">
-                <a:hlinkClick r:id="rId3"/>
-              </a:rPr>
-              <a:t> and his brilliant blog</a:t>
-            </a:r>
-            <a:r>
-              <a:rPr lang="en-US" dirty="0" smtClean="0"/>
-              <a:t>. </a:t>
-            </a:r>
-            <a:r>
-              <a:rPr lang="en-US" b="1" dirty="0" smtClean="0"/>
-              <a:t>JMH is likely to be in sync with the latest Oracle JRE changes, which makes its results very reliable. “</a:t>
-            </a:r>
-            <a:endParaRPr lang="en-US" b="1" dirty="0"/>
+              <a:t>I’ll say up front that understanding this tool is difficult, and I am by no means an expert on either it or </a:t>
+            </a:r>
+            <a:r>
+              <a:rPr lang="en-US" baseline="0" dirty="0" smtClean="0"/>
+              <a:t>– the complex and cryptic internal workings of the JVM</a:t>
+            </a:r>
+            <a:endParaRPr lang="en-US" dirty="0" smtClean="0"/>
+          </a:p>
+          <a:p>
+            <a:endParaRPr lang="en-US" dirty="0"/>
           </a:p>
         </p:txBody>
       </p:sp>
@@ -591,7 +592,7 @@
           <a:p>
             <a:fld id="{CFAD290B-5269-4E99-8A8A-8691B1EB0AE9}" type="slidenum">
               <a:rPr lang="en-US" smtClean="0"/>
-              <a:t>3</a:t>
+              <a:t>1</a:t>
             </a:fld>
             <a:endParaRPr lang="en-US"/>
           </a:p>
@@ -600,7 +601,602 @@
     </p:spTree>
     <p:extLst>
       <p:ext uri="{BB962C8B-B14F-4D97-AF65-F5344CB8AC3E}">
-        <p14:creationId xmlns:p14="http://schemas.microsoft.com/office/powerpoint/2010/main" val="1811639297"/>
+        <p14:creationId xmlns:p14="http://schemas.microsoft.com/office/powerpoint/2010/main" val="1999268038"/>
+      </p:ext>
+    </p:extLst>
+  </p:cSld>
+  <p:clrMapOvr>
+    <a:masterClrMapping/>
+  </p:clrMapOvr>
+</p:notes>
+</file>
+
+<file path=ppt/notesSlides/notesSlide10.xml><?xml version="1.0" encoding="utf-8"?>
+<p:notes xmlns:a="http://schemas.openxmlformats.org/drawingml/2006/main" xmlns:r="http://schemas.openxmlformats.org/officeDocument/2006/relationships" xmlns:p="http://schemas.openxmlformats.org/presentationml/2006/main">
+  <p:cSld>
+    <p:spTree>
+      <p:nvGrpSpPr>
+        <p:cNvPr id="1" name=""/>
+        <p:cNvGrpSpPr/>
+        <p:nvPr/>
+      </p:nvGrpSpPr>
+      <p:grpSpPr>
+        <a:xfrm>
+          <a:off x="0" y="0"/>
+          <a:ext cx="0" cy="0"/>
+          <a:chOff x="0" y="0"/>
+          <a:chExt cx="0" cy="0"/>
+        </a:xfrm>
+      </p:grpSpPr>
+      <p:sp>
+        <p:nvSpPr>
+          <p:cNvPr id="2" name="Slide Image Placeholder 1"/>
+          <p:cNvSpPr>
+            <a:spLocks noGrp="1" noRot="1" noChangeAspect="1"/>
+          </p:cNvSpPr>
+          <p:nvPr>
+            <p:ph type="sldImg"/>
+          </p:nvPr>
+        </p:nvSpPr>
+        <p:spPr/>
+      </p:sp>
+      <p:sp>
+        <p:nvSpPr>
+          <p:cNvPr id="3" name="Notes Placeholder 2"/>
+          <p:cNvSpPr>
+            <a:spLocks noGrp="1"/>
+          </p:cNvSpPr>
+          <p:nvPr>
+            <p:ph type="body" idx="1"/>
+          </p:nvPr>
+        </p:nvSpPr>
+        <p:spPr/>
+        <p:txBody>
+          <a:bodyPr/>
+          <a:lstStyle/>
+          <a:p>
+            <a:r>
+              <a:rPr lang="en-US" dirty="0" smtClean="0"/>
+              <a:t>So</a:t>
+            </a:r>
+            <a:r>
+              <a:rPr lang="en-US" baseline="0" dirty="0" smtClean="0"/>
+              <a:t> 10 times we’ll launch a new JVM to run a loop of 20 + 20 = 40 iterations, each of which will run for a max of 1 second – 400 seconds = 6min 40sec max test time</a:t>
+            </a:r>
+          </a:p>
+          <a:p>
+            <a:endParaRPr lang="en-US" baseline="0" dirty="0" smtClean="0"/>
+          </a:p>
+          <a:p>
+            <a:r>
+              <a:rPr lang="en-US" baseline="0" dirty="0" smtClean="0"/>
+              <a:t>So these can be slow, you probably want to tweak the defaults to tone it down – especially at first, if you’re serious about optimizing, you focus on large differences, right – should be easy to see at much less precise levels of measurement which will let you spend less time waiting for your benchmarks to run.  Then you can iterate and enhance.</a:t>
+            </a:r>
+            <a:endParaRPr lang="en-US" dirty="0"/>
+          </a:p>
+        </p:txBody>
+      </p:sp>
+      <p:sp>
+        <p:nvSpPr>
+          <p:cNvPr id="4" name="Slide Number Placeholder 3"/>
+          <p:cNvSpPr>
+            <a:spLocks noGrp="1"/>
+          </p:cNvSpPr>
+          <p:nvPr>
+            <p:ph type="sldNum" sz="quarter" idx="10"/>
+          </p:nvPr>
+        </p:nvSpPr>
+        <p:spPr/>
+        <p:txBody>
+          <a:bodyPr/>
+          <a:lstStyle/>
+          <a:p>
+            <a:fld id="{CFAD290B-5269-4E99-8A8A-8691B1EB0AE9}" type="slidenum">
+              <a:rPr lang="en-US" smtClean="0"/>
+              <a:t>12</a:t>
+            </a:fld>
+            <a:endParaRPr lang="en-US"/>
+          </a:p>
+        </p:txBody>
+      </p:sp>
+    </p:spTree>
+    <p:extLst>
+      <p:ext uri="{BB962C8B-B14F-4D97-AF65-F5344CB8AC3E}">
+        <p14:creationId xmlns:p14="http://schemas.microsoft.com/office/powerpoint/2010/main" val="1739458649"/>
+      </p:ext>
+    </p:extLst>
+  </p:cSld>
+  <p:clrMapOvr>
+    <a:masterClrMapping/>
+  </p:clrMapOvr>
+</p:notes>
+</file>
+
+<file path=ppt/notesSlides/notesSlide11.xml><?xml version="1.0" encoding="utf-8"?>
+<p:notes xmlns:a="http://schemas.openxmlformats.org/drawingml/2006/main" xmlns:r="http://schemas.openxmlformats.org/officeDocument/2006/relationships" xmlns:p="http://schemas.openxmlformats.org/presentationml/2006/main">
+  <p:cSld>
+    <p:spTree>
+      <p:nvGrpSpPr>
+        <p:cNvPr id="1" name=""/>
+        <p:cNvGrpSpPr/>
+        <p:nvPr/>
+      </p:nvGrpSpPr>
+      <p:grpSpPr>
+        <a:xfrm>
+          <a:off x="0" y="0"/>
+          <a:ext cx="0" cy="0"/>
+          <a:chOff x="0" y="0"/>
+          <a:chExt cx="0" cy="0"/>
+        </a:xfrm>
+      </p:grpSpPr>
+      <p:sp>
+        <p:nvSpPr>
+          <p:cNvPr id="2" name="Slide Image Placeholder 1"/>
+          <p:cNvSpPr>
+            <a:spLocks noGrp="1" noRot="1" noChangeAspect="1"/>
+          </p:cNvSpPr>
+          <p:nvPr>
+            <p:ph type="sldImg"/>
+          </p:nvPr>
+        </p:nvSpPr>
+        <p:spPr/>
+      </p:sp>
+      <p:sp>
+        <p:nvSpPr>
+          <p:cNvPr id="3" name="Notes Placeholder 2"/>
+          <p:cNvSpPr>
+            <a:spLocks noGrp="1"/>
+          </p:cNvSpPr>
+          <p:nvPr>
+            <p:ph type="body" idx="1"/>
+          </p:nvPr>
+        </p:nvSpPr>
+        <p:spPr/>
+        <p:txBody>
+          <a:bodyPr/>
+          <a:lstStyle/>
+          <a:p>
+            <a:r>
+              <a:rPr lang="en-US" dirty="0" smtClean="0"/>
+              <a:t>Obviously, if you start asking for NS precision</a:t>
+            </a:r>
+            <a:r>
+              <a:rPr lang="en-US" baseline="0" dirty="0" smtClean="0"/>
+              <a:t> on a process which takes several milliseconds, no matter how many runs you do, you are not going to get more precise answers – but as I’ve played with JMH, I’ve found the defaults to be too precise</a:t>
+            </a:r>
+            <a:endParaRPr lang="en-US" dirty="0"/>
+          </a:p>
+        </p:txBody>
+      </p:sp>
+      <p:sp>
+        <p:nvSpPr>
+          <p:cNvPr id="4" name="Slide Number Placeholder 3"/>
+          <p:cNvSpPr>
+            <a:spLocks noGrp="1"/>
+          </p:cNvSpPr>
+          <p:nvPr>
+            <p:ph type="sldNum" sz="quarter" idx="10"/>
+          </p:nvPr>
+        </p:nvSpPr>
+        <p:spPr/>
+        <p:txBody>
+          <a:bodyPr/>
+          <a:lstStyle/>
+          <a:p>
+            <a:fld id="{CFAD290B-5269-4E99-8A8A-8691B1EB0AE9}" type="slidenum">
+              <a:rPr lang="en-US" smtClean="0"/>
+              <a:t>13</a:t>
+            </a:fld>
+            <a:endParaRPr lang="en-US"/>
+          </a:p>
+        </p:txBody>
+      </p:sp>
+    </p:spTree>
+    <p:extLst>
+      <p:ext uri="{BB962C8B-B14F-4D97-AF65-F5344CB8AC3E}">
+        <p14:creationId xmlns:p14="http://schemas.microsoft.com/office/powerpoint/2010/main" val="1749795084"/>
+      </p:ext>
+    </p:extLst>
+  </p:cSld>
+  <p:clrMapOvr>
+    <a:masterClrMapping/>
+  </p:clrMapOvr>
+</p:notes>
+</file>
+
+<file path=ppt/notesSlides/notesSlide12.xml><?xml version="1.0" encoding="utf-8"?>
+<p:notes xmlns:a="http://schemas.openxmlformats.org/drawingml/2006/main" xmlns:r="http://schemas.openxmlformats.org/officeDocument/2006/relationships" xmlns:p="http://schemas.openxmlformats.org/presentationml/2006/main">
+  <p:cSld>
+    <p:spTree>
+      <p:nvGrpSpPr>
+        <p:cNvPr id="1" name=""/>
+        <p:cNvGrpSpPr/>
+        <p:nvPr/>
+      </p:nvGrpSpPr>
+      <p:grpSpPr>
+        <a:xfrm>
+          <a:off x="0" y="0"/>
+          <a:ext cx="0" cy="0"/>
+          <a:chOff x="0" y="0"/>
+          <a:chExt cx="0" cy="0"/>
+        </a:xfrm>
+      </p:grpSpPr>
+      <p:sp>
+        <p:nvSpPr>
+          <p:cNvPr id="2" name="Slide Image Placeholder 1"/>
+          <p:cNvSpPr>
+            <a:spLocks noGrp="1" noRot="1" noChangeAspect="1"/>
+          </p:cNvSpPr>
+          <p:nvPr>
+            <p:ph type="sldImg"/>
+          </p:nvPr>
+        </p:nvSpPr>
+        <p:spPr/>
+      </p:sp>
+      <p:sp>
+        <p:nvSpPr>
+          <p:cNvPr id="3" name="Notes Placeholder 2"/>
+          <p:cNvSpPr>
+            <a:spLocks noGrp="1"/>
+          </p:cNvSpPr>
+          <p:nvPr>
+            <p:ph type="body" idx="1"/>
+          </p:nvPr>
+        </p:nvSpPr>
+        <p:spPr/>
+        <p:txBody>
+          <a:bodyPr/>
+          <a:lstStyle/>
+          <a:p>
+            <a:r>
+              <a:rPr lang="en-US" dirty="0" smtClean="0"/>
+              <a:t>This</a:t>
+            </a:r>
+            <a:r>
+              <a:rPr lang="en-US" baseline="0" dirty="0" smtClean="0"/>
+              <a:t> is the attempt by the makers of JMH (the same people who work on the JIT) to tell the JVM in no uncertain terms to avoid optimizing away the thing you are trying to benchmark.</a:t>
+            </a:r>
+          </a:p>
+          <a:p>
+            <a:endParaRPr lang="en-US" baseline="0" dirty="0" smtClean="0"/>
+          </a:p>
+          <a:p>
+            <a:r>
+              <a:rPr lang="en-US" dirty="0" smtClean="0"/>
+              <a:t>I have no clue what</a:t>
+            </a:r>
+            <a:r>
+              <a:rPr lang="en-US" baseline="0" dirty="0" smtClean="0"/>
+              <a:t> this class is doing or why it is doing it.  Looking at the internals – it’s all just voodoo to me.  But the JMH guys, who are the JIT guys, say this is the best way to avoid your code getting optimized away – and its very easy to use.</a:t>
+            </a:r>
+            <a:endParaRPr lang="en-US" dirty="0"/>
+          </a:p>
+        </p:txBody>
+      </p:sp>
+      <p:sp>
+        <p:nvSpPr>
+          <p:cNvPr id="4" name="Slide Number Placeholder 3"/>
+          <p:cNvSpPr>
+            <a:spLocks noGrp="1"/>
+          </p:cNvSpPr>
+          <p:nvPr>
+            <p:ph type="sldNum" sz="quarter" idx="10"/>
+          </p:nvPr>
+        </p:nvSpPr>
+        <p:spPr/>
+        <p:txBody>
+          <a:bodyPr/>
+          <a:lstStyle/>
+          <a:p>
+            <a:fld id="{CFAD290B-5269-4E99-8A8A-8691B1EB0AE9}" type="slidenum">
+              <a:rPr lang="en-US" smtClean="0"/>
+              <a:t>16</a:t>
+            </a:fld>
+            <a:endParaRPr lang="en-US"/>
+          </a:p>
+        </p:txBody>
+      </p:sp>
+    </p:spTree>
+    <p:extLst>
+      <p:ext uri="{BB962C8B-B14F-4D97-AF65-F5344CB8AC3E}">
+        <p14:creationId xmlns:p14="http://schemas.microsoft.com/office/powerpoint/2010/main" val="3515685751"/>
+      </p:ext>
+    </p:extLst>
+  </p:cSld>
+  <p:clrMapOvr>
+    <a:masterClrMapping/>
+  </p:clrMapOvr>
+</p:notes>
+</file>
+
+<file path=ppt/notesSlides/notesSlide13.xml><?xml version="1.0" encoding="utf-8"?>
+<p:notes xmlns:a="http://schemas.openxmlformats.org/drawingml/2006/main" xmlns:r="http://schemas.openxmlformats.org/officeDocument/2006/relationships" xmlns:p="http://schemas.openxmlformats.org/presentationml/2006/main">
+  <p:cSld>
+    <p:spTree>
+      <p:nvGrpSpPr>
+        <p:cNvPr id="1" name=""/>
+        <p:cNvGrpSpPr/>
+        <p:nvPr/>
+      </p:nvGrpSpPr>
+      <p:grpSpPr>
+        <a:xfrm>
+          <a:off x="0" y="0"/>
+          <a:ext cx="0" cy="0"/>
+          <a:chOff x="0" y="0"/>
+          <a:chExt cx="0" cy="0"/>
+        </a:xfrm>
+      </p:grpSpPr>
+      <p:sp>
+        <p:nvSpPr>
+          <p:cNvPr id="2" name="Slide Image Placeholder 1"/>
+          <p:cNvSpPr>
+            <a:spLocks noGrp="1" noRot="1" noChangeAspect="1"/>
+          </p:cNvSpPr>
+          <p:nvPr>
+            <p:ph type="sldImg"/>
+          </p:nvPr>
+        </p:nvSpPr>
+        <p:spPr/>
+      </p:sp>
+      <p:sp>
+        <p:nvSpPr>
+          <p:cNvPr id="3" name="Notes Placeholder 2"/>
+          <p:cNvSpPr>
+            <a:spLocks noGrp="1"/>
+          </p:cNvSpPr>
+          <p:nvPr>
+            <p:ph type="body" idx="1"/>
+          </p:nvPr>
+        </p:nvSpPr>
+        <p:spPr/>
+        <p:txBody>
+          <a:bodyPr/>
+          <a:lstStyle/>
+          <a:p>
+            <a:endParaRPr lang="en-US" dirty="0"/>
+          </a:p>
+        </p:txBody>
+      </p:sp>
+      <p:sp>
+        <p:nvSpPr>
+          <p:cNvPr id="4" name="Slide Number Placeholder 3"/>
+          <p:cNvSpPr>
+            <a:spLocks noGrp="1"/>
+          </p:cNvSpPr>
+          <p:nvPr>
+            <p:ph type="sldNum" sz="quarter" idx="10"/>
+          </p:nvPr>
+        </p:nvSpPr>
+        <p:spPr/>
+        <p:txBody>
+          <a:bodyPr/>
+          <a:lstStyle/>
+          <a:p>
+            <a:fld id="{CFAD290B-5269-4E99-8A8A-8691B1EB0AE9}" type="slidenum">
+              <a:rPr lang="en-US" smtClean="0"/>
+              <a:t>17</a:t>
+            </a:fld>
+            <a:endParaRPr lang="en-US"/>
+          </a:p>
+        </p:txBody>
+      </p:sp>
+    </p:spTree>
+    <p:extLst>
+      <p:ext uri="{BB962C8B-B14F-4D97-AF65-F5344CB8AC3E}">
+        <p14:creationId xmlns:p14="http://schemas.microsoft.com/office/powerpoint/2010/main" val="1383870499"/>
+      </p:ext>
+    </p:extLst>
+  </p:cSld>
+  <p:clrMapOvr>
+    <a:masterClrMapping/>
+  </p:clrMapOvr>
+</p:notes>
+</file>
+
+<file path=ppt/notesSlides/notesSlide14.xml><?xml version="1.0" encoding="utf-8"?>
+<p:notes xmlns:a="http://schemas.openxmlformats.org/drawingml/2006/main" xmlns:r="http://schemas.openxmlformats.org/officeDocument/2006/relationships" xmlns:p="http://schemas.openxmlformats.org/presentationml/2006/main">
+  <p:cSld>
+    <p:spTree>
+      <p:nvGrpSpPr>
+        <p:cNvPr id="1" name=""/>
+        <p:cNvGrpSpPr/>
+        <p:nvPr/>
+      </p:nvGrpSpPr>
+      <p:grpSpPr>
+        <a:xfrm>
+          <a:off x="0" y="0"/>
+          <a:ext cx="0" cy="0"/>
+          <a:chOff x="0" y="0"/>
+          <a:chExt cx="0" cy="0"/>
+        </a:xfrm>
+      </p:grpSpPr>
+      <p:sp>
+        <p:nvSpPr>
+          <p:cNvPr id="2" name="Slide Image Placeholder 1"/>
+          <p:cNvSpPr>
+            <a:spLocks noGrp="1" noRot="1" noChangeAspect="1"/>
+          </p:cNvSpPr>
+          <p:nvPr>
+            <p:ph type="sldImg"/>
+          </p:nvPr>
+        </p:nvSpPr>
+        <p:spPr/>
+      </p:sp>
+      <p:sp>
+        <p:nvSpPr>
+          <p:cNvPr id="3" name="Notes Placeholder 2"/>
+          <p:cNvSpPr>
+            <a:spLocks noGrp="1"/>
+          </p:cNvSpPr>
+          <p:nvPr>
+            <p:ph type="body" idx="1"/>
+          </p:nvPr>
+        </p:nvSpPr>
+        <p:spPr/>
+        <p:txBody>
+          <a:bodyPr/>
+          <a:lstStyle/>
+          <a:p>
+            <a:endParaRPr lang="en-US" dirty="0"/>
+          </a:p>
+        </p:txBody>
+      </p:sp>
+      <p:sp>
+        <p:nvSpPr>
+          <p:cNvPr id="4" name="Slide Number Placeholder 3"/>
+          <p:cNvSpPr>
+            <a:spLocks noGrp="1"/>
+          </p:cNvSpPr>
+          <p:nvPr>
+            <p:ph type="sldNum" sz="quarter" idx="10"/>
+          </p:nvPr>
+        </p:nvSpPr>
+        <p:spPr/>
+        <p:txBody>
+          <a:bodyPr/>
+          <a:lstStyle/>
+          <a:p>
+            <a:fld id="{CFAD290B-5269-4E99-8A8A-8691B1EB0AE9}" type="slidenum">
+              <a:rPr lang="en-US" smtClean="0"/>
+              <a:t>18</a:t>
+            </a:fld>
+            <a:endParaRPr lang="en-US"/>
+          </a:p>
+        </p:txBody>
+      </p:sp>
+    </p:spTree>
+    <p:extLst>
+      <p:ext uri="{BB962C8B-B14F-4D97-AF65-F5344CB8AC3E}">
+        <p14:creationId xmlns:p14="http://schemas.microsoft.com/office/powerpoint/2010/main" val="1269356262"/>
+      </p:ext>
+    </p:extLst>
+  </p:cSld>
+  <p:clrMapOvr>
+    <a:masterClrMapping/>
+  </p:clrMapOvr>
+</p:notes>
+</file>
+
+<file path=ppt/notesSlides/notesSlide15.xml><?xml version="1.0" encoding="utf-8"?>
+<p:notes xmlns:a="http://schemas.openxmlformats.org/drawingml/2006/main" xmlns:r="http://schemas.openxmlformats.org/officeDocument/2006/relationships" xmlns:p="http://schemas.openxmlformats.org/presentationml/2006/main">
+  <p:cSld>
+    <p:spTree>
+      <p:nvGrpSpPr>
+        <p:cNvPr id="1" name=""/>
+        <p:cNvGrpSpPr/>
+        <p:nvPr/>
+      </p:nvGrpSpPr>
+      <p:grpSpPr>
+        <a:xfrm>
+          <a:off x="0" y="0"/>
+          <a:ext cx="0" cy="0"/>
+          <a:chOff x="0" y="0"/>
+          <a:chExt cx="0" cy="0"/>
+        </a:xfrm>
+      </p:grpSpPr>
+      <p:sp>
+        <p:nvSpPr>
+          <p:cNvPr id="2" name="Slide Image Placeholder 1"/>
+          <p:cNvSpPr>
+            <a:spLocks noGrp="1" noRot="1" noChangeAspect="1"/>
+          </p:cNvSpPr>
+          <p:nvPr>
+            <p:ph type="sldImg"/>
+          </p:nvPr>
+        </p:nvSpPr>
+        <p:spPr/>
+      </p:sp>
+      <p:sp>
+        <p:nvSpPr>
+          <p:cNvPr id="3" name="Notes Placeholder 2"/>
+          <p:cNvSpPr>
+            <a:spLocks noGrp="1"/>
+          </p:cNvSpPr>
+          <p:nvPr>
+            <p:ph type="body" idx="1"/>
+          </p:nvPr>
+        </p:nvSpPr>
+        <p:spPr/>
+        <p:txBody>
+          <a:bodyPr/>
+          <a:lstStyle/>
+          <a:p>
+            <a:r>
+              <a:rPr lang="en-US" dirty="0" smtClean="0"/>
+              <a:t>We can clearly see the effects of dead-code elimination and constant folding. The only meaningful measurement of distance() is when the value is being consumed by JMH (using the </a:t>
+            </a:r>
+            <a:r>
+              <a:rPr lang="en-US" dirty="0" err="1" smtClean="0"/>
+              <a:t>bBlackhole</a:t>
+            </a:r>
+            <a:r>
+              <a:rPr lang="en-US" dirty="0" smtClean="0"/>
+              <a:t>) and the</a:t>
+            </a:r>
+            <a:r>
+              <a:rPr lang="en-US" baseline="0" dirty="0" smtClean="0"/>
+              <a:t> </a:t>
+            </a:r>
+            <a:r>
+              <a:rPr lang="en-US" dirty="0" smtClean="0"/>
+              <a:t>parameters are passed through field values of a @State class. </a:t>
+            </a:r>
+          </a:p>
+          <a:p>
+            <a:endParaRPr lang="en-US" dirty="0" smtClean="0"/>
+          </a:p>
+          <a:p>
+            <a:r>
+              <a:rPr lang="en-US" dirty="0" smtClean="0"/>
+              <a:t>All other cases are meaningless</a:t>
+            </a:r>
+            <a:r>
+              <a:rPr lang="en-US" baseline="0" dirty="0" smtClean="0"/>
+              <a:t> – they are similar to measuring </a:t>
+            </a:r>
+            <a:r>
+              <a:rPr lang="en-US" dirty="0" smtClean="0"/>
+              <a:t>the performance </a:t>
+            </a:r>
+            <a:r>
+              <a:rPr lang="en-US" smtClean="0"/>
+              <a:t>of benchmarking a </a:t>
+            </a:r>
+            <a:r>
+              <a:rPr lang="en-US" dirty="0" smtClean="0"/>
+              <a:t>constant double or an empty void-returning method.</a:t>
+            </a:r>
+            <a:endParaRPr lang="en-US" dirty="0"/>
+          </a:p>
+        </p:txBody>
+      </p:sp>
+      <p:sp>
+        <p:nvSpPr>
+          <p:cNvPr id="4" name="Slide Number Placeholder 3"/>
+          <p:cNvSpPr>
+            <a:spLocks noGrp="1"/>
+          </p:cNvSpPr>
+          <p:nvPr>
+            <p:ph type="sldNum" sz="quarter" idx="10"/>
+          </p:nvPr>
+        </p:nvSpPr>
+        <p:spPr/>
+        <p:txBody>
+          <a:bodyPr/>
+          <a:lstStyle/>
+          <a:p>
+            <a:fld id="{CFAD290B-5269-4E99-8A8A-8691B1EB0AE9}" type="slidenum">
+              <a:rPr lang="en-US" smtClean="0"/>
+              <a:t>20</a:t>
+            </a:fld>
+            <a:endParaRPr lang="en-US"/>
+          </a:p>
+        </p:txBody>
+      </p:sp>
+    </p:spTree>
+    <p:extLst>
+      <p:ext uri="{BB962C8B-B14F-4D97-AF65-F5344CB8AC3E}">
+        <p14:creationId xmlns:p14="http://schemas.microsoft.com/office/powerpoint/2010/main" val="543214475"/>
       </p:ext>
     </p:extLst>
   </p:cSld>
@@ -656,15 +1252,52 @@
           <a:p>
             <a:r>
               <a:rPr lang="en-US" dirty="0" smtClean="0"/>
-              <a:t>Setup is somewhat difficult because - </a:t>
-            </a:r>
-          </a:p>
-          <a:p>
-            <a:r>
-              <a:rPr lang="en-US" dirty="0" smtClean="0"/>
-              <a:t>In all cases, the key to using JMH is enabling the annotation- or bytecode-processors to generate the synthetic benchmark code</a:t>
-            </a:r>
-            <a:endParaRPr lang="en-US" dirty="0"/>
+              <a:t>Other than micro and concurrent, JMH is a general-purpose benchmarking harness also possibly useful for larger benchmarks, too.  Emphasis is on using it</a:t>
+            </a:r>
+            <a:r>
+              <a:rPr lang="en-US" baseline="0" dirty="0" smtClean="0"/>
+              <a:t> for MICRO benchmarks – i.e., which version of a method is faster</a:t>
+            </a:r>
+          </a:p>
+          <a:p>
+            <a:endParaRPr lang="en-US" b="1" baseline="0" dirty="0" smtClean="0"/>
+          </a:p>
+          <a:p>
+            <a:r>
+              <a:rPr lang="en-US" b="1" dirty="0" smtClean="0"/>
+              <a:t>“Its distinctive advantage </a:t>
+            </a:r>
+            <a:r>
+              <a:rPr lang="en-US" dirty="0" smtClean="0"/>
+              <a:t>over other frameworks is that it is developed by the same guys in Oracle who implement the JIT. In particular I want to mention </a:t>
+            </a:r>
+            <a:r>
+              <a:rPr lang="en-US" dirty="0" smtClean="0">
+                <a:hlinkClick r:id="rId3"/>
+              </a:rPr>
+              <a:t>Aleksey </a:t>
+            </a:r>
+            <a:r>
+              <a:rPr lang="en-US" dirty="0" err="1" smtClean="0">
+                <a:hlinkClick r:id="rId3"/>
+              </a:rPr>
+              <a:t>Shipilev</a:t>
+            </a:r>
+            <a:r>
+              <a:rPr lang="en-US" dirty="0" smtClean="0">
+                <a:hlinkClick r:id="rId3"/>
+              </a:rPr>
+              <a:t> and his brilliant blog</a:t>
+            </a:r>
+            <a:r>
+              <a:rPr lang="en-US" dirty="0" smtClean="0"/>
+              <a:t>. </a:t>
+            </a:r>
+            <a:r>
+              <a:rPr lang="en-US" b="1" dirty="0" smtClean="0"/>
+              <a:t>JMH is likely to be in sync with the latest Oracle JRE changes, which makes its results very reliable. “</a:t>
+            </a:r>
+            <a:endParaRPr lang="en-US" b="1" dirty="0"/>
           </a:p>
         </p:txBody>
       </p:sp>
@@ -685,7 +1318,7 @@
           <a:p>
             <a:fld id="{CFAD290B-5269-4E99-8A8A-8691B1EB0AE9}" type="slidenum">
               <a:rPr lang="en-US" smtClean="0"/>
-              <a:t>4</a:t>
+              <a:t>3</a:t>
             </a:fld>
             <a:endParaRPr lang="en-US"/>
           </a:p>
@@ -694,7 +1327,7 @@
     </p:spTree>
     <p:extLst>
       <p:ext uri="{BB962C8B-B14F-4D97-AF65-F5344CB8AC3E}">
-        <p14:creationId xmlns:p14="http://schemas.microsoft.com/office/powerpoint/2010/main" val="3160364319"/>
+        <p14:creationId xmlns:p14="http://schemas.microsoft.com/office/powerpoint/2010/main" val="1811639297"/>
       </p:ext>
     </p:extLst>
   </p:cSld>
@@ -750,107 +1383,15 @@
           <a:p>
             <a:r>
               <a:rPr lang="en-US" dirty="0" smtClean="0"/>
-              <a:t>The</a:t>
-            </a:r>
-            <a:r>
-              <a:rPr lang="en-US" baseline="0" dirty="0" smtClean="0"/>
-              <a:t> separate project business is </a:t>
-            </a:r>
-            <a:r>
-              <a:rPr lang="en-US" dirty="0" smtClean="0"/>
-              <a:t>JMH</a:t>
-            </a:r>
-            <a:r>
-              <a:rPr lang="en-US" baseline="0" dirty="0" smtClean="0"/>
-              <a:t> is trying to ensure that </a:t>
-            </a:r>
-            <a:r>
-              <a:rPr lang="en-US" dirty="0" smtClean="0"/>
-              <a:t>the benchmarks are </a:t>
-            </a:r>
-            <a:r>
-              <a:rPr lang="en-US" b="1" dirty="0" smtClean="0"/>
-              <a:t>correctly initialized and produce reliable results</a:t>
-            </a:r>
-            <a:r>
-              <a:rPr lang="en-US" dirty="0" smtClean="0"/>
-              <a:t>. </a:t>
-            </a:r>
-          </a:p>
-          <a:p>
-            <a:endParaRPr lang="en-US" dirty="0" smtClean="0"/>
-          </a:p>
-          <a:p>
-            <a:r>
-              <a:rPr lang="en-US" dirty="0" smtClean="0"/>
-              <a:t>Because </a:t>
-            </a:r>
-            <a:r>
-              <a:rPr lang="en-US" dirty="0" err="1" smtClean="0"/>
-              <a:t>Gradle</a:t>
-            </a:r>
-            <a:r>
-              <a:rPr lang="en-US" dirty="0" smtClean="0"/>
-              <a:t> is</a:t>
-            </a:r>
-            <a:r>
-              <a:rPr lang="en-US" baseline="0" dirty="0" smtClean="0"/>
-              <a:t> several hundred times </a:t>
-            </a:r>
-            <a:r>
-              <a:rPr lang="en-US" baseline="0" dirty="0" smtClean="0"/>
-              <a:t>better than JMH, I’ve setup a simple </a:t>
-            </a:r>
-            <a:r>
-              <a:rPr lang="en-US" baseline="0" dirty="0" err="1" smtClean="0"/>
-              <a:t>Gradle</a:t>
-            </a:r>
-            <a:r>
-              <a:rPr lang="en-US" baseline="0" dirty="0" smtClean="0"/>
-              <a:t> project which will run JMH for you – all you have to do is add your code to the </a:t>
-            </a:r>
-            <a:r>
-              <a:rPr lang="en-US" baseline="0" dirty="0" err="1" smtClean="0"/>
-              <a:t>src</a:t>
-            </a:r>
-            <a:r>
-              <a:rPr lang="en-US" baseline="0" dirty="0" smtClean="0"/>
-              <a:t>/</a:t>
-            </a:r>
-            <a:r>
-              <a:rPr lang="en-US" baseline="0" dirty="0" err="1" smtClean="0"/>
-              <a:t>jmh</a:t>
-            </a:r>
-            <a:r>
-              <a:rPr lang="en-US" baseline="0" dirty="0" smtClean="0"/>
-              <a:t>/java folder, and run.</a:t>
-            </a:r>
-          </a:p>
-          <a:p>
-            <a:endParaRPr lang="en-US" baseline="0" dirty="0" smtClean="0"/>
-          </a:p>
-          <a:p>
-            <a:pPr marL="0" marR="0" indent="0" algn="l" defTabSz="914400" rtl="0" eaLnBrk="1" fontAlgn="auto" latinLnBrk="0" hangingPunct="1">
-              <a:lnSpc>
-                <a:spcPct val="100000"/>
-              </a:lnSpc>
-              <a:spcBef>
-                <a:spcPts val="0"/>
-              </a:spcBef>
-              <a:spcAft>
-                <a:spcPts val="0"/>
-              </a:spcAft>
-              <a:buClrTx/>
-              <a:buSzTx/>
-              <a:buFontTx/>
-              <a:buNone/>
-              <a:tabLst/>
-              <a:defRPr/>
-            </a:pPr>
-            <a:r>
-              <a:rPr lang="en-US" dirty="0" smtClean="0"/>
-              <a:t>It is possible to run benchmarks from within an existing project, and even from within an IDE, however setup is more complex and the results are less reliable.</a:t>
-            </a:r>
+              <a:t>Setup is somewhat difficult because - </a:t>
+            </a:r>
+          </a:p>
+          <a:p>
+            <a:r>
+              <a:rPr lang="en-US" dirty="0" smtClean="0"/>
+              <a:t>In all cases, the key to using JMH is enabling the annotation- or bytecode-processors to generate the synthetic benchmark code</a:t>
+            </a:r>
+            <a:endParaRPr lang="en-US" dirty="0"/>
           </a:p>
         </p:txBody>
       </p:sp>
@@ -871,7 +1412,7 @@
           <a:p>
             <a:fld id="{CFAD290B-5269-4E99-8A8A-8691B1EB0AE9}" type="slidenum">
               <a:rPr lang="en-US" smtClean="0"/>
-              <a:t>5</a:t>
+              <a:t>4</a:t>
             </a:fld>
             <a:endParaRPr lang="en-US"/>
           </a:p>
@@ -880,7 +1421,7 @@
     </p:spTree>
     <p:extLst>
       <p:ext uri="{BB962C8B-B14F-4D97-AF65-F5344CB8AC3E}">
-        <p14:creationId xmlns:p14="http://schemas.microsoft.com/office/powerpoint/2010/main" val="278153674"/>
+        <p14:creationId xmlns:p14="http://schemas.microsoft.com/office/powerpoint/2010/main" val="3160364319"/>
       </p:ext>
     </p:extLst>
   </p:cSld>
@@ -936,9 +1477,103 @@
           <a:p>
             <a:r>
               <a:rPr lang="en-US" dirty="0" smtClean="0"/>
-              <a:t>When dealing with large projects, it is customary to keep the benchmarks in a separate subproject, which then depends on the tested modules via the usual build dependencies.</a:t>
-            </a:r>
-            <a:endParaRPr lang="en-US" dirty="0"/>
+              <a:t>The</a:t>
+            </a:r>
+            <a:r>
+              <a:rPr lang="en-US" baseline="0" dirty="0" smtClean="0"/>
+              <a:t> separate project business is </a:t>
+            </a:r>
+            <a:r>
+              <a:rPr lang="en-US" dirty="0" smtClean="0"/>
+              <a:t>JMH</a:t>
+            </a:r>
+            <a:r>
+              <a:rPr lang="en-US" baseline="0" dirty="0" smtClean="0"/>
+              <a:t> is trying to ensure that </a:t>
+            </a:r>
+            <a:r>
+              <a:rPr lang="en-US" dirty="0" smtClean="0"/>
+              <a:t>the benchmarks are </a:t>
+            </a:r>
+            <a:r>
+              <a:rPr lang="en-US" b="1" dirty="0" smtClean="0"/>
+              <a:t>correctly initialized and produce reliable results</a:t>
+            </a:r>
+            <a:r>
+              <a:rPr lang="en-US" dirty="0" smtClean="0"/>
+              <a:t>. </a:t>
+            </a:r>
+          </a:p>
+          <a:p>
+            <a:endParaRPr lang="en-US" dirty="0" smtClean="0"/>
+          </a:p>
+          <a:p>
+            <a:r>
+              <a:rPr lang="en-US" dirty="0" smtClean="0"/>
+              <a:t>Because </a:t>
+            </a:r>
+            <a:r>
+              <a:rPr lang="en-US" dirty="0" err="1" smtClean="0"/>
+              <a:t>Gradle</a:t>
+            </a:r>
+            <a:r>
+              <a:rPr lang="en-US" dirty="0" smtClean="0"/>
+              <a:t> is</a:t>
+            </a:r>
+            <a:r>
+              <a:rPr lang="en-US" baseline="0" dirty="0" smtClean="0"/>
+              <a:t> several hundred times better than JMH, I’ve setup a simple </a:t>
+            </a:r>
+            <a:r>
+              <a:rPr lang="en-US" baseline="0" dirty="0" err="1" smtClean="0"/>
+              <a:t>Gradle</a:t>
+            </a:r>
+            <a:r>
+              <a:rPr lang="en-US" baseline="0" dirty="0" smtClean="0"/>
+              <a:t> project which will run JMH for you – all you have to do is add your code to the </a:t>
+            </a:r>
+            <a:r>
+              <a:rPr lang="en-US" baseline="0" dirty="0" err="1" smtClean="0"/>
+              <a:t>src</a:t>
+            </a:r>
+            <a:r>
+              <a:rPr lang="en-US" baseline="0" dirty="0" smtClean="0"/>
+              <a:t>/</a:t>
+            </a:r>
+            <a:r>
+              <a:rPr lang="en-US" baseline="0" dirty="0" err="1" smtClean="0"/>
+              <a:t>jmh</a:t>
+            </a:r>
+            <a:r>
+              <a:rPr lang="en-US" baseline="0" dirty="0" smtClean="0"/>
+              <a:t>/java folder, and run.</a:t>
+            </a:r>
+          </a:p>
+          <a:p>
+            <a:endParaRPr lang="en-US" baseline="0" dirty="0" smtClean="0"/>
+          </a:p>
+          <a:p>
+            <a:pPr marL="0" marR="0" indent="0" algn="l" defTabSz="914400" rtl="0" eaLnBrk="1" fontAlgn="auto" latinLnBrk="0" hangingPunct="1">
+              <a:lnSpc>
+                <a:spcPct val="100000"/>
+              </a:lnSpc>
+              <a:spcBef>
+                <a:spcPts val="0"/>
+              </a:spcBef>
+              <a:spcAft>
+                <a:spcPts val="0"/>
+              </a:spcAft>
+              <a:buClrTx/>
+              <a:buSzTx/>
+              <a:buFontTx/>
+              <a:buNone/>
+              <a:tabLst/>
+              <a:defRPr/>
+            </a:pPr>
+            <a:r>
+              <a:rPr lang="en-US" dirty="0" smtClean="0"/>
+              <a:t>It is possible to run benchmarks from within an existing project, and even from within an IDE, however setup is more complex and the results are less reliable.</a:t>
+            </a:r>
           </a:p>
         </p:txBody>
       </p:sp>
@@ -959,7 +1594,7 @@
           <a:p>
             <a:fld id="{CFAD290B-5269-4E99-8A8A-8691B1EB0AE9}" type="slidenum">
               <a:rPr lang="en-US" smtClean="0"/>
-              <a:t>6</a:t>
+              <a:t>5</a:t>
             </a:fld>
             <a:endParaRPr lang="en-US"/>
           </a:p>
@@ -968,7 +1603,7 @@
     </p:spTree>
     <p:extLst>
       <p:ext uri="{BB962C8B-B14F-4D97-AF65-F5344CB8AC3E}">
-        <p14:creationId xmlns:p14="http://schemas.microsoft.com/office/powerpoint/2010/main" val="3355601355"/>
+        <p14:creationId xmlns:p14="http://schemas.microsoft.com/office/powerpoint/2010/main" val="278153674"/>
       </p:ext>
     </p:extLst>
   </p:cSld>
@@ -1024,35 +1659,7 @@
           <a:p>
             <a:r>
               <a:rPr lang="en-US" dirty="0" smtClean="0"/>
-              <a:t>The</a:t>
-            </a:r>
-            <a:r>
-              <a:rPr lang="en-US" baseline="0" dirty="0" smtClean="0"/>
-              <a:t> default m</a:t>
-            </a:r>
-            <a:r>
-              <a:rPr lang="en-US" dirty="0" smtClean="0"/>
-              <a:t>ax</a:t>
-            </a:r>
-            <a:r>
-              <a:rPr lang="en-US" baseline="0" dirty="0" smtClean="0"/>
-              <a:t> </a:t>
-            </a:r>
-            <a:r>
-              <a:rPr lang="en-US" baseline="0" dirty="0" smtClean="0"/>
-              <a:t>of 1 second – shows </a:t>
-            </a:r>
-            <a:r>
-              <a:rPr lang="en-US" baseline="0" dirty="0" smtClean="0"/>
-              <a:t>the emphasis </a:t>
-            </a:r>
-            <a:r>
-              <a:rPr lang="en-US" baseline="0" dirty="0" smtClean="0"/>
-              <a:t>on “micro”-</a:t>
-            </a:r>
-            <a:r>
-              <a:rPr lang="en-US" baseline="0" dirty="0" smtClean="0"/>
-              <a:t>benchmarks.</a:t>
+              <a:t>When dealing with large projects, it is customary to keep the benchmarks in a separate subproject, which then depends on the tested modules via the usual build dependencies.</a:t>
             </a:r>
             <a:endParaRPr lang="en-US" dirty="0"/>
           </a:p>
@@ -1075,7 +1682,7 @@
           <a:p>
             <a:fld id="{CFAD290B-5269-4E99-8A8A-8691B1EB0AE9}" type="slidenum">
               <a:rPr lang="en-US" smtClean="0"/>
-              <a:t>7</a:t>
+              <a:t>6</a:t>
             </a:fld>
             <a:endParaRPr lang="en-US"/>
           </a:p>
@@ -1084,7 +1691,7 @@
     </p:spTree>
     <p:extLst>
       <p:ext uri="{BB962C8B-B14F-4D97-AF65-F5344CB8AC3E}">
-        <p14:creationId xmlns:p14="http://schemas.microsoft.com/office/powerpoint/2010/main" val="1668912180"/>
+        <p14:creationId xmlns:p14="http://schemas.microsoft.com/office/powerpoint/2010/main" val="3355601355"/>
       </p:ext>
     </p:extLst>
   </p:cSld>
@@ -1140,6 +1747,106 @@
           <a:p>
             <a:r>
               <a:rPr lang="en-US" dirty="0" smtClean="0"/>
+              <a:t>The</a:t>
+            </a:r>
+            <a:r>
+              <a:rPr lang="en-US" baseline="0" dirty="0" smtClean="0"/>
+              <a:t> default m</a:t>
+            </a:r>
+            <a:r>
+              <a:rPr lang="en-US" dirty="0" smtClean="0"/>
+              <a:t>ax</a:t>
+            </a:r>
+            <a:r>
+              <a:rPr lang="en-US" baseline="0" dirty="0" smtClean="0"/>
+              <a:t> of 1 second – shows the emphasis on “micro”-benchmarks.</a:t>
+            </a:r>
+            <a:endParaRPr lang="en-US" dirty="0"/>
+          </a:p>
+        </p:txBody>
+      </p:sp>
+      <p:sp>
+        <p:nvSpPr>
+          <p:cNvPr id="4" name="Slide Number Placeholder 3"/>
+          <p:cNvSpPr>
+            <a:spLocks noGrp="1"/>
+          </p:cNvSpPr>
+          <p:nvPr>
+            <p:ph type="sldNum" sz="quarter" idx="10"/>
+          </p:nvPr>
+        </p:nvSpPr>
+        <p:spPr/>
+        <p:txBody>
+          <a:bodyPr/>
+          <a:lstStyle/>
+          <a:p>
+            <a:fld id="{CFAD290B-5269-4E99-8A8A-8691B1EB0AE9}" type="slidenum">
+              <a:rPr lang="en-US" smtClean="0"/>
+              <a:t>7</a:t>
+            </a:fld>
+            <a:endParaRPr lang="en-US"/>
+          </a:p>
+        </p:txBody>
+      </p:sp>
+    </p:spTree>
+    <p:extLst>
+      <p:ext uri="{BB962C8B-B14F-4D97-AF65-F5344CB8AC3E}">
+        <p14:creationId xmlns:p14="http://schemas.microsoft.com/office/powerpoint/2010/main" val="1668912180"/>
+      </p:ext>
+    </p:extLst>
+  </p:cSld>
+  <p:clrMapOvr>
+    <a:masterClrMapping/>
+  </p:clrMapOvr>
+</p:notes>
+</file>
+
+<file path=ppt/notesSlides/notesSlide7.xml><?xml version="1.0" encoding="utf-8"?>
+<p:notes xmlns:a="http://schemas.openxmlformats.org/drawingml/2006/main" xmlns:r="http://schemas.openxmlformats.org/officeDocument/2006/relationships" xmlns:p="http://schemas.openxmlformats.org/presentationml/2006/main">
+  <p:cSld>
+    <p:spTree>
+      <p:nvGrpSpPr>
+        <p:cNvPr id="1" name=""/>
+        <p:cNvGrpSpPr/>
+        <p:nvPr/>
+      </p:nvGrpSpPr>
+      <p:grpSpPr>
+        <a:xfrm>
+          <a:off x="0" y="0"/>
+          <a:ext cx="0" cy="0"/>
+          <a:chOff x="0" y="0"/>
+          <a:chExt cx="0" cy="0"/>
+        </a:xfrm>
+      </p:grpSpPr>
+      <p:sp>
+        <p:nvSpPr>
+          <p:cNvPr id="2" name="Slide Image Placeholder 1"/>
+          <p:cNvSpPr>
+            <a:spLocks noGrp="1" noRot="1" noChangeAspect="1"/>
+          </p:cNvSpPr>
+          <p:nvPr>
+            <p:ph type="sldImg"/>
+          </p:nvPr>
+        </p:nvSpPr>
+        <p:spPr/>
+      </p:sp>
+      <p:sp>
+        <p:nvSpPr>
+          <p:cNvPr id="3" name="Notes Placeholder 2"/>
+          <p:cNvSpPr>
+            <a:spLocks noGrp="1"/>
+          </p:cNvSpPr>
+          <p:nvPr>
+            <p:ph type="body" idx="1"/>
+          </p:nvPr>
+        </p:nvSpPr>
+        <p:spPr/>
+        <p:txBody>
+          <a:bodyPr/>
+          <a:lstStyle/>
+          <a:p>
+            <a:r>
+              <a:rPr lang="en-US" dirty="0" smtClean="0"/>
               <a:t>Results of running</a:t>
             </a:r>
             <a:r>
@@ -1152,15 +1859,7 @@
             </a:r>
             <a:r>
               <a:rPr lang="en-US" baseline="0" dirty="0" smtClean="0"/>
-              <a:t> report output directory </a:t>
-            </a:r>
-            <a:r>
-              <a:rPr lang="en-US" baseline="0" dirty="0" smtClean="0"/>
-              <a:t>– </a:t>
-            </a:r>
-            <a:r>
-              <a:rPr lang="en-US" baseline="0" dirty="0" smtClean="0"/>
-              <a:t>/</a:t>
+              <a:t> report output directory – /</a:t>
             </a:r>
             <a:r>
               <a:rPr lang="en-US" baseline="0" dirty="0" err="1" smtClean="0"/>
@@ -1263,6 +1962,302 @@
     <p:extLst>
       <p:ext uri="{BB962C8B-B14F-4D97-AF65-F5344CB8AC3E}">
         <p14:creationId xmlns:p14="http://schemas.microsoft.com/office/powerpoint/2010/main" val="1506391699"/>
+      </p:ext>
+    </p:extLst>
+  </p:cSld>
+  <p:clrMapOvr>
+    <a:masterClrMapping/>
+  </p:clrMapOvr>
+</p:notes>
+</file>
+
+<file path=ppt/notesSlides/notesSlide8.xml><?xml version="1.0" encoding="utf-8"?>
+<p:notes xmlns:a="http://schemas.openxmlformats.org/drawingml/2006/main" xmlns:r="http://schemas.openxmlformats.org/officeDocument/2006/relationships" xmlns:p="http://schemas.openxmlformats.org/presentationml/2006/main">
+  <p:cSld>
+    <p:spTree>
+      <p:nvGrpSpPr>
+        <p:cNvPr id="1" name=""/>
+        <p:cNvGrpSpPr/>
+        <p:nvPr/>
+      </p:nvGrpSpPr>
+      <p:grpSpPr>
+        <a:xfrm>
+          <a:off x="0" y="0"/>
+          <a:ext cx="0" cy="0"/>
+          <a:chOff x="0" y="0"/>
+          <a:chExt cx="0" cy="0"/>
+        </a:xfrm>
+      </p:grpSpPr>
+      <p:sp>
+        <p:nvSpPr>
+          <p:cNvPr id="2" name="Slide Image Placeholder 1"/>
+          <p:cNvSpPr>
+            <a:spLocks noGrp="1" noRot="1" noChangeAspect="1"/>
+          </p:cNvSpPr>
+          <p:nvPr>
+            <p:ph type="sldImg"/>
+          </p:nvPr>
+        </p:nvSpPr>
+        <p:spPr/>
+      </p:sp>
+      <p:sp>
+        <p:nvSpPr>
+          <p:cNvPr id="3" name="Notes Placeholder 2"/>
+          <p:cNvSpPr>
+            <a:spLocks noGrp="1"/>
+          </p:cNvSpPr>
+          <p:nvPr>
+            <p:ph type="body" idx="1"/>
+          </p:nvPr>
+        </p:nvSpPr>
+        <p:spPr/>
+        <p:txBody>
+          <a:bodyPr/>
+          <a:lstStyle/>
+          <a:p>
+            <a:r>
+              <a:rPr lang="en-US" dirty="0" smtClean="0"/>
+              <a:t>Aim is that</a:t>
+            </a:r>
+            <a:r>
+              <a:rPr lang="en-US" baseline="0" dirty="0" smtClean="0"/>
+              <a:t> if you run twice on the same machine – without making major changes to that machine’s software or hardware, you can meaningfully compare output.</a:t>
+            </a:r>
+          </a:p>
+          <a:p>
+            <a:endParaRPr lang="en-US" baseline="0" dirty="0" smtClean="0"/>
+          </a:p>
+          <a:p>
+            <a:r>
+              <a:rPr lang="en-US" baseline="0" dirty="0" smtClean="0"/>
+              <a:t>The output shows the result of each run – the warmups and the test iterations for each @Benchmark annotated method</a:t>
+            </a:r>
+          </a:p>
+          <a:p>
+            <a:endParaRPr lang="en-US" baseline="0" dirty="0" smtClean="0"/>
+          </a:p>
+          <a:p>
+            <a:r>
+              <a:rPr lang="en-US" baseline="0" dirty="0" smtClean="0"/>
+              <a:t>Output is in operations/sec – so higher is faster (this is a default, you can also output in other modes)</a:t>
+            </a:r>
+          </a:p>
+          <a:p>
+            <a:endParaRPr lang="en-US" baseline="0" dirty="0" smtClean="0"/>
+          </a:p>
+          <a:p>
+            <a:r>
+              <a:rPr lang="en-US" baseline="0" dirty="0" smtClean="0"/>
+              <a:t>Benchmark mode defaults to throughput THRPT in output. Available modes are: [Throughput/</a:t>
+            </a:r>
+            <a:r>
+              <a:rPr lang="en-US" baseline="0" dirty="0" err="1" smtClean="0"/>
+              <a:t>thrpt</a:t>
+            </a:r>
+            <a:r>
+              <a:rPr lang="en-US" baseline="0" dirty="0" smtClean="0"/>
+              <a:t>, </a:t>
+            </a:r>
+            <a:r>
+              <a:rPr lang="en-US" baseline="0" dirty="0" err="1" smtClean="0"/>
+              <a:t>AverageTime</a:t>
+            </a:r>
+            <a:r>
+              <a:rPr lang="en-US" baseline="0" dirty="0" smtClean="0"/>
+              <a:t>/</a:t>
+            </a:r>
+            <a:r>
+              <a:rPr lang="en-US" baseline="0" dirty="0" err="1" smtClean="0"/>
+              <a:t>avgt</a:t>
+            </a:r>
+            <a:r>
+              <a:rPr lang="en-US" baseline="0" dirty="0" smtClean="0"/>
+              <a:t>, </a:t>
+            </a:r>
+            <a:r>
+              <a:rPr lang="en-US" baseline="0" dirty="0" err="1" smtClean="0"/>
+              <a:t>SampleTime</a:t>
+            </a:r>
+            <a:r>
+              <a:rPr lang="en-US" baseline="0" dirty="0" smtClean="0"/>
+              <a:t>/sample, </a:t>
+            </a:r>
+            <a:r>
+              <a:rPr lang="en-US" baseline="0" dirty="0" err="1" smtClean="0"/>
+              <a:t>SingleShotTime</a:t>
+            </a:r>
+            <a:r>
+              <a:rPr lang="en-US" baseline="0" dirty="0" smtClean="0"/>
+              <a:t>/</a:t>
+            </a:r>
+            <a:r>
+              <a:rPr lang="en-US" baseline="0" dirty="0" err="1" smtClean="0"/>
+              <a:t>ss</a:t>
+            </a:r>
+            <a:r>
+              <a:rPr lang="en-US" baseline="0" dirty="0" smtClean="0"/>
+              <a:t>, All/all] – </a:t>
+            </a:r>
+            <a:r>
+              <a:rPr lang="en-US" baseline="0" dirty="0" err="1" smtClean="0"/>
+              <a:t>thrpt</a:t>
+            </a:r>
+            <a:r>
+              <a:rPr lang="en-US" baseline="0" dirty="0" smtClean="0"/>
+              <a:t> seems to be the easiest to compare intuitively which is why it’s the default – the difference between 300 and 400 M is more meaningful to us than the different between .000003 and .000004 seconds, or whatever</a:t>
+            </a:r>
+          </a:p>
+          <a:p>
+            <a:endParaRPr lang="en-US" baseline="0" dirty="0" smtClean="0"/>
+          </a:p>
+          <a:p>
+            <a:r>
+              <a:rPr lang="en-US" baseline="0" dirty="0" smtClean="0"/>
+              <a:t>One other thing useful to note in the output is the ETA it prints prior to each benchmark, so if you watch the file while JMH is running during a long-running process it will attempt to guess at when its going to finish – useful if you’re comparing lots of benchmarks</a:t>
+            </a:r>
+          </a:p>
+          <a:p>
+            <a:endParaRPr lang="en-US" dirty="0"/>
+          </a:p>
+        </p:txBody>
+      </p:sp>
+      <p:sp>
+        <p:nvSpPr>
+          <p:cNvPr id="4" name="Slide Number Placeholder 3"/>
+          <p:cNvSpPr>
+            <a:spLocks noGrp="1"/>
+          </p:cNvSpPr>
+          <p:nvPr>
+            <p:ph type="sldNum" sz="quarter" idx="10"/>
+          </p:nvPr>
+        </p:nvSpPr>
+        <p:spPr/>
+        <p:txBody>
+          <a:bodyPr/>
+          <a:lstStyle/>
+          <a:p>
+            <a:fld id="{CFAD290B-5269-4E99-8A8A-8691B1EB0AE9}" type="slidenum">
+              <a:rPr lang="en-US" smtClean="0"/>
+              <a:t>9</a:t>
+            </a:fld>
+            <a:endParaRPr lang="en-US"/>
+          </a:p>
+        </p:txBody>
+      </p:sp>
+    </p:spTree>
+    <p:extLst>
+      <p:ext uri="{BB962C8B-B14F-4D97-AF65-F5344CB8AC3E}">
+        <p14:creationId xmlns:p14="http://schemas.microsoft.com/office/powerpoint/2010/main" val="1157746845"/>
+      </p:ext>
+    </p:extLst>
+  </p:cSld>
+  <p:clrMapOvr>
+    <a:masterClrMapping/>
+  </p:clrMapOvr>
+</p:notes>
+</file>
+
+<file path=ppt/notesSlides/notesSlide9.xml><?xml version="1.0" encoding="utf-8"?>
+<p:notes xmlns:a="http://schemas.openxmlformats.org/drawingml/2006/main" xmlns:r="http://schemas.openxmlformats.org/officeDocument/2006/relationships" xmlns:p="http://schemas.openxmlformats.org/presentationml/2006/main">
+  <p:cSld>
+    <p:spTree>
+      <p:nvGrpSpPr>
+        <p:cNvPr id="1" name=""/>
+        <p:cNvGrpSpPr/>
+        <p:nvPr/>
+      </p:nvGrpSpPr>
+      <p:grpSpPr>
+        <a:xfrm>
+          <a:off x="0" y="0"/>
+          <a:ext cx="0" cy="0"/>
+          <a:chOff x="0" y="0"/>
+          <a:chExt cx="0" cy="0"/>
+        </a:xfrm>
+      </p:grpSpPr>
+      <p:sp>
+        <p:nvSpPr>
+          <p:cNvPr id="2" name="Slide Image Placeholder 1"/>
+          <p:cNvSpPr>
+            <a:spLocks noGrp="1" noRot="1" noChangeAspect="1"/>
+          </p:cNvSpPr>
+          <p:nvPr>
+            <p:ph type="sldImg"/>
+          </p:nvPr>
+        </p:nvSpPr>
+        <p:spPr/>
+      </p:sp>
+      <p:sp>
+        <p:nvSpPr>
+          <p:cNvPr id="3" name="Notes Placeholder 2"/>
+          <p:cNvSpPr>
+            <a:spLocks noGrp="1"/>
+          </p:cNvSpPr>
+          <p:nvPr>
+            <p:ph type="body" idx="1"/>
+          </p:nvPr>
+        </p:nvSpPr>
+        <p:spPr/>
+        <p:txBody>
+          <a:bodyPr/>
+          <a:lstStyle/>
+          <a:p>
+            <a:r>
+              <a:rPr lang="en-US" dirty="0" smtClean="0"/>
+              <a:t>We have a baseline benchmark that gives us a reference on returning an </a:t>
+            </a:r>
+            <a:r>
+              <a:rPr lang="en-US" dirty="0" err="1" smtClean="0"/>
+              <a:t>int</a:t>
+            </a:r>
+            <a:r>
+              <a:rPr lang="en-US" dirty="0" smtClean="0"/>
+              <a:t> value.   So we can subtract</a:t>
+            </a:r>
+            <a:r>
+              <a:rPr lang="en-US" baseline="0" dirty="0" smtClean="0"/>
+              <a:t> this from the cost of the sum method</a:t>
+            </a:r>
+            <a:endParaRPr lang="en-US" dirty="0" smtClean="0"/>
+          </a:p>
+          <a:p>
+            <a:endParaRPr lang="en-US" dirty="0" smtClean="0"/>
+          </a:p>
+          <a:p>
+            <a:r>
+              <a:rPr lang="en-US" dirty="0" smtClean="0"/>
+              <a:t>JMH takes care of reusing return values so as to defeat dead-code elimination. We also return the value of field x; because the value can be changed from a large number of sources, the virtual machine is unlikely to attempt constant folding optimizations. The code of sum is very similar.</a:t>
+            </a:r>
+            <a:endParaRPr lang="en-US" dirty="0"/>
+          </a:p>
+        </p:txBody>
+      </p:sp>
+      <p:sp>
+        <p:nvSpPr>
+          <p:cNvPr id="4" name="Slide Number Placeholder 3"/>
+          <p:cNvSpPr>
+            <a:spLocks noGrp="1"/>
+          </p:cNvSpPr>
+          <p:nvPr>
+            <p:ph type="sldNum" sz="quarter" idx="10"/>
+          </p:nvPr>
+        </p:nvSpPr>
+        <p:spPr/>
+        <p:txBody>
+          <a:bodyPr/>
+          <a:lstStyle/>
+          <a:p>
+            <a:fld id="{CFAD290B-5269-4E99-8A8A-8691B1EB0AE9}" type="slidenum">
+              <a:rPr lang="en-US" smtClean="0"/>
+              <a:t>11</a:t>
+            </a:fld>
+            <a:endParaRPr lang="en-US"/>
+          </a:p>
+        </p:txBody>
+      </p:sp>
+    </p:spTree>
+    <p:extLst>
+      <p:ext uri="{BB962C8B-B14F-4D97-AF65-F5344CB8AC3E}">
+        <p14:creationId xmlns:p14="http://schemas.microsoft.com/office/powerpoint/2010/main" val="335753211"/>
       </p:ext>
     </p:extLst>
   </p:cSld>
@@ -1403,7 +2398,7 @@
           <a:p>
             <a:fld id="{389CBC56-3CF8-4B9B-874C-BFFEBE1619EE}" type="datetimeFigureOut">
               <a:rPr lang="en-US" smtClean="0"/>
-              <a:t>1/14/2016</a:t>
+              <a:t>1/21/2016</a:t>
             </a:fld>
             <a:endParaRPr lang="en-US"/>
           </a:p>
@@ -1573,7 +2568,7 @@
           <a:p>
             <a:fld id="{389CBC56-3CF8-4B9B-874C-BFFEBE1619EE}" type="datetimeFigureOut">
               <a:rPr lang="en-US" smtClean="0"/>
-              <a:t>1/14/2016</a:t>
+              <a:t>1/21/2016</a:t>
             </a:fld>
             <a:endParaRPr lang="en-US"/>
           </a:p>
@@ -1753,7 +2748,7 @@
           <a:p>
             <a:fld id="{389CBC56-3CF8-4B9B-874C-BFFEBE1619EE}" type="datetimeFigureOut">
               <a:rPr lang="en-US" smtClean="0"/>
-              <a:t>1/14/2016</a:t>
+              <a:t>1/21/2016</a:t>
             </a:fld>
             <a:endParaRPr lang="en-US"/>
           </a:p>
@@ -1923,7 +2918,7 @@
           <a:p>
             <a:fld id="{389CBC56-3CF8-4B9B-874C-BFFEBE1619EE}" type="datetimeFigureOut">
               <a:rPr lang="en-US" smtClean="0"/>
-              <a:t>1/14/2016</a:t>
+              <a:t>1/21/2016</a:t>
             </a:fld>
             <a:endParaRPr lang="en-US"/>
           </a:p>
@@ -2169,7 +3164,7 @@
           <a:p>
             <a:fld id="{389CBC56-3CF8-4B9B-874C-BFFEBE1619EE}" type="datetimeFigureOut">
               <a:rPr lang="en-US" smtClean="0"/>
-              <a:t>1/14/2016</a:t>
+              <a:t>1/21/2016</a:t>
             </a:fld>
             <a:endParaRPr lang="en-US"/>
           </a:p>
@@ -2401,7 +3396,7 @@
           <a:p>
             <a:fld id="{389CBC56-3CF8-4B9B-874C-BFFEBE1619EE}" type="datetimeFigureOut">
               <a:rPr lang="en-US" smtClean="0"/>
-              <a:t>1/14/2016</a:t>
+              <a:t>1/21/2016</a:t>
             </a:fld>
             <a:endParaRPr lang="en-US"/>
           </a:p>
@@ -2768,7 +3763,7 @@
           <a:p>
             <a:fld id="{389CBC56-3CF8-4B9B-874C-BFFEBE1619EE}" type="datetimeFigureOut">
               <a:rPr lang="en-US" smtClean="0"/>
-              <a:t>1/14/2016</a:t>
+              <a:t>1/21/2016</a:t>
             </a:fld>
             <a:endParaRPr lang="en-US"/>
           </a:p>
@@ -2886,7 +3881,7 @@
           <a:p>
             <a:fld id="{389CBC56-3CF8-4B9B-874C-BFFEBE1619EE}" type="datetimeFigureOut">
               <a:rPr lang="en-US" smtClean="0"/>
-              <a:t>1/14/2016</a:t>
+              <a:t>1/21/2016</a:t>
             </a:fld>
             <a:endParaRPr lang="en-US"/>
           </a:p>
@@ -2981,7 +3976,7 @@
           <a:p>
             <a:fld id="{389CBC56-3CF8-4B9B-874C-BFFEBE1619EE}" type="datetimeFigureOut">
               <a:rPr lang="en-US" smtClean="0"/>
-              <a:t>1/14/2016</a:t>
+              <a:t>1/21/2016</a:t>
             </a:fld>
             <a:endParaRPr lang="en-US"/>
           </a:p>
@@ -3258,7 +4253,7 @@
           <a:p>
             <a:fld id="{389CBC56-3CF8-4B9B-874C-BFFEBE1619EE}" type="datetimeFigureOut">
               <a:rPr lang="en-US" smtClean="0"/>
-              <a:t>1/14/2016</a:t>
+              <a:t>1/21/2016</a:t>
             </a:fld>
             <a:endParaRPr lang="en-US"/>
           </a:p>
@@ -3511,7 +4506,7 @@
           <a:p>
             <a:fld id="{389CBC56-3CF8-4B9B-874C-BFFEBE1619EE}" type="datetimeFigureOut">
               <a:rPr lang="en-US" smtClean="0"/>
-              <a:t>1/14/2016</a:t>
+              <a:t>1/21/2016</a:t>
             </a:fld>
             <a:endParaRPr lang="en-US"/>
           </a:p>
@@ -3724,7 +4719,7 @@
           <a:p>
             <a:fld id="{389CBC56-3CF8-4B9B-874C-BFFEBE1619EE}" type="datetimeFigureOut">
               <a:rPr lang="en-US" smtClean="0"/>
-              <a:t>1/14/2016</a:t>
+              <a:t>1/21/2016</a:t>
             </a:fld>
             <a:endParaRPr lang="en-US"/>
           </a:p>
@@ -4141,10 +5136,32 @@
         </p:nvSpPr>
         <p:spPr/>
         <p:txBody>
-          <a:bodyPr/>
-          <a:lstStyle/>
-          <a:p>
-            <a:endParaRPr lang="en-US"/>
+          <a:bodyPr>
+            <a:normAutofit fontScale="90000"/>
+          </a:bodyPr>
+          <a:lstStyle/>
+          <a:p>
+            <a:r>
+              <a:rPr lang="en-US" dirty="0" smtClean="0"/>
+              <a:t>An Introdu</a:t>
+            </a:r>
+            <a:r>
+              <a:rPr lang="en-US" dirty="0" smtClean="0"/>
+              <a:t>ction to JVM </a:t>
+            </a:r>
+            <a:r>
+              <a:rPr lang="en-US" dirty="0" err="1" smtClean="0"/>
+              <a:t>Microbenchmarking</a:t>
+            </a:r>
+            <a:r>
+              <a:rPr lang="en-US" dirty="0" smtClean="0"/>
+              <a:t> with </a:t>
+            </a:r>
+            <a:r>
+              <a:rPr lang="en-US" dirty="0" smtClean="0"/>
+              <a:t>JMH</a:t>
+            </a:r>
+            <a:endParaRPr lang="en-US" dirty="0"/>
           </a:p>
         </p:txBody>
       </p:sp>
@@ -4163,7 +5180,17 @@
           <a:bodyPr/>
           <a:lstStyle/>
           <a:p>
-            <a:endParaRPr lang="en-US"/>
+            <a:r>
+              <a:rPr lang="en-US" dirty="0" smtClean="0"/>
+              <a:t>Tom Tresansky</a:t>
+            </a:r>
+          </a:p>
+          <a:p>
+            <a:r>
+              <a:rPr lang="en-US" dirty="0" smtClean="0"/>
+              <a:t>February 2016</a:t>
+            </a:r>
+            <a:endParaRPr lang="en-US" dirty="0"/>
           </a:p>
         </p:txBody>
       </p:sp>
@@ -4177,6 +5204,13 @@
   <p:clrMapOvr>
     <a:masterClrMapping/>
   </p:clrMapOvr>
+  <p:timing>
+    <p:tnLst>
+      <p:par>
+        <p:cTn id="1" dur="indefinite" restart="never" nodeType="tmRoot"/>
+      </p:par>
+    </p:tnLst>
+  </p:timing>
 </p:sld>
 </file>
 
@@ -4214,7 +5248,7 @@
           <a:p>
             <a:r>
               <a:rPr lang="en-US" dirty="0" smtClean="0"/>
-              <a:t>Further Considerations</a:t>
+              <a:t>Setting JVM/JMH Configuration </a:t>
             </a:r>
             <a:endParaRPr lang="en-US" dirty="0"/>
           </a:p>
@@ -4236,107 +5270,52 @@
           <a:lstStyle/>
           <a:p>
             <a:r>
-              <a:rPr lang="en-US" b="1" dirty="0"/>
-              <a:t>JMH annotations </a:t>
-            </a:r>
-            <a:r>
-              <a:rPr lang="en-US" b="1" dirty="0" err="1"/>
-              <a:t>Javadocs</a:t>
-            </a:r>
-            <a:r>
-              <a:rPr lang="en-US" b="1" dirty="0"/>
-              <a:t> and Samples are essential </a:t>
-            </a:r>
-            <a:r>
-              <a:rPr lang="en-US" b="1" dirty="0" smtClean="0"/>
-              <a:t>reading</a:t>
-            </a:r>
-            <a:endParaRPr lang="en-US" dirty="0" smtClean="0"/>
+              <a:rPr lang="en-US" dirty="0" smtClean="0"/>
+              <a:t>Like many annotations – most specific wins</a:t>
+            </a:r>
           </a:p>
           <a:p>
             <a:pPr lvl="1"/>
             <a:r>
               <a:rPr lang="en-US" dirty="0" smtClean="0"/>
-              <a:t>Follow </a:t>
-            </a:r>
-            <a:r>
-              <a:rPr lang="en-US" dirty="0"/>
-              <a:t>the </a:t>
-            </a:r>
-            <a:r>
-              <a:rPr lang="en-US" dirty="0">
-                <a:hlinkClick r:id="rId2"/>
-              </a:rPr>
-              <a:t>JMH samples</a:t>
-            </a:r>
-            <a:r>
-              <a:rPr lang="en-US" dirty="0"/>
-              <a:t> to get familiar with the API, use cases, culprits, and pitfalls </a:t>
-            </a:r>
-          </a:p>
-          <a:p>
-            <a:r>
-              <a:rPr lang="en-US" b="1" dirty="0" smtClean="0"/>
-              <a:t>Your </a:t>
-            </a:r>
-            <a:r>
-              <a:rPr lang="en-US" b="1" dirty="0"/>
-              <a:t>benchmarks should be </a:t>
-            </a:r>
-            <a:r>
-              <a:rPr lang="en-US" b="1" dirty="0" smtClean="0"/>
-              <a:t>peer-reviewed</a:t>
-            </a:r>
-            <a:endParaRPr lang="en-US" dirty="0" smtClean="0"/>
+              <a:t>Defaults in </a:t>
+            </a:r>
+            <a:r>
+              <a:rPr lang="en-US" dirty="0" err="1" smtClean="0"/>
+              <a:t>build.gradle</a:t>
+            </a:r>
+            <a:r>
+              <a:rPr lang="en-US" dirty="0" smtClean="0"/>
+              <a:t> file for all </a:t>
+            </a:r>
+            <a:r>
+              <a:rPr lang="en-US" dirty="0" err="1" smtClean="0"/>
+              <a:t>jmh</a:t>
+            </a:r>
+            <a:r>
+              <a:rPr lang="en-US" dirty="0" smtClean="0"/>
+              <a:t> benchmarks</a:t>
+            </a:r>
           </a:p>
           <a:p>
             <a:pPr lvl="1"/>
             <a:r>
               <a:rPr lang="en-US" dirty="0" smtClean="0"/>
-              <a:t>JMH does </a:t>
-            </a:r>
-            <a:r>
-              <a:rPr lang="en-US" b="1" dirty="0" smtClean="0"/>
-              <a:t>NOT</a:t>
-            </a:r>
-            <a:r>
-              <a:rPr lang="en-US" dirty="0" smtClean="0"/>
-              <a:t> magically </a:t>
-            </a:r>
-            <a:r>
-              <a:rPr lang="en-US" dirty="0"/>
-              <a:t>free you from considering benchmarking </a:t>
-            </a:r>
-            <a:r>
-              <a:rPr lang="en-US" dirty="0" smtClean="0"/>
-              <a:t>pitfalls</a:t>
+              <a:t>Override at class level (benchmark class) with JMH annotations</a:t>
             </a:r>
           </a:p>
           <a:p>
             <a:pPr lvl="1"/>
             <a:r>
               <a:rPr lang="en-US" dirty="0" smtClean="0"/>
-              <a:t>“We </a:t>
-            </a:r>
-            <a:r>
-              <a:rPr lang="en-US" dirty="0"/>
-              <a:t>only promise to make avoiding them easier, not </a:t>
-            </a:r>
-            <a:r>
-              <a:rPr lang="en-US" dirty="0" smtClean="0"/>
-              <a:t>avoid </a:t>
-            </a:r>
-            <a:r>
-              <a:rPr lang="en-US" dirty="0"/>
-              <a:t>them completely</a:t>
-            </a:r>
-            <a:r>
-              <a:rPr lang="en-US" dirty="0" smtClean="0"/>
-              <a:t>.”</a:t>
-            </a:r>
-            <a:endParaRPr lang="en-US" dirty="0"/>
-          </a:p>
-          <a:p>
+              <a:t>Override at method level (@Benchmark method) with other JMH annotations</a:t>
+            </a:r>
+          </a:p>
+          <a:p>
+            <a:r>
+              <a:rPr lang="en-US" dirty="0" smtClean="0"/>
+              <a:t>Both JMH and many relevant JVM options</a:t>
+            </a:r>
             <a:endParaRPr lang="en-US" dirty="0"/>
           </a:p>
         </p:txBody>
@@ -4344,13 +5323,20 @@
     </p:spTree>
     <p:extLst>
       <p:ext uri="{BB962C8B-B14F-4D97-AF65-F5344CB8AC3E}">
-        <p14:creationId xmlns:p14="http://schemas.microsoft.com/office/powerpoint/2010/main" val="347531558"/>
+        <p14:creationId xmlns:p14="http://schemas.microsoft.com/office/powerpoint/2010/main" val="1241904274"/>
       </p:ext>
     </p:extLst>
   </p:cSld>
   <p:clrMapOvr>
     <a:masterClrMapping/>
   </p:clrMapOvr>
+  <p:timing>
+    <p:tnLst>
+      <p:par>
+        <p:cTn id="1" dur="indefinite" restart="never" nodeType="tmRoot"/>
+      </p:par>
+    </p:tnLst>
+  </p:timing>
 </p:sld>
 </file>
 
@@ -4388,7 +5374,7 @@
           <a:p>
             <a:r>
               <a:rPr lang="en-US" dirty="0" smtClean="0"/>
-              <a:t>References</a:t>
+              <a:t>Demo 1</a:t>
             </a:r>
             <a:endParaRPr lang="en-US" dirty="0"/>
           </a:p>
@@ -4410,57 +5396,803 @@
           <a:lstStyle/>
           <a:p>
             <a:r>
-              <a:rPr lang="en-US" dirty="0">
-                <a:hlinkClick r:id="rId2"/>
-              </a:rPr>
-              <a:t>http://</a:t>
-            </a:r>
-            <a:r>
-              <a:rPr lang="en-US" dirty="0" smtClean="0">
-                <a:hlinkClick r:id="rId2"/>
-              </a:rPr>
-              <a:t>www.oracle.com/technetwork/articles/java/architect-benchmarking-2266277.html</a:t>
-            </a:r>
-            <a:endParaRPr lang="en-US" dirty="0" smtClean="0"/>
+              <a:rPr lang="en-US" dirty="0" smtClean="0"/>
+              <a:t>Goal – measure the cost of an addition</a:t>
+            </a:r>
+          </a:p>
+          <a:p>
+            <a:r>
+              <a:rPr lang="en-US" dirty="0" smtClean="0"/>
+              <a:t>Baseline method – cost</a:t>
+            </a:r>
+            <a:r>
+              <a:rPr lang="en-US" dirty="0"/>
+              <a:t> </a:t>
+            </a:r>
+            <a:r>
+              <a:rPr lang="en-US" dirty="0" smtClean="0"/>
+              <a:t>of a method call doing everything EXCEPT the addition</a:t>
+            </a:r>
+          </a:p>
+          <a:p>
+            <a:r>
+              <a:rPr lang="en-US" dirty="0" smtClean="0"/>
+              <a:t>Returning values from @Benchmark methods is important</a:t>
+            </a:r>
           </a:p>
           <a:p>
             <a:pPr lvl="1"/>
             <a:r>
               <a:rPr lang="en-US" dirty="0" smtClean="0"/>
-              <a:t>The basis for this whole </a:t>
-            </a:r>
-            <a:r>
-              <a:rPr lang="en-US" dirty="0" smtClean="0"/>
-              <a:t>presentation</a:t>
-            </a:r>
-          </a:p>
-          <a:p>
-            <a:pPr lvl="1"/>
-            <a:endParaRPr lang="en-US" dirty="0" smtClean="0"/>
-          </a:p>
-          <a:p>
-            <a:r>
-              <a:rPr lang="en-US" dirty="0" smtClean="0"/>
-              <a:t>Background</a:t>
-            </a:r>
-            <a:endParaRPr lang="en-US" dirty="0"/>
-          </a:p>
-          <a:p>
-            <a:pPr lvl="1"/>
-            <a:r>
-              <a:rPr lang="en-US" dirty="0">
-                <a:hlinkClick r:id="rId3"/>
-              </a:rPr>
-              <a:t>http://java-performance.info/jmh/</a:t>
-            </a:r>
-            <a:endParaRPr lang="en-US" dirty="0"/>
+              <a:t>Without it VM is very likely to optimize away the method calls completely</a:t>
+            </a:r>
+          </a:p>
+          <a:p>
+            <a:r>
+              <a:rPr lang="en-US" dirty="0" smtClean="0"/>
+              <a:t>Configuring benchmarks via annotations rather than </a:t>
+            </a:r>
+            <a:r>
+              <a:rPr lang="en-US" dirty="0" err="1" smtClean="0"/>
+              <a:t>Gradle</a:t>
+            </a:r>
+            <a:r>
+              <a:rPr lang="en-US" dirty="0" smtClean="0"/>
+              <a:t> properties</a:t>
+            </a:r>
+          </a:p>
+          <a:p>
+            <a:r>
+              <a:rPr lang="en-US" dirty="0" smtClean="0"/>
+              <a:t>The @State annotation tells JMH to keep x and y thread-scoped (more on this later)</a:t>
+            </a:r>
           </a:p>
         </p:txBody>
       </p:sp>
     </p:spTree>
     <p:extLst>
       <p:ext uri="{BB962C8B-B14F-4D97-AF65-F5344CB8AC3E}">
-        <p14:creationId xmlns:p14="http://schemas.microsoft.com/office/powerpoint/2010/main" val="1280026601"/>
+        <p14:creationId xmlns:p14="http://schemas.microsoft.com/office/powerpoint/2010/main" val="2727199964"/>
+      </p:ext>
+    </p:extLst>
+  </p:cSld>
+  <p:clrMapOvr>
+    <a:masterClrMapping/>
+  </p:clrMapOvr>
+  <p:timing>
+    <p:tnLst>
+      <p:par>
+        <p:cTn id="1" dur="indefinite" restart="never" nodeType="tmRoot"/>
+      </p:par>
+    </p:tnLst>
+  </p:timing>
+</p:sld>
+</file>
+
+<file path=ppt/slides/slide12.xml><?xml version="1.0" encoding="utf-8"?>
+<p:sld xmlns:a="http://schemas.openxmlformats.org/drawingml/2006/main" xmlns:r="http://schemas.openxmlformats.org/officeDocument/2006/relationships" xmlns:p="http://schemas.openxmlformats.org/presentationml/2006/main">
+  <p:cSld>
+    <p:spTree>
+      <p:nvGrpSpPr>
+        <p:cNvPr id="1" name=""/>
+        <p:cNvGrpSpPr/>
+        <p:nvPr/>
+      </p:nvGrpSpPr>
+      <p:grpSpPr>
+        <a:xfrm>
+          <a:off x="0" y="0"/>
+          <a:ext cx="0" cy="0"/>
+          <a:chOff x="0" y="0"/>
+          <a:chExt cx="0" cy="0"/>
+        </a:xfrm>
+      </p:grpSpPr>
+      <p:sp>
+        <p:nvSpPr>
+          <p:cNvPr id="2" name="Title 1"/>
+          <p:cNvSpPr>
+            <a:spLocks noGrp="1"/>
+          </p:cNvSpPr>
+          <p:nvPr>
+            <p:ph type="title"/>
+          </p:nvPr>
+        </p:nvSpPr>
+        <p:spPr/>
+        <p:txBody>
+          <a:bodyPr/>
+          <a:lstStyle/>
+          <a:p>
+            <a:r>
+              <a:rPr lang="en-US" dirty="0" smtClean="0"/>
+              <a:t>Levels of Repetition</a:t>
+            </a:r>
+            <a:endParaRPr lang="en-US" dirty="0"/>
+          </a:p>
+        </p:txBody>
+      </p:sp>
+      <p:sp>
+        <p:nvSpPr>
+          <p:cNvPr id="3" name="Content Placeholder 2"/>
+          <p:cNvSpPr>
+            <a:spLocks noGrp="1"/>
+          </p:cNvSpPr>
+          <p:nvPr>
+            <p:ph idx="1"/>
+          </p:nvPr>
+        </p:nvSpPr>
+        <p:spPr/>
+        <p:txBody>
+          <a:bodyPr/>
+          <a:lstStyle/>
+          <a:p>
+            <a:r>
+              <a:rPr lang="en-US" dirty="0" smtClean="0"/>
+              <a:t>Fork (default = 10)</a:t>
+            </a:r>
+          </a:p>
+          <a:p>
+            <a:pPr lvl="1"/>
+            <a:r>
+              <a:rPr lang="en-US" dirty="0" smtClean="0"/>
+              <a:t>Warmup Iterations (default = 20 @ 1 second each)</a:t>
+            </a:r>
+          </a:p>
+          <a:p>
+            <a:pPr lvl="1"/>
+            <a:r>
+              <a:rPr lang="en-US" dirty="0" smtClean="0"/>
+              <a:t>Test iterations (default = 20 @ 1 second each)</a:t>
+            </a:r>
+          </a:p>
+          <a:p>
+            <a:r>
+              <a:rPr lang="en-US" dirty="0" smtClean="0"/>
+              <a:t>More repetitions = greater accuracy</a:t>
+            </a:r>
+          </a:p>
+          <a:p>
+            <a:r>
+              <a:rPr lang="en-US" dirty="0" smtClean="0"/>
+              <a:t>Probably want to tone it down to begin</a:t>
+            </a:r>
+            <a:endParaRPr lang="en-US" dirty="0"/>
+          </a:p>
+        </p:txBody>
+      </p:sp>
+    </p:spTree>
+    <p:extLst>
+      <p:ext uri="{BB962C8B-B14F-4D97-AF65-F5344CB8AC3E}">
+        <p14:creationId xmlns:p14="http://schemas.microsoft.com/office/powerpoint/2010/main" val="352884205"/>
+      </p:ext>
+    </p:extLst>
+  </p:cSld>
+  <p:clrMapOvr>
+    <a:masterClrMapping/>
+  </p:clrMapOvr>
+  <p:timing>
+    <p:tnLst>
+      <p:par>
+        <p:cTn id="1" dur="indefinite" restart="never" nodeType="tmRoot"/>
+      </p:par>
+    </p:tnLst>
+  </p:timing>
+</p:sld>
+</file>
+
+<file path=ppt/slides/slide13.xml><?xml version="1.0" encoding="utf-8"?>
+<p:sld xmlns:a="http://schemas.openxmlformats.org/drawingml/2006/main" xmlns:r="http://schemas.openxmlformats.org/officeDocument/2006/relationships" xmlns:p="http://schemas.openxmlformats.org/presentationml/2006/main">
+  <p:cSld>
+    <p:spTree>
+      <p:nvGrpSpPr>
+        <p:cNvPr id="1" name=""/>
+        <p:cNvGrpSpPr/>
+        <p:nvPr/>
+      </p:nvGrpSpPr>
+      <p:grpSpPr>
+        <a:xfrm>
+          <a:off x="0" y="0"/>
+          <a:ext cx="0" cy="0"/>
+          <a:chOff x="0" y="0"/>
+          <a:chExt cx="0" cy="0"/>
+        </a:xfrm>
+      </p:grpSpPr>
+      <p:sp>
+        <p:nvSpPr>
+          <p:cNvPr id="2" name="Title 1"/>
+          <p:cNvSpPr>
+            <a:spLocks noGrp="1"/>
+          </p:cNvSpPr>
+          <p:nvPr>
+            <p:ph type="title"/>
+          </p:nvPr>
+        </p:nvSpPr>
+        <p:spPr/>
+        <p:txBody>
+          <a:bodyPr/>
+          <a:lstStyle/>
+          <a:p>
+            <a:r>
+              <a:rPr lang="en-US" dirty="0" smtClean="0"/>
+              <a:t>Limits of resolution</a:t>
+            </a:r>
+            <a:endParaRPr lang="en-US" dirty="0"/>
+          </a:p>
+        </p:txBody>
+      </p:sp>
+      <p:pic>
+        <p:nvPicPr>
+          <p:cNvPr id="4" name="Content Placeholder 3"/>
+          <p:cNvPicPr>
+            <a:picLocks noGrp="1" noChangeAspect="1"/>
+          </p:cNvPicPr>
+          <p:nvPr>
+            <p:ph idx="1"/>
+          </p:nvPr>
+        </p:nvPicPr>
+        <p:blipFill>
+          <a:blip r:embed="rId3">
+            <a:extLst>
+              <a:ext uri="{28A0092B-C50C-407E-A947-70E740481C1C}">
+                <a14:useLocalDpi xmlns:a14="http://schemas.microsoft.com/office/drawing/2010/main" val="0"/>
+              </a:ext>
+            </a:extLst>
+          </a:blip>
+          <a:stretch>
+            <a:fillRect/>
+          </a:stretch>
+        </p:blipFill>
+        <p:spPr>
+          <a:xfrm>
+            <a:off x="2602606" y="1690688"/>
+            <a:ext cx="6986788" cy="4650581"/>
+          </a:xfrm>
+        </p:spPr>
+      </p:pic>
+    </p:spTree>
+    <p:extLst>
+      <p:ext uri="{BB962C8B-B14F-4D97-AF65-F5344CB8AC3E}">
+        <p14:creationId xmlns:p14="http://schemas.microsoft.com/office/powerpoint/2010/main" val="2647426237"/>
+      </p:ext>
+    </p:extLst>
+  </p:cSld>
+  <p:clrMapOvr>
+    <a:masterClrMapping/>
+  </p:clrMapOvr>
+  <p:timing>
+    <p:tnLst>
+      <p:par>
+        <p:cTn id="1" dur="indefinite" restart="never" nodeType="tmRoot"/>
+      </p:par>
+    </p:tnLst>
+  </p:timing>
+</p:sld>
+</file>
+
+<file path=ppt/slides/slide14.xml><?xml version="1.0" encoding="utf-8"?>
+<p:sld xmlns:a="http://schemas.openxmlformats.org/drawingml/2006/main" xmlns:r="http://schemas.openxmlformats.org/officeDocument/2006/relationships" xmlns:p="http://schemas.openxmlformats.org/presentationml/2006/main">
+  <p:cSld>
+    <p:spTree>
+      <p:nvGrpSpPr>
+        <p:cNvPr id="1" name=""/>
+        <p:cNvGrpSpPr/>
+        <p:nvPr/>
+      </p:nvGrpSpPr>
+      <p:grpSpPr>
+        <a:xfrm>
+          <a:off x="0" y="0"/>
+          <a:ext cx="0" cy="0"/>
+          <a:chOff x="0" y="0"/>
+          <a:chExt cx="0" cy="0"/>
+        </a:xfrm>
+      </p:grpSpPr>
+      <p:sp>
+        <p:nvSpPr>
+          <p:cNvPr id="2" name="Title 1"/>
+          <p:cNvSpPr>
+            <a:spLocks noGrp="1"/>
+          </p:cNvSpPr>
+          <p:nvPr>
+            <p:ph type="title"/>
+          </p:nvPr>
+        </p:nvSpPr>
+        <p:spPr/>
+        <p:txBody>
+          <a:bodyPr/>
+          <a:lstStyle/>
+          <a:p>
+            <a:endParaRPr lang="en-US"/>
+          </a:p>
+        </p:txBody>
+      </p:sp>
+      <p:sp>
+        <p:nvSpPr>
+          <p:cNvPr id="3" name="Content Placeholder 2"/>
+          <p:cNvSpPr>
+            <a:spLocks noGrp="1"/>
+          </p:cNvSpPr>
+          <p:nvPr>
+            <p:ph idx="1"/>
+          </p:nvPr>
+        </p:nvSpPr>
+        <p:spPr/>
+        <p:txBody>
+          <a:bodyPr/>
+          <a:lstStyle/>
+          <a:p>
+            <a:endParaRPr lang="en-US"/>
+          </a:p>
+        </p:txBody>
+      </p:sp>
+    </p:spTree>
+    <p:extLst>
+      <p:ext uri="{BB962C8B-B14F-4D97-AF65-F5344CB8AC3E}">
+        <p14:creationId xmlns:p14="http://schemas.microsoft.com/office/powerpoint/2010/main" val="2066432178"/>
+      </p:ext>
+    </p:extLst>
+  </p:cSld>
+  <p:clrMapOvr>
+    <a:masterClrMapping/>
+  </p:clrMapOvr>
+</p:sld>
+</file>
+
+<file path=ppt/slides/slide15.xml><?xml version="1.0" encoding="utf-8"?>
+<p:sld xmlns:a="http://schemas.openxmlformats.org/drawingml/2006/main" xmlns:r="http://schemas.openxmlformats.org/officeDocument/2006/relationships" xmlns:p="http://schemas.openxmlformats.org/presentationml/2006/main">
+  <p:cSld>
+    <p:spTree>
+      <p:nvGrpSpPr>
+        <p:cNvPr id="1" name=""/>
+        <p:cNvGrpSpPr/>
+        <p:nvPr/>
+      </p:nvGrpSpPr>
+      <p:grpSpPr>
+        <a:xfrm>
+          <a:off x="0" y="0"/>
+          <a:ext cx="0" cy="0"/>
+          <a:chOff x="0" y="0"/>
+          <a:chExt cx="0" cy="0"/>
+        </a:xfrm>
+      </p:grpSpPr>
+      <p:sp>
+        <p:nvSpPr>
+          <p:cNvPr id="2" name="Title 1"/>
+          <p:cNvSpPr>
+            <a:spLocks noGrp="1"/>
+          </p:cNvSpPr>
+          <p:nvPr>
+            <p:ph type="title"/>
+          </p:nvPr>
+        </p:nvSpPr>
+        <p:spPr/>
+        <p:txBody>
+          <a:bodyPr/>
+          <a:lstStyle/>
+          <a:p>
+            <a:r>
+              <a:rPr lang="en-US" dirty="0" smtClean="0"/>
+              <a:t>@State</a:t>
+            </a:r>
+            <a:endParaRPr lang="en-US" dirty="0"/>
+          </a:p>
+        </p:txBody>
+      </p:sp>
+      <p:sp>
+        <p:nvSpPr>
+          <p:cNvPr id="3" name="Content Placeholder 2"/>
+          <p:cNvSpPr>
+            <a:spLocks noGrp="1"/>
+          </p:cNvSpPr>
+          <p:nvPr>
+            <p:ph idx="1"/>
+          </p:nvPr>
+        </p:nvSpPr>
+        <p:spPr/>
+        <p:txBody>
+          <a:bodyPr/>
+          <a:lstStyle/>
+          <a:p>
+            <a:endParaRPr lang="en-US" dirty="0"/>
+          </a:p>
+        </p:txBody>
+      </p:sp>
+    </p:spTree>
+    <p:extLst>
+      <p:ext uri="{BB962C8B-B14F-4D97-AF65-F5344CB8AC3E}">
+        <p14:creationId xmlns:p14="http://schemas.microsoft.com/office/powerpoint/2010/main" val="732500269"/>
+      </p:ext>
+    </p:extLst>
+  </p:cSld>
+  <p:clrMapOvr>
+    <a:masterClrMapping/>
+  </p:clrMapOvr>
+</p:sld>
+</file>
+
+<file path=ppt/slides/slide16.xml><?xml version="1.0" encoding="utf-8"?>
+<p:sld xmlns:a="http://schemas.openxmlformats.org/drawingml/2006/main" xmlns:r="http://schemas.openxmlformats.org/officeDocument/2006/relationships" xmlns:p="http://schemas.openxmlformats.org/presentationml/2006/main">
+  <p:cSld>
+    <p:spTree>
+      <p:nvGrpSpPr>
+        <p:cNvPr id="1" name=""/>
+        <p:cNvGrpSpPr/>
+        <p:nvPr/>
+      </p:nvGrpSpPr>
+      <p:grpSpPr>
+        <a:xfrm>
+          <a:off x="0" y="0"/>
+          <a:ext cx="0" cy="0"/>
+          <a:chOff x="0" y="0"/>
+          <a:chExt cx="0" cy="0"/>
+        </a:xfrm>
+      </p:grpSpPr>
+      <p:sp>
+        <p:nvSpPr>
+          <p:cNvPr id="2" name="Title 1"/>
+          <p:cNvSpPr>
+            <a:spLocks noGrp="1"/>
+          </p:cNvSpPr>
+          <p:nvPr>
+            <p:ph type="title"/>
+          </p:nvPr>
+        </p:nvSpPr>
+        <p:spPr/>
+        <p:txBody>
+          <a:bodyPr/>
+          <a:lstStyle/>
+          <a:p>
+            <a:r>
+              <a:rPr lang="en-US" dirty="0" err="1" smtClean="0"/>
+              <a:t>Blackhole</a:t>
+            </a:r>
+            <a:endParaRPr lang="en-US" dirty="0"/>
+          </a:p>
+        </p:txBody>
+      </p:sp>
+      <p:sp>
+        <p:nvSpPr>
+          <p:cNvPr id="3" name="Content Placeholder 2"/>
+          <p:cNvSpPr>
+            <a:spLocks noGrp="1"/>
+          </p:cNvSpPr>
+          <p:nvPr>
+            <p:ph idx="1"/>
+          </p:nvPr>
+        </p:nvSpPr>
+        <p:spPr/>
+        <p:txBody>
+          <a:bodyPr>
+            <a:normAutofit lnSpcReduction="10000"/>
+          </a:bodyPr>
+          <a:lstStyle/>
+          <a:p>
+            <a:r>
+              <a:rPr lang="en-US" dirty="0" err="1" smtClean="0"/>
+              <a:t>org.openjdk.jmh.infra.Blackhole</a:t>
+            </a:r>
+            <a:endParaRPr lang="en-US" dirty="0" smtClean="0"/>
+          </a:p>
+          <a:p>
+            <a:r>
+              <a:rPr lang="en-US" dirty="0" smtClean="0"/>
+              <a:t>Avoid possibility of dead code elimination</a:t>
+            </a:r>
+          </a:p>
+          <a:p>
+            <a:pPr lvl="1"/>
+            <a:r>
+              <a:rPr lang="en-US" dirty="0" smtClean="0"/>
+              <a:t>Provides consume(Object x) methods – send your method’s output here </a:t>
+            </a:r>
+          </a:p>
+          <a:p>
+            <a:pPr lvl="1"/>
+            <a:r>
+              <a:rPr lang="en-US" dirty="0" smtClean="0"/>
+              <a:t>Instances are </a:t>
+            </a:r>
+            <a:r>
+              <a:rPr lang="en-US" dirty="0"/>
+              <a:t>a</a:t>
+            </a:r>
+            <a:r>
+              <a:rPr lang="en-US" dirty="0" smtClean="0"/>
+              <a:t>utomatically injected into your @Benchmark method calls as arguments</a:t>
+            </a:r>
+            <a:endParaRPr lang="en-US" dirty="0"/>
+          </a:p>
+          <a:p>
+            <a:r>
+              <a:rPr lang="en-US" i="1" dirty="0" err="1" smtClean="0"/>
+              <a:t>Blackhole</a:t>
+            </a:r>
+            <a:r>
+              <a:rPr lang="en-US" i="1" dirty="0" smtClean="0"/>
+              <a:t> </a:t>
+            </a:r>
+            <a:r>
+              <a:rPr lang="en-US" i="1" dirty="0"/>
+              <a:t>"consumes" the values, conceiving no information to JIT whether </a:t>
+            </a:r>
+            <a:r>
+              <a:rPr lang="en-US" i="1" dirty="0" smtClean="0"/>
+              <a:t>the </a:t>
+            </a:r>
+            <a:r>
+              <a:rPr lang="en-US" i="1" dirty="0"/>
+              <a:t>value is actually used afterwards. This can save from the dead-code </a:t>
+            </a:r>
+            <a:r>
+              <a:rPr lang="en-US" i="1" dirty="0" smtClean="0"/>
+              <a:t>elimination </a:t>
+            </a:r>
+            <a:r>
+              <a:rPr lang="en-US" i="1" dirty="0"/>
+              <a:t>of the computations resulting in the given values</a:t>
+            </a:r>
+            <a:r>
+              <a:rPr lang="en-US" i="1" dirty="0" smtClean="0"/>
+              <a:t>.</a:t>
+            </a:r>
+          </a:p>
+          <a:p>
+            <a:r>
+              <a:rPr lang="en-US" dirty="0" smtClean="0"/>
+              <a:t>But how does it work?</a:t>
+            </a:r>
+          </a:p>
+          <a:p>
+            <a:pPr lvl="1"/>
+            <a:r>
+              <a:rPr lang="en-US" dirty="0" smtClean="0"/>
+              <a:t>???????????????</a:t>
+            </a:r>
+            <a:endParaRPr lang="en-US" dirty="0"/>
+          </a:p>
+        </p:txBody>
+      </p:sp>
+    </p:spTree>
+    <p:extLst>
+      <p:ext uri="{BB962C8B-B14F-4D97-AF65-F5344CB8AC3E}">
+        <p14:creationId xmlns:p14="http://schemas.microsoft.com/office/powerpoint/2010/main" val="3674696377"/>
+      </p:ext>
+    </p:extLst>
+  </p:cSld>
+  <p:clrMapOvr>
+    <a:masterClrMapping/>
+  </p:clrMapOvr>
+</p:sld>
+</file>
+
+<file path=ppt/slides/slide17.xml><?xml version="1.0" encoding="utf-8"?>
+<p:sld xmlns:a="http://schemas.openxmlformats.org/drawingml/2006/main" xmlns:r="http://schemas.openxmlformats.org/officeDocument/2006/relationships" xmlns:p="http://schemas.openxmlformats.org/presentationml/2006/main">
+  <p:cSld>
+    <p:spTree>
+      <p:nvGrpSpPr>
+        <p:cNvPr id="1" name=""/>
+        <p:cNvGrpSpPr/>
+        <p:nvPr/>
+      </p:nvGrpSpPr>
+      <p:grpSpPr>
+        <a:xfrm>
+          <a:off x="0" y="0"/>
+          <a:ext cx="0" cy="0"/>
+          <a:chOff x="0" y="0"/>
+          <a:chExt cx="0" cy="0"/>
+        </a:xfrm>
+      </p:grpSpPr>
+      <p:sp>
+        <p:nvSpPr>
+          <p:cNvPr id="6" name="Title 5"/>
+          <p:cNvSpPr>
+            <a:spLocks noGrp="1"/>
+          </p:cNvSpPr>
+          <p:nvPr>
+            <p:ph type="title"/>
+          </p:nvPr>
+        </p:nvSpPr>
+        <p:spPr/>
+        <p:txBody>
+          <a:bodyPr/>
+          <a:lstStyle/>
+          <a:p>
+            <a:r>
+              <a:rPr lang="en-US" dirty="0" err="1" smtClean="0"/>
+              <a:t>Blackhole</a:t>
+            </a:r>
+            <a:endParaRPr lang="en-US" dirty="0"/>
+          </a:p>
+        </p:txBody>
+      </p:sp>
+      <p:pic>
+        <p:nvPicPr>
+          <p:cNvPr id="10" name="Content Placeholder 9"/>
+          <p:cNvPicPr>
+            <a:picLocks noGrp="1" noChangeAspect="1"/>
+          </p:cNvPicPr>
+          <p:nvPr>
+            <p:ph idx="1"/>
+          </p:nvPr>
+        </p:nvPicPr>
+        <p:blipFill>
+          <a:blip r:embed="rId3">
+            <a:extLst>
+              <a:ext uri="{28A0092B-C50C-407E-A947-70E740481C1C}">
+                <a14:useLocalDpi xmlns:a14="http://schemas.microsoft.com/office/drawing/2010/main" val="0"/>
+              </a:ext>
+            </a:extLst>
+          </a:blip>
+          <a:stretch>
+            <a:fillRect/>
+          </a:stretch>
+        </p:blipFill>
+        <p:spPr>
+          <a:xfrm>
+            <a:off x="3659605" y="1690688"/>
+            <a:ext cx="4872789" cy="4872789"/>
+          </a:xfrm>
+        </p:spPr>
+      </p:pic>
+    </p:spTree>
+    <p:extLst>
+      <p:ext uri="{BB962C8B-B14F-4D97-AF65-F5344CB8AC3E}">
+        <p14:creationId xmlns:p14="http://schemas.microsoft.com/office/powerpoint/2010/main" val="4050977968"/>
+      </p:ext>
+    </p:extLst>
+  </p:cSld>
+  <p:clrMapOvr>
+    <a:masterClrMapping/>
+  </p:clrMapOvr>
+</p:sld>
+</file>
+
+<file path=ppt/slides/slide18.xml><?xml version="1.0" encoding="utf-8"?>
+<p:sld xmlns:a="http://schemas.openxmlformats.org/drawingml/2006/main" xmlns:r="http://schemas.openxmlformats.org/officeDocument/2006/relationships" xmlns:p="http://schemas.openxmlformats.org/presentationml/2006/main">
+  <p:cSld>
+    <p:spTree>
+      <p:nvGrpSpPr>
+        <p:cNvPr id="1" name=""/>
+        <p:cNvGrpSpPr/>
+        <p:nvPr/>
+      </p:nvGrpSpPr>
+      <p:grpSpPr>
+        <a:xfrm>
+          <a:off x="0" y="0"/>
+          <a:ext cx="0" cy="0"/>
+          <a:chOff x="0" y="0"/>
+          <a:chExt cx="0" cy="0"/>
+        </a:xfrm>
+      </p:grpSpPr>
+      <p:sp>
+        <p:nvSpPr>
+          <p:cNvPr id="2" name="Title 1"/>
+          <p:cNvSpPr>
+            <a:spLocks noGrp="1"/>
+          </p:cNvSpPr>
+          <p:nvPr>
+            <p:ph type="title"/>
+          </p:nvPr>
+        </p:nvSpPr>
+        <p:spPr/>
+        <p:txBody>
+          <a:bodyPr/>
+          <a:lstStyle/>
+          <a:p>
+            <a:r>
+              <a:rPr lang="en-US" dirty="0" smtClean="0"/>
+              <a:t>@</a:t>
+            </a:r>
+            <a:r>
+              <a:rPr lang="en-US" dirty="0" err="1" smtClean="0"/>
+              <a:t>Blackhole</a:t>
+            </a:r>
+            <a:endParaRPr lang="en-US" dirty="0"/>
+          </a:p>
+        </p:txBody>
+      </p:sp>
+      <p:sp>
+        <p:nvSpPr>
+          <p:cNvPr id="3" name="Content Placeholder 2"/>
+          <p:cNvSpPr>
+            <a:spLocks noGrp="1"/>
+          </p:cNvSpPr>
+          <p:nvPr>
+            <p:ph idx="1"/>
+          </p:nvPr>
+        </p:nvSpPr>
+        <p:spPr/>
+        <p:txBody>
+          <a:bodyPr/>
+          <a:lstStyle/>
+          <a:p>
+            <a:r>
+              <a:rPr lang="en-US" dirty="0" smtClean="0"/>
+              <a:t>Outsmart the JIT</a:t>
+            </a:r>
+          </a:p>
+          <a:p>
+            <a:r>
+              <a:rPr lang="en-US" dirty="0" smtClean="0"/>
+              <a:t>Make certain it can’t tell a value isn’t used afterwards…by using it</a:t>
+            </a:r>
+            <a:endParaRPr lang="en-US" dirty="0"/>
+          </a:p>
+        </p:txBody>
+      </p:sp>
+    </p:spTree>
+    <p:extLst>
+      <p:ext uri="{BB962C8B-B14F-4D97-AF65-F5344CB8AC3E}">
+        <p14:creationId xmlns:p14="http://schemas.microsoft.com/office/powerpoint/2010/main" val="602434920"/>
+      </p:ext>
+    </p:extLst>
+  </p:cSld>
+  <p:clrMapOvr>
+    <a:masterClrMapping/>
+  </p:clrMapOvr>
+</p:sld>
+</file>
+
+<file path=ppt/slides/slide19.xml><?xml version="1.0" encoding="utf-8"?>
+<p:sld xmlns:a="http://schemas.openxmlformats.org/drawingml/2006/main" xmlns:r="http://schemas.openxmlformats.org/officeDocument/2006/relationships" xmlns:p="http://schemas.openxmlformats.org/presentationml/2006/main">
+  <p:cSld>
+    <p:spTree>
+      <p:nvGrpSpPr>
+        <p:cNvPr id="1" name=""/>
+        <p:cNvGrpSpPr/>
+        <p:nvPr/>
+      </p:nvGrpSpPr>
+      <p:grpSpPr>
+        <a:xfrm>
+          <a:off x="0" y="0"/>
+          <a:ext cx="0" cy="0"/>
+          <a:chOff x="0" y="0"/>
+          <a:chExt cx="0" cy="0"/>
+        </a:xfrm>
+      </p:grpSpPr>
+      <p:sp>
+        <p:nvSpPr>
+          <p:cNvPr id="2" name="Title 1"/>
+          <p:cNvSpPr>
+            <a:spLocks noGrp="1"/>
+          </p:cNvSpPr>
+          <p:nvPr>
+            <p:ph type="title"/>
+          </p:nvPr>
+        </p:nvSpPr>
+        <p:spPr/>
+        <p:txBody>
+          <a:bodyPr/>
+          <a:lstStyle/>
+          <a:p>
+            <a:r>
+              <a:rPr lang="en-US" dirty="0" smtClean="0"/>
+              <a:t>Demo 2</a:t>
+            </a:r>
+            <a:endParaRPr lang="en-US" dirty="0"/>
+          </a:p>
+        </p:txBody>
+      </p:sp>
+      <p:sp>
+        <p:nvSpPr>
+          <p:cNvPr id="3" name="Content Placeholder 2"/>
+          <p:cNvSpPr>
+            <a:spLocks noGrp="1"/>
+          </p:cNvSpPr>
+          <p:nvPr>
+            <p:ph idx="1"/>
+          </p:nvPr>
+        </p:nvSpPr>
+        <p:spPr/>
+        <p:txBody>
+          <a:bodyPr/>
+          <a:lstStyle/>
+          <a:p>
+            <a:endParaRPr lang="en-US" dirty="0"/>
+          </a:p>
+        </p:txBody>
+      </p:sp>
+    </p:spTree>
+    <p:extLst>
+      <p:ext uri="{BB962C8B-B14F-4D97-AF65-F5344CB8AC3E}">
+        <p14:creationId xmlns:p14="http://schemas.microsoft.com/office/powerpoint/2010/main" val="1252817105"/>
       </p:ext>
     </p:extLst>
   </p:cSld>
@@ -4555,6 +6287,385 @@
   <p:clrMapOvr>
     <a:masterClrMapping/>
   </p:clrMapOvr>
+  <p:timing>
+    <p:tnLst>
+      <p:par>
+        <p:cTn id="1" dur="indefinite" restart="never" nodeType="tmRoot"/>
+      </p:par>
+    </p:tnLst>
+  </p:timing>
+</p:sld>
+</file>
+
+<file path=ppt/slides/slide20.xml><?xml version="1.0" encoding="utf-8"?>
+<p:sld xmlns:a="http://schemas.openxmlformats.org/drawingml/2006/main" xmlns:r="http://schemas.openxmlformats.org/officeDocument/2006/relationships" xmlns:p="http://schemas.openxmlformats.org/presentationml/2006/main">
+  <p:cSld>
+    <p:spTree>
+      <p:nvGrpSpPr>
+        <p:cNvPr id="1" name=""/>
+        <p:cNvGrpSpPr/>
+        <p:nvPr/>
+      </p:nvGrpSpPr>
+      <p:grpSpPr>
+        <a:xfrm>
+          <a:off x="0" y="0"/>
+          <a:ext cx="0" cy="0"/>
+          <a:chOff x="0" y="0"/>
+          <a:chExt cx="0" cy="0"/>
+        </a:xfrm>
+      </p:grpSpPr>
+      <p:sp>
+        <p:nvSpPr>
+          <p:cNvPr id="2" name="Title 1"/>
+          <p:cNvSpPr>
+            <a:spLocks noGrp="1"/>
+          </p:cNvSpPr>
+          <p:nvPr>
+            <p:ph type="title"/>
+          </p:nvPr>
+        </p:nvSpPr>
+        <p:spPr/>
+        <p:txBody>
+          <a:bodyPr/>
+          <a:lstStyle/>
+          <a:p>
+            <a:r>
+              <a:rPr lang="en-US" dirty="0" smtClean="0"/>
+              <a:t>Demo 2 - Results</a:t>
+            </a:r>
+            <a:endParaRPr lang="en-US" dirty="0"/>
+          </a:p>
+        </p:txBody>
+      </p:sp>
+      <p:sp>
+        <p:nvSpPr>
+          <p:cNvPr id="3" name="Content Placeholder 2"/>
+          <p:cNvSpPr>
+            <a:spLocks noGrp="1"/>
+          </p:cNvSpPr>
+          <p:nvPr>
+            <p:ph idx="1"/>
+          </p:nvPr>
+        </p:nvSpPr>
+        <p:spPr/>
+        <p:txBody>
+          <a:bodyPr/>
+          <a:lstStyle/>
+          <a:p>
+            <a:endParaRPr lang="en-US" dirty="0"/>
+          </a:p>
+        </p:txBody>
+      </p:sp>
+    </p:spTree>
+    <p:extLst>
+      <p:ext uri="{BB962C8B-B14F-4D97-AF65-F5344CB8AC3E}">
+        <p14:creationId xmlns:p14="http://schemas.microsoft.com/office/powerpoint/2010/main" val="2511131901"/>
+      </p:ext>
+    </p:extLst>
+  </p:cSld>
+  <p:clrMapOvr>
+    <a:masterClrMapping/>
+  </p:clrMapOvr>
+</p:sld>
+</file>
+
+<file path=ppt/slides/slide21.xml><?xml version="1.0" encoding="utf-8"?>
+<p:sld xmlns:a="http://schemas.openxmlformats.org/drawingml/2006/main" xmlns:r="http://schemas.openxmlformats.org/officeDocument/2006/relationships" xmlns:p="http://schemas.openxmlformats.org/presentationml/2006/main">
+  <p:cSld>
+    <p:spTree>
+      <p:nvGrpSpPr>
+        <p:cNvPr id="1" name=""/>
+        <p:cNvGrpSpPr/>
+        <p:nvPr/>
+      </p:nvGrpSpPr>
+      <p:grpSpPr>
+        <a:xfrm>
+          <a:off x="0" y="0"/>
+          <a:ext cx="0" cy="0"/>
+          <a:chOff x="0" y="0"/>
+          <a:chExt cx="0" cy="0"/>
+        </a:xfrm>
+      </p:grpSpPr>
+      <p:sp>
+        <p:nvSpPr>
+          <p:cNvPr id="2" name="Title 1"/>
+          <p:cNvSpPr>
+            <a:spLocks noGrp="1"/>
+          </p:cNvSpPr>
+          <p:nvPr>
+            <p:ph type="title"/>
+          </p:nvPr>
+        </p:nvSpPr>
+        <p:spPr/>
+        <p:txBody>
+          <a:bodyPr/>
+          <a:lstStyle/>
+          <a:p>
+            <a:r>
+              <a:rPr lang="en-US" dirty="0" smtClean="0"/>
+              <a:t>Further Considerations</a:t>
+            </a:r>
+            <a:endParaRPr lang="en-US" dirty="0"/>
+          </a:p>
+        </p:txBody>
+      </p:sp>
+      <p:sp>
+        <p:nvSpPr>
+          <p:cNvPr id="3" name="Content Placeholder 2"/>
+          <p:cNvSpPr>
+            <a:spLocks noGrp="1"/>
+          </p:cNvSpPr>
+          <p:nvPr>
+            <p:ph idx="1"/>
+          </p:nvPr>
+        </p:nvSpPr>
+        <p:spPr/>
+        <p:txBody>
+          <a:bodyPr/>
+          <a:lstStyle/>
+          <a:p>
+            <a:r>
+              <a:rPr lang="en-US" b="1" dirty="0"/>
+              <a:t>JMH annotations </a:t>
+            </a:r>
+            <a:r>
+              <a:rPr lang="en-US" b="1" dirty="0" err="1"/>
+              <a:t>Javadocs</a:t>
+            </a:r>
+            <a:r>
+              <a:rPr lang="en-US" b="1" dirty="0"/>
+              <a:t> and Samples are essential </a:t>
+            </a:r>
+            <a:r>
+              <a:rPr lang="en-US" b="1" dirty="0" smtClean="0"/>
+              <a:t>reading</a:t>
+            </a:r>
+            <a:endParaRPr lang="en-US" dirty="0" smtClean="0"/>
+          </a:p>
+          <a:p>
+            <a:pPr lvl="1"/>
+            <a:r>
+              <a:rPr lang="en-US" dirty="0" smtClean="0"/>
+              <a:t>Follow </a:t>
+            </a:r>
+            <a:r>
+              <a:rPr lang="en-US" dirty="0"/>
+              <a:t>the </a:t>
+            </a:r>
+            <a:r>
+              <a:rPr lang="en-US" dirty="0">
+                <a:hlinkClick r:id="rId2"/>
+              </a:rPr>
+              <a:t>JMH samples</a:t>
+            </a:r>
+            <a:r>
+              <a:rPr lang="en-US" dirty="0"/>
+              <a:t> to get familiar with the API, use cases, culprits, and pitfalls </a:t>
+            </a:r>
+          </a:p>
+          <a:p>
+            <a:r>
+              <a:rPr lang="en-US" b="1" dirty="0" smtClean="0"/>
+              <a:t>Your </a:t>
+            </a:r>
+            <a:r>
+              <a:rPr lang="en-US" b="1" dirty="0"/>
+              <a:t>benchmarks should be </a:t>
+            </a:r>
+            <a:r>
+              <a:rPr lang="en-US" b="1" dirty="0" smtClean="0"/>
+              <a:t>peer-reviewed</a:t>
+            </a:r>
+            <a:endParaRPr lang="en-US" dirty="0" smtClean="0"/>
+          </a:p>
+          <a:p>
+            <a:pPr lvl="1"/>
+            <a:r>
+              <a:rPr lang="en-US" dirty="0" smtClean="0"/>
+              <a:t>JMH does </a:t>
+            </a:r>
+            <a:r>
+              <a:rPr lang="en-US" b="1" dirty="0" smtClean="0"/>
+              <a:t>NOT</a:t>
+            </a:r>
+            <a:r>
+              <a:rPr lang="en-US" dirty="0" smtClean="0"/>
+              <a:t> magically </a:t>
+            </a:r>
+            <a:r>
+              <a:rPr lang="en-US" dirty="0"/>
+              <a:t>free you from considering benchmarking </a:t>
+            </a:r>
+            <a:r>
+              <a:rPr lang="en-US" dirty="0" smtClean="0"/>
+              <a:t>pitfalls</a:t>
+            </a:r>
+          </a:p>
+          <a:p>
+            <a:pPr lvl="1"/>
+            <a:r>
+              <a:rPr lang="en-US" dirty="0" smtClean="0"/>
+              <a:t>“We </a:t>
+            </a:r>
+            <a:r>
+              <a:rPr lang="en-US" dirty="0"/>
+              <a:t>only promise to make avoiding them easier, not </a:t>
+            </a:r>
+            <a:r>
+              <a:rPr lang="en-US" dirty="0" smtClean="0"/>
+              <a:t>avoid </a:t>
+            </a:r>
+            <a:r>
+              <a:rPr lang="en-US" dirty="0"/>
+              <a:t>them completely</a:t>
+            </a:r>
+            <a:r>
+              <a:rPr lang="en-US" dirty="0" smtClean="0"/>
+              <a:t>.”</a:t>
+            </a:r>
+            <a:endParaRPr lang="en-US" dirty="0"/>
+          </a:p>
+          <a:p>
+            <a:endParaRPr lang="en-US" dirty="0"/>
+          </a:p>
+        </p:txBody>
+      </p:sp>
+    </p:spTree>
+    <p:extLst>
+      <p:ext uri="{BB962C8B-B14F-4D97-AF65-F5344CB8AC3E}">
+        <p14:creationId xmlns:p14="http://schemas.microsoft.com/office/powerpoint/2010/main" val="347531558"/>
+      </p:ext>
+    </p:extLst>
+  </p:cSld>
+  <p:clrMapOvr>
+    <a:masterClrMapping/>
+  </p:clrMapOvr>
+  <p:timing>
+    <p:tnLst>
+      <p:par>
+        <p:cTn id="1" dur="indefinite" restart="never" nodeType="tmRoot"/>
+      </p:par>
+    </p:tnLst>
+  </p:timing>
+</p:sld>
+</file>
+
+<file path=ppt/slides/slide22.xml><?xml version="1.0" encoding="utf-8"?>
+<p:sld xmlns:a="http://schemas.openxmlformats.org/drawingml/2006/main" xmlns:r="http://schemas.openxmlformats.org/officeDocument/2006/relationships" xmlns:p="http://schemas.openxmlformats.org/presentationml/2006/main">
+  <p:cSld>
+    <p:spTree>
+      <p:nvGrpSpPr>
+        <p:cNvPr id="1" name=""/>
+        <p:cNvGrpSpPr/>
+        <p:nvPr/>
+      </p:nvGrpSpPr>
+      <p:grpSpPr>
+        <a:xfrm>
+          <a:off x="0" y="0"/>
+          <a:ext cx="0" cy="0"/>
+          <a:chOff x="0" y="0"/>
+          <a:chExt cx="0" cy="0"/>
+        </a:xfrm>
+      </p:grpSpPr>
+      <p:sp>
+        <p:nvSpPr>
+          <p:cNvPr id="2" name="Title 1"/>
+          <p:cNvSpPr>
+            <a:spLocks noGrp="1"/>
+          </p:cNvSpPr>
+          <p:nvPr>
+            <p:ph type="title"/>
+          </p:nvPr>
+        </p:nvSpPr>
+        <p:spPr/>
+        <p:txBody>
+          <a:bodyPr/>
+          <a:lstStyle/>
+          <a:p>
+            <a:r>
+              <a:rPr lang="en-US" dirty="0" smtClean="0"/>
+              <a:t>References</a:t>
+            </a:r>
+            <a:endParaRPr lang="en-US" dirty="0"/>
+          </a:p>
+        </p:txBody>
+      </p:sp>
+      <p:sp>
+        <p:nvSpPr>
+          <p:cNvPr id="3" name="Content Placeholder 2"/>
+          <p:cNvSpPr>
+            <a:spLocks noGrp="1"/>
+          </p:cNvSpPr>
+          <p:nvPr>
+            <p:ph idx="1"/>
+          </p:nvPr>
+        </p:nvSpPr>
+        <p:spPr/>
+        <p:txBody>
+          <a:bodyPr/>
+          <a:lstStyle/>
+          <a:p>
+            <a:r>
+              <a:rPr lang="en-US" dirty="0">
+                <a:hlinkClick r:id="rId2"/>
+              </a:rPr>
+              <a:t>http://</a:t>
+            </a:r>
+            <a:r>
+              <a:rPr lang="en-US" dirty="0" smtClean="0">
+                <a:hlinkClick r:id="rId2"/>
+              </a:rPr>
+              <a:t>www.oracle.com/technetwork/articles/java/architect-benchmarking-2266277.html</a:t>
+            </a:r>
+            <a:endParaRPr lang="en-US" dirty="0" smtClean="0"/>
+          </a:p>
+          <a:p>
+            <a:pPr lvl="1"/>
+            <a:r>
+              <a:rPr lang="en-US" dirty="0" smtClean="0"/>
+              <a:t>The basis for this whole presentation</a:t>
+            </a:r>
+          </a:p>
+          <a:p>
+            <a:pPr lvl="1"/>
+            <a:endParaRPr lang="en-US" dirty="0" smtClean="0"/>
+          </a:p>
+          <a:p>
+            <a:r>
+              <a:rPr lang="en-US" dirty="0" smtClean="0"/>
+              <a:t>Background</a:t>
+            </a:r>
+            <a:endParaRPr lang="en-US" dirty="0"/>
+          </a:p>
+          <a:p>
+            <a:pPr lvl="1"/>
+            <a:r>
+              <a:rPr lang="en-US" dirty="0">
+                <a:hlinkClick r:id="rId3"/>
+              </a:rPr>
+              <a:t>http://java-performance.info/jmh/</a:t>
+            </a:r>
+            <a:endParaRPr lang="en-US" dirty="0"/>
+          </a:p>
+        </p:txBody>
+      </p:sp>
+    </p:spTree>
+    <p:extLst>
+      <p:ext uri="{BB962C8B-B14F-4D97-AF65-F5344CB8AC3E}">
+        <p14:creationId xmlns:p14="http://schemas.microsoft.com/office/powerpoint/2010/main" val="1280026601"/>
+      </p:ext>
+    </p:extLst>
+  </p:cSld>
+  <p:clrMapOvr>
+    <a:masterClrMapping/>
+  </p:clrMapOvr>
+  <p:timing>
+    <p:tnLst>
+      <p:par>
+        <p:cTn id="1" dur="indefinite" restart="never" nodeType="tmRoot"/>
+      </p:par>
+    </p:tnLst>
+  </p:timing>
 </p:sld>
 </file>
 
@@ -4633,11 +6744,7 @@
             <a:pPr lvl="1"/>
             <a:r>
               <a:rPr lang="en-US" dirty="0" smtClean="0"/>
-              <a:t>Does </a:t>
-            </a:r>
-            <a:r>
-              <a:rPr lang="en-US" dirty="0" smtClean="0"/>
-              <a:t>not prevent all pitfalls, but can at least mitigate MOST of them</a:t>
+              <a:t>Does not prevent all pitfalls, but can at least mitigate MOST of them</a:t>
             </a:r>
           </a:p>
           <a:p>
@@ -4662,11 +6769,7 @@
             <a:pPr lvl="1"/>
             <a:r>
               <a:rPr lang="en-US" dirty="0" smtClean="0"/>
-              <a:t>Active development (1.11.2 released October 2015</a:t>
-            </a:r>
-            <a:r>
-              <a:rPr lang="en-US" dirty="0" smtClean="0"/>
-              <a:t>)</a:t>
+              <a:t>Active development (1.11.2 released October 2015)</a:t>
             </a:r>
           </a:p>
           <a:p>
@@ -4675,7 +6778,6 @@
               <a:rPr lang="en-US" dirty="0" smtClean="0"/>
               <a:t>Developed by same guys in Oracle who maintain the JIT</a:t>
             </a:r>
-            <a:endParaRPr lang="en-US" dirty="0" smtClean="0"/>
           </a:p>
           <a:p>
             <a:r>
@@ -4708,6 +6810,13 @@
   <p:clrMapOvr>
     <a:masterClrMapping/>
   </p:clrMapOvr>
+  <p:timing>
+    <p:tnLst>
+      <p:par>
+        <p:cTn id="1" dur="indefinite" restart="never" nodeType="tmRoot"/>
+      </p:par>
+    </p:tnLst>
+  </p:timing>
 </p:sld>
 </file>
 
@@ -4780,6 +6889,13 @@
   <p:clrMapOvr>
     <a:masterClrMapping/>
   </p:clrMapOvr>
+  <p:timing>
+    <p:tnLst>
+      <p:par>
+        <p:cTn id="1" dur="indefinite" restart="never" nodeType="tmRoot"/>
+      </p:par>
+    </p:tnLst>
+  </p:timing>
 </p:sld>
 </file>
 
@@ -4842,11 +6958,7 @@
           <a:p>
             <a:r>
               <a:rPr lang="en-US" dirty="0" smtClean="0"/>
-              <a:t>Setup as a Maven </a:t>
-            </a:r>
-            <a:r>
-              <a:rPr lang="en-US" dirty="0" smtClean="0"/>
-              <a:t>project</a:t>
+              <a:t>Setup as a Maven project</a:t>
             </a:r>
           </a:p>
           <a:p>
@@ -4873,7 +6985,6 @@
               <a:rPr lang="en-US" dirty="0" smtClean="0"/>
               <a:t>application”</a:t>
             </a:r>
-            <a:endParaRPr lang="en-US" dirty="0" smtClean="0"/>
           </a:p>
           <a:p>
             <a:r>
@@ -4886,13 +6997,8 @@
             </a:r>
             <a:r>
               <a:rPr lang="en-US" dirty="0" smtClean="0"/>
-              <a:t> </a:t>
-            </a:r>
-            <a:r>
-              <a:rPr lang="en-US" dirty="0" smtClean="0"/>
-              <a:t>instead	</a:t>
-            </a:r>
-            <a:endParaRPr lang="en-US" dirty="0" smtClean="0"/>
+              <a:t> instead	</a:t>
+            </a:r>
           </a:p>
           <a:p>
             <a:pPr lvl="1"/>
@@ -4984,6 +7090,13 @@
   <p:clrMapOvr>
     <a:masterClrMapping/>
   </p:clrMapOvr>
+  <p:timing>
+    <p:tnLst>
+      <p:par>
+        <p:cTn id="1" dur="indefinite" restart="never" nodeType="tmRoot"/>
+      </p:par>
+    </p:tnLst>
+  </p:timing>
 </p:sld>
 </file>
 
@@ -5136,6 +7249,13 @@
   <p:clrMapOvr>
     <a:masterClrMapping/>
   </p:clrMapOvr>
+  <p:timing>
+    <p:tnLst>
+      <p:par>
+        <p:cTn id="1" dur="indefinite" restart="never" nodeType="tmRoot"/>
+      </p:par>
+    </p:tnLst>
+  </p:timing>
 </p:sld>
 </file>
 
@@ -5173,11 +7293,7 @@
           <a:p>
             <a:r>
               <a:rPr lang="en-US" dirty="0" smtClean="0"/>
-              <a:t>JMH </a:t>
-            </a:r>
-            <a:r>
-              <a:rPr lang="en-US" dirty="0" smtClean="0"/>
-              <a:t>– Defaults</a:t>
+              <a:t>JMH – Defaults</a:t>
             </a:r>
             <a:endParaRPr lang="en-US" dirty="0"/>
           </a:p>
@@ -5268,6 +7384,13 @@
   <p:clrMapOvr>
     <a:masterClrMapping/>
   </p:clrMapOvr>
+  <p:timing>
+    <p:tnLst>
+      <p:par>
+        <p:cTn id="1" dur="indefinite" restart="never" nodeType="tmRoot"/>
+      </p:par>
+    </p:tnLst>
+  </p:timing>
 </p:sld>
 </file>
 
@@ -5358,6 +7481,13 @@
   <p:clrMapOvr>
     <a:masterClrMapping/>
   </p:clrMapOvr>
+  <p:timing>
+    <p:tnLst>
+      <p:par>
+        <p:cTn id="1" dur="indefinite" restart="never" nodeType="tmRoot"/>
+      </p:par>
+    </p:tnLst>
+  </p:timing>
 </p:sld>
 </file>
 
@@ -5393,7 +7523,11 @@
           <a:bodyPr/>
           <a:lstStyle/>
           <a:p>
-            <a:endParaRPr lang="en-US"/>
+            <a:r>
+              <a:rPr lang="en-US" dirty="0" smtClean="0"/>
+              <a:t>Sample JMH Output</a:t>
+            </a:r>
+            <a:endParaRPr lang="en-US" dirty="0"/>
           </a:p>
         </p:txBody>
       </p:sp>
@@ -5409,23 +7543,126 @@
         </p:nvSpPr>
         <p:spPr/>
         <p:txBody>
-          <a:bodyPr/>
-          <a:lstStyle/>
-          <a:p>
-            <a:endParaRPr lang="en-US"/>
+          <a:bodyPr>
+            <a:normAutofit fontScale="92500" lnSpcReduction="20000"/>
+          </a:bodyPr>
+          <a:lstStyle/>
+          <a:p>
+            <a:r>
+              <a:rPr lang="en-US" dirty="0" smtClean="0"/>
+              <a:t>doc\sample-human.txt</a:t>
+            </a:r>
+          </a:p>
+          <a:p>
+            <a:r>
+              <a:rPr lang="en-US" dirty="0" smtClean="0"/>
+              <a:t>Configuration Info</a:t>
+            </a:r>
+          </a:p>
+          <a:p>
+            <a:pPr lvl="1"/>
+            <a:r>
+              <a:rPr lang="en-US" dirty="0" smtClean="0"/>
+              <a:t>JMH, JVM version</a:t>
+            </a:r>
+          </a:p>
+          <a:p>
+            <a:pPr lvl="1"/>
+            <a:r>
+              <a:rPr lang="en-US" dirty="0" smtClean="0"/>
+              <a:t>JVM Configuration</a:t>
+            </a:r>
+          </a:p>
+          <a:p>
+            <a:pPr lvl="1"/>
+            <a:r>
+              <a:rPr lang="en-US" dirty="0" smtClean="0"/>
+              <a:t>JMH Configuration</a:t>
+            </a:r>
+          </a:p>
+          <a:p>
+            <a:r>
+              <a:rPr lang="en-US" dirty="0" smtClean="0"/>
+              <a:t>Profiling Results</a:t>
+            </a:r>
+          </a:p>
+          <a:p>
+            <a:pPr lvl="1"/>
+            <a:r>
+              <a:rPr lang="en-US" dirty="0" smtClean="0"/>
+              <a:t>Operations / second (default output mode) </a:t>
+            </a:r>
+          </a:p>
+          <a:p>
+            <a:pPr lvl="1"/>
+            <a:r>
+              <a:rPr lang="en-US" dirty="0" smtClean="0"/>
+              <a:t>Computed statistics (min, </a:t>
+            </a:r>
+            <a:r>
+              <a:rPr lang="en-US" dirty="0" err="1" smtClean="0"/>
+              <a:t>avg</a:t>
+            </a:r>
+            <a:r>
+              <a:rPr lang="en-US" dirty="0" smtClean="0"/>
+              <a:t>, max, </a:t>
+            </a:r>
+            <a:r>
+              <a:rPr lang="en-US" dirty="0" err="1" smtClean="0"/>
+              <a:t>stdev</a:t>
+            </a:r>
+            <a:r>
+              <a:rPr lang="en-US" dirty="0" smtClean="0"/>
+              <a:t>, confidence interval)</a:t>
+            </a:r>
+          </a:p>
+          <a:p>
+            <a:r>
+              <a:rPr lang="en-US" dirty="0" smtClean="0"/>
+              <a:t>What’s missing?</a:t>
+            </a:r>
+          </a:p>
+          <a:p>
+            <a:pPr lvl="1"/>
+            <a:r>
+              <a:rPr lang="en-US" dirty="0" smtClean="0"/>
+              <a:t>OS</a:t>
+            </a:r>
+          </a:p>
+          <a:p>
+            <a:pPr lvl="1"/>
+            <a:r>
+              <a:rPr lang="en-US" dirty="0" smtClean="0"/>
+              <a:t>Hardware</a:t>
+            </a:r>
+          </a:p>
+          <a:p>
+            <a:pPr lvl="1"/>
+            <a:r>
+              <a:rPr lang="en-US" dirty="0" smtClean="0"/>
+              <a:t>System Load</a:t>
+            </a:r>
+            <a:endParaRPr lang="en-US" dirty="0"/>
           </a:p>
         </p:txBody>
       </p:sp>
     </p:spTree>
     <p:extLst>
       <p:ext uri="{BB962C8B-B14F-4D97-AF65-F5344CB8AC3E}">
-        <p14:creationId xmlns:p14="http://schemas.microsoft.com/office/powerpoint/2010/main" val="2727199964"/>
+        <p14:creationId xmlns:p14="http://schemas.microsoft.com/office/powerpoint/2010/main" val="3822949413"/>
       </p:ext>
     </p:extLst>
   </p:cSld>
   <p:clrMapOvr>
     <a:masterClrMapping/>
   </p:clrMapOvr>
+  <p:timing>
+    <p:tnLst>
+      <p:par>
+        <p:cTn id="1" dur="indefinite" restart="never" nodeType="tmRoot"/>
+      </p:par>
+    </p:tnLst>
+  </p:timing>
 </p:sld>
 </file>
 

--- a/doc/slides.pptx
+++ b/doc/slides.pptx
@@ -5,7 +5,7 @@
     <p:sldMasterId id="2147483648" r:id="rId1"/>
   </p:sldMasterIdLst>
   <p:notesMasterIdLst>
-    <p:notesMasterId r:id="rId24"/>
+    <p:notesMasterId r:id="rId34"/>
   </p:notesMasterIdLst>
   <p:sldIdLst>
     <p:sldId id="256" r:id="rId2"/>
@@ -23,13 +23,23 @@
     <p:sldId id="270" r:id="rId14"/>
     <p:sldId id="271" r:id="rId15"/>
     <p:sldId id="272" r:id="rId16"/>
-    <p:sldId id="274" r:id="rId17"/>
-    <p:sldId id="275" r:id="rId18"/>
-    <p:sldId id="273" r:id="rId19"/>
-    <p:sldId id="276" r:id="rId20"/>
-    <p:sldId id="277" r:id="rId21"/>
-    <p:sldId id="264" r:id="rId22"/>
-    <p:sldId id="261" r:id="rId23"/>
+    <p:sldId id="281" r:id="rId17"/>
+    <p:sldId id="278" r:id="rId18"/>
+    <p:sldId id="279" r:id="rId19"/>
+    <p:sldId id="280" r:id="rId20"/>
+    <p:sldId id="282" r:id="rId21"/>
+    <p:sldId id="274" r:id="rId22"/>
+    <p:sldId id="275" r:id="rId23"/>
+    <p:sldId id="273" r:id="rId24"/>
+    <p:sldId id="283" r:id="rId25"/>
+    <p:sldId id="284" r:id="rId26"/>
+    <p:sldId id="285" r:id="rId27"/>
+    <p:sldId id="286" r:id="rId28"/>
+    <p:sldId id="276" r:id="rId29"/>
+    <p:sldId id="277" r:id="rId30"/>
+    <p:sldId id="264" r:id="rId31"/>
+    <p:sldId id="287" r:id="rId32"/>
+    <p:sldId id="261" r:id="rId33"/>
   </p:sldIdLst>
   <p:sldSz cx="12192000" cy="6858000"/>
   <p:notesSz cx="6858000" cy="9144000"/>
@@ -218,7 +228,7 @@
           <a:p>
             <a:fld id="{D5C9E47B-4149-4D78-AEA7-6A63220E520D}" type="datetimeFigureOut">
               <a:rPr lang="en-US" smtClean="0"/>
-              <a:t>1/21/2016</a:t>
+              <a:t>1/25/2016</a:t>
             </a:fld>
             <a:endParaRPr lang="en-US"/>
           </a:p>
@@ -562,11 +572,7 @@
             </a:pPr>
             <a:r>
               <a:rPr lang="en-US" baseline="0" dirty="0" smtClean="0"/>
-              <a:t>I’ll say up front that understanding this tool is difficult, and I am by no means an expert on either it or </a:t>
-            </a:r>
-            <a:r>
-              <a:rPr lang="en-US" baseline="0" dirty="0" smtClean="0"/>
-              <a:t>– the complex and cryptic internal workings of the JVM</a:t>
+              <a:t>I’ll say up front that understanding this tool is difficult, and I am by no means an expert on either it or – the complex and cryptic internal workings of the JVM</a:t>
             </a:r>
             <a:endParaRPr lang="en-US" dirty="0" smtClean="0"/>
           </a:p>
@@ -850,24 +856,32 @@
           <a:p>
             <a:r>
               <a:rPr lang="en-US" dirty="0" smtClean="0"/>
-              <a:t>This</a:t>
-            </a:r>
-            <a:r>
-              <a:rPr lang="en-US" baseline="0" dirty="0" smtClean="0"/>
-              <a:t> is the attempt by the makers of JMH (the same people who work on the JIT) to tell the JVM in no uncertain terms to avoid optimizing away the thing you are trying to benchmark.</a:t>
-            </a:r>
-          </a:p>
-          <a:p>
-            <a:endParaRPr lang="en-US" baseline="0" dirty="0" smtClean="0"/>
-          </a:p>
-          <a:p>
-            <a:r>
-              <a:rPr lang="en-US" dirty="0" smtClean="0"/>
-              <a:t>I have no clue what</a:t>
-            </a:r>
-            <a:r>
-              <a:rPr lang="en-US" baseline="0" dirty="0" smtClean="0"/>
-              <a:t> this class is doing or why it is doing it.  Looking at the internals – it’s all just voodoo to me.  But the JMH guys, who are the JIT guys, say this is the best way to avoid your code getting optimized away – and its very easy to use.</a:t>
+              <a:t>Besides marking a separate class as a @State, you can also mark your own benchmark class as @State.</a:t>
+            </a:r>
+          </a:p>
+          <a:p>
+            <a:endParaRPr lang="en-US" dirty="0" smtClean="0"/>
+          </a:p>
+          <a:p>
+            <a:r>
+              <a:rPr lang="en-US" dirty="0" smtClean="0"/>
+              <a:t>Like JUnit tests, you can annotate your state class methods with @Setup and @</a:t>
+            </a:r>
+            <a:r>
+              <a:rPr lang="en-US" dirty="0" err="1" smtClean="0"/>
+              <a:t>TearDown</a:t>
+            </a:r>
+            <a:r>
+              <a:rPr lang="en-US" dirty="0" smtClean="0"/>
+              <a:t> annotations (these methods called </a:t>
+            </a:r>
+            <a:r>
+              <a:rPr lang="en-US" i="1" dirty="0" smtClean="0"/>
+              <a:t>fixtures</a:t>
+            </a:r>
+            <a:r>
+              <a:rPr lang="en-US" dirty="0" smtClean="0"/>
+              <a:t> in JMH documentation. You can have any number of setup/teardown methods. </a:t>
             </a:r>
             <a:endParaRPr lang="en-US" dirty="0"/>
           </a:p>
@@ -890,7 +904,7 @@
           <a:p>
             <a:fld id="{CFAD290B-5269-4E99-8A8A-8691B1EB0AE9}" type="slidenum">
               <a:rPr lang="en-US" smtClean="0"/>
-              <a:t>16</a:t>
+              <a:t>15</a:t>
             </a:fld>
             <a:endParaRPr lang="en-US"/>
           </a:p>
@@ -899,7 +913,7 @@
     </p:spTree>
     <p:extLst>
       <p:ext uri="{BB962C8B-B14F-4D97-AF65-F5344CB8AC3E}">
-        <p14:creationId xmlns:p14="http://schemas.microsoft.com/office/powerpoint/2010/main" val="3515685751"/>
+        <p14:creationId xmlns:p14="http://schemas.microsoft.com/office/powerpoint/2010/main" val="4077693676"/>
       </p:ext>
     </p:extLst>
   </p:cSld>
@@ -953,6 +967,69 @@
           <a:bodyPr/>
           <a:lstStyle/>
           <a:p>
+            <a:r>
+              <a:rPr lang="en-US" dirty="0" smtClean="0"/>
+              <a:t>You may also need to define the non-uniform access to your state object – for example to test the “readers-writers” scenario where the number of readers is usually higher than the number of writers. JMH uses the notion of thread groups for this case. </a:t>
+            </a:r>
+          </a:p>
+          <a:p>
+            <a:r>
+              <a:rPr lang="en-US" dirty="0" smtClean="0"/>
+              <a:t>In order to setup a group of tests, you need: </a:t>
+            </a:r>
+          </a:p>
+          <a:p>
+            <a:endParaRPr lang="en-US" dirty="0" smtClean="0"/>
+          </a:p>
+          <a:p>
+            <a:r>
+              <a:rPr lang="en-US" dirty="0" smtClean="0"/>
+              <a:t>Mark all your test methods with @Group(name) annotation, providing the same string name for all tests in a group (otherwise these tests will be run independently – no warning will be given!). </a:t>
+            </a:r>
+          </a:p>
+          <a:p>
+            <a:endParaRPr lang="en-US" dirty="0" smtClean="0"/>
+          </a:p>
+          <a:p>
+            <a:r>
+              <a:rPr lang="en-US" dirty="0" smtClean="0"/>
+              <a:t>Annotate each of your tests with @</a:t>
+            </a:r>
+            <a:r>
+              <a:rPr lang="en-US" dirty="0" err="1" smtClean="0"/>
+              <a:t>GroupThreads</a:t>
+            </a:r>
+            <a:r>
+              <a:rPr lang="en-US" dirty="0" smtClean="0"/>
+              <a:t>(</a:t>
+            </a:r>
+            <a:r>
+              <a:rPr lang="en-US" dirty="0" err="1" smtClean="0"/>
+              <a:t>threadsNumber</a:t>
+            </a:r>
+            <a:r>
+              <a:rPr lang="en-US" dirty="0" smtClean="0"/>
+              <a:t>) annotation, specifying a number of threads which will run the given method. </a:t>
+            </a:r>
+          </a:p>
+          <a:p>
+            <a:endParaRPr lang="en-US" dirty="0" smtClean="0"/>
+          </a:p>
+          <a:p>
+            <a:r>
+              <a:rPr lang="en-US" dirty="0" smtClean="0"/>
+              <a:t>JMH will start a sum of all your @</a:t>
+            </a:r>
+            <a:r>
+              <a:rPr lang="en-US" dirty="0" err="1" smtClean="0"/>
+              <a:t>GroupThreads</a:t>
+            </a:r>
+            <a:r>
+              <a:rPr lang="en-US" dirty="0" smtClean="0"/>
+              <a:t> for the given group and will run all tests in a group concurrently in the same trial. The results will be given for the group and for each method independently. </a:t>
+            </a:r>
+          </a:p>
+          <a:p>
             <a:endParaRPr lang="en-US" dirty="0"/>
           </a:p>
         </p:txBody>
@@ -974,7 +1051,7 @@
           <a:p>
             <a:fld id="{CFAD290B-5269-4E99-8A8A-8691B1EB0AE9}" type="slidenum">
               <a:rPr lang="en-US" smtClean="0"/>
-              <a:t>17</a:t>
+              <a:t>16</a:t>
             </a:fld>
             <a:endParaRPr lang="en-US"/>
           </a:p>
@@ -983,7 +1060,7 @@
     </p:spTree>
     <p:extLst>
       <p:ext uri="{BB962C8B-B14F-4D97-AF65-F5344CB8AC3E}">
-        <p14:creationId xmlns:p14="http://schemas.microsoft.com/office/powerpoint/2010/main" val="1383870499"/>
+        <p14:creationId xmlns:p14="http://schemas.microsoft.com/office/powerpoint/2010/main" val="370174003"/>
       </p:ext>
     </p:extLst>
   </p:cSld>
@@ -1037,6 +1114,14 @@
           <a:bodyPr/>
           <a:lstStyle/>
           <a:p>
+            <a:r>
+              <a:rPr lang="en-US" dirty="0" smtClean="0"/>
+              <a:t>Class level, or override</a:t>
+            </a:r>
+            <a:r>
+              <a:rPr lang="en-US" baseline="0" dirty="0" smtClean="0"/>
+              <a:t> at method</a:t>
+            </a:r>
             <a:endParaRPr lang="en-US" dirty="0"/>
           </a:p>
         </p:txBody>
@@ -1058,7 +1143,7 @@
           <a:p>
             <a:fld id="{CFAD290B-5269-4E99-8A8A-8691B1EB0AE9}" type="slidenum">
               <a:rPr lang="en-US" smtClean="0"/>
-              <a:t>18</a:t>
+              <a:t>17</a:t>
             </a:fld>
             <a:endParaRPr lang="en-US"/>
           </a:p>
@@ -1067,7 +1152,7 @@
     </p:spTree>
     <p:extLst>
       <p:ext uri="{BB962C8B-B14F-4D97-AF65-F5344CB8AC3E}">
-        <p14:creationId xmlns:p14="http://schemas.microsoft.com/office/powerpoint/2010/main" val="1269356262"/>
+        <p14:creationId xmlns:p14="http://schemas.microsoft.com/office/powerpoint/2010/main" val="3238524958"/>
       </p:ext>
     </p:extLst>
   </p:cSld>
@@ -1123,48 +1208,31 @@
           <a:p>
             <a:r>
               <a:rPr lang="en-US" dirty="0" smtClean="0"/>
-              <a:t>We can clearly see the effects of dead-code elimination and constant folding. The only meaningful measurement of distance() is when the value is being consumed by JMH (using the </a:t>
+              <a:t>You can specify time unit to use via @</a:t>
             </a:r>
             <a:r>
               <a:rPr lang="en-US" dirty="0" err="1" smtClean="0"/>
-              <a:t>bBlackhole</a:t>
-            </a:r>
-            <a:r>
-              <a:rPr lang="en-US" dirty="0" smtClean="0"/>
-              <a:t>) and the</a:t>
-            </a:r>
-            <a:r>
-              <a:rPr lang="en-US" baseline="0" dirty="0" smtClean="0"/>
-              <a:t> </a:t>
-            </a:r>
-            <a:r>
-              <a:rPr lang="en-US" dirty="0" smtClean="0"/>
-              <a:t>parameters are passed through field values of a @State class. </a:t>
-            </a:r>
-          </a:p>
-          <a:p>
-            <a:endParaRPr lang="en-US" dirty="0" smtClean="0"/>
-          </a:p>
-          <a:p>
-            <a:r>
-              <a:rPr lang="en-US" dirty="0" smtClean="0"/>
-              <a:t>All other cases are meaningless</a:t>
-            </a:r>
-            <a:r>
-              <a:rPr lang="en-US" baseline="0" dirty="0" smtClean="0"/>
-              <a:t> – they are similar to measuring </a:t>
-            </a:r>
-            <a:r>
-              <a:rPr lang="en-US" dirty="0" smtClean="0"/>
-              <a:t>the performance </a:t>
-            </a:r>
-            <a:r>
-              <a:rPr lang="en-US" smtClean="0"/>
-              <a:t>of benchmarking a </a:t>
-            </a:r>
-            <a:r>
-              <a:rPr lang="en-US" dirty="0" smtClean="0"/>
-              <a:t>constant double or an empty void-returning method.</a:t>
+              <a:t>OutputTimeUnit</a:t>
+            </a:r>
+            <a:r>
+              <a:rPr lang="en-US" dirty="0" smtClean="0"/>
+              <a:t>, which requires an argument of the standard Java type </a:t>
+            </a:r>
+            <a:r>
+              <a:rPr lang="en-US" dirty="0" err="1" smtClean="0"/>
+              <a:t>java.util.concurrent.TimeUnit</a:t>
+            </a:r>
+            <a:r>
+              <a:rPr lang="en-US" dirty="0" smtClean="0"/>
+              <a:t>. Unfortunately, if you have specified several test modes for one test, the given time unit will be used for all tests (for example, it may be convenient to measure </a:t>
+            </a:r>
+            <a:r>
+              <a:rPr lang="en-US" dirty="0" err="1" smtClean="0"/>
+              <a:t>SampleTime</a:t>
+            </a:r>
+            <a:r>
+              <a:rPr lang="en-US" dirty="0" smtClean="0"/>
+              <a:t> in nanoseconds, but throughput should better be measured in the longer time units). </a:t>
             </a:r>
             <a:endParaRPr lang="en-US" dirty="0"/>
           </a:p>
@@ -1187,7 +1255,7 @@
           <a:p>
             <a:fld id="{CFAD290B-5269-4E99-8A8A-8691B1EB0AE9}" type="slidenum">
               <a:rPr lang="en-US" smtClean="0"/>
-              <a:t>20</a:t>
+              <a:t>18</a:t>
             </a:fld>
             <a:endParaRPr lang="en-US"/>
           </a:p>
@@ -1196,7 +1264,418 @@
     </p:spTree>
     <p:extLst>
       <p:ext uri="{BB962C8B-B14F-4D97-AF65-F5344CB8AC3E}">
-        <p14:creationId xmlns:p14="http://schemas.microsoft.com/office/powerpoint/2010/main" val="543214475"/>
+        <p14:creationId xmlns:p14="http://schemas.microsoft.com/office/powerpoint/2010/main" val="2820436906"/>
+      </p:ext>
+    </p:extLst>
+  </p:cSld>
+  <p:clrMapOvr>
+    <a:masterClrMapping/>
+  </p:clrMapOvr>
+</p:notes>
+</file>
+
+<file path=ppt/notesSlides/notesSlide16.xml><?xml version="1.0" encoding="utf-8"?>
+<p:notes xmlns:a="http://schemas.openxmlformats.org/drawingml/2006/main" xmlns:r="http://schemas.openxmlformats.org/officeDocument/2006/relationships" xmlns:p="http://schemas.openxmlformats.org/presentationml/2006/main">
+  <p:cSld>
+    <p:spTree>
+      <p:nvGrpSpPr>
+        <p:cNvPr id="1" name=""/>
+        <p:cNvGrpSpPr/>
+        <p:nvPr/>
+      </p:nvGrpSpPr>
+      <p:grpSpPr>
+        <a:xfrm>
+          <a:off x="0" y="0"/>
+          <a:ext cx="0" cy="0"/>
+          <a:chOff x="0" y="0"/>
+          <a:chExt cx="0" cy="0"/>
+        </a:xfrm>
+      </p:grpSpPr>
+      <p:sp>
+        <p:nvSpPr>
+          <p:cNvPr id="2" name="Slide Image Placeholder 1"/>
+          <p:cNvSpPr>
+            <a:spLocks noGrp="1" noRot="1" noChangeAspect="1"/>
+          </p:cNvSpPr>
+          <p:nvPr>
+            <p:ph type="sldImg"/>
+          </p:nvPr>
+        </p:nvSpPr>
+        <p:spPr/>
+      </p:sp>
+      <p:sp>
+        <p:nvSpPr>
+          <p:cNvPr id="3" name="Notes Placeholder 2"/>
+          <p:cNvSpPr>
+            <a:spLocks noGrp="1"/>
+          </p:cNvSpPr>
+          <p:nvPr>
+            <p:ph type="body" idx="1"/>
+          </p:nvPr>
+        </p:nvSpPr>
+        <p:spPr/>
+        <p:txBody>
+          <a:bodyPr/>
+          <a:lstStyle/>
+          <a:p>
+            <a:r>
+              <a:rPr lang="en-US" dirty="0" smtClean="0"/>
+              <a:t>This</a:t>
+            </a:r>
+            <a:r>
+              <a:rPr lang="en-US" baseline="0" dirty="0" smtClean="0"/>
+              <a:t> is the attempt by the makers of JMH (the same people who work on the JIT) to tell the JVM in no uncertain terms to avoid optimizing away the thing you are trying to benchmark</a:t>
+            </a:r>
+            <a:r>
+              <a:rPr lang="en-US" baseline="0" dirty="0" smtClean="0"/>
+              <a:t>.</a:t>
+            </a:r>
+          </a:p>
+          <a:p>
+            <a:endParaRPr lang="en-US" baseline="0" dirty="0" smtClean="0"/>
+          </a:p>
+          <a:p>
+            <a:r>
+              <a:rPr lang="en-US" baseline="0" dirty="0" smtClean="0"/>
+              <a:t>Just returning the value works most of the time, this is meant to work as much of the time as is possible (but still NOT 100% - which is why you need a baseline)</a:t>
+            </a:r>
+            <a:endParaRPr lang="en-US" baseline="0" dirty="0" smtClean="0"/>
+          </a:p>
+          <a:p>
+            <a:endParaRPr lang="en-US" baseline="0" dirty="0" smtClean="0"/>
+          </a:p>
+          <a:p>
+            <a:r>
+              <a:rPr lang="en-US" dirty="0" smtClean="0"/>
+              <a:t>I have no clue what</a:t>
+            </a:r>
+            <a:r>
+              <a:rPr lang="en-US" baseline="0" dirty="0" smtClean="0"/>
+              <a:t> this class is doing or why it is doing it.  Looking at the internals – it’s all just voodoo to me.  But the JMH guys, who are the JIT guys, say this is the best way to avoid your code getting optimized away – and its very easy to use</a:t>
+            </a:r>
+            <a:r>
+              <a:rPr lang="en-US" baseline="0" dirty="0" smtClean="0"/>
+              <a:t>.</a:t>
+            </a:r>
+          </a:p>
+          <a:p>
+            <a:endParaRPr lang="en-US" baseline="0" dirty="0" smtClean="0"/>
+          </a:p>
+          <a:p>
+            <a:r>
+              <a:rPr lang="en-US" baseline="0" dirty="0" smtClean="0"/>
+              <a:t>Also helpful i</a:t>
+            </a:r>
+            <a:r>
+              <a:rPr lang="en-US" dirty="0" smtClean="0"/>
+              <a:t>f you need to return more than one value from your test</a:t>
+            </a:r>
+            <a:endParaRPr lang="en-US" dirty="0"/>
+          </a:p>
+        </p:txBody>
+      </p:sp>
+      <p:sp>
+        <p:nvSpPr>
+          <p:cNvPr id="4" name="Slide Number Placeholder 3"/>
+          <p:cNvSpPr>
+            <a:spLocks noGrp="1"/>
+          </p:cNvSpPr>
+          <p:nvPr>
+            <p:ph type="sldNum" sz="quarter" idx="10"/>
+          </p:nvPr>
+        </p:nvSpPr>
+        <p:spPr/>
+        <p:txBody>
+          <a:bodyPr/>
+          <a:lstStyle/>
+          <a:p>
+            <a:fld id="{CFAD290B-5269-4E99-8A8A-8691B1EB0AE9}" type="slidenum">
+              <a:rPr lang="en-US" smtClean="0"/>
+              <a:t>21</a:t>
+            </a:fld>
+            <a:endParaRPr lang="en-US"/>
+          </a:p>
+        </p:txBody>
+      </p:sp>
+    </p:spTree>
+    <p:extLst>
+      <p:ext uri="{BB962C8B-B14F-4D97-AF65-F5344CB8AC3E}">
+        <p14:creationId xmlns:p14="http://schemas.microsoft.com/office/powerpoint/2010/main" val="3515685751"/>
+      </p:ext>
+    </p:extLst>
+  </p:cSld>
+  <p:clrMapOvr>
+    <a:masterClrMapping/>
+  </p:clrMapOvr>
+</p:notes>
+</file>
+
+<file path=ppt/notesSlides/notesSlide17.xml><?xml version="1.0" encoding="utf-8"?>
+<p:notes xmlns:a="http://schemas.openxmlformats.org/drawingml/2006/main" xmlns:r="http://schemas.openxmlformats.org/officeDocument/2006/relationships" xmlns:p="http://schemas.openxmlformats.org/presentationml/2006/main">
+  <p:cSld>
+    <p:spTree>
+      <p:nvGrpSpPr>
+        <p:cNvPr id="1" name=""/>
+        <p:cNvGrpSpPr/>
+        <p:nvPr/>
+      </p:nvGrpSpPr>
+      <p:grpSpPr>
+        <a:xfrm>
+          <a:off x="0" y="0"/>
+          <a:ext cx="0" cy="0"/>
+          <a:chOff x="0" y="0"/>
+          <a:chExt cx="0" cy="0"/>
+        </a:xfrm>
+      </p:grpSpPr>
+      <p:sp>
+        <p:nvSpPr>
+          <p:cNvPr id="2" name="Slide Image Placeholder 1"/>
+          <p:cNvSpPr>
+            <a:spLocks noGrp="1" noRot="1" noChangeAspect="1"/>
+          </p:cNvSpPr>
+          <p:nvPr>
+            <p:ph type="sldImg"/>
+          </p:nvPr>
+        </p:nvSpPr>
+        <p:spPr/>
+      </p:sp>
+      <p:sp>
+        <p:nvSpPr>
+          <p:cNvPr id="3" name="Notes Placeholder 2"/>
+          <p:cNvSpPr>
+            <a:spLocks noGrp="1"/>
+          </p:cNvSpPr>
+          <p:nvPr>
+            <p:ph type="body" idx="1"/>
+          </p:nvPr>
+        </p:nvSpPr>
+        <p:spPr/>
+        <p:txBody>
+          <a:bodyPr/>
+          <a:lstStyle/>
+          <a:p>
+            <a:endParaRPr lang="en-US" dirty="0"/>
+          </a:p>
+        </p:txBody>
+      </p:sp>
+      <p:sp>
+        <p:nvSpPr>
+          <p:cNvPr id="4" name="Slide Number Placeholder 3"/>
+          <p:cNvSpPr>
+            <a:spLocks noGrp="1"/>
+          </p:cNvSpPr>
+          <p:nvPr>
+            <p:ph type="sldNum" sz="quarter" idx="10"/>
+          </p:nvPr>
+        </p:nvSpPr>
+        <p:spPr/>
+        <p:txBody>
+          <a:bodyPr/>
+          <a:lstStyle/>
+          <a:p>
+            <a:fld id="{CFAD290B-5269-4E99-8A8A-8691B1EB0AE9}" type="slidenum">
+              <a:rPr lang="en-US" smtClean="0"/>
+              <a:t>22</a:t>
+            </a:fld>
+            <a:endParaRPr lang="en-US"/>
+          </a:p>
+        </p:txBody>
+      </p:sp>
+    </p:spTree>
+    <p:extLst>
+      <p:ext uri="{BB962C8B-B14F-4D97-AF65-F5344CB8AC3E}">
+        <p14:creationId xmlns:p14="http://schemas.microsoft.com/office/powerpoint/2010/main" val="1383870499"/>
+      </p:ext>
+    </p:extLst>
+  </p:cSld>
+  <p:clrMapOvr>
+    <a:masterClrMapping/>
+  </p:clrMapOvr>
+</p:notes>
+</file>
+
+<file path=ppt/notesSlides/notesSlide18.xml><?xml version="1.0" encoding="utf-8"?>
+<p:notes xmlns:a="http://schemas.openxmlformats.org/drawingml/2006/main" xmlns:r="http://schemas.openxmlformats.org/officeDocument/2006/relationships" xmlns:p="http://schemas.openxmlformats.org/presentationml/2006/main">
+  <p:cSld>
+    <p:spTree>
+      <p:nvGrpSpPr>
+        <p:cNvPr id="1" name=""/>
+        <p:cNvGrpSpPr/>
+        <p:nvPr/>
+      </p:nvGrpSpPr>
+      <p:grpSpPr>
+        <a:xfrm>
+          <a:off x="0" y="0"/>
+          <a:ext cx="0" cy="0"/>
+          <a:chOff x="0" y="0"/>
+          <a:chExt cx="0" cy="0"/>
+        </a:xfrm>
+      </p:grpSpPr>
+      <p:sp>
+        <p:nvSpPr>
+          <p:cNvPr id="2" name="Slide Image Placeholder 1"/>
+          <p:cNvSpPr>
+            <a:spLocks noGrp="1" noRot="1" noChangeAspect="1"/>
+          </p:cNvSpPr>
+          <p:nvPr>
+            <p:ph type="sldImg"/>
+          </p:nvPr>
+        </p:nvSpPr>
+        <p:spPr/>
+      </p:sp>
+      <p:sp>
+        <p:nvSpPr>
+          <p:cNvPr id="3" name="Notes Placeholder 2"/>
+          <p:cNvSpPr>
+            <a:spLocks noGrp="1"/>
+          </p:cNvSpPr>
+          <p:nvPr>
+            <p:ph type="body" idx="1"/>
+          </p:nvPr>
+        </p:nvSpPr>
+        <p:spPr/>
+        <p:txBody>
+          <a:bodyPr/>
+          <a:lstStyle/>
+          <a:p>
+            <a:endParaRPr lang="en-US" dirty="0"/>
+          </a:p>
+        </p:txBody>
+      </p:sp>
+      <p:sp>
+        <p:nvSpPr>
+          <p:cNvPr id="4" name="Slide Number Placeholder 3"/>
+          <p:cNvSpPr>
+            <a:spLocks noGrp="1"/>
+          </p:cNvSpPr>
+          <p:nvPr>
+            <p:ph type="sldNum" sz="quarter" idx="10"/>
+          </p:nvPr>
+        </p:nvSpPr>
+        <p:spPr/>
+        <p:txBody>
+          <a:bodyPr/>
+          <a:lstStyle/>
+          <a:p>
+            <a:fld id="{CFAD290B-5269-4E99-8A8A-8691B1EB0AE9}" type="slidenum">
+              <a:rPr lang="en-US" smtClean="0"/>
+              <a:t>23</a:t>
+            </a:fld>
+            <a:endParaRPr lang="en-US"/>
+          </a:p>
+        </p:txBody>
+      </p:sp>
+    </p:spTree>
+    <p:extLst>
+      <p:ext uri="{BB962C8B-B14F-4D97-AF65-F5344CB8AC3E}">
+        <p14:creationId xmlns:p14="http://schemas.microsoft.com/office/powerpoint/2010/main" val="1269356262"/>
+      </p:ext>
+    </p:extLst>
+  </p:cSld>
+  <p:clrMapOvr>
+    <a:masterClrMapping/>
+  </p:clrMapOvr>
+</p:notes>
+</file>
+
+<file path=ppt/notesSlides/notesSlide19.xml><?xml version="1.0" encoding="utf-8"?>
+<p:notes xmlns:a="http://schemas.openxmlformats.org/drawingml/2006/main" xmlns:r="http://schemas.openxmlformats.org/officeDocument/2006/relationships" xmlns:p="http://schemas.openxmlformats.org/presentationml/2006/main">
+  <p:cSld>
+    <p:spTree>
+      <p:nvGrpSpPr>
+        <p:cNvPr id="1" name=""/>
+        <p:cNvGrpSpPr/>
+        <p:nvPr/>
+      </p:nvGrpSpPr>
+      <p:grpSpPr>
+        <a:xfrm>
+          <a:off x="0" y="0"/>
+          <a:ext cx="0" cy="0"/>
+          <a:chOff x="0" y="0"/>
+          <a:chExt cx="0" cy="0"/>
+        </a:xfrm>
+      </p:grpSpPr>
+      <p:sp>
+        <p:nvSpPr>
+          <p:cNvPr id="2" name="Slide Image Placeholder 1"/>
+          <p:cNvSpPr>
+            <a:spLocks noGrp="1" noRot="1" noChangeAspect="1"/>
+          </p:cNvSpPr>
+          <p:nvPr>
+            <p:ph type="sldImg"/>
+          </p:nvPr>
+        </p:nvSpPr>
+        <p:spPr/>
+      </p:sp>
+      <p:sp>
+        <p:nvSpPr>
+          <p:cNvPr id="3" name="Notes Placeholder 2"/>
+          <p:cNvSpPr>
+            <a:spLocks noGrp="1"/>
+          </p:cNvSpPr>
+          <p:nvPr>
+            <p:ph type="body" idx="1"/>
+          </p:nvPr>
+        </p:nvSpPr>
+        <p:spPr/>
+        <p:txBody>
+          <a:bodyPr/>
+          <a:lstStyle/>
+          <a:p>
+            <a:pPr marL="0" marR="0" indent="0" algn="l" defTabSz="914400" rtl="0" eaLnBrk="1" fontAlgn="auto" latinLnBrk="0" hangingPunct="1">
+              <a:lnSpc>
+                <a:spcPct val="100000"/>
+              </a:lnSpc>
+              <a:spcBef>
+                <a:spcPts val="0"/>
+              </a:spcBef>
+              <a:spcAft>
+                <a:spcPts val="0"/>
+              </a:spcAft>
+              <a:buClrTx/>
+              <a:buSzTx/>
+              <a:buFontTx/>
+              <a:buNone/>
+              <a:tabLst/>
+              <a:defRPr/>
+            </a:pPr>
+            <a:r>
+              <a:rPr lang="en-US" b="0" dirty="0" smtClean="0"/>
+              <a:t>JIT is too smart and often does magic tricks with loops. Test the actual calculation and let JMH to take care of the rest.</a:t>
+            </a:r>
+          </a:p>
+          <a:p>
+            <a:endParaRPr lang="en-US" dirty="0"/>
+          </a:p>
+        </p:txBody>
+      </p:sp>
+      <p:sp>
+        <p:nvSpPr>
+          <p:cNvPr id="4" name="Slide Number Placeholder 3"/>
+          <p:cNvSpPr>
+            <a:spLocks noGrp="1"/>
+          </p:cNvSpPr>
+          <p:nvPr>
+            <p:ph type="sldNum" sz="quarter" idx="10"/>
+          </p:nvPr>
+        </p:nvSpPr>
+        <p:spPr/>
+        <p:txBody>
+          <a:bodyPr/>
+          <a:lstStyle/>
+          <a:p>
+            <a:fld id="{CFAD290B-5269-4E99-8A8A-8691B1EB0AE9}" type="slidenum">
+              <a:rPr lang="en-US" smtClean="0"/>
+              <a:t>25</a:t>
+            </a:fld>
+            <a:endParaRPr lang="en-US"/>
+          </a:p>
+        </p:txBody>
+      </p:sp>
+    </p:spTree>
+    <p:extLst>
+      <p:ext uri="{BB962C8B-B14F-4D97-AF65-F5344CB8AC3E}">
+        <p14:creationId xmlns:p14="http://schemas.microsoft.com/office/powerpoint/2010/main" val="731637426"/>
       </p:ext>
     </p:extLst>
   </p:cSld>
@@ -1328,6 +1807,311 @@
     <p:extLst>
       <p:ext uri="{BB962C8B-B14F-4D97-AF65-F5344CB8AC3E}">
         <p14:creationId xmlns:p14="http://schemas.microsoft.com/office/powerpoint/2010/main" val="1811639297"/>
+      </p:ext>
+    </p:extLst>
+  </p:cSld>
+  <p:clrMapOvr>
+    <a:masterClrMapping/>
+  </p:clrMapOvr>
+</p:notes>
+</file>
+
+<file path=ppt/notesSlides/notesSlide20.xml><?xml version="1.0" encoding="utf-8"?>
+<p:notes xmlns:a="http://schemas.openxmlformats.org/drawingml/2006/main" xmlns:r="http://schemas.openxmlformats.org/officeDocument/2006/relationships" xmlns:p="http://schemas.openxmlformats.org/presentationml/2006/main">
+  <p:cSld>
+    <p:spTree>
+      <p:nvGrpSpPr>
+        <p:cNvPr id="1" name=""/>
+        <p:cNvGrpSpPr/>
+        <p:nvPr/>
+      </p:nvGrpSpPr>
+      <p:grpSpPr>
+        <a:xfrm>
+          <a:off x="0" y="0"/>
+          <a:ext cx="0" cy="0"/>
+          <a:chOff x="0" y="0"/>
+          <a:chExt cx="0" cy="0"/>
+        </a:xfrm>
+      </p:grpSpPr>
+      <p:sp>
+        <p:nvSpPr>
+          <p:cNvPr id="2" name="Slide Image Placeholder 1"/>
+          <p:cNvSpPr>
+            <a:spLocks noGrp="1" noRot="1" noChangeAspect="1"/>
+          </p:cNvSpPr>
+          <p:nvPr>
+            <p:ph type="sldImg"/>
+          </p:nvPr>
+        </p:nvSpPr>
+        <p:spPr/>
+      </p:sp>
+      <p:sp>
+        <p:nvSpPr>
+          <p:cNvPr id="3" name="Notes Placeholder 2"/>
+          <p:cNvSpPr>
+            <a:spLocks noGrp="1"/>
+          </p:cNvSpPr>
+          <p:nvPr>
+            <p:ph type="body" idx="1"/>
+          </p:nvPr>
+        </p:nvSpPr>
+        <p:spPr/>
+        <p:txBody>
+          <a:bodyPr/>
+          <a:lstStyle/>
+          <a:p>
+            <a:r>
+              <a:rPr lang="en-US" dirty="0" smtClean="0"/>
+              <a:t>By default JHM forks a new java process for each trial (set of iterations). This is required to defend the test from previously collected “profiles” – information about other loaded classes and their execution information. For example, if you have 2 classes implementing the same interface and test the performance of both of them, then the first implementation (in order of testing) is likely to be faster than the second one (in the same JVM), because JIT replaces direct method calls to the first implementation with interface method calls after discovering the second implementation. </a:t>
+            </a:r>
+            <a:endParaRPr lang="en-US" dirty="0"/>
+          </a:p>
+        </p:txBody>
+      </p:sp>
+      <p:sp>
+        <p:nvSpPr>
+          <p:cNvPr id="4" name="Slide Number Placeholder 3"/>
+          <p:cNvSpPr>
+            <a:spLocks noGrp="1"/>
+          </p:cNvSpPr>
+          <p:nvPr>
+            <p:ph type="sldNum" sz="quarter" idx="10"/>
+          </p:nvPr>
+        </p:nvSpPr>
+        <p:spPr/>
+        <p:txBody>
+          <a:bodyPr/>
+          <a:lstStyle/>
+          <a:p>
+            <a:fld id="{CFAD290B-5269-4E99-8A8A-8691B1EB0AE9}" type="slidenum">
+              <a:rPr lang="en-US" smtClean="0"/>
+              <a:t>26</a:t>
+            </a:fld>
+            <a:endParaRPr lang="en-US"/>
+          </a:p>
+        </p:txBody>
+      </p:sp>
+    </p:spTree>
+    <p:extLst>
+      <p:ext uri="{BB962C8B-B14F-4D97-AF65-F5344CB8AC3E}">
+        <p14:creationId xmlns:p14="http://schemas.microsoft.com/office/powerpoint/2010/main" val="89694323"/>
+      </p:ext>
+    </p:extLst>
+  </p:cSld>
+  <p:clrMapOvr>
+    <a:masterClrMapping/>
+  </p:clrMapOvr>
+</p:notes>
+</file>
+
+<file path=ppt/notesSlides/notesSlide21.xml><?xml version="1.0" encoding="utf-8"?>
+<p:notes xmlns:a="http://schemas.openxmlformats.org/drawingml/2006/main" xmlns:r="http://schemas.openxmlformats.org/officeDocument/2006/relationships" xmlns:p="http://schemas.openxmlformats.org/presentationml/2006/main">
+  <p:cSld>
+    <p:spTree>
+      <p:nvGrpSpPr>
+        <p:cNvPr id="1" name=""/>
+        <p:cNvGrpSpPr/>
+        <p:nvPr/>
+      </p:nvGrpSpPr>
+      <p:grpSpPr>
+        <a:xfrm>
+          <a:off x="0" y="0"/>
+          <a:ext cx="0" cy="0"/>
+          <a:chOff x="0" y="0"/>
+          <a:chExt cx="0" cy="0"/>
+        </a:xfrm>
+      </p:grpSpPr>
+      <p:sp>
+        <p:nvSpPr>
+          <p:cNvPr id="2" name="Slide Image Placeholder 1"/>
+          <p:cNvSpPr>
+            <a:spLocks noGrp="1" noRot="1" noChangeAspect="1"/>
+          </p:cNvSpPr>
+          <p:nvPr>
+            <p:ph type="sldImg"/>
+          </p:nvPr>
+        </p:nvSpPr>
+        <p:spPr/>
+      </p:sp>
+      <p:sp>
+        <p:nvSpPr>
+          <p:cNvPr id="3" name="Notes Placeholder 2"/>
+          <p:cNvSpPr>
+            <a:spLocks noGrp="1"/>
+          </p:cNvSpPr>
+          <p:nvPr>
+            <p:ph type="body" idx="1"/>
+          </p:nvPr>
+        </p:nvSpPr>
+        <p:spPr/>
+        <p:txBody>
+          <a:bodyPr/>
+          <a:lstStyle/>
+          <a:p>
+            <a:r>
+              <a:rPr lang="en-US" dirty="0" smtClean="0"/>
+              <a:t>You can give the JIT a hint how to use any method in your test program. By “any method” I mean any method – not just those annotated by @Benchmark. </a:t>
+            </a:r>
+            <a:endParaRPr lang="en-US" dirty="0"/>
+          </a:p>
+        </p:txBody>
+      </p:sp>
+      <p:sp>
+        <p:nvSpPr>
+          <p:cNvPr id="4" name="Slide Number Placeholder 3"/>
+          <p:cNvSpPr>
+            <a:spLocks noGrp="1"/>
+          </p:cNvSpPr>
+          <p:nvPr>
+            <p:ph type="sldNum" sz="quarter" idx="10"/>
+          </p:nvPr>
+        </p:nvSpPr>
+        <p:spPr/>
+        <p:txBody>
+          <a:bodyPr/>
+          <a:lstStyle/>
+          <a:p>
+            <a:fld id="{CFAD290B-5269-4E99-8A8A-8691B1EB0AE9}" type="slidenum">
+              <a:rPr lang="en-US" smtClean="0"/>
+              <a:t>27</a:t>
+            </a:fld>
+            <a:endParaRPr lang="en-US"/>
+          </a:p>
+        </p:txBody>
+      </p:sp>
+    </p:spTree>
+    <p:extLst>
+      <p:ext uri="{BB962C8B-B14F-4D97-AF65-F5344CB8AC3E}">
+        <p14:creationId xmlns:p14="http://schemas.microsoft.com/office/powerpoint/2010/main" val="3644895917"/>
+      </p:ext>
+    </p:extLst>
+  </p:cSld>
+  <p:clrMapOvr>
+    <a:masterClrMapping/>
+  </p:clrMapOvr>
+</p:notes>
+</file>
+
+<file path=ppt/notesSlides/notesSlide22.xml><?xml version="1.0" encoding="utf-8"?>
+<p:notes xmlns:a="http://schemas.openxmlformats.org/drawingml/2006/main" xmlns:r="http://schemas.openxmlformats.org/officeDocument/2006/relationships" xmlns:p="http://schemas.openxmlformats.org/presentationml/2006/main">
+  <p:cSld>
+    <p:spTree>
+      <p:nvGrpSpPr>
+        <p:cNvPr id="1" name=""/>
+        <p:cNvGrpSpPr/>
+        <p:nvPr/>
+      </p:nvGrpSpPr>
+      <p:grpSpPr>
+        <a:xfrm>
+          <a:off x="0" y="0"/>
+          <a:ext cx="0" cy="0"/>
+          <a:chOff x="0" y="0"/>
+          <a:chExt cx="0" cy="0"/>
+        </a:xfrm>
+      </p:grpSpPr>
+      <p:sp>
+        <p:nvSpPr>
+          <p:cNvPr id="2" name="Slide Image Placeholder 1"/>
+          <p:cNvSpPr>
+            <a:spLocks noGrp="1" noRot="1" noChangeAspect="1"/>
+          </p:cNvSpPr>
+          <p:nvPr>
+            <p:ph type="sldImg"/>
+          </p:nvPr>
+        </p:nvSpPr>
+        <p:spPr/>
+      </p:sp>
+      <p:sp>
+        <p:nvSpPr>
+          <p:cNvPr id="3" name="Notes Placeholder 2"/>
+          <p:cNvSpPr>
+            <a:spLocks noGrp="1"/>
+          </p:cNvSpPr>
+          <p:nvPr>
+            <p:ph type="body" idx="1"/>
+          </p:nvPr>
+        </p:nvSpPr>
+        <p:spPr/>
+        <p:txBody>
+          <a:bodyPr/>
+          <a:lstStyle/>
+          <a:p>
+            <a:r>
+              <a:rPr lang="en-US" dirty="0" smtClean="0"/>
+              <a:t>We can clearly see the effects of dead-code elimination and constant folding. The only meaningful measurement of distance() is when the value is being consumed by JMH (using the </a:t>
+            </a:r>
+            <a:r>
+              <a:rPr lang="en-US" dirty="0" err="1" smtClean="0"/>
+              <a:t>bBlackhole</a:t>
+            </a:r>
+            <a:r>
+              <a:rPr lang="en-US" dirty="0" smtClean="0"/>
+              <a:t>) and the</a:t>
+            </a:r>
+            <a:r>
+              <a:rPr lang="en-US" baseline="0" dirty="0" smtClean="0"/>
+              <a:t> </a:t>
+            </a:r>
+            <a:r>
+              <a:rPr lang="en-US" dirty="0" smtClean="0"/>
+              <a:t>parameters are passed through field values of a @State class. </a:t>
+            </a:r>
+          </a:p>
+          <a:p>
+            <a:endParaRPr lang="en-US" dirty="0" smtClean="0"/>
+          </a:p>
+          <a:p>
+            <a:r>
+              <a:rPr lang="en-US" dirty="0" smtClean="0"/>
+              <a:t>All other cases are meaningless</a:t>
+            </a:r>
+            <a:r>
+              <a:rPr lang="en-US" baseline="0" dirty="0" smtClean="0"/>
+              <a:t> – they are similar to measuring </a:t>
+            </a:r>
+            <a:r>
+              <a:rPr lang="en-US" dirty="0" smtClean="0"/>
+              <a:t>the performance </a:t>
+            </a:r>
+            <a:r>
+              <a:rPr lang="en-US" smtClean="0"/>
+              <a:t>of benchmarking a </a:t>
+            </a:r>
+            <a:r>
+              <a:rPr lang="en-US" dirty="0" smtClean="0"/>
+              <a:t>constant double or an empty void-returning method.</a:t>
+            </a:r>
+            <a:endParaRPr lang="en-US" dirty="0"/>
+          </a:p>
+        </p:txBody>
+      </p:sp>
+      <p:sp>
+        <p:nvSpPr>
+          <p:cNvPr id="4" name="Slide Number Placeholder 3"/>
+          <p:cNvSpPr>
+            <a:spLocks noGrp="1"/>
+          </p:cNvSpPr>
+          <p:nvPr>
+            <p:ph type="sldNum" sz="quarter" idx="10"/>
+          </p:nvPr>
+        </p:nvSpPr>
+        <p:spPr/>
+        <p:txBody>
+          <a:bodyPr/>
+          <a:lstStyle/>
+          <a:p>
+            <a:fld id="{CFAD290B-5269-4E99-8A8A-8691B1EB0AE9}" type="slidenum">
+              <a:rPr lang="en-US" smtClean="0"/>
+              <a:t>29</a:t>
+            </a:fld>
+            <a:endParaRPr lang="en-US"/>
+          </a:p>
+        </p:txBody>
+      </p:sp>
+    </p:spTree>
+    <p:extLst>
+      <p:ext uri="{BB962C8B-B14F-4D97-AF65-F5344CB8AC3E}">
+        <p14:creationId xmlns:p14="http://schemas.microsoft.com/office/powerpoint/2010/main" val="543214475"/>
       </p:ext>
     </p:extLst>
   </p:cSld>
@@ -2398,7 +3182,7 @@
           <a:p>
             <a:fld id="{389CBC56-3CF8-4B9B-874C-BFFEBE1619EE}" type="datetimeFigureOut">
               <a:rPr lang="en-US" smtClean="0"/>
-              <a:t>1/21/2016</a:t>
+              <a:t>1/25/2016</a:t>
             </a:fld>
             <a:endParaRPr lang="en-US"/>
           </a:p>
@@ -2568,7 +3352,7 @@
           <a:p>
             <a:fld id="{389CBC56-3CF8-4B9B-874C-BFFEBE1619EE}" type="datetimeFigureOut">
               <a:rPr lang="en-US" smtClean="0"/>
-              <a:t>1/21/2016</a:t>
+              <a:t>1/25/2016</a:t>
             </a:fld>
             <a:endParaRPr lang="en-US"/>
           </a:p>
@@ -2748,7 +3532,7 @@
           <a:p>
             <a:fld id="{389CBC56-3CF8-4B9B-874C-BFFEBE1619EE}" type="datetimeFigureOut">
               <a:rPr lang="en-US" smtClean="0"/>
-              <a:t>1/21/2016</a:t>
+              <a:t>1/25/2016</a:t>
             </a:fld>
             <a:endParaRPr lang="en-US"/>
           </a:p>
@@ -2918,7 +3702,7 @@
           <a:p>
             <a:fld id="{389CBC56-3CF8-4B9B-874C-BFFEBE1619EE}" type="datetimeFigureOut">
               <a:rPr lang="en-US" smtClean="0"/>
-              <a:t>1/21/2016</a:t>
+              <a:t>1/25/2016</a:t>
             </a:fld>
             <a:endParaRPr lang="en-US"/>
           </a:p>
@@ -3164,7 +3948,7 @@
           <a:p>
             <a:fld id="{389CBC56-3CF8-4B9B-874C-BFFEBE1619EE}" type="datetimeFigureOut">
               <a:rPr lang="en-US" smtClean="0"/>
-              <a:t>1/21/2016</a:t>
+              <a:t>1/25/2016</a:t>
             </a:fld>
             <a:endParaRPr lang="en-US"/>
           </a:p>
@@ -3396,7 +4180,7 @@
           <a:p>
             <a:fld id="{389CBC56-3CF8-4B9B-874C-BFFEBE1619EE}" type="datetimeFigureOut">
               <a:rPr lang="en-US" smtClean="0"/>
-              <a:t>1/21/2016</a:t>
+              <a:t>1/25/2016</a:t>
             </a:fld>
             <a:endParaRPr lang="en-US"/>
           </a:p>
@@ -3763,7 +4547,7 @@
           <a:p>
             <a:fld id="{389CBC56-3CF8-4B9B-874C-BFFEBE1619EE}" type="datetimeFigureOut">
               <a:rPr lang="en-US" smtClean="0"/>
-              <a:t>1/21/2016</a:t>
+              <a:t>1/25/2016</a:t>
             </a:fld>
             <a:endParaRPr lang="en-US"/>
           </a:p>
@@ -3881,7 +4665,7 @@
           <a:p>
             <a:fld id="{389CBC56-3CF8-4B9B-874C-BFFEBE1619EE}" type="datetimeFigureOut">
               <a:rPr lang="en-US" smtClean="0"/>
-              <a:t>1/21/2016</a:t>
+              <a:t>1/25/2016</a:t>
             </a:fld>
             <a:endParaRPr lang="en-US"/>
           </a:p>
@@ -3976,7 +4760,7 @@
           <a:p>
             <a:fld id="{389CBC56-3CF8-4B9B-874C-BFFEBE1619EE}" type="datetimeFigureOut">
               <a:rPr lang="en-US" smtClean="0"/>
-              <a:t>1/21/2016</a:t>
+              <a:t>1/25/2016</a:t>
             </a:fld>
             <a:endParaRPr lang="en-US"/>
           </a:p>
@@ -4253,7 +5037,7 @@
           <a:p>
             <a:fld id="{389CBC56-3CF8-4B9B-874C-BFFEBE1619EE}" type="datetimeFigureOut">
               <a:rPr lang="en-US" smtClean="0"/>
-              <a:t>1/21/2016</a:t>
+              <a:t>1/25/2016</a:t>
             </a:fld>
             <a:endParaRPr lang="en-US"/>
           </a:p>
@@ -4506,7 +5290,7 @@
           <a:p>
             <a:fld id="{389CBC56-3CF8-4B9B-874C-BFFEBE1619EE}" type="datetimeFigureOut">
               <a:rPr lang="en-US" smtClean="0"/>
-              <a:t>1/21/2016</a:t>
+              <a:t>1/25/2016</a:t>
             </a:fld>
             <a:endParaRPr lang="en-US"/>
           </a:p>
@@ -4719,7 +5503,7 @@
           <a:p>
             <a:fld id="{389CBC56-3CF8-4B9B-874C-BFFEBE1619EE}" type="datetimeFigureOut">
               <a:rPr lang="en-US" smtClean="0"/>
-              <a:t>1/21/2016</a:t>
+              <a:t>1/25/2016</a:t>
             </a:fld>
             <a:endParaRPr lang="en-US"/>
           </a:p>
@@ -5143,11 +5927,7 @@
           <a:p>
             <a:r>
               <a:rPr lang="en-US" dirty="0" smtClean="0"/>
-              <a:t>An Introdu</a:t>
-            </a:r>
-            <a:r>
-              <a:rPr lang="en-US" dirty="0" smtClean="0"/>
-              <a:t>ction to JVM </a:t>
+              <a:t>An Introduction to JVM </a:t>
             </a:r>
             <a:r>
               <a:rPr lang="en-US" dirty="0" err="1" smtClean="0"/>
@@ -5155,11 +5935,7 @@
             </a:r>
             <a:r>
               <a:rPr lang="en-US" dirty="0" smtClean="0"/>
-              <a:t> with </a:t>
-            </a:r>
-            <a:r>
-              <a:rPr lang="en-US" dirty="0" smtClean="0"/>
-              <a:t>JMH</a:t>
+              <a:t> with JMH</a:t>
             </a:r>
             <a:endParaRPr lang="en-US" dirty="0"/>
           </a:p>
@@ -5790,6 +6566,70 @@
           <a:bodyPr/>
           <a:lstStyle/>
           <a:p>
+            <a:r>
+              <a:rPr lang="en-US" dirty="0" smtClean="0"/>
+              <a:t>State classes encapsulate state (input) to benchmarks</a:t>
+            </a:r>
+          </a:p>
+          <a:p>
+            <a:pPr lvl="1"/>
+            <a:r>
+              <a:rPr lang="en-US" dirty="0" smtClean="0"/>
+              <a:t>There </a:t>
+            </a:r>
+            <a:r>
+              <a:rPr lang="en-US" dirty="0"/>
+              <a:t>should be a no-</a:t>
+            </a:r>
+            <a:r>
+              <a:rPr lang="en-US" dirty="0" err="1"/>
+              <a:t>arg</a:t>
+            </a:r>
+            <a:r>
+              <a:rPr lang="en-US" dirty="0"/>
+              <a:t> constructor (default constructor).</a:t>
+            </a:r>
+          </a:p>
+          <a:p>
+            <a:pPr lvl="1"/>
+            <a:r>
+              <a:rPr lang="en-US" dirty="0"/>
+              <a:t>It should be a public class.</a:t>
+            </a:r>
+          </a:p>
+          <a:p>
+            <a:pPr lvl="1"/>
+            <a:r>
+              <a:rPr lang="en-US" dirty="0"/>
+              <a:t>Inner classes should be static</a:t>
+            </a:r>
+            <a:r>
+              <a:rPr lang="en-US" dirty="0" smtClean="0"/>
+              <a:t>.</a:t>
+            </a:r>
+            <a:endParaRPr lang="en-US" dirty="0" smtClean="0"/>
+          </a:p>
+          <a:p>
+            <a:r>
+              <a:rPr lang="en-US" dirty="0" smtClean="0"/>
+              <a:t>@Setup / </a:t>
+            </a:r>
+            <a:r>
+              <a:rPr lang="en-US" dirty="0" smtClean="0"/>
+              <a:t>@</a:t>
+            </a:r>
+            <a:r>
+              <a:rPr lang="en-US" dirty="0" err="1" smtClean="0"/>
+              <a:t>TearDown</a:t>
+            </a:r>
+            <a:endParaRPr lang="en-US" dirty="0" smtClean="0"/>
+          </a:p>
+          <a:p>
+            <a:pPr lvl="1"/>
+            <a:r>
+              <a:rPr lang="en-US" dirty="0" smtClean="0"/>
+              <a:t>Can specify before/after entire benchmark or iteration or method call</a:t>
+            </a:r>
             <a:endParaRPr lang="en-US" dirty="0"/>
           </a:p>
         </p:txBody>
@@ -5840,119 +6680,278 @@
           <a:lstStyle/>
           <a:p>
             <a:r>
-              <a:rPr lang="en-US" dirty="0" err="1" smtClean="0"/>
-              <a:t>Blackhole</a:t>
+              <a:rPr lang="en-US" dirty="0" smtClean="0"/>
+              <a:t>@State - Arguments</a:t>
             </a:r>
             <a:endParaRPr lang="en-US" dirty="0"/>
           </a:p>
         </p:txBody>
       </p:sp>
-      <p:sp>
-        <p:nvSpPr>
-          <p:cNvPr id="3" name="Content Placeholder 2"/>
-          <p:cNvSpPr>
-            <a:spLocks noGrp="1"/>
-          </p:cNvSpPr>
+      <p:graphicFrame>
+        <p:nvGraphicFramePr>
+          <p:cNvPr id="4" name="Content Placeholder 3"/>
+          <p:cNvGraphicFramePr>
+            <a:graphicFrameLocks noGrp="1"/>
+          </p:cNvGraphicFramePr>
           <p:nvPr>
             <p:ph idx="1"/>
-          </p:nvPr>
-        </p:nvSpPr>
-        <p:spPr/>
-        <p:txBody>
-          <a:bodyPr>
-            <a:normAutofit lnSpcReduction="10000"/>
-          </a:bodyPr>
-          <a:lstStyle/>
-          <a:p>
-            <a:r>
-              <a:rPr lang="en-US" dirty="0" err="1" smtClean="0"/>
-              <a:t>org.openjdk.jmh.infra.Blackhole</a:t>
-            </a:r>
-            <a:endParaRPr lang="en-US" dirty="0" smtClean="0"/>
-          </a:p>
-          <a:p>
-            <a:r>
-              <a:rPr lang="en-US" dirty="0" smtClean="0"/>
-              <a:t>Avoid possibility of dead code elimination</a:t>
-            </a:r>
-          </a:p>
-          <a:p>
-            <a:pPr lvl="1"/>
-            <a:r>
-              <a:rPr lang="en-US" dirty="0" smtClean="0"/>
-              <a:t>Provides consume(Object x) methods – send your method’s output here </a:t>
-            </a:r>
-          </a:p>
-          <a:p>
-            <a:pPr lvl="1"/>
-            <a:r>
-              <a:rPr lang="en-US" dirty="0" smtClean="0"/>
-              <a:t>Instances are </a:t>
-            </a:r>
-            <a:r>
-              <a:rPr lang="en-US" dirty="0"/>
-              <a:t>a</a:t>
-            </a:r>
-            <a:r>
-              <a:rPr lang="en-US" dirty="0" smtClean="0"/>
-              <a:t>utomatically injected into your @Benchmark method calls as arguments</a:t>
-            </a:r>
-            <a:endParaRPr lang="en-US" dirty="0"/>
-          </a:p>
-          <a:p>
-            <a:r>
-              <a:rPr lang="en-US" i="1" dirty="0" err="1" smtClean="0"/>
-              <a:t>Blackhole</a:t>
-            </a:r>
-            <a:r>
-              <a:rPr lang="en-US" i="1" dirty="0" smtClean="0"/>
-              <a:t> </a:t>
-            </a:r>
-            <a:r>
-              <a:rPr lang="en-US" i="1" dirty="0"/>
-              <a:t>"consumes" the values, conceiving no information to JIT whether </a:t>
-            </a:r>
-            <a:r>
-              <a:rPr lang="en-US" i="1" dirty="0" smtClean="0"/>
-              <a:t>the </a:t>
-            </a:r>
-            <a:r>
-              <a:rPr lang="en-US" i="1" dirty="0"/>
-              <a:t>value is actually used afterwards. This can save from the dead-code </a:t>
-            </a:r>
-            <a:r>
-              <a:rPr lang="en-US" i="1" dirty="0" smtClean="0"/>
-              <a:t>elimination </a:t>
-            </a:r>
-            <a:r>
-              <a:rPr lang="en-US" i="1" dirty="0"/>
-              <a:t>of the computations resulting in the given values</a:t>
-            </a:r>
-            <a:r>
-              <a:rPr lang="en-US" i="1" dirty="0" smtClean="0"/>
-              <a:t>.</a:t>
-            </a:r>
-          </a:p>
-          <a:p>
-            <a:r>
-              <a:rPr lang="en-US" dirty="0" smtClean="0"/>
-              <a:t>But how does it work?</a:t>
-            </a:r>
-          </a:p>
-          <a:p>
-            <a:pPr lvl="1"/>
-            <a:r>
-              <a:rPr lang="en-US" dirty="0" smtClean="0"/>
-              <a:t>???????????????</a:t>
-            </a:r>
-            <a:endParaRPr lang="en-US" dirty="0"/>
-          </a:p>
-        </p:txBody>
-      </p:sp>
+            <p:extLst>
+              <p:ext uri="{D42A27DB-BD31-4B8C-83A1-F6EECF244321}">
+                <p14:modId xmlns:p14="http://schemas.microsoft.com/office/powerpoint/2010/main" val="259110281"/>
+              </p:ext>
+            </p:extLst>
+          </p:nvPr>
+        </p:nvGraphicFramePr>
+        <p:xfrm>
+          <a:off x="838200" y="2583974"/>
+          <a:ext cx="10515600" cy="2804160"/>
+        </p:xfrm>
+        <a:graphic>
+          <a:graphicData uri="http://schemas.openxmlformats.org/drawingml/2006/table">
+            <a:tbl>
+              <a:tblPr/>
+              <a:tblGrid>
+                <a:gridCol w="2386263"/>
+                <a:gridCol w="8129337"/>
+              </a:tblGrid>
+              <a:tr h="0">
+                <a:tc>
+                  <a:txBody>
+                    <a:bodyPr/>
+                    <a:lstStyle/>
+                    <a:p>
+                      <a:r>
+                        <a:rPr lang="en-US" sz="2000" b="1" baseline="0" dirty="0"/>
+                        <a:t>Name</a:t>
+                      </a:r>
+                    </a:p>
+                  </a:txBody>
+                  <a:tcPr anchor="ctr">
+                    <a:lnL>
+                      <a:noFill/>
+                    </a:lnL>
+                    <a:lnR>
+                      <a:noFill/>
+                    </a:lnR>
+                    <a:lnT>
+                      <a:noFill/>
+                    </a:lnT>
+                    <a:lnB>
+                      <a:noFill/>
+                    </a:lnB>
+                  </a:tcPr>
+                </a:tc>
+                <a:tc>
+                  <a:txBody>
+                    <a:bodyPr/>
+                    <a:lstStyle/>
+                    <a:p>
+                      <a:r>
+                        <a:rPr lang="en-US" sz="2000" b="1" baseline="0" dirty="0"/>
+                        <a:t>Description</a:t>
+                      </a:r>
+                    </a:p>
+                  </a:txBody>
+                  <a:tcPr anchor="ctr">
+                    <a:lnL>
+                      <a:noFill/>
+                    </a:lnL>
+                    <a:lnR>
+                      <a:noFill/>
+                    </a:lnR>
+                    <a:lnT>
+                      <a:noFill/>
+                    </a:lnT>
+                    <a:lnB>
+                      <a:noFill/>
+                    </a:lnB>
+                  </a:tcPr>
+                </a:tc>
+              </a:tr>
+              <a:tr h="0">
+                <a:tc>
+                  <a:txBody>
+                    <a:bodyPr/>
+                    <a:lstStyle/>
+                    <a:p>
+                      <a:r>
+                        <a:rPr lang="en-US" sz="2000" baseline="0" dirty="0" err="1"/>
+                        <a:t>Scope.Thread</a:t>
+                      </a:r>
+                      <a:endParaRPr lang="en-US" sz="2000" baseline="0" dirty="0"/>
+                    </a:p>
+                  </a:txBody>
+                  <a:tcPr anchor="ctr">
+                    <a:lnL>
+                      <a:noFill/>
+                    </a:lnL>
+                    <a:lnR>
+                      <a:noFill/>
+                    </a:lnR>
+                    <a:lnT>
+                      <a:noFill/>
+                    </a:lnT>
+                    <a:lnB>
+                      <a:noFill/>
+                    </a:lnB>
+                  </a:tcPr>
+                </a:tc>
+                <a:tc>
+                  <a:txBody>
+                    <a:bodyPr/>
+                    <a:lstStyle/>
+                    <a:p>
+                      <a:r>
+                        <a:rPr lang="en-US" sz="2000" baseline="0" dirty="0"/>
+                        <a:t>This is a default state. An instance will be allocated for each thread running the given test.</a:t>
+                      </a:r>
+                    </a:p>
+                  </a:txBody>
+                  <a:tcPr anchor="ctr">
+                    <a:lnL>
+                      <a:noFill/>
+                    </a:lnL>
+                    <a:lnR>
+                      <a:noFill/>
+                    </a:lnR>
+                    <a:lnT>
+                      <a:noFill/>
+                    </a:lnT>
+                    <a:lnB>
+                      <a:noFill/>
+                    </a:lnB>
+                  </a:tcPr>
+                </a:tc>
+              </a:tr>
+              <a:tr h="0">
+                <a:tc>
+                  <a:txBody>
+                    <a:bodyPr/>
+                    <a:lstStyle/>
+                    <a:p>
+                      <a:r>
+                        <a:rPr lang="en-US" sz="2000" baseline="0"/>
+                        <a:t>Scope.Benchmark</a:t>
+                      </a:r>
+                    </a:p>
+                  </a:txBody>
+                  <a:tcPr anchor="ctr">
+                    <a:lnL>
+                      <a:noFill/>
+                    </a:lnL>
+                    <a:lnR>
+                      <a:noFill/>
+                    </a:lnR>
+                    <a:lnT>
+                      <a:noFill/>
+                    </a:lnT>
+                    <a:lnB>
+                      <a:noFill/>
+                    </a:lnB>
+                  </a:tcPr>
+                </a:tc>
+                <a:tc>
+                  <a:txBody>
+                    <a:bodyPr/>
+                    <a:lstStyle/>
+                    <a:p>
+                      <a:r>
+                        <a:rPr lang="en-US" sz="2000" baseline="0" dirty="0"/>
+                        <a:t>An instance will be shared across all threads running the same test. Could be used to test multithreaded performance of a state object (or just mark your benchmark with this scope). </a:t>
+                      </a:r>
+                    </a:p>
+                  </a:txBody>
+                  <a:tcPr anchor="ctr">
+                    <a:lnL>
+                      <a:noFill/>
+                    </a:lnL>
+                    <a:lnR>
+                      <a:noFill/>
+                    </a:lnR>
+                    <a:lnT>
+                      <a:noFill/>
+                    </a:lnT>
+                    <a:lnB>
+                      <a:noFill/>
+                    </a:lnB>
+                  </a:tcPr>
+                </a:tc>
+              </a:tr>
+              <a:tr h="0">
+                <a:tc>
+                  <a:txBody>
+                    <a:bodyPr/>
+                    <a:lstStyle/>
+                    <a:p>
+                      <a:r>
+                        <a:rPr lang="en-US" sz="2000" baseline="0"/>
+                        <a:t>Scope.Group</a:t>
+                      </a:r>
+                    </a:p>
+                  </a:txBody>
+                  <a:tcPr anchor="ctr">
+                    <a:lnL>
+                      <a:noFill/>
+                    </a:lnL>
+                    <a:lnR>
+                      <a:noFill/>
+                    </a:lnR>
+                    <a:lnT>
+                      <a:noFill/>
+                    </a:lnT>
+                    <a:lnB>
+                      <a:noFill/>
+                    </a:lnB>
+                  </a:tcPr>
+                </a:tc>
+                <a:tc>
+                  <a:txBody>
+                    <a:bodyPr/>
+                    <a:lstStyle/>
+                    <a:p>
+                      <a:r>
+                        <a:rPr lang="en-US" sz="2000" baseline="0" dirty="0"/>
+                        <a:t>An instance will be allocated per thread group </a:t>
+                      </a:r>
+                      <a:r>
+                        <a:rPr lang="en-US" sz="2000" baseline="0" dirty="0" smtClean="0"/>
+                        <a:t>(useful for non-uniform access to State object – see @Group and @</a:t>
+                      </a:r>
+                      <a:r>
+                        <a:rPr lang="en-US" sz="2000" baseline="0" dirty="0" err="1" smtClean="0"/>
+                        <a:t>GroupThreads</a:t>
+                      </a:r>
+                      <a:r>
+                        <a:rPr lang="en-US" sz="2000" baseline="0" dirty="0" smtClean="0"/>
+                        <a:t>)</a:t>
+                      </a:r>
+                      <a:endParaRPr lang="en-US" sz="2000" baseline="0" dirty="0"/>
+                    </a:p>
+                  </a:txBody>
+                  <a:tcPr anchor="ctr">
+                    <a:lnL>
+                      <a:noFill/>
+                    </a:lnL>
+                    <a:lnR>
+                      <a:noFill/>
+                    </a:lnR>
+                    <a:lnT>
+                      <a:noFill/>
+                    </a:lnT>
+                    <a:lnB>
+                      <a:noFill/>
+                    </a:lnB>
+                  </a:tcPr>
+                </a:tc>
+              </a:tr>
+            </a:tbl>
+          </a:graphicData>
+        </a:graphic>
+      </p:graphicFrame>
     </p:spTree>
     <p:extLst>
       <p:ext uri="{BB962C8B-B14F-4D97-AF65-F5344CB8AC3E}">
-        <p14:creationId xmlns:p14="http://schemas.microsoft.com/office/powerpoint/2010/main" val="3674696377"/>
+        <p14:creationId xmlns:p14="http://schemas.microsoft.com/office/powerpoint/2010/main" val="425388841"/>
       </p:ext>
     </p:extLst>
   </p:cSld>
@@ -5981,7 +6980,7 @@
       </p:grpSpPr>
       <p:sp>
         <p:nvSpPr>
-          <p:cNvPr id="6" name="Title 5"/>
+          <p:cNvPr id="2" name="Title 1"/>
           <p:cNvSpPr>
             <a:spLocks noGrp="1"/>
           </p:cNvSpPr>
@@ -5995,46 +6994,431 @@
           <a:lstStyle/>
           <a:p>
             <a:r>
+              <a:rPr lang="en-US" dirty="0" smtClean="0"/>
+              <a:t>@</a:t>
+            </a:r>
+            <a:r>
               <a:rPr lang="en-US" dirty="0" err="1" smtClean="0"/>
-              <a:t>Blackhole</a:t>
+              <a:t>BenchmarkMode</a:t>
             </a:r>
             <a:endParaRPr lang="en-US" dirty="0"/>
           </a:p>
         </p:txBody>
       </p:sp>
-      <p:pic>
-        <p:nvPicPr>
-          <p:cNvPr id="10" name="Content Placeholder 9"/>
-          <p:cNvPicPr>
-            <a:picLocks noGrp="1" noChangeAspect="1"/>
-          </p:cNvPicPr>
+      <p:graphicFrame>
+        <p:nvGraphicFramePr>
+          <p:cNvPr id="4" name="Content Placeholder 3"/>
+          <p:cNvGraphicFramePr>
+            <a:graphicFrameLocks noGrp="1"/>
+          </p:cNvGraphicFramePr>
           <p:nvPr>
             <p:ph idx="1"/>
-          </p:nvPr>
-        </p:nvPicPr>
-        <p:blipFill>
-          <a:blip r:embed="rId3">
-            <a:extLst>
-              <a:ext uri="{28A0092B-C50C-407E-A947-70E740481C1C}">
-                <a14:useLocalDpi xmlns:a14="http://schemas.microsoft.com/office/drawing/2010/main" val="0"/>
-              </a:ext>
-            </a:extLst>
-          </a:blip>
-          <a:stretch>
-            <a:fillRect/>
-          </a:stretch>
-        </p:blipFill>
-        <p:spPr>
-          <a:xfrm>
-            <a:off x="3659605" y="1690688"/>
-            <a:ext cx="4872789" cy="4872789"/>
-          </a:xfrm>
-        </p:spPr>
-      </p:pic>
+            <p:extLst>
+              <p:ext uri="{D42A27DB-BD31-4B8C-83A1-F6EECF244321}">
+                <p14:modId xmlns:p14="http://schemas.microsoft.com/office/powerpoint/2010/main" val="3589145803"/>
+              </p:ext>
+            </p:extLst>
+          </p:nvPr>
+        </p:nvGraphicFramePr>
+        <p:xfrm>
+          <a:off x="989838" y="1825625"/>
+          <a:ext cx="10363962" cy="4581683"/>
+        </p:xfrm>
+        <a:graphic>
+          <a:graphicData uri="http://schemas.openxmlformats.org/drawingml/2006/table">
+            <a:tbl>
+              <a:tblPr/>
+              <a:tblGrid>
+                <a:gridCol w="2500891"/>
+                <a:gridCol w="7863071"/>
+              </a:tblGrid>
+              <a:tr h="355211">
+                <a:tc>
+                  <a:txBody>
+                    <a:bodyPr/>
+                    <a:lstStyle/>
+                    <a:p>
+                      <a:r>
+                        <a:rPr lang="en-US" sz="2000" b="1" baseline="0" dirty="0"/>
+                        <a:t>Name</a:t>
+                      </a:r>
+                    </a:p>
+                  </a:txBody>
+                  <a:tcPr marL="88803" marR="88803" marT="44401" marB="44401" anchor="ctr">
+                    <a:lnL>
+                      <a:noFill/>
+                    </a:lnL>
+                    <a:lnR>
+                      <a:noFill/>
+                    </a:lnR>
+                    <a:lnT>
+                      <a:noFill/>
+                    </a:lnT>
+                    <a:lnB>
+                      <a:noFill/>
+                    </a:lnB>
+                  </a:tcPr>
+                </a:tc>
+                <a:tc>
+                  <a:txBody>
+                    <a:bodyPr/>
+                    <a:lstStyle/>
+                    <a:p>
+                      <a:r>
+                        <a:rPr lang="en-US" sz="2000" b="1" baseline="0" dirty="0"/>
+                        <a:t>Description</a:t>
+                      </a:r>
+                    </a:p>
+                  </a:txBody>
+                  <a:tcPr marL="88803" marR="88803" marT="44401" marB="44401" anchor="ctr">
+                    <a:lnL>
+                      <a:noFill/>
+                    </a:lnL>
+                    <a:lnR>
+                      <a:noFill/>
+                    </a:lnR>
+                    <a:lnT>
+                      <a:noFill/>
+                    </a:lnT>
+                    <a:lnB>
+                      <a:noFill/>
+                    </a:lnB>
+                  </a:tcPr>
+                </a:tc>
+              </a:tr>
+              <a:tr h="355211">
+                <a:tc>
+                  <a:txBody>
+                    <a:bodyPr/>
+                    <a:lstStyle/>
+                    <a:p>
+                      <a:r>
+                        <a:rPr lang="en-US" sz="2000" baseline="0"/>
+                        <a:t>Mode.Throughput</a:t>
+                      </a:r>
+                    </a:p>
+                  </a:txBody>
+                  <a:tcPr marL="88803" marR="88803" marT="44401" marB="44401" anchor="ctr">
+                    <a:lnL>
+                      <a:noFill/>
+                    </a:lnL>
+                    <a:lnR>
+                      <a:noFill/>
+                    </a:lnR>
+                    <a:lnT>
+                      <a:noFill/>
+                    </a:lnT>
+                    <a:lnB>
+                      <a:noFill/>
+                    </a:lnB>
+                  </a:tcPr>
+                </a:tc>
+                <a:tc>
+                  <a:txBody>
+                    <a:bodyPr/>
+                    <a:lstStyle/>
+                    <a:p>
+                      <a:r>
+                        <a:rPr lang="en-US" sz="2000" baseline="0"/>
+                        <a:t>Calculate number of operations in a time unit. </a:t>
+                      </a:r>
+                    </a:p>
+                  </a:txBody>
+                  <a:tcPr marL="88803" marR="88803" marT="44401" marB="44401" anchor="ctr">
+                    <a:lnL>
+                      <a:noFill/>
+                    </a:lnL>
+                    <a:lnR>
+                      <a:noFill/>
+                    </a:lnR>
+                    <a:lnT>
+                      <a:noFill/>
+                    </a:lnT>
+                    <a:lnB>
+                      <a:noFill/>
+                    </a:lnB>
+                  </a:tcPr>
+                </a:tc>
+              </a:tr>
+              <a:tr h="355211">
+                <a:tc>
+                  <a:txBody>
+                    <a:bodyPr/>
+                    <a:lstStyle/>
+                    <a:p>
+                      <a:r>
+                        <a:rPr lang="en-US" sz="2000" baseline="0"/>
+                        <a:t>Mode.AverageTime</a:t>
+                      </a:r>
+                    </a:p>
+                  </a:txBody>
+                  <a:tcPr marL="88803" marR="88803" marT="44401" marB="44401" anchor="ctr">
+                    <a:lnL>
+                      <a:noFill/>
+                    </a:lnL>
+                    <a:lnR>
+                      <a:noFill/>
+                    </a:lnR>
+                    <a:lnT>
+                      <a:noFill/>
+                    </a:lnT>
+                    <a:lnB>
+                      <a:noFill/>
+                    </a:lnB>
+                  </a:tcPr>
+                </a:tc>
+                <a:tc>
+                  <a:txBody>
+                    <a:bodyPr/>
+                    <a:lstStyle/>
+                    <a:p>
+                      <a:r>
+                        <a:rPr lang="en-US" sz="2000" baseline="0"/>
+                        <a:t>Calculate an average running time. </a:t>
+                      </a:r>
+                    </a:p>
+                  </a:txBody>
+                  <a:tcPr marL="88803" marR="88803" marT="44401" marB="44401" anchor="ctr">
+                    <a:lnL>
+                      <a:noFill/>
+                    </a:lnL>
+                    <a:lnR>
+                      <a:noFill/>
+                    </a:lnR>
+                    <a:lnT>
+                      <a:noFill/>
+                    </a:lnT>
+                    <a:lnB>
+                      <a:noFill/>
+                    </a:lnB>
+                  </a:tcPr>
+                </a:tc>
+              </a:tr>
+              <a:tr h="621620">
+                <a:tc>
+                  <a:txBody>
+                    <a:bodyPr/>
+                    <a:lstStyle/>
+                    <a:p>
+                      <a:r>
+                        <a:rPr lang="en-US" sz="2000" baseline="0"/>
+                        <a:t>Mode.SampleTime</a:t>
+                      </a:r>
+                    </a:p>
+                  </a:txBody>
+                  <a:tcPr marL="88803" marR="88803" marT="44401" marB="44401" anchor="ctr">
+                    <a:lnL>
+                      <a:noFill/>
+                    </a:lnL>
+                    <a:lnR>
+                      <a:noFill/>
+                    </a:lnR>
+                    <a:lnT>
+                      <a:noFill/>
+                    </a:lnT>
+                    <a:lnB>
+                      <a:noFill/>
+                    </a:lnB>
+                  </a:tcPr>
+                </a:tc>
+                <a:tc>
+                  <a:txBody>
+                    <a:bodyPr/>
+                    <a:lstStyle/>
+                    <a:p>
+                      <a:r>
+                        <a:rPr lang="en-US" sz="2000" baseline="0"/>
+                        <a:t>Calculate how long does it take for a method to run (including percentiles). </a:t>
+                      </a:r>
+                    </a:p>
+                  </a:txBody>
+                  <a:tcPr marL="88803" marR="88803" marT="44401" marB="44401" anchor="ctr">
+                    <a:lnL>
+                      <a:noFill/>
+                    </a:lnL>
+                    <a:lnR>
+                      <a:noFill/>
+                    </a:lnR>
+                    <a:lnT>
+                      <a:noFill/>
+                    </a:lnT>
+                    <a:lnB>
+                      <a:noFill/>
+                    </a:lnB>
+                  </a:tcPr>
+                </a:tc>
+              </a:tr>
+              <a:tr h="1420845">
+                <a:tc>
+                  <a:txBody>
+                    <a:bodyPr/>
+                    <a:lstStyle/>
+                    <a:p>
+                      <a:r>
+                        <a:rPr lang="en-US" sz="2000" baseline="0" dirty="0" err="1"/>
+                        <a:t>Mode.SingleShotTime</a:t>
+                      </a:r>
+                      <a:endParaRPr lang="en-US" sz="2000" baseline="0" dirty="0"/>
+                    </a:p>
+                  </a:txBody>
+                  <a:tcPr marL="88803" marR="88803" marT="44401" marB="44401" anchor="ctr">
+                    <a:lnL>
+                      <a:noFill/>
+                    </a:lnL>
+                    <a:lnR>
+                      <a:noFill/>
+                    </a:lnR>
+                    <a:lnT>
+                      <a:noFill/>
+                    </a:lnT>
+                    <a:lnB>
+                      <a:noFill/>
+                    </a:lnB>
+                  </a:tcPr>
+                </a:tc>
+                <a:tc>
+                  <a:txBody>
+                    <a:bodyPr/>
+                    <a:lstStyle/>
+                    <a:p>
+                      <a:r>
+                        <a:rPr lang="en-US" sz="2000" baseline="0"/>
+                        <a:t>Just run a method once (useful for cold-testing mode). Or more than once if you have specified a batch size for your iterations (see @Measurement annotation below) – in this case JMH will calculate the batch running time (total time for all invocations in a batch). </a:t>
+                      </a:r>
+                    </a:p>
+                  </a:txBody>
+                  <a:tcPr marL="88803" marR="88803" marT="44401" marB="44401" anchor="ctr">
+                    <a:lnL>
+                      <a:noFill/>
+                    </a:lnL>
+                    <a:lnR>
+                      <a:noFill/>
+                    </a:lnR>
+                    <a:lnT>
+                      <a:noFill/>
+                    </a:lnT>
+                    <a:lnB>
+                      <a:noFill/>
+                    </a:lnB>
+                  </a:tcPr>
+                </a:tc>
+              </a:tr>
+              <a:tr h="888028">
+                <a:tc>
+                  <a:txBody>
+                    <a:bodyPr/>
+                    <a:lstStyle/>
+                    <a:p>
+                      <a:r>
+                        <a:rPr lang="en-US" sz="2000" baseline="0"/>
+                        <a:t>Any set of these modes</a:t>
+                      </a:r>
+                    </a:p>
+                  </a:txBody>
+                  <a:tcPr marL="88803" marR="88803" marT="44401" marB="44401" anchor="ctr">
+                    <a:lnL>
+                      <a:noFill/>
+                    </a:lnL>
+                    <a:lnR>
+                      <a:noFill/>
+                    </a:lnR>
+                    <a:lnT>
+                      <a:noFill/>
+                    </a:lnT>
+                    <a:lnB>
+                      <a:noFill/>
+                    </a:lnB>
+                  </a:tcPr>
+                </a:tc>
+                <a:tc>
+                  <a:txBody>
+                    <a:bodyPr/>
+                    <a:lstStyle/>
+                    <a:p>
+                      <a:r>
+                        <a:rPr lang="en-US" sz="2000" baseline="0" dirty="0"/>
+                        <a:t>You can specify any set of these modes – the test will be run several times (depending on number of requested modes). </a:t>
+                      </a:r>
+                    </a:p>
+                  </a:txBody>
+                  <a:tcPr marL="88803" marR="88803" marT="44401" marB="44401" anchor="ctr">
+                    <a:lnL>
+                      <a:noFill/>
+                    </a:lnL>
+                    <a:lnR>
+                      <a:noFill/>
+                    </a:lnR>
+                    <a:lnT>
+                      <a:noFill/>
+                    </a:lnT>
+                    <a:lnB>
+                      <a:noFill/>
+                    </a:lnB>
+                  </a:tcPr>
+                </a:tc>
+              </a:tr>
+              <a:tr h="355211">
+                <a:tc>
+                  <a:txBody>
+                    <a:bodyPr/>
+                    <a:lstStyle/>
+                    <a:p>
+                      <a:r>
+                        <a:rPr lang="en-US" sz="2000" baseline="0"/>
+                        <a:t>Mode.All</a:t>
+                      </a:r>
+                    </a:p>
+                  </a:txBody>
+                  <a:tcPr marL="88803" marR="88803" marT="44401" marB="44401" anchor="ctr">
+                    <a:lnL>
+                      <a:noFill/>
+                    </a:lnL>
+                    <a:lnR>
+                      <a:noFill/>
+                    </a:lnR>
+                    <a:lnT>
+                      <a:noFill/>
+                    </a:lnT>
+                    <a:lnB>
+                      <a:noFill/>
+                    </a:lnB>
+                  </a:tcPr>
+                </a:tc>
+                <a:tc>
+                  <a:txBody>
+                    <a:bodyPr/>
+                    <a:lstStyle/>
+                    <a:p>
+                      <a:r>
+                        <a:rPr lang="en-US" sz="2000" baseline="0" dirty="0"/>
+                        <a:t>All these modes one after another. </a:t>
+                      </a:r>
+                    </a:p>
+                  </a:txBody>
+                  <a:tcPr marL="88803" marR="88803" marT="44401" marB="44401" anchor="ctr">
+                    <a:lnL>
+                      <a:noFill/>
+                    </a:lnL>
+                    <a:lnR>
+                      <a:noFill/>
+                    </a:lnR>
+                    <a:lnT>
+                      <a:noFill/>
+                    </a:lnT>
+                    <a:lnB>
+                      <a:noFill/>
+                    </a:lnB>
+                  </a:tcPr>
+                </a:tc>
+              </a:tr>
+            </a:tbl>
+          </a:graphicData>
+        </a:graphic>
+      </p:graphicFrame>
     </p:spTree>
     <p:extLst>
       <p:ext uri="{BB962C8B-B14F-4D97-AF65-F5344CB8AC3E}">
-        <p14:creationId xmlns:p14="http://schemas.microsoft.com/office/powerpoint/2010/main" val="4050977968"/>
+        <p14:creationId xmlns:p14="http://schemas.microsoft.com/office/powerpoint/2010/main" val="1451244812"/>
       </p:ext>
     </p:extLst>
   </p:cSld>
@@ -6078,40 +7462,46 @@
           <a:p>
             <a:r>
               <a:rPr lang="en-US" dirty="0" smtClean="0"/>
+              <a:t>Other Important Annotations</a:t>
+            </a:r>
+            <a:endParaRPr lang="en-US" dirty="0"/>
+          </a:p>
+        </p:txBody>
+      </p:sp>
+      <p:sp>
+        <p:nvSpPr>
+          <p:cNvPr id="3" name="Content Placeholder 2"/>
+          <p:cNvSpPr>
+            <a:spLocks noGrp="1"/>
+          </p:cNvSpPr>
+          <p:nvPr>
+            <p:ph idx="1"/>
+          </p:nvPr>
+        </p:nvSpPr>
+        <p:spPr/>
+        <p:txBody>
+          <a:bodyPr/>
+          <a:lstStyle/>
+          <a:p>
+            <a:r>
+              <a:rPr lang="en-US" dirty="0" smtClean="0"/>
               <a:t>@</a:t>
             </a:r>
             <a:r>
               <a:rPr lang="en-US" dirty="0" err="1" smtClean="0"/>
-              <a:t>Blackhole</a:t>
-            </a:r>
-            <a:endParaRPr lang="en-US" dirty="0"/>
-          </a:p>
-        </p:txBody>
-      </p:sp>
-      <p:sp>
-        <p:nvSpPr>
-          <p:cNvPr id="3" name="Content Placeholder 2"/>
-          <p:cNvSpPr>
-            <a:spLocks noGrp="1"/>
-          </p:cNvSpPr>
-          <p:nvPr>
-            <p:ph idx="1"/>
-          </p:nvPr>
-        </p:nvSpPr>
-        <p:spPr/>
-        <p:txBody>
-          <a:bodyPr/>
-          <a:lstStyle/>
-          <a:p>
-            <a:r>
-              <a:rPr lang="en-US" dirty="0" smtClean="0"/>
-              <a:t>Outsmart the JIT</a:t>
-            </a:r>
-          </a:p>
-          <a:p>
-            <a:r>
-              <a:rPr lang="en-US" dirty="0" smtClean="0"/>
-              <a:t>Make certain it can’t tell a value isn’t used afterwards…by using it</a:t>
+              <a:t>OutputTimeUnit</a:t>
+            </a:r>
+            <a:endParaRPr lang="en-US" dirty="0" smtClean="0"/>
+          </a:p>
+          <a:p>
+            <a:pPr lvl="1"/>
+            <a:r>
+              <a:rPr lang="en-US" dirty="0" smtClean="0"/>
+              <a:t>Takes a </a:t>
+            </a:r>
+            <a:r>
+              <a:rPr lang="en-US" dirty="0" err="1" smtClean="0"/>
+              <a:t>java.util.concurrent.TimeUnit</a:t>
             </a:r>
             <a:endParaRPr lang="en-US" dirty="0"/>
           </a:p>
@@ -6120,7 +7510,7 @@
     </p:spTree>
     <p:extLst>
       <p:ext uri="{BB962C8B-B14F-4D97-AF65-F5344CB8AC3E}">
-        <p14:creationId xmlns:p14="http://schemas.microsoft.com/office/powerpoint/2010/main" val="602434920"/>
+        <p14:creationId xmlns:p14="http://schemas.microsoft.com/office/powerpoint/2010/main" val="3073450205"/>
       </p:ext>
     </p:extLst>
   </p:cSld>
@@ -6162,11 +7552,7 @@
           <a:bodyPr/>
           <a:lstStyle/>
           <a:p>
-            <a:r>
-              <a:rPr lang="en-US" dirty="0" smtClean="0"/>
-              <a:t>Demo 2</a:t>
-            </a:r>
-            <a:endParaRPr lang="en-US" dirty="0"/>
+            <a:endParaRPr lang="en-US"/>
           </a:p>
         </p:txBody>
       </p:sp>
@@ -6185,14 +7571,14 @@
           <a:bodyPr/>
           <a:lstStyle/>
           <a:p>
-            <a:endParaRPr lang="en-US" dirty="0"/>
+            <a:endParaRPr lang="en-US"/>
           </a:p>
         </p:txBody>
       </p:sp>
     </p:spTree>
     <p:extLst>
       <p:ext uri="{BB962C8B-B14F-4D97-AF65-F5344CB8AC3E}">
-        <p14:creationId xmlns:p14="http://schemas.microsoft.com/office/powerpoint/2010/main" val="1252817105"/>
+        <p14:creationId xmlns:p14="http://schemas.microsoft.com/office/powerpoint/2010/main" val="1765281660"/>
       </p:ext>
     </p:extLst>
   </p:cSld>
@@ -6331,7 +7717,7 @@
           <a:p>
             <a:r>
               <a:rPr lang="en-US" dirty="0" smtClean="0"/>
-              <a:t>Demo 2 - Results</a:t>
+              <a:t>Problem - Dead Code Elimination</a:t>
             </a:r>
             <a:endParaRPr lang="en-US" dirty="0"/>
           </a:p>
@@ -6352,6 +7738,52 @@
           <a:bodyPr/>
           <a:lstStyle/>
           <a:p>
+            <a:r>
+              <a:rPr lang="en-US" dirty="0"/>
+              <a:t>Dead code elimination is a well known problem among </a:t>
+            </a:r>
+            <a:r>
+              <a:rPr lang="en-US" dirty="0" err="1"/>
+              <a:t>microbenchmark</a:t>
+            </a:r>
+            <a:r>
+              <a:rPr lang="en-US" dirty="0"/>
+              <a:t> </a:t>
+            </a:r>
+            <a:r>
+              <a:rPr lang="en-US" dirty="0" smtClean="0"/>
+              <a:t>writers</a:t>
+            </a:r>
+          </a:p>
+          <a:p>
+            <a:r>
+              <a:rPr lang="en-US" dirty="0" smtClean="0"/>
+              <a:t>The </a:t>
+            </a:r>
+            <a:r>
+              <a:rPr lang="en-US" dirty="0"/>
+              <a:t>general solution is to use the result of calculations </a:t>
+            </a:r>
+            <a:r>
+              <a:rPr lang="en-US" dirty="0" smtClean="0"/>
+              <a:t>somehow</a:t>
+            </a:r>
+          </a:p>
+          <a:p>
+            <a:r>
+              <a:rPr lang="en-US" dirty="0" smtClean="0"/>
+              <a:t>Never write VOID tests, always return the result</a:t>
+            </a:r>
+          </a:p>
+          <a:p>
+            <a:pPr lvl="1"/>
+            <a:r>
+              <a:rPr lang="en-US" dirty="0" smtClean="0"/>
+              <a:t>This will work MOST of the time</a:t>
+            </a:r>
+          </a:p>
+          <a:p>
+            <a:pPr lvl="1"/>
             <a:endParaRPr lang="en-US" dirty="0"/>
           </a:p>
         </p:txBody>
@@ -6359,7 +7791,7 @@
     </p:spTree>
     <p:extLst>
       <p:ext uri="{BB962C8B-B14F-4D97-AF65-F5344CB8AC3E}">
-        <p14:creationId xmlns:p14="http://schemas.microsoft.com/office/powerpoint/2010/main" val="2511131901"/>
+        <p14:creationId xmlns:p14="http://schemas.microsoft.com/office/powerpoint/2010/main" val="384545170"/>
       </p:ext>
     </p:extLst>
   </p:cSld>
@@ -6402,6 +7834,1223 @@
           <a:lstStyle/>
           <a:p>
             <a:r>
+              <a:rPr lang="en-US" dirty="0" err="1" smtClean="0"/>
+              <a:t>Blackhole</a:t>
+            </a:r>
+            <a:endParaRPr lang="en-US" dirty="0"/>
+          </a:p>
+        </p:txBody>
+      </p:sp>
+      <p:sp>
+        <p:nvSpPr>
+          <p:cNvPr id="3" name="Content Placeholder 2"/>
+          <p:cNvSpPr>
+            <a:spLocks noGrp="1"/>
+          </p:cNvSpPr>
+          <p:nvPr>
+            <p:ph idx="1"/>
+          </p:nvPr>
+        </p:nvSpPr>
+        <p:spPr/>
+        <p:txBody>
+          <a:bodyPr>
+            <a:normAutofit lnSpcReduction="10000"/>
+          </a:bodyPr>
+          <a:lstStyle/>
+          <a:p>
+            <a:r>
+              <a:rPr lang="en-US" dirty="0" err="1" smtClean="0"/>
+              <a:t>org.openjdk.jmh.infra.Blackhole</a:t>
+            </a:r>
+            <a:endParaRPr lang="en-US" dirty="0" smtClean="0"/>
+          </a:p>
+          <a:p>
+            <a:r>
+              <a:rPr lang="en-US" dirty="0" smtClean="0"/>
+              <a:t>Avoid possibility of dead code elimination</a:t>
+            </a:r>
+          </a:p>
+          <a:p>
+            <a:pPr lvl="1"/>
+            <a:r>
+              <a:rPr lang="en-US" dirty="0" smtClean="0"/>
+              <a:t>Provides consume(Object x) methods – send your method’s output here </a:t>
+            </a:r>
+          </a:p>
+          <a:p>
+            <a:pPr lvl="1"/>
+            <a:r>
+              <a:rPr lang="en-US" dirty="0" smtClean="0"/>
+              <a:t>Instances are </a:t>
+            </a:r>
+            <a:r>
+              <a:rPr lang="en-US" dirty="0"/>
+              <a:t>a</a:t>
+            </a:r>
+            <a:r>
+              <a:rPr lang="en-US" dirty="0" smtClean="0"/>
+              <a:t>utomatically injected into your @Benchmark method calls as arguments</a:t>
+            </a:r>
+            <a:endParaRPr lang="en-US" dirty="0"/>
+          </a:p>
+          <a:p>
+            <a:r>
+              <a:rPr lang="en-US" i="1" dirty="0" err="1" smtClean="0"/>
+              <a:t>Blackhole</a:t>
+            </a:r>
+            <a:r>
+              <a:rPr lang="en-US" i="1" dirty="0" smtClean="0"/>
+              <a:t> </a:t>
+            </a:r>
+            <a:r>
+              <a:rPr lang="en-US" i="1" dirty="0"/>
+              <a:t>"consumes" the values, conceiving no information to JIT whether </a:t>
+            </a:r>
+            <a:r>
+              <a:rPr lang="en-US" i="1" dirty="0" smtClean="0"/>
+              <a:t>the </a:t>
+            </a:r>
+            <a:r>
+              <a:rPr lang="en-US" i="1" dirty="0"/>
+              <a:t>value is actually used afterwards. This can save from the dead-code </a:t>
+            </a:r>
+            <a:r>
+              <a:rPr lang="en-US" i="1" dirty="0" smtClean="0"/>
+              <a:t>elimination </a:t>
+            </a:r>
+            <a:r>
+              <a:rPr lang="en-US" i="1" dirty="0"/>
+              <a:t>of the computations resulting in the given values</a:t>
+            </a:r>
+            <a:r>
+              <a:rPr lang="en-US" i="1" dirty="0" smtClean="0"/>
+              <a:t>.</a:t>
+            </a:r>
+          </a:p>
+          <a:p>
+            <a:r>
+              <a:rPr lang="en-US" dirty="0" smtClean="0"/>
+              <a:t>But how does it work?</a:t>
+            </a:r>
+          </a:p>
+          <a:p>
+            <a:pPr lvl="1"/>
+            <a:r>
+              <a:rPr lang="en-US" dirty="0" smtClean="0"/>
+              <a:t>???????????????</a:t>
+            </a:r>
+            <a:endParaRPr lang="en-US" dirty="0"/>
+          </a:p>
+        </p:txBody>
+      </p:sp>
+    </p:spTree>
+    <p:extLst>
+      <p:ext uri="{BB962C8B-B14F-4D97-AF65-F5344CB8AC3E}">
+        <p14:creationId xmlns:p14="http://schemas.microsoft.com/office/powerpoint/2010/main" val="3674696377"/>
+      </p:ext>
+    </p:extLst>
+  </p:cSld>
+  <p:clrMapOvr>
+    <a:masterClrMapping/>
+  </p:clrMapOvr>
+</p:sld>
+</file>
+
+<file path=ppt/slides/slide22.xml><?xml version="1.0" encoding="utf-8"?>
+<p:sld xmlns:a="http://schemas.openxmlformats.org/drawingml/2006/main" xmlns:r="http://schemas.openxmlformats.org/officeDocument/2006/relationships" xmlns:p="http://schemas.openxmlformats.org/presentationml/2006/main">
+  <p:cSld>
+    <p:spTree>
+      <p:nvGrpSpPr>
+        <p:cNvPr id="1" name=""/>
+        <p:cNvGrpSpPr/>
+        <p:nvPr/>
+      </p:nvGrpSpPr>
+      <p:grpSpPr>
+        <a:xfrm>
+          <a:off x="0" y="0"/>
+          <a:ext cx="0" cy="0"/>
+          <a:chOff x="0" y="0"/>
+          <a:chExt cx="0" cy="0"/>
+        </a:xfrm>
+      </p:grpSpPr>
+      <p:sp>
+        <p:nvSpPr>
+          <p:cNvPr id="6" name="Title 5"/>
+          <p:cNvSpPr>
+            <a:spLocks noGrp="1"/>
+          </p:cNvSpPr>
+          <p:nvPr>
+            <p:ph type="title"/>
+          </p:nvPr>
+        </p:nvSpPr>
+        <p:spPr/>
+        <p:txBody>
+          <a:bodyPr/>
+          <a:lstStyle/>
+          <a:p>
+            <a:r>
+              <a:rPr lang="en-US" dirty="0" err="1" smtClean="0"/>
+              <a:t>Blackhole</a:t>
+            </a:r>
+            <a:endParaRPr lang="en-US" dirty="0"/>
+          </a:p>
+        </p:txBody>
+      </p:sp>
+      <p:pic>
+        <p:nvPicPr>
+          <p:cNvPr id="10" name="Content Placeholder 9"/>
+          <p:cNvPicPr>
+            <a:picLocks noGrp="1" noChangeAspect="1"/>
+          </p:cNvPicPr>
+          <p:nvPr>
+            <p:ph idx="1"/>
+          </p:nvPr>
+        </p:nvPicPr>
+        <p:blipFill>
+          <a:blip r:embed="rId3">
+            <a:extLst>
+              <a:ext uri="{28A0092B-C50C-407E-A947-70E740481C1C}">
+                <a14:useLocalDpi xmlns:a14="http://schemas.microsoft.com/office/drawing/2010/main" val="0"/>
+              </a:ext>
+            </a:extLst>
+          </a:blip>
+          <a:stretch>
+            <a:fillRect/>
+          </a:stretch>
+        </p:blipFill>
+        <p:spPr>
+          <a:xfrm>
+            <a:off x="3659605" y="1690688"/>
+            <a:ext cx="4872789" cy="4872789"/>
+          </a:xfrm>
+        </p:spPr>
+      </p:pic>
+    </p:spTree>
+    <p:extLst>
+      <p:ext uri="{BB962C8B-B14F-4D97-AF65-F5344CB8AC3E}">
+        <p14:creationId xmlns:p14="http://schemas.microsoft.com/office/powerpoint/2010/main" val="4050977968"/>
+      </p:ext>
+    </p:extLst>
+  </p:cSld>
+  <p:clrMapOvr>
+    <a:masterClrMapping/>
+  </p:clrMapOvr>
+</p:sld>
+</file>
+
+<file path=ppt/slides/slide23.xml><?xml version="1.0" encoding="utf-8"?>
+<p:sld xmlns:a="http://schemas.openxmlformats.org/drawingml/2006/main" xmlns:r="http://schemas.openxmlformats.org/officeDocument/2006/relationships" xmlns:p="http://schemas.openxmlformats.org/presentationml/2006/main">
+  <p:cSld>
+    <p:spTree>
+      <p:nvGrpSpPr>
+        <p:cNvPr id="1" name=""/>
+        <p:cNvGrpSpPr/>
+        <p:nvPr/>
+      </p:nvGrpSpPr>
+      <p:grpSpPr>
+        <a:xfrm>
+          <a:off x="0" y="0"/>
+          <a:ext cx="0" cy="0"/>
+          <a:chOff x="0" y="0"/>
+          <a:chExt cx="0" cy="0"/>
+        </a:xfrm>
+      </p:grpSpPr>
+      <p:sp>
+        <p:nvSpPr>
+          <p:cNvPr id="2" name="Title 1"/>
+          <p:cNvSpPr>
+            <a:spLocks noGrp="1"/>
+          </p:cNvSpPr>
+          <p:nvPr>
+            <p:ph type="title"/>
+          </p:nvPr>
+        </p:nvSpPr>
+        <p:spPr/>
+        <p:txBody>
+          <a:bodyPr/>
+          <a:lstStyle/>
+          <a:p>
+            <a:r>
+              <a:rPr lang="en-US" dirty="0" smtClean="0"/>
+              <a:t>@</a:t>
+            </a:r>
+            <a:r>
+              <a:rPr lang="en-US" dirty="0" err="1" smtClean="0"/>
+              <a:t>Blackhole</a:t>
+            </a:r>
+            <a:endParaRPr lang="en-US" dirty="0"/>
+          </a:p>
+        </p:txBody>
+      </p:sp>
+      <p:sp>
+        <p:nvSpPr>
+          <p:cNvPr id="3" name="Content Placeholder 2"/>
+          <p:cNvSpPr>
+            <a:spLocks noGrp="1"/>
+          </p:cNvSpPr>
+          <p:nvPr>
+            <p:ph idx="1"/>
+          </p:nvPr>
+        </p:nvSpPr>
+        <p:spPr/>
+        <p:txBody>
+          <a:bodyPr/>
+          <a:lstStyle/>
+          <a:p>
+            <a:r>
+              <a:rPr lang="en-US" dirty="0" smtClean="0"/>
+              <a:t>Outsmart the JIT</a:t>
+            </a:r>
+          </a:p>
+          <a:p>
+            <a:r>
+              <a:rPr lang="en-US" dirty="0" smtClean="0"/>
+              <a:t>Make certain it can’t tell a value isn’t used afterwards…by using it</a:t>
+            </a:r>
+            <a:endParaRPr lang="en-US" dirty="0"/>
+          </a:p>
+        </p:txBody>
+      </p:sp>
+    </p:spTree>
+    <p:extLst>
+      <p:ext uri="{BB962C8B-B14F-4D97-AF65-F5344CB8AC3E}">
+        <p14:creationId xmlns:p14="http://schemas.microsoft.com/office/powerpoint/2010/main" val="602434920"/>
+      </p:ext>
+    </p:extLst>
+  </p:cSld>
+  <p:clrMapOvr>
+    <a:masterClrMapping/>
+  </p:clrMapOvr>
+</p:sld>
+</file>
+
+<file path=ppt/slides/slide24.xml><?xml version="1.0" encoding="utf-8"?>
+<p:sld xmlns:a="http://schemas.openxmlformats.org/drawingml/2006/main" xmlns:r="http://schemas.openxmlformats.org/officeDocument/2006/relationships" xmlns:p="http://schemas.openxmlformats.org/presentationml/2006/main">
+  <p:cSld>
+    <p:spTree>
+      <p:nvGrpSpPr>
+        <p:cNvPr id="1" name=""/>
+        <p:cNvGrpSpPr/>
+        <p:nvPr/>
+      </p:nvGrpSpPr>
+      <p:grpSpPr>
+        <a:xfrm>
+          <a:off x="0" y="0"/>
+          <a:ext cx="0" cy="0"/>
+          <a:chOff x="0" y="0"/>
+          <a:chExt cx="0" cy="0"/>
+        </a:xfrm>
+      </p:grpSpPr>
+      <p:sp>
+        <p:nvSpPr>
+          <p:cNvPr id="2" name="Title 1"/>
+          <p:cNvSpPr>
+            <a:spLocks noGrp="1"/>
+          </p:cNvSpPr>
+          <p:nvPr>
+            <p:ph type="title"/>
+          </p:nvPr>
+        </p:nvSpPr>
+        <p:spPr/>
+        <p:txBody>
+          <a:bodyPr/>
+          <a:lstStyle/>
+          <a:p>
+            <a:r>
+              <a:rPr lang="en-US" dirty="0" smtClean="0"/>
+              <a:t>Problem – Constant Folding</a:t>
+            </a:r>
+            <a:endParaRPr lang="en-US" dirty="0"/>
+          </a:p>
+        </p:txBody>
+      </p:sp>
+      <p:sp>
+        <p:nvSpPr>
+          <p:cNvPr id="3" name="Content Placeholder 2"/>
+          <p:cNvSpPr>
+            <a:spLocks noGrp="1"/>
+          </p:cNvSpPr>
+          <p:nvPr>
+            <p:ph idx="1"/>
+          </p:nvPr>
+        </p:nvSpPr>
+        <p:spPr/>
+        <p:txBody>
+          <a:bodyPr/>
+          <a:lstStyle/>
+          <a:p>
+            <a:r>
+              <a:rPr lang="en-US" dirty="0"/>
+              <a:t>If result of your calculation is predictable and does not depend on state objects, it is likely to be </a:t>
+            </a:r>
+            <a:r>
+              <a:rPr lang="en-US" dirty="0" smtClean="0"/>
+              <a:t>optimized away by the JIT</a:t>
+            </a:r>
+          </a:p>
+          <a:p>
+            <a:r>
+              <a:rPr lang="en-US" dirty="0" smtClean="0"/>
+              <a:t>Always </a:t>
+            </a:r>
+            <a:r>
+              <a:rPr lang="en-US" dirty="0"/>
+              <a:t>read the test input from a </a:t>
+            </a:r>
+            <a:r>
+              <a:rPr lang="en-US" dirty="0" smtClean="0"/>
+              <a:t>@State object to avoid this</a:t>
+            </a:r>
+            <a:endParaRPr lang="en-US" dirty="0"/>
+          </a:p>
+        </p:txBody>
+      </p:sp>
+    </p:spTree>
+    <p:extLst>
+      <p:ext uri="{BB962C8B-B14F-4D97-AF65-F5344CB8AC3E}">
+        <p14:creationId xmlns:p14="http://schemas.microsoft.com/office/powerpoint/2010/main" val="864964602"/>
+      </p:ext>
+    </p:extLst>
+  </p:cSld>
+  <p:clrMapOvr>
+    <a:masterClrMapping/>
+  </p:clrMapOvr>
+</p:sld>
+</file>
+
+<file path=ppt/slides/slide25.xml><?xml version="1.0" encoding="utf-8"?>
+<p:sld xmlns:a="http://schemas.openxmlformats.org/drawingml/2006/main" xmlns:r="http://schemas.openxmlformats.org/officeDocument/2006/relationships" xmlns:p="http://schemas.openxmlformats.org/presentationml/2006/main">
+  <p:cSld>
+    <p:spTree>
+      <p:nvGrpSpPr>
+        <p:cNvPr id="1" name=""/>
+        <p:cNvGrpSpPr/>
+        <p:nvPr/>
+      </p:nvGrpSpPr>
+      <p:grpSpPr>
+        <a:xfrm>
+          <a:off x="0" y="0"/>
+          <a:ext cx="0" cy="0"/>
+          <a:chOff x="0" y="0"/>
+          <a:chExt cx="0" cy="0"/>
+        </a:xfrm>
+      </p:grpSpPr>
+      <p:sp>
+        <p:nvSpPr>
+          <p:cNvPr id="2" name="Title 1"/>
+          <p:cNvSpPr>
+            <a:spLocks noGrp="1"/>
+          </p:cNvSpPr>
+          <p:nvPr>
+            <p:ph type="title"/>
+          </p:nvPr>
+        </p:nvSpPr>
+        <p:spPr/>
+        <p:txBody>
+          <a:bodyPr/>
+          <a:lstStyle/>
+          <a:p>
+            <a:r>
+              <a:rPr lang="en-US" dirty="0" smtClean="0"/>
+              <a:t>Problem - Loops</a:t>
+            </a:r>
+            <a:endParaRPr lang="en-US" dirty="0"/>
+          </a:p>
+        </p:txBody>
+      </p:sp>
+      <p:sp>
+        <p:nvSpPr>
+          <p:cNvPr id="3" name="Content Placeholder 2"/>
+          <p:cNvSpPr>
+            <a:spLocks noGrp="1"/>
+          </p:cNvSpPr>
+          <p:nvPr>
+            <p:ph idx="1"/>
+          </p:nvPr>
+        </p:nvSpPr>
+        <p:spPr/>
+        <p:txBody>
+          <a:bodyPr/>
+          <a:lstStyle/>
+          <a:p>
+            <a:r>
+              <a:rPr lang="en-US" dirty="0"/>
+              <a:t>Do not use loops in your </a:t>
+            </a:r>
+            <a:r>
+              <a:rPr lang="en-US" dirty="0" smtClean="0"/>
+              <a:t>tests</a:t>
+            </a:r>
+          </a:p>
+          <a:p>
+            <a:r>
+              <a:rPr lang="en-US" dirty="0" smtClean="0"/>
+              <a:t>JIT will try to optimize them away</a:t>
+            </a:r>
+          </a:p>
+          <a:p>
+            <a:r>
+              <a:rPr lang="en-US" dirty="0" smtClean="0"/>
+              <a:t>Test calculation (single operation) as much as possible</a:t>
+            </a:r>
+            <a:endParaRPr lang="en-US" dirty="0"/>
+          </a:p>
+        </p:txBody>
+      </p:sp>
+    </p:spTree>
+    <p:extLst>
+      <p:ext uri="{BB962C8B-B14F-4D97-AF65-F5344CB8AC3E}">
+        <p14:creationId xmlns:p14="http://schemas.microsoft.com/office/powerpoint/2010/main" val="4257981847"/>
+      </p:ext>
+    </p:extLst>
+  </p:cSld>
+  <p:clrMapOvr>
+    <a:masterClrMapping/>
+  </p:clrMapOvr>
+</p:sld>
+</file>
+
+<file path=ppt/slides/slide26.xml><?xml version="1.0" encoding="utf-8"?>
+<p:sld xmlns:a="http://schemas.openxmlformats.org/drawingml/2006/main" xmlns:r="http://schemas.openxmlformats.org/officeDocument/2006/relationships" xmlns:p="http://schemas.openxmlformats.org/presentationml/2006/main">
+  <p:cSld>
+    <p:spTree>
+      <p:nvGrpSpPr>
+        <p:cNvPr id="1" name=""/>
+        <p:cNvGrpSpPr/>
+        <p:nvPr/>
+      </p:nvGrpSpPr>
+      <p:grpSpPr>
+        <a:xfrm>
+          <a:off x="0" y="0"/>
+          <a:ext cx="0" cy="0"/>
+          <a:chOff x="0" y="0"/>
+          <a:chExt cx="0" cy="0"/>
+        </a:xfrm>
+      </p:grpSpPr>
+      <p:sp>
+        <p:nvSpPr>
+          <p:cNvPr id="2" name="Title 1"/>
+          <p:cNvSpPr>
+            <a:spLocks noGrp="1"/>
+          </p:cNvSpPr>
+          <p:nvPr>
+            <p:ph type="title"/>
+          </p:nvPr>
+        </p:nvSpPr>
+        <p:spPr/>
+        <p:txBody>
+          <a:bodyPr/>
+          <a:lstStyle/>
+          <a:p>
+            <a:r>
+              <a:rPr lang="en-US" dirty="0" smtClean="0"/>
+              <a:t>Problem - Forks</a:t>
+            </a:r>
+            <a:endParaRPr lang="en-US" dirty="0"/>
+          </a:p>
+        </p:txBody>
+      </p:sp>
+      <p:sp>
+        <p:nvSpPr>
+          <p:cNvPr id="3" name="Content Placeholder 2"/>
+          <p:cNvSpPr>
+            <a:spLocks noGrp="1"/>
+          </p:cNvSpPr>
+          <p:nvPr>
+            <p:ph idx="1"/>
+          </p:nvPr>
+        </p:nvSpPr>
+        <p:spPr/>
+        <p:txBody>
+          <a:bodyPr/>
+          <a:lstStyle/>
+          <a:p>
+            <a:r>
+              <a:rPr lang="en-US" dirty="0" smtClean="0"/>
+              <a:t>JVM “profiles”</a:t>
+            </a:r>
+          </a:p>
+          <a:p>
+            <a:pPr lvl="1"/>
+            <a:r>
+              <a:rPr lang="en-US" dirty="0" smtClean="0"/>
+              <a:t>Information about loaded classes and their execution information</a:t>
+            </a:r>
+          </a:p>
+          <a:p>
+            <a:r>
+              <a:rPr lang="en-US" dirty="0" smtClean="0"/>
+              <a:t>Do not set forks to 0</a:t>
+            </a:r>
+            <a:endParaRPr lang="en-US" dirty="0"/>
+          </a:p>
+        </p:txBody>
+      </p:sp>
+    </p:spTree>
+    <p:extLst>
+      <p:ext uri="{BB962C8B-B14F-4D97-AF65-F5344CB8AC3E}">
+        <p14:creationId xmlns:p14="http://schemas.microsoft.com/office/powerpoint/2010/main" val="735483600"/>
+      </p:ext>
+    </p:extLst>
+  </p:cSld>
+  <p:clrMapOvr>
+    <a:masterClrMapping/>
+  </p:clrMapOvr>
+</p:sld>
+</file>
+
+<file path=ppt/slides/slide27.xml><?xml version="1.0" encoding="utf-8"?>
+<p:sld xmlns:a="http://schemas.openxmlformats.org/drawingml/2006/main" xmlns:r="http://schemas.openxmlformats.org/officeDocument/2006/relationships" xmlns:p="http://schemas.openxmlformats.org/presentationml/2006/main">
+  <p:cSld>
+    <p:spTree>
+      <p:nvGrpSpPr>
+        <p:cNvPr id="1" name=""/>
+        <p:cNvGrpSpPr/>
+        <p:nvPr/>
+      </p:nvGrpSpPr>
+      <p:grpSpPr>
+        <a:xfrm>
+          <a:off x="0" y="0"/>
+          <a:ext cx="0" cy="0"/>
+          <a:chOff x="0" y="0"/>
+          <a:chExt cx="0" cy="0"/>
+        </a:xfrm>
+      </p:grpSpPr>
+      <p:sp>
+        <p:nvSpPr>
+          <p:cNvPr id="2" name="Title 1"/>
+          <p:cNvSpPr>
+            <a:spLocks noGrp="1"/>
+          </p:cNvSpPr>
+          <p:nvPr>
+            <p:ph type="title"/>
+          </p:nvPr>
+        </p:nvSpPr>
+        <p:spPr/>
+        <p:txBody>
+          <a:bodyPr/>
+          <a:lstStyle/>
+          <a:p>
+            <a:r>
+              <a:rPr lang="en-US" dirty="0" smtClean="0"/>
+              <a:t>Compiler Hints</a:t>
+            </a:r>
+            <a:endParaRPr lang="en-US" dirty="0"/>
+          </a:p>
+        </p:txBody>
+      </p:sp>
+      <p:graphicFrame>
+        <p:nvGraphicFramePr>
+          <p:cNvPr id="4" name="Content Placeholder 3"/>
+          <p:cNvGraphicFramePr>
+            <a:graphicFrameLocks noGrp="1"/>
+          </p:cNvGraphicFramePr>
+          <p:nvPr>
+            <p:ph idx="1"/>
+            <p:extLst>
+              <p:ext uri="{D42A27DB-BD31-4B8C-83A1-F6EECF244321}">
+                <p14:modId xmlns:p14="http://schemas.microsoft.com/office/powerpoint/2010/main" val="2363452503"/>
+              </p:ext>
+            </p:extLst>
+          </p:nvPr>
+        </p:nvGraphicFramePr>
+        <p:xfrm>
+          <a:off x="838200" y="2583974"/>
+          <a:ext cx="10515600" cy="3108960"/>
+        </p:xfrm>
+        <a:graphic>
+          <a:graphicData uri="http://schemas.openxmlformats.org/drawingml/2006/table">
+            <a:tbl>
+              <a:tblPr/>
+              <a:tblGrid>
+                <a:gridCol w="4353113"/>
+                <a:gridCol w="6162487"/>
+              </a:tblGrid>
+              <a:tr h="0">
+                <a:tc>
+                  <a:txBody>
+                    <a:bodyPr/>
+                    <a:lstStyle/>
+                    <a:p>
+                      <a:r>
+                        <a:rPr lang="en-US" sz="2000" b="1" baseline="0" dirty="0"/>
+                        <a:t>Name</a:t>
+                      </a:r>
+                    </a:p>
+                  </a:txBody>
+                  <a:tcPr anchor="ctr">
+                    <a:lnL>
+                      <a:noFill/>
+                    </a:lnL>
+                    <a:lnR>
+                      <a:noFill/>
+                    </a:lnR>
+                    <a:lnT>
+                      <a:noFill/>
+                    </a:lnT>
+                    <a:lnB>
+                      <a:noFill/>
+                    </a:lnB>
+                  </a:tcPr>
+                </a:tc>
+                <a:tc>
+                  <a:txBody>
+                    <a:bodyPr/>
+                    <a:lstStyle/>
+                    <a:p>
+                      <a:r>
+                        <a:rPr lang="en-US" sz="2000" b="1" baseline="0" dirty="0"/>
+                        <a:t>Description</a:t>
+                      </a:r>
+                    </a:p>
+                  </a:txBody>
+                  <a:tcPr anchor="ctr">
+                    <a:lnL>
+                      <a:noFill/>
+                    </a:lnL>
+                    <a:lnR>
+                      <a:noFill/>
+                    </a:lnR>
+                    <a:lnT>
+                      <a:noFill/>
+                    </a:lnT>
+                    <a:lnB>
+                      <a:noFill/>
+                    </a:lnB>
+                  </a:tcPr>
+                </a:tc>
+              </a:tr>
+              <a:tr h="0">
+                <a:tc>
+                  <a:txBody>
+                    <a:bodyPr/>
+                    <a:lstStyle/>
+                    <a:p>
+                      <a:r>
+                        <a:rPr lang="en-US" sz="2000" baseline="0"/>
+                        <a:t>CompilerControl.Mode.DONT_INLINE</a:t>
+                      </a:r>
+                    </a:p>
+                  </a:txBody>
+                  <a:tcPr anchor="ctr">
+                    <a:lnL>
+                      <a:noFill/>
+                    </a:lnL>
+                    <a:lnR>
+                      <a:noFill/>
+                    </a:lnR>
+                    <a:lnT>
+                      <a:noFill/>
+                    </a:lnT>
+                    <a:lnB>
+                      <a:noFill/>
+                    </a:lnB>
+                  </a:tcPr>
+                </a:tc>
+                <a:tc>
+                  <a:txBody>
+                    <a:bodyPr/>
+                    <a:lstStyle/>
+                    <a:p>
+                      <a:r>
+                        <a:rPr lang="en-US" sz="2000" baseline="0" dirty="0"/>
+                        <a:t>This method should not be </a:t>
+                      </a:r>
+                      <a:r>
+                        <a:rPr lang="en-US" sz="2000" baseline="0" dirty="0" err="1"/>
+                        <a:t>inlined</a:t>
+                      </a:r>
+                      <a:r>
+                        <a:rPr lang="en-US" sz="2000" baseline="0" dirty="0"/>
+                        <a:t>. Useful to measure the method call cost and to evaluate if it worth to increase the inline threshold for the JVM. </a:t>
+                      </a:r>
+                    </a:p>
+                  </a:txBody>
+                  <a:tcPr anchor="ctr">
+                    <a:lnL>
+                      <a:noFill/>
+                    </a:lnL>
+                    <a:lnR>
+                      <a:noFill/>
+                    </a:lnR>
+                    <a:lnT>
+                      <a:noFill/>
+                    </a:lnT>
+                    <a:lnB>
+                      <a:noFill/>
+                    </a:lnB>
+                  </a:tcPr>
+                </a:tc>
+              </a:tr>
+              <a:tr h="0">
+                <a:tc>
+                  <a:txBody>
+                    <a:bodyPr/>
+                    <a:lstStyle/>
+                    <a:p>
+                      <a:r>
+                        <a:rPr lang="en-US" sz="2000" baseline="0"/>
+                        <a:t>CompilerControl.Mode.INLINE</a:t>
+                      </a:r>
+                    </a:p>
+                  </a:txBody>
+                  <a:tcPr anchor="ctr">
+                    <a:lnL>
+                      <a:noFill/>
+                    </a:lnL>
+                    <a:lnR>
+                      <a:noFill/>
+                    </a:lnR>
+                    <a:lnT>
+                      <a:noFill/>
+                    </a:lnT>
+                    <a:lnB>
+                      <a:noFill/>
+                    </a:lnB>
+                  </a:tcPr>
+                </a:tc>
+                <a:tc>
+                  <a:txBody>
+                    <a:bodyPr/>
+                    <a:lstStyle/>
+                    <a:p>
+                      <a:r>
+                        <a:rPr lang="en-US" sz="2000" baseline="0" dirty="0"/>
+                        <a:t>Ask the compiler to inline this method. Usually should be used in conjunction with </a:t>
+                      </a:r>
+                      <a:r>
+                        <a:rPr lang="en-US" sz="2000" baseline="0" dirty="0" err="1"/>
+                        <a:t>Mode.DONT_INLINE</a:t>
+                      </a:r>
+                      <a:r>
+                        <a:rPr lang="en-US" sz="2000" baseline="0" dirty="0"/>
+                        <a:t> to check pros and cons of </a:t>
+                      </a:r>
+                      <a:r>
+                        <a:rPr lang="en-US" sz="2000" baseline="0" dirty="0" err="1"/>
+                        <a:t>inlining</a:t>
+                      </a:r>
+                      <a:r>
+                        <a:rPr lang="en-US" sz="2000" baseline="0" dirty="0"/>
+                        <a:t>. </a:t>
+                      </a:r>
+                    </a:p>
+                  </a:txBody>
+                  <a:tcPr anchor="ctr">
+                    <a:lnL>
+                      <a:noFill/>
+                    </a:lnL>
+                    <a:lnR>
+                      <a:noFill/>
+                    </a:lnR>
+                    <a:lnT>
+                      <a:noFill/>
+                    </a:lnT>
+                    <a:lnB>
+                      <a:noFill/>
+                    </a:lnB>
+                  </a:tcPr>
+                </a:tc>
+              </a:tr>
+              <a:tr h="0">
+                <a:tc>
+                  <a:txBody>
+                    <a:bodyPr/>
+                    <a:lstStyle/>
+                    <a:p>
+                      <a:r>
+                        <a:rPr lang="en-US" sz="2000" baseline="0"/>
+                        <a:t>CompilerControl.Mode.EXCLUDE</a:t>
+                      </a:r>
+                    </a:p>
+                  </a:txBody>
+                  <a:tcPr anchor="ctr">
+                    <a:lnL>
+                      <a:noFill/>
+                    </a:lnL>
+                    <a:lnR>
+                      <a:noFill/>
+                    </a:lnR>
+                    <a:lnT>
+                      <a:noFill/>
+                    </a:lnT>
+                    <a:lnB>
+                      <a:noFill/>
+                    </a:lnB>
+                  </a:tcPr>
+                </a:tc>
+                <a:tc>
+                  <a:txBody>
+                    <a:bodyPr/>
+                    <a:lstStyle/>
+                    <a:p>
+                      <a:r>
+                        <a:rPr lang="en-US" sz="2000" baseline="0" dirty="0"/>
+                        <a:t>Do not compile this method – interpret it instead. Useful in holy wars as an argument how good is the JIT </a:t>
+                      </a:r>
+                    </a:p>
+                  </a:txBody>
+                  <a:tcPr anchor="ctr">
+                    <a:lnL>
+                      <a:noFill/>
+                    </a:lnL>
+                    <a:lnR>
+                      <a:noFill/>
+                    </a:lnR>
+                    <a:lnT>
+                      <a:noFill/>
+                    </a:lnT>
+                    <a:lnB>
+                      <a:noFill/>
+                    </a:lnB>
+                  </a:tcPr>
+                </a:tc>
+              </a:tr>
+            </a:tbl>
+          </a:graphicData>
+        </a:graphic>
+      </p:graphicFrame>
+    </p:spTree>
+    <p:extLst>
+      <p:ext uri="{BB962C8B-B14F-4D97-AF65-F5344CB8AC3E}">
+        <p14:creationId xmlns:p14="http://schemas.microsoft.com/office/powerpoint/2010/main" val="1472970086"/>
+      </p:ext>
+    </p:extLst>
+  </p:cSld>
+  <p:clrMapOvr>
+    <a:masterClrMapping/>
+  </p:clrMapOvr>
+</p:sld>
+</file>
+
+<file path=ppt/slides/slide28.xml><?xml version="1.0" encoding="utf-8"?>
+<p:sld xmlns:a="http://schemas.openxmlformats.org/drawingml/2006/main" xmlns:r="http://schemas.openxmlformats.org/officeDocument/2006/relationships" xmlns:p="http://schemas.openxmlformats.org/presentationml/2006/main">
+  <p:cSld>
+    <p:spTree>
+      <p:nvGrpSpPr>
+        <p:cNvPr id="1" name=""/>
+        <p:cNvGrpSpPr/>
+        <p:nvPr/>
+      </p:nvGrpSpPr>
+      <p:grpSpPr>
+        <a:xfrm>
+          <a:off x="0" y="0"/>
+          <a:ext cx="0" cy="0"/>
+          <a:chOff x="0" y="0"/>
+          <a:chExt cx="0" cy="0"/>
+        </a:xfrm>
+      </p:grpSpPr>
+      <p:sp>
+        <p:nvSpPr>
+          <p:cNvPr id="2" name="Title 1"/>
+          <p:cNvSpPr>
+            <a:spLocks noGrp="1"/>
+          </p:cNvSpPr>
+          <p:nvPr>
+            <p:ph type="title"/>
+          </p:nvPr>
+        </p:nvSpPr>
+        <p:spPr/>
+        <p:txBody>
+          <a:bodyPr/>
+          <a:lstStyle/>
+          <a:p>
+            <a:r>
+              <a:rPr lang="en-US" dirty="0" smtClean="0"/>
+              <a:t>Demo 2</a:t>
+            </a:r>
+            <a:endParaRPr lang="en-US" dirty="0"/>
+          </a:p>
+        </p:txBody>
+      </p:sp>
+      <p:sp>
+        <p:nvSpPr>
+          <p:cNvPr id="3" name="Content Placeholder 2"/>
+          <p:cNvSpPr>
+            <a:spLocks noGrp="1"/>
+          </p:cNvSpPr>
+          <p:nvPr>
+            <p:ph idx="1"/>
+          </p:nvPr>
+        </p:nvSpPr>
+        <p:spPr/>
+        <p:txBody>
+          <a:bodyPr/>
+          <a:lstStyle/>
+          <a:p>
+            <a:endParaRPr lang="en-US" dirty="0"/>
+          </a:p>
+        </p:txBody>
+      </p:sp>
+    </p:spTree>
+    <p:extLst>
+      <p:ext uri="{BB962C8B-B14F-4D97-AF65-F5344CB8AC3E}">
+        <p14:creationId xmlns:p14="http://schemas.microsoft.com/office/powerpoint/2010/main" val="1252817105"/>
+      </p:ext>
+    </p:extLst>
+  </p:cSld>
+  <p:clrMapOvr>
+    <a:masterClrMapping/>
+  </p:clrMapOvr>
+</p:sld>
+</file>
+
+<file path=ppt/slides/slide29.xml><?xml version="1.0" encoding="utf-8"?>
+<p:sld xmlns:a="http://schemas.openxmlformats.org/drawingml/2006/main" xmlns:r="http://schemas.openxmlformats.org/officeDocument/2006/relationships" xmlns:p="http://schemas.openxmlformats.org/presentationml/2006/main">
+  <p:cSld>
+    <p:spTree>
+      <p:nvGrpSpPr>
+        <p:cNvPr id="1" name=""/>
+        <p:cNvGrpSpPr/>
+        <p:nvPr/>
+      </p:nvGrpSpPr>
+      <p:grpSpPr>
+        <a:xfrm>
+          <a:off x="0" y="0"/>
+          <a:ext cx="0" cy="0"/>
+          <a:chOff x="0" y="0"/>
+          <a:chExt cx="0" cy="0"/>
+        </a:xfrm>
+      </p:grpSpPr>
+      <p:sp>
+        <p:nvSpPr>
+          <p:cNvPr id="2" name="Title 1"/>
+          <p:cNvSpPr>
+            <a:spLocks noGrp="1"/>
+          </p:cNvSpPr>
+          <p:nvPr>
+            <p:ph type="title"/>
+          </p:nvPr>
+        </p:nvSpPr>
+        <p:spPr/>
+        <p:txBody>
+          <a:bodyPr/>
+          <a:lstStyle/>
+          <a:p>
+            <a:r>
+              <a:rPr lang="en-US" dirty="0" smtClean="0"/>
+              <a:t>Demo 2 - Results</a:t>
+            </a:r>
+            <a:endParaRPr lang="en-US" dirty="0"/>
+          </a:p>
+        </p:txBody>
+      </p:sp>
+      <p:sp>
+        <p:nvSpPr>
+          <p:cNvPr id="3" name="Content Placeholder 2"/>
+          <p:cNvSpPr>
+            <a:spLocks noGrp="1"/>
+          </p:cNvSpPr>
+          <p:nvPr>
+            <p:ph idx="1"/>
+          </p:nvPr>
+        </p:nvSpPr>
+        <p:spPr/>
+        <p:txBody>
+          <a:bodyPr/>
+          <a:lstStyle/>
+          <a:p>
+            <a:endParaRPr lang="en-US" dirty="0"/>
+          </a:p>
+        </p:txBody>
+      </p:sp>
+    </p:spTree>
+    <p:extLst>
+      <p:ext uri="{BB962C8B-B14F-4D97-AF65-F5344CB8AC3E}">
+        <p14:creationId xmlns:p14="http://schemas.microsoft.com/office/powerpoint/2010/main" val="2511131901"/>
+      </p:ext>
+    </p:extLst>
+  </p:cSld>
+  <p:clrMapOvr>
+    <a:masterClrMapping/>
+  </p:clrMapOvr>
+</p:sld>
+</file>
+
+<file path=ppt/slides/slide3.xml><?xml version="1.0" encoding="utf-8"?>
+<p:sld xmlns:a="http://schemas.openxmlformats.org/drawingml/2006/main" xmlns:r="http://schemas.openxmlformats.org/officeDocument/2006/relationships" xmlns:p="http://schemas.openxmlformats.org/presentationml/2006/main">
+  <p:cSld>
+    <p:spTree>
+      <p:nvGrpSpPr>
+        <p:cNvPr id="1" name=""/>
+        <p:cNvGrpSpPr/>
+        <p:nvPr/>
+      </p:nvGrpSpPr>
+      <p:grpSpPr>
+        <a:xfrm>
+          <a:off x="0" y="0"/>
+          <a:ext cx="0" cy="0"/>
+          <a:chOff x="0" y="0"/>
+          <a:chExt cx="0" cy="0"/>
+        </a:xfrm>
+      </p:grpSpPr>
+      <p:sp>
+        <p:nvSpPr>
+          <p:cNvPr id="2" name="Title 1"/>
+          <p:cNvSpPr>
+            <a:spLocks noGrp="1"/>
+          </p:cNvSpPr>
+          <p:nvPr>
+            <p:ph type="title"/>
+          </p:nvPr>
+        </p:nvSpPr>
+        <p:spPr/>
+        <p:txBody>
+          <a:bodyPr/>
+          <a:lstStyle/>
+          <a:p>
+            <a:r>
+              <a:rPr lang="en-US" dirty="0" smtClean="0"/>
+              <a:t>Enter JMH</a:t>
+            </a:r>
+            <a:endParaRPr lang="en-US" dirty="0"/>
+          </a:p>
+        </p:txBody>
+      </p:sp>
+      <p:sp>
+        <p:nvSpPr>
+          <p:cNvPr id="3" name="Content Placeholder 2"/>
+          <p:cNvSpPr>
+            <a:spLocks noGrp="1"/>
+          </p:cNvSpPr>
+          <p:nvPr>
+            <p:ph idx="1"/>
+          </p:nvPr>
+        </p:nvSpPr>
+        <p:spPr/>
+        <p:txBody>
+          <a:bodyPr>
+            <a:normAutofit fontScale="92500" lnSpcReduction="10000"/>
+          </a:bodyPr>
+          <a:lstStyle/>
+          <a:p>
+            <a:r>
+              <a:rPr lang="en-US" dirty="0" smtClean="0">
+                <a:hlinkClick r:id="rId3"/>
+              </a:rPr>
+              <a:t>http://openjdk.java.net/projects/code-tools/jmh/</a:t>
+            </a:r>
+            <a:endParaRPr lang="en-US" dirty="0" smtClean="0"/>
+          </a:p>
+          <a:p>
+            <a:r>
+              <a:rPr lang="en-US" dirty="0" smtClean="0"/>
+              <a:t>Solid foundation for writing and running benchmarks whose results are “not always erroneous due to unwanted VM optimizations”</a:t>
+            </a:r>
+          </a:p>
+          <a:p>
+            <a:pPr lvl="1"/>
+            <a:r>
+              <a:rPr lang="en-US" dirty="0" smtClean="0"/>
+              <a:t>Does not prevent all pitfalls, but can at least mitigate MOST of them</a:t>
+            </a:r>
+          </a:p>
+          <a:p>
+            <a:r>
+              <a:rPr lang="en-US" dirty="0" err="1" smtClean="0"/>
+              <a:t>OpenJDK</a:t>
+            </a:r>
+            <a:r>
+              <a:rPr lang="en-US" dirty="0" smtClean="0"/>
+              <a:t> project</a:t>
+            </a:r>
+          </a:p>
+          <a:p>
+            <a:pPr lvl="1"/>
+            <a:r>
+              <a:rPr lang="en-US" dirty="0"/>
+              <a:t>http://mvnrepository.com/artifact/org.openjdk.jmh/jmh-core</a:t>
+            </a:r>
+            <a:endParaRPr lang="en-US" dirty="0" smtClean="0"/>
+          </a:p>
+          <a:p>
+            <a:pPr lvl="1"/>
+            <a:r>
+              <a:rPr lang="en-US" dirty="0" smtClean="0"/>
+              <a:t>Active development (1.11.2 released October 2015)</a:t>
+            </a:r>
+          </a:p>
+          <a:p>
+            <a:pPr lvl="1"/>
+            <a:r>
+              <a:rPr lang="en-US" dirty="0" smtClean="0"/>
+              <a:t>Developed by same guys in Oracle who maintain the JIT</a:t>
+            </a:r>
+          </a:p>
+          <a:p>
+            <a:r>
+              <a:rPr lang="en-US" dirty="0" err="1"/>
+              <a:t>Microbenchmarks</a:t>
+            </a:r>
+            <a:r>
+              <a:rPr lang="en-US" dirty="0"/>
+              <a:t> – benchmarks which stress a particular piece of code, NOT an entire application stack</a:t>
+            </a:r>
+          </a:p>
+          <a:p>
+            <a:r>
+              <a:rPr lang="en-US" dirty="0" smtClean="0"/>
+              <a:t>Concurrent benchmarks</a:t>
+            </a:r>
+          </a:p>
+          <a:p>
+            <a:endParaRPr lang="en-US" dirty="0"/>
+          </a:p>
+        </p:txBody>
+      </p:sp>
+    </p:spTree>
+    <p:extLst>
+      <p:ext uri="{BB962C8B-B14F-4D97-AF65-F5344CB8AC3E}">
+        <p14:creationId xmlns:p14="http://schemas.microsoft.com/office/powerpoint/2010/main" val="3033510852"/>
+      </p:ext>
+    </p:extLst>
+  </p:cSld>
+  <p:clrMapOvr>
+    <a:masterClrMapping/>
+  </p:clrMapOvr>
+  <p:timing>
+    <p:tnLst>
+      <p:par>
+        <p:cTn id="1" dur="indefinite" restart="never" nodeType="tmRoot"/>
+      </p:par>
+    </p:tnLst>
+  </p:timing>
+</p:sld>
+</file>
+
+<file path=ppt/slides/slide30.xml><?xml version="1.0" encoding="utf-8"?>
+<p:sld xmlns:a="http://schemas.openxmlformats.org/drawingml/2006/main" xmlns:r="http://schemas.openxmlformats.org/officeDocument/2006/relationships" xmlns:p="http://schemas.openxmlformats.org/presentationml/2006/main">
+  <p:cSld>
+    <p:spTree>
+      <p:nvGrpSpPr>
+        <p:cNvPr id="1" name=""/>
+        <p:cNvGrpSpPr/>
+        <p:nvPr/>
+      </p:nvGrpSpPr>
+      <p:grpSpPr>
+        <a:xfrm>
+          <a:off x="0" y="0"/>
+          <a:ext cx="0" cy="0"/>
+          <a:chOff x="0" y="0"/>
+          <a:chExt cx="0" cy="0"/>
+        </a:xfrm>
+      </p:grpSpPr>
+      <p:sp>
+        <p:nvSpPr>
+          <p:cNvPr id="2" name="Title 1"/>
+          <p:cNvSpPr>
+            <a:spLocks noGrp="1"/>
+          </p:cNvSpPr>
+          <p:nvPr>
+            <p:ph type="title"/>
+          </p:nvPr>
+        </p:nvSpPr>
+        <p:spPr/>
+        <p:txBody>
+          <a:bodyPr/>
+          <a:lstStyle/>
+          <a:p>
+            <a:r>
               <a:rPr lang="en-US" dirty="0" smtClean="0"/>
               <a:t>Further Considerations</a:t>
             </a:r>
@@ -6550,7 +9199,7 @@
 </p:sld>
 </file>
 
-<file path=ppt/slides/slide22.xml><?xml version="1.0" encoding="utf-8"?>
+<file path=ppt/slides/slide31.xml><?xml version="1.0" encoding="utf-8"?>
 <p:sld xmlns:a="http://schemas.openxmlformats.org/drawingml/2006/main" xmlns:r="http://schemas.openxmlformats.org/officeDocument/2006/relationships" xmlns:p="http://schemas.openxmlformats.org/presentationml/2006/main">
   <p:cSld>
     <p:spTree>
@@ -6584,7 +9233,7 @@
           <a:p>
             <a:r>
               <a:rPr lang="en-US" dirty="0" smtClean="0"/>
-              <a:t>References</a:t>
+              <a:t>Conclusion</a:t>
             </a:r>
             <a:endParaRPr lang="en-US" dirty="0"/>
           </a:p>
@@ -6606,44 +9255,44 @@
           <a:lstStyle/>
           <a:p>
             <a:r>
-              <a:rPr lang="en-US" dirty="0">
-                <a:hlinkClick r:id="rId2"/>
-              </a:rPr>
-              <a:t>http://</a:t>
-            </a:r>
-            <a:r>
-              <a:rPr lang="en-US" dirty="0" smtClean="0">
-                <a:hlinkClick r:id="rId2"/>
-              </a:rPr>
-              <a:t>www.oracle.com/technetwork/articles/java/architect-benchmarking-2266277.html</a:t>
-            </a:r>
-            <a:endParaRPr lang="en-US" dirty="0" smtClean="0"/>
+              <a:rPr lang="en-US" dirty="0"/>
+              <a:t> JMH is useful for all sorts of </a:t>
+            </a:r>
+            <a:r>
+              <a:rPr lang="en-US" dirty="0" err="1"/>
+              <a:t>microbenchmarking</a:t>
+            </a:r>
+            <a:r>
+              <a:rPr lang="en-US" dirty="0"/>
+              <a:t> – from nanoseconds to seconds per test. It takes care of all measurement logic, leaving you just a task of writing the test method(s</a:t>
+            </a:r>
+            <a:r>
+              <a:rPr lang="en-US" dirty="0" smtClean="0"/>
+              <a:t>).</a:t>
+            </a:r>
+          </a:p>
+          <a:p>
+            <a:r>
+              <a:rPr lang="en-US" dirty="0" smtClean="0"/>
+              <a:t>Cardinal rules:</a:t>
+            </a:r>
           </a:p>
           <a:p>
             <a:pPr lvl="1"/>
             <a:r>
               <a:rPr lang="en-US" dirty="0" smtClean="0"/>
-              <a:t>The basis for this whole presentation</a:t>
+              <a:t>1. Read input from @State</a:t>
             </a:r>
           </a:p>
           <a:p>
             <a:pPr lvl="1"/>
-            <a:endParaRPr lang="en-US" dirty="0" smtClean="0"/>
-          </a:p>
-          <a:p>
-            <a:r>
-              <a:rPr lang="en-US" dirty="0" smtClean="0"/>
-              <a:t>Background</a:t>
-            </a:r>
-            <a:endParaRPr lang="en-US" dirty="0"/>
-          </a:p>
-          <a:p>
-            <a:pPr lvl="1"/>
-            <a:r>
-              <a:rPr lang="en-US" dirty="0">
-                <a:hlinkClick r:id="rId3"/>
-              </a:rPr>
-              <a:t>http://java-performance.info/jmh/</a:t>
+            <a:r>
+              <a:rPr lang="en-US" dirty="0" smtClean="0"/>
+              <a:t>2. Toss output down a </a:t>
+            </a:r>
+            <a:r>
+              <a:rPr lang="en-US" smtClean="0"/>
+              <a:t>Blackhole</a:t>
             </a:r>
             <a:endParaRPr lang="en-US" dirty="0"/>
           </a:p>
@@ -6652,24 +9301,17 @@
     </p:spTree>
     <p:extLst>
       <p:ext uri="{BB962C8B-B14F-4D97-AF65-F5344CB8AC3E}">
-        <p14:creationId xmlns:p14="http://schemas.microsoft.com/office/powerpoint/2010/main" val="1280026601"/>
+        <p14:creationId xmlns:p14="http://schemas.microsoft.com/office/powerpoint/2010/main" val="1728611990"/>
       </p:ext>
     </p:extLst>
   </p:cSld>
   <p:clrMapOvr>
     <a:masterClrMapping/>
   </p:clrMapOvr>
-  <p:timing>
-    <p:tnLst>
-      <p:par>
-        <p:cTn id="1" dur="indefinite" restart="never" nodeType="tmRoot"/>
-      </p:par>
-    </p:tnLst>
-  </p:timing>
 </p:sld>
 </file>
 
-<file path=ppt/slides/slide3.xml><?xml version="1.0" encoding="utf-8"?>
+<file path=ppt/slides/slide32.xml><?xml version="1.0" encoding="utf-8"?>
 <p:sld xmlns:a="http://schemas.openxmlformats.org/drawingml/2006/main" xmlns:r="http://schemas.openxmlformats.org/officeDocument/2006/relationships" xmlns:p="http://schemas.openxmlformats.org/presentationml/2006/main">
   <p:cSld>
     <p:spTree>
@@ -6703,7 +9345,7 @@
           <a:p>
             <a:r>
               <a:rPr lang="en-US" dirty="0" smtClean="0"/>
-              <a:t>Enter JMH</a:t>
+              <a:t>References</a:t>
             </a:r>
             <a:endParaRPr lang="en-US" dirty="0"/>
           </a:p>
@@ -6721,81 +9363,71 @@
         </p:nvSpPr>
         <p:spPr/>
         <p:txBody>
-          <a:bodyPr>
-            <a:normAutofit fontScale="92500" lnSpcReduction="10000"/>
-          </a:bodyPr>
-          <a:lstStyle/>
-          <a:p>
+          <a:bodyPr/>
+          <a:lstStyle/>
+          <a:p>
+            <a:r>
+              <a:rPr lang="en-US" dirty="0" smtClean="0"/>
+              <a:t>Main</a:t>
+            </a:r>
+          </a:p>
+          <a:p>
+            <a:pPr lvl="1"/>
+            <a:r>
+              <a:rPr lang="en-US" dirty="0" smtClean="0"/>
+              <a:t>1 - </a:t>
+            </a:r>
+            <a:r>
+              <a:rPr lang="en-US" dirty="0">
+                <a:hlinkClick r:id="rId2"/>
+              </a:rPr>
+              <a:t>http://www.oracle.com/technetwork/articles/java/architect-benchmarking-2266277.html</a:t>
+            </a:r>
+            <a:endParaRPr lang="en-US" dirty="0"/>
+          </a:p>
+          <a:p>
+            <a:pPr lvl="2"/>
+            <a:r>
+              <a:rPr lang="en-US" dirty="0" smtClean="0"/>
+              <a:t>The </a:t>
+            </a:r>
+            <a:r>
+              <a:rPr lang="en-US" dirty="0" smtClean="0"/>
+              <a:t>basis for this whole presentation</a:t>
+            </a:r>
+          </a:p>
+          <a:p>
+            <a:pPr lvl="1"/>
+            <a:endParaRPr lang="en-US" dirty="0" smtClean="0"/>
+          </a:p>
+          <a:p>
+            <a:r>
+              <a:rPr lang="en-US" dirty="0" smtClean="0"/>
+              <a:t>Background</a:t>
+            </a:r>
+          </a:p>
+          <a:p>
+            <a:pPr lvl="1"/>
+            <a:r>
+              <a:rPr lang="en-US" dirty="0"/>
+              <a:t>2</a:t>
+            </a:r>
+            <a:r>
+              <a:rPr lang="en-US" dirty="0" smtClean="0"/>
+              <a:t> - </a:t>
+            </a:r>
             <a:r>
               <a:rPr lang="en-US" dirty="0" smtClean="0">
                 <a:hlinkClick r:id="rId3"/>
               </a:rPr>
-              <a:t>http://openjdk.java.net/projects/code-tools/jmh/</a:t>
-            </a:r>
-            <a:endParaRPr lang="en-US" dirty="0" smtClean="0"/>
-          </a:p>
-          <a:p>
-            <a:r>
-              <a:rPr lang="en-US" dirty="0" smtClean="0"/>
-              <a:t>Solid foundation for writing and running benchmarks whose results are “not always erroneous due to unwanted VM optimizations”</a:t>
-            </a:r>
-          </a:p>
-          <a:p>
-            <a:pPr lvl="1"/>
-            <a:r>
-              <a:rPr lang="en-US" dirty="0" smtClean="0"/>
-              <a:t>Does not prevent all pitfalls, but can at least mitigate MOST of them</a:t>
-            </a:r>
-          </a:p>
-          <a:p>
-            <a:r>
-              <a:rPr lang="en-US" dirty="0" err="1" smtClean="0"/>
-              <a:t>OpenJDK</a:t>
-            </a:r>
-            <a:r>
-              <a:rPr lang="en-US" dirty="0" smtClean="0"/>
-              <a:t> project</a:t>
-            </a:r>
-          </a:p>
-          <a:p>
-            <a:pPr lvl="1"/>
-            <a:r>
-              <a:rPr lang="en-US" dirty="0"/>
-              <a:t>http://mvnrepository.com/artifact/org.openjdk.jmh/jmh-core</a:t>
-            </a:r>
-            <a:endParaRPr lang="en-US" dirty="0" smtClean="0"/>
-          </a:p>
-          <a:p>
-            <a:pPr lvl="1"/>
-            <a:r>
-              <a:rPr lang="en-US" dirty="0" smtClean="0"/>
-              <a:t>Active development (1.11.2 released October 2015)</a:t>
-            </a:r>
-          </a:p>
-          <a:p>
-            <a:pPr lvl="1"/>
-            <a:r>
-              <a:rPr lang="en-US" dirty="0" smtClean="0"/>
-              <a:t>Developed by same guys in Oracle who maintain the JIT</a:t>
-            </a:r>
-          </a:p>
-          <a:p>
-            <a:r>
-              <a:rPr lang="en-US" dirty="0" err="1"/>
-              <a:t>Microbenchmarks</a:t>
-            </a:r>
-            <a:r>
-              <a:rPr lang="en-US" dirty="0"/>
-              <a:t> – benchmarks which stress a particular piece of code, NOT an entire application stack</a:t>
-            </a:r>
-          </a:p>
-          <a:p>
-            <a:r>
-              <a:rPr lang="en-US" dirty="0" smtClean="0"/>
-              <a:t>Concurrent benchmarks</a:t>
-            </a:r>
-          </a:p>
-          <a:p>
+              <a:t>http</a:t>
+            </a:r>
+            <a:r>
+              <a:rPr lang="en-US" dirty="0">
+                <a:hlinkClick r:id="rId3"/>
+              </a:rPr>
+              <a:t>://java-performance.info/jmh/</a:t>
+            </a:r>
             <a:endParaRPr lang="en-US" dirty="0"/>
           </a:p>
         </p:txBody>
@@ -6803,7 +9435,7 @@
     </p:spTree>
     <p:extLst>
       <p:ext uri="{BB962C8B-B14F-4D97-AF65-F5344CB8AC3E}">
-        <p14:creationId xmlns:p14="http://schemas.microsoft.com/office/powerpoint/2010/main" val="3033510852"/>
+        <p14:creationId xmlns:p14="http://schemas.microsoft.com/office/powerpoint/2010/main" val="1280026601"/>
       </p:ext>
     </p:extLst>
   </p:cSld>

--- a/doc/slides.pptx
+++ b/doc/slides.pptx
@@ -5,41 +5,49 @@
     <p:sldMasterId id="2147483648" r:id="rId1"/>
   </p:sldMasterIdLst>
   <p:notesMasterIdLst>
-    <p:notesMasterId r:id="rId34"/>
+    <p:notesMasterId r:id="rId42"/>
   </p:notesMasterIdLst>
   <p:sldIdLst>
     <p:sldId id="256" r:id="rId2"/>
-    <p:sldId id="257" r:id="rId3"/>
-    <p:sldId id="258" r:id="rId4"/>
-    <p:sldId id="262" r:id="rId5"/>
-    <p:sldId id="259" r:id="rId6"/>
-    <p:sldId id="263" r:id="rId7"/>
-    <p:sldId id="260" r:id="rId8"/>
-    <p:sldId id="265" r:id="rId9"/>
-    <p:sldId id="267" r:id="rId10"/>
-    <p:sldId id="268" r:id="rId11"/>
-    <p:sldId id="266" r:id="rId12"/>
-    <p:sldId id="269" r:id="rId13"/>
-    <p:sldId id="270" r:id="rId14"/>
-    <p:sldId id="271" r:id="rId15"/>
-    <p:sldId id="272" r:id="rId16"/>
-    <p:sldId id="281" r:id="rId17"/>
-    <p:sldId id="278" r:id="rId18"/>
-    <p:sldId id="279" r:id="rId19"/>
-    <p:sldId id="280" r:id="rId20"/>
-    <p:sldId id="282" r:id="rId21"/>
-    <p:sldId id="274" r:id="rId22"/>
-    <p:sldId id="275" r:id="rId23"/>
-    <p:sldId id="273" r:id="rId24"/>
-    <p:sldId id="283" r:id="rId25"/>
-    <p:sldId id="284" r:id="rId26"/>
-    <p:sldId id="285" r:id="rId27"/>
-    <p:sldId id="286" r:id="rId28"/>
-    <p:sldId id="276" r:id="rId29"/>
-    <p:sldId id="277" r:id="rId30"/>
-    <p:sldId id="264" r:id="rId31"/>
-    <p:sldId id="287" r:id="rId32"/>
-    <p:sldId id="261" r:id="rId33"/>
+    <p:sldId id="288" r:id="rId3"/>
+    <p:sldId id="291" r:id="rId4"/>
+    <p:sldId id="292" r:id="rId5"/>
+    <p:sldId id="294" r:id="rId6"/>
+    <p:sldId id="293" r:id="rId7"/>
+    <p:sldId id="295" r:id="rId8"/>
+    <p:sldId id="290" r:id="rId9"/>
+    <p:sldId id="257" r:id="rId10"/>
+    <p:sldId id="289" r:id="rId11"/>
+    <p:sldId id="258" r:id="rId12"/>
+    <p:sldId id="262" r:id="rId13"/>
+    <p:sldId id="259" r:id="rId14"/>
+    <p:sldId id="263" r:id="rId15"/>
+    <p:sldId id="260" r:id="rId16"/>
+    <p:sldId id="265" r:id="rId17"/>
+    <p:sldId id="267" r:id="rId18"/>
+    <p:sldId id="268" r:id="rId19"/>
+    <p:sldId id="266" r:id="rId20"/>
+    <p:sldId id="269" r:id="rId21"/>
+    <p:sldId id="270" r:id="rId22"/>
+    <p:sldId id="271" r:id="rId23"/>
+    <p:sldId id="272" r:id="rId24"/>
+    <p:sldId id="281" r:id="rId25"/>
+    <p:sldId id="278" r:id="rId26"/>
+    <p:sldId id="279" r:id="rId27"/>
+    <p:sldId id="280" r:id="rId28"/>
+    <p:sldId id="282" r:id="rId29"/>
+    <p:sldId id="274" r:id="rId30"/>
+    <p:sldId id="275" r:id="rId31"/>
+    <p:sldId id="273" r:id="rId32"/>
+    <p:sldId id="283" r:id="rId33"/>
+    <p:sldId id="284" r:id="rId34"/>
+    <p:sldId id="285" r:id="rId35"/>
+    <p:sldId id="286" r:id="rId36"/>
+    <p:sldId id="276" r:id="rId37"/>
+    <p:sldId id="277" r:id="rId38"/>
+    <p:sldId id="264" r:id="rId39"/>
+    <p:sldId id="287" r:id="rId40"/>
+    <p:sldId id="261" r:id="rId41"/>
   </p:sldIdLst>
   <p:sldSz cx="12192000" cy="6858000"/>
   <p:notesSz cx="6858000" cy="9144000"/>
@@ -228,7 +236,7 @@
           <a:p>
             <a:fld id="{D5C9E47B-4149-4D78-AEA7-6A63220E520D}" type="datetimeFigureOut">
               <a:rPr lang="en-US" smtClean="0"/>
-              <a:t>1/25/2016</a:t>
+              <a:t>2/3/2016</a:t>
             </a:fld>
             <a:endParaRPr lang="en-US"/>
           </a:p>
@@ -546,8 +554,13 @@
             </a:r>
             <a:r>
               <a:rPr lang="en-US" baseline="0" dirty="0" smtClean="0"/>
-              <a:t> plan to *introduce* a tool called JMH and show how to use it.</a:t>
-            </a:r>
+              <a:t> plan to *introduce* a tool called JMH and show how to use it</a:t>
+            </a:r>
+            <a:r>
+              <a:rPr lang="en-US" baseline="0" dirty="0" smtClean="0"/>
+              <a:t>.  This tool is probably the *BEST POSSIBLE WAY* at the present time to answer questions like are these lines of Java code faster than these other lines.</a:t>
+            </a:r>
+            <a:endParaRPr lang="en-US" baseline="0" dirty="0" smtClean="0"/>
           </a:p>
           <a:p>
             <a:endParaRPr lang="en-US" baseline="0" dirty="0" smtClean="0"/>
@@ -572,8 +585,59 @@
             </a:pPr>
             <a:r>
               <a:rPr lang="en-US" baseline="0" dirty="0" smtClean="0"/>
-              <a:t>I’ll say up front that understanding this tool is difficult, and I am by no means an expert on either it or – the complex and cryptic internal workings of the JVM</a:t>
-            </a:r>
+              <a:t>I’ll say up front that understanding this tool is difficult, and I am by no means an expert on either it </a:t>
+            </a:r>
+            <a:r>
+              <a:rPr lang="en-US" baseline="0" dirty="0" smtClean="0"/>
+              <a:t>or </a:t>
+            </a:r>
+            <a:r>
+              <a:rPr lang="en-US" baseline="0" dirty="0" smtClean="0"/>
+              <a:t>the complex and cryptic internal workings of the </a:t>
+            </a:r>
+            <a:r>
+              <a:rPr lang="en-US" baseline="0" dirty="0" smtClean="0"/>
+              <a:t>JVM.  But I know enough to be dangerous and you can too.</a:t>
+            </a:r>
+          </a:p>
+          <a:p>
+            <a:pPr marL="0" marR="0" indent="0" algn="l" defTabSz="914400" rtl="0" eaLnBrk="1" fontAlgn="auto" latinLnBrk="0" hangingPunct="1">
+              <a:lnSpc>
+                <a:spcPct val="100000"/>
+              </a:lnSpc>
+              <a:spcBef>
+                <a:spcPts val="0"/>
+              </a:spcBef>
+              <a:spcAft>
+                <a:spcPts val="0"/>
+              </a:spcAft>
+              <a:buClrTx/>
+              <a:buSzTx/>
+              <a:buFontTx/>
+              <a:buNone/>
+              <a:tabLst/>
+              <a:defRPr/>
+            </a:pPr>
+            <a:endParaRPr lang="en-US" baseline="0" dirty="0" smtClean="0"/>
+          </a:p>
+          <a:p>
+            <a:pPr marL="0" marR="0" indent="0" algn="l" defTabSz="914400" rtl="0" eaLnBrk="1" fontAlgn="auto" latinLnBrk="0" hangingPunct="1">
+              <a:lnSpc>
+                <a:spcPct val="100000"/>
+              </a:lnSpc>
+              <a:spcBef>
+                <a:spcPts val="0"/>
+              </a:spcBef>
+              <a:spcAft>
+                <a:spcPts val="0"/>
+              </a:spcAft>
+              <a:buClrTx/>
+              <a:buSzTx/>
+              <a:buFontTx/>
+              <a:buNone/>
+              <a:tabLst/>
+              <a:defRPr/>
+            </a:pPr>
             <a:endParaRPr lang="en-US" dirty="0" smtClean="0"/>
           </a:p>
           <a:p>
@@ -663,20 +727,13 @@
           <a:p>
             <a:r>
               <a:rPr lang="en-US" dirty="0" smtClean="0"/>
-              <a:t>So</a:t>
-            </a:r>
-            <a:r>
-              <a:rPr lang="en-US" baseline="0" dirty="0" smtClean="0"/>
-              <a:t> 10 times we’ll launch a new JVM to run a loop of 20 + 20 = 40 iterations, each of which will run for a max of 1 second – 400 seconds = 6min 40sec max test time</a:t>
-            </a:r>
-          </a:p>
-          <a:p>
-            <a:endParaRPr lang="en-US" baseline="0" dirty="0" smtClean="0"/>
-          </a:p>
-          <a:p>
-            <a:r>
-              <a:rPr lang="en-US" baseline="0" dirty="0" smtClean="0"/>
-              <a:t>So these can be slow, you probably want to tweak the defaults to tone it down – especially at first, if you’re serious about optimizing, you focus on large differences, right – should be easy to see at much less precise levels of measurement which will let you spend less time waiting for your benchmarks to run.  Then you can iterate and enhance.</a:t>
+              <a:t>Setup is somewhat difficult because - </a:t>
+            </a:r>
+          </a:p>
+          <a:p>
+            <a:r>
+              <a:rPr lang="en-US" dirty="0" smtClean="0"/>
+              <a:t>In all cases, the key to using JMH is enabling the annotation- or bytecode-processors to generate the synthetic benchmark code</a:t>
             </a:r>
             <a:endParaRPr lang="en-US" dirty="0"/>
           </a:p>
@@ -708,7 +765,7 @@
     </p:spTree>
     <p:extLst>
       <p:ext uri="{BB962C8B-B14F-4D97-AF65-F5344CB8AC3E}">
-        <p14:creationId xmlns:p14="http://schemas.microsoft.com/office/powerpoint/2010/main" val="1739458649"/>
+        <p14:creationId xmlns:p14="http://schemas.microsoft.com/office/powerpoint/2010/main" val="3160364319"/>
       </p:ext>
     </p:extLst>
   </p:cSld>
@@ -764,13 +821,103 @@
           <a:p>
             <a:r>
               <a:rPr lang="en-US" dirty="0" smtClean="0"/>
-              <a:t>Obviously, if you start asking for NS precision</a:t>
+              <a:t>The</a:t>
             </a:r>
             <a:r>
               <a:rPr lang="en-US" baseline="0" dirty="0" smtClean="0"/>
-              <a:t> on a process which takes several milliseconds, no matter how many runs you do, you are not going to get more precise answers – but as I’ve played with JMH, I’ve found the defaults to be too precise</a:t>
-            </a:r>
-            <a:endParaRPr lang="en-US" dirty="0"/>
+              <a:t> separate project business is </a:t>
+            </a:r>
+            <a:r>
+              <a:rPr lang="en-US" dirty="0" smtClean="0"/>
+              <a:t>JMH</a:t>
+            </a:r>
+            <a:r>
+              <a:rPr lang="en-US" baseline="0" dirty="0" smtClean="0"/>
+              <a:t> is trying to ensure that </a:t>
+            </a:r>
+            <a:r>
+              <a:rPr lang="en-US" dirty="0" smtClean="0"/>
+              <a:t>the benchmarks are </a:t>
+            </a:r>
+            <a:r>
+              <a:rPr lang="en-US" b="1" dirty="0" smtClean="0"/>
+              <a:t>correctly initialized and produce reliable results</a:t>
+            </a:r>
+            <a:r>
+              <a:rPr lang="en-US" dirty="0" smtClean="0"/>
+              <a:t>. </a:t>
+            </a:r>
+          </a:p>
+          <a:p>
+            <a:endParaRPr lang="en-US" dirty="0" smtClean="0"/>
+          </a:p>
+          <a:p>
+            <a:r>
+              <a:rPr lang="en-US" dirty="0" smtClean="0"/>
+              <a:t>Because </a:t>
+            </a:r>
+            <a:r>
+              <a:rPr lang="en-US" dirty="0" err="1" smtClean="0"/>
+              <a:t>Gradle</a:t>
+            </a:r>
+            <a:r>
+              <a:rPr lang="en-US" dirty="0" smtClean="0"/>
+              <a:t> is</a:t>
+            </a:r>
+            <a:r>
+              <a:rPr lang="en-US" baseline="0" dirty="0" smtClean="0"/>
+              <a:t> several hundred times better than JMH, I’ve setup a simple </a:t>
+            </a:r>
+            <a:r>
+              <a:rPr lang="en-US" baseline="0" dirty="0" err="1" smtClean="0"/>
+              <a:t>Gradle</a:t>
+            </a:r>
+            <a:r>
+              <a:rPr lang="en-US" baseline="0" dirty="0" smtClean="0"/>
+              <a:t> project which will run JMH for you – all you have to do is add your code to the </a:t>
+            </a:r>
+            <a:r>
+              <a:rPr lang="en-US" baseline="0" dirty="0" err="1" smtClean="0"/>
+              <a:t>src</a:t>
+            </a:r>
+            <a:r>
+              <a:rPr lang="en-US" baseline="0" dirty="0" smtClean="0"/>
+              <a:t>/</a:t>
+            </a:r>
+            <a:r>
+              <a:rPr lang="en-US" baseline="0" dirty="0" err="1" smtClean="0"/>
+              <a:t>jmh</a:t>
+            </a:r>
+            <a:r>
+              <a:rPr lang="en-US" baseline="0" dirty="0" smtClean="0"/>
+              <a:t>/java folder, and run.</a:t>
+            </a:r>
+          </a:p>
+          <a:p>
+            <a:endParaRPr lang="en-US" baseline="0" dirty="0" smtClean="0"/>
+          </a:p>
+          <a:p>
+            <a:pPr marL="0" marR="0" indent="0" algn="l" defTabSz="914400" rtl="0" eaLnBrk="1" fontAlgn="auto" latinLnBrk="0" hangingPunct="1">
+              <a:lnSpc>
+                <a:spcPct val="100000"/>
+              </a:lnSpc>
+              <a:spcBef>
+                <a:spcPts val="0"/>
+              </a:spcBef>
+              <a:spcAft>
+                <a:spcPts val="0"/>
+              </a:spcAft>
+              <a:buClrTx/>
+              <a:buSzTx/>
+              <a:buFontTx/>
+              <a:buNone/>
+              <a:tabLst/>
+              <a:defRPr/>
+            </a:pPr>
+            <a:r>
+              <a:rPr lang="en-US" dirty="0" smtClean="0"/>
+              <a:t>It is possible to run benchmarks from within an existing project, and even from within an IDE, however setup is more complex and the results are less reliable.</a:t>
+            </a:r>
           </a:p>
         </p:txBody>
       </p:sp>
@@ -800,7 +947,7 @@
     </p:spTree>
     <p:extLst>
       <p:ext uri="{BB962C8B-B14F-4D97-AF65-F5344CB8AC3E}">
-        <p14:creationId xmlns:p14="http://schemas.microsoft.com/office/powerpoint/2010/main" val="1749795084"/>
+        <p14:creationId xmlns:p14="http://schemas.microsoft.com/office/powerpoint/2010/main" val="278153674"/>
       </p:ext>
     </p:extLst>
   </p:cSld>
@@ -856,32 +1003,7 @@
           <a:p>
             <a:r>
               <a:rPr lang="en-US" dirty="0" smtClean="0"/>
-              <a:t>Besides marking a separate class as a @State, you can also mark your own benchmark class as @State.</a:t>
-            </a:r>
-          </a:p>
-          <a:p>
-            <a:endParaRPr lang="en-US" dirty="0" smtClean="0"/>
-          </a:p>
-          <a:p>
-            <a:r>
-              <a:rPr lang="en-US" dirty="0" smtClean="0"/>
-              <a:t>Like JUnit tests, you can annotate your state class methods with @Setup and @</a:t>
-            </a:r>
-            <a:r>
-              <a:rPr lang="en-US" dirty="0" err="1" smtClean="0"/>
-              <a:t>TearDown</a:t>
-            </a:r>
-            <a:r>
-              <a:rPr lang="en-US" dirty="0" smtClean="0"/>
-              <a:t> annotations (these methods called </a:t>
-            </a:r>
-            <a:r>
-              <a:rPr lang="en-US" i="1" dirty="0" smtClean="0"/>
-              <a:t>fixtures</a:t>
-            </a:r>
-            <a:r>
-              <a:rPr lang="en-US" dirty="0" smtClean="0"/>
-              <a:t> in JMH documentation. You can have any number of setup/teardown methods. </a:t>
+              <a:t>When dealing with large projects, it is customary to keep the benchmarks in a separate subproject, which then depends on the tested modules via the usual build dependencies.</a:t>
             </a:r>
             <a:endParaRPr lang="en-US" dirty="0"/>
           </a:p>
@@ -904,7 +1026,7 @@
           <a:p>
             <a:fld id="{CFAD290B-5269-4E99-8A8A-8691B1EB0AE9}" type="slidenum">
               <a:rPr lang="en-US" smtClean="0"/>
-              <a:t>15</a:t>
+              <a:t>14</a:t>
             </a:fld>
             <a:endParaRPr lang="en-US"/>
           </a:p>
@@ -913,7 +1035,7 @@
     </p:spTree>
     <p:extLst>
       <p:ext uri="{BB962C8B-B14F-4D97-AF65-F5344CB8AC3E}">
-        <p14:creationId xmlns:p14="http://schemas.microsoft.com/office/powerpoint/2010/main" val="4077693676"/>
+        <p14:creationId xmlns:p14="http://schemas.microsoft.com/office/powerpoint/2010/main" val="3355601355"/>
       </p:ext>
     </p:extLst>
   </p:cSld>
@@ -969,67 +1091,20 @@
           <a:p>
             <a:r>
               <a:rPr lang="en-US" dirty="0" smtClean="0"/>
-              <a:t>You may also need to define the non-uniform access to your state object – for example to test the “readers-writers” scenario where the number of readers is usually higher than the number of writers. JMH uses the notion of thread groups for this case. </a:t>
-            </a:r>
-          </a:p>
-          <a:p>
-            <a:r>
-              <a:rPr lang="en-US" dirty="0" smtClean="0"/>
-              <a:t>In order to setup a group of tests, you need: </a:t>
-            </a:r>
-          </a:p>
-          <a:p>
-            <a:endParaRPr lang="en-US" dirty="0" smtClean="0"/>
-          </a:p>
-          <a:p>
-            <a:r>
-              <a:rPr lang="en-US" dirty="0" smtClean="0"/>
-              <a:t>Mark all your test methods with @Group(name) annotation, providing the same string name for all tests in a group (otherwise these tests will be run independently – no warning will be given!). </a:t>
-            </a:r>
-          </a:p>
-          <a:p>
-            <a:endParaRPr lang="en-US" dirty="0" smtClean="0"/>
-          </a:p>
-          <a:p>
-            <a:r>
-              <a:rPr lang="en-US" dirty="0" smtClean="0"/>
-              <a:t>Annotate each of your tests with @</a:t>
-            </a:r>
-            <a:r>
-              <a:rPr lang="en-US" dirty="0" err="1" smtClean="0"/>
-              <a:t>GroupThreads</a:t>
-            </a:r>
-            <a:r>
-              <a:rPr lang="en-US" dirty="0" smtClean="0"/>
-              <a:t>(</a:t>
-            </a:r>
-            <a:r>
-              <a:rPr lang="en-US" dirty="0" err="1" smtClean="0"/>
-              <a:t>threadsNumber</a:t>
-            </a:r>
-            <a:r>
-              <a:rPr lang="en-US" dirty="0" smtClean="0"/>
-              <a:t>) annotation, specifying a number of threads which will run the given method. </a:t>
-            </a:r>
-          </a:p>
-          <a:p>
-            <a:endParaRPr lang="en-US" dirty="0" smtClean="0"/>
-          </a:p>
-          <a:p>
-            <a:r>
-              <a:rPr lang="en-US" dirty="0" smtClean="0"/>
-              <a:t>JMH will start a sum of all your @</a:t>
-            </a:r>
-            <a:r>
-              <a:rPr lang="en-US" dirty="0" err="1" smtClean="0"/>
-              <a:t>GroupThreads</a:t>
-            </a:r>
-            <a:r>
-              <a:rPr lang="en-US" dirty="0" smtClean="0"/>
-              <a:t> for the given group and will run all tests in a group concurrently in the same trial. The results will be given for the group and for each method independently. </a:t>
-            </a:r>
-          </a:p>
-          <a:p>
+              <a:t>The</a:t>
+            </a:r>
+            <a:r>
+              <a:rPr lang="en-US" baseline="0" dirty="0" smtClean="0"/>
+              <a:t> default m</a:t>
+            </a:r>
+            <a:r>
+              <a:rPr lang="en-US" dirty="0" smtClean="0"/>
+              <a:t>ax</a:t>
+            </a:r>
+            <a:r>
+              <a:rPr lang="en-US" baseline="0" dirty="0" smtClean="0"/>
+              <a:t> of 1 second – shows the emphasis on “micro”-benchmarks.</a:t>
+            </a:r>
             <a:endParaRPr lang="en-US" dirty="0"/>
           </a:p>
         </p:txBody>
@@ -1051,7 +1126,7 @@
           <a:p>
             <a:fld id="{CFAD290B-5269-4E99-8A8A-8691B1EB0AE9}" type="slidenum">
               <a:rPr lang="en-US" smtClean="0"/>
-              <a:t>16</a:t>
+              <a:t>15</a:t>
             </a:fld>
             <a:endParaRPr lang="en-US"/>
           </a:p>
@@ -1060,7 +1135,7 @@
     </p:spTree>
     <p:extLst>
       <p:ext uri="{BB962C8B-B14F-4D97-AF65-F5344CB8AC3E}">
-        <p14:creationId xmlns:p14="http://schemas.microsoft.com/office/powerpoint/2010/main" val="370174003"/>
+        <p14:creationId xmlns:p14="http://schemas.microsoft.com/office/powerpoint/2010/main" val="1668912180"/>
       </p:ext>
     </p:extLst>
   </p:cSld>
@@ -1116,13 +1191,91 @@
           <a:p>
             <a:r>
               <a:rPr lang="en-US" dirty="0" smtClean="0"/>
-              <a:t>Class level, or override</a:t>
+              <a:t>Results of running</a:t>
             </a:r>
             <a:r>
               <a:rPr lang="en-US" baseline="0" dirty="0" smtClean="0"/>
-              <a:t> at method</a:t>
-            </a:r>
-            <a:endParaRPr lang="en-US" dirty="0"/>
+              <a:t> JMH are written to /build/reports – which is the default </a:t>
+            </a:r>
+            <a:r>
+              <a:rPr lang="en-US" baseline="0" dirty="0" err="1" smtClean="0"/>
+              <a:t>Gradle</a:t>
+            </a:r>
+            <a:r>
+              <a:rPr lang="en-US" baseline="0" dirty="0" smtClean="0"/>
+              <a:t> report output directory – /</a:t>
+            </a:r>
+            <a:r>
+              <a:rPr lang="en-US" baseline="0" dirty="0" err="1" smtClean="0"/>
+              <a:t>jmh</a:t>
+            </a:r>
+            <a:r>
+              <a:rPr lang="en-US" baseline="0" dirty="0" smtClean="0"/>
+              <a:t>/human.txt for human-readable output</a:t>
+            </a:r>
+            <a:endParaRPr lang="en-US" dirty="0" smtClean="0"/>
+          </a:p>
+          <a:p>
+            <a:endParaRPr lang="en-US" dirty="0" smtClean="0"/>
+          </a:p>
+          <a:p>
+            <a:r>
+              <a:rPr lang="en-US" dirty="0" smtClean="0"/>
+              <a:t>Alternately,</a:t>
+            </a:r>
+            <a:r>
+              <a:rPr lang="en-US" baseline="0" dirty="0" smtClean="0"/>
+              <a:t> this runner is setup as a Visual Studio Code project – which is in many ways a nicer editor/runner than eclipse for this sort of thing – I’d use eclipse for heavy java development, but for managing the project and running it, </a:t>
+            </a:r>
+            <a:r>
+              <a:rPr lang="en-US" baseline="0" dirty="0" err="1" smtClean="0"/>
+              <a:t>VSCode</a:t>
+            </a:r>
+            <a:r>
+              <a:rPr lang="en-US" baseline="0" dirty="0" smtClean="0"/>
+              <a:t> is nicer.  It calls out to </a:t>
+            </a:r>
+            <a:r>
+              <a:rPr lang="en-US" baseline="0" dirty="0" err="1" smtClean="0"/>
+              <a:t>Gradle</a:t>
+            </a:r>
+            <a:r>
+              <a:rPr lang="en-US" baseline="0" dirty="0" smtClean="0"/>
+              <a:t>.</a:t>
+            </a:r>
+          </a:p>
+          <a:p>
+            <a:r>
+              <a:rPr lang="en-US" b="1" baseline="0" dirty="0" smtClean="0"/>
+              <a:t>Ctrl-Shift-R </a:t>
+            </a:r>
+            <a:r>
+              <a:rPr lang="en-US" b="0" baseline="0" dirty="0" smtClean="0"/>
+              <a:t>to run tasks – </a:t>
+            </a:r>
+            <a:r>
+              <a:rPr lang="en-US" b="0" baseline="0" dirty="0" err="1" smtClean="0"/>
+              <a:t>jmh</a:t>
+            </a:r>
+            <a:r>
+              <a:rPr lang="en-US" b="0" baseline="0" dirty="0" smtClean="0"/>
+              <a:t> task</a:t>
+            </a:r>
+            <a:endParaRPr lang="en-US" b="1" baseline="0" dirty="0" smtClean="0"/>
+          </a:p>
+          <a:p>
+            <a:r>
+              <a:rPr lang="en-US" b="0" baseline="0" dirty="0" smtClean="0"/>
+              <a:t>Bindings defined in hidden .</a:t>
+            </a:r>
+            <a:r>
+              <a:rPr lang="en-US" b="0" baseline="0" dirty="0" err="1" smtClean="0"/>
+              <a:t>vscode</a:t>
+            </a:r>
+            <a:r>
+              <a:rPr lang="en-US" b="0" baseline="0" dirty="0" smtClean="0"/>
+              <a:t> directory</a:t>
+            </a:r>
           </a:p>
         </p:txBody>
       </p:sp>
@@ -1143,7 +1296,7 @@
           <a:p>
             <a:fld id="{CFAD290B-5269-4E99-8A8A-8691B1EB0AE9}" type="slidenum">
               <a:rPr lang="en-US" smtClean="0"/>
-              <a:t>17</a:t>
+              <a:t>16</a:t>
             </a:fld>
             <a:endParaRPr lang="en-US"/>
           </a:p>
@@ -1152,7 +1305,7 @@
     </p:spTree>
     <p:extLst>
       <p:ext uri="{BB962C8B-B14F-4D97-AF65-F5344CB8AC3E}">
-        <p14:creationId xmlns:p14="http://schemas.microsoft.com/office/powerpoint/2010/main" val="3238524958"/>
+        <p14:creationId xmlns:p14="http://schemas.microsoft.com/office/powerpoint/2010/main" val="1506391699"/>
       </p:ext>
     </p:extLst>
   </p:cSld>
@@ -1208,32 +1361,106 @@
           <a:p>
             <a:r>
               <a:rPr lang="en-US" dirty="0" smtClean="0"/>
-              <a:t>You can specify time unit to use via @</a:t>
-            </a:r>
-            <a:r>
-              <a:rPr lang="en-US" dirty="0" err="1" smtClean="0"/>
-              <a:t>OutputTimeUnit</a:t>
-            </a:r>
-            <a:r>
-              <a:rPr lang="en-US" dirty="0" smtClean="0"/>
-              <a:t>, which requires an argument of the standard Java type </a:t>
-            </a:r>
-            <a:r>
-              <a:rPr lang="en-US" dirty="0" err="1" smtClean="0"/>
-              <a:t>java.util.concurrent.TimeUnit</a:t>
-            </a:r>
-            <a:r>
-              <a:rPr lang="en-US" dirty="0" smtClean="0"/>
-              <a:t>. Unfortunately, if you have specified several test modes for one test, the given time unit will be used for all tests (for example, it may be convenient to measure </a:t>
-            </a:r>
-            <a:r>
-              <a:rPr lang="en-US" dirty="0" err="1" smtClean="0"/>
+              <a:t>Aim is that</a:t>
+            </a:r>
+            <a:r>
+              <a:rPr lang="en-US" baseline="0" dirty="0" smtClean="0"/>
+              <a:t> if you run twice on the same machine – without making major changes to that machine’s software or hardware, you can meaningfully compare output.</a:t>
+            </a:r>
+          </a:p>
+          <a:p>
+            <a:endParaRPr lang="en-US" baseline="0" dirty="0" smtClean="0"/>
+          </a:p>
+          <a:p>
+            <a:r>
+              <a:rPr lang="en-US" baseline="0" dirty="0" smtClean="0"/>
+              <a:t>The output shows the result of each run – the warmups and the test iterations for each @Benchmark annotated method</a:t>
+            </a:r>
+          </a:p>
+          <a:p>
+            <a:endParaRPr lang="en-US" baseline="0" dirty="0" smtClean="0"/>
+          </a:p>
+          <a:p>
+            <a:r>
+              <a:rPr lang="en-US" baseline="0" dirty="0" smtClean="0"/>
+              <a:t>Output is in operations/sec – so higher is faster (this is a default, you can also output in other modes)</a:t>
+            </a:r>
+          </a:p>
+          <a:p>
+            <a:endParaRPr lang="en-US" baseline="0" dirty="0" smtClean="0"/>
+          </a:p>
+          <a:p>
+            <a:r>
+              <a:rPr lang="en-US" baseline="0" dirty="0" smtClean="0"/>
+              <a:t>Benchmark mode defaults to throughput THRPT in output. Available modes are: [Throughput/</a:t>
+            </a:r>
+            <a:r>
+              <a:rPr lang="en-US" baseline="0" dirty="0" err="1" smtClean="0"/>
+              <a:t>thrpt</a:t>
+            </a:r>
+            <a:r>
+              <a:rPr lang="en-US" baseline="0" dirty="0" smtClean="0"/>
+              <a:t>, </a:t>
+            </a:r>
+            <a:r>
+              <a:rPr lang="en-US" baseline="0" dirty="0" err="1" smtClean="0"/>
+              <a:t>AverageTime</a:t>
+            </a:r>
+            <a:r>
+              <a:rPr lang="en-US" baseline="0" dirty="0" smtClean="0"/>
+              <a:t>/</a:t>
+            </a:r>
+            <a:r>
+              <a:rPr lang="en-US" baseline="0" dirty="0" err="1" smtClean="0"/>
+              <a:t>avgt</a:t>
+            </a:r>
+            <a:r>
+              <a:rPr lang="en-US" baseline="0" dirty="0" smtClean="0"/>
+              <a:t>, </a:t>
+            </a:r>
+            <a:r>
+              <a:rPr lang="en-US" baseline="0" dirty="0" err="1" smtClean="0"/>
               <a:t>SampleTime</a:t>
             </a:r>
             <a:r>
-              <a:rPr lang="en-US" dirty="0" smtClean="0"/>
-              <a:t> in nanoseconds, but throughput should better be measured in the longer time units). </a:t>
-            </a:r>
+              <a:rPr lang="en-US" baseline="0" dirty="0" smtClean="0"/>
+              <a:t>/sample, </a:t>
+            </a:r>
+            <a:r>
+              <a:rPr lang="en-US" baseline="0" dirty="0" err="1" smtClean="0"/>
+              <a:t>SingleShotTime</a:t>
+            </a:r>
+            <a:r>
+              <a:rPr lang="en-US" baseline="0" dirty="0" smtClean="0"/>
+              <a:t>/</a:t>
+            </a:r>
+            <a:r>
+              <a:rPr lang="en-US" baseline="0" dirty="0" err="1" smtClean="0"/>
+              <a:t>ss</a:t>
+            </a:r>
+            <a:r>
+              <a:rPr lang="en-US" baseline="0" dirty="0" smtClean="0"/>
+              <a:t>, All/all] – </a:t>
+            </a:r>
+            <a:r>
+              <a:rPr lang="en-US" baseline="0" dirty="0" err="1" smtClean="0"/>
+              <a:t>thrpt</a:t>
+            </a:r>
+            <a:r>
+              <a:rPr lang="en-US" baseline="0" dirty="0" smtClean="0"/>
+              <a:t> seems to be the easiest to compare intuitively which is why it’s the default – the difference between 300 and 400 M is more meaningful to us than the different between .000003 and .000004 seconds, or whatever</a:t>
+            </a:r>
+          </a:p>
+          <a:p>
+            <a:endParaRPr lang="en-US" baseline="0" dirty="0" smtClean="0"/>
+          </a:p>
+          <a:p>
+            <a:r>
+              <a:rPr lang="en-US" baseline="0" dirty="0" smtClean="0"/>
+              <a:t>One other thing useful to note in the output is the ETA it prints prior to each benchmark, so if you watch the file while JMH is running during a long-running process it will attempt to guess at when its going to finish – useful if you’re comparing lots of benchmarks</a:t>
+            </a:r>
+          </a:p>
+          <a:p>
             <a:endParaRPr lang="en-US" dirty="0"/>
           </a:p>
         </p:txBody>
@@ -1255,7 +1482,7 @@
           <a:p>
             <a:fld id="{CFAD290B-5269-4E99-8A8A-8691B1EB0AE9}" type="slidenum">
               <a:rPr lang="en-US" smtClean="0"/>
-              <a:t>18</a:t>
+              <a:t>17</a:t>
             </a:fld>
             <a:endParaRPr lang="en-US"/>
           </a:p>
@@ -1264,7 +1491,7 @@
     </p:spTree>
     <p:extLst>
       <p:ext uri="{BB962C8B-B14F-4D97-AF65-F5344CB8AC3E}">
-        <p14:creationId xmlns:p14="http://schemas.microsoft.com/office/powerpoint/2010/main" val="2820436906"/>
+        <p14:creationId xmlns:p14="http://schemas.microsoft.com/office/powerpoint/2010/main" val="1157746845"/>
       </p:ext>
     </p:extLst>
   </p:cSld>
@@ -1320,55 +1547,29 @@
           <a:p>
             <a:r>
               <a:rPr lang="en-US" dirty="0" smtClean="0"/>
-              <a:t>This</a:t>
+              <a:t>We have a baseline benchmark that gives us a reference on returning an </a:t>
+            </a:r>
+            <a:r>
+              <a:rPr lang="en-US" dirty="0" err="1" smtClean="0"/>
+              <a:t>int</a:t>
+            </a:r>
+            <a:r>
+              <a:rPr lang="en-US" dirty="0" smtClean="0"/>
+              <a:t> value.   So we can subtract</a:t>
             </a:r>
             <a:r>
               <a:rPr lang="en-US" baseline="0" dirty="0" smtClean="0"/>
-              <a:t> is the attempt by the makers of JMH (the same people who work on the JIT) to tell the JVM in no uncertain terms to avoid optimizing away the thing you are trying to benchmark</a:t>
-            </a:r>
-            <a:r>
-              <a:rPr lang="en-US" baseline="0" dirty="0" smtClean="0"/>
-              <a:t>.</a:t>
-            </a:r>
-          </a:p>
-          <a:p>
-            <a:endParaRPr lang="en-US" baseline="0" dirty="0" smtClean="0"/>
-          </a:p>
-          <a:p>
-            <a:r>
-              <a:rPr lang="en-US" baseline="0" dirty="0" smtClean="0"/>
-              <a:t>Just returning the value works most of the time, this is meant to work as much of the time as is possible (but still NOT 100% - which is why you need a baseline)</a:t>
-            </a:r>
-            <a:endParaRPr lang="en-US" baseline="0" dirty="0" smtClean="0"/>
-          </a:p>
-          <a:p>
-            <a:endParaRPr lang="en-US" baseline="0" dirty="0" smtClean="0"/>
-          </a:p>
-          <a:p>
-            <a:r>
-              <a:rPr lang="en-US" dirty="0" smtClean="0"/>
-              <a:t>I have no clue what</a:t>
-            </a:r>
-            <a:r>
-              <a:rPr lang="en-US" baseline="0" dirty="0" smtClean="0"/>
-              <a:t> this class is doing or why it is doing it.  Looking at the internals – it’s all just voodoo to me.  But the JMH guys, who are the JIT guys, say this is the best way to avoid your code getting optimized away – and its very easy to use</a:t>
-            </a:r>
-            <a:r>
-              <a:rPr lang="en-US" baseline="0" dirty="0" smtClean="0"/>
-              <a:t>.</a:t>
-            </a:r>
-          </a:p>
-          <a:p>
-            <a:endParaRPr lang="en-US" baseline="0" dirty="0" smtClean="0"/>
-          </a:p>
-          <a:p>
-            <a:r>
-              <a:rPr lang="en-US" baseline="0" dirty="0" smtClean="0"/>
-              <a:t>Also helpful i</a:t>
-            </a:r>
-            <a:r>
-              <a:rPr lang="en-US" dirty="0" smtClean="0"/>
-              <a:t>f you need to return more than one value from your test</a:t>
+              <a:t> this from the cost of the sum method</a:t>
+            </a:r>
+            <a:endParaRPr lang="en-US" dirty="0" smtClean="0"/>
+          </a:p>
+          <a:p>
+            <a:endParaRPr lang="en-US" dirty="0" smtClean="0"/>
+          </a:p>
+          <a:p>
+            <a:r>
+              <a:rPr lang="en-US" dirty="0" smtClean="0"/>
+              <a:t>JMH takes care of reusing return values so as to defeat dead-code elimination. We also return the value of field x; because the value can be changed from a large number of sources, the virtual machine is unlikely to attempt constant folding optimizations. The code of sum is very similar.</a:t>
             </a:r>
             <a:endParaRPr lang="en-US" dirty="0"/>
           </a:p>
@@ -1391,7 +1592,7 @@
           <a:p>
             <a:fld id="{CFAD290B-5269-4E99-8A8A-8691B1EB0AE9}" type="slidenum">
               <a:rPr lang="en-US" smtClean="0"/>
-              <a:t>21</a:t>
+              <a:t>19</a:t>
             </a:fld>
             <a:endParaRPr lang="en-US"/>
           </a:p>
@@ -1400,7 +1601,7 @@
     </p:spTree>
     <p:extLst>
       <p:ext uri="{BB962C8B-B14F-4D97-AF65-F5344CB8AC3E}">
-        <p14:creationId xmlns:p14="http://schemas.microsoft.com/office/powerpoint/2010/main" val="3515685751"/>
+        <p14:creationId xmlns:p14="http://schemas.microsoft.com/office/powerpoint/2010/main" val="335753211"/>
       </p:ext>
     </p:extLst>
   </p:cSld>
@@ -1454,6 +1655,23 @@
           <a:bodyPr/>
           <a:lstStyle/>
           <a:p>
+            <a:r>
+              <a:rPr lang="en-US" dirty="0" smtClean="0"/>
+              <a:t>So</a:t>
+            </a:r>
+            <a:r>
+              <a:rPr lang="en-US" baseline="0" dirty="0" smtClean="0"/>
+              <a:t> 10 times we’ll launch a new JVM to run a loop of 20 + 20 = 40 iterations, each of which will run for a max of 1 second – 400 seconds = 6min 40sec max test time</a:t>
+            </a:r>
+          </a:p>
+          <a:p>
+            <a:endParaRPr lang="en-US" baseline="0" dirty="0" smtClean="0"/>
+          </a:p>
+          <a:p>
+            <a:r>
+              <a:rPr lang="en-US" baseline="0" dirty="0" smtClean="0"/>
+              <a:t>So these can be slow, you probably want to tweak the defaults to tone it down – especially at first, if you’re serious about optimizing, you focus on large differences, right – should be easy to see at much less precise levels of measurement which will let you spend less time waiting for your benchmarks to run.  Then you can iterate and enhance.</a:t>
+            </a:r>
             <a:endParaRPr lang="en-US" dirty="0"/>
           </a:p>
         </p:txBody>
@@ -1475,7 +1693,7 @@
           <a:p>
             <a:fld id="{CFAD290B-5269-4E99-8A8A-8691B1EB0AE9}" type="slidenum">
               <a:rPr lang="en-US" smtClean="0"/>
-              <a:t>22</a:t>
+              <a:t>20</a:t>
             </a:fld>
             <a:endParaRPr lang="en-US"/>
           </a:p>
@@ -1484,7 +1702,7 @@
     </p:spTree>
     <p:extLst>
       <p:ext uri="{BB962C8B-B14F-4D97-AF65-F5344CB8AC3E}">
-        <p14:creationId xmlns:p14="http://schemas.microsoft.com/office/powerpoint/2010/main" val="1383870499"/>
+        <p14:creationId xmlns:p14="http://schemas.microsoft.com/office/powerpoint/2010/main" val="1739458649"/>
       </p:ext>
     </p:extLst>
   </p:cSld>
@@ -1538,6 +1756,14 @@
           <a:bodyPr/>
           <a:lstStyle/>
           <a:p>
+            <a:r>
+              <a:rPr lang="en-US" dirty="0" smtClean="0"/>
+              <a:t>Obviously, if you start asking for NS precision</a:t>
+            </a:r>
+            <a:r>
+              <a:rPr lang="en-US" baseline="0" dirty="0" smtClean="0"/>
+              <a:t> on a process which takes several milliseconds, no matter how many runs you do, you are not going to get more precise answers – but as I’ve played with JMH, I’ve found the defaults to be too precise</a:t>
+            </a:r>
             <a:endParaRPr lang="en-US" dirty="0"/>
           </a:p>
         </p:txBody>
@@ -1559,7 +1785,7 @@
           <a:p>
             <a:fld id="{CFAD290B-5269-4E99-8A8A-8691B1EB0AE9}" type="slidenum">
               <a:rPr lang="en-US" smtClean="0"/>
-              <a:t>23</a:t>
+              <a:t>21</a:t>
             </a:fld>
             <a:endParaRPr lang="en-US"/>
           </a:p>
@@ -1568,7 +1794,7 @@
     </p:spTree>
     <p:extLst>
       <p:ext uri="{BB962C8B-B14F-4D97-AF65-F5344CB8AC3E}">
-        <p14:creationId xmlns:p14="http://schemas.microsoft.com/office/powerpoint/2010/main" val="1269356262"/>
+        <p14:creationId xmlns:p14="http://schemas.microsoft.com/office/powerpoint/2010/main" val="1749795084"/>
       </p:ext>
     </p:extLst>
   </p:cSld>
@@ -1622,29 +1848,35 @@
           <a:bodyPr/>
           <a:lstStyle/>
           <a:p>
-            <a:pPr marL="0" marR="0" indent="0" algn="l" defTabSz="914400" rtl="0" eaLnBrk="1" fontAlgn="auto" latinLnBrk="0" hangingPunct="1">
-              <a:lnSpc>
-                <a:spcPct val="100000"/>
-              </a:lnSpc>
-              <a:spcBef>
-                <a:spcPts val="0"/>
-              </a:spcBef>
-              <a:spcAft>
-                <a:spcPts val="0"/>
-              </a:spcAft>
-              <a:buClrTx/>
-              <a:buSzTx/>
-              <a:buFontTx/>
-              <a:buNone/>
-              <a:tabLst/>
-              <a:defRPr/>
-            </a:pPr>
-            <a:r>
-              <a:rPr lang="en-US" b="0" dirty="0" smtClean="0"/>
-              <a:t>JIT is too smart and often does magic tricks with loops. Test the actual calculation and let JMH to take care of the rest.</a:t>
-            </a:r>
-          </a:p>
-          <a:p>
+            <a:r>
+              <a:rPr lang="en-US" dirty="0" smtClean="0"/>
+              <a:t>Besides marking a separate class as a @State, you can also mark your own benchmark class as @State.</a:t>
+            </a:r>
+          </a:p>
+          <a:p>
+            <a:endParaRPr lang="en-US" dirty="0" smtClean="0"/>
+          </a:p>
+          <a:p>
+            <a:r>
+              <a:rPr lang="en-US" dirty="0" smtClean="0"/>
+              <a:t>Like JUnit tests, you can annotate your state class methods with @Setup and @</a:t>
+            </a:r>
+            <a:r>
+              <a:rPr lang="en-US" dirty="0" err="1" smtClean="0"/>
+              <a:t>TearDown</a:t>
+            </a:r>
+            <a:r>
+              <a:rPr lang="en-US" dirty="0" smtClean="0"/>
+              <a:t> annotations (these methods called </a:t>
+            </a:r>
+            <a:r>
+              <a:rPr lang="en-US" i="1" dirty="0" smtClean="0"/>
+              <a:t>fixtures</a:t>
+            </a:r>
+            <a:r>
+              <a:rPr lang="en-US" dirty="0" smtClean="0"/>
+              <a:t> in JMH documentation. You can have any number of setup/teardown methods. </a:t>
+            </a:r>
             <a:endParaRPr lang="en-US" dirty="0"/>
           </a:p>
         </p:txBody>
@@ -1666,7 +1898,7 @@
           <a:p>
             <a:fld id="{CFAD290B-5269-4E99-8A8A-8691B1EB0AE9}" type="slidenum">
               <a:rPr lang="en-US" smtClean="0"/>
-              <a:t>25</a:t>
+              <a:t>23</a:t>
             </a:fld>
             <a:endParaRPr lang="en-US"/>
           </a:p>
@@ -1675,7 +1907,7 @@
     </p:spTree>
     <p:extLst>
       <p:ext uri="{BB962C8B-B14F-4D97-AF65-F5344CB8AC3E}">
-        <p14:creationId xmlns:p14="http://schemas.microsoft.com/office/powerpoint/2010/main" val="731637426"/>
+        <p14:creationId xmlns:p14="http://schemas.microsoft.com/office/powerpoint/2010/main" val="4077693676"/>
       </p:ext>
     </p:extLst>
   </p:cSld>
@@ -1731,52 +1963,21 @@
           <a:p>
             <a:r>
               <a:rPr lang="en-US" dirty="0" smtClean="0"/>
-              <a:t>Other than micro and concurrent, JMH is a general-purpose benchmarking harness also possibly useful for larger benchmarks, too.  Emphasis is on using it</a:t>
+              <a:t>This</a:t>
             </a:r>
             <a:r>
               <a:rPr lang="en-US" baseline="0" dirty="0" smtClean="0"/>
-              <a:t> for MICRO benchmarks – i.e., which version of a method is faster</a:t>
-            </a:r>
-          </a:p>
-          <a:p>
-            <a:endParaRPr lang="en-US" b="1" baseline="0" dirty="0" smtClean="0"/>
-          </a:p>
-          <a:p>
-            <a:r>
-              <a:rPr lang="en-US" b="1" dirty="0" smtClean="0"/>
-              <a:t>“Its distinctive advantage </a:t>
-            </a:r>
-            <a:r>
-              <a:rPr lang="en-US" dirty="0" smtClean="0"/>
-              <a:t>over other frameworks is that it is developed by the same guys in Oracle who implement the JIT. In particular I want to mention </a:t>
-            </a:r>
-            <a:r>
-              <a:rPr lang="en-US" dirty="0" smtClean="0">
-                <a:hlinkClick r:id="rId3"/>
-              </a:rPr>
-              <a:t>Aleksey </a:t>
-            </a:r>
-            <a:r>
-              <a:rPr lang="en-US" dirty="0" err="1" smtClean="0">
-                <a:hlinkClick r:id="rId3"/>
-              </a:rPr>
-              <a:t>Shipilev</a:t>
-            </a:r>
-            <a:r>
-              <a:rPr lang="en-US" dirty="0" smtClean="0">
-                <a:hlinkClick r:id="rId3"/>
-              </a:rPr>
-              <a:t> and his brilliant blog</a:t>
-            </a:r>
-            <a:r>
-              <a:rPr lang="en-US" dirty="0" smtClean="0"/>
-              <a:t>. </a:t>
-            </a:r>
-            <a:r>
-              <a:rPr lang="en-US" b="1" dirty="0" smtClean="0"/>
-              <a:t>JMH is likely to be in sync with the latest Oracle JRE changes, which makes its results very reliable. “</a:t>
-            </a:r>
-            <a:endParaRPr lang="en-US" b="1" dirty="0"/>
+              <a:t> presentation is entirely focused on measuring speed, not space usage – which is also a valid potential goal for a </a:t>
+            </a:r>
+            <a:r>
+              <a:rPr lang="en-US" baseline="0" dirty="0" err="1" smtClean="0"/>
+              <a:t>microbenchmark</a:t>
+            </a:r>
+            <a:r>
+              <a:rPr lang="en-US" baseline="0" dirty="0" smtClean="0"/>
+              <a:t>.</a:t>
+            </a:r>
+            <a:endParaRPr lang="en-US" dirty="0"/>
           </a:p>
         </p:txBody>
       </p:sp>
@@ -1797,7 +1998,7 @@
           <a:p>
             <a:fld id="{CFAD290B-5269-4E99-8A8A-8691B1EB0AE9}" type="slidenum">
               <a:rPr lang="en-US" smtClean="0"/>
-              <a:t>3</a:t>
+              <a:t>2</a:t>
             </a:fld>
             <a:endParaRPr lang="en-US"/>
           </a:p>
@@ -1806,7 +2007,7 @@
     </p:spTree>
     <p:extLst>
       <p:ext uri="{BB962C8B-B14F-4D97-AF65-F5344CB8AC3E}">
-        <p14:creationId xmlns:p14="http://schemas.microsoft.com/office/powerpoint/2010/main" val="1811639297"/>
+        <p14:creationId xmlns:p14="http://schemas.microsoft.com/office/powerpoint/2010/main" val="4183218773"/>
       </p:ext>
     </p:extLst>
   </p:cSld>
@@ -1862,8 +2063,67 @@
           <a:p>
             <a:r>
               <a:rPr lang="en-US" dirty="0" smtClean="0"/>
-              <a:t>By default JHM forks a new java process for each trial (set of iterations). This is required to defend the test from previously collected “profiles” – information about other loaded classes and their execution information. For example, if you have 2 classes implementing the same interface and test the performance of both of them, then the first implementation (in order of testing) is likely to be faster than the second one (in the same JVM), because JIT replaces direct method calls to the first implementation with interface method calls after discovering the second implementation. </a:t>
-            </a:r>
+              <a:t>You may also need to define the non-uniform access to your state object – for example to test the “readers-writers” scenario where the number of readers is usually higher than the number of writers. JMH uses the notion of thread groups for this case. </a:t>
+            </a:r>
+          </a:p>
+          <a:p>
+            <a:r>
+              <a:rPr lang="en-US" dirty="0" smtClean="0"/>
+              <a:t>In order to setup a group of tests, you need: </a:t>
+            </a:r>
+          </a:p>
+          <a:p>
+            <a:endParaRPr lang="en-US" dirty="0" smtClean="0"/>
+          </a:p>
+          <a:p>
+            <a:r>
+              <a:rPr lang="en-US" dirty="0" smtClean="0"/>
+              <a:t>Mark all your test methods with @Group(name) annotation, providing the same string name for all tests in a group (otherwise these tests will be run independently – no warning will be given!). </a:t>
+            </a:r>
+          </a:p>
+          <a:p>
+            <a:endParaRPr lang="en-US" dirty="0" smtClean="0"/>
+          </a:p>
+          <a:p>
+            <a:r>
+              <a:rPr lang="en-US" dirty="0" smtClean="0"/>
+              <a:t>Annotate each of your tests with @</a:t>
+            </a:r>
+            <a:r>
+              <a:rPr lang="en-US" dirty="0" err="1" smtClean="0"/>
+              <a:t>GroupThreads</a:t>
+            </a:r>
+            <a:r>
+              <a:rPr lang="en-US" dirty="0" smtClean="0"/>
+              <a:t>(</a:t>
+            </a:r>
+            <a:r>
+              <a:rPr lang="en-US" dirty="0" err="1" smtClean="0"/>
+              <a:t>threadsNumber</a:t>
+            </a:r>
+            <a:r>
+              <a:rPr lang="en-US" dirty="0" smtClean="0"/>
+              <a:t>) annotation, specifying a number of threads which will run the given method. </a:t>
+            </a:r>
+          </a:p>
+          <a:p>
+            <a:endParaRPr lang="en-US" dirty="0" smtClean="0"/>
+          </a:p>
+          <a:p>
+            <a:r>
+              <a:rPr lang="en-US" dirty="0" smtClean="0"/>
+              <a:t>JMH will start a sum of all your @</a:t>
+            </a:r>
+            <a:r>
+              <a:rPr lang="en-US" dirty="0" err="1" smtClean="0"/>
+              <a:t>GroupThreads</a:t>
+            </a:r>
+            <a:r>
+              <a:rPr lang="en-US" dirty="0" smtClean="0"/>
+              <a:t> for the given group and will run all tests in a group concurrently in the same trial. The results will be given for the group and for each method independently. </a:t>
+            </a:r>
+          </a:p>
+          <a:p>
             <a:endParaRPr lang="en-US" dirty="0"/>
           </a:p>
         </p:txBody>
@@ -1885,7 +2145,7 @@
           <a:p>
             <a:fld id="{CFAD290B-5269-4E99-8A8A-8691B1EB0AE9}" type="slidenum">
               <a:rPr lang="en-US" smtClean="0"/>
-              <a:t>26</a:t>
+              <a:t>24</a:t>
             </a:fld>
             <a:endParaRPr lang="en-US"/>
           </a:p>
@@ -1894,7 +2154,7 @@
     </p:spTree>
     <p:extLst>
       <p:ext uri="{BB962C8B-B14F-4D97-AF65-F5344CB8AC3E}">
-        <p14:creationId xmlns:p14="http://schemas.microsoft.com/office/powerpoint/2010/main" val="89694323"/>
+        <p14:creationId xmlns:p14="http://schemas.microsoft.com/office/powerpoint/2010/main" val="370174003"/>
       </p:ext>
     </p:extLst>
   </p:cSld>
@@ -1950,7 +2210,11 @@
           <a:p>
             <a:r>
               <a:rPr lang="en-US" dirty="0" smtClean="0"/>
-              <a:t>You can give the JIT a hint how to use any method in your test program. By “any method” I mean any method – not just those annotated by @Benchmark. </a:t>
+              <a:t>Class level, or override</a:t>
+            </a:r>
+            <a:r>
+              <a:rPr lang="en-US" baseline="0" dirty="0" smtClean="0"/>
+              <a:t> at method</a:t>
             </a:r>
             <a:endParaRPr lang="en-US" dirty="0"/>
           </a:p>
@@ -1973,7 +2237,7 @@
           <a:p>
             <a:fld id="{CFAD290B-5269-4E99-8A8A-8691B1EB0AE9}" type="slidenum">
               <a:rPr lang="en-US" smtClean="0"/>
-              <a:t>27</a:t>
+              <a:t>25</a:t>
             </a:fld>
             <a:endParaRPr lang="en-US"/>
           </a:p>
@@ -1982,7 +2246,7 @@
     </p:spTree>
     <p:extLst>
       <p:ext uri="{BB962C8B-B14F-4D97-AF65-F5344CB8AC3E}">
-        <p14:creationId xmlns:p14="http://schemas.microsoft.com/office/powerpoint/2010/main" val="3644895917"/>
+        <p14:creationId xmlns:p14="http://schemas.microsoft.com/office/powerpoint/2010/main" val="3238524958"/>
       </p:ext>
     </p:extLst>
   </p:cSld>
@@ -2038,48 +2302,158 @@
           <a:p>
             <a:r>
               <a:rPr lang="en-US" dirty="0" smtClean="0"/>
-              <a:t>We can clearly see the effects of dead-code elimination and constant folding. The only meaningful measurement of distance() is when the value is being consumed by JMH (using the </a:t>
+              <a:t>You can specify time unit to use via @</a:t>
             </a:r>
             <a:r>
               <a:rPr lang="en-US" dirty="0" err="1" smtClean="0"/>
-              <a:t>bBlackhole</a:t>
-            </a:r>
-            <a:r>
-              <a:rPr lang="en-US" dirty="0" smtClean="0"/>
-              <a:t>) and the</a:t>
+              <a:t>OutputTimeUnit</a:t>
+            </a:r>
+            <a:r>
+              <a:rPr lang="en-US" dirty="0" smtClean="0"/>
+              <a:t>, which requires an argument of the standard Java type </a:t>
+            </a:r>
+            <a:r>
+              <a:rPr lang="en-US" dirty="0" err="1" smtClean="0"/>
+              <a:t>java.util.concurrent.TimeUnit</a:t>
+            </a:r>
+            <a:r>
+              <a:rPr lang="en-US" dirty="0" smtClean="0"/>
+              <a:t>. Unfortunately, if you have specified several test modes for one test, the given time unit will be used for all tests (for example, it may be convenient to measure </a:t>
+            </a:r>
+            <a:r>
+              <a:rPr lang="en-US" dirty="0" err="1" smtClean="0"/>
+              <a:t>SampleTime</a:t>
+            </a:r>
+            <a:r>
+              <a:rPr lang="en-US" dirty="0" smtClean="0"/>
+              <a:t> in nanoseconds, but throughput should better be measured in the longer time units). </a:t>
+            </a:r>
+            <a:endParaRPr lang="en-US" dirty="0"/>
+          </a:p>
+        </p:txBody>
+      </p:sp>
+      <p:sp>
+        <p:nvSpPr>
+          <p:cNvPr id="4" name="Slide Number Placeholder 3"/>
+          <p:cNvSpPr>
+            <a:spLocks noGrp="1"/>
+          </p:cNvSpPr>
+          <p:nvPr>
+            <p:ph type="sldNum" sz="quarter" idx="10"/>
+          </p:nvPr>
+        </p:nvSpPr>
+        <p:spPr/>
+        <p:txBody>
+          <a:bodyPr/>
+          <a:lstStyle/>
+          <a:p>
+            <a:fld id="{CFAD290B-5269-4E99-8A8A-8691B1EB0AE9}" type="slidenum">
+              <a:rPr lang="en-US" smtClean="0"/>
+              <a:t>26</a:t>
+            </a:fld>
+            <a:endParaRPr lang="en-US"/>
+          </a:p>
+        </p:txBody>
+      </p:sp>
+    </p:spTree>
+    <p:extLst>
+      <p:ext uri="{BB962C8B-B14F-4D97-AF65-F5344CB8AC3E}">
+        <p14:creationId xmlns:p14="http://schemas.microsoft.com/office/powerpoint/2010/main" val="2820436906"/>
+      </p:ext>
+    </p:extLst>
+  </p:cSld>
+  <p:clrMapOvr>
+    <a:masterClrMapping/>
+  </p:clrMapOvr>
+</p:notes>
+</file>
+
+<file path=ppt/notesSlides/notesSlide23.xml><?xml version="1.0" encoding="utf-8"?>
+<p:notes xmlns:a="http://schemas.openxmlformats.org/drawingml/2006/main" xmlns:r="http://schemas.openxmlformats.org/officeDocument/2006/relationships" xmlns:p="http://schemas.openxmlformats.org/presentationml/2006/main">
+  <p:cSld>
+    <p:spTree>
+      <p:nvGrpSpPr>
+        <p:cNvPr id="1" name=""/>
+        <p:cNvGrpSpPr/>
+        <p:nvPr/>
+      </p:nvGrpSpPr>
+      <p:grpSpPr>
+        <a:xfrm>
+          <a:off x="0" y="0"/>
+          <a:ext cx="0" cy="0"/>
+          <a:chOff x="0" y="0"/>
+          <a:chExt cx="0" cy="0"/>
+        </a:xfrm>
+      </p:grpSpPr>
+      <p:sp>
+        <p:nvSpPr>
+          <p:cNvPr id="2" name="Slide Image Placeholder 1"/>
+          <p:cNvSpPr>
+            <a:spLocks noGrp="1" noRot="1" noChangeAspect="1"/>
+          </p:cNvSpPr>
+          <p:nvPr>
+            <p:ph type="sldImg"/>
+          </p:nvPr>
+        </p:nvSpPr>
+        <p:spPr/>
+      </p:sp>
+      <p:sp>
+        <p:nvSpPr>
+          <p:cNvPr id="3" name="Notes Placeholder 2"/>
+          <p:cNvSpPr>
+            <a:spLocks noGrp="1"/>
+          </p:cNvSpPr>
+          <p:nvPr>
+            <p:ph type="body" idx="1"/>
+          </p:nvPr>
+        </p:nvSpPr>
+        <p:spPr/>
+        <p:txBody>
+          <a:bodyPr/>
+          <a:lstStyle/>
+          <a:p>
+            <a:r>
+              <a:rPr lang="en-US" dirty="0" smtClean="0"/>
+              <a:t>This</a:t>
             </a:r>
             <a:r>
               <a:rPr lang="en-US" baseline="0" dirty="0" smtClean="0"/>
-              <a:t> </a:t>
-            </a:r>
-            <a:r>
-              <a:rPr lang="en-US" dirty="0" smtClean="0"/>
-              <a:t>parameters are passed through field values of a @State class. </a:t>
-            </a:r>
-          </a:p>
-          <a:p>
-            <a:endParaRPr lang="en-US" dirty="0" smtClean="0"/>
-          </a:p>
-          <a:p>
-            <a:r>
-              <a:rPr lang="en-US" dirty="0" smtClean="0"/>
-              <a:t>All other cases are meaningless</a:t>
-            </a:r>
+              <a:t> is the attempt by the makers of JMH (the same people who work on the JIT) to tell the JVM in no uncertain terms to avoid optimizing away the thing you are trying to benchmark.</a:t>
+            </a:r>
+          </a:p>
+          <a:p>
+            <a:endParaRPr lang="en-US" baseline="0" dirty="0" smtClean="0"/>
+          </a:p>
+          <a:p>
             <a:r>
               <a:rPr lang="en-US" baseline="0" dirty="0" smtClean="0"/>
-              <a:t> – they are similar to measuring </a:t>
-            </a:r>
-            <a:r>
-              <a:rPr lang="en-US" dirty="0" smtClean="0"/>
-              <a:t>the performance </a:t>
-            </a:r>
-            <a:r>
-              <a:rPr lang="en-US" smtClean="0"/>
-              <a:t>of benchmarking a </a:t>
-            </a:r>
-            <a:r>
-              <a:rPr lang="en-US" dirty="0" smtClean="0"/>
-              <a:t>constant double or an empty void-returning method.</a:t>
+              <a:t>Just returning the value works most of the time, this is meant to work as much of the time as is possible (but still NOT 100% - which is why you need a baseline)</a:t>
+            </a:r>
+          </a:p>
+          <a:p>
+            <a:endParaRPr lang="en-US" baseline="0" dirty="0" smtClean="0"/>
+          </a:p>
+          <a:p>
+            <a:r>
+              <a:rPr lang="en-US" dirty="0" smtClean="0"/>
+              <a:t>I have no clue what</a:t>
+            </a:r>
+            <a:r>
+              <a:rPr lang="en-US" baseline="0" dirty="0" smtClean="0"/>
+              <a:t> this class is doing or why it is doing it.  Looking at the internals – it’s all just voodoo to me.  But the JMH guys, who are the JIT guys, say this is the best way to avoid your code getting optimized away – and its very easy to use.</a:t>
+            </a:r>
+          </a:p>
+          <a:p>
+            <a:endParaRPr lang="en-US" baseline="0" dirty="0" smtClean="0"/>
+          </a:p>
+          <a:p>
+            <a:r>
+              <a:rPr lang="en-US" baseline="0" dirty="0" smtClean="0"/>
+              <a:t>Also helpful i</a:t>
+            </a:r>
+            <a:r>
+              <a:rPr lang="en-US" dirty="0" smtClean="0"/>
+              <a:t>f you need to return more than one value from your test</a:t>
             </a:r>
             <a:endParaRPr lang="en-US" dirty="0"/>
           </a:p>
@@ -2103,6 +2477,586 @@
             <a:fld id="{CFAD290B-5269-4E99-8A8A-8691B1EB0AE9}" type="slidenum">
               <a:rPr lang="en-US" smtClean="0"/>
               <a:t>29</a:t>
+            </a:fld>
+            <a:endParaRPr lang="en-US"/>
+          </a:p>
+        </p:txBody>
+      </p:sp>
+    </p:spTree>
+    <p:extLst>
+      <p:ext uri="{BB962C8B-B14F-4D97-AF65-F5344CB8AC3E}">
+        <p14:creationId xmlns:p14="http://schemas.microsoft.com/office/powerpoint/2010/main" val="3515685751"/>
+      </p:ext>
+    </p:extLst>
+  </p:cSld>
+  <p:clrMapOvr>
+    <a:masterClrMapping/>
+  </p:clrMapOvr>
+</p:notes>
+</file>
+
+<file path=ppt/notesSlides/notesSlide24.xml><?xml version="1.0" encoding="utf-8"?>
+<p:notes xmlns:a="http://schemas.openxmlformats.org/drawingml/2006/main" xmlns:r="http://schemas.openxmlformats.org/officeDocument/2006/relationships" xmlns:p="http://schemas.openxmlformats.org/presentationml/2006/main">
+  <p:cSld>
+    <p:spTree>
+      <p:nvGrpSpPr>
+        <p:cNvPr id="1" name=""/>
+        <p:cNvGrpSpPr/>
+        <p:nvPr/>
+      </p:nvGrpSpPr>
+      <p:grpSpPr>
+        <a:xfrm>
+          <a:off x="0" y="0"/>
+          <a:ext cx="0" cy="0"/>
+          <a:chOff x="0" y="0"/>
+          <a:chExt cx="0" cy="0"/>
+        </a:xfrm>
+      </p:grpSpPr>
+      <p:sp>
+        <p:nvSpPr>
+          <p:cNvPr id="2" name="Slide Image Placeholder 1"/>
+          <p:cNvSpPr>
+            <a:spLocks noGrp="1" noRot="1" noChangeAspect="1"/>
+          </p:cNvSpPr>
+          <p:nvPr>
+            <p:ph type="sldImg"/>
+          </p:nvPr>
+        </p:nvSpPr>
+        <p:spPr/>
+      </p:sp>
+      <p:sp>
+        <p:nvSpPr>
+          <p:cNvPr id="3" name="Notes Placeholder 2"/>
+          <p:cNvSpPr>
+            <a:spLocks noGrp="1"/>
+          </p:cNvSpPr>
+          <p:nvPr>
+            <p:ph type="body" idx="1"/>
+          </p:nvPr>
+        </p:nvSpPr>
+        <p:spPr/>
+        <p:txBody>
+          <a:bodyPr/>
+          <a:lstStyle/>
+          <a:p>
+            <a:endParaRPr lang="en-US" dirty="0"/>
+          </a:p>
+        </p:txBody>
+      </p:sp>
+      <p:sp>
+        <p:nvSpPr>
+          <p:cNvPr id="4" name="Slide Number Placeholder 3"/>
+          <p:cNvSpPr>
+            <a:spLocks noGrp="1"/>
+          </p:cNvSpPr>
+          <p:nvPr>
+            <p:ph type="sldNum" sz="quarter" idx="10"/>
+          </p:nvPr>
+        </p:nvSpPr>
+        <p:spPr/>
+        <p:txBody>
+          <a:bodyPr/>
+          <a:lstStyle/>
+          <a:p>
+            <a:fld id="{CFAD290B-5269-4E99-8A8A-8691B1EB0AE9}" type="slidenum">
+              <a:rPr lang="en-US" smtClean="0"/>
+              <a:t>30</a:t>
+            </a:fld>
+            <a:endParaRPr lang="en-US"/>
+          </a:p>
+        </p:txBody>
+      </p:sp>
+    </p:spTree>
+    <p:extLst>
+      <p:ext uri="{BB962C8B-B14F-4D97-AF65-F5344CB8AC3E}">
+        <p14:creationId xmlns:p14="http://schemas.microsoft.com/office/powerpoint/2010/main" val="1383870499"/>
+      </p:ext>
+    </p:extLst>
+  </p:cSld>
+  <p:clrMapOvr>
+    <a:masterClrMapping/>
+  </p:clrMapOvr>
+</p:notes>
+</file>
+
+<file path=ppt/notesSlides/notesSlide25.xml><?xml version="1.0" encoding="utf-8"?>
+<p:notes xmlns:a="http://schemas.openxmlformats.org/drawingml/2006/main" xmlns:r="http://schemas.openxmlformats.org/officeDocument/2006/relationships" xmlns:p="http://schemas.openxmlformats.org/presentationml/2006/main">
+  <p:cSld>
+    <p:spTree>
+      <p:nvGrpSpPr>
+        <p:cNvPr id="1" name=""/>
+        <p:cNvGrpSpPr/>
+        <p:nvPr/>
+      </p:nvGrpSpPr>
+      <p:grpSpPr>
+        <a:xfrm>
+          <a:off x="0" y="0"/>
+          <a:ext cx="0" cy="0"/>
+          <a:chOff x="0" y="0"/>
+          <a:chExt cx="0" cy="0"/>
+        </a:xfrm>
+      </p:grpSpPr>
+      <p:sp>
+        <p:nvSpPr>
+          <p:cNvPr id="2" name="Slide Image Placeholder 1"/>
+          <p:cNvSpPr>
+            <a:spLocks noGrp="1" noRot="1" noChangeAspect="1"/>
+          </p:cNvSpPr>
+          <p:nvPr>
+            <p:ph type="sldImg"/>
+          </p:nvPr>
+        </p:nvSpPr>
+        <p:spPr/>
+      </p:sp>
+      <p:sp>
+        <p:nvSpPr>
+          <p:cNvPr id="3" name="Notes Placeholder 2"/>
+          <p:cNvSpPr>
+            <a:spLocks noGrp="1"/>
+          </p:cNvSpPr>
+          <p:nvPr>
+            <p:ph type="body" idx="1"/>
+          </p:nvPr>
+        </p:nvSpPr>
+        <p:spPr/>
+        <p:txBody>
+          <a:bodyPr/>
+          <a:lstStyle/>
+          <a:p>
+            <a:endParaRPr lang="en-US" dirty="0"/>
+          </a:p>
+        </p:txBody>
+      </p:sp>
+      <p:sp>
+        <p:nvSpPr>
+          <p:cNvPr id="4" name="Slide Number Placeholder 3"/>
+          <p:cNvSpPr>
+            <a:spLocks noGrp="1"/>
+          </p:cNvSpPr>
+          <p:nvPr>
+            <p:ph type="sldNum" sz="quarter" idx="10"/>
+          </p:nvPr>
+        </p:nvSpPr>
+        <p:spPr/>
+        <p:txBody>
+          <a:bodyPr/>
+          <a:lstStyle/>
+          <a:p>
+            <a:fld id="{CFAD290B-5269-4E99-8A8A-8691B1EB0AE9}" type="slidenum">
+              <a:rPr lang="en-US" smtClean="0"/>
+              <a:t>31</a:t>
+            </a:fld>
+            <a:endParaRPr lang="en-US"/>
+          </a:p>
+        </p:txBody>
+      </p:sp>
+    </p:spTree>
+    <p:extLst>
+      <p:ext uri="{BB962C8B-B14F-4D97-AF65-F5344CB8AC3E}">
+        <p14:creationId xmlns:p14="http://schemas.microsoft.com/office/powerpoint/2010/main" val="1269356262"/>
+      </p:ext>
+    </p:extLst>
+  </p:cSld>
+  <p:clrMapOvr>
+    <a:masterClrMapping/>
+  </p:clrMapOvr>
+</p:notes>
+</file>
+
+<file path=ppt/notesSlides/notesSlide26.xml><?xml version="1.0" encoding="utf-8"?>
+<p:notes xmlns:a="http://schemas.openxmlformats.org/drawingml/2006/main" xmlns:r="http://schemas.openxmlformats.org/officeDocument/2006/relationships" xmlns:p="http://schemas.openxmlformats.org/presentationml/2006/main">
+  <p:cSld>
+    <p:spTree>
+      <p:nvGrpSpPr>
+        <p:cNvPr id="1" name=""/>
+        <p:cNvGrpSpPr/>
+        <p:nvPr/>
+      </p:nvGrpSpPr>
+      <p:grpSpPr>
+        <a:xfrm>
+          <a:off x="0" y="0"/>
+          <a:ext cx="0" cy="0"/>
+          <a:chOff x="0" y="0"/>
+          <a:chExt cx="0" cy="0"/>
+        </a:xfrm>
+      </p:grpSpPr>
+      <p:sp>
+        <p:nvSpPr>
+          <p:cNvPr id="2" name="Slide Image Placeholder 1"/>
+          <p:cNvSpPr>
+            <a:spLocks noGrp="1" noRot="1" noChangeAspect="1"/>
+          </p:cNvSpPr>
+          <p:nvPr>
+            <p:ph type="sldImg"/>
+          </p:nvPr>
+        </p:nvSpPr>
+        <p:spPr/>
+      </p:sp>
+      <p:sp>
+        <p:nvSpPr>
+          <p:cNvPr id="3" name="Notes Placeholder 2"/>
+          <p:cNvSpPr>
+            <a:spLocks noGrp="1"/>
+          </p:cNvSpPr>
+          <p:nvPr>
+            <p:ph type="body" idx="1"/>
+          </p:nvPr>
+        </p:nvSpPr>
+        <p:spPr/>
+        <p:txBody>
+          <a:bodyPr/>
+          <a:lstStyle/>
+          <a:p>
+            <a:pPr marL="0" marR="0" indent="0" algn="l" defTabSz="914400" rtl="0" eaLnBrk="1" fontAlgn="auto" latinLnBrk="0" hangingPunct="1">
+              <a:lnSpc>
+                <a:spcPct val="100000"/>
+              </a:lnSpc>
+              <a:spcBef>
+                <a:spcPts val="0"/>
+              </a:spcBef>
+              <a:spcAft>
+                <a:spcPts val="0"/>
+              </a:spcAft>
+              <a:buClrTx/>
+              <a:buSzTx/>
+              <a:buFontTx/>
+              <a:buNone/>
+              <a:tabLst/>
+              <a:defRPr/>
+            </a:pPr>
+            <a:r>
+              <a:rPr lang="en-US" b="0" dirty="0" smtClean="0"/>
+              <a:t>JIT is too smart and often does magic tricks with loops. Test the actual calculation and let JMH to take care of the rest.</a:t>
+            </a:r>
+          </a:p>
+          <a:p>
+            <a:endParaRPr lang="en-US" dirty="0"/>
+          </a:p>
+        </p:txBody>
+      </p:sp>
+      <p:sp>
+        <p:nvSpPr>
+          <p:cNvPr id="4" name="Slide Number Placeholder 3"/>
+          <p:cNvSpPr>
+            <a:spLocks noGrp="1"/>
+          </p:cNvSpPr>
+          <p:nvPr>
+            <p:ph type="sldNum" sz="quarter" idx="10"/>
+          </p:nvPr>
+        </p:nvSpPr>
+        <p:spPr/>
+        <p:txBody>
+          <a:bodyPr/>
+          <a:lstStyle/>
+          <a:p>
+            <a:fld id="{CFAD290B-5269-4E99-8A8A-8691B1EB0AE9}" type="slidenum">
+              <a:rPr lang="en-US" smtClean="0"/>
+              <a:t>33</a:t>
+            </a:fld>
+            <a:endParaRPr lang="en-US"/>
+          </a:p>
+        </p:txBody>
+      </p:sp>
+    </p:spTree>
+    <p:extLst>
+      <p:ext uri="{BB962C8B-B14F-4D97-AF65-F5344CB8AC3E}">
+        <p14:creationId xmlns:p14="http://schemas.microsoft.com/office/powerpoint/2010/main" val="731637426"/>
+      </p:ext>
+    </p:extLst>
+  </p:cSld>
+  <p:clrMapOvr>
+    <a:masterClrMapping/>
+  </p:clrMapOvr>
+</p:notes>
+</file>
+
+<file path=ppt/notesSlides/notesSlide27.xml><?xml version="1.0" encoding="utf-8"?>
+<p:notes xmlns:a="http://schemas.openxmlformats.org/drawingml/2006/main" xmlns:r="http://schemas.openxmlformats.org/officeDocument/2006/relationships" xmlns:p="http://schemas.openxmlformats.org/presentationml/2006/main">
+  <p:cSld>
+    <p:spTree>
+      <p:nvGrpSpPr>
+        <p:cNvPr id="1" name=""/>
+        <p:cNvGrpSpPr/>
+        <p:nvPr/>
+      </p:nvGrpSpPr>
+      <p:grpSpPr>
+        <a:xfrm>
+          <a:off x="0" y="0"/>
+          <a:ext cx="0" cy="0"/>
+          <a:chOff x="0" y="0"/>
+          <a:chExt cx="0" cy="0"/>
+        </a:xfrm>
+      </p:grpSpPr>
+      <p:sp>
+        <p:nvSpPr>
+          <p:cNvPr id="2" name="Slide Image Placeholder 1"/>
+          <p:cNvSpPr>
+            <a:spLocks noGrp="1" noRot="1" noChangeAspect="1"/>
+          </p:cNvSpPr>
+          <p:nvPr>
+            <p:ph type="sldImg"/>
+          </p:nvPr>
+        </p:nvSpPr>
+        <p:spPr/>
+      </p:sp>
+      <p:sp>
+        <p:nvSpPr>
+          <p:cNvPr id="3" name="Notes Placeholder 2"/>
+          <p:cNvSpPr>
+            <a:spLocks noGrp="1"/>
+          </p:cNvSpPr>
+          <p:nvPr>
+            <p:ph type="body" idx="1"/>
+          </p:nvPr>
+        </p:nvSpPr>
+        <p:spPr/>
+        <p:txBody>
+          <a:bodyPr/>
+          <a:lstStyle/>
+          <a:p>
+            <a:r>
+              <a:rPr lang="en-US" dirty="0" smtClean="0"/>
+              <a:t>By default JHM forks a new java process for each trial (set of iterations). This is required to defend the test from previously collected “profiles” – information about other loaded classes and their execution information. For example, if you have 2 classes implementing the same interface and test the performance of both of them, then the first implementation (in order of testing) is likely to be faster than the second one (in the same JVM), because JIT replaces direct method calls to the first implementation with interface method calls after discovering the second implementation. </a:t>
+            </a:r>
+            <a:endParaRPr lang="en-US" dirty="0"/>
+          </a:p>
+        </p:txBody>
+      </p:sp>
+      <p:sp>
+        <p:nvSpPr>
+          <p:cNvPr id="4" name="Slide Number Placeholder 3"/>
+          <p:cNvSpPr>
+            <a:spLocks noGrp="1"/>
+          </p:cNvSpPr>
+          <p:nvPr>
+            <p:ph type="sldNum" sz="quarter" idx="10"/>
+          </p:nvPr>
+        </p:nvSpPr>
+        <p:spPr/>
+        <p:txBody>
+          <a:bodyPr/>
+          <a:lstStyle/>
+          <a:p>
+            <a:fld id="{CFAD290B-5269-4E99-8A8A-8691B1EB0AE9}" type="slidenum">
+              <a:rPr lang="en-US" smtClean="0"/>
+              <a:t>34</a:t>
+            </a:fld>
+            <a:endParaRPr lang="en-US"/>
+          </a:p>
+        </p:txBody>
+      </p:sp>
+    </p:spTree>
+    <p:extLst>
+      <p:ext uri="{BB962C8B-B14F-4D97-AF65-F5344CB8AC3E}">
+        <p14:creationId xmlns:p14="http://schemas.microsoft.com/office/powerpoint/2010/main" val="89694323"/>
+      </p:ext>
+    </p:extLst>
+  </p:cSld>
+  <p:clrMapOvr>
+    <a:masterClrMapping/>
+  </p:clrMapOvr>
+</p:notes>
+</file>
+
+<file path=ppt/notesSlides/notesSlide28.xml><?xml version="1.0" encoding="utf-8"?>
+<p:notes xmlns:a="http://schemas.openxmlformats.org/drawingml/2006/main" xmlns:r="http://schemas.openxmlformats.org/officeDocument/2006/relationships" xmlns:p="http://schemas.openxmlformats.org/presentationml/2006/main">
+  <p:cSld>
+    <p:spTree>
+      <p:nvGrpSpPr>
+        <p:cNvPr id="1" name=""/>
+        <p:cNvGrpSpPr/>
+        <p:nvPr/>
+      </p:nvGrpSpPr>
+      <p:grpSpPr>
+        <a:xfrm>
+          <a:off x="0" y="0"/>
+          <a:ext cx="0" cy="0"/>
+          <a:chOff x="0" y="0"/>
+          <a:chExt cx="0" cy="0"/>
+        </a:xfrm>
+      </p:grpSpPr>
+      <p:sp>
+        <p:nvSpPr>
+          <p:cNvPr id="2" name="Slide Image Placeholder 1"/>
+          <p:cNvSpPr>
+            <a:spLocks noGrp="1" noRot="1" noChangeAspect="1"/>
+          </p:cNvSpPr>
+          <p:nvPr>
+            <p:ph type="sldImg"/>
+          </p:nvPr>
+        </p:nvSpPr>
+        <p:spPr/>
+      </p:sp>
+      <p:sp>
+        <p:nvSpPr>
+          <p:cNvPr id="3" name="Notes Placeholder 2"/>
+          <p:cNvSpPr>
+            <a:spLocks noGrp="1"/>
+          </p:cNvSpPr>
+          <p:nvPr>
+            <p:ph type="body" idx="1"/>
+          </p:nvPr>
+        </p:nvSpPr>
+        <p:spPr/>
+        <p:txBody>
+          <a:bodyPr/>
+          <a:lstStyle/>
+          <a:p>
+            <a:r>
+              <a:rPr lang="en-US" dirty="0" smtClean="0"/>
+              <a:t>You can give the JIT a hint how to use any method in your test program. By “any method” I mean any method – not just those annotated by @Benchmark. </a:t>
+            </a:r>
+            <a:endParaRPr lang="en-US" dirty="0"/>
+          </a:p>
+        </p:txBody>
+      </p:sp>
+      <p:sp>
+        <p:nvSpPr>
+          <p:cNvPr id="4" name="Slide Number Placeholder 3"/>
+          <p:cNvSpPr>
+            <a:spLocks noGrp="1"/>
+          </p:cNvSpPr>
+          <p:nvPr>
+            <p:ph type="sldNum" sz="quarter" idx="10"/>
+          </p:nvPr>
+        </p:nvSpPr>
+        <p:spPr/>
+        <p:txBody>
+          <a:bodyPr/>
+          <a:lstStyle/>
+          <a:p>
+            <a:fld id="{CFAD290B-5269-4E99-8A8A-8691B1EB0AE9}" type="slidenum">
+              <a:rPr lang="en-US" smtClean="0"/>
+              <a:t>35</a:t>
+            </a:fld>
+            <a:endParaRPr lang="en-US"/>
+          </a:p>
+        </p:txBody>
+      </p:sp>
+    </p:spTree>
+    <p:extLst>
+      <p:ext uri="{BB962C8B-B14F-4D97-AF65-F5344CB8AC3E}">
+        <p14:creationId xmlns:p14="http://schemas.microsoft.com/office/powerpoint/2010/main" val="3644895917"/>
+      </p:ext>
+    </p:extLst>
+  </p:cSld>
+  <p:clrMapOvr>
+    <a:masterClrMapping/>
+  </p:clrMapOvr>
+</p:notes>
+</file>
+
+<file path=ppt/notesSlides/notesSlide29.xml><?xml version="1.0" encoding="utf-8"?>
+<p:notes xmlns:a="http://schemas.openxmlformats.org/drawingml/2006/main" xmlns:r="http://schemas.openxmlformats.org/officeDocument/2006/relationships" xmlns:p="http://schemas.openxmlformats.org/presentationml/2006/main">
+  <p:cSld>
+    <p:spTree>
+      <p:nvGrpSpPr>
+        <p:cNvPr id="1" name=""/>
+        <p:cNvGrpSpPr/>
+        <p:nvPr/>
+      </p:nvGrpSpPr>
+      <p:grpSpPr>
+        <a:xfrm>
+          <a:off x="0" y="0"/>
+          <a:ext cx="0" cy="0"/>
+          <a:chOff x="0" y="0"/>
+          <a:chExt cx="0" cy="0"/>
+        </a:xfrm>
+      </p:grpSpPr>
+      <p:sp>
+        <p:nvSpPr>
+          <p:cNvPr id="2" name="Slide Image Placeholder 1"/>
+          <p:cNvSpPr>
+            <a:spLocks noGrp="1" noRot="1" noChangeAspect="1"/>
+          </p:cNvSpPr>
+          <p:nvPr>
+            <p:ph type="sldImg"/>
+          </p:nvPr>
+        </p:nvSpPr>
+        <p:spPr/>
+      </p:sp>
+      <p:sp>
+        <p:nvSpPr>
+          <p:cNvPr id="3" name="Notes Placeholder 2"/>
+          <p:cNvSpPr>
+            <a:spLocks noGrp="1"/>
+          </p:cNvSpPr>
+          <p:nvPr>
+            <p:ph type="body" idx="1"/>
+          </p:nvPr>
+        </p:nvSpPr>
+        <p:spPr/>
+        <p:txBody>
+          <a:bodyPr/>
+          <a:lstStyle/>
+          <a:p>
+            <a:r>
+              <a:rPr lang="en-US" dirty="0" smtClean="0"/>
+              <a:t>We can clearly see the effects of dead-code elimination and constant folding. The only meaningful measurement of distance() is when the value is being consumed by JMH (using the </a:t>
+            </a:r>
+            <a:r>
+              <a:rPr lang="en-US" dirty="0" err="1" smtClean="0"/>
+              <a:t>bBlackhole</a:t>
+            </a:r>
+            <a:r>
+              <a:rPr lang="en-US" dirty="0" smtClean="0"/>
+              <a:t>) and the</a:t>
+            </a:r>
+            <a:r>
+              <a:rPr lang="en-US" baseline="0" dirty="0" smtClean="0"/>
+              <a:t> </a:t>
+            </a:r>
+            <a:r>
+              <a:rPr lang="en-US" dirty="0" smtClean="0"/>
+              <a:t>parameters are passed through field values of a @State class. </a:t>
+            </a:r>
+          </a:p>
+          <a:p>
+            <a:endParaRPr lang="en-US" dirty="0" smtClean="0"/>
+          </a:p>
+          <a:p>
+            <a:r>
+              <a:rPr lang="en-US" dirty="0" smtClean="0"/>
+              <a:t>All other cases are meaningless</a:t>
+            </a:r>
+            <a:r>
+              <a:rPr lang="en-US" baseline="0" dirty="0" smtClean="0"/>
+              <a:t> – they are similar to measuring </a:t>
+            </a:r>
+            <a:r>
+              <a:rPr lang="en-US" dirty="0" smtClean="0"/>
+              <a:t>the performance </a:t>
+            </a:r>
+            <a:r>
+              <a:rPr lang="en-US" smtClean="0"/>
+              <a:t>of benchmarking a </a:t>
+            </a:r>
+            <a:r>
+              <a:rPr lang="en-US" dirty="0" smtClean="0"/>
+              <a:t>constant double or an empty void-returning method.</a:t>
+            </a:r>
+            <a:endParaRPr lang="en-US" dirty="0"/>
+          </a:p>
+        </p:txBody>
+      </p:sp>
+      <p:sp>
+        <p:nvSpPr>
+          <p:cNvPr id="4" name="Slide Number Placeholder 3"/>
+          <p:cNvSpPr>
+            <a:spLocks noGrp="1"/>
+          </p:cNvSpPr>
+          <p:nvPr>
+            <p:ph type="sldNum" sz="quarter" idx="10"/>
+          </p:nvPr>
+        </p:nvSpPr>
+        <p:spPr/>
+        <p:txBody>
+          <a:bodyPr/>
+          <a:lstStyle/>
+          <a:p>
+            <a:fld id="{CFAD290B-5269-4E99-8A8A-8691B1EB0AE9}" type="slidenum">
+              <a:rPr lang="en-US" smtClean="0"/>
+              <a:t>37</a:t>
             </a:fld>
             <a:endParaRPr lang="en-US"/>
           </a:p>
@@ -2167,13 +3121,50 @@
           <a:p>
             <a:r>
               <a:rPr lang="en-US" dirty="0" smtClean="0"/>
-              <a:t>Setup is somewhat difficult because - </a:t>
-            </a:r>
-          </a:p>
-          <a:p>
-            <a:r>
-              <a:rPr lang="en-US" dirty="0" smtClean="0"/>
-              <a:t>In all cases, the key to using JMH is enabling the annotation- or bytecode-processors to generate the synthetic benchmark code</a:t>
+              <a:t>How do we benchmark – use a stopwatch!</a:t>
+            </a:r>
+          </a:p>
+          <a:p>
+            <a:endParaRPr lang="en-US" dirty="0" smtClean="0"/>
+          </a:p>
+          <a:p>
+            <a:r>
+              <a:rPr lang="en-US" dirty="0" smtClean="0"/>
+              <a:t>Simple enough in theory.  </a:t>
+            </a:r>
+          </a:p>
+          <a:p>
+            <a:endParaRPr lang="en-US" dirty="0" smtClean="0"/>
+          </a:p>
+          <a:p>
+            <a:r>
+              <a:rPr lang="en-US" b="1" dirty="0" smtClean="0"/>
+              <a:t>Comparison against a baseline</a:t>
+            </a:r>
+            <a:r>
+              <a:rPr lang="en-US" dirty="0" smtClean="0"/>
+              <a:t>: How do we know whether performance is "good"? What is considered "good"? The baseline may be determined by customer requirements or you might be just looking for the best relative performance in a specific scenario among a set of benchmark candidates.</a:t>
+            </a:r>
+          </a:p>
+          <a:p>
+            <a:endParaRPr lang="en-US" dirty="0" smtClean="0"/>
+          </a:p>
+          <a:p>
+            <a:r>
+              <a:rPr lang="en-US" dirty="0" smtClean="0"/>
+              <a:t>Remember we’re *micro*</a:t>
+            </a:r>
+            <a:r>
+              <a:rPr lang="en-US" baseline="0" dirty="0" smtClean="0"/>
+              <a:t> benchmarking, so the code is going to run really </a:t>
+            </a:r>
+            <a:r>
+              <a:rPr lang="en-US" baseline="0" dirty="0" err="1" smtClean="0"/>
+              <a:t>really</a:t>
+            </a:r>
+            <a:r>
+              <a:rPr lang="en-US" baseline="0" dirty="0" smtClean="0"/>
+              <a:t> fast, so in order to get precise and meaningful measurements we’ll have to consider some sources of error.</a:t>
             </a:r>
             <a:endParaRPr lang="en-US" dirty="0"/>
           </a:p>
@@ -2196,7 +3187,7 @@
           <a:p>
             <a:fld id="{CFAD290B-5269-4E99-8A8A-8691B1EB0AE9}" type="slidenum">
               <a:rPr lang="en-US" smtClean="0"/>
-              <a:t>4</a:t>
+              <a:t>3</a:t>
             </a:fld>
             <a:endParaRPr lang="en-US"/>
           </a:p>
@@ -2205,7 +3196,7 @@
     </p:spTree>
     <p:extLst>
       <p:ext uri="{BB962C8B-B14F-4D97-AF65-F5344CB8AC3E}">
-        <p14:creationId xmlns:p14="http://schemas.microsoft.com/office/powerpoint/2010/main" val="3160364319"/>
+        <p14:creationId xmlns:p14="http://schemas.microsoft.com/office/powerpoint/2010/main" val="4226574323"/>
       </p:ext>
     </p:extLst>
   </p:cSld>
@@ -2261,103 +3252,186 @@
           <a:p>
             <a:r>
               <a:rPr lang="en-US" dirty="0" smtClean="0"/>
-              <a:t>The</a:t>
+              <a:t>When</a:t>
             </a:r>
             <a:r>
               <a:rPr lang="en-US" baseline="0" dirty="0" smtClean="0"/>
-              <a:t> separate project business is </a:t>
-            </a:r>
-            <a:r>
-              <a:rPr lang="en-US" dirty="0" smtClean="0"/>
-              <a:t>JMH</a:t>
-            </a:r>
+              <a:t> stopwatch benchmarking, there are many external sources of error to be aware of that will skew your measurements.  Green -&gt; Yellow is roughly more to less controllable.</a:t>
+            </a:r>
+          </a:p>
+          <a:p>
+            <a:endParaRPr lang="en-US" baseline="0" dirty="0" smtClean="0"/>
+          </a:p>
+          <a:p>
             <a:r>
               <a:rPr lang="en-US" baseline="0" dirty="0" smtClean="0"/>
-              <a:t> is trying to ensure that </a:t>
-            </a:r>
-            <a:r>
-              <a:rPr lang="en-US" dirty="0" smtClean="0"/>
-              <a:t>the benchmarks are </a:t>
-            </a:r>
-            <a:r>
-              <a:rPr lang="en-US" b="1" dirty="0" smtClean="0"/>
-              <a:t>correctly initialized and produce reliable results</a:t>
-            </a:r>
-            <a:r>
-              <a:rPr lang="en-US" dirty="0" smtClean="0"/>
-              <a:t>. </a:t>
-            </a:r>
-          </a:p>
-          <a:p>
+              <a:t>These are all external to the execution of the code you write.  Use an identical (virtual machine restored from backup file, quiet machine).  R</a:t>
+            </a:r>
+            <a:r>
+              <a:rPr lang="en-US" dirty="0" smtClean="0"/>
+              <a:t>un JVM as a high-priority/real-time process.</a:t>
+            </a:r>
+            <a:endParaRPr lang="en-US" baseline="0" dirty="0" smtClean="0"/>
+          </a:p>
+          <a:p>
+            <a:endParaRPr lang="en-US" baseline="0" dirty="0" smtClean="0"/>
+          </a:p>
+          <a:p>
+            <a:r>
+              <a:rPr lang="en-US" baseline="0" dirty="0" smtClean="0"/>
+              <a:t>Garbage collection can be disabled (remember – MICRO benchmarks) to make things simpler.</a:t>
+            </a:r>
             <a:endParaRPr lang="en-US" dirty="0" smtClean="0"/>
           </a:p>
           <a:p>
-            <a:r>
-              <a:rPr lang="en-US" dirty="0" smtClean="0"/>
-              <a:t>Because </a:t>
-            </a:r>
-            <a:r>
-              <a:rPr lang="en-US" dirty="0" err="1" smtClean="0"/>
-              <a:t>Gradle</a:t>
-            </a:r>
-            <a:r>
-              <a:rPr lang="en-US" dirty="0" smtClean="0"/>
-              <a:t> is</a:t>
+            <a:endParaRPr lang="en-US" dirty="0" smtClean="0"/>
+          </a:p>
+          <a:p>
+            <a:r>
+              <a:rPr lang="en-US" dirty="0" smtClean="0"/>
+              <a:t>Accuracy of the system clock</a:t>
             </a:r>
             <a:r>
               <a:rPr lang="en-US" baseline="0" dirty="0" smtClean="0"/>
-              <a:t> several hundred times better than JMH, I’ve setup a simple </a:t>
-            </a:r>
-            <a:r>
-              <a:rPr lang="en-US" baseline="0" dirty="0" err="1" smtClean="0"/>
-              <a:t>Gradle</a:t>
-            </a:r>
+              <a:t> (might not be accurate enough for code that runs extremely fast) – but can always run multiple times and divide by # of rep.</a:t>
+            </a:r>
+          </a:p>
+          <a:p>
+            <a:endParaRPr lang="en-US" baseline="0" dirty="0" smtClean="0"/>
+          </a:p>
+          <a:p>
             <a:r>
               <a:rPr lang="en-US" baseline="0" dirty="0" smtClean="0"/>
-              <a:t> project which will run JMH for you – all you have to do is add your code to the </a:t>
-            </a:r>
-            <a:r>
-              <a:rPr lang="en-US" baseline="0" dirty="0" err="1" smtClean="0"/>
-              <a:t>src</a:t>
-            </a:r>
-            <a:r>
-              <a:rPr lang="en-US" baseline="0" dirty="0" smtClean="0"/>
-              <a:t>/</a:t>
-            </a:r>
-            <a:r>
-              <a:rPr lang="en-US" baseline="0" dirty="0" err="1" smtClean="0"/>
-              <a:t>jmh</a:t>
-            </a:r>
-            <a:r>
-              <a:rPr lang="en-US" baseline="0" dirty="0" smtClean="0"/>
-              <a:t>/java folder, and run.</a:t>
+              <a:t>The effects of the JIT are very difficult to control for as we’ll see in the first demo.</a:t>
             </a:r>
           </a:p>
           <a:p>
             <a:endParaRPr lang="en-US" baseline="0" dirty="0" smtClean="0"/>
           </a:p>
           <a:p>
-            <a:pPr marL="0" marR="0" indent="0" algn="l" defTabSz="914400" rtl="0" eaLnBrk="1" fontAlgn="auto" latinLnBrk="0" hangingPunct="1">
-              <a:lnSpc>
-                <a:spcPct val="100000"/>
-              </a:lnSpc>
-              <a:spcBef>
-                <a:spcPts val="0"/>
-              </a:spcBef>
-              <a:spcAft>
-                <a:spcPts val="0"/>
-              </a:spcAft>
-              <a:buClrTx/>
-              <a:buSzTx/>
-              <a:buFontTx/>
-              <a:buNone/>
-              <a:tabLst/>
-              <a:defRPr/>
-            </a:pPr>
-            <a:r>
-              <a:rPr lang="en-US" dirty="0" smtClean="0"/>
-              <a:t>It is possible to run benchmarks from within an existing project, and even from within an IDE, however setup is more complex and the results are less reliable.</a:t>
-            </a:r>
+            <a:r>
+              <a:rPr lang="en-US" dirty="0" smtClean="0"/>
+              <a:t>The effects of the JIT</a:t>
+            </a:r>
+          </a:p>
+          <a:p>
+            <a:pPr lvl="1"/>
+            <a:r>
+              <a:rPr lang="en-US" dirty="0" smtClean="0">
+                <a:effectLst/>
+              </a:rPr>
+              <a:t>Code will be optimized as it runs more frequently</a:t>
+            </a:r>
+          </a:p>
+          <a:p>
+            <a:pPr lvl="1"/>
+            <a:r>
+              <a:rPr lang="en-US" dirty="0" smtClean="0">
+                <a:effectLst/>
+              </a:rPr>
+              <a:t>The average time for a single run is affected</a:t>
+            </a:r>
+            <a:endParaRPr lang="en-US" baseline="0" dirty="0" smtClean="0"/>
+          </a:p>
+          <a:p>
+            <a:endParaRPr lang="en-US" dirty="0" smtClean="0"/>
+          </a:p>
+          <a:p>
+            <a:pPr lvl="1"/>
+            <a:r>
+              <a:rPr lang="en-US" dirty="0" smtClean="0">
+                <a:effectLst/>
+                <a:hlinkClick r:id="rId3"/>
+              </a:rPr>
+              <a:t>http://java.sun.com/javase/6/docs/api/java/lang/System.html#nanoTime</a:t>
+            </a:r>
+            <a:r>
+              <a:rPr lang="en-US" dirty="0" smtClean="0">
+                <a:effectLst/>
+              </a:rPr>
+              <a:t>()</a:t>
+            </a:r>
+          </a:p>
+          <a:p>
+            <a:pPr lvl="2"/>
+            <a:r>
+              <a:rPr lang="en-US" dirty="0" smtClean="0">
+                <a:effectLst/>
+              </a:rPr>
+              <a:t>more accurate than </a:t>
+            </a:r>
+            <a:r>
+              <a:rPr lang="en-US" dirty="0" err="1" smtClean="0">
+                <a:effectLst/>
+              </a:rPr>
+              <a:t>System.currentTimeMillis</a:t>
+            </a:r>
+            <a:r>
+              <a:rPr lang="en-US" dirty="0" smtClean="0">
+                <a:effectLst/>
+              </a:rPr>
+              <a:t>()</a:t>
+            </a:r>
+          </a:p>
+          <a:p>
+            <a:pPr lvl="2"/>
+            <a:r>
+              <a:rPr lang="en-US" dirty="0" smtClean="0">
+                <a:effectLst/>
+              </a:rPr>
+              <a:t>It should be noted that </a:t>
+            </a:r>
+            <a:r>
+              <a:rPr lang="en-US" dirty="0" err="1" smtClean="0">
+                <a:effectLst/>
+              </a:rPr>
+              <a:t>System.nanoTime</a:t>
+            </a:r>
+            <a:r>
+              <a:rPr lang="en-US" dirty="0" smtClean="0">
+                <a:effectLst/>
+              </a:rPr>
+              <a:t>() is not </a:t>
+            </a:r>
+            <a:r>
+              <a:rPr lang="en-US" i="1" dirty="0" smtClean="0">
+                <a:effectLst/>
+              </a:rPr>
+              <a:t>guaranteed</a:t>
+            </a:r>
+            <a:r>
+              <a:rPr lang="en-US" dirty="0" smtClean="0">
+                <a:effectLst/>
+              </a:rPr>
+              <a:t> to be more accurate than </a:t>
+            </a:r>
+            <a:r>
+              <a:rPr lang="en-US" dirty="0" err="1" smtClean="0">
+                <a:effectLst/>
+              </a:rPr>
+              <a:t>System.currentTimeMillis</a:t>
+            </a:r>
+            <a:r>
+              <a:rPr lang="en-US" dirty="0" smtClean="0">
+                <a:effectLst/>
+              </a:rPr>
+              <a:t>(). It is only guaranteed to be at least as accurate. It usually is substantially more accurate, however.</a:t>
+            </a:r>
+          </a:p>
+          <a:p>
+            <a:pPr lvl="3"/>
+            <a:r>
+              <a:rPr lang="en-US" dirty="0" smtClean="0">
+                <a:effectLst/>
+              </a:rPr>
+              <a:t>http://stackoverflow.com/questions/504103/how-do-i-write-a-correct-micro-benchmark-in-java#comment8131770_513259 </a:t>
+            </a:r>
+          </a:p>
+          <a:p>
+            <a:endParaRPr lang="en-US" dirty="0" smtClean="0"/>
+          </a:p>
+          <a:p>
+            <a:endParaRPr lang="en-US" dirty="0"/>
           </a:p>
         </p:txBody>
       </p:sp>
@@ -2378,7 +3452,7 @@
           <a:p>
             <a:fld id="{CFAD290B-5269-4E99-8A8A-8691B1EB0AE9}" type="slidenum">
               <a:rPr lang="en-US" smtClean="0"/>
-              <a:t>5</a:t>
+              <a:t>4</a:t>
             </a:fld>
             <a:endParaRPr lang="en-US"/>
           </a:p>
@@ -2387,7 +3461,7 @@
     </p:spTree>
     <p:extLst>
       <p:ext uri="{BB962C8B-B14F-4D97-AF65-F5344CB8AC3E}">
-        <p14:creationId xmlns:p14="http://schemas.microsoft.com/office/powerpoint/2010/main" val="278153674"/>
+        <p14:creationId xmlns:p14="http://schemas.microsoft.com/office/powerpoint/2010/main" val="3925167144"/>
       </p:ext>
     </p:extLst>
   </p:cSld>
@@ -2443,7 +3517,48 @@
           <a:p>
             <a:r>
               <a:rPr lang="en-US" dirty="0" smtClean="0"/>
-              <a:t>When dealing with large projects, it is customary to keep the benchmarks in a separate subproject, which then depends on the tested modules via the usual build dependencies.</a:t>
+              <a:t>Each method is executed in interpreted mode at first. The Java interpreter counts how many times a method is invoked and requests that it should be JIT-compiled. </a:t>
+            </a:r>
+          </a:p>
+          <a:p>
+            <a:endParaRPr lang="en-US" dirty="0" smtClean="0"/>
+          </a:p>
+          <a:p>
+            <a:r>
+              <a:rPr lang="en-US" dirty="0" smtClean="0"/>
+              <a:t>Loosely speaking this happens after a method has been called 10.000 times (see an article about </a:t>
+            </a:r>
+            <a:r>
+              <a:rPr lang="en-US" dirty="0" smtClean="0">
+                <a:hlinkClick r:id="rId3"/>
+              </a:rPr>
+              <a:t>tiered compilation by Dr. Cliff Click</a:t>
+            </a:r>
+            <a:r>
+              <a:rPr lang="en-US" dirty="0" smtClean="0"/>
+              <a:t> for more details on how the process works and the </a:t>
+            </a:r>
+            <a:r>
+              <a:rPr lang="en-US" dirty="0" smtClean="0">
+                <a:hlinkClick r:id="rId4"/>
+              </a:rPr>
+              <a:t>Oracle documentation on </a:t>
+            </a:r>
+            <a:r>
+              <a:rPr lang="en-US" dirty="0" err="1" smtClean="0">
+                <a:hlinkClick r:id="rId4"/>
+              </a:rPr>
+              <a:t>HotSpot</a:t>
+            </a:r>
+            <a:r>
+              <a:rPr lang="en-US" dirty="0" smtClean="0">
+                <a:hlinkClick r:id="rId4"/>
+              </a:rPr>
+              <a:t> performance options</a:t>
+            </a:r>
+            <a:r>
+              <a:rPr lang="en-US" dirty="0" smtClean="0"/>
+              <a:t>). </a:t>
             </a:r>
             <a:endParaRPr lang="en-US" dirty="0"/>
           </a:p>
@@ -2466,7 +3581,7 @@
           <a:p>
             <a:fld id="{CFAD290B-5269-4E99-8A8A-8691B1EB0AE9}" type="slidenum">
               <a:rPr lang="en-US" smtClean="0"/>
-              <a:t>6</a:t>
+              <a:t>5</a:t>
             </a:fld>
             <a:endParaRPr lang="en-US"/>
           </a:p>
@@ -2475,7 +3590,7 @@
     </p:spTree>
     <p:extLst>
       <p:ext uri="{BB962C8B-B14F-4D97-AF65-F5344CB8AC3E}">
-        <p14:creationId xmlns:p14="http://schemas.microsoft.com/office/powerpoint/2010/main" val="3355601355"/>
+        <p14:creationId xmlns:p14="http://schemas.microsoft.com/office/powerpoint/2010/main" val="1142633987"/>
       </p:ext>
     </p:extLst>
   </p:cSld>
@@ -2531,19 +3646,11 @@
           <a:p>
             <a:r>
               <a:rPr lang="en-US" dirty="0" smtClean="0"/>
-              <a:t>The</a:t>
+              <a:t>If</a:t>
             </a:r>
             <a:r>
               <a:rPr lang="en-US" baseline="0" dirty="0" smtClean="0"/>
-              <a:t> default m</a:t>
-            </a:r>
-            <a:r>
-              <a:rPr lang="en-US" dirty="0" smtClean="0"/>
-              <a:t>ax</a:t>
-            </a:r>
-            <a:r>
-              <a:rPr lang="en-US" baseline="0" dirty="0" smtClean="0"/>
-              <a:t> of 1 second – shows the emphasis on “micro”-benchmarks.</a:t>
+              <a:t> we were benchmarking a non-VM language that compiled right to binary, like C, it would be an easier proposition – the optimizations would take place during compilation, *NOT* runtime.  With Java running on the dynamic JVM, this isn’t the case.</a:t>
             </a:r>
             <a:endParaRPr lang="en-US" dirty="0"/>
           </a:p>
@@ -2566,7 +3673,7 @@
           <a:p>
             <a:fld id="{CFAD290B-5269-4E99-8A8A-8691B1EB0AE9}" type="slidenum">
               <a:rPr lang="en-US" smtClean="0"/>
-              <a:t>7</a:t>
+              <a:t>6</a:t>
             </a:fld>
             <a:endParaRPr lang="en-US"/>
           </a:p>
@@ -2575,7 +3682,7 @@
     </p:spTree>
     <p:extLst>
       <p:ext uri="{BB962C8B-B14F-4D97-AF65-F5344CB8AC3E}">
-        <p14:creationId xmlns:p14="http://schemas.microsoft.com/office/powerpoint/2010/main" val="1668912180"/>
+        <p14:creationId xmlns:p14="http://schemas.microsoft.com/office/powerpoint/2010/main" val="3080750077"/>
       </p:ext>
     </p:extLst>
   </p:cSld>
@@ -2629,93 +3736,38 @@
           <a:bodyPr/>
           <a:lstStyle/>
           <a:p>
-            <a:r>
-              <a:rPr lang="en-US" dirty="0" smtClean="0"/>
-              <a:t>Results of running</a:t>
-            </a:r>
-            <a:r>
-              <a:rPr lang="en-US" baseline="0" dirty="0" smtClean="0"/>
-              <a:t> JMH are written to /build/reports – which is the default </a:t>
-            </a:r>
-            <a:r>
-              <a:rPr lang="en-US" baseline="0" dirty="0" err="1" smtClean="0"/>
-              <a:t>Gradle</a:t>
-            </a:r>
-            <a:r>
-              <a:rPr lang="en-US" baseline="0" dirty="0" smtClean="0"/>
-              <a:t> report output directory – /</a:t>
-            </a:r>
-            <a:r>
-              <a:rPr lang="en-US" baseline="0" dirty="0" err="1" smtClean="0"/>
-              <a:t>jmh</a:t>
-            </a:r>
-            <a:r>
-              <a:rPr lang="en-US" baseline="0" dirty="0" smtClean="0"/>
-              <a:t>/human.txt for human-readable output</a:t>
-            </a:r>
-            <a:endParaRPr lang="en-US" dirty="0" smtClean="0"/>
-          </a:p>
-          <a:p>
-            <a:endParaRPr lang="en-US" dirty="0" smtClean="0"/>
-          </a:p>
-          <a:p>
-            <a:r>
-              <a:rPr lang="en-US" dirty="0" smtClean="0"/>
-              <a:t>Alternately,</a:t>
-            </a:r>
-            <a:r>
-              <a:rPr lang="en-US" baseline="0" dirty="0" smtClean="0"/>
-              <a:t> this runner is setup as a Visual Studio Code project – which is in many ways a nicer editor/runner than eclipse for this sort of thing – I’d use eclipse for heavy java development, but for managing the project and running it, </a:t>
-            </a:r>
-            <a:r>
-              <a:rPr lang="en-US" baseline="0" dirty="0" err="1" smtClean="0"/>
-              <a:t>VSCode</a:t>
-            </a:r>
-            <a:r>
-              <a:rPr lang="en-US" baseline="0" dirty="0" smtClean="0"/>
-              <a:t> is nicer.  It calls out to </a:t>
-            </a:r>
-            <a:r>
-              <a:rPr lang="en-US" baseline="0" dirty="0" err="1" smtClean="0"/>
-              <a:t>Gradle</a:t>
-            </a:r>
-            <a:r>
-              <a:rPr lang="en-US" baseline="0" dirty="0" smtClean="0"/>
-              <a:t>.</a:t>
-            </a:r>
-          </a:p>
-          <a:p>
-            <a:r>
-              <a:rPr lang="en-US" b="1" baseline="0" dirty="0" smtClean="0"/>
-              <a:t>Ctrl-Shift-R </a:t>
-            </a:r>
-            <a:r>
-              <a:rPr lang="en-US" b="0" baseline="0" dirty="0" smtClean="0"/>
-              <a:t>to run tasks – </a:t>
-            </a:r>
-            <a:r>
-              <a:rPr lang="en-US" b="0" baseline="0" dirty="0" err="1" smtClean="0"/>
-              <a:t>jmh</a:t>
-            </a:r>
-            <a:r>
-              <a:rPr lang="en-US" b="0" baseline="0" dirty="0" smtClean="0"/>
-              <a:t> task</a:t>
-            </a:r>
-            <a:endParaRPr lang="en-US" b="1" baseline="0" dirty="0" smtClean="0"/>
-          </a:p>
-          <a:p>
-            <a:r>
-              <a:rPr lang="en-US" b="0" baseline="0" dirty="0" smtClean="0"/>
-              <a:t>Bindings defined in hidden .</a:t>
-            </a:r>
-            <a:r>
-              <a:rPr lang="en-US" b="0" baseline="0" dirty="0" err="1" smtClean="0"/>
-              <a:t>vscode</a:t>
-            </a:r>
-            <a:r>
-              <a:rPr lang="en-US" b="0" baseline="0" dirty="0" smtClean="0"/>
-              <a:t> directory</a:t>
-            </a:r>
+            <a:pPr marL="0" marR="0" indent="0" algn="l" defTabSz="914400" rtl="0" eaLnBrk="1" fontAlgn="auto" latinLnBrk="0" hangingPunct="1">
+              <a:lnSpc>
+                <a:spcPct val="100000"/>
+              </a:lnSpc>
+              <a:spcBef>
+                <a:spcPts val="0"/>
+              </a:spcBef>
+              <a:spcAft>
+                <a:spcPts val="0"/>
+              </a:spcAft>
+              <a:buClrTx/>
+              <a:buSzTx/>
+              <a:buFontTx/>
+              <a:buNone/>
+              <a:tabLst/>
+              <a:defRPr/>
+            </a:pPr>
+            <a:r>
+              <a:rPr lang="en-US" dirty="0" smtClean="0"/>
+              <a:t>Run the benchmarked code often enough before the actual measurement starts to ensure that all benchmarked code has been JIT-compiled beforehand. This can easily be verified by providing -XX:+</a:t>
+            </a:r>
+            <a:r>
+              <a:rPr lang="en-US" dirty="0" err="1" smtClean="0"/>
+              <a:t>PrintCompilation</a:t>
+            </a:r>
+            <a:r>
+              <a:rPr lang="en-US" dirty="0" smtClean="0"/>
+              <a:t>. You should not see any JIT-compiler activity after the warmup phase.</a:t>
+            </a:r>
+          </a:p>
+          <a:p>
+            <a:endParaRPr lang="en-US" dirty="0"/>
           </a:p>
         </p:txBody>
       </p:sp>
@@ -2736,7 +3788,7 @@
           <a:p>
             <a:fld id="{CFAD290B-5269-4E99-8A8A-8691B1EB0AE9}" type="slidenum">
               <a:rPr lang="en-US" smtClean="0"/>
-              <a:t>8</a:t>
+              <a:t>7</a:t>
             </a:fld>
             <a:endParaRPr lang="en-US"/>
           </a:p>
@@ -2745,7 +3797,7 @@
     </p:spTree>
     <p:extLst>
       <p:ext uri="{BB962C8B-B14F-4D97-AF65-F5344CB8AC3E}">
-        <p14:creationId xmlns:p14="http://schemas.microsoft.com/office/powerpoint/2010/main" val="1506391699"/>
+        <p14:creationId xmlns:p14="http://schemas.microsoft.com/office/powerpoint/2010/main" val="2781697065"/>
       </p:ext>
     </p:extLst>
   </p:cSld>
@@ -2799,109 +3851,130 @@
           <a:bodyPr/>
           <a:lstStyle/>
           <a:p>
-            <a:r>
-              <a:rPr lang="en-US" dirty="0" smtClean="0"/>
-              <a:t>Aim is that</a:t>
+            <a:pPr marL="0" marR="0" indent="0" algn="l" defTabSz="914400" rtl="0" eaLnBrk="1" fontAlgn="auto" latinLnBrk="0" hangingPunct="1">
+              <a:lnSpc>
+                <a:spcPct val="100000"/>
+              </a:lnSpc>
+              <a:spcBef>
+                <a:spcPts val="0"/>
+              </a:spcBef>
+              <a:spcAft>
+                <a:spcPts val="0"/>
+              </a:spcAft>
+              <a:buClrTx/>
+              <a:buSzTx/>
+              <a:buFontTx/>
+              <a:buNone/>
+              <a:tabLst/>
+              <a:defRPr/>
+            </a:pPr>
+            <a:r>
+              <a:rPr lang="en-US" dirty="0" smtClean="0"/>
+              <a:t>Let’s see</a:t>
             </a:r>
             <a:r>
               <a:rPr lang="en-US" baseline="0" dirty="0" smtClean="0"/>
-              <a:t> if you run twice on the same machine – without making major changes to that machine’s software or hardware, you can meaningfully compare output.</a:t>
-            </a:r>
-          </a:p>
-          <a:p>
-            <a:endParaRPr lang="en-US" baseline="0" dirty="0" smtClean="0"/>
-          </a:p>
-          <a:p>
-            <a:r>
-              <a:rPr lang="en-US" baseline="0" dirty="0" smtClean="0"/>
-              <a:t>The output shows the result of each run – the warmups and the test iterations for each @Benchmark annotated method</a:t>
-            </a:r>
-          </a:p>
-          <a:p>
-            <a:endParaRPr lang="en-US" baseline="0" dirty="0" smtClean="0"/>
-          </a:p>
-          <a:p>
-            <a:r>
-              <a:rPr lang="en-US" baseline="0" dirty="0" smtClean="0"/>
-              <a:t>Output is in operations/sec – so higher is faster (this is a default, you can also output in other modes)</a:t>
-            </a:r>
-          </a:p>
-          <a:p>
-            <a:endParaRPr lang="en-US" baseline="0" dirty="0" smtClean="0"/>
-          </a:p>
-          <a:p>
-            <a:r>
-              <a:rPr lang="en-US" baseline="0" dirty="0" smtClean="0"/>
-              <a:t>Benchmark mode defaults to throughput THRPT in output. Available modes are: [Throughput/</a:t>
+              <a:t> a naïve and flawed implementation of a </a:t>
             </a:r>
             <a:r>
               <a:rPr lang="en-US" baseline="0" dirty="0" err="1" smtClean="0"/>
-              <a:t>thrpt</a:t>
-            </a:r>
-            <a:r>
-              <a:rPr lang="en-US" baseline="0" dirty="0" smtClean="0"/>
-              <a:t>, </a:t>
-            </a:r>
-            <a:r>
-              <a:rPr lang="en-US" baseline="0" dirty="0" err="1" smtClean="0"/>
-              <a:t>AverageTime</a:t>
-            </a:r>
-            <a:r>
-              <a:rPr lang="en-US" baseline="0" dirty="0" smtClean="0"/>
-              <a:t>/</a:t>
-            </a:r>
-            <a:r>
-              <a:rPr lang="en-US" baseline="0" dirty="0" err="1" smtClean="0"/>
-              <a:t>avgt</a:t>
-            </a:r>
-            <a:r>
-              <a:rPr lang="en-US" baseline="0" dirty="0" smtClean="0"/>
-              <a:t>, </a:t>
-            </a:r>
-            <a:r>
-              <a:rPr lang="en-US" baseline="0" dirty="0" err="1" smtClean="0"/>
-              <a:t>SampleTime</a:t>
-            </a:r>
-            <a:r>
-              <a:rPr lang="en-US" baseline="0" dirty="0" smtClean="0"/>
-              <a:t>/sample, </a:t>
-            </a:r>
-            <a:r>
-              <a:rPr lang="en-US" baseline="0" dirty="0" err="1" smtClean="0"/>
-              <a:t>SingleShotTime</a:t>
-            </a:r>
-            <a:r>
-              <a:rPr lang="en-US" baseline="0" dirty="0" smtClean="0"/>
-              <a:t>/</a:t>
-            </a:r>
-            <a:r>
-              <a:rPr lang="en-US" baseline="0" dirty="0" err="1" smtClean="0"/>
-              <a:t>ss</a:t>
-            </a:r>
-            <a:r>
-              <a:rPr lang="en-US" baseline="0" dirty="0" smtClean="0"/>
-              <a:t>, All/all] – </a:t>
-            </a:r>
-            <a:r>
-              <a:rPr lang="en-US" baseline="0" dirty="0" err="1" smtClean="0"/>
-              <a:t>thrpt</a:t>
-            </a:r>
-            <a:r>
-              <a:rPr lang="en-US" baseline="0" dirty="0" smtClean="0"/>
-              <a:t> seems to be the easiest to compare intuitively which is why it’s the default – the difference between 300 and 400 M is more meaningful to us than the different between .000003 and .000004 seconds, or whatever</a:t>
-            </a:r>
-          </a:p>
-          <a:p>
-            <a:endParaRPr lang="en-US" baseline="0" dirty="0" smtClean="0"/>
-          </a:p>
-          <a:p>
-            <a:r>
-              <a:rPr lang="en-US" baseline="0" dirty="0" smtClean="0"/>
-              <a:t>One other thing useful to note in the output is the ETA it prints prior to each benchmark, so if you watch the file while JMH is running during a long-running process it will attempt to guess at when its going to finish – useful if you’re comparing lots of benchmarks</a:t>
-            </a:r>
-          </a:p>
-          <a:p>
-            <a:endParaRPr lang="en-US" dirty="0"/>
+              <a:t>benchmarker</a:t>
+            </a:r>
+            <a:r>
+              <a:rPr lang="en-US" baseline="0" smtClean="0"/>
+              <a:t>.</a:t>
+            </a:r>
+            <a:endParaRPr lang="en-US" dirty="0" smtClean="0"/>
+          </a:p>
+          <a:p>
+            <a:pPr marL="0" marR="0" indent="0" algn="l" defTabSz="914400" rtl="0" eaLnBrk="1" fontAlgn="auto" latinLnBrk="0" hangingPunct="1">
+              <a:lnSpc>
+                <a:spcPct val="100000"/>
+              </a:lnSpc>
+              <a:spcBef>
+                <a:spcPts val="0"/>
+              </a:spcBef>
+              <a:spcAft>
+                <a:spcPts val="0"/>
+              </a:spcAft>
+              <a:buClrTx/>
+              <a:buSzTx/>
+              <a:buFontTx/>
+              <a:buNone/>
+              <a:tabLst/>
+              <a:defRPr/>
+            </a:pPr>
+            <a:endParaRPr lang="en-US" dirty="0" smtClean="0"/>
+          </a:p>
+          <a:p>
+            <a:pPr marL="0" marR="0" indent="0" algn="l" defTabSz="914400" rtl="0" eaLnBrk="1" fontAlgn="auto" latinLnBrk="0" hangingPunct="1">
+              <a:lnSpc>
+                <a:spcPct val="100000"/>
+              </a:lnSpc>
+              <a:spcBef>
+                <a:spcPts val="0"/>
+              </a:spcBef>
+              <a:spcAft>
+                <a:spcPts val="0"/>
+              </a:spcAft>
+              <a:buClrTx/>
+              <a:buSzTx/>
+              <a:buFontTx/>
+              <a:buNone/>
+              <a:tabLst/>
+              <a:defRPr/>
+            </a:pPr>
+            <a:r>
+              <a:rPr lang="en-US" dirty="0" err="1" smtClean="0"/>
+              <a:t>gradlew</a:t>
+            </a:r>
+            <a:r>
+              <a:rPr lang="en-US" dirty="0" smtClean="0"/>
+              <a:t> simple-all –daemon</a:t>
+            </a:r>
+          </a:p>
+          <a:p>
+            <a:pPr marL="0" marR="0" indent="0" algn="l" defTabSz="914400" rtl="0" eaLnBrk="1" fontAlgn="auto" latinLnBrk="0" hangingPunct="1">
+              <a:lnSpc>
+                <a:spcPct val="100000"/>
+              </a:lnSpc>
+              <a:spcBef>
+                <a:spcPts val="0"/>
+              </a:spcBef>
+              <a:spcAft>
+                <a:spcPts val="0"/>
+              </a:spcAft>
+              <a:buClrTx/>
+              <a:buSzTx/>
+              <a:buFontTx/>
+              <a:buNone/>
+              <a:tabLst/>
+              <a:defRPr/>
+            </a:pPr>
+            <a:endParaRPr lang="en-US" dirty="0" smtClean="0"/>
+          </a:p>
+          <a:p>
+            <a:pPr marL="0" marR="0" indent="0" algn="l" defTabSz="914400" rtl="0" eaLnBrk="1" fontAlgn="auto" latinLnBrk="0" hangingPunct="1">
+              <a:lnSpc>
+                <a:spcPct val="100000"/>
+              </a:lnSpc>
+              <a:spcBef>
+                <a:spcPts val="0"/>
+              </a:spcBef>
+              <a:spcAft>
+                <a:spcPts val="0"/>
+              </a:spcAft>
+              <a:buClrTx/>
+              <a:buSzTx/>
+              <a:buFontTx/>
+              <a:buNone/>
+              <a:tabLst/>
+              <a:defRPr/>
+            </a:pPr>
+            <a:r>
+              <a:rPr lang="en-US" dirty="0" smtClean="0"/>
+              <a:t>C:\Users\ttresans\Projects\JMH-Presentation\demos\simplebenchmarker\build\reports\simplebenchmarker</a:t>
+            </a:r>
           </a:p>
         </p:txBody>
       </p:sp>
@@ -2922,7 +3995,7 @@
           <a:p>
             <a:fld id="{CFAD290B-5269-4E99-8A8A-8691B1EB0AE9}" type="slidenum">
               <a:rPr lang="en-US" smtClean="0"/>
-              <a:t>9</a:t>
+              <a:t>8</a:t>
             </a:fld>
             <a:endParaRPr lang="en-US"/>
           </a:p>
@@ -2931,7 +4004,7 @@
     </p:spTree>
     <p:extLst>
       <p:ext uri="{BB962C8B-B14F-4D97-AF65-F5344CB8AC3E}">
-        <p14:creationId xmlns:p14="http://schemas.microsoft.com/office/powerpoint/2010/main" val="1157746845"/>
+        <p14:creationId xmlns:p14="http://schemas.microsoft.com/office/powerpoint/2010/main" val="989382724"/>
       </p:ext>
     </p:extLst>
   </p:cSld>
@@ -2987,31 +4060,56 @@
           <a:p>
             <a:r>
               <a:rPr lang="en-US" dirty="0" smtClean="0"/>
-              <a:t>We have a baseline benchmark that gives us a reference on returning an </a:t>
-            </a:r>
-            <a:r>
-              <a:rPr lang="en-US" dirty="0" err="1" smtClean="0"/>
-              <a:t>int</a:t>
-            </a:r>
-            <a:r>
-              <a:rPr lang="en-US" dirty="0" smtClean="0"/>
-              <a:t> value.   So we can subtract</a:t>
+              <a:t>Other than micro and concurrent, JMH is a general-purpose benchmarking harness also possibly useful for larger benchmarks, too.  Emphasis is on using it</a:t>
             </a:r>
             <a:r>
               <a:rPr lang="en-US" baseline="0" dirty="0" smtClean="0"/>
-              <a:t> this from the cost of the sum method</a:t>
-            </a:r>
-            <a:endParaRPr lang="en-US" dirty="0" smtClean="0"/>
-          </a:p>
-          <a:p>
-            <a:endParaRPr lang="en-US" dirty="0" smtClean="0"/>
-          </a:p>
-          <a:p>
-            <a:r>
-              <a:rPr lang="en-US" dirty="0" smtClean="0"/>
-              <a:t>JMH takes care of reusing return values so as to defeat dead-code elimination. We also return the value of field x; because the value can be changed from a large number of sources, the virtual machine is unlikely to attempt constant folding optimizations. The code of sum is very similar.</a:t>
-            </a:r>
-            <a:endParaRPr lang="en-US" dirty="0"/>
+              <a:t> for MICRO benchmarks </a:t>
+            </a:r>
+            <a:r>
+              <a:rPr lang="en-US" baseline="0" dirty="0" smtClean="0"/>
+              <a:t>though, different profiling tools are probably more useful for measuring larger parts of an application.</a:t>
+            </a:r>
+          </a:p>
+          <a:p>
+            <a:endParaRPr lang="en-US" b="1" baseline="0" dirty="0" smtClean="0"/>
+          </a:p>
+          <a:p>
+            <a:r>
+              <a:rPr lang="en-US" b="1" dirty="0" smtClean="0"/>
+              <a:t>“Its distinctive advantage </a:t>
+            </a:r>
+            <a:r>
+              <a:rPr lang="en-US" dirty="0" smtClean="0"/>
+              <a:t>over other frameworks is that it is developed by the same guys in Oracle who implement the JIT. In particular I want to mention </a:t>
+            </a:r>
+            <a:r>
+              <a:rPr lang="en-US" dirty="0" smtClean="0">
+                <a:hlinkClick r:id="rId3"/>
+              </a:rPr>
+              <a:t>Aleksey </a:t>
+            </a:r>
+            <a:r>
+              <a:rPr lang="en-US" dirty="0" err="1" smtClean="0">
+                <a:hlinkClick r:id="rId3"/>
+              </a:rPr>
+              <a:t>Shipilev</a:t>
+            </a:r>
+            <a:r>
+              <a:rPr lang="en-US" dirty="0" smtClean="0">
+                <a:hlinkClick r:id="rId3"/>
+              </a:rPr>
+              <a:t> and his brilliant blog</a:t>
+            </a:r>
+            <a:r>
+              <a:rPr lang="en-US" dirty="0" smtClean="0"/>
+              <a:t>. </a:t>
+            </a:r>
+            <a:r>
+              <a:rPr lang="en-US" b="1" dirty="0" smtClean="0"/>
+              <a:t>JMH is likely to be in sync with the latest Oracle JRE changes, which makes its results very reliable. “</a:t>
+            </a:r>
+            <a:endParaRPr lang="en-US" b="1" dirty="0"/>
           </a:p>
         </p:txBody>
       </p:sp>
@@ -3041,7 +4139,7 @@
     </p:spTree>
     <p:extLst>
       <p:ext uri="{BB962C8B-B14F-4D97-AF65-F5344CB8AC3E}">
-        <p14:creationId xmlns:p14="http://schemas.microsoft.com/office/powerpoint/2010/main" val="335753211"/>
+        <p14:creationId xmlns:p14="http://schemas.microsoft.com/office/powerpoint/2010/main" val="1811639297"/>
       </p:ext>
     </p:extLst>
   </p:cSld>
@@ -3182,7 +4280,7 @@
           <a:p>
             <a:fld id="{389CBC56-3CF8-4B9B-874C-BFFEBE1619EE}" type="datetimeFigureOut">
               <a:rPr lang="en-US" smtClean="0"/>
-              <a:t>1/25/2016</a:t>
+              <a:t>2/3/2016</a:t>
             </a:fld>
             <a:endParaRPr lang="en-US"/>
           </a:p>
@@ -3352,7 +4450,7 @@
           <a:p>
             <a:fld id="{389CBC56-3CF8-4B9B-874C-BFFEBE1619EE}" type="datetimeFigureOut">
               <a:rPr lang="en-US" smtClean="0"/>
-              <a:t>1/25/2016</a:t>
+              <a:t>2/3/2016</a:t>
             </a:fld>
             <a:endParaRPr lang="en-US"/>
           </a:p>
@@ -3532,7 +4630,7 @@
           <a:p>
             <a:fld id="{389CBC56-3CF8-4B9B-874C-BFFEBE1619EE}" type="datetimeFigureOut">
               <a:rPr lang="en-US" smtClean="0"/>
-              <a:t>1/25/2016</a:t>
+              <a:t>2/3/2016</a:t>
             </a:fld>
             <a:endParaRPr lang="en-US"/>
           </a:p>
@@ -3702,7 +4800,7 @@
           <a:p>
             <a:fld id="{389CBC56-3CF8-4B9B-874C-BFFEBE1619EE}" type="datetimeFigureOut">
               <a:rPr lang="en-US" smtClean="0"/>
-              <a:t>1/25/2016</a:t>
+              <a:t>2/3/2016</a:t>
             </a:fld>
             <a:endParaRPr lang="en-US"/>
           </a:p>
@@ -3948,7 +5046,7 @@
           <a:p>
             <a:fld id="{389CBC56-3CF8-4B9B-874C-BFFEBE1619EE}" type="datetimeFigureOut">
               <a:rPr lang="en-US" smtClean="0"/>
-              <a:t>1/25/2016</a:t>
+              <a:t>2/3/2016</a:t>
             </a:fld>
             <a:endParaRPr lang="en-US"/>
           </a:p>
@@ -4180,7 +5278,7 @@
           <a:p>
             <a:fld id="{389CBC56-3CF8-4B9B-874C-BFFEBE1619EE}" type="datetimeFigureOut">
               <a:rPr lang="en-US" smtClean="0"/>
-              <a:t>1/25/2016</a:t>
+              <a:t>2/3/2016</a:t>
             </a:fld>
             <a:endParaRPr lang="en-US"/>
           </a:p>
@@ -4547,7 +5645,7 @@
           <a:p>
             <a:fld id="{389CBC56-3CF8-4B9B-874C-BFFEBE1619EE}" type="datetimeFigureOut">
               <a:rPr lang="en-US" smtClean="0"/>
-              <a:t>1/25/2016</a:t>
+              <a:t>2/3/2016</a:t>
             </a:fld>
             <a:endParaRPr lang="en-US"/>
           </a:p>
@@ -4665,7 +5763,7 @@
           <a:p>
             <a:fld id="{389CBC56-3CF8-4B9B-874C-BFFEBE1619EE}" type="datetimeFigureOut">
               <a:rPr lang="en-US" smtClean="0"/>
-              <a:t>1/25/2016</a:t>
+              <a:t>2/3/2016</a:t>
             </a:fld>
             <a:endParaRPr lang="en-US"/>
           </a:p>
@@ -4760,7 +5858,7 @@
           <a:p>
             <a:fld id="{389CBC56-3CF8-4B9B-874C-BFFEBE1619EE}" type="datetimeFigureOut">
               <a:rPr lang="en-US" smtClean="0"/>
-              <a:t>1/25/2016</a:t>
+              <a:t>2/3/2016</a:t>
             </a:fld>
             <a:endParaRPr lang="en-US"/>
           </a:p>
@@ -5037,7 +6135,7 @@
           <a:p>
             <a:fld id="{389CBC56-3CF8-4B9B-874C-BFFEBE1619EE}" type="datetimeFigureOut">
               <a:rPr lang="en-US" smtClean="0"/>
-              <a:t>1/25/2016</a:t>
+              <a:t>2/3/2016</a:t>
             </a:fld>
             <a:endParaRPr lang="en-US"/>
           </a:p>
@@ -5290,7 +6388,7 @@
           <a:p>
             <a:fld id="{389CBC56-3CF8-4B9B-874C-BFFEBE1619EE}" type="datetimeFigureOut">
               <a:rPr lang="en-US" smtClean="0"/>
-              <a:t>1/25/2016</a:t>
+              <a:t>2/3/2016</a:t>
             </a:fld>
             <a:endParaRPr lang="en-US"/>
           </a:p>
@@ -5503,7 +6601,7 @@
           <a:p>
             <a:fld id="{389CBC56-3CF8-4B9B-874C-BFFEBE1619EE}" type="datetimeFigureOut">
               <a:rPr lang="en-US" smtClean="0"/>
-              <a:t>1/25/2016</a:t>
+              <a:t>2/3/2016</a:t>
             </a:fld>
             <a:endParaRPr lang="en-US"/>
           </a:p>
@@ -5927,7 +7025,11 @@
           <a:p>
             <a:r>
               <a:rPr lang="en-US" dirty="0" smtClean="0"/>
-              <a:t>An Introduction to JVM </a:t>
+              <a:t>An Introduction </a:t>
+            </a:r>
+            <a:r>
+              <a:rPr lang="en-US" dirty="0" smtClean="0"/>
+              <a:t>to </a:t>
             </a:r>
             <a:r>
               <a:rPr lang="en-US" dirty="0" err="1" smtClean="0"/>
@@ -5935,7 +7037,11 @@
             </a:r>
             <a:r>
               <a:rPr lang="en-US" dirty="0" smtClean="0"/>
-              <a:t> with JMH</a:t>
+              <a:t> </a:t>
+            </a:r>
+            <a:r>
+              <a:rPr lang="en-US" dirty="0" smtClean="0"/>
+              <a:t>with JMH</a:t>
             </a:r>
             <a:endParaRPr lang="en-US" dirty="0"/>
           </a:p>
@@ -6024,7 +7130,11 @@
           <a:p>
             <a:r>
               <a:rPr lang="en-US" dirty="0" smtClean="0"/>
-              <a:t>Setting JVM/JMH Configuration </a:t>
+              <a:t>How to Write a Perfect </a:t>
+            </a:r>
+            <a:r>
+              <a:rPr lang="en-US" dirty="0" err="1" smtClean="0"/>
+              <a:t>Microbenchmark</a:t>
             </a:r>
             <a:endParaRPr lang="en-US" dirty="0"/>
           </a:p>
@@ -6045,52 +7155,52 @@
           <a:bodyPr/>
           <a:lstStyle/>
           <a:p>
-            <a:r>
-              <a:rPr lang="en-US" dirty="0" smtClean="0"/>
-              <a:t>Like many annotations – most specific wins</a:t>
-            </a:r>
-          </a:p>
-          <a:p>
-            <a:pPr lvl="1"/>
-            <a:r>
-              <a:rPr lang="en-US" dirty="0" smtClean="0"/>
-              <a:t>Defaults in </a:t>
-            </a:r>
-            <a:r>
-              <a:rPr lang="en-US" dirty="0" err="1" smtClean="0"/>
-              <a:t>build.gradle</a:t>
-            </a:r>
-            <a:r>
-              <a:rPr lang="en-US" dirty="0" smtClean="0"/>
-              <a:t> file for all </a:t>
-            </a:r>
-            <a:r>
-              <a:rPr lang="en-US" dirty="0" err="1" smtClean="0"/>
-              <a:t>jmh</a:t>
-            </a:r>
-            <a:r>
-              <a:rPr lang="en-US" dirty="0" smtClean="0"/>
-              <a:t> benchmarks</a:t>
-            </a:r>
-          </a:p>
-          <a:p>
-            <a:pPr lvl="1"/>
-            <a:r>
-              <a:rPr lang="en-US" dirty="0" smtClean="0"/>
-              <a:t>Override at class level (benchmark class) with JMH annotations</a:t>
-            </a:r>
-          </a:p>
-          <a:p>
-            <a:pPr lvl="1"/>
-            <a:r>
-              <a:rPr lang="en-US" dirty="0" smtClean="0"/>
-              <a:t>Override at method level (@Benchmark method) with other JMH annotations</a:t>
-            </a:r>
-          </a:p>
-          <a:p>
-            <a:r>
-              <a:rPr lang="en-US" dirty="0" smtClean="0"/>
-              <a:t>Both JMH and many relevant JVM options</a:t>
+            <a:pPr marL="0" indent="0">
+              <a:buNone/>
+            </a:pPr>
+            <a:r>
+              <a:rPr lang="en-US" dirty="0" smtClean="0"/>
+              <a:t>First</a:t>
+            </a:r>
+            <a:r>
+              <a:rPr lang="en-US" dirty="0"/>
+              <a:t>, write a good optimizing </a:t>
+            </a:r>
+            <a:r>
+              <a:rPr lang="en-US" dirty="0" smtClean="0"/>
+              <a:t>JIT.  Meet </a:t>
+            </a:r>
+            <a:r>
+              <a:rPr lang="en-US" dirty="0"/>
+              <a:t>the people who have written other good, optimizing JITs (they're easy to find, because not too many good, optimizing JITs exist</a:t>
+            </a:r>
+            <a:r>
+              <a:rPr lang="en-US" dirty="0" smtClean="0"/>
+              <a:t>!).  Have </a:t>
+            </a:r>
+            <a:r>
+              <a:rPr lang="en-US" dirty="0"/>
+              <a:t>them over to </a:t>
+            </a:r>
+            <a:r>
+              <a:rPr lang="en-US" dirty="0" smtClean="0"/>
+              <a:t>dinner every week for a year, </a:t>
+            </a:r>
+            <a:r>
+              <a:rPr lang="en-US" dirty="0"/>
+              <a:t>and swap stories of performance tricks on how to run Java bytecode as fast as </a:t>
+            </a:r>
+            <a:r>
+              <a:rPr lang="en-US" dirty="0" smtClean="0"/>
+              <a:t>possible.  Read </a:t>
+            </a:r>
+            <a:r>
+              <a:rPr lang="en-US" dirty="0"/>
+              <a:t>the hundreds of papers on optimizing the execution of Java </a:t>
+            </a:r>
+            <a:r>
+              <a:rPr lang="en-US" dirty="0" smtClean="0"/>
+              <a:t>code.  Write a few papers of your own, get them published and peer reviewed.  Build a standardized, bare-bones test system running your own custom non-timesharing OS…</a:t>
             </a:r>
             <a:endParaRPr lang="en-US" dirty="0"/>
           </a:p>
@@ -6099,7 +7209,7 @@
     </p:spTree>
     <p:extLst>
       <p:ext uri="{BB962C8B-B14F-4D97-AF65-F5344CB8AC3E}">
-        <p14:creationId xmlns:p14="http://schemas.microsoft.com/office/powerpoint/2010/main" val="1241904274"/>
+        <p14:creationId xmlns:p14="http://schemas.microsoft.com/office/powerpoint/2010/main" val="1292544998"/>
       </p:ext>
     </p:extLst>
   </p:cSld>
@@ -6150,7 +7260,7 @@
           <a:p>
             <a:r>
               <a:rPr lang="en-US" dirty="0" smtClean="0"/>
-              <a:t>Demo 1</a:t>
+              <a:t>Enter JMH</a:t>
             </a:r>
             <a:endParaRPr lang="en-US" dirty="0"/>
           </a:p>
@@ -6168,67 +7278,83 @@
         </p:nvSpPr>
         <p:spPr/>
         <p:txBody>
-          <a:bodyPr/>
-          <a:lstStyle/>
-          <a:p>
-            <a:r>
-              <a:rPr lang="en-US" dirty="0" smtClean="0"/>
-              <a:t>Goal – measure the cost of an addition</a:t>
-            </a:r>
-          </a:p>
-          <a:p>
-            <a:r>
-              <a:rPr lang="en-US" dirty="0" smtClean="0"/>
-              <a:t>Baseline method – cost</a:t>
-            </a:r>
+          <a:bodyPr>
+            <a:normAutofit/>
+          </a:bodyPr>
+          <a:lstStyle/>
+          <a:p>
+            <a:r>
+              <a:rPr lang="en-US" dirty="0" smtClean="0">
+                <a:hlinkClick r:id="rId3"/>
+              </a:rPr>
+              <a:t>http://openjdk.java.net/projects/code-tools/jmh/</a:t>
+            </a:r>
+            <a:endParaRPr lang="en-US" dirty="0" smtClean="0"/>
+          </a:p>
+          <a:p>
+            <a:r>
+              <a:rPr lang="en-US" dirty="0" smtClean="0"/>
+              <a:t>Solid foundation for writing and running benchmarks whose results are “not always erroneous due to unwanted VM optimizations”</a:t>
+            </a:r>
+          </a:p>
+          <a:p>
+            <a:pPr lvl="1"/>
+            <a:r>
+              <a:rPr lang="en-US" dirty="0" smtClean="0"/>
+              <a:t>Does not prevent all pitfalls, but can at least mitigate MOST of them</a:t>
+            </a:r>
+          </a:p>
+          <a:p>
+            <a:r>
+              <a:rPr lang="en-US" dirty="0" err="1" smtClean="0"/>
+              <a:t>OpenJDK</a:t>
+            </a:r>
+            <a:r>
+              <a:rPr lang="en-US" dirty="0" smtClean="0"/>
+              <a:t> project</a:t>
+            </a:r>
+          </a:p>
+          <a:p>
+            <a:pPr lvl="1"/>
             <a:r>
               <a:rPr lang="en-US" dirty="0"/>
-              <a:t> </a:t>
-            </a:r>
-            <a:r>
-              <a:rPr lang="en-US" dirty="0" smtClean="0"/>
-              <a:t>of a method call doing everything EXCEPT the addition</a:t>
-            </a:r>
-          </a:p>
-          <a:p>
-            <a:r>
-              <a:rPr lang="en-US" dirty="0" smtClean="0"/>
-              <a:t>Returning values from @Benchmark methods is important</a:t>
-            </a:r>
+              <a:t>http://mvnrepository.com/artifact/org.openjdk.jmh/jmh-core</a:t>
+            </a:r>
+            <a:endParaRPr lang="en-US" dirty="0" smtClean="0"/>
           </a:p>
           <a:p>
             <a:pPr lvl="1"/>
             <a:r>
               <a:rPr lang="en-US" dirty="0" smtClean="0"/>
-              <a:t>Without it VM is very likely to optimize away the method calls completely</a:t>
-            </a:r>
-          </a:p>
-          <a:p>
-            <a:r>
-              <a:rPr lang="en-US" dirty="0" smtClean="0"/>
-              <a:t>Configuring benchmarks via annotations rather than </a:t>
-            </a:r>
-            <a:r>
-              <a:rPr lang="en-US" dirty="0" err="1" smtClean="0"/>
-              <a:t>Gradle</a:t>
-            </a:r>
-            <a:r>
-              <a:rPr lang="en-US" dirty="0" smtClean="0"/>
-              <a:t> properties</a:t>
-            </a:r>
-          </a:p>
-          <a:p>
-            <a:r>
-              <a:rPr lang="en-US" dirty="0" smtClean="0"/>
-              <a:t>The @State annotation tells JMH to keep x and y thread-scoped (more on this later)</a:t>
-            </a:r>
+              <a:t>Active development (1.11.2 released October 2015)</a:t>
+            </a:r>
+          </a:p>
+          <a:p>
+            <a:pPr lvl="1"/>
+            <a:r>
+              <a:rPr lang="en-US" dirty="0" smtClean="0"/>
+              <a:t>Developed by same guys in Oracle who maintain the JIT</a:t>
+            </a:r>
+          </a:p>
+          <a:p>
+            <a:r>
+              <a:rPr lang="en-US" dirty="0" smtClean="0"/>
+              <a:t>Concurrent </a:t>
+            </a:r>
+            <a:r>
+              <a:rPr lang="en-US" dirty="0" smtClean="0"/>
+              <a:t>benchmarks</a:t>
+            </a:r>
+          </a:p>
+          <a:p>
+            <a:endParaRPr lang="en-US" dirty="0"/>
           </a:p>
         </p:txBody>
       </p:sp>
     </p:spTree>
     <p:extLst>
       <p:ext uri="{BB962C8B-B14F-4D97-AF65-F5344CB8AC3E}">
-        <p14:creationId xmlns:p14="http://schemas.microsoft.com/office/powerpoint/2010/main" val="2727199964"/>
+        <p14:creationId xmlns:p14="http://schemas.microsoft.com/office/powerpoint/2010/main" val="3033510852"/>
       </p:ext>
     </p:extLst>
   </p:cSld>
@@ -6279,6 +7405,1248 @@
           <a:p>
             <a:r>
               <a:rPr lang="en-US" dirty="0" smtClean="0"/>
+              <a:t>JMH – How it Works</a:t>
+            </a:r>
+            <a:endParaRPr lang="en-US" dirty="0"/>
+          </a:p>
+        </p:txBody>
+      </p:sp>
+      <p:sp>
+        <p:nvSpPr>
+          <p:cNvPr id="3" name="Content Placeholder 2"/>
+          <p:cNvSpPr>
+            <a:spLocks noGrp="1"/>
+          </p:cNvSpPr>
+          <p:nvPr>
+            <p:ph idx="1"/>
+          </p:nvPr>
+        </p:nvSpPr>
+        <p:spPr/>
+        <p:txBody>
+          <a:bodyPr/>
+          <a:lstStyle/>
+          <a:p>
+            <a:endParaRPr lang="en-US"/>
+          </a:p>
+        </p:txBody>
+      </p:sp>
+    </p:spTree>
+    <p:extLst>
+      <p:ext uri="{BB962C8B-B14F-4D97-AF65-F5344CB8AC3E}">
+        <p14:creationId xmlns:p14="http://schemas.microsoft.com/office/powerpoint/2010/main" val="1717836692"/>
+      </p:ext>
+    </p:extLst>
+  </p:cSld>
+  <p:clrMapOvr>
+    <a:masterClrMapping/>
+  </p:clrMapOvr>
+  <p:timing>
+    <p:tnLst>
+      <p:par>
+        <p:cTn id="1" dur="indefinite" restart="never" nodeType="tmRoot"/>
+      </p:par>
+    </p:tnLst>
+  </p:timing>
+</p:sld>
+</file>
+
+<file path=ppt/slides/slide13.xml><?xml version="1.0" encoding="utf-8"?>
+<p:sld xmlns:a="http://schemas.openxmlformats.org/drawingml/2006/main" xmlns:r="http://schemas.openxmlformats.org/officeDocument/2006/relationships" xmlns:p="http://schemas.openxmlformats.org/presentationml/2006/main">
+  <p:cSld>
+    <p:spTree>
+      <p:nvGrpSpPr>
+        <p:cNvPr id="1" name=""/>
+        <p:cNvGrpSpPr/>
+        <p:nvPr/>
+      </p:nvGrpSpPr>
+      <p:grpSpPr>
+        <a:xfrm>
+          <a:off x="0" y="0"/>
+          <a:ext cx="0" cy="0"/>
+          <a:chOff x="0" y="0"/>
+          <a:chExt cx="0" cy="0"/>
+        </a:xfrm>
+      </p:grpSpPr>
+      <p:sp>
+        <p:nvSpPr>
+          <p:cNvPr id="2" name="Title 1"/>
+          <p:cNvSpPr>
+            <a:spLocks noGrp="1"/>
+          </p:cNvSpPr>
+          <p:nvPr>
+            <p:ph type="title"/>
+          </p:nvPr>
+        </p:nvSpPr>
+        <p:spPr/>
+        <p:txBody>
+          <a:bodyPr/>
+          <a:lstStyle/>
+          <a:p>
+            <a:r>
+              <a:rPr lang="en-US" dirty="0" smtClean="0"/>
+              <a:t>JMH – Setup</a:t>
+            </a:r>
+            <a:endParaRPr lang="en-US" dirty="0"/>
+          </a:p>
+        </p:txBody>
+      </p:sp>
+      <p:sp>
+        <p:nvSpPr>
+          <p:cNvPr id="3" name="Content Placeholder 2"/>
+          <p:cNvSpPr>
+            <a:spLocks noGrp="1"/>
+          </p:cNvSpPr>
+          <p:nvPr>
+            <p:ph idx="1"/>
+          </p:nvPr>
+        </p:nvSpPr>
+        <p:spPr/>
+        <p:txBody>
+          <a:bodyPr>
+            <a:normAutofit fontScale="92500"/>
+          </a:bodyPr>
+          <a:lstStyle/>
+          <a:p>
+            <a:r>
+              <a:rPr lang="en-US" dirty="0" smtClean="0"/>
+              <a:t>Setup as a Maven project</a:t>
+            </a:r>
+          </a:p>
+          <a:p>
+            <a:pPr lvl="1"/>
+            <a:r>
+              <a:rPr lang="en-US" dirty="0" smtClean="0"/>
+              <a:t>“</a:t>
+            </a:r>
+            <a:r>
+              <a:rPr lang="en-US" dirty="0"/>
+              <a:t>The recommended way to run a JMH benchmark is to use </a:t>
+            </a:r>
+            <a:r>
+              <a:rPr lang="en-US" dirty="0">
+                <a:hlinkClick r:id="rId3"/>
+              </a:rPr>
+              <a:t>Maven</a:t>
+            </a:r>
+            <a:r>
+              <a:rPr lang="en-US" dirty="0"/>
+              <a:t> to setup a standalone project that depends on the jar files of your </a:t>
+            </a:r>
+            <a:r>
+              <a:rPr lang="en-US" dirty="0" smtClean="0"/>
+              <a:t>application”</a:t>
+            </a:r>
+          </a:p>
+          <a:p>
+            <a:r>
+              <a:rPr lang="en-US" dirty="0" smtClean="0"/>
+              <a:t>#$*@ Maven – use </a:t>
+            </a:r>
+            <a:r>
+              <a:rPr lang="en-US" dirty="0" err="1" smtClean="0"/>
+              <a:t>Gradle</a:t>
+            </a:r>
+            <a:r>
+              <a:rPr lang="en-US" dirty="0" smtClean="0"/>
+              <a:t> instead	</a:t>
+            </a:r>
+          </a:p>
+          <a:p>
+            <a:pPr lvl="1"/>
+            <a:r>
+              <a:rPr lang="en-US" dirty="0">
+                <a:hlinkClick r:id="rId4"/>
+              </a:rPr>
+              <a:t>https://</a:t>
+            </a:r>
+            <a:r>
+              <a:rPr lang="en-US" dirty="0" smtClean="0">
+                <a:hlinkClick r:id="rId4"/>
+              </a:rPr>
+              <a:t>github.com/melix/jmh-gradle-plugin</a:t>
+            </a:r>
+            <a:endParaRPr lang="en-US" dirty="0" smtClean="0"/>
+          </a:p>
+          <a:p>
+            <a:pPr lvl="1"/>
+            <a:r>
+              <a:rPr lang="en-US" dirty="0" smtClean="0"/>
+              <a:t>“The </a:t>
+            </a:r>
+            <a:r>
+              <a:rPr lang="en-US" dirty="0" err="1"/>
+              <a:t>jmh</a:t>
+            </a:r>
+            <a:r>
+              <a:rPr lang="en-US" dirty="0"/>
+              <a:t> plugin makes it easy to test existing sources without having to create a separate project for this</a:t>
+            </a:r>
+            <a:r>
+              <a:rPr lang="en-US" dirty="0" smtClean="0"/>
+              <a:t>.”</a:t>
+            </a:r>
+            <a:endParaRPr lang="en-US" dirty="0"/>
+          </a:p>
+          <a:p>
+            <a:r>
+              <a:rPr lang="en-US" dirty="0" smtClean="0"/>
+              <a:t>Runner project already setup – just add the code you want to benchmark</a:t>
+            </a:r>
+          </a:p>
+          <a:p>
+            <a:pPr lvl="1"/>
+            <a:r>
+              <a:rPr lang="en-US" dirty="0" smtClean="0"/>
+              <a:t>Type “</a:t>
+            </a:r>
+            <a:r>
+              <a:rPr lang="en-US" dirty="0" err="1" smtClean="0"/>
+              <a:t>gradle</a:t>
+            </a:r>
+            <a:r>
+              <a:rPr lang="en-US" dirty="0" smtClean="0"/>
+              <a:t> </a:t>
+            </a:r>
+            <a:r>
+              <a:rPr lang="en-US" dirty="0" err="1" smtClean="0"/>
+              <a:t>jmh</a:t>
+            </a:r>
+            <a:r>
+              <a:rPr lang="en-US" dirty="0" smtClean="0"/>
+              <a:t>” and then wait for results</a:t>
+            </a:r>
+          </a:p>
+          <a:p>
+            <a:r>
+              <a:rPr lang="en-US" dirty="0" smtClean="0"/>
+              <a:t>Possible to run within an existing project, within an IDE</a:t>
+            </a:r>
+          </a:p>
+          <a:p>
+            <a:pPr lvl="1"/>
+            <a:r>
+              <a:rPr lang="en-US" dirty="0" smtClean="0"/>
+              <a:t>Not recommended</a:t>
+            </a:r>
+          </a:p>
+        </p:txBody>
+      </p:sp>
+    </p:spTree>
+    <p:extLst>
+      <p:ext uri="{BB962C8B-B14F-4D97-AF65-F5344CB8AC3E}">
+        <p14:creationId xmlns:p14="http://schemas.microsoft.com/office/powerpoint/2010/main" val="3570349981"/>
+      </p:ext>
+    </p:extLst>
+  </p:cSld>
+  <p:clrMapOvr>
+    <a:masterClrMapping/>
+  </p:clrMapOvr>
+  <p:timing>
+    <p:tnLst>
+      <p:par>
+        <p:cTn id="1" dur="indefinite" restart="never" nodeType="tmRoot"/>
+      </p:par>
+    </p:tnLst>
+  </p:timing>
+</p:sld>
+</file>
+
+<file path=ppt/slides/slide14.xml><?xml version="1.0" encoding="utf-8"?>
+<p:sld xmlns:a="http://schemas.openxmlformats.org/drawingml/2006/main" xmlns:r="http://schemas.openxmlformats.org/officeDocument/2006/relationships" xmlns:p="http://schemas.openxmlformats.org/presentationml/2006/main">
+  <p:cSld>
+    <p:spTree>
+      <p:nvGrpSpPr>
+        <p:cNvPr id="1" name=""/>
+        <p:cNvGrpSpPr/>
+        <p:nvPr/>
+      </p:nvGrpSpPr>
+      <p:grpSpPr>
+        <a:xfrm>
+          <a:off x="0" y="0"/>
+          <a:ext cx="0" cy="0"/>
+          <a:chOff x="0" y="0"/>
+          <a:chExt cx="0" cy="0"/>
+        </a:xfrm>
+      </p:grpSpPr>
+      <p:sp>
+        <p:nvSpPr>
+          <p:cNvPr id="2" name="Title 1"/>
+          <p:cNvSpPr>
+            <a:spLocks noGrp="1"/>
+          </p:cNvSpPr>
+          <p:nvPr>
+            <p:ph type="title"/>
+          </p:nvPr>
+        </p:nvSpPr>
+        <p:spPr/>
+        <p:txBody>
+          <a:bodyPr/>
+          <a:lstStyle/>
+          <a:p>
+            <a:r>
+              <a:rPr lang="en-US" dirty="0"/>
+              <a:t>JMH – </a:t>
+            </a:r>
+            <a:r>
+              <a:rPr lang="en-US" dirty="0" smtClean="0"/>
+              <a:t>Setup (2)</a:t>
+            </a:r>
+            <a:endParaRPr lang="en-US" dirty="0"/>
+          </a:p>
+        </p:txBody>
+      </p:sp>
+      <p:sp>
+        <p:nvSpPr>
+          <p:cNvPr id="3" name="Content Placeholder 2"/>
+          <p:cNvSpPr>
+            <a:spLocks noGrp="1"/>
+          </p:cNvSpPr>
+          <p:nvPr>
+            <p:ph idx="1"/>
+          </p:nvPr>
+        </p:nvSpPr>
+        <p:spPr/>
+        <p:txBody>
+          <a:bodyPr/>
+          <a:lstStyle/>
+          <a:p>
+            <a:r>
+              <a:rPr lang="en-US" dirty="0" smtClean="0"/>
+              <a:t>Keep code and benchmarks separate</a:t>
+            </a:r>
+          </a:p>
+          <a:p>
+            <a:r>
+              <a:rPr lang="en-US" dirty="0" smtClean="0"/>
+              <a:t>In </a:t>
+            </a:r>
+            <a:r>
+              <a:rPr lang="en-US" dirty="0" err="1" smtClean="0"/>
+              <a:t>Gradle</a:t>
+            </a:r>
+            <a:r>
+              <a:rPr lang="en-US" dirty="0" smtClean="0"/>
+              <a:t>/Maven – split into 2 separate source trees</a:t>
+            </a:r>
+            <a:endParaRPr lang="en-US" dirty="0"/>
+          </a:p>
+          <a:p>
+            <a:pPr lvl="1"/>
+            <a:r>
+              <a:rPr lang="en-US" dirty="0"/>
+              <a:t>/</a:t>
+            </a:r>
+            <a:r>
+              <a:rPr lang="en-US" dirty="0" err="1" smtClean="0"/>
+              <a:t>src</a:t>
+            </a:r>
+            <a:r>
+              <a:rPr lang="en-US" dirty="0" smtClean="0"/>
+              <a:t>/main/java</a:t>
+            </a:r>
+          </a:p>
+          <a:p>
+            <a:pPr lvl="2"/>
+            <a:r>
+              <a:rPr lang="en-US" dirty="0" smtClean="0"/>
+              <a:t>Application code</a:t>
+            </a:r>
+          </a:p>
+          <a:p>
+            <a:pPr lvl="1"/>
+            <a:r>
+              <a:rPr lang="en-US" dirty="0" smtClean="0"/>
+              <a:t>/</a:t>
+            </a:r>
+            <a:r>
+              <a:rPr lang="en-US" dirty="0" err="1" smtClean="0"/>
+              <a:t>src</a:t>
+            </a:r>
+            <a:r>
+              <a:rPr lang="en-US" dirty="0" smtClean="0"/>
+              <a:t>/</a:t>
+            </a:r>
+            <a:r>
+              <a:rPr lang="en-US" dirty="0" err="1" smtClean="0"/>
+              <a:t>jmh</a:t>
+            </a:r>
+            <a:r>
+              <a:rPr lang="en-US" dirty="0" smtClean="0"/>
+              <a:t>/java</a:t>
+            </a:r>
+          </a:p>
+          <a:p>
+            <a:pPr lvl="2"/>
+            <a:r>
+              <a:rPr lang="en-US" dirty="0" smtClean="0"/>
+              <a:t>Benchmark code</a:t>
+            </a:r>
+          </a:p>
+          <a:p>
+            <a:r>
+              <a:rPr lang="en-US" dirty="0" smtClean="0"/>
+              <a:t>Or build a benchmark project which depends on your application jar(s)</a:t>
+            </a:r>
+          </a:p>
+        </p:txBody>
+      </p:sp>
+    </p:spTree>
+    <p:extLst>
+      <p:ext uri="{BB962C8B-B14F-4D97-AF65-F5344CB8AC3E}">
+        <p14:creationId xmlns:p14="http://schemas.microsoft.com/office/powerpoint/2010/main" val="324309615"/>
+      </p:ext>
+    </p:extLst>
+  </p:cSld>
+  <p:clrMapOvr>
+    <a:masterClrMapping/>
+  </p:clrMapOvr>
+  <p:timing>
+    <p:tnLst>
+      <p:par>
+        <p:cTn id="1" dur="indefinite" restart="never" nodeType="tmRoot"/>
+      </p:par>
+    </p:tnLst>
+  </p:timing>
+</p:sld>
+</file>
+
+<file path=ppt/slides/slide15.xml><?xml version="1.0" encoding="utf-8"?>
+<p:sld xmlns:a="http://schemas.openxmlformats.org/drawingml/2006/main" xmlns:r="http://schemas.openxmlformats.org/officeDocument/2006/relationships" xmlns:p="http://schemas.openxmlformats.org/presentationml/2006/main">
+  <p:cSld>
+    <p:spTree>
+      <p:nvGrpSpPr>
+        <p:cNvPr id="1" name=""/>
+        <p:cNvGrpSpPr/>
+        <p:nvPr/>
+      </p:nvGrpSpPr>
+      <p:grpSpPr>
+        <a:xfrm>
+          <a:off x="0" y="0"/>
+          <a:ext cx="0" cy="0"/>
+          <a:chOff x="0" y="0"/>
+          <a:chExt cx="0" cy="0"/>
+        </a:xfrm>
+      </p:grpSpPr>
+      <p:sp>
+        <p:nvSpPr>
+          <p:cNvPr id="2" name="Title 1"/>
+          <p:cNvSpPr>
+            <a:spLocks noGrp="1"/>
+          </p:cNvSpPr>
+          <p:nvPr>
+            <p:ph type="title"/>
+          </p:nvPr>
+        </p:nvSpPr>
+        <p:spPr/>
+        <p:txBody>
+          <a:bodyPr/>
+          <a:lstStyle/>
+          <a:p>
+            <a:r>
+              <a:rPr lang="en-US" dirty="0" smtClean="0"/>
+              <a:t>JMH – Defaults</a:t>
+            </a:r>
+            <a:endParaRPr lang="en-US" dirty="0"/>
+          </a:p>
+        </p:txBody>
+      </p:sp>
+      <p:sp>
+        <p:nvSpPr>
+          <p:cNvPr id="3" name="Content Placeholder 2"/>
+          <p:cNvSpPr>
+            <a:spLocks noGrp="1"/>
+          </p:cNvSpPr>
+          <p:nvPr>
+            <p:ph idx="1"/>
+          </p:nvPr>
+        </p:nvSpPr>
+        <p:spPr/>
+        <p:txBody>
+          <a:bodyPr/>
+          <a:lstStyle/>
+          <a:p>
+            <a:r>
+              <a:rPr lang="en-US" dirty="0" smtClean="0"/>
+              <a:t>Each benchmark run 20 warm-up rounds (max 1 second each)</a:t>
+            </a:r>
+          </a:p>
+          <a:p>
+            <a:r>
+              <a:rPr lang="en-US" dirty="0" smtClean="0"/>
+              <a:t>Then 20 measurement rounds (max 1 second each)</a:t>
+            </a:r>
+          </a:p>
+          <a:p>
+            <a:r>
+              <a:rPr lang="en-US" dirty="0" smtClean="0"/>
+              <a:t>Launches a new JVM 10 times for running each benchmark</a:t>
+            </a:r>
+          </a:p>
+          <a:p>
+            <a:r>
+              <a:rPr lang="en-US" dirty="0" smtClean="0"/>
+              <a:t>Command line flags and source annotations can customize this per benchmark</a:t>
+            </a:r>
+          </a:p>
+          <a:p>
+            <a:pPr lvl="1"/>
+            <a:r>
+              <a:rPr lang="en-US" dirty="0" smtClean="0"/>
+              <a:t>Running through </a:t>
+            </a:r>
+            <a:r>
+              <a:rPr lang="en-US" dirty="0" err="1" smtClean="0"/>
+              <a:t>Gradle</a:t>
+            </a:r>
+            <a:r>
+              <a:rPr lang="en-US" dirty="0" smtClean="0"/>
+              <a:t> – configurable in build script</a:t>
+            </a:r>
+          </a:p>
+          <a:p>
+            <a:pPr lvl="1"/>
+            <a:r>
+              <a:rPr lang="en-US" dirty="0">
+                <a:hlinkClick r:id="rId3"/>
+              </a:rPr>
+              <a:t>https://</a:t>
+            </a:r>
+            <a:r>
+              <a:rPr lang="en-US" dirty="0" smtClean="0">
+                <a:hlinkClick r:id="rId3"/>
+              </a:rPr>
+              <a:t>github.com/melix/jmh-gradle-plugin#configuration-options</a:t>
+            </a:r>
+            <a:endParaRPr lang="en-US" dirty="0" smtClean="0"/>
+          </a:p>
+          <a:p>
+            <a:pPr lvl="1"/>
+            <a:endParaRPr lang="en-US" dirty="0"/>
+          </a:p>
+        </p:txBody>
+      </p:sp>
+    </p:spTree>
+    <p:extLst>
+      <p:ext uri="{BB962C8B-B14F-4D97-AF65-F5344CB8AC3E}">
+        <p14:creationId xmlns:p14="http://schemas.microsoft.com/office/powerpoint/2010/main" val="2162986850"/>
+      </p:ext>
+    </p:extLst>
+  </p:cSld>
+  <p:clrMapOvr>
+    <a:masterClrMapping/>
+  </p:clrMapOvr>
+  <p:timing>
+    <p:tnLst>
+      <p:par>
+        <p:cTn id="1" dur="indefinite" restart="never" nodeType="tmRoot"/>
+      </p:par>
+    </p:tnLst>
+  </p:timing>
+</p:sld>
+</file>
+
+<file path=ppt/slides/slide16.xml><?xml version="1.0" encoding="utf-8"?>
+<p:sld xmlns:a="http://schemas.openxmlformats.org/drawingml/2006/main" xmlns:r="http://schemas.openxmlformats.org/officeDocument/2006/relationships" xmlns:p="http://schemas.openxmlformats.org/presentationml/2006/main">
+  <p:cSld>
+    <p:spTree>
+      <p:nvGrpSpPr>
+        <p:cNvPr id="1" name=""/>
+        <p:cNvGrpSpPr/>
+        <p:nvPr/>
+      </p:nvGrpSpPr>
+      <p:grpSpPr>
+        <a:xfrm>
+          <a:off x="0" y="0"/>
+          <a:ext cx="0" cy="0"/>
+          <a:chOff x="0" y="0"/>
+          <a:chExt cx="0" cy="0"/>
+        </a:xfrm>
+      </p:grpSpPr>
+      <p:sp>
+        <p:nvSpPr>
+          <p:cNvPr id="2" name="Title 1"/>
+          <p:cNvSpPr>
+            <a:spLocks noGrp="1"/>
+          </p:cNvSpPr>
+          <p:nvPr>
+            <p:ph type="title"/>
+          </p:nvPr>
+        </p:nvSpPr>
+        <p:spPr/>
+        <p:txBody>
+          <a:bodyPr/>
+          <a:lstStyle/>
+          <a:p>
+            <a:r>
+              <a:rPr lang="en-US" dirty="0" smtClean="0"/>
+              <a:t>JMH – Hello World</a:t>
+            </a:r>
+            <a:endParaRPr lang="en-US" dirty="0"/>
+          </a:p>
+        </p:txBody>
+      </p:sp>
+      <p:sp>
+        <p:nvSpPr>
+          <p:cNvPr id="3" name="Content Placeholder 2"/>
+          <p:cNvSpPr>
+            <a:spLocks noGrp="1"/>
+          </p:cNvSpPr>
+          <p:nvPr>
+            <p:ph idx="1"/>
+          </p:nvPr>
+        </p:nvSpPr>
+        <p:spPr/>
+        <p:txBody>
+          <a:bodyPr/>
+          <a:lstStyle/>
+          <a:p>
+            <a:r>
+              <a:rPr lang="en-US" dirty="0" smtClean="0"/>
+              <a:t>JMH-Runner project is self-contained example</a:t>
+            </a:r>
+          </a:p>
+          <a:p>
+            <a:r>
+              <a:rPr lang="en-US" dirty="0" smtClean="0"/>
+              <a:t>Output in build/reports/</a:t>
+            </a:r>
+            <a:r>
+              <a:rPr lang="en-US" dirty="0" err="1" smtClean="0"/>
+              <a:t>jmh</a:t>
+            </a:r>
+            <a:r>
+              <a:rPr lang="en-US" dirty="0" smtClean="0"/>
+              <a:t>/human.txt</a:t>
+            </a:r>
+            <a:endParaRPr lang="en-US" dirty="0"/>
+          </a:p>
+        </p:txBody>
+      </p:sp>
+    </p:spTree>
+    <p:extLst>
+      <p:ext uri="{BB962C8B-B14F-4D97-AF65-F5344CB8AC3E}">
+        <p14:creationId xmlns:p14="http://schemas.microsoft.com/office/powerpoint/2010/main" val="1353279716"/>
+      </p:ext>
+    </p:extLst>
+  </p:cSld>
+  <p:clrMapOvr>
+    <a:masterClrMapping/>
+  </p:clrMapOvr>
+  <p:timing>
+    <p:tnLst>
+      <p:par>
+        <p:cTn id="1" dur="indefinite" restart="never" nodeType="tmRoot"/>
+      </p:par>
+    </p:tnLst>
+  </p:timing>
+</p:sld>
+</file>
+
+<file path=ppt/slides/slide17.xml><?xml version="1.0" encoding="utf-8"?>
+<p:sld xmlns:a="http://schemas.openxmlformats.org/drawingml/2006/main" xmlns:r="http://schemas.openxmlformats.org/officeDocument/2006/relationships" xmlns:p="http://schemas.openxmlformats.org/presentationml/2006/main">
+  <p:cSld>
+    <p:spTree>
+      <p:nvGrpSpPr>
+        <p:cNvPr id="1" name=""/>
+        <p:cNvGrpSpPr/>
+        <p:nvPr/>
+      </p:nvGrpSpPr>
+      <p:grpSpPr>
+        <a:xfrm>
+          <a:off x="0" y="0"/>
+          <a:ext cx="0" cy="0"/>
+          <a:chOff x="0" y="0"/>
+          <a:chExt cx="0" cy="0"/>
+        </a:xfrm>
+      </p:grpSpPr>
+      <p:sp>
+        <p:nvSpPr>
+          <p:cNvPr id="2" name="Title 1"/>
+          <p:cNvSpPr>
+            <a:spLocks noGrp="1"/>
+          </p:cNvSpPr>
+          <p:nvPr>
+            <p:ph type="title"/>
+          </p:nvPr>
+        </p:nvSpPr>
+        <p:spPr/>
+        <p:txBody>
+          <a:bodyPr/>
+          <a:lstStyle/>
+          <a:p>
+            <a:r>
+              <a:rPr lang="en-US" dirty="0" smtClean="0"/>
+              <a:t>Sample JMH Output</a:t>
+            </a:r>
+            <a:endParaRPr lang="en-US" dirty="0"/>
+          </a:p>
+        </p:txBody>
+      </p:sp>
+      <p:sp>
+        <p:nvSpPr>
+          <p:cNvPr id="3" name="Content Placeholder 2"/>
+          <p:cNvSpPr>
+            <a:spLocks noGrp="1"/>
+          </p:cNvSpPr>
+          <p:nvPr>
+            <p:ph idx="1"/>
+          </p:nvPr>
+        </p:nvSpPr>
+        <p:spPr/>
+        <p:txBody>
+          <a:bodyPr>
+            <a:normAutofit fontScale="92500" lnSpcReduction="20000"/>
+          </a:bodyPr>
+          <a:lstStyle/>
+          <a:p>
+            <a:r>
+              <a:rPr lang="en-US" dirty="0" smtClean="0"/>
+              <a:t>doc\sample-human.txt</a:t>
+            </a:r>
+          </a:p>
+          <a:p>
+            <a:r>
+              <a:rPr lang="en-US" dirty="0" smtClean="0"/>
+              <a:t>Configuration Info</a:t>
+            </a:r>
+          </a:p>
+          <a:p>
+            <a:pPr lvl="1"/>
+            <a:r>
+              <a:rPr lang="en-US" dirty="0" smtClean="0"/>
+              <a:t>JMH, JVM version</a:t>
+            </a:r>
+          </a:p>
+          <a:p>
+            <a:pPr lvl="1"/>
+            <a:r>
+              <a:rPr lang="en-US" dirty="0" smtClean="0"/>
+              <a:t>JVM Configuration</a:t>
+            </a:r>
+          </a:p>
+          <a:p>
+            <a:pPr lvl="1"/>
+            <a:r>
+              <a:rPr lang="en-US" dirty="0" smtClean="0"/>
+              <a:t>JMH Configuration</a:t>
+            </a:r>
+          </a:p>
+          <a:p>
+            <a:r>
+              <a:rPr lang="en-US" dirty="0" smtClean="0"/>
+              <a:t>Profiling Results</a:t>
+            </a:r>
+          </a:p>
+          <a:p>
+            <a:pPr lvl="1"/>
+            <a:r>
+              <a:rPr lang="en-US" dirty="0" smtClean="0"/>
+              <a:t>Operations / second (default output mode) </a:t>
+            </a:r>
+          </a:p>
+          <a:p>
+            <a:pPr lvl="1"/>
+            <a:r>
+              <a:rPr lang="en-US" dirty="0" smtClean="0"/>
+              <a:t>Computed statistics (min, </a:t>
+            </a:r>
+            <a:r>
+              <a:rPr lang="en-US" dirty="0" err="1" smtClean="0"/>
+              <a:t>avg</a:t>
+            </a:r>
+            <a:r>
+              <a:rPr lang="en-US" dirty="0" smtClean="0"/>
+              <a:t>, max, </a:t>
+            </a:r>
+            <a:r>
+              <a:rPr lang="en-US" dirty="0" err="1" smtClean="0"/>
+              <a:t>stdev</a:t>
+            </a:r>
+            <a:r>
+              <a:rPr lang="en-US" dirty="0" smtClean="0"/>
+              <a:t>, confidence interval)</a:t>
+            </a:r>
+          </a:p>
+          <a:p>
+            <a:r>
+              <a:rPr lang="en-US" dirty="0" smtClean="0"/>
+              <a:t>What’s missing?</a:t>
+            </a:r>
+          </a:p>
+          <a:p>
+            <a:pPr lvl="1"/>
+            <a:r>
+              <a:rPr lang="en-US" dirty="0" smtClean="0"/>
+              <a:t>OS</a:t>
+            </a:r>
+          </a:p>
+          <a:p>
+            <a:pPr lvl="1"/>
+            <a:r>
+              <a:rPr lang="en-US" dirty="0" smtClean="0"/>
+              <a:t>Hardware</a:t>
+            </a:r>
+          </a:p>
+          <a:p>
+            <a:pPr lvl="1"/>
+            <a:r>
+              <a:rPr lang="en-US" dirty="0" smtClean="0"/>
+              <a:t>System Load</a:t>
+            </a:r>
+            <a:endParaRPr lang="en-US" dirty="0"/>
+          </a:p>
+        </p:txBody>
+      </p:sp>
+    </p:spTree>
+    <p:extLst>
+      <p:ext uri="{BB962C8B-B14F-4D97-AF65-F5344CB8AC3E}">
+        <p14:creationId xmlns:p14="http://schemas.microsoft.com/office/powerpoint/2010/main" val="3822949413"/>
+      </p:ext>
+    </p:extLst>
+  </p:cSld>
+  <p:clrMapOvr>
+    <a:masterClrMapping/>
+  </p:clrMapOvr>
+  <p:timing>
+    <p:tnLst>
+      <p:par>
+        <p:cTn id="1" dur="indefinite" restart="never" nodeType="tmRoot"/>
+      </p:par>
+    </p:tnLst>
+  </p:timing>
+</p:sld>
+</file>
+
+<file path=ppt/slides/slide18.xml><?xml version="1.0" encoding="utf-8"?>
+<p:sld xmlns:a="http://schemas.openxmlformats.org/drawingml/2006/main" xmlns:r="http://schemas.openxmlformats.org/officeDocument/2006/relationships" xmlns:p="http://schemas.openxmlformats.org/presentationml/2006/main">
+  <p:cSld>
+    <p:spTree>
+      <p:nvGrpSpPr>
+        <p:cNvPr id="1" name=""/>
+        <p:cNvGrpSpPr/>
+        <p:nvPr/>
+      </p:nvGrpSpPr>
+      <p:grpSpPr>
+        <a:xfrm>
+          <a:off x="0" y="0"/>
+          <a:ext cx="0" cy="0"/>
+          <a:chOff x="0" y="0"/>
+          <a:chExt cx="0" cy="0"/>
+        </a:xfrm>
+      </p:grpSpPr>
+      <p:sp>
+        <p:nvSpPr>
+          <p:cNvPr id="2" name="Title 1"/>
+          <p:cNvSpPr>
+            <a:spLocks noGrp="1"/>
+          </p:cNvSpPr>
+          <p:nvPr>
+            <p:ph type="title"/>
+          </p:nvPr>
+        </p:nvSpPr>
+        <p:spPr/>
+        <p:txBody>
+          <a:bodyPr/>
+          <a:lstStyle/>
+          <a:p>
+            <a:r>
+              <a:rPr lang="en-US" dirty="0" smtClean="0"/>
+              <a:t>Setting JVM/JMH Configuration </a:t>
+            </a:r>
+            <a:endParaRPr lang="en-US" dirty="0"/>
+          </a:p>
+        </p:txBody>
+      </p:sp>
+      <p:sp>
+        <p:nvSpPr>
+          <p:cNvPr id="3" name="Content Placeholder 2"/>
+          <p:cNvSpPr>
+            <a:spLocks noGrp="1"/>
+          </p:cNvSpPr>
+          <p:nvPr>
+            <p:ph idx="1"/>
+          </p:nvPr>
+        </p:nvSpPr>
+        <p:spPr/>
+        <p:txBody>
+          <a:bodyPr/>
+          <a:lstStyle/>
+          <a:p>
+            <a:r>
+              <a:rPr lang="en-US" dirty="0" smtClean="0"/>
+              <a:t>Like many annotations – most specific wins</a:t>
+            </a:r>
+          </a:p>
+          <a:p>
+            <a:pPr lvl="1"/>
+            <a:r>
+              <a:rPr lang="en-US" dirty="0" smtClean="0"/>
+              <a:t>Defaults in </a:t>
+            </a:r>
+            <a:r>
+              <a:rPr lang="en-US" dirty="0" err="1" smtClean="0"/>
+              <a:t>build.gradle</a:t>
+            </a:r>
+            <a:r>
+              <a:rPr lang="en-US" dirty="0" smtClean="0"/>
+              <a:t> file for all </a:t>
+            </a:r>
+            <a:r>
+              <a:rPr lang="en-US" dirty="0" err="1" smtClean="0"/>
+              <a:t>jmh</a:t>
+            </a:r>
+            <a:r>
+              <a:rPr lang="en-US" dirty="0" smtClean="0"/>
+              <a:t> benchmarks</a:t>
+            </a:r>
+          </a:p>
+          <a:p>
+            <a:pPr lvl="1"/>
+            <a:r>
+              <a:rPr lang="en-US" dirty="0" smtClean="0"/>
+              <a:t>Override at class level (benchmark class) with JMH annotations</a:t>
+            </a:r>
+          </a:p>
+          <a:p>
+            <a:pPr lvl="1"/>
+            <a:r>
+              <a:rPr lang="en-US" dirty="0" smtClean="0"/>
+              <a:t>Override at method level (@Benchmark method) with other JMH annotations</a:t>
+            </a:r>
+          </a:p>
+          <a:p>
+            <a:r>
+              <a:rPr lang="en-US" dirty="0" smtClean="0"/>
+              <a:t>Both JMH and many relevant JVM options</a:t>
+            </a:r>
+            <a:endParaRPr lang="en-US" dirty="0"/>
+          </a:p>
+        </p:txBody>
+      </p:sp>
+    </p:spTree>
+    <p:extLst>
+      <p:ext uri="{BB962C8B-B14F-4D97-AF65-F5344CB8AC3E}">
+        <p14:creationId xmlns:p14="http://schemas.microsoft.com/office/powerpoint/2010/main" val="1241904274"/>
+      </p:ext>
+    </p:extLst>
+  </p:cSld>
+  <p:clrMapOvr>
+    <a:masterClrMapping/>
+  </p:clrMapOvr>
+  <p:timing>
+    <p:tnLst>
+      <p:par>
+        <p:cTn id="1" dur="indefinite" restart="never" nodeType="tmRoot"/>
+      </p:par>
+    </p:tnLst>
+  </p:timing>
+</p:sld>
+</file>
+
+<file path=ppt/slides/slide19.xml><?xml version="1.0" encoding="utf-8"?>
+<p:sld xmlns:a="http://schemas.openxmlformats.org/drawingml/2006/main" xmlns:r="http://schemas.openxmlformats.org/officeDocument/2006/relationships" xmlns:p="http://schemas.openxmlformats.org/presentationml/2006/main">
+  <p:cSld>
+    <p:spTree>
+      <p:nvGrpSpPr>
+        <p:cNvPr id="1" name=""/>
+        <p:cNvGrpSpPr/>
+        <p:nvPr/>
+      </p:nvGrpSpPr>
+      <p:grpSpPr>
+        <a:xfrm>
+          <a:off x="0" y="0"/>
+          <a:ext cx="0" cy="0"/>
+          <a:chOff x="0" y="0"/>
+          <a:chExt cx="0" cy="0"/>
+        </a:xfrm>
+      </p:grpSpPr>
+      <p:sp>
+        <p:nvSpPr>
+          <p:cNvPr id="2" name="Title 1"/>
+          <p:cNvSpPr>
+            <a:spLocks noGrp="1"/>
+          </p:cNvSpPr>
+          <p:nvPr>
+            <p:ph type="title"/>
+          </p:nvPr>
+        </p:nvSpPr>
+        <p:spPr/>
+        <p:txBody>
+          <a:bodyPr/>
+          <a:lstStyle/>
+          <a:p>
+            <a:r>
+              <a:rPr lang="en-US" dirty="0" smtClean="0"/>
+              <a:t>Demo 1</a:t>
+            </a:r>
+            <a:endParaRPr lang="en-US" dirty="0"/>
+          </a:p>
+        </p:txBody>
+      </p:sp>
+      <p:sp>
+        <p:nvSpPr>
+          <p:cNvPr id="3" name="Content Placeholder 2"/>
+          <p:cNvSpPr>
+            <a:spLocks noGrp="1"/>
+          </p:cNvSpPr>
+          <p:nvPr>
+            <p:ph idx="1"/>
+          </p:nvPr>
+        </p:nvSpPr>
+        <p:spPr/>
+        <p:txBody>
+          <a:bodyPr/>
+          <a:lstStyle/>
+          <a:p>
+            <a:r>
+              <a:rPr lang="en-US" dirty="0" smtClean="0"/>
+              <a:t>Goal – measure the cost of an addition</a:t>
+            </a:r>
+          </a:p>
+          <a:p>
+            <a:r>
+              <a:rPr lang="en-US" dirty="0" smtClean="0"/>
+              <a:t>Baseline method – cost</a:t>
+            </a:r>
+            <a:r>
+              <a:rPr lang="en-US" dirty="0"/>
+              <a:t> </a:t>
+            </a:r>
+            <a:r>
+              <a:rPr lang="en-US" dirty="0" smtClean="0"/>
+              <a:t>of a method call doing everything EXCEPT the addition</a:t>
+            </a:r>
+          </a:p>
+          <a:p>
+            <a:r>
+              <a:rPr lang="en-US" dirty="0" smtClean="0"/>
+              <a:t>Returning values from @Benchmark methods is important</a:t>
+            </a:r>
+          </a:p>
+          <a:p>
+            <a:pPr lvl="1"/>
+            <a:r>
+              <a:rPr lang="en-US" dirty="0" smtClean="0"/>
+              <a:t>Without it VM is very likely to optimize away the method calls completely</a:t>
+            </a:r>
+          </a:p>
+          <a:p>
+            <a:r>
+              <a:rPr lang="en-US" dirty="0" smtClean="0"/>
+              <a:t>Configuring benchmarks via annotations rather than </a:t>
+            </a:r>
+            <a:r>
+              <a:rPr lang="en-US" dirty="0" err="1" smtClean="0"/>
+              <a:t>Gradle</a:t>
+            </a:r>
+            <a:r>
+              <a:rPr lang="en-US" dirty="0" smtClean="0"/>
+              <a:t> properties</a:t>
+            </a:r>
+          </a:p>
+          <a:p>
+            <a:r>
+              <a:rPr lang="en-US" dirty="0" smtClean="0"/>
+              <a:t>The @State annotation tells JMH to keep x and y thread-scoped (more on this later)</a:t>
+            </a:r>
+          </a:p>
+        </p:txBody>
+      </p:sp>
+    </p:spTree>
+    <p:extLst>
+      <p:ext uri="{BB962C8B-B14F-4D97-AF65-F5344CB8AC3E}">
+        <p14:creationId xmlns:p14="http://schemas.microsoft.com/office/powerpoint/2010/main" val="2727199964"/>
+      </p:ext>
+    </p:extLst>
+  </p:cSld>
+  <p:clrMapOvr>
+    <a:masterClrMapping/>
+  </p:clrMapOvr>
+  <p:timing>
+    <p:tnLst>
+      <p:par>
+        <p:cTn id="1" dur="indefinite" restart="never" nodeType="tmRoot"/>
+      </p:par>
+    </p:tnLst>
+  </p:timing>
+</p:sld>
+</file>
+
+<file path=ppt/slides/slide2.xml><?xml version="1.0" encoding="utf-8"?>
+<p:sld xmlns:a="http://schemas.openxmlformats.org/drawingml/2006/main" xmlns:r="http://schemas.openxmlformats.org/officeDocument/2006/relationships" xmlns:p="http://schemas.openxmlformats.org/presentationml/2006/main">
+  <p:cSld>
+    <p:spTree>
+      <p:nvGrpSpPr>
+        <p:cNvPr id="1" name=""/>
+        <p:cNvGrpSpPr/>
+        <p:nvPr/>
+      </p:nvGrpSpPr>
+      <p:grpSpPr>
+        <a:xfrm>
+          <a:off x="0" y="0"/>
+          <a:ext cx="0" cy="0"/>
+          <a:chOff x="0" y="0"/>
+          <a:chExt cx="0" cy="0"/>
+        </a:xfrm>
+      </p:grpSpPr>
+      <p:sp>
+        <p:nvSpPr>
+          <p:cNvPr id="2" name="Title 1"/>
+          <p:cNvSpPr>
+            <a:spLocks noGrp="1"/>
+          </p:cNvSpPr>
+          <p:nvPr>
+            <p:ph type="title"/>
+          </p:nvPr>
+        </p:nvSpPr>
+        <p:spPr/>
+        <p:txBody>
+          <a:bodyPr/>
+          <a:lstStyle/>
+          <a:p>
+            <a:r>
+              <a:rPr lang="en-US" dirty="0" smtClean="0"/>
+              <a:t>What’s a </a:t>
+            </a:r>
+            <a:r>
+              <a:rPr lang="en-US" dirty="0" err="1" smtClean="0"/>
+              <a:t>Microbenchmark</a:t>
+            </a:r>
+            <a:r>
+              <a:rPr lang="en-US" dirty="0" smtClean="0"/>
+              <a:t>?</a:t>
+            </a:r>
+            <a:endParaRPr lang="en-US" dirty="0"/>
+          </a:p>
+        </p:txBody>
+      </p:sp>
+      <p:sp>
+        <p:nvSpPr>
+          <p:cNvPr id="3" name="Content Placeholder 2"/>
+          <p:cNvSpPr>
+            <a:spLocks noGrp="1"/>
+          </p:cNvSpPr>
+          <p:nvPr>
+            <p:ph idx="1"/>
+          </p:nvPr>
+        </p:nvSpPr>
+        <p:spPr/>
+        <p:txBody>
+          <a:bodyPr/>
+          <a:lstStyle/>
+          <a:p>
+            <a:r>
+              <a:rPr lang="en-US" dirty="0" smtClean="0"/>
+              <a:t>Measure the performance a </a:t>
+            </a:r>
+            <a:r>
+              <a:rPr lang="en-US" dirty="0"/>
+              <a:t>particular piece of code, NOT an entire application </a:t>
+            </a:r>
+            <a:r>
+              <a:rPr lang="en-US" dirty="0" smtClean="0"/>
+              <a:t>stack</a:t>
+            </a:r>
+          </a:p>
+          <a:p>
+            <a:pPr lvl="1"/>
+            <a:r>
+              <a:rPr lang="en-US" dirty="0" smtClean="0"/>
+              <a:t>“Which is faster, X or Y?”</a:t>
+            </a:r>
+          </a:p>
+          <a:p>
+            <a:r>
+              <a:rPr lang="en-US" dirty="0" smtClean="0"/>
+              <a:t>Scope of what is benchmarked is just a few lines or method calls</a:t>
+            </a:r>
+          </a:p>
+          <a:p>
+            <a:r>
+              <a:rPr lang="en-US" dirty="0" smtClean="0"/>
+              <a:t>Examples</a:t>
+            </a:r>
+          </a:p>
+          <a:p>
+            <a:pPr lvl="1"/>
+            <a:r>
+              <a:rPr lang="en-US" dirty="0" smtClean="0"/>
+              <a:t>Comparing logically equivalent pieces of code</a:t>
+            </a:r>
+          </a:p>
+          <a:p>
+            <a:pPr lvl="1"/>
+            <a:r>
+              <a:rPr lang="en-US" dirty="0" smtClean="0"/>
+              <a:t>Comparing different implementations of an algorithm</a:t>
+            </a:r>
+          </a:p>
+          <a:p>
+            <a:pPr lvl="1"/>
+            <a:r>
+              <a:rPr lang="en-US" dirty="0" smtClean="0"/>
+              <a:t>Determining the time added (versus some baseline measurement) by running some piece of code</a:t>
+            </a:r>
+          </a:p>
+          <a:p>
+            <a:endParaRPr lang="en-US" dirty="0"/>
+          </a:p>
+        </p:txBody>
+      </p:sp>
+    </p:spTree>
+    <p:extLst>
+      <p:ext uri="{BB962C8B-B14F-4D97-AF65-F5344CB8AC3E}">
+        <p14:creationId xmlns:p14="http://schemas.microsoft.com/office/powerpoint/2010/main" val="3107332094"/>
+      </p:ext>
+    </p:extLst>
+  </p:cSld>
+  <p:clrMapOvr>
+    <a:masterClrMapping/>
+  </p:clrMapOvr>
+  <p:timing>
+    <p:tnLst>
+      <p:par>
+        <p:cTn id="1" dur="indefinite" restart="never" nodeType="tmRoot"/>
+      </p:par>
+    </p:tnLst>
+  </p:timing>
+</p:sld>
+</file>
+
+<file path=ppt/slides/slide20.xml><?xml version="1.0" encoding="utf-8"?>
+<p:sld xmlns:a="http://schemas.openxmlformats.org/drawingml/2006/main" xmlns:r="http://schemas.openxmlformats.org/officeDocument/2006/relationships" xmlns:p="http://schemas.openxmlformats.org/presentationml/2006/main">
+  <p:cSld>
+    <p:spTree>
+      <p:nvGrpSpPr>
+        <p:cNvPr id="1" name=""/>
+        <p:cNvGrpSpPr/>
+        <p:nvPr/>
+      </p:nvGrpSpPr>
+      <p:grpSpPr>
+        <a:xfrm>
+          <a:off x="0" y="0"/>
+          <a:ext cx="0" cy="0"/>
+          <a:chOff x="0" y="0"/>
+          <a:chExt cx="0" cy="0"/>
+        </a:xfrm>
+      </p:grpSpPr>
+      <p:sp>
+        <p:nvSpPr>
+          <p:cNvPr id="2" name="Title 1"/>
+          <p:cNvSpPr>
+            <a:spLocks noGrp="1"/>
+          </p:cNvSpPr>
+          <p:nvPr>
+            <p:ph type="title"/>
+          </p:nvPr>
+        </p:nvSpPr>
+        <p:spPr/>
+        <p:txBody>
+          <a:bodyPr/>
+          <a:lstStyle/>
+          <a:p>
+            <a:r>
+              <a:rPr lang="en-US" dirty="0" smtClean="0"/>
               <a:t>Levels of Repetition</a:t>
             </a:r>
             <a:endParaRPr lang="en-US" dirty="0"/>
@@ -6354,7 +8722,7 @@
 </p:sld>
 </file>
 
-<file path=ppt/slides/slide13.xml><?xml version="1.0" encoding="utf-8"?>
+<file path=ppt/slides/slide21.xml><?xml version="1.0" encoding="utf-8"?>
 <p:sld xmlns:a="http://schemas.openxmlformats.org/drawingml/2006/main" xmlns:r="http://schemas.openxmlformats.org/officeDocument/2006/relationships" xmlns:p="http://schemas.openxmlformats.org/presentationml/2006/main">
   <p:cSld>
     <p:spTree>
@@ -6443,7 +8811,7 @@
 </p:sld>
 </file>
 
-<file path=ppt/slides/slide14.xml><?xml version="1.0" encoding="utf-8"?>
+<file path=ppt/slides/slide22.xml><?xml version="1.0" encoding="utf-8"?>
 <p:sld xmlns:a="http://schemas.openxmlformats.org/drawingml/2006/main" xmlns:r="http://schemas.openxmlformats.org/officeDocument/2006/relationships" xmlns:p="http://schemas.openxmlformats.org/presentationml/2006/main">
   <p:cSld>
     <p:spTree>
@@ -6511,7 +8879,7 @@
 </p:sld>
 </file>
 
-<file path=ppt/slides/slide15.xml><?xml version="1.0" encoding="utf-8"?>
+<file path=ppt/slides/slide23.xml><?xml version="1.0" encoding="utf-8"?>
 <p:sld xmlns:a="http://schemas.openxmlformats.org/drawingml/2006/main" xmlns:r="http://schemas.openxmlformats.org/officeDocument/2006/relationships" xmlns:p="http://schemas.openxmlformats.org/presentationml/2006/main">
   <p:cSld>
     <p:spTree>
@@ -6607,16 +8975,11 @@
               <a:rPr lang="en-US" dirty="0" smtClean="0"/>
               <a:t>.</a:t>
             </a:r>
-            <a:endParaRPr lang="en-US" dirty="0" smtClean="0"/>
-          </a:p>
-          <a:p>
-            <a:r>
-              <a:rPr lang="en-US" dirty="0" smtClean="0"/>
-              <a:t>@Setup / </a:t>
-            </a:r>
-            <a:r>
-              <a:rPr lang="en-US" dirty="0" smtClean="0"/>
-              <a:t>@</a:t>
+          </a:p>
+          <a:p>
+            <a:r>
+              <a:rPr lang="en-US" dirty="0" smtClean="0"/>
+              <a:t>@Setup / @</a:t>
             </a:r>
             <a:r>
               <a:rPr lang="en-US" dirty="0" err="1" smtClean="0"/>
@@ -6644,10 +9007,17 @@
   <p:clrMapOvr>
     <a:masterClrMapping/>
   </p:clrMapOvr>
+  <p:timing>
+    <p:tnLst>
+      <p:par>
+        <p:cTn id="1" dur="indefinite" restart="never" nodeType="tmRoot"/>
+      </p:par>
+    </p:tnLst>
+  </p:timing>
 </p:sld>
 </file>
 
-<file path=ppt/slides/slide16.xml><?xml version="1.0" encoding="utf-8"?>
+<file path=ppt/slides/slide24.xml><?xml version="1.0" encoding="utf-8"?>
 <p:sld xmlns:a="http://schemas.openxmlformats.org/drawingml/2006/main" xmlns:r="http://schemas.openxmlformats.org/officeDocument/2006/relationships" xmlns:p="http://schemas.openxmlformats.org/presentationml/2006/main">
   <p:cSld>
     <p:spTree>
@@ -6961,7 +9331,7 @@
 </p:sld>
 </file>
 
-<file path=ppt/slides/slide17.xml><?xml version="1.0" encoding="utf-8"?>
+<file path=ppt/slides/slide25.xml><?xml version="1.0" encoding="utf-8"?>
 <p:sld xmlns:a="http://schemas.openxmlformats.org/drawingml/2006/main" xmlns:r="http://schemas.openxmlformats.org/officeDocument/2006/relationships" xmlns:p="http://schemas.openxmlformats.org/presentationml/2006/main">
   <p:cSld>
     <p:spTree>
@@ -7425,10 +9795,17 @@
   <p:clrMapOvr>
     <a:masterClrMapping/>
   </p:clrMapOvr>
+  <p:timing>
+    <p:tnLst>
+      <p:par>
+        <p:cTn id="1" dur="indefinite" restart="never" nodeType="tmRoot"/>
+      </p:par>
+    </p:tnLst>
+  </p:timing>
 </p:sld>
 </file>
 
-<file path=ppt/slides/slide18.xml><?xml version="1.0" encoding="utf-8"?>
+<file path=ppt/slides/slide26.xml><?xml version="1.0" encoding="utf-8"?>
 <p:sld xmlns:a="http://schemas.openxmlformats.org/drawingml/2006/main" xmlns:r="http://schemas.openxmlformats.org/officeDocument/2006/relationships" xmlns:p="http://schemas.openxmlformats.org/presentationml/2006/main">
   <p:cSld>
     <p:spTree>
@@ -7517,10 +9894,17 @@
   <p:clrMapOvr>
     <a:masterClrMapping/>
   </p:clrMapOvr>
+  <p:timing>
+    <p:tnLst>
+      <p:par>
+        <p:cTn id="1" dur="indefinite" restart="never" nodeType="tmRoot"/>
+      </p:par>
+    </p:tnLst>
+  </p:timing>
 </p:sld>
 </file>
 
-<file path=ppt/slides/slide19.xml><?xml version="1.0" encoding="utf-8"?>
+<file path=ppt/slides/slide27.xml><?xml version="1.0" encoding="utf-8"?>
 <p:sld xmlns:a="http://schemas.openxmlformats.org/drawingml/2006/main" xmlns:r="http://schemas.openxmlformats.org/officeDocument/2006/relationships" xmlns:p="http://schemas.openxmlformats.org/presentationml/2006/main">
   <p:cSld>
     <p:spTree>
@@ -7585,10 +9969,17 @@
   <p:clrMapOvr>
     <a:masterClrMapping/>
   </p:clrMapOvr>
+  <p:timing>
+    <p:tnLst>
+      <p:par>
+        <p:cTn id="1" dur="indefinite" restart="never" nodeType="tmRoot"/>
+      </p:par>
+    </p:tnLst>
+  </p:timing>
 </p:sld>
 </file>
 
-<file path=ppt/slides/slide2.xml><?xml version="1.0" encoding="utf-8"?>
+<file path=ppt/slides/slide28.xml><?xml version="1.0" encoding="utf-8"?>
 <p:sld xmlns:a="http://schemas.openxmlformats.org/drawingml/2006/main" xmlns:r="http://schemas.openxmlformats.org/officeDocument/2006/relationships" xmlns:p="http://schemas.openxmlformats.org/presentationml/2006/main">
   <p:cSld>
     <p:spTree>
@@ -7622,7 +10013,7 @@
           <a:p>
             <a:r>
               <a:rPr lang="en-US" dirty="0" smtClean="0"/>
-              <a:t>The Morals of Demo 01</a:t>
+              <a:t>Problem - Dead Code Elimination</a:t>
             </a:r>
             <a:endParaRPr lang="en-US" dirty="0"/>
           </a:p>
@@ -7644,21 +10035,51 @@
           <a:lstStyle/>
           <a:p>
             <a:r>
-              <a:rPr lang="en-US" dirty="0" smtClean="0"/>
-              <a:t>Writing simple benchmarks which yield meaningful results is very difficult</a:t>
-            </a:r>
-          </a:p>
-          <a:p>
-            <a:r>
-              <a:rPr lang="en-US" dirty="0" smtClean="0"/>
-              <a:t>Stop Watch benchmarking is rarely meaningful</a:t>
-            </a:r>
-          </a:p>
-          <a:p>
-            <a:r>
-              <a:rPr lang="en-US" dirty="0" smtClean="0"/>
-              <a:t>The cause of much of this difficulty is the VM’s optimizations</a:t>
-            </a:r>
+              <a:rPr lang="en-US" dirty="0"/>
+              <a:t>Dead code elimination is a well known problem among </a:t>
+            </a:r>
+            <a:r>
+              <a:rPr lang="en-US" dirty="0" err="1"/>
+              <a:t>microbenchmark</a:t>
+            </a:r>
+            <a:r>
+              <a:rPr lang="en-US" dirty="0"/>
+              <a:t> </a:t>
+            </a:r>
+            <a:r>
+              <a:rPr lang="en-US" dirty="0" smtClean="0"/>
+              <a:t>writers</a:t>
+            </a:r>
+          </a:p>
+          <a:p>
+            <a:r>
+              <a:rPr lang="en-US" dirty="0" smtClean="0"/>
+              <a:t>The </a:t>
+            </a:r>
+            <a:r>
+              <a:rPr lang="en-US" dirty="0"/>
+              <a:t>general solution is to use the result of calculations </a:t>
+            </a:r>
+            <a:r>
+              <a:rPr lang="en-US" dirty="0" smtClean="0"/>
+              <a:t>somehow</a:t>
+            </a:r>
+          </a:p>
+          <a:p>
+            <a:r>
+              <a:rPr lang="en-US" dirty="0" smtClean="0"/>
+              <a:t>Never write VOID tests, always return the result</a:t>
+            </a:r>
+          </a:p>
+          <a:p>
+            <a:pPr lvl="1"/>
+            <a:r>
+              <a:rPr lang="en-US" dirty="0" smtClean="0"/>
+              <a:t>This will work MOST of the time</a:t>
+            </a:r>
+          </a:p>
+          <a:p>
+            <a:pPr lvl="1"/>
             <a:endParaRPr lang="en-US" dirty="0"/>
           </a:p>
         </p:txBody>
@@ -7666,7 +10087,7 @@
     </p:spTree>
     <p:extLst>
       <p:ext uri="{BB962C8B-B14F-4D97-AF65-F5344CB8AC3E}">
-        <p14:creationId xmlns:p14="http://schemas.microsoft.com/office/powerpoint/2010/main" val="1404085125"/>
+        <p14:creationId xmlns:p14="http://schemas.microsoft.com/office/powerpoint/2010/main" val="384545170"/>
       </p:ext>
     </p:extLst>
   </p:cSld>
@@ -7683,7 +10104,7 @@
 </p:sld>
 </file>
 
-<file path=ppt/slides/slide20.xml><?xml version="1.0" encoding="utf-8"?>
+<file path=ppt/slides/slide29.xml><?xml version="1.0" encoding="utf-8"?>
 <p:sld xmlns:a="http://schemas.openxmlformats.org/drawingml/2006/main" xmlns:r="http://schemas.openxmlformats.org/officeDocument/2006/relationships" xmlns:p="http://schemas.openxmlformats.org/presentationml/2006/main">
   <p:cSld>
     <p:spTree>
@@ -7716,8 +10137,8 @@
           <a:lstStyle/>
           <a:p>
             <a:r>
-              <a:rPr lang="en-US" dirty="0" smtClean="0"/>
-              <a:t>Problem - Dead Code Elimination</a:t>
+              <a:rPr lang="en-US" dirty="0" err="1" smtClean="0"/>
+              <a:t>Blackhole</a:t>
             </a:r>
             <a:endParaRPr lang="en-US" dirty="0"/>
           </a:p>
@@ -7735,55 +10156,92 @@
         </p:nvSpPr>
         <p:spPr/>
         <p:txBody>
-          <a:bodyPr/>
-          <a:lstStyle/>
-          <a:p>
+          <a:bodyPr>
+            <a:normAutofit lnSpcReduction="10000"/>
+          </a:bodyPr>
+          <a:lstStyle/>
+          <a:p>
+            <a:r>
+              <a:rPr lang="en-US" dirty="0" err="1" smtClean="0"/>
+              <a:t>org.openjdk.jmh.infra.Blackhole</a:t>
+            </a:r>
+            <a:endParaRPr lang="en-US" dirty="0" smtClean="0"/>
+          </a:p>
+          <a:p>
+            <a:r>
+              <a:rPr lang="en-US" dirty="0" smtClean="0"/>
+              <a:t>Avoid possibility of dead code elimination</a:t>
+            </a:r>
+          </a:p>
+          <a:p>
+            <a:pPr lvl="1"/>
+            <a:r>
+              <a:rPr lang="en-US" dirty="0" smtClean="0"/>
+              <a:t>Provides consume(Object x) methods – send your method’s output here </a:t>
+            </a:r>
+          </a:p>
+          <a:p>
+            <a:pPr lvl="1"/>
+            <a:r>
+              <a:rPr lang="en-US" dirty="0" smtClean="0"/>
+              <a:t>Instances are </a:t>
+            </a:r>
             <a:r>
               <a:rPr lang="en-US" dirty="0"/>
-              <a:t>Dead code elimination is a well known problem among </a:t>
-            </a:r>
-            <a:r>
-              <a:rPr lang="en-US" dirty="0" err="1"/>
-              <a:t>microbenchmark</a:t>
-            </a:r>
-            <a:r>
-              <a:rPr lang="en-US" dirty="0"/>
+              <a:t>a</a:t>
+            </a:r>
+            <a:r>
+              <a:rPr lang="en-US" dirty="0" smtClean="0"/>
+              <a:t>utomatically injected into your @Benchmark method calls as arguments</a:t>
+            </a:r>
+            <a:endParaRPr lang="en-US" dirty="0"/>
+          </a:p>
+          <a:p>
+            <a:r>
+              <a:rPr lang="en-US" i="1" dirty="0" err="1" smtClean="0"/>
+              <a:t>Blackhole</a:t>
+            </a:r>
+            <a:r>
+              <a:rPr lang="en-US" i="1" dirty="0" smtClean="0"/>
               <a:t> </a:t>
             </a:r>
             <a:r>
-              <a:rPr lang="en-US" dirty="0" smtClean="0"/>
-              <a:t>writers</a:t>
-            </a:r>
-          </a:p>
-          <a:p>
-            <a:r>
-              <a:rPr lang="en-US" dirty="0" smtClean="0"/>
-              <a:t>The </a:t>
-            </a:r>
-            <a:r>
-              <a:rPr lang="en-US" dirty="0"/>
-              <a:t>general solution is to use the result of calculations </a:t>
-            </a:r>
-            <a:r>
-              <a:rPr lang="en-US" dirty="0" smtClean="0"/>
-              <a:t>somehow</a:t>
-            </a:r>
-          </a:p>
-          <a:p>
-            <a:r>
-              <a:rPr lang="en-US" dirty="0" smtClean="0"/>
-              <a:t>Never write VOID tests, always return the result</a:t>
+              <a:rPr lang="en-US" i="1" dirty="0"/>
+              <a:t>"consumes" the values, conceiving no information to JIT whether </a:t>
+            </a:r>
+            <a:r>
+              <a:rPr lang="en-US" i="1" dirty="0" smtClean="0"/>
+              <a:t>the </a:t>
+            </a:r>
+            <a:r>
+              <a:rPr lang="en-US" i="1" dirty="0"/>
+              <a:t>value is actually used afterwards. This can save from the dead-code </a:t>
+            </a:r>
+            <a:r>
+              <a:rPr lang="en-US" i="1" dirty="0" smtClean="0"/>
+              <a:t>elimination </a:t>
+            </a:r>
+            <a:r>
+              <a:rPr lang="en-US" i="1" dirty="0"/>
+              <a:t>of the computations resulting in the given values</a:t>
+            </a:r>
+            <a:r>
+              <a:rPr lang="en-US" i="1" dirty="0" smtClean="0"/>
+              <a:t>.</a:t>
+            </a:r>
+          </a:p>
+          <a:p>
+            <a:r>
+              <a:rPr lang="en-US" dirty="0" smtClean="0"/>
+              <a:t>But how does it work?</a:t>
             </a:r>
           </a:p>
           <a:p>
             <a:pPr lvl="1"/>
             <a:r>
               <a:rPr lang="en-US" dirty="0" smtClean="0"/>
-              <a:t>This will work MOST of the time</a:t>
-            </a:r>
-          </a:p>
-          <a:p>
-            <a:pPr lvl="1"/>
+              <a:t>???????????????</a:t>
+            </a:r>
             <a:endParaRPr lang="en-US" dirty="0"/>
           </a:p>
         </p:txBody>
@@ -7791,17 +10249,24 @@
     </p:spTree>
     <p:extLst>
       <p:ext uri="{BB962C8B-B14F-4D97-AF65-F5344CB8AC3E}">
-        <p14:creationId xmlns:p14="http://schemas.microsoft.com/office/powerpoint/2010/main" val="384545170"/>
+        <p14:creationId xmlns:p14="http://schemas.microsoft.com/office/powerpoint/2010/main" val="3674696377"/>
       </p:ext>
     </p:extLst>
   </p:cSld>
   <p:clrMapOvr>
     <a:masterClrMapping/>
   </p:clrMapOvr>
+  <p:timing>
+    <p:tnLst>
+      <p:par>
+        <p:cTn id="1" dur="indefinite" restart="never" nodeType="tmRoot"/>
+      </p:par>
+    </p:tnLst>
+  </p:timing>
 </p:sld>
 </file>
 
-<file path=ppt/slides/slide21.xml><?xml version="1.0" encoding="utf-8"?>
+<file path=ppt/slides/slide3.xml><?xml version="1.0" encoding="utf-8"?>
 <p:sld xmlns:a="http://schemas.openxmlformats.org/drawingml/2006/main" xmlns:r="http://schemas.openxmlformats.org/officeDocument/2006/relationships" xmlns:p="http://schemas.openxmlformats.org/presentationml/2006/main">
   <p:cSld>
     <p:spTree>
@@ -7834,8 +10299,8 @@
           <a:lstStyle/>
           <a:p>
             <a:r>
-              <a:rPr lang="en-US" dirty="0" err="1" smtClean="0"/>
-              <a:t>Blackhole</a:t>
+              <a:rPr lang="en-US" dirty="0" smtClean="0"/>
+              <a:t>Naïve Stopwatch Benchmarking</a:t>
             </a:r>
             <a:endParaRPr lang="en-US" dirty="0"/>
           </a:p>
@@ -7848,115 +10313,98 @@
             <a:spLocks noGrp="1"/>
           </p:cNvSpPr>
           <p:nvPr>
-            <p:ph idx="1"/>
-          </p:nvPr>
-        </p:nvSpPr>
-        <p:spPr/>
-        <p:txBody>
-          <a:bodyPr>
-            <a:normAutofit lnSpcReduction="10000"/>
-          </a:bodyPr>
-          <a:lstStyle/>
-          <a:p>
-            <a:r>
-              <a:rPr lang="en-US" dirty="0" err="1" smtClean="0"/>
-              <a:t>org.openjdk.jmh.infra.Blackhole</a:t>
-            </a:r>
-            <a:endParaRPr lang="en-US" dirty="0" smtClean="0"/>
-          </a:p>
-          <a:p>
-            <a:r>
-              <a:rPr lang="en-US" dirty="0" smtClean="0"/>
-              <a:t>Avoid possibility of dead code elimination</a:t>
-            </a:r>
-          </a:p>
-          <a:p>
-            <a:pPr lvl="1"/>
-            <a:r>
-              <a:rPr lang="en-US" dirty="0" smtClean="0"/>
-              <a:t>Provides consume(Object x) methods – send your method’s output here </a:t>
-            </a:r>
-          </a:p>
-          <a:p>
-            <a:pPr lvl="1"/>
-            <a:r>
-              <a:rPr lang="en-US" dirty="0" smtClean="0"/>
-              <a:t>Instances are </a:t>
-            </a:r>
-            <a:r>
-              <a:rPr lang="en-US" dirty="0"/>
-              <a:t>a</a:t>
-            </a:r>
-            <a:r>
-              <a:rPr lang="en-US" dirty="0" smtClean="0"/>
-              <a:t>utomatically injected into your @Benchmark method calls as arguments</a:t>
-            </a:r>
-            <a:endParaRPr lang="en-US" dirty="0"/>
-          </a:p>
-          <a:p>
-            <a:r>
-              <a:rPr lang="en-US" i="1" dirty="0" err="1" smtClean="0"/>
-              <a:t>Blackhole</a:t>
-            </a:r>
-            <a:r>
-              <a:rPr lang="en-US" i="1" dirty="0" smtClean="0"/>
-              <a:t> </a:t>
-            </a:r>
-            <a:r>
-              <a:rPr lang="en-US" i="1" dirty="0"/>
-              <a:t>"consumes" the values, conceiving no information to JIT whether </a:t>
-            </a:r>
-            <a:r>
-              <a:rPr lang="en-US" i="1" dirty="0" smtClean="0"/>
-              <a:t>the </a:t>
-            </a:r>
-            <a:r>
-              <a:rPr lang="en-US" i="1" dirty="0"/>
-              <a:t>value is actually used afterwards. This can save from the dead-code </a:t>
-            </a:r>
-            <a:r>
-              <a:rPr lang="en-US" i="1" dirty="0" smtClean="0"/>
-              <a:t>elimination </a:t>
-            </a:r>
-            <a:r>
-              <a:rPr lang="en-US" i="1" dirty="0"/>
-              <a:t>of the computations resulting in the given values</a:t>
-            </a:r>
-            <a:r>
-              <a:rPr lang="en-US" i="1" dirty="0" smtClean="0"/>
-              <a:t>.</a:t>
-            </a:r>
-          </a:p>
-          <a:p>
-            <a:r>
-              <a:rPr lang="en-US" dirty="0" smtClean="0"/>
-              <a:t>But how does it work?</a:t>
-            </a:r>
-          </a:p>
-          <a:p>
-            <a:pPr lvl="1"/>
-            <a:r>
-              <a:rPr lang="en-US" dirty="0" smtClean="0"/>
-              <a:t>???????????????</a:t>
-            </a:r>
-            <a:endParaRPr lang="en-US" dirty="0"/>
-          </a:p>
-        </p:txBody>
-      </p:sp>
+            <p:ph sz="half" idx="1"/>
+          </p:nvPr>
+        </p:nvSpPr>
+        <p:spPr/>
+        <p:txBody>
+          <a:bodyPr/>
+          <a:lstStyle/>
+          <a:p>
+            <a:pPr marL="514350" indent="-514350">
+              <a:buFont typeface="+mj-lt"/>
+              <a:buAutoNum type="arabicPeriod"/>
+            </a:pPr>
+            <a:r>
+              <a:rPr lang="en-US" dirty="0" smtClean="0"/>
+              <a:t>Start timer before code runs</a:t>
+            </a:r>
+          </a:p>
+          <a:p>
+            <a:pPr marL="514350" indent="-514350">
+              <a:buFont typeface="+mj-lt"/>
+              <a:buAutoNum type="arabicPeriod"/>
+            </a:pPr>
+            <a:r>
+              <a:rPr lang="en-US" dirty="0" smtClean="0"/>
+              <a:t>Stop timer after code runs</a:t>
+            </a:r>
+          </a:p>
+          <a:p>
+            <a:pPr marL="514350" indent="-514350">
+              <a:buFont typeface="+mj-lt"/>
+              <a:buAutoNum type="arabicPeriod"/>
+            </a:pPr>
+            <a:r>
+              <a:rPr lang="en-US" dirty="0" smtClean="0"/>
+              <a:t>Subtract</a:t>
+            </a:r>
+          </a:p>
+        </p:txBody>
+      </p:sp>
+      <p:pic>
+        <p:nvPicPr>
+          <p:cNvPr id="6" name="Content Placeholder 5"/>
+          <p:cNvPicPr>
+            <a:picLocks noGrp="1" noChangeAspect="1"/>
+          </p:cNvPicPr>
+          <p:nvPr>
+            <p:ph sz="half" idx="2"/>
+          </p:nvPr>
+        </p:nvPicPr>
+        <p:blipFill>
+          <a:blip r:embed="rId3">
+            <a:extLst>
+              <a:ext uri="{28A0092B-C50C-407E-A947-70E740481C1C}">
+                <a14:useLocalDpi xmlns:a14="http://schemas.microsoft.com/office/drawing/2010/main" val="0"/>
+              </a:ext>
+            </a:extLst>
+          </a:blip>
+          <a:stretch>
+            <a:fillRect/>
+          </a:stretch>
+        </p:blipFill>
+        <p:spPr>
+          <a:xfrm>
+            <a:off x="6172200" y="2172189"/>
+            <a:ext cx="5181600" cy="3658209"/>
+          </a:xfrm>
+          <a:prstGeom prst="rect">
+            <a:avLst/>
+          </a:prstGeom>
+        </p:spPr>
+      </p:pic>
     </p:spTree>
     <p:extLst>
       <p:ext uri="{BB962C8B-B14F-4D97-AF65-F5344CB8AC3E}">
-        <p14:creationId xmlns:p14="http://schemas.microsoft.com/office/powerpoint/2010/main" val="3674696377"/>
+        <p14:creationId xmlns:p14="http://schemas.microsoft.com/office/powerpoint/2010/main" val="1264440337"/>
       </p:ext>
     </p:extLst>
   </p:cSld>
   <p:clrMapOvr>
     <a:masterClrMapping/>
   </p:clrMapOvr>
+  <p:timing>
+    <p:tnLst>
+      <p:par>
+        <p:cTn id="1" dur="indefinite" restart="never" nodeType="tmRoot"/>
+      </p:par>
+    </p:tnLst>
+  </p:timing>
 </p:sld>
 </file>
 
-<file path=ppt/slides/slide22.xml><?xml version="1.0" encoding="utf-8"?>
+<file path=ppt/slides/slide30.xml><?xml version="1.0" encoding="utf-8"?>
 <p:sld xmlns:a="http://schemas.openxmlformats.org/drawingml/2006/main" xmlns:r="http://schemas.openxmlformats.org/officeDocument/2006/relationships" xmlns:p="http://schemas.openxmlformats.org/presentationml/2006/main">
   <p:cSld>
     <p:spTree>
@@ -8035,10 +10483,17 @@
   <p:clrMapOvr>
     <a:masterClrMapping/>
   </p:clrMapOvr>
+  <p:timing>
+    <p:tnLst>
+      <p:par>
+        <p:cTn id="1" dur="indefinite" restart="never" nodeType="tmRoot"/>
+      </p:par>
+    </p:tnLst>
+  </p:timing>
 </p:sld>
 </file>
 
-<file path=ppt/slides/slide23.xml><?xml version="1.0" encoding="utf-8"?>
+<file path=ppt/slides/slide31.xml><?xml version="1.0" encoding="utf-8"?>
 <p:sld xmlns:a="http://schemas.openxmlformats.org/drawingml/2006/main" xmlns:r="http://schemas.openxmlformats.org/officeDocument/2006/relationships" xmlns:p="http://schemas.openxmlformats.org/presentationml/2006/main">
   <p:cSld>
     <p:spTree>
@@ -8121,10 +10576,17 @@
   <p:clrMapOvr>
     <a:masterClrMapping/>
   </p:clrMapOvr>
+  <p:timing>
+    <p:tnLst>
+      <p:par>
+        <p:cTn id="1" dur="indefinite" restart="never" nodeType="tmRoot"/>
+      </p:par>
+    </p:tnLst>
+  </p:timing>
 </p:sld>
 </file>
 
-<file path=ppt/slides/slide24.xml><?xml version="1.0" encoding="utf-8"?>
+<file path=ppt/slides/slide32.xml><?xml version="1.0" encoding="utf-8"?>
 <p:sld xmlns:a="http://schemas.openxmlformats.org/drawingml/2006/main" xmlns:r="http://schemas.openxmlformats.org/officeDocument/2006/relationships" xmlns:p="http://schemas.openxmlformats.org/presentationml/2006/main">
   <p:cSld>
     <p:spTree>
@@ -8215,10 +10677,17 @@
   <p:clrMapOvr>
     <a:masterClrMapping/>
   </p:clrMapOvr>
+  <p:timing>
+    <p:tnLst>
+      <p:par>
+        <p:cTn id="1" dur="indefinite" restart="never" nodeType="tmRoot"/>
+      </p:par>
+    </p:tnLst>
+  </p:timing>
 </p:sld>
 </file>
 
-<file path=ppt/slides/slide25.xml><?xml version="1.0" encoding="utf-8"?>
+<file path=ppt/slides/slide33.xml><?xml version="1.0" encoding="utf-8"?>
 <p:sld xmlns:a="http://schemas.openxmlformats.org/drawingml/2006/main" xmlns:r="http://schemas.openxmlformats.org/officeDocument/2006/relationships" xmlns:p="http://schemas.openxmlformats.org/presentationml/2006/main">
   <p:cSld>
     <p:spTree>
@@ -8307,10 +10776,17 @@
   <p:clrMapOvr>
     <a:masterClrMapping/>
   </p:clrMapOvr>
+  <p:timing>
+    <p:tnLst>
+      <p:par>
+        <p:cTn id="1" dur="indefinite" restart="never" nodeType="tmRoot"/>
+      </p:par>
+    </p:tnLst>
+  </p:timing>
 </p:sld>
 </file>
 
-<file path=ppt/slides/slide26.xml><?xml version="1.0" encoding="utf-8"?>
+<file path=ppt/slides/slide34.xml><?xml version="1.0" encoding="utf-8"?>
 <p:sld xmlns:a="http://schemas.openxmlformats.org/drawingml/2006/main" xmlns:r="http://schemas.openxmlformats.org/officeDocument/2006/relationships" xmlns:p="http://schemas.openxmlformats.org/presentationml/2006/main">
   <p:cSld>
     <p:spTree>
@@ -8396,10 +10872,17 @@
   <p:clrMapOvr>
     <a:masterClrMapping/>
   </p:clrMapOvr>
+  <p:timing>
+    <p:tnLst>
+      <p:par>
+        <p:cTn id="1" dur="indefinite" restart="never" nodeType="tmRoot"/>
+      </p:par>
+    </p:tnLst>
+  </p:timing>
 </p:sld>
 </file>
 
-<file path=ppt/slides/slide27.xml><?xml version="1.0" encoding="utf-8"?>
+<file path=ppt/slides/slide35.xml><?xml version="1.0" encoding="utf-8"?>
 <p:sld xmlns:a="http://schemas.openxmlformats.org/drawingml/2006/main" xmlns:r="http://schemas.openxmlformats.org/officeDocument/2006/relationships" xmlns:p="http://schemas.openxmlformats.org/presentationml/2006/main">
   <p:cSld>
     <p:spTree>
@@ -8720,10 +11203,17 @@
   <p:clrMapOvr>
     <a:masterClrMapping/>
   </p:clrMapOvr>
+  <p:timing>
+    <p:tnLst>
+      <p:par>
+        <p:cTn id="1" dur="indefinite" restart="never" nodeType="tmRoot"/>
+      </p:par>
+    </p:tnLst>
+  </p:timing>
 </p:sld>
 </file>
 
-<file path=ppt/slides/slide28.xml><?xml version="1.0" encoding="utf-8"?>
+<file path=ppt/slides/slide36.xml><?xml version="1.0" encoding="utf-8"?>
 <p:sld xmlns:a="http://schemas.openxmlformats.org/drawingml/2006/main" xmlns:r="http://schemas.openxmlformats.org/officeDocument/2006/relationships" xmlns:p="http://schemas.openxmlformats.org/presentationml/2006/main">
   <p:cSld>
     <p:spTree>
@@ -8795,7 +11285,7 @@
 </p:sld>
 </file>
 
-<file path=ppt/slides/slide29.xml><?xml version="1.0" encoding="utf-8"?>
+<file path=ppt/slides/slide37.xml><?xml version="1.0" encoding="utf-8"?>
 <p:sld xmlns:a="http://schemas.openxmlformats.org/drawingml/2006/main" xmlns:r="http://schemas.openxmlformats.org/officeDocument/2006/relationships" xmlns:p="http://schemas.openxmlformats.org/presentationml/2006/main">
   <p:cSld>
     <p:spTree>
@@ -8867,158 +11357,7 @@
 </p:sld>
 </file>
 
-<file path=ppt/slides/slide3.xml><?xml version="1.0" encoding="utf-8"?>
-<p:sld xmlns:a="http://schemas.openxmlformats.org/drawingml/2006/main" xmlns:r="http://schemas.openxmlformats.org/officeDocument/2006/relationships" xmlns:p="http://schemas.openxmlformats.org/presentationml/2006/main">
-  <p:cSld>
-    <p:spTree>
-      <p:nvGrpSpPr>
-        <p:cNvPr id="1" name=""/>
-        <p:cNvGrpSpPr/>
-        <p:nvPr/>
-      </p:nvGrpSpPr>
-      <p:grpSpPr>
-        <a:xfrm>
-          <a:off x="0" y="0"/>
-          <a:ext cx="0" cy="0"/>
-          <a:chOff x="0" y="0"/>
-          <a:chExt cx="0" cy="0"/>
-        </a:xfrm>
-      </p:grpSpPr>
-      <p:sp>
-        <p:nvSpPr>
-          <p:cNvPr id="2" name="Title 1"/>
-          <p:cNvSpPr>
-            <a:spLocks noGrp="1"/>
-          </p:cNvSpPr>
-          <p:nvPr>
-            <p:ph type="title"/>
-          </p:nvPr>
-        </p:nvSpPr>
-        <p:spPr/>
-        <p:txBody>
-          <a:bodyPr/>
-          <a:lstStyle/>
-          <a:p>
-            <a:r>
-              <a:rPr lang="en-US" dirty="0" smtClean="0"/>
-              <a:t>Enter JMH</a:t>
-            </a:r>
-            <a:endParaRPr lang="en-US" dirty="0"/>
-          </a:p>
-        </p:txBody>
-      </p:sp>
-      <p:sp>
-        <p:nvSpPr>
-          <p:cNvPr id="3" name="Content Placeholder 2"/>
-          <p:cNvSpPr>
-            <a:spLocks noGrp="1"/>
-          </p:cNvSpPr>
-          <p:nvPr>
-            <p:ph idx="1"/>
-          </p:nvPr>
-        </p:nvSpPr>
-        <p:spPr/>
-        <p:txBody>
-          <a:bodyPr>
-            <a:normAutofit fontScale="92500" lnSpcReduction="10000"/>
-          </a:bodyPr>
-          <a:lstStyle/>
-          <a:p>
-            <a:r>
-              <a:rPr lang="en-US" dirty="0" smtClean="0">
-                <a:hlinkClick r:id="rId3"/>
-              </a:rPr>
-              <a:t>http://openjdk.java.net/projects/code-tools/jmh/</a:t>
-            </a:r>
-            <a:endParaRPr lang="en-US" dirty="0" smtClean="0"/>
-          </a:p>
-          <a:p>
-            <a:r>
-              <a:rPr lang="en-US" dirty="0" smtClean="0"/>
-              <a:t>Solid foundation for writing and running benchmarks whose results are “not always erroneous due to unwanted VM optimizations”</a:t>
-            </a:r>
-          </a:p>
-          <a:p>
-            <a:pPr lvl="1"/>
-            <a:r>
-              <a:rPr lang="en-US" dirty="0" smtClean="0"/>
-              <a:t>Does not prevent all pitfalls, but can at least mitigate MOST of them</a:t>
-            </a:r>
-          </a:p>
-          <a:p>
-            <a:r>
-              <a:rPr lang="en-US" dirty="0" err="1" smtClean="0"/>
-              <a:t>OpenJDK</a:t>
-            </a:r>
-            <a:r>
-              <a:rPr lang="en-US" dirty="0" smtClean="0"/>
-              <a:t> project</a:t>
-            </a:r>
-          </a:p>
-          <a:p>
-            <a:pPr lvl="1"/>
-            <a:r>
-              <a:rPr lang="en-US" dirty="0"/>
-              <a:t>http://mvnrepository.com/artifact/org.openjdk.jmh/jmh-core</a:t>
-            </a:r>
-            <a:endParaRPr lang="en-US" dirty="0" smtClean="0"/>
-          </a:p>
-          <a:p>
-            <a:pPr lvl="1"/>
-            <a:r>
-              <a:rPr lang="en-US" dirty="0" smtClean="0"/>
-              <a:t>Active development (1.11.2 released October 2015)</a:t>
-            </a:r>
-          </a:p>
-          <a:p>
-            <a:pPr lvl="1"/>
-            <a:r>
-              <a:rPr lang="en-US" dirty="0" smtClean="0"/>
-              <a:t>Developed by same guys in Oracle who maintain the JIT</a:t>
-            </a:r>
-          </a:p>
-          <a:p>
-            <a:r>
-              <a:rPr lang="en-US" dirty="0" err="1"/>
-              <a:t>Microbenchmarks</a:t>
-            </a:r>
-            <a:r>
-              <a:rPr lang="en-US" dirty="0"/>
-              <a:t> – benchmarks which stress a particular piece of code, NOT an entire application stack</a:t>
-            </a:r>
-          </a:p>
-          <a:p>
-            <a:r>
-              <a:rPr lang="en-US" dirty="0" smtClean="0"/>
-              <a:t>Concurrent benchmarks</a:t>
-            </a:r>
-          </a:p>
-          <a:p>
-            <a:endParaRPr lang="en-US" dirty="0"/>
-          </a:p>
-        </p:txBody>
-      </p:sp>
-    </p:spTree>
-    <p:extLst>
-      <p:ext uri="{BB962C8B-B14F-4D97-AF65-F5344CB8AC3E}">
-        <p14:creationId xmlns:p14="http://schemas.microsoft.com/office/powerpoint/2010/main" val="3033510852"/>
-      </p:ext>
-    </p:extLst>
-  </p:cSld>
-  <p:clrMapOvr>
-    <a:masterClrMapping/>
-  </p:clrMapOvr>
-  <p:timing>
-    <p:tnLst>
-      <p:par>
-        <p:cTn id="1" dur="indefinite" restart="never" nodeType="tmRoot"/>
-      </p:par>
-    </p:tnLst>
-  </p:timing>
-</p:sld>
-</file>
-
-<file path=ppt/slides/slide30.xml><?xml version="1.0" encoding="utf-8"?>
+<file path=ppt/slides/slide38.xml><?xml version="1.0" encoding="utf-8"?>
 <p:sld xmlns:a="http://schemas.openxmlformats.org/drawingml/2006/main" xmlns:r="http://schemas.openxmlformats.org/officeDocument/2006/relationships" xmlns:p="http://schemas.openxmlformats.org/presentationml/2006/main">
   <p:cSld>
     <p:spTree>
@@ -9199,7 +11538,7 @@
 </p:sld>
 </file>
 
-<file path=ppt/slides/slide31.xml><?xml version="1.0" encoding="utf-8"?>
+<file path=ppt/slides/slide39.xml><?xml version="1.0" encoding="utf-8"?>
 <p:sld xmlns:a="http://schemas.openxmlformats.org/drawingml/2006/main" xmlns:r="http://schemas.openxmlformats.org/officeDocument/2006/relationships" xmlns:p="http://schemas.openxmlformats.org/presentationml/2006/main">
   <p:cSld>
     <p:spTree>
@@ -9308,147 +11647,6 @@
   <p:clrMapOvr>
     <a:masterClrMapping/>
   </p:clrMapOvr>
-</p:sld>
-</file>
-
-<file path=ppt/slides/slide32.xml><?xml version="1.0" encoding="utf-8"?>
-<p:sld xmlns:a="http://schemas.openxmlformats.org/drawingml/2006/main" xmlns:r="http://schemas.openxmlformats.org/officeDocument/2006/relationships" xmlns:p="http://schemas.openxmlformats.org/presentationml/2006/main">
-  <p:cSld>
-    <p:spTree>
-      <p:nvGrpSpPr>
-        <p:cNvPr id="1" name=""/>
-        <p:cNvGrpSpPr/>
-        <p:nvPr/>
-      </p:nvGrpSpPr>
-      <p:grpSpPr>
-        <a:xfrm>
-          <a:off x="0" y="0"/>
-          <a:ext cx="0" cy="0"/>
-          <a:chOff x="0" y="0"/>
-          <a:chExt cx="0" cy="0"/>
-        </a:xfrm>
-      </p:grpSpPr>
-      <p:sp>
-        <p:nvSpPr>
-          <p:cNvPr id="2" name="Title 1"/>
-          <p:cNvSpPr>
-            <a:spLocks noGrp="1"/>
-          </p:cNvSpPr>
-          <p:nvPr>
-            <p:ph type="title"/>
-          </p:nvPr>
-        </p:nvSpPr>
-        <p:spPr/>
-        <p:txBody>
-          <a:bodyPr/>
-          <a:lstStyle/>
-          <a:p>
-            <a:r>
-              <a:rPr lang="en-US" dirty="0" smtClean="0"/>
-              <a:t>References</a:t>
-            </a:r>
-            <a:endParaRPr lang="en-US" dirty="0"/>
-          </a:p>
-        </p:txBody>
-      </p:sp>
-      <p:sp>
-        <p:nvSpPr>
-          <p:cNvPr id="3" name="Content Placeholder 2"/>
-          <p:cNvSpPr>
-            <a:spLocks noGrp="1"/>
-          </p:cNvSpPr>
-          <p:nvPr>
-            <p:ph idx="1"/>
-          </p:nvPr>
-        </p:nvSpPr>
-        <p:spPr/>
-        <p:txBody>
-          <a:bodyPr/>
-          <a:lstStyle/>
-          <a:p>
-            <a:r>
-              <a:rPr lang="en-US" dirty="0" smtClean="0"/>
-              <a:t>Main</a:t>
-            </a:r>
-          </a:p>
-          <a:p>
-            <a:pPr lvl="1"/>
-            <a:r>
-              <a:rPr lang="en-US" dirty="0" smtClean="0"/>
-              <a:t>1 - </a:t>
-            </a:r>
-            <a:r>
-              <a:rPr lang="en-US" dirty="0">
-                <a:hlinkClick r:id="rId2"/>
-              </a:rPr>
-              <a:t>http://www.oracle.com/technetwork/articles/java/architect-benchmarking-2266277.html</a:t>
-            </a:r>
-            <a:endParaRPr lang="en-US" dirty="0"/>
-          </a:p>
-          <a:p>
-            <a:pPr lvl="2"/>
-            <a:r>
-              <a:rPr lang="en-US" dirty="0" smtClean="0"/>
-              <a:t>The </a:t>
-            </a:r>
-            <a:r>
-              <a:rPr lang="en-US" dirty="0" smtClean="0"/>
-              <a:t>basis for this whole presentation</a:t>
-            </a:r>
-          </a:p>
-          <a:p>
-            <a:pPr lvl="1"/>
-            <a:endParaRPr lang="en-US" dirty="0" smtClean="0"/>
-          </a:p>
-          <a:p>
-            <a:r>
-              <a:rPr lang="en-US" dirty="0" smtClean="0"/>
-              <a:t>Background</a:t>
-            </a:r>
-          </a:p>
-          <a:p>
-            <a:pPr lvl="1"/>
-            <a:r>
-              <a:rPr lang="en-US" dirty="0"/>
-              <a:t>2</a:t>
-            </a:r>
-            <a:r>
-              <a:rPr lang="en-US" dirty="0" smtClean="0"/>
-              <a:t> - </a:t>
-            </a:r>
-            <a:r>
-              <a:rPr lang="en-US" dirty="0" smtClean="0">
-                <a:hlinkClick r:id="rId3"/>
-              </a:rPr>
-              <a:t>http</a:t>
-            </a:r>
-            <a:r>
-              <a:rPr lang="en-US" dirty="0">
-                <a:hlinkClick r:id="rId3"/>
-              </a:rPr>
-              <a:t>://java-performance.info/jmh/</a:t>
-            </a:r>
-            <a:endParaRPr lang="en-US" dirty="0"/>
-          </a:p>
-        </p:txBody>
-      </p:sp>
-    </p:spTree>
-    <p:extLst>
-      <p:ext uri="{BB962C8B-B14F-4D97-AF65-F5344CB8AC3E}">
-        <p14:creationId xmlns:p14="http://schemas.microsoft.com/office/powerpoint/2010/main" val="1280026601"/>
-      </p:ext>
-    </p:extLst>
-  </p:cSld>
-  <p:clrMapOvr>
-    <a:masterClrMapping/>
-  </p:clrMapOvr>
-  <p:timing>
-    <p:tnLst>
-      <p:par>
-        <p:cTn id="1" dur="indefinite" restart="never" nodeType="tmRoot"/>
-      </p:par>
-    </p:tnLst>
-  </p:timing>
 </p:sld>
 </file>
 
@@ -9486,7 +11684,7 @@
           <a:p>
             <a:r>
               <a:rPr lang="en-US" dirty="0" smtClean="0"/>
-              <a:t>JMH – How it Works</a:t>
+              <a:t>Some (Controllable) External Sources of Error</a:t>
             </a:r>
             <a:endParaRPr lang="en-US" dirty="0"/>
           </a:p>
@@ -9504,17 +11702,315 @@
         </p:nvSpPr>
         <p:spPr/>
         <p:txBody>
-          <a:bodyPr/>
-          <a:lstStyle/>
-          <a:p>
-            <a:endParaRPr lang="en-US"/>
+          <a:bodyPr>
+            <a:normAutofit lnSpcReduction="10000"/>
+          </a:bodyPr>
+          <a:lstStyle/>
+          <a:p>
+            <a:r>
+              <a:rPr lang="en-US" dirty="0" smtClean="0">
+                <a:solidFill>
+                  <a:srgbClr val="00B050"/>
+                </a:solidFill>
+              </a:rPr>
+              <a:t>Hardware differences</a:t>
+            </a:r>
+          </a:p>
+          <a:p>
+            <a:r>
+              <a:rPr lang="en-US" dirty="0" smtClean="0">
+                <a:solidFill>
+                  <a:srgbClr val="92D050"/>
+                </a:solidFill>
+              </a:rPr>
+              <a:t>Accuracy </a:t>
+            </a:r>
+            <a:r>
+              <a:rPr lang="en-US" dirty="0">
+                <a:solidFill>
+                  <a:srgbClr val="92D050"/>
+                </a:solidFill>
+              </a:rPr>
+              <a:t>of the system clock</a:t>
+            </a:r>
+          </a:p>
+          <a:p>
+            <a:r>
+              <a:rPr lang="en-US" dirty="0" smtClean="0">
+                <a:solidFill>
+                  <a:srgbClr val="92D050"/>
+                </a:solidFill>
+              </a:rPr>
+              <a:t>System load</a:t>
+            </a:r>
+          </a:p>
+          <a:p>
+            <a:r>
+              <a:rPr lang="en-US" dirty="0" smtClean="0">
+                <a:solidFill>
+                  <a:srgbClr val="00B050"/>
+                </a:solidFill>
+              </a:rPr>
+              <a:t>OS differences (version and point release, registry differences)</a:t>
+            </a:r>
+          </a:p>
+          <a:p>
+            <a:r>
+              <a:rPr lang="en-US" dirty="0" smtClean="0">
+                <a:solidFill>
+                  <a:srgbClr val="FFFF00"/>
+                </a:solidFill>
+              </a:rPr>
+              <a:t>OS process scheduling</a:t>
+            </a:r>
+          </a:p>
+          <a:p>
+            <a:r>
+              <a:rPr lang="en-US" dirty="0" smtClean="0">
+                <a:solidFill>
+                  <a:srgbClr val="00B050"/>
+                </a:solidFill>
+              </a:rPr>
+              <a:t>JVM differences (version and point release)</a:t>
+            </a:r>
+          </a:p>
+          <a:p>
+            <a:r>
+              <a:rPr lang="en-US" dirty="0" smtClean="0">
+                <a:solidFill>
+                  <a:srgbClr val="00B050"/>
+                </a:solidFill>
+              </a:rPr>
+              <a:t>JVM startup flags</a:t>
+            </a:r>
+          </a:p>
+          <a:p>
+            <a:r>
+              <a:rPr lang="en-US" dirty="0" smtClean="0">
+                <a:solidFill>
+                  <a:srgbClr val="00B050"/>
+                </a:solidFill>
+              </a:rPr>
+              <a:t>Garbage collection</a:t>
+            </a:r>
+          </a:p>
+          <a:p>
+            <a:r>
+              <a:rPr lang="en-US" dirty="0" smtClean="0">
+                <a:solidFill>
+                  <a:srgbClr val="FFC000"/>
+                </a:solidFill>
+              </a:rPr>
+              <a:t>The effects of the JIT</a:t>
+            </a:r>
+            <a:endParaRPr lang="en-US" dirty="0">
+              <a:solidFill>
+                <a:srgbClr val="FFC000"/>
+              </a:solidFill>
+            </a:endParaRPr>
           </a:p>
         </p:txBody>
       </p:sp>
     </p:spTree>
     <p:extLst>
       <p:ext uri="{BB962C8B-B14F-4D97-AF65-F5344CB8AC3E}">
-        <p14:creationId xmlns:p14="http://schemas.microsoft.com/office/powerpoint/2010/main" val="1717836692"/>
+        <p14:creationId xmlns:p14="http://schemas.microsoft.com/office/powerpoint/2010/main" val="1180082317"/>
+      </p:ext>
+    </p:extLst>
+  </p:cSld>
+  <p:clrMapOvr>
+    <a:masterClrMapping/>
+  </p:clrMapOvr>
+  <p:timing>
+    <p:tnLst>
+      <p:par>
+        <p:cTn id="1" dur="indefinite" restart="never" nodeType="tmRoot"/>
+      </p:par>
+    </p:tnLst>
+  </p:timing>
+</p:sld>
+</file>
+
+<file path=ppt/slides/slide40.xml><?xml version="1.0" encoding="utf-8"?>
+<p:sld xmlns:a="http://schemas.openxmlformats.org/drawingml/2006/main" xmlns:r="http://schemas.openxmlformats.org/officeDocument/2006/relationships" xmlns:p="http://schemas.openxmlformats.org/presentationml/2006/main">
+  <p:cSld>
+    <p:spTree>
+      <p:nvGrpSpPr>
+        <p:cNvPr id="1" name=""/>
+        <p:cNvGrpSpPr/>
+        <p:nvPr/>
+      </p:nvGrpSpPr>
+      <p:grpSpPr>
+        <a:xfrm>
+          <a:off x="0" y="0"/>
+          <a:ext cx="0" cy="0"/>
+          <a:chOff x="0" y="0"/>
+          <a:chExt cx="0" cy="0"/>
+        </a:xfrm>
+      </p:grpSpPr>
+      <p:sp>
+        <p:nvSpPr>
+          <p:cNvPr id="2" name="Title 1"/>
+          <p:cNvSpPr>
+            <a:spLocks noGrp="1"/>
+          </p:cNvSpPr>
+          <p:nvPr>
+            <p:ph type="title"/>
+          </p:nvPr>
+        </p:nvSpPr>
+        <p:spPr/>
+        <p:txBody>
+          <a:bodyPr/>
+          <a:lstStyle/>
+          <a:p>
+            <a:r>
+              <a:rPr lang="en-US" dirty="0" smtClean="0"/>
+              <a:t>References</a:t>
+            </a:r>
+            <a:endParaRPr lang="en-US" dirty="0"/>
+          </a:p>
+        </p:txBody>
+      </p:sp>
+      <p:sp>
+        <p:nvSpPr>
+          <p:cNvPr id="3" name="Content Placeholder 2"/>
+          <p:cNvSpPr>
+            <a:spLocks noGrp="1"/>
+          </p:cNvSpPr>
+          <p:nvPr>
+            <p:ph idx="1"/>
+          </p:nvPr>
+        </p:nvSpPr>
+        <p:spPr/>
+        <p:txBody>
+          <a:bodyPr/>
+          <a:lstStyle/>
+          <a:p>
+            <a:pPr marL="914400" lvl="1" indent="-457200">
+              <a:buFont typeface="+mj-lt"/>
+              <a:buAutoNum type="arabicPeriod"/>
+            </a:pPr>
+            <a:r>
+              <a:rPr lang="en-US" dirty="0" smtClean="0">
+                <a:hlinkClick r:id="rId2"/>
+              </a:rPr>
+              <a:t>http</a:t>
+            </a:r>
+            <a:r>
+              <a:rPr lang="en-US" dirty="0">
+                <a:hlinkClick r:id="rId2"/>
+              </a:rPr>
+              <a:t>://</a:t>
+            </a:r>
+            <a:r>
+              <a:rPr lang="en-US" dirty="0" smtClean="0">
+                <a:hlinkClick r:id="rId2"/>
+              </a:rPr>
+              <a:t>www.oracle.com/technetwork/articles/java/architect-benchmarking-2266277.html</a:t>
+            </a:r>
+            <a:endParaRPr lang="en-US" dirty="0"/>
+          </a:p>
+          <a:p>
+            <a:pPr marL="914400" lvl="2" indent="0">
+              <a:buNone/>
+            </a:pPr>
+            <a:r>
+              <a:rPr lang="en-US" dirty="0" smtClean="0"/>
+              <a:t>The </a:t>
+            </a:r>
+            <a:r>
+              <a:rPr lang="en-US" dirty="0" smtClean="0"/>
+              <a:t>basis for this whole </a:t>
+            </a:r>
+            <a:r>
+              <a:rPr lang="en-US" dirty="0" smtClean="0"/>
+              <a:t>presentation</a:t>
+            </a:r>
+            <a:endParaRPr lang="en-US" dirty="0" smtClean="0"/>
+          </a:p>
+          <a:p>
+            <a:pPr marL="914400" lvl="1" indent="-457200">
+              <a:buFont typeface="+mj-lt"/>
+              <a:buAutoNum type="arabicPeriod"/>
+            </a:pPr>
+            <a:r>
+              <a:rPr lang="en-US" dirty="0" smtClean="0">
+                <a:hlinkClick r:id="rId3"/>
+              </a:rPr>
+              <a:t>http</a:t>
+            </a:r>
+            <a:r>
+              <a:rPr lang="en-US" dirty="0">
+                <a:hlinkClick r:id="rId3"/>
+              </a:rPr>
+              <a:t>://java-performance.info/jmh</a:t>
+            </a:r>
+            <a:r>
+              <a:rPr lang="en-US" dirty="0" smtClean="0">
+                <a:hlinkClick r:id="rId3"/>
+              </a:rPr>
+              <a:t>/</a:t>
+            </a:r>
+            <a:endParaRPr lang="en-US" dirty="0" smtClean="0"/>
+          </a:p>
+          <a:p>
+            <a:pPr marL="914400" lvl="1" indent="-457200">
+              <a:buFont typeface="+mj-lt"/>
+              <a:buAutoNum type="arabicPeriod"/>
+            </a:pPr>
+            <a:r>
+              <a:rPr lang="en-US" dirty="0">
+                <a:hlinkClick r:id="rId4"/>
+              </a:rPr>
+              <a:t>https://www.ibm.com/developerworks/java/library/j-jtp02225</a:t>
+            </a:r>
+            <a:r>
+              <a:rPr lang="en-US" dirty="0" smtClean="0">
+                <a:hlinkClick r:id="rId4"/>
+              </a:rPr>
+              <a:t>/</a:t>
+            </a:r>
+            <a:endParaRPr lang="en-US" dirty="0" smtClean="0"/>
+          </a:p>
+          <a:p>
+            <a:pPr marL="914400" lvl="1" indent="-457200">
+              <a:buFont typeface="+mj-lt"/>
+              <a:buAutoNum type="arabicPeriod"/>
+            </a:pPr>
+            <a:r>
+              <a:rPr lang="en-US" dirty="0">
+                <a:hlinkClick r:id="rId5"/>
+              </a:rPr>
+              <a:t>http://daniel.mitterdorfer.name/categories/series-jmh-intro</a:t>
+            </a:r>
+            <a:r>
+              <a:rPr lang="en-US" dirty="0" smtClean="0">
+                <a:hlinkClick r:id="rId5"/>
+              </a:rPr>
+              <a:t>/</a:t>
+            </a:r>
+            <a:endParaRPr lang="en-US" dirty="0" smtClean="0"/>
+          </a:p>
+          <a:p>
+            <a:pPr marL="914400" lvl="1" indent="-457200">
+              <a:buFont typeface="+mj-lt"/>
+              <a:buAutoNum type="arabicPeriod"/>
+            </a:pPr>
+            <a:endParaRPr lang="en-US" dirty="0" smtClean="0"/>
+          </a:p>
+          <a:p>
+            <a:pPr marL="914400" lvl="1" indent="-457200">
+              <a:buFont typeface="+mj-lt"/>
+              <a:buAutoNum type="arabicPeriod"/>
+            </a:pPr>
+            <a:endParaRPr lang="en-US" dirty="0"/>
+          </a:p>
+        </p:txBody>
+      </p:sp>
+    </p:spTree>
+    <p:extLst>
+      <p:ext uri="{BB962C8B-B14F-4D97-AF65-F5344CB8AC3E}">
+        <p14:creationId xmlns:p14="http://schemas.microsoft.com/office/powerpoint/2010/main" val="1280026601"/>
       </p:ext>
     </p:extLst>
   </p:cSld>
@@ -9565,7 +12061,7 @@
           <a:p>
             <a:r>
               <a:rPr lang="en-US" dirty="0" smtClean="0"/>
-              <a:t>JMH – Setup</a:t>
+              <a:t>The JVM’s Dynamic Nature</a:t>
             </a:r>
             <a:endParaRPr lang="en-US" dirty="0"/>
           </a:p>
@@ -9583,139 +12079,95 @@
         </p:nvSpPr>
         <p:spPr/>
         <p:txBody>
-          <a:bodyPr>
-            <a:normAutofit fontScale="92500"/>
-          </a:bodyPr>
-          <a:lstStyle/>
-          <a:p>
-            <a:r>
-              <a:rPr lang="en-US" dirty="0" smtClean="0"/>
-              <a:t>Setup as a Maven project</a:t>
+          <a:bodyPr/>
+          <a:lstStyle/>
+          <a:p>
+            <a:r>
+              <a:rPr lang="en-US" dirty="0" smtClean="0"/>
+              <a:t>All Java code begins running interpreted</a:t>
             </a:r>
           </a:p>
           <a:p>
             <a:pPr lvl="1"/>
             <a:r>
               <a:rPr lang="en-US" dirty="0" smtClean="0"/>
-              <a:t>“</a:t>
-            </a:r>
+              <a:t>Faster startup times</a:t>
+            </a:r>
+          </a:p>
+          <a:p>
+            <a:r>
+              <a:rPr lang="en-US" dirty="0" smtClean="0"/>
+              <a:t>The JIT compiles the “hot” spots</a:t>
+            </a:r>
+          </a:p>
+          <a:p>
+            <a:pPr lvl="1"/>
             <a:r>
               <a:rPr lang="en-US" dirty="0"/>
-              <a:t>The recommended way to run a JMH benchmark is to use </a:t>
-            </a:r>
+              <a:t>G</a:t>
+            </a:r>
+            <a:r>
+              <a:rPr lang="en-US" dirty="0" smtClean="0"/>
+              <a:t>athers information about the program as it runs</a:t>
+            </a:r>
+          </a:p>
+          <a:p>
+            <a:pPr lvl="1"/>
+            <a:r>
+              <a:rPr lang="en-US" dirty="0" smtClean="0"/>
+              <a:t>Dynamically optimizes critical sections</a:t>
+            </a:r>
+          </a:p>
+          <a:p>
+            <a:pPr lvl="1"/>
+            <a:r>
+              <a:rPr lang="en-US" dirty="0" smtClean="0"/>
+              <a:t>Throughput time increases over time</a:t>
+            </a:r>
+          </a:p>
+          <a:p>
+            <a:r>
+              <a:rPr lang="en-US" dirty="0" smtClean="0"/>
+              <a:t>An (outdated) list of &gt; 70 optimizations performed by the JIT</a:t>
+            </a:r>
+          </a:p>
+          <a:p>
+            <a:pPr lvl="1"/>
             <a:r>
               <a:rPr lang="en-US" dirty="0">
                 <a:hlinkClick r:id="rId3"/>
               </a:rPr>
-              <a:t>Maven</a:t>
-            </a:r>
-            <a:r>
-              <a:rPr lang="en-US" dirty="0"/>
-              <a:t> to setup a standalone project that depends on the jar files of your </a:t>
-            </a:r>
-            <a:r>
-              <a:rPr lang="en-US" dirty="0" smtClean="0"/>
-              <a:t>application”</a:t>
-            </a:r>
-          </a:p>
-          <a:p>
-            <a:r>
-              <a:rPr lang="en-US" dirty="0" smtClean="0"/>
-              <a:t>#$*@ Maven – use </a:t>
-            </a:r>
-            <a:r>
-              <a:rPr lang="en-US" dirty="0" err="1" smtClean="0"/>
-              <a:t>Gradle</a:t>
-            </a:r>
-            <a:r>
-              <a:rPr lang="en-US" dirty="0" smtClean="0"/>
-              <a:t> instead	</a:t>
-            </a:r>
-          </a:p>
-          <a:p>
-            <a:pPr lvl="1"/>
-            <a:r>
-              <a:rPr lang="en-US" dirty="0">
-                <a:hlinkClick r:id="rId4"/>
+              <a:t>https://</a:t>
+            </a:r>
+            <a:r>
+              <a:rPr lang="en-US" dirty="0" smtClean="0">
+                <a:hlinkClick r:id="rId3"/>
               </a:rPr>
-              <a:t>https://</a:t>
-            </a:r>
+              <a:t>wiki.openjdk.java.net/display/HotSpot/PerformanceTacticIndex</a:t>
+            </a:r>
+            <a:endParaRPr lang="en-US" dirty="0" smtClean="0"/>
+          </a:p>
+          <a:p>
             <a:r>
               <a:rPr lang="en-US" dirty="0" smtClean="0">
-                <a:hlinkClick r:id="rId4"/>
+                <a:solidFill>
+                  <a:srgbClr val="FF0000"/>
+                </a:solidFill>
               </a:rPr>
-              <a:t>github.com/melix/jmh-gradle-plugin</a:t>
-            </a:r>
-            <a:endParaRPr lang="en-US" dirty="0" smtClean="0"/>
-          </a:p>
-          <a:p>
-            <a:pPr lvl="1"/>
-            <a:r>
-              <a:rPr lang="en-US" dirty="0" smtClean="0"/>
-              <a:t>“The </a:t>
-            </a:r>
-            <a:r>
-              <a:rPr lang="en-US" dirty="0" err="1"/>
-              <a:t>jmh</a:t>
-            </a:r>
-            <a:r>
-              <a:rPr lang="en-US" dirty="0"/>
-              <a:t> plugin makes it easy to test existing sources without having to create a separate project for this</a:t>
-            </a:r>
-            <a:r>
-              <a:rPr lang="en-US" dirty="0" smtClean="0"/>
-              <a:t>.”</a:t>
-            </a:r>
-            <a:endParaRPr lang="en-US" dirty="0"/>
-          </a:p>
-          <a:p>
-            <a:r>
-              <a:rPr lang="en-US" dirty="0" smtClean="0"/>
-              <a:t>Runner project already setup – just add the code you want to benchmark</a:t>
-            </a:r>
-          </a:p>
-          <a:p>
-            <a:pPr lvl="1"/>
-            <a:r>
-              <a:rPr lang="en-US" dirty="0" smtClean="0"/>
-              <a:t>Type “</a:t>
-            </a:r>
-            <a:r>
-              <a:rPr lang="en-US" dirty="0" err="1" smtClean="0"/>
-              <a:t>gradle</a:t>
-            </a:r>
-            <a:r>
-              <a:rPr lang="en-US" dirty="0" smtClean="0"/>
-              <a:t> </a:t>
-            </a:r>
-            <a:r>
-              <a:rPr lang="en-US" dirty="0" err="1" smtClean="0"/>
-              <a:t>jmh</a:t>
-            </a:r>
-            <a:r>
-              <a:rPr lang="en-US" dirty="0" smtClean="0"/>
-              <a:t>” and then wait for results</a:t>
-            </a:r>
-          </a:p>
-          <a:p>
-            <a:r>
-              <a:rPr lang="en-US" dirty="0" smtClean="0"/>
-              <a:t>Possible to run within an existing project, within an IDE</a:t>
-            </a:r>
-          </a:p>
-          <a:p>
-            <a:pPr lvl="1"/>
-            <a:r>
-              <a:rPr lang="en-US" dirty="0" smtClean="0"/>
-              <a:t>Not recommended</a:t>
-            </a:r>
+              <a:t>What you write != what the CPU does!</a:t>
+            </a:r>
+            <a:endParaRPr lang="en-US" dirty="0">
+              <a:solidFill>
+                <a:srgbClr val="FF0000"/>
+              </a:solidFill>
+            </a:endParaRPr>
           </a:p>
         </p:txBody>
       </p:sp>
     </p:spTree>
     <p:extLst>
       <p:ext uri="{BB962C8B-B14F-4D97-AF65-F5344CB8AC3E}">
-        <p14:creationId xmlns:p14="http://schemas.microsoft.com/office/powerpoint/2010/main" val="3570349981"/>
+        <p14:creationId xmlns:p14="http://schemas.microsoft.com/office/powerpoint/2010/main" val="3631639062"/>
       </p:ext>
     </p:extLst>
   </p:cSld>
@@ -9765,116 +12217,46 @@
           <a:lstStyle/>
           <a:p>
             <a:r>
-              <a:rPr lang="en-US" dirty="0"/>
-              <a:t>JMH – </a:t>
-            </a:r>
-            <a:r>
-              <a:rPr lang="en-US" dirty="0" smtClean="0"/>
-              <a:t>Setup (2)</a:t>
+              <a:rPr lang="en-US" dirty="0" smtClean="0"/>
+              <a:t>Java vs. C</a:t>
             </a:r>
             <a:endParaRPr lang="en-US" dirty="0"/>
           </a:p>
         </p:txBody>
       </p:sp>
-      <p:sp>
-        <p:nvSpPr>
-          <p:cNvPr id="3" name="Content Placeholder 2"/>
-          <p:cNvSpPr>
-            <a:spLocks noGrp="1"/>
-          </p:cNvSpPr>
+      <p:pic>
+        <p:nvPicPr>
+          <p:cNvPr id="4" name="Content Placeholder 3"/>
+          <p:cNvPicPr>
+            <a:picLocks noGrp="1" noChangeAspect="1"/>
+          </p:cNvPicPr>
           <p:nvPr>
             <p:ph idx="1"/>
           </p:nvPr>
-        </p:nvSpPr>
-        <p:spPr/>
-        <p:txBody>
-          <a:bodyPr/>
-          <a:lstStyle/>
-          <a:p>
-            <a:r>
-              <a:rPr lang="en-US" dirty="0" smtClean="0"/>
-              <a:t>Keep code and benchmarks separate</a:t>
-            </a:r>
-          </a:p>
-          <a:p>
-            <a:r>
-              <a:rPr lang="en-US" dirty="0" smtClean="0"/>
-              <a:t>In </a:t>
-            </a:r>
-            <a:r>
-              <a:rPr lang="en-US" dirty="0" err="1" smtClean="0"/>
-              <a:t>Gradle</a:t>
-            </a:r>
-            <a:r>
-              <a:rPr lang="en-US" dirty="0" smtClean="0"/>
-              <a:t>/Maven – split into 2 separate source trees</a:t>
-            </a:r>
-            <a:endParaRPr lang="en-US" dirty="0"/>
-          </a:p>
-          <a:p>
-            <a:pPr lvl="1"/>
-            <a:r>
-              <a:rPr lang="en-US" dirty="0"/>
-              <a:t>/</a:t>
-            </a:r>
-            <a:r>
-              <a:rPr lang="en-US" dirty="0" err="1" smtClean="0"/>
-              <a:t>src</a:t>
-            </a:r>
-            <a:r>
-              <a:rPr lang="en-US" dirty="0" smtClean="0"/>
-              <a:t>/main/java</a:t>
-            </a:r>
-          </a:p>
-          <a:p>
-            <a:pPr lvl="2"/>
-            <a:r>
-              <a:rPr lang="en-US" dirty="0" smtClean="0"/>
-              <a:t>Application code</a:t>
-            </a:r>
-          </a:p>
-          <a:p>
-            <a:pPr lvl="1"/>
-            <a:r>
-              <a:rPr lang="en-US" dirty="0" smtClean="0"/>
-              <a:t>/</a:t>
-            </a:r>
-            <a:r>
-              <a:rPr lang="en-US" dirty="0" err="1" smtClean="0"/>
-              <a:t>src</a:t>
-            </a:r>
-            <a:r>
-              <a:rPr lang="en-US" dirty="0" smtClean="0"/>
-              <a:t>/</a:t>
-            </a:r>
-            <a:r>
-              <a:rPr lang="en-US" dirty="0" err="1" smtClean="0"/>
-              <a:t>jmh</a:t>
-            </a:r>
-            <a:r>
-              <a:rPr lang="en-US" dirty="0" smtClean="0"/>
-              <a:t>/java</a:t>
-            </a:r>
-          </a:p>
-          <a:p>
-            <a:pPr lvl="2"/>
-            <a:r>
-              <a:rPr lang="en-US" dirty="0" smtClean="0"/>
-              <a:t>Benchmark code</a:t>
-            </a:r>
-          </a:p>
-          <a:p>
-            <a:r>
-              <a:rPr lang="en-US" dirty="0" smtClean="0"/>
-              <a:t>Or build a benchmark project which depends on your application jar(s)</a:t>
-            </a:r>
-          </a:p>
-        </p:txBody>
-      </p:sp>
+        </p:nvPicPr>
+        <p:blipFill>
+          <a:blip r:embed="rId3">
+            <a:extLst>
+              <a:ext uri="{28A0092B-C50C-407E-A947-70E740481C1C}">
+                <a14:useLocalDpi xmlns:a14="http://schemas.microsoft.com/office/drawing/2010/main" val="0"/>
+              </a:ext>
+            </a:extLst>
+          </a:blip>
+          <a:stretch>
+            <a:fillRect/>
+          </a:stretch>
+        </p:blipFill>
+        <p:spPr>
+          <a:xfrm>
+            <a:off x="838200" y="1690689"/>
+            <a:ext cx="10515600" cy="4790322"/>
+          </a:xfrm>
+        </p:spPr>
+      </p:pic>
     </p:spTree>
     <p:extLst>
       <p:ext uri="{BB962C8B-B14F-4D97-AF65-F5344CB8AC3E}">
-        <p14:creationId xmlns:p14="http://schemas.microsoft.com/office/powerpoint/2010/main" val="324309615"/>
+        <p14:creationId xmlns:p14="http://schemas.microsoft.com/office/powerpoint/2010/main" val="2949170419"/>
       </p:ext>
     </p:extLst>
   </p:cSld>
@@ -9925,7 +12307,7 @@
           <a:p>
             <a:r>
               <a:rPr lang="en-US" dirty="0" smtClean="0"/>
-              <a:t>JMH – Defaults</a:t>
+              <a:t>Mitigating the Effects of the JIT</a:t>
             </a:r>
             <a:endParaRPr lang="en-US" dirty="0"/>
           </a:p>
@@ -9948,68 +12330,39 @@
           <a:p>
             <a:r>
               <a:rPr lang="en-US" dirty="0" smtClean="0"/>
-              <a:t>Each benchmark run 20 warm-up rounds (max 1 second each)</a:t>
-            </a:r>
-          </a:p>
-          <a:p>
-            <a:r>
-              <a:rPr lang="en-US" dirty="0" smtClean="0"/>
-              <a:t>Then 20 measurement rounds (max 1 second each)</a:t>
-            </a:r>
-          </a:p>
-          <a:p>
-            <a:r>
-              <a:rPr lang="en-US" dirty="0" smtClean="0"/>
-              <a:t>Launches a new JVM 10 times for running each benchmark</a:t>
-            </a:r>
-          </a:p>
-          <a:p>
-            <a:r>
-              <a:rPr lang="en-US" dirty="0" smtClean="0"/>
-              <a:t>Command line flags and source annotations can customize this per benchmark</a:t>
-            </a:r>
+              <a:t>Run a Warmup Phase</a:t>
+            </a:r>
+          </a:p>
+          <a:p>
+            <a:r>
+              <a:rPr lang="en-US" dirty="0" smtClean="0"/>
+              <a:t>Run Many Times and Average the Results</a:t>
+            </a:r>
+          </a:p>
+          <a:p>
+            <a:r>
+              <a:rPr lang="en-US" dirty="0"/>
+              <a:t>-XX:+</a:t>
+            </a:r>
+            <a:r>
+              <a:rPr lang="en-US" dirty="0" err="1" smtClean="0"/>
+              <a:t>PrintCompilation</a:t>
+            </a:r>
+            <a:endParaRPr lang="en-US" dirty="0"/>
           </a:p>
           <a:p>
             <a:pPr lvl="1"/>
             <a:r>
               <a:rPr lang="en-US" dirty="0" smtClean="0"/>
-              <a:t>Running through </a:t>
-            </a:r>
-            <a:r>
-              <a:rPr lang="en-US" dirty="0" err="1" smtClean="0"/>
-              <a:t>Gradle</a:t>
-            </a:r>
-            <a:r>
-              <a:rPr lang="en-US" dirty="0" smtClean="0"/>
-              <a:t> – configurable in build script</a:t>
-            </a:r>
-          </a:p>
-          <a:p>
-            <a:pPr lvl="1"/>
-            <a:r>
-              <a:rPr lang="en-US" dirty="0">
-                <a:hlinkClick r:id="rId3"/>
-              </a:rPr>
-              <a:t>https://</a:t>
-            </a:r>
-            <a:r>
-              <a:rPr lang="en-US" dirty="0" smtClean="0">
-                <a:hlinkClick r:id="rId3"/>
-              </a:rPr>
-              <a:t>github.com/melix/jmh-gradle-plugin#configuration-options</a:t>
-            </a:r>
-            <a:endParaRPr lang="en-US" dirty="0" smtClean="0"/>
-          </a:p>
-          <a:p>
-            <a:pPr lvl="1"/>
-            <a:endParaRPr lang="en-US" dirty="0"/>
+              <a:t>Verify no JIT activity</a:t>
+            </a:r>
           </a:p>
         </p:txBody>
       </p:sp>
     </p:spTree>
     <p:extLst>
       <p:ext uri="{BB962C8B-B14F-4D97-AF65-F5344CB8AC3E}">
-        <p14:creationId xmlns:p14="http://schemas.microsoft.com/office/powerpoint/2010/main" val="2162986850"/>
+        <p14:creationId xmlns:p14="http://schemas.microsoft.com/office/powerpoint/2010/main" val="973091164"/>
       </p:ext>
     </p:extLst>
   </p:cSld>
@@ -10058,9 +12411,14 @@
           <a:bodyPr/>
           <a:lstStyle/>
           <a:p>
-            <a:r>
-              <a:rPr lang="en-US" dirty="0" smtClean="0"/>
-              <a:t>JMH – Hello World</a:t>
+            <a:pPr algn="ctr"/>
+            <a:r>
+              <a:rPr lang="en-US" dirty="0" smtClean="0"/>
+              <a:t>Demo – </a:t>
+            </a:r>
+            <a:r>
+              <a:rPr lang="en-US" dirty="0" err="1" smtClean="0"/>
+              <a:t>SimpleBenchmarker</a:t>
             </a:r>
             <a:endParaRPr lang="en-US" dirty="0"/>
           </a:p>
@@ -10068,45 +12426,27 @@
       </p:sp>
       <p:sp>
         <p:nvSpPr>
-          <p:cNvPr id="3" name="Content Placeholder 2"/>
-          <p:cNvSpPr>
-            <a:spLocks noGrp="1"/>
-          </p:cNvSpPr>
-          <p:nvPr>
-            <p:ph idx="1"/>
-          </p:nvPr>
-        </p:nvSpPr>
-        <p:spPr/>
-        <p:txBody>
-          <a:bodyPr/>
-          <a:lstStyle/>
-          <a:p>
-            <a:r>
-              <a:rPr lang="en-US" dirty="0" smtClean="0"/>
-              <a:t>JMH-Runner project is self-contained example</a:t>
-            </a:r>
-          </a:p>
-          <a:p>
-            <a:r>
-              <a:rPr lang="en-US" dirty="0" smtClean="0"/>
-              <a:t>Output in build/reports/</a:t>
-            </a:r>
-            <a:r>
-              <a:rPr lang="en-US" dirty="0" err="1" smtClean="0"/>
-              <a:t>jmh</a:t>
-            </a:r>
-            <a:r>
-              <a:rPr lang="en-US" dirty="0" smtClean="0"/>
-              <a:t>/human.txt</a:t>
-            </a:r>
-            <a:endParaRPr lang="en-US" dirty="0"/>
+          <p:cNvPr id="5" name="Text Placeholder 4"/>
+          <p:cNvSpPr>
+            <a:spLocks noGrp="1"/>
+          </p:cNvSpPr>
+          <p:nvPr>
+            <p:ph type="body" idx="1"/>
+          </p:nvPr>
+        </p:nvSpPr>
+        <p:spPr/>
+        <p:txBody>
+          <a:bodyPr/>
+          <a:lstStyle/>
+          <a:p>
+            <a:endParaRPr lang="en-US"/>
           </a:p>
         </p:txBody>
       </p:sp>
     </p:spTree>
     <p:extLst>
       <p:ext uri="{BB962C8B-B14F-4D97-AF65-F5344CB8AC3E}">
-        <p14:creationId xmlns:p14="http://schemas.microsoft.com/office/powerpoint/2010/main" val="1353279716"/>
+        <p14:creationId xmlns:p14="http://schemas.microsoft.com/office/powerpoint/2010/main" val="1399951888"/>
       </p:ext>
     </p:extLst>
   </p:cSld>
@@ -10157,7 +12497,7 @@
           <a:p>
             <a:r>
               <a:rPr lang="en-US" dirty="0" smtClean="0"/>
-              <a:t>Sample JMH Output</a:t>
+              <a:t>The Morals of Demo 01</a:t>
             </a:r>
             <a:endParaRPr lang="en-US" dirty="0"/>
           </a:p>
@@ -10175,104 +12515,24 @@
         </p:nvSpPr>
         <p:spPr/>
         <p:txBody>
-          <a:bodyPr>
-            <a:normAutofit fontScale="92500" lnSpcReduction="20000"/>
-          </a:bodyPr>
-          <a:lstStyle/>
-          <a:p>
-            <a:r>
-              <a:rPr lang="en-US" dirty="0" smtClean="0"/>
-              <a:t>doc\sample-human.txt</a:t>
-            </a:r>
-          </a:p>
-          <a:p>
-            <a:r>
-              <a:rPr lang="en-US" dirty="0" smtClean="0"/>
-              <a:t>Configuration Info</a:t>
-            </a:r>
-          </a:p>
-          <a:p>
-            <a:pPr lvl="1"/>
-            <a:r>
-              <a:rPr lang="en-US" dirty="0" smtClean="0"/>
-              <a:t>JMH, JVM version</a:t>
-            </a:r>
-          </a:p>
-          <a:p>
-            <a:pPr lvl="1"/>
-            <a:r>
-              <a:rPr lang="en-US" dirty="0" smtClean="0"/>
-              <a:t>JVM Configuration</a:t>
-            </a:r>
-          </a:p>
-          <a:p>
-            <a:pPr lvl="1"/>
-            <a:r>
-              <a:rPr lang="en-US" dirty="0" smtClean="0"/>
-              <a:t>JMH Configuration</a:t>
-            </a:r>
-          </a:p>
-          <a:p>
-            <a:r>
-              <a:rPr lang="en-US" dirty="0" smtClean="0"/>
-              <a:t>Profiling Results</a:t>
-            </a:r>
-          </a:p>
-          <a:p>
-            <a:pPr lvl="1"/>
-            <a:r>
-              <a:rPr lang="en-US" dirty="0" smtClean="0"/>
-              <a:t>Operations / second (default output mode) </a:t>
-            </a:r>
-          </a:p>
-          <a:p>
-            <a:pPr lvl="1"/>
-            <a:r>
-              <a:rPr lang="en-US" dirty="0" smtClean="0"/>
-              <a:t>Computed statistics (min, </a:t>
-            </a:r>
-            <a:r>
-              <a:rPr lang="en-US" dirty="0" err="1" smtClean="0"/>
-              <a:t>avg</a:t>
-            </a:r>
-            <a:r>
-              <a:rPr lang="en-US" dirty="0" smtClean="0"/>
-              <a:t>, max, </a:t>
-            </a:r>
-            <a:r>
-              <a:rPr lang="en-US" dirty="0" err="1" smtClean="0"/>
-              <a:t>stdev</a:t>
-            </a:r>
-            <a:r>
-              <a:rPr lang="en-US" dirty="0" smtClean="0"/>
-              <a:t>, confidence interval)</a:t>
-            </a:r>
-          </a:p>
-          <a:p>
-            <a:r>
-              <a:rPr lang="en-US" dirty="0" smtClean="0"/>
-              <a:t>What’s missing?</a:t>
-            </a:r>
-          </a:p>
-          <a:p>
-            <a:pPr lvl="1"/>
-            <a:r>
-              <a:rPr lang="en-US" dirty="0" smtClean="0"/>
-              <a:t>OS</a:t>
-            </a:r>
-          </a:p>
-          <a:p>
-            <a:pPr lvl="1"/>
-            <a:r>
-              <a:rPr lang="en-US" dirty="0" smtClean="0"/>
-              <a:t>Hardware</a:t>
-            </a:r>
-          </a:p>
-          <a:p>
-            <a:pPr lvl="1"/>
-            <a:r>
-              <a:rPr lang="en-US" dirty="0" smtClean="0"/>
-              <a:t>System Load</a:t>
+          <a:bodyPr/>
+          <a:lstStyle/>
+          <a:p>
+            <a:r>
+              <a:rPr lang="en-US" dirty="0" smtClean="0"/>
+              <a:t>Writing simple benchmarks which yield meaningful results is very difficult</a:t>
+            </a:r>
+          </a:p>
+          <a:p>
+            <a:r>
+              <a:rPr lang="en-US" dirty="0" smtClean="0"/>
+              <a:t>Stop Watch benchmarking is rarely meaningful</a:t>
+            </a:r>
+          </a:p>
+          <a:p>
+            <a:r>
+              <a:rPr lang="en-US" dirty="0" smtClean="0"/>
+              <a:t>The cause of much of this difficulty is the VM’s optimizations</a:t>
             </a:r>
             <a:endParaRPr lang="en-US" dirty="0"/>
           </a:p>
@@ -10281,7 +12541,7 @@
     </p:spTree>
     <p:extLst>
       <p:ext uri="{BB962C8B-B14F-4D97-AF65-F5344CB8AC3E}">
-        <p14:creationId xmlns:p14="http://schemas.microsoft.com/office/powerpoint/2010/main" val="3822949413"/>
+        <p14:creationId xmlns:p14="http://schemas.microsoft.com/office/powerpoint/2010/main" val="1404085125"/>
       </p:ext>
     </p:extLst>
   </p:cSld>

--- a/doc/slides.pptx
+++ b/doc/slides.pptx
@@ -5,7 +5,7 @@
     <p:sldMasterId id="2147483648" r:id="rId1"/>
   </p:sldMasterIdLst>
   <p:notesMasterIdLst>
-    <p:notesMasterId r:id="rId42"/>
+    <p:notesMasterId r:id="rId45"/>
   </p:notesMasterIdLst>
   <p:sldIdLst>
     <p:sldId id="256" r:id="rId2"/>
@@ -17,37 +17,40 @@
     <p:sldId id="295" r:id="rId8"/>
     <p:sldId id="290" r:id="rId9"/>
     <p:sldId id="257" r:id="rId10"/>
-    <p:sldId id="289" r:id="rId11"/>
-    <p:sldId id="258" r:id="rId12"/>
-    <p:sldId id="262" r:id="rId13"/>
-    <p:sldId id="259" r:id="rId14"/>
-    <p:sldId id="263" r:id="rId15"/>
-    <p:sldId id="260" r:id="rId16"/>
-    <p:sldId id="265" r:id="rId17"/>
-    <p:sldId id="267" r:id="rId18"/>
-    <p:sldId id="268" r:id="rId19"/>
-    <p:sldId id="266" r:id="rId20"/>
-    <p:sldId id="269" r:id="rId21"/>
-    <p:sldId id="270" r:id="rId22"/>
-    <p:sldId id="271" r:id="rId23"/>
-    <p:sldId id="272" r:id="rId24"/>
-    <p:sldId id="281" r:id="rId25"/>
-    <p:sldId id="278" r:id="rId26"/>
-    <p:sldId id="279" r:id="rId27"/>
-    <p:sldId id="280" r:id="rId28"/>
-    <p:sldId id="282" r:id="rId29"/>
-    <p:sldId id="274" r:id="rId30"/>
-    <p:sldId id="275" r:id="rId31"/>
-    <p:sldId id="273" r:id="rId32"/>
-    <p:sldId id="283" r:id="rId33"/>
-    <p:sldId id="284" r:id="rId34"/>
-    <p:sldId id="285" r:id="rId35"/>
-    <p:sldId id="286" r:id="rId36"/>
-    <p:sldId id="276" r:id="rId37"/>
-    <p:sldId id="277" r:id="rId38"/>
-    <p:sldId id="264" r:id="rId39"/>
-    <p:sldId id="287" r:id="rId40"/>
-    <p:sldId id="261" r:id="rId41"/>
+    <p:sldId id="296" r:id="rId11"/>
+    <p:sldId id="298" r:id="rId12"/>
+    <p:sldId id="297" r:id="rId13"/>
+    <p:sldId id="289" r:id="rId14"/>
+    <p:sldId id="258" r:id="rId15"/>
+    <p:sldId id="262" r:id="rId16"/>
+    <p:sldId id="259" r:id="rId17"/>
+    <p:sldId id="263" r:id="rId18"/>
+    <p:sldId id="260" r:id="rId19"/>
+    <p:sldId id="265" r:id="rId20"/>
+    <p:sldId id="267" r:id="rId21"/>
+    <p:sldId id="268" r:id="rId22"/>
+    <p:sldId id="266" r:id="rId23"/>
+    <p:sldId id="269" r:id="rId24"/>
+    <p:sldId id="270" r:id="rId25"/>
+    <p:sldId id="271" r:id="rId26"/>
+    <p:sldId id="272" r:id="rId27"/>
+    <p:sldId id="281" r:id="rId28"/>
+    <p:sldId id="278" r:id="rId29"/>
+    <p:sldId id="279" r:id="rId30"/>
+    <p:sldId id="280" r:id="rId31"/>
+    <p:sldId id="282" r:id="rId32"/>
+    <p:sldId id="274" r:id="rId33"/>
+    <p:sldId id="275" r:id="rId34"/>
+    <p:sldId id="273" r:id="rId35"/>
+    <p:sldId id="283" r:id="rId36"/>
+    <p:sldId id="284" r:id="rId37"/>
+    <p:sldId id="285" r:id="rId38"/>
+    <p:sldId id="286" r:id="rId39"/>
+    <p:sldId id="276" r:id="rId40"/>
+    <p:sldId id="277" r:id="rId41"/>
+    <p:sldId id="264" r:id="rId42"/>
+    <p:sldId id="287" r:id="rId43"/>
+    <p:sldId id="261" r:id="rId44"/>
   </p:sldIdLst>
   <p:sldSz cx="12192000" cy="6858000"/>
   <p:notesSz cx="6858000" cy="9144000"/>
@@ -236,7 +239,7 @@
           <a:p>
             <a:fld id="{D5C9E47B-4149-4D78-AEA7-6A63220E520D}" type="datetimeFigureOut">
               <a:rPr lang="en-US" smtClean="0"/>
-              <a:t>2/3/2016</a:t>
+              <a:t>2/4/2016</a:t>
             </a:fld>
             <a:endParaRPr lang="en-US"/>
           </a:p>
@@ -554,13 +557,8 @@
             </a:r>
             <a:r>
               <a:rPr lang="en-US" baseline="0" dirty="0" smtClean="0"/>
-              <a:t> plan to *introduce* a tool called JMH and show how to use it</a:t>
-            </a:r>
-            <a:r>
-              <a:rPr lang="en-US" baseline="0" dirty="0" smtClean="0"/>
-              <a:t>.  This tool is probably the *BEST POSSIBLE WAY* at the present time to answer questions like are these lines of Java code faster than these other lines.</a:t>
-            </a:r>
-            <a:endParaRPr lang="en-US" baseline="0" dirty="0" smtClean="0"/>
+              <a:t> plan to *introduce* a tool called JMH and show how to use it.  This tool is probably the *BEST POSSIBLE WAY* at the present time to answer questions like are these lines of Java code faster than these other lines.</a:t>
+            </a:r>
           </a:p>
           <a:p>
             <a:endParaRPr lang="en-US" baseline="0" dirty="0" smtClean="0"/>
@@ -585,19 +583,7 @@
             </a:pPr>
             <a:r>
               <a:rPr lang="en-US" baseline="0" dirty="0" smtClean="0"/>
-              <a:t>I’ll say up front that understanding this tool is difficult, and I am by no means an expert on either it </a:t>
-            </a:r>
-            <a:r>
-              <a:rPr lang="en-US" baseline="0" dirty="0" smtClean="0"/>
-              <a:t>or </a:t>
-            </a:r>
-            <a:r>
-              <a:rPr lang="en-US" baseline="0" dirty="0" smtClean="0"/>
-              <a:t>the complex and cryptic internal workings of the </a:t>
-            </a:r>
-            <a:r>
-              <a:rPr lang="en-US" baseline="0" dirty="0" smtClean="0"/>
-              <a:t>JVM.  But I know enough to be dangerous and you can too.</a:t>
+              <a:t>I’ll say up front that understanding this tool is difficult, and I am by no means an expert on either it or the complex and cryptic internal workings of the JVM.  But I know enough to be dangerous and you can too.</a:t>
             </a:r>
           </a:p>
           <a:p>
@@ -727,13 +713,7 @@
           <a:p>
             <a:r>
               <a:rPr lang="en-US" dirty="0" smtClean="0"/>
-              <a:t>Setup is somewhat difficult because - </a:t>
-            </a:r>
-          </a:p>
-          <a:p>
-            <a:r>
-              <a:rPr lang="en-US" dirty="0" smtClean="0"/>
-              <a:t>In all cases, the key to using JMH is enabling the annotation- or bytecode-processors to generate the synthetic benchmark code</a:t>
+              <a:t>In certain circumstances the JIT-compiler may be able to detect that the benchmark does not do anything and eliminates large parts or even the whole benchmark code. The performance looks astonishing but unfortunately the benchmark developer has just been fooled by the JIT-compiler. </a:t>
             </a:r>
             <a:endParaRPr lang="en-US" dirty="0"/>
           </a:p>
@@ -756,7 +736,7 @@
           <a:p>
             <a:fld id="{CFAD290B-5269-4E99-8A8A-8691B1EB0AE9}" type="slidenum">
               <a:rPr lang="en-US" smtClean="0"/>
-              <a:t>12</a:t>
+              <a:t>11</a:t>
             </a:fld>
             <a:endParaRPr lang="en-US"/>
           </a:p>
@@ -765,7 +745,7 @@
     </p:spTree>
     <p:extLst>
       <p:ext uri="{BB962C8B-B14F-4D97-AF65-F5344CB8AC3E}">
-        <p14:creationId xmlns:p14="http://schemas.microsoft.com/office/powerpoint/2010/main" val="3160364319"/>
+        <p14:creationId xmlns:p14="http://schemas.microsoft.com/office/powerpoint/2010/main" val="2125869773"/>
       </p:ext>
     </p:extLst>
   </p:cSld>
@@ -820,104 +800,16 @@
           <a:lstStyle/>
           <a:p>
             <a:r>
-              <a:rPr lang="en-US" dirty="0" smtClean="0"/>
-              <a:t>The</a:t>
-            </a:r>
-            <a:r>
-              <a:rPr lang="en-US" baseline="0" dirty="0" smtClean="0"/>
-              <a:t> separate project business is </a:t>
-            </a:r>
-            <a:r>
-              <a:rPr lang="en-US" dirty="0" smtClean="0"/>
-              <a:t>JMH</a:t>
-            </a:r>
-            <a:r>
-              <a:rPr lang="en-US" baseline="0" dirty="0" smtClean="0"/>
-              <a:t> is trying to ensure that </a:t>
-            </a:r>
-            <a:r>
-              <a:rPr lang="en-US" dirty="0" smtClean="0"/>
-              <a:t>the benchmarks are </a:t>
-            </a:r>
-            <a:r>
-              <a:rPr lang="en-US" b="1" dirty="0" smtClean="0"/>
-              <a:t>correctly initialized and produce reliable results</a:t>
-            </a:r>
-            <a:r>
-              <a:rPr lang="en-US" dirty="0" smtClean="0"/>
-              <a:t>. </a:t>
-            </a:r>
-          </a:p>
-          <a:p>
-            <a:endParaRPr lang="en-US" dirty="0" smtClean="0"/>
-          </a:p>
-          <a:p>
-            <a:r>
-              <a:rPr lang="en-US" dirty="0" smtClean="0"/>
-              <a:t>Because </a:t>
-            </a:r>
-            <a:r>
-              <a:rPr lang="en-US" dirty="0" err="1" smtClean="0"/>
-              <a:t>Gradle</a:t>
-            </a:r>
-            <a:r>
-              <a:rPr lang="en-US" dirty="0" smtClean="0"/>
-              <a:t> is</a:t>
-            </a:r>
-            <a:r>
-              <a:rPr lang="en-US" baseline="0" dirty="0" smtClean="0"/>
-              <a:t> several hundred times better than JMH, I’ve setup a simple </a:t>
-            </a:r>
-            <a:r>
-              <a:rPr lang="en-US" baseline="0" dirty="0" err="1" smtClean="0"/>
-              <a:t>Gradle</a:t>
-            </a:r>
-            <a:r>
-              <a:rPr lang="en-US" baseline="0" dirty="0" smtClean="0"/>
-              <a:t> project which will run JMH for you – all you have to do is add your code to the </a:t>
-            </a:r>
-            <a:r>
-              <a:rPr lang="en-US" baseline="0" dirty="0" err="1" smtClean="0"/>
-              <a:t>src</a:t>
-            </a:r>
-            <a:r>
-              <a:rPr lang="en-US" baseline="0" dirty="0" smtClean="0"/>
-              <a:t>/</a:t>
-            </a:r>
-            <a:r>
-              <a:rPr lang="en-US" baseline="0" dirty="0" err="1" smtClean="0"/>
-              <a:t>jmh</a:t>
-            </a:r>
-            <a:r>
-              <a:rPr lang="en-US" baseline="0" dirty="0" smtClean="0"/>
-              <a:t>/java folder, and run.</a:t>
-            </a:r>
-          </a:p>
-          <a:p>
-            <a:endParaRPr lang="en-US" baseline="0" dirty="0" smtClean="0"/>
-          </a:p>
-          <a:p>
-            <a:pPr marL="0" marR="0" indent="0" algn="l" defTabSz="914400" rtl="0" eaLnBrk="1" fontAlgn="auto" latinLnBrk="0" hangingPunct="1">
-              <a:lnSpc>
-                <a:spcPct val="100000"/>
-              </a:lnSpc>
-              <a:spcBef>
-                <a:spcPts val="0"/>
-              </a:spcBef>
-              <a:spcAft>
-                <a:spcPts val="0"/>
-              </a:spcAft>
-              <a:buClrTx/>
-              <a:buSzTx/>
-              <a:buFontTx/>
-              <a:buNone/>
-              <a:tabLst/>
-              <a:defRPr/>
-            </a:pPr>
-            <a:r>
-              <a:rPr lang="en-US" dirty="0" smtClean="0"/>
-              <a:t>It is possible to run benchmarks from within an existing project, and even from within an IDE, however setup is more complex and the results are less reliable.</a:t>
-            </a:r>
+              <a:rPr lang="en-US" dirty="0" smtClean="0">
+                <a:hlinkClick r:id="rId3"/>
+              </a:rPr>
+              <a:t>Constant folding</a:t>
+            </a:r>
+            <a:r>
+              <a:rPr lang="en-US" dirty="0" smtClean="0"/>
+              <a:t> is the process of simplifying constant expressions at compile time. Terms in constant expressions are typically simple literals, such as the integer 2, but can also be variables whose values are never modified, or variables explicitly marked as constant</a:t>
+            </a:r>
+            <a:endParaRPr lang="en-US" dirty="0"/>
           </a:p>
         </p:txBody>
       </p:sp>
@@ -938,7 +830,7 @@
           <a:p>
             <a:fld id="{CFAD290B-5269-4E99-8A8A-8691B1EB0AE9}" type="slidenum">
               <a:rPr lang="en-US" smtClean="0"/>
-              <a:t>13</a:t>
+              <a:t>12</a:t>
             </a:fld>
             <a:endParaRPr lang="en-US"/>
           </a:p>
@@ -947,7 +839,7 @@
     </p:spTree>
     <p:extLst>
       <p:ext uri="{BB962C8B-B14F-4D97-AF65-F5344CB8AC3E}">
-        <p14:creationId xmlns:p14="http://schemas.microsoft.com/office/powerpoint/2010/main" val="278153674"/>
+        <p14:creationId xmlns:p14="http://schemas.microsoft.com/office/powerpoint/2010/main" val="3346436790"/>
       </p:ext>
     </p:extLst>
   </p:cSld>
@@ -1003,7 +895,32 @@
           <a:p>
             <a:r>
               <a:rPr lang="en-US" dirty="0" smtClean="0"/>
-              <a:t>When dealing with large projects, it is customary to keep the benchmarks in a separate subproject, which then depends on the tested modules via the usual build dependencies.</a:t>
+              <a:t>So if all that seems like a lot of things</a:t>
+            </a:r>
+            <a:r>
+              <a:rPr lang="en-US" baseline="0" dirty="0" smtClean="0"/>
+              <a:t> to keep in mind while writing your benchmarks, it’s because it *is*!  Writing meaningful </a:t>
+            </a:r>
+            <a:r>
+              <a:rPr lang="en-US" baseline="0" dirty="0" err="1" smtClean="0"/>
+              <a:t>microbenchmarks</a:t>
+            </a:r>
+            <a:r>
+              <a:rPr lang="en-US" baseline="0" dirty="0" smtClean="0"/>
+              <a:t> by hand is very, very hard.</a:t>
+            </a:r>
+          </a:p>
+          <a:p>
+            <a:endParaRPr lang="en-US" baseline="0" dirty="0" smtClean="0"/>
+          </a:p>
+          <a:p>
+            <a:r>
+              <a:rPr lang="en-US" baseline="0" dirty="0" smtClean="0"/>
+              <a:t>So you can follow this procedure…or you can use a tool which aims to mitigate all those troubles…</a:t>
+            </a:r>
+            <a:r>
+              <a:rPr lang="en-US" baseline="0" dirty="0" err="1" smtClean="0"/>
+              <a:t>jmh</a:t>
             </a:r>
             <a:endParaRPr lang="en-US" dirty="0"/>
           </a:p>
@@ -1026,7 +943,7 @@
           <a:p>
             <a:fld id="{CFAD290B-5269-4E99-8A8A-8691B1EB0AE9}" type="slidenum">
               <a:rPr lang="en-US" smtClean="0"/>
-              <a:t>14</a:t>
+              <a:t>13</a:t>
             </a:fld>
             <a:endParaRPr lang="en-US"/>
           </a:p>
@@ -1035,7 +952,7 @@
     </p:spTree>
     <p:extLst>
       <p:ext uri="{BB962C8B-B14F-4D97-AF65-F5344CB8AC3E}">
-        <p14:creationId xmlns:p14="http://schemas.microsoft.com/office/powerpoint/2010/main" val="3355601355"/>
+        <p14:creationId xmlns:p14="http://schemas.microsoft.com/office/powerpoint/2010/main" val="468409285"/>
       </p:ext>
     </p:extLst>
   </p:cSld>
@@ -1091,21 +1008,52 @@
           <a:p>
             <a:r>
               <a:rPr lang="en-US" dirty="0" smtClean="0"/>
-              <a:t>The</a:t>
+              <a:t>Other than micro and concurrent, JMH is a general-purpose benchmarking harness also possibly useful for larger benchmarks, too.  Emphasis is on using it</a:t>
             </a:r>
             <a:r>
               <a:rPr lang="en-US" baseline="0" dirty="0" smtClean="0"/>
-              <a:t> default m</a:t>
-            </a:r>
-            <a:r>
-              <a:rPr lang="en-US" dirty="0" smtClean="0"/>
-              <a:t>ax</a:t>
-            </a:r>
-            <a:r>
-              <a:rPr lang="en-US" baseline="0" dirty="0" smtClean="0"/>
-              <a:t> of 1 second – shows the emphasis on “micro”-benchmarks.</a:t>
-            </a:r>
-            <a:endParaRPr lang="en-US" dirty="0"/>
+              <a:t> for MICRO benchmarks though, different profiling tools are probably more useful for measuring larger parts of an application.</a:t>
+            </a:r>
+          </a:p>
+          <a:p>
+            <a:endParaRPr lang="en-US" b="1" baseline="0" dirty="0" smtClean="0"/>
+          </a:p>
+          <a:p>
+            <a:r>
+              <a:rPr lang="en-US" b="1" dirty="0" smtClean="0"/>
+              <a:t>“Its distinctive advantage </a:t>
+            </a:r>
+            <a:r>
+              <a:rPr lang="en-US" dirty="0" smtClean="0"/>
+              <a:t>over other frameworks is that it is developed by the same guys in Oracle who implement the JIT. In particular I want to mention </a:t>
+            </a:r>
+            <a:r>
+              <a:rPr lang="en-US" dirty="0" smtClean="0">
+                <a:hlinkClick r:id="rId3"/>
+              </a:rPr>
+              <a:t>Aleksey </a:t>
+            </a:r>
+            <a:r>
+              <a:rPr lang="en-US" dirty="0" err="1" smtClean="0">
+                <a:hlinkClick r:id="rId3"/>
+              </a:rPr>
+              <a:t>Shipilev</a:t>
+            </a:r>
+            <a:r>
+              <a:rPr lang="en-US" dirty="0" smtClean="0">
+                <a:hlinkClick r:id="rId3"/>
+              </a:rPr>
+              <a:t> and his brilliant blog</a:t>
+            </a:r>
+            <a:r>
+              <a:rPr lang="en-US" dirty="0" smtClean="0"/>
+              <a:t>. </a:t>
+            </a:r>
+            <a:r>
+              <a:rPr lang="en-US" b="1" dirty="0" smtClean="0"/>
+              <a:t>JMH is likely to be in sync with the latest Oracle JRE changes, which makes its results very reliable. “</a:t>
+            </a:r>
+            <a:endParaRPr lang="en-US" b="1" dirty="0"/>
           </a:p>
         </p:txBody>
       </p:sp>
@@ -1126,7 +1074,7 @@
           <a:p>
             <a:fld id="{CFAD290B-5269-4E99-8A8A-8691B1EB0AE9}" type="slidenum">
               <a:rPr lang="en-US" smtClean="0"/>
-              <a:t>15</a:t>
+              <a:t>14</a:t>
             </a:fld>
             <a:endParaRPr lang="en-US"/>
           </a:p>
@@ -1135,7 +1083,7 @@
     </p:spTree>
     <p:extLst>
       <p:ext uri="{BB962C8B-B14F-4D97-AF65-F5344CB8AC3E}">
-        <p14:creationId xmlns:p14="http://schemas.microsoft.com/office/powerpoint/2010/main" val="1668912180"/>
+        <p14:creationId xmlns:p14="http://schemas.microsoft.com/office/powerpoint/2010/main" val="1811639297"/>
       </p:ext>
     </p:extLst>
   </p:cSld>
@@ -1191,91 +1139,15 @@
           <a:p>
             <a:r>
               <a:rPr lang="en-US" dirty="0" smtClean="0"/>
-              <a:t>Results of running</a:t>
-            </a:r>
-            <a:r>
-              <a:rPr lang="en-US" baseline="0" dirty="0" smtClean="0"/>
-              <a:t> JMH are written to /build/reports – which is the default </a:t>
-            </a:r>
-            <a:r>
-              <a:rPr lang="en-US" baseline="0" dirty="0" err="1" smtClean="0"/>
-              <a:t>Gradle</a:t>
-            </a:r>
-            <a:r>
-              <a:rPr lang="en-US" baseline="0" dirty="0" smtClean="0"/>
-              <a:t> report output directory – /</a:t>
-            </a:r>
-            <a:r>
-              <a:rPr lang="en-US" baseline="0" dirty="0" err="1" smtClean="0"/>
-              <a:t>jmh</a:t>
-            </a:r>
-            <a:r>
-              <a:rPr lang="en-US" baseline="0" dirty="0" smtClean="0"/>
-              <a:t>/human.txt for human-readable output</a:t>
-            </a:r>
-            <a:endParaRPr lang="en-US" dirty="0" smtClean="0"/>
-          </a:p>
-          <a:p>
-            <a:endParaRPr lang="en-US" dirty="0" smtClean="0"/>
-          </a:p>
-          <a:p>
-            <a:r>
-              <a:rPr lang="en-US" dirty="0" smtClean="0"/>
-              <a:t>Alternately,</a:t>
-            </a:r>
-            <a:r>
-              <a:rPr lang="en-US" baseline="0" dirty="0" smtClean="0"/>
-              <a:t> this runner is setup as a Visual Studio Code project – which is in many ways a nicer editor/runner than eclipse for this sort of thing – I’d use eclipse for heavy java development, but for managing the project and running it, </a:t>
-            </a:r>
-            <a:r>
-              <a:rPr lang="en-US" baseline="0" dirty="0" err="1" smtClean="0"/>
-              <a:t>VSCode</a:t>
-            </a:r>
-            <a:r>
-              <a:rPr lang="en-US" baseline="0" dirty="0" smtClean="0"/>
-              <a:t> is nicer.  It calls out to </a:t>
-            </a:r>
-            <a:r>
-              <a:rPr lang="en-US" baseline="0" dirty="0" err="1" smtClean="0"/>
-              <a:t>Gradle</a:t>
-            </a:r>
-            <a:r>
-              <a:rPr lang="en-US" baseline="0" dirty="0" smtClean="0"/>
-              <a:t>.</a:t>
-            </a:r>
-          </a:p>
-          <a:p>
-            <a:r>
-              <a:rPr lang="en-US" b="1" baseline="0" dirty="0" smtClean="0"/>
-              <a:t>Ctrl-Shift-R </a:t>
-            </a:r>
-            <a:r>
-              <a:rPr lang="en-US" b="0" baseline="0" dirty="0" smtClean="0"/>
-              <a:t>to run tasks – </a:t>
-            </a:r>
-            <a:r>
-              <a:rPr lang="en-US" b="0" baseline="0" dirty="0" err="1" smtClean="0"/>
-              <a:t>jmh</a:t>
-            </a:r>
-            <a:r>
-              <a:rPr lang="en-US" b="0" baseline="0" dirty="0" smtClean="0"/>
-              <a:t> task</a:t>
-            </a:r>
-            <a:endParaRPr lang="en-US" b="1" baseline="0" dirty="0" smtClean="0"/>
-          </a:p>
-          <a:p>
-            <a:r>
-              <a:rPr lang="en-US" b="0" baseline="0" dirty="0" smtClean="0"/>
-              <a:t>Bindings defined in hidden .</a:t>
-            </a:r>
-            <a:r>
-              <a:rPr lang="en-US" b="0" baseline="0" dirty="0" err="1" smtClean="0"/>
-              <a:t>vscode</a:t>
-            </a:r>
-            <a:r>
-              <a:rPr lang="en-US" b="0" baseline="0" dirty="0" smtClean="0"/>
-              <a:t> directory</a:t>
-            </a:r>
+              <a:t>Setup is somewhat difficult because - </a:t>
+            </a:r>
+          </a:p>
+          <a:p>
+            <a:r>
+              <a:rPr lang="en-US" dirty="0" smtClean="0"/>
+              <a:t>In all cases, the key to using JMH is enabling the annotation- or bytecode-processors to generate the synthetic benchmark code</a:t>
+            </a:r>
+            <a:endParaRPr lang="en-US" dirty="0"/>
           </a:p>
         </p:txBody>
       </p:sp>
@@ -1296,7 +1168,7 @@
           <a:p>
             <a:fld id="{CFAD290B-5269-4E99-8A8A-8691B1EB0AE9}" type="slidenum">
               <a:rPr lang="en-US" smtClean="0"/>
-              <a:t>16</a:t>
+              <a:t>15</a:t>
             </a:fld>
             <a:endParaRPr lang="en-US"/>
           </a:p>
@@ -1305,7 +1177,7 @@
     </p:spTree>
     <p:extLst>
       <p:ext uri="{BB962C8B-B14F-4D97-AF65-F5344CB8AC3E}">
-        <p14:creationId xmlns:p14="http://schemas.microsoft.com/office/powerpoint/2010/main" val="1506391699"/>
+        <p14:creationId xmlns:p14="http://schemas.microsoft.com/office/powerpoint/2010/main" val="3160364319"/>
       </p:ext>
     </p:extLst>
   </p:cSld>
@@ -1361,50 +1233,64 @@
           <a:p>
             <a:r>
               <a:rPr lang="en-US" dirty="0" smtClean="0"/>
-              <a:t>Aim is that</a:t>
+              <a:t>The</a:t>
             </a:r>
             <a:r>
               <a:rPr lang="en-US" baseline="0" dirty="0" smtClean="0"/>
-              <a:t> if you run twice on the same machine – without making major changes to that machine’s software or hardware, you can meaningfully compare output.</a:t>
-            </a:r>
-          </a:p>
-          <a:p>
-            <a:endParaRPr lang="en-US" baseline="0" dirty="0" smtClean="0"/>
-          </a:p>
-          <a:p>
+              <a:t> separate project business is </a:t>
+            </a:r>
+            <a:r>
+              <a:rPr lang="en-US" dirty="0" smtClean="0"/>
+              <a:t>JMH</a:t>
+            </a:r>
             <a:r>
               <a:rPr lang="en-US" baseline="0" dirty="0" smtClean="0"/>
-              <a:t>The output shows the result of each run – the warmups and the test iterations for each @Benchmark annotated method</a:t>
-            </a:r>
-          </a:p>
-          <a:p>
-            <a:endParaRPr lang="en-US" baseline="0" dirty="0" smtClean="0"/>
-          </a:p>
-          <a:p>
+              <a:t> is trying to ensure that </a:t>
+            </a:r>
+            <a:r>
+              <a:rPr lang="en-US" dirty="0" smtClean="0"/>
+              <a:t>the benchmarks are </a:t>
+            </a:r>
+            <a:r>
+              <a:rPr lang="en-US" b="1" dirty="0" smtClean="0"/>
+              <a:t>correctly initialized and produce reliable results</a:t>
+            </a:r>
+            <a:r>
+              <a:rPr lang="en-US" dirty="0" smtClean="0"/>
+              <a:t>. </a:t>
+            </a:r>
+          </a:p>
+          <a:p>
+            <a:endParaRPr lang="en-US" dirty="0" smtClean="0"/>
+          </a:p>
+          <a:p>
+            <a:r>
+              <a:rPr lang="en-US" dirty="0" smtClean="0"/>
+              <a:t>Because </a:t>
+            </a:r>
+            <a:r>
+              <a:rPr lang="en-US" dirty="0" err="1" smtClean="0"/>
+              <a:t>Gradle</a:t>
+            </a:r>
+            <a:r>
+              <a:rPr lang="en-US" dirty="0" smtClean="0"/>
+              <a:t> is</a:t>
+            </a:r>
             <a:r>
               <a:rPr lang="en-US" baseline="0" dirty="0" smtClean="0"/>
-              <a:t>Output is in operations/sec – so higher is faster (this is a default, you can also output in other modes)</a:t>
-            </a:r>
-          </a:p>
-          <a:p>
-            <a:endParaRPr lang="en-US" baseline="0" dirty="0" smtClean="0"/>
-          </a:p>
-          <a:p>
+              <a:t> several hundred times better than JMH, I’ve setup a simple </a:t>
+            </a:r>
+            <a:r>
+              <a:rPr lang="en-US" baseline="0" dirty="0" err="1" smtClean="0"/>
+              <a:t>Gradle</a:t>
+            </a:r>
             <a:r>
               <a:rPr lang="en-US" baseline="0" dirty="0" smtClean="0"/>
-              <a:t>Benchmark mode defaults to throughput THRPT in output. Available modes are: [Throughput/</a:t>
+              <a:t> project which will run JMH for you – all you have to do is add your code to the </a:t>
             </a:r>
             <a:r>
               <a:rPr lang="en-US" baseline="0" dirty="0" err="1" smtClean="0"/>
-              <a:t>thrpt</a:t>
-            </a:r>
-            <a:r>
-              <a:rPr lang="en-US" baseline="0" dirty="0" smtClean="0"/>
-              <a:t>, </a:t>
-            </a:r>
-            <a:r>
-              <a:rPr lang="en-US" baseline="0" dirty="0" err="1" smtClean="0"/>
-              <a:t>AverageTime</a:t>
+              <a:t>src</a:t>
             </a:r>
             <a:r>
               <a:rPr lang="en-US" baseline="0" dirty="0" smtClean="0"/>
@@ -1412,56 +1298,38 @@
             </a:r>
             <a:r>
               <a:rPr lang="en-US" baseline="0" dirty="0" err="1" smtClean="0"/>
-              <a:t>avgt</a:t>
+              <a:t>jmh</a:t>
             </a:r>
             <a:r>
               <a:rPr lang="en-US" baseline="0" dirty="0" smtClean="0"/>
-              <a:t>, </a:t>
-            </a:r>
-            <a:r>
-              <a:rPr lang="en-US" baseline="0" dirty="0" err="1" smtClean="0"/>
-              <a:t>SampleTime</a:t>
-            </a:r>
-            <a:r>
-              <a:rPr lang="en-US" baseline="0" dirty="0" smtClean="0"/>
-              <a:t>/sample, </a:t>
-            </a:r>
-            <a:r>
-              <a:rPr lang="en-US" baseline="0" dirty="0" err="1" smtClean="0"/>
-              <a:t>SingleShotTime</a:t>
-            </a:r>
-            <a:r>
-              <a:rPr lang="en-US" baseline="0" dirty="0" smtClean="0"/>
-              <a:t>/</a:t>
-            </a:r>
-            <a:r>
-              <a:rPr lang="en-US" baseline="0" dirty="0" err="1" smtClean="0"/>
-              <a:t>ss</a:t>
-            </a:r>
-            <a:r>
-              <a:rPr lang="en-US" baseline="0" dirty="0" smtClean="0"/>
-              <a:t>, All/all] – </a:t>
-            </a:r>
-            <a:r>
-              <a:rPr lang="en-US" baseline="0" dirty="0" err="1" smtClean="0"/>
-              <a:t>thrpt</a:t>
-            </a:r>
-            <a:r>
-              <a:rPr lang="en-US" baseline="0" dirty="0" smtClean="0"/>
-              <a:t> seems to be the easiest to compare intuitively which is why it’s the default – the difference between 300 and 400 M is more meaningful to us than the different between .000003 and .000004 seconds, or whatever</a:t>
+              <a:t>/java folder, and run.</a:t>
             </a:r>
           </a:p>
           <a:p>
             <a:endParaRPr lang="en-US" baseline="0" dirty="0" smtClean="0"/>
           </a:p>
           <a:p>
-            <a:r>
-              <a:rPr lang="en-US" baseline="0" dirty="0" smtClean="0"/>
-              <a:t>One other thing useful to note in the output is the ETA it prints prior to each benchmark, so if you watch the file while JMH is running during a long-running process it will attempt to guess at when its going to finish – useful if you’re comparing lots of benchmarks</a:t>
-            </a:r>
-          </a:p>
-          <a:p>
-            <a:endParaRPr lang="en-US" dirty="0"/>
+            <a:pPr marL="0" marR="0" indent="0" algn="l" defTabSz="914400" rtl="0" eaLnBrk="1" fontAlgn="auto" latinLnBrk="0" hangingPunct="1">
+              <a:lnSpc>
+                <a:spcPct val="100000"/>
+              </a:lnSpc>
+              <a:spcBef>
+                <a:spcPts val="0"/>
+              </a:spcBef>
+              <a:spcAft>
+                <a:spcPts val="0"/>
+              </a:spcAft>
+              <a:buClrTx/>
+              <a:buSzTx/>
+              <a:buFontTx/>
+              <a:buNone/>
+              <a:tabLst/>
+              <a:defRPr/>
+            </a:pPr>
+            <a:r>
+              <a:rPr lang="en-US" dirty="0" smtClean="0"/>
+              <a:t>It is possible to run benchmarks from within an existing project, and even from within an IDE, however setup is more complex and the results are less reliable.</a:t>
+            </a:r>
           </a:p>
         </p:txBody>
       </p:sp>
@@ -1482,7 +1350,7 @@
           <a:p>
             <a:fld id="{CFAD290B-5269-4E99-8A8A-8691B1EB0AE9}" type="slidenum">
               <a:rPr lang="en-US" smtClean="0"/>
-              <a:t>17</a:t>
+              <a:t>16</a:t>
             </a:fld>
             <a:endParaRPr lang="en-US"/>
           </a:p>
@@ -1491,7 +1359,7 @@
     </p:spTree>
     <p:extLst>
       <p:ext uri="{BB962C8B-B14F-4D97-AF65-F5344CB8AC3E}">
-        <p14:creationId xmlns:p14="http://schemas.microsoft.com/office/powerpoint/2010/main" val="1157746845"/>
+        <p14:creationId xmlns:p14="http://schemas.microsoft.com/office/powerpoint/2010/main" val="278153674"/>
       </p:ext>
     </p:extLst>
   </p:cSld>
@@ -1547,29 +1415,7 @@
           <a:p>
             <a:r>
               <a:rPr lang="en-US" dirty="0" smtClean="0"/>
-              <a:t>We have a baseline benchmark that gives us a reference on returning an </a:t>
-            </a:r>
-            <a:r>
-              <a:rPr lang="en-US" dirty="0" err="1" smtClean="0"/>
-              <a:t>int</a:t>
-            </a:r>
-            <a:r>
-              <a:rPr lang="en-US" dirty="0" smtClean="0"/>
-              <a:t> value.   So we can subtract</a:t>
-            </a:r>
-            <a:r>
-              <a:rPr lang="en-US" baseline="0" dirty="0" smtClean="0"/>
-              <a:t> this from the cost of the sum method</a:t>
-            </a:r>
-            <a:endParaRPr lang="en-US" dirty="0" smtClean="0"/>
-          </a:p>
-          <a:p>
-            <a:endParaRPr lang="en-US" dirty="0" smtClean="0"/>
-          </a:p>
-          <a:p>
-            <a:r>
-              <a:rPr lang="en-US" dirty="0" smtClean="0"/>
-              <a:t>JMH takes care of reusing return values so as to defeat dead-code elimination. We also return the value of field x; because the value can be changed from a large number of sources, the virtual machine is unlikely to attempt constant folding optimizations. The code of sum is very similar.</a:t>
+              <a:t>When dealing with large projects, it is customary to keep the benchmarks in a separate subproject, which then depends on the tested modules via the usual build dependencies.</a:t>
             </a:r>
             <a:endParaRPr lang="en-US" dirty="0"/>
           </a:p>
@@ -1592,7 +1438,7 @@
           <a:p>
             <a:fld id="{CFAD290B-5269-4E99-8A8A-8691B1EB0AE9}" type="slidenum">
               <a:rPr lang="en-US" smtClean="0"/>
-              <a:t>19</a:t>
+              <a:t>17</a:t>
             </a:fld>
             <a:endParaRPr lang="en-US"/>
           </a:p>
@@ -1601,7 +1447,7 @@
     </p:spTree>
     <p:extLst>
       <p:ext uri="{BB962C8B-B14F-4D97-AF65-F5344CB8AC3E}">
-        <p14:creationId xmlns:p14="http://schemas.microsoft.com/office/powerpoint/2010/main" val="335753211"/>
+        <p14:creationId xmlns:p14="http://schemas.microsoft.com/office/powerpoint/2010/main" val="3355601355"/>
       </p:ext>
     </p:extLst>
   </p:cSld>
@@ -1657,20 +1503,19 @@
           <a:p>
             <a:r>
               <a:rPr lang="en-US" dirty="0" smtClean="0"/>
-              <a:t>So</a:t>
+              <a:t>The</a:t>
             </a:r>
             <a:r>
               <a:rPr lang="en-US" baseline="0" dirty="0" smtClean="0"/>
-              <a:t> 10 times we’ll launch a new JVM to run a loop of 20 + 20 = 40 iterations, each of which will run for a max of 1 second – 400 seconds = 6min 40sec max test time</a:t>
-            </a:r>
-          </a:p>
-          <a:p>
-            <a:endParaRPr lang="en-US" baseline="0" dirty="0" smtClean="0"/>
-          </a:p>
-          <a:p>
+              <a:t> default m</a:t>
+            </a:r>
+            <a:r>
+              <a:rPr lang="en-US" dirty="0" smtClean="0"/>
+              <a:t>ax</a:t>
+            </a:r>
             <a:r>
               <a:rPr lang="en-US" baseline="0" dirty="0" smtClean="0"/>
-              <a:t>So these can be slow, you probably want to tweak the defaults to tone it down – especially at first, if you’re serious about optimizing, you focus on large differences, right – should be easy to see at much less precise levels of measurement which will let you spend less time waiting for your benchmarks to run.  Then you can iterate and enhance.</a:t>
+              <a:t> of 1 second – shows the emphasis on “micro”-benchmarks.</a:t>
             </a:r>
             <a:endParaRPr lang="en-US" dirty="0"/>
           </a:p>
@@ -1693,7 +1538,7 @@
           <a:p>
             <a:fld id="{CFAD290B-5269-4E99-8A8A-8691B1EB0AE9}" type="slidenum">
               <a:rPr lang="en-US" smtClean="0"/>
-              <a:t>20</a:t>
+              <a:t>18</a:t>
             </a:fld>
             <a:endParaRPr lang="en-US"/>
           </a:p>
@@ -1702,7 +1547,7 @@
     </p:spTree>
     <p:extLst>
       <p:ext uri="{BB962C8B-B14F-4D97-AF65-F5344CB8AC3E}">
-        <p14:creationId xmlns:p14="http://schemas.microsoft.com/office/powerpoint/2010/main" val="1739458649"/>
+        <p14:creationId xmlns:p14="http://schemas.microsoft.com/office/powerpoint/2010/main" val="1668912180"/>
       </p:ext>
     </p:extLst>
   </p:cSld>
@@ -1758,13 +1603,91 @@
           <a:p>
             <a:r>
               <a:rPr lang="en-US" dirty="0" smtClean="0"/>
-              <a:t>Obviously, if you start asking for NS precision</a:t>
+              <a:t>Results of running</a:t>
             </a:r>
             <a:r>
               <a:rPr lang="en-US" baseline="0" dirty="0" smtClean="0"/>
-              <a:t> on a process which takes several milliseconds, no matter how many runs you do, you are not going to get more precise answers – but as I’ve played with JMH, I’ve found the defaults to be too precise</a:t>
-            </a:r>
-            <a:endParaRPr lang="en-US" dirty="0"/>
+              <a:t> JMH are written to /build/reports – which is the default </a:t>
+            </a:r>
+            <a:r>
+              <a:rPr lang="en-US" baseline="0" dirty="0" err="1" smtClean="0"/>
+              <a:t>Gradle</a:t>
+            </a:r>
+            <a:r>
+              <a:rPr lang="en-US" baseline="0" dirty="0" smtClean="0"/>
+              <a:t> report output directory – /</a:t>
+            </a:r>
+            <a:r>
+              <a:rPr lang="en-US" baseline="0" dirty="0" err="1" smtClean="0"/>
+              <a:t>jmh</a:t>
+            </a:r>
+            <a:r>
+              <a:rPr lang="en-US" baseline="0" dirty="0" smtClean="0"/>
+              <a:t>/human.txt for human-readable output</a:t>
+            </a:r>
+            <a:endParaRPr lang="en-US" dirty="0" smtClean="0"/>
+          </a:p>
+          <a:p>
+            <a:endParaRPr lang="en-US" dirty="0" smtClean="0"/>
+          </a:p>
+          <a:p>
+            <a:r>
+              <a:rPr lang="en-US" dirty="0" smtClean="0"/>
+              <a:t>Alternately,</a:t>
+            </a:r>
+            <a:r>
+              <a:rPr lang="en-US" baseline="0" dirty="0" smtClean="0"/>
+              <a:t> this runner is setup as a Visual Studio Code project – which is in many ways a nicer editor/runner than eclipse for this sort of thing – I’d use eclipse for heavy java development, but for managing the project and running it, </a:t>
+            </a:r>
+            <a:r>
+              <a:rPr lang="en-US" baseline="0" dirty="0" err="1" smtClean="0"/>
+              <a:t>VSCode</a:t>
+            </a:r>
+            <a:r>
+              <a:rPr lang="en-US" baseline="0" dirty="0" smtClean="0"/>
+              <a:t> is nicer.  It calls out to </a:t>
+            </a:r>
+            <a:r>
+              <a:rPr lang="en-US" baseline="0" dirty="0" err="1" smtClean="0"/>
+              <a:t>Gradle</a:t>
+            </a:r>
+            <a:r>
+              <a:rPr lang="en-US" baseline="0" dirty="0" smtClean="0"/>
+              <a:t>.</a:t>
+            </a:r>
+          </a:p>
+          <a:p>
+            <a:r>
+              <a:rPr lang="en-US" b="1" baseline="0" dirty="0" smtClean="0"/>
+              <a:t>Ctrl-Shift-R </a:t>
+            </a:r>
+            <a:r>
+              <a:rPr lang="en-US" b="0" baseline="0" dirty="0" smtClean="0"/>
+              <a:t>to run tasks – </a:t>
+            </a:r>
+            <a:r>
+              <a:rPr lang="en-US" b="0" baseline="0" dirty="0" err="1" smtClean="0"/>
+              <a:t>jmh</a:t>
+            </a:r>
+            <a:r>
+              <a:rPr lang="en-US" b="0" baseline="0" dirty="0" smtClean="0"/>
+              <a:t> task</a:t>
+            </a:r>
+            <a:endParaRPr lang="en-US" b="1" baseline="0" dirty="0" smtClean="0"/>
+          </a:p>
+          <a:p>
+            <a:r>
+              <a:rPr lang="en-US" b="0" baseline="0" dirty="0" smtClean="0"/>
+              <a:t>Bindings defined in hidden .</a:t>
+            </a:r>
+            <a:r>
+              <a:rPr lang="en-US" b="0" baseline="0" dirty="0" err="1" smtClean="0"/>
+              <a:t>vscode</a:t>
+            </a:r>
+            <a:r>
+              <a:rPr lang="en-US" b="0" baseline="0" dirty="0" smtClean="0"/>
+              <a:t> directory</a:t>
+            </a:r>
           </a:p>
         </p:txBody>
       </p:sp>
@@ -1785,7 +1708,7 @@
           <a:p>
             <a:fld id="{CFAD290B-5269-4E99-8A8A-8691B1EB0AE9}" type="slidenum">
               <a:rPr lang="en-US" smtClean="0"/>
-              <a:t>21</a:t>
+              <a:t>19</a:t>
             </a:fld>
             <a:endParaRPr lang="en-US"/>
           </a:p>
@@ -1794,7 +1717,7 @@
     </p:spTree>
     <p:extLst>
       <p:ext uri="{BB962C8B-B14F-4D97-AF65-F5344CB8AC3E}">
-        <p14:creationId xmlns:p14="http://schemas.microsoft.com/office/powerpoint/2010/main" val="1749795084"/>
+        <p14:creationId xmlns:p14="http://schemas.microsoft.com/office/powerpoint/2010/main" val="1506391699"/>
       </p:ext>
     </p:extLst>
   </p:cSld>
@@ -1850,33 +1773,106 @@
           <a:p>
             <a:r>
               <a:rPr lang="en-US" dirty="0" smtClean="0"/>
-              <a:t>Besides marking a separate class as a @State, you can also mark your own benchmark class as @State.</a:t>
-            </a:r>
-          </a:p>
-          <a:p>
-            <a:endParaRPr lang="en-US" dirty="0" smtClean="0"/>
-          </a:p>
-          <a:p>
-            <a:r>
-              <a:rPr lang="en-US" dirty="0" smtClean="0"/>
-              <a:t>Like JUnit tests, you can annotate your state class methods with @Setup and @</a:t>
-            </a:r>
-            <a:r>
-              <a:rPr lang="en-US" dirty="0" err="1" smtClean="0"/>
-              <a:t>TearDown</a:t>
-            </a:r>
-            <a:r>
-              <a:rPr lang="en-US" dirty="0" smtClean="0"/>
-              <a:t> annotations (these methods called </a:t>
-            </a:r>
-            <a:r>
-              <a:rPr lang="en-US" i="1" dirty="0" smtClean="0"/>
-              <a:t>fixtures</a:t>
-            </a:r>
-            <a:r>
-              <a:rPr lang="en-US" dirty="0" smtClean="0"/>
-              <a:t> in JMH documentation. You can have any number of setup/teardown methods. </a:t>
-            </a:r>
+              <a:t>Aim is that</a:t>
+            </a:r>
+            <a:r>
+              <a:rPr lang="en-US" baseline="0" dirty="0" smtClean="0"/>
+              <a:t> if you run twice on the same machine – without making major changes to that machine’s software or hardware, you can meaningfully compare output.</a:t>
+            </a:r>
+          </a:p>
+          <a:p>
+            <a:endParaRPr lang="en-US" baseline="0" dirty="0" smtClean="0"/>
+          </a:p>
+          <a:p>
+            <a:r>
+              <a:rPr lang="en-US" baseline="0" dirty="0" smtClean="0"/>
+              <a:t>The output shows the result of each run – the warmups and the test iterations for each @Benchmark annotated method</a:t>
+            </a:r>
+          </a:p>
+          <a:p>
+            <a:endParaRPr lang="en-US" baseline="0" dirty="0" smtClean="0"/>
+          </a:p>
+          <a:p>
+            <a:r>
+              <a:rPr lang="en-US" baseline="0" dirty="0" smtClean="0"/>
+              <a:t>Output is in operations/sec – so higher is faster (this is a default, you can also output in other modes)</a:t>
+            </a:r>
+          </a:p>
+          <a:p>
+            <a:endParaRPr lang="en-US" baseline="0" dirty="0" smtClean="0"/>
+          </a:p>
+          <a:p>
+            <a:r>
+              <a:rPr lang="en-US" baseline="0" dirty="0" smtClean="0"/>
+              <a:t>Benchmark mode defaults to throughput THRPT in output. Available modes are: [Throughput/</a:t>
+            </a:r>
+            <a:r>
+              <a:rPr lang="en-US" baseline="0" dirty="0" err="1" smtClean="0"/>
+              <a:t>thrpt</a:t>
+            </a:r>
+            <a:r>
+              <a:rPr lang="en-US" baseline="0" dirty="0" smtClean="0"/>
+              <a:t>, </a:t>
+            </a:r>
+            <a:r>
+              <a:rPr lang="en-US" baseline="0" dirty="0" err="1" smtClean="0"/>
+              <a:t>AverageTime</a:t>
+            </a:r>
+            <a:r>
+              <a:rPr lang="en-US" baseline="0" dirty="0" smtClean="0"/>
+              <a:t>/</a:t>
+            </a:r>
+            <a:r>
+              <a:rPr lang="en-US" baseline="0" dirty="0" err="1" smtClean="0"/>
+              <a:t>avgt</a:t>
+            </a:r>
+            <a:r>
+              <a:rPr lang="en-US" baseline="0" dirty="0" smtClean="0"/>
+              <a:t>, </a:t>
+            </a:r>
+            <a:r>
+              <a:rPr lang="en-US" baseline="0" dirty="0" err="1" smtClean="0"/>
+              <a:t>SampleTime</a:t>
+            </a:r>
+            <a:r>
+              <a:rPr lang="en-US" baseline="0" dirty="0" smtClean="0"/>
+              <a:t>/sample, </a:t>
+            </a:r>
+            <a:r>
+              <a:rPr lang="en-US" baseline="0" dirty="0" err="1" smtClean="0"/>
+              <a:t>SingleShotTime</a:t>
+            </a:r>
+            <a:r>
+              <a:rPr lang="en-US" baseline="0" dirty="0" smtClean="0"/>
+              <a:t>/</a:t>
+            </a:r>
+            <a:r>
+              <a:rPr lang="en-US" baseline="0" dirty="0" err="1" smtClean="0"/>
+              <a:t>ss</a:t>
+            </a:r>
+            <a:r>
+              <a:rPr lang="en-US" baseline="0" dirty="0" smtClean="0"/>
+              <a:t>, All/all] – </a:t>
+            </a:r>
+            <a:r>
+              <a:rPr lang="en-US" baseline="0" dirty="0" err="1" smtClean="0"/>
+              <a:t>thrpt</a:t>
+            </a:r>
+            <a:r>
+              <a:rPr lang="en-US" baseline="0" dirty="0" smtClean="0"/>
+              <a:t> seems to be the easiest to compare intuitively which is why it’s the default – the difference between 300 and 400 M is more meaningful to us than the different between .000003 and .000004 seconds, or whatever</a:t>
+            </a:r>
+          </a:p>
+          <a:p>
+            <a:endParaRPr lang="en-US" baseline="0" dirty="0" smtClean="0"/>
+          </a:p>
+          <a:p>
+            <a:r>
+              <a:rPr lang="en-US" baseline="0" dirty="0" smtClean="0"/>
+              <a:t>One other thing useful to note in the output is the ETA it prints prior to each benchmark, so if you watch the file while JMH is running during a long-running process it will attempt to guess at when its going to finish – useful if you’re comparing lots of benchmarks</a:t>
+            </a:r>
+          </a:p>
+          <a:p>
             <a:endParaRPr lang="en-US" dirty="0"/>
           </a:p>
         </p:txBody>
@@ -1898,7 +1894,7 @@
           <a:p>
             <a:fld id="{CFAD290B-5269-4E99-8A8A-8691B1EB0AE9}" type="slidenum">
               <a:rPr lang="en-US" smtClean="0"/>
-              <a:t>23</a:t>
+              <a:t>20</a:t>
             </a:fld>
             <a:endParaRPr lang="en-US"/>
           </a:p>
@@ -1907,7 +1903,7 @@
     </p:spTree>
     <p:extLst>
       <p:ext uri="{BB962C8B-B14F-4D97-AF65-F5344CB8AC3E}">
-        <p14:creationId xmlns:p14="http://schemas.microsoft.com/office/powerpoint/2010/main" val="4077693676"/>
+        <p14:creationId xmlns:p14="http://schemas.microsoft.com/office/powerpoint/2010/main" val="1157746845"/>
       </p:ext>
     </p:extLst>
   </p:cSld>
@@ -2063,67 +2059,30 @@
           <a:p>
             <a:r>
               <a:rPr lang="en-US" dirty="0" smtClean="0"/>
-              <a:t>You may also need to define the non-uniform access to your state object – for example to test the “readers-writers” scenario where the number of readers is usually higher than the number of writers. JMH uses the notion of thread groups for this case. </a:t>
-            </a:r>
-          </a:p>
-          <a:p>
-            <a:r>
-              <a:rPr lang="en-US" dirty="0" smtClean="0"/>
-              <a:t>In order to setup a group of tests, you need: </a:t>
-            </a:r>
-          </a:p>
-          <a:p>
+              <a:t>We have a baseline benchmark that gives us a reference on returning an </a:t>
+            </a:r>
+            <a:r>
+              <a:rPr lang="en-US" dirty="0" err="1" smtClean="0"/>
+              <a:t>int</a:t>
+            </a:r>
+            <a:r>
+              <a:rPr lang="en-US" dirty="0" smtClean="0"/>
+              <a:t> value.   So we can subtract</a:t>
+            </a:r>
+            <a:r>
+              <a:rPr lang="en-US" baseline="0" dirty="0" smtClean="0"/>
+              <a:t> this from the cost of the sum method</a:t>
+            </a:r>
             <a:endParaRPr lang="en-US" dirty="0" smtClean="0"/>
           </a:p>
           <a:p>
-            <a:r>
-              <a:rPr lang="en-US" dirty="0" smtClean="0"/>
-              <a:t>Mark all your test methods with @Group(name) annotation, providing the same string name for all tests in a group (otherwise these tests will be run independently – no warning will be given!). </a:t>
-            </a:r>
-          </a:p>
-          <a:p>
             <a:endParaRPr lang="en-US" dirty="0" smtClean="0"/>
           </a:p>
           <a:p>
             <a:r>
               <a:rPr lang="en-US" dirty="0" smtClean="0"/>
-              <a:t>Annotate each of your tests with @</a:t>
-            </a:r>
-            <a:r>
-              <a:rPr lang="en-US" dirty="0" err="1" smtClean="0"/>
-              <a:t>GroupThreads</a:t>
-            </a:r>
-            <a:r>
-              <a:rPr lang="en-US" dirty="0" smtClean="0"/>
-              <a:t>(</a:t>
-            </a:r>
-            <a:r>
-              <a:rPr lang="en-US" dirty="0" err="1" smtClean="0"/>
-              <a:t>threadsNumber</a:t>
-            </a:r>
-            <a:r>
-              <a:rPr lang="en-US" dirty="0" smtClean="0"/>
-              <a:t>) annotation, specifying a number of threads which will run the given method. </a:t>
-            </a:r>
-          </a:p>
-          <a:p>
-            <a:endParaRPr lang="en-US" dirty="0" smtClean="0"/>
-          </a:p>
-          <a:p>
-            <a:r>
-              <a:rPr lang="en-US" dirty="0" smtClean="0"/>
-              <a:t>JMH will start a sum of all your @</a:t>
-            </a:r>
-            <a:r>
-              <a:rPr lang="en-US" dirty="0" err="1" smtClean="0"/>
-              <a:t>GroupThreads</a:t>
-            </a:r>
-            <a:r>
-              <a:rPr lang="en-US" dirty="0" smtClean="0"/>
-              <a:t> for the given group and will run all tests in a group concurrently in the same trial. The results will be given for the group and for each method independently. </a:t>
-            </a:r>
-          </a:p>
-          <a:p>
+              <a:t>JMH takes care of reusing return values so as to defeat dead-code elimination. We also return the value of field x; because the value can be changed from a large number of sources, the virtual machine is unlikely to attempt constant folding optimizations. The code of sum is very similar.</a:t>
+            </a:r>
             <a:endParaRPr lang="en-US" dirty="0"/>
           </a:p>
         </p:txBody>
@@ -2145,7 +2104,7 @@
           <a:p>
             <a:fld id="{CFAD290B-5269-4E99-8A8A-8691B1EB0AE9}" type="slidenum">
               <a:rPr lang="en-US" smtClean="0"/>
-              <a:t>24</a:t>
+              <a:t>22</a:t>
             </a:fld>
             <a:endParaRPr lang="en-US"/>
           </a:p>
@@ -2154,7 +2113,7 @@
     </p:spTree>
     <p:extLst>
       <p:ext uri="{BB962C8B-B14F-4D97-AF65-F5344CB8AC3E}">
-        <p14:creationId xmlns:p14="http://schemas.microsoft.com/office/powerpoint/2010/main" val="370174003"/>
+        <p14:creationId xmlns:p14="http://schemas.microsoft.com/office/powerpoint/2010/main" val="335753211"/>
       </p:ext>
     </p:extLst>
   </p:cSld>
@@ -2210,11 +2169,20 @@
           <a:p>
             <a:r>
               <a:rPr lang="en-US" dirty="0" smtClean="0"/>
-              <a:t>Class level, or override</a:t>
+              <a:t>So</a:t>
             </a:r>
             <a:r>
               <a:rPr lang="en-US" baseline="0" dirty="0" smtClean="0"/>
-              <a:t> at method</a:t>
+              <a:t> 10 times we’ll launch a new JVM to run a loop of 20 + 20 = 40 iterations, each of which will run for a max of 1 second – 400 seconds = 6min 40sec max test time</a:t>
+            </a:r>
+          </a:p>
+          <a:p>
+            <a:endParaRPr lang="en-US" baseline="0" dirty="0" smtClean="0"/>
+          </a:p>
+          <a:p>
+            <a:r>
+              <a:rPr lang="en-US" baseline="0" dirty="0" smtClean="0"/>
+              <a:t>So these can be slow, you probably want to tweak the defaults to tone it down – especially at first, if you’re serious about optimizing, you focus on large differences, right – should be easy to see at much less precise levels of measurement which will let you spend less time waiting for your benchmarks to run.  Then you can iterate and enhance.</a:t>
             </a:r>
             <a:endParaRPr lang="en-US" dirty="0"/>
           </a:p>
@@ -2237,7 +2205,7 @@
           <a:p>
             <a:fld id="{CFAD290B-5269-4E99-8A8A-8691B1EB0AE9}" type="slidenum">
               <a:rPr lang="en-US" smtClean="0"/>
-              <a:t>25</a:t>
+              <a:t>23</a:t>
             </a:fld>
             <a:endParaRPr lang="en-US"/>
           </a:p>
@@ -2246,7 +2214,7 @@
     </p:spTree>
     <p:extLst>
       <p:ext uri="{BB962C8B-B14F-4D97-AF65-F5344CB8AC3E}">
-        <p14:creationId xmlns:p14="http://schemas.microsoft.com/office/powerpoint/2010/main" val="3238524958"/>
+        <p14:creationId xmlns:p14="http://schemas.microsoft.com/office/powerpoint/2010/main" val="1739458649"/>
       </p:ext>
     </p:extLst>
   </p:cSld>
@@ -2302,31 +2270,11 @@
           <a:p>
             <a:r>
               <a:rPr lang="en-US" dirty="0" smtClean="0"/>
-              <a:t>You can specify time unit to use via @</a:t>
-            </a:r>
-            <a:r>
-              <a:rPr lang="en-US" dirty="0" err="1" smtClean="0"/>
-              <a:t>OutputTimeUnit</a:t>
-            </a:r>
-            <a:r>
-              <a:rPr lang="en-US" dirty="0" smtClean="0"/>
-              <a:t>, which requires an argument of the standard Java type </a:t>
-            </a:r>
-            <a:r>
-              <a:rPr lang="en-US" dirty="0" err="1" smtClean="0"/>
-              <a:t>java.util.concurrent.TimeUnit</a:t>
-            </a:r>
-            <a:r>
-              <a:rPr lang="en-US" dirty="0" smtClean="0"/>
-              <a:t>. Unfortunately, if you have specified several test modes for one test, the given time unit will be used for all tests (for example, it may be convenient to measure </a:t>
-            </a:r>
-            <a:r>
-              <a:rPr lang="en-US" dirty="0" err="1" smtClean="0"/>
-              <a:t>SampleTime</a:t>
-            </a:r>
-            <a:r>
-              <a:rPr lang="en-US" dirty="0" smtClean="0"/>
-              <a:t> in nanoseconds, but throughput should better be measured in the longer time units). </a:t>
+              <a:t>Obviously, if you start asking for NS precision</a:t>
+            </a:r>
+            <a:r>
+              <a:rPr lang="en-US" baseline="0" dirty="0" smtClean="0"/>
+              <a:t> on a process which takes several milliseconds, no matter how many runs you do, you are not going to get more precise answers – but as I’ve played with JMH, I’ve found the defaults to be too precise</a:t>
             </a:r>
             <a:endParaRPr lang="en-US" dirty="0"/>
           </a:p>
@@ -2349,7 +2297,7 @@
           <a:p>
             <a:fld id="{CFAD290B-5269-4E99-8A8A-8691B1EB0AE9}" type="slidenum">
               <a:rPr lang="en-US" smtClean="0"/>
-              <a:t>26</a:t>
+              <a:t>24</a:t>
             </a:fld>
             <a:endParaRPr lang="en-US"/>
           </a:p>
@@ -2358,7 +2306,7 @@
     </p:spTree>
     <p:extLst>
       <p:ext uri="{BB962C8B-B14F-4D97-AF65-F5344CB8AC3E}">
-        <p14:creationId xmlns:p14="http://schemas.microsoft.com/office/powerpoint/2010/main" val="2820436906"/>
+        <p14:creationId xmlns:p14="http://schemas.microsoft.com/office/powerpoint/2010/main" val="1749795084"/>
       </p:ext>
     </p:extLst>
   </p:cSld>
@@ -2414,46 +2362,32 @@
           <a:p>
             <a:r>
               <a:rPr lang="en-US" dirty="0" smtClean="0"/>
-              <a:t>This</a:t>
-            </a:r>
-            <a:r>
-              <a:rPr lang="en-US" baseline="0" dirty="0" smtClean="0"/>
-              <a:t> is the attempt by the makers of JMH (the same people who work on the JIT) to tell the JVM in no uncertain terms to avoid optimizing away the thing you are trying to benchmark.</a:t>
-            </a:r>
-          </a:p>
-          <a:p>
-            <a:endParaRPr lang="en-US" baseline="0" dirty="0" smtClean="0"/>
-          </a:p>
-          <a:p>
-            <a:r>
-              <a:rPr lang="en-US" baseline="0" dirty="0" smtClean="0"/>
-              <a:t>Just returning the value works most of the time, this is meant to work as much of the time as is possible (but still NOT 100% - which is why you need a baseline)</a:t>
-            </a:r>
-          </a:p>
-          <a:p>
-            <a:endParaRPr lang="en-US" baseline="0" dirty="0" smtClean="0"/>
-          </a:p>
-          <a:p>
-            <a:r>
-              <a:rPr lang="en-US" dirty="0" smtClean="0"/>
-              <a:t>I have no clue what</a:t>
-            </a:r>
-            <a:r>
-              <a:rPr lang="en-US" baseline="0" dirty="0" smtClean="0"/>
-              <a:t> this class is doing or why it is doing it.  Looking at the internals – it’s all just voodoo to me.  But the JMH guys, who are the JIT guys, say this is the best way to avoid your code getting optimized away – and its very easy to use.</a:t>
-            </a:r>
-          </a:p>
-          <a:p>
-            <a:endParaRPr lang="en-US" baseline="0" dirty="0" smtClean="0"/>
-          </a:p>
-          <a:p>
-            <a:r>
-              <a:rPr lang="en-US" baseline="0" dirty="0" smtClean="0"/>
-              <a:t>Also helpful i</a:t>
-            </a:r>
-            <a:r>
-              <a:rPr lang="en-US" dirty="0" smtClean="0"/>
-              <a:t>f you need to return more than one value from your test</a:t>
+              <a:t>Besides marking a separate class as a @State, you can also mark your own benchmark class as @State.</a:t>
+            </a:r>
+          </a:p>
+          <a:p>
+            <a:endParaRPr lang="en-US" dirty="0" smtClean="0"/>
+          </a:p>
+          <a:p>
+            <a:r>
+              <a:rPr lang="en-US" dirty="0" smtClean="0"/>
+              <a:t>Like JUnit tests, you can annotate your state class methods with @Setup and @</a:t>
+            </a:r>
+            <a:r>
+              <a:rPr lang="en-US" dirty="0" err="1" smtClean="0"/>
+              <a:t>TearDown</a:t>
+            </a:r>
+            <a:r>
+              <a:rPr lang="en-US" dirty="0" smtClean="0"/>
+              <a:t> annotations (these methods called </a:t>
+            </a:r>
+            <a:r>
+              <a:rPr lang="en-US" i="1" dirty="0" smtClean="0"/>
+              <a:t>fixtures</a:t>
+            </a:r>
+            <a:r>
+              <a:rPr lang="en-US" dirty="0" smtClean="0"/>
+              <a:t> in JMH documentation. You can have any number of setup/teardown methods. </a:t>
             </a:r>
             <a:endParaRPr lang="en-US" dirty="0"/>
           </a:p>
@@ -2476,7 +2410,7 @@
           <a:p>
             <a:fld id="{CFAD290B-5269-4E99-8A8A-8691B1EB0AE9}" type="slidenum">
               <a:rPr lang="en-US" smtClean="0"/>
-              <a:t>29</a:t>
+              <a:t>26</a:t>
             </a:fld>
             <a:endParaRPr lang="en-US"/>
           </a:p>
@@ -2485,7 +2419,7 @@
     </p:spTree>
     <p:extLst>
       <p:ext uri="{BB962C8B-B14F-4D97-AF65-F5344CB8AC3E}">
-        <p14:creationId xmlns:p14="http://schemas.microsoft.com/office/powerpoint/2010/main" val="3515685751"/>
+        <p14:creationId xmlns:p14="http://schemas.microsoft.com/office/powerpoint/2010/main" val="4077693676"/>
       </p:ext>
     </p:extLst>
   </p:cSld>
@@ -2539,6 +2473,69 @@
           <a:bodyPr/>
           <a:lstStyle/>
           <a:p>
+            <a:r>
+              <a:rPr lang="en-US" dirty="0" smtClean="0"/>
+              <a:t>You may also need to define the non-uniform access to your state object – for example to test the “readers-writers” scenario where the number of readers is usually higher than the number of writers. JMH uses the notion of thread groups for this case. </a:t>
+            </a:r>
+          </a:p>
+          <a:p>
+            <a:r>
+              <a:rPr lang="en-US" dirty="0" smtClean="0"/>
+              <a:t>In order to setup a group of tests, you need: </a:t>
+            </a:r>
+          </a:p>
+          <a:p>
+            <a:endParaRPr lang="en-US" dirty="0" smtClean="0"/>
+          </a:p>
+          <a:p>
+            <a:r>
+              <a:rPr lang="en-US" dirty="0" smtClean="0"/>
+              <a:t>Mark all your test methods with @Group(name) annotation, providing the same string name for all tests in a group (otherwise these tests will be run independently – no warning will be given!). </a:t>
+            </a:r>
+          </a:p>
+          <a:p>
+            <a:endParaRPr lang="en-US" dirty="0" smtClean="0"/>
+          </a:p>
+          <a:p>
+            <a:r>
+              <a:rPr lang="en-US" dirty="0" smtClean="0"/>
+              <a:t>Annotate each of your tests with @</a:t>
+            </a:r>
+            <a:r>
+              <a:rPr lang="en-US" dirty="0" err="1" smtClean="0"/>
+              <a:t>GroupThreads</a:t>
+            </a:r>
+            <a:r>
+              <a:rPr lang="en-US" dirty="0" smtClean="0"/>
+              <a:t>(</a:t>
+            </a:r>
+            <a:r>
+              <a:rPr lang="en-US" dirty="0" err="1" smtClean="0"/>
+              <a:t>threadsNumber</a:t>
+            </a:r>
+            <a:r>
+              <a:rPr lang="en-US" dirty="0" smtClean="0"/>
+              <a:t>) annotation, specifying a number of threads which will run the given method. </a:t>
+            </a:r>
+          </a:p>
+          <a:p>
+            <a:endParaRPr lang="en-US" dirty="0" smtClean="0"/>
+          </a:p>
+          <a:p>
+            <a:r>
+              <a:rPr lang="en-US" dirty="0" smtClean="0"/>
+              <a:t>JMH will start a sum of all your @</a:t>
+            </a:r>
+            <a:r>
+              <a:rPr lang="en-US" dirty="0" err="1" smtClean="0"/>
+              <a:t>GroupThreads</a:t>
+            </a:r>
+            <a:r>
+              <a:rPr lang="en-US" dirty="0" smtClean="0"/>
+              <a:t> for the given group and will run all tests in a group concurrently in the same trial. The results will be given for the group and for each method independently. </a:t>
+            </a:r>
+          </a:p>
+          <a:p>
             <a:endParaRPr lang="en-US" dirty="0"/>
           </a:p>
         </p:txBody>
@@ -2560,7 +2557,7 @@
           <a:p>
             <a:fld id="{CFAD290B-5269-4E99-8A8A-8691B1EB0AE9}" type="slidenum">
               <a:rPr lang="en-US" smtClean="0"/>
-              <a:t>30</a:t>
+              <a:t>27</a:t>
             </a:fld>
             <a:endParaRPr lang="en-US"/>
           </a:p>
@@ -2569,7 +2566,7 @@
     </p:spTree>
     <p:extLst>
       <p:ext uri="{BB962C8B-B14F-4D97-AF65-F5344CB8AC3E}">
-        <p14:creationId xmlns:p14="http://schemas.microsoft.com/office/powerpoint/2010/main" val="1383870499"/>
+        <p14:creationId xmlns:p14="http://schemas.microsoft.com/office/powerpoint/2010/main" val="370174003"/>
       </p:ext>
     </p:extLst>
   </p:cSld>
@@ -2623,6 +2620,14 @@
           <a:bodyPr/>
           <a:lstStyle/>
           <a:p>
+            <a:r>
+              <a:rPr lang="en-US" dirty="0" smtClean="0"/>
+              <a:t>Class level, or override</a:t>
+            </a:r>
+            <a:r>
+              <a:rPr lang="en-US" baseline="0" dirty="0" smtClean="0"/>
+              <a:t> at method</a:t>
+            </a:r>
             <a:endParaRPr lang="en-US" dirty="0"/>
           </a:p>
         </p:txBody>
@@ -2644,7 +2649,7 @@
           <a:p>
             <a:fld id="{CFAD290B-5269-4E99-8A8A-8691B1EB0AE9}" type="slidenum">
               <a:rPr lang="en-US" smtClean="0"/>
-              <a:t>31</a:t>
+              <a:t>28</a:t>
             </a:fld>
             <a:endParaRPr lang="en-US"/>
           </a:p>
@@ -2653,7 +2658,7 @@
     </p:spTree>
     <p:extLst>
       <p:ext uri="{BB962C8B-B14F-4D97-AF65-F5344CB8AC3E}">
-        <p14:creationId xmlns:p14="http://schemas.microsoft.com/office/powerpoint/2010/main" val="1269356262"/>
+        <p14:creationId xmlns:p14="http://schemas.microsoft.com/office/powerpoint/2010/main" val="3238524958"/>
       </p:ext>
     </p:extLst>
   </p:cSld>
@@ -2707,29 +2712,34 @@
           <a:bodyPr/>
           <a:lstStyle/>
           <a:p>
-            <a:pPr marL="0" marR="0" indent="0" algn="l" defTabSz="914400" rtl="0" eaLnBrk="1" fontAlgn="auto" latinLnBrk="0" hangingPunct="1">
-              <a:lnSpc>
-                <a:spcPct val="100000"/>
-              </a:lnSpc>
-              <a:spcBef>
-                <a:spcPts val="0"/>
-              </a:spcBef>
-              <a:spcAft>
-                <a:spcPts val="0"/>
-              </a:spcAft>
-              <a:buClrTx/>
-              <a:buSzTx/>
-              <a:buFontTx/>
-              <a:buNone/>
-              <a:tabLst/>
-              <a:defRPr/>
-            </a:pPr>
-            <a:r>
-              <a:rPr lang="en-US" b="0" dirty="0" smtClean="0"/>
-              <a:t>JIT is too smart and often does magic tricks with loops. Test the actual calculation and let JMH to take care of the rest.</a:t>
-            </a:r>
-          </a:p>
-          <a:p>
+            <a:r>
+              <a:rPr lang="en-US" dirty="0" smtClean="0"/>
+              <a:t>You can specify time unit to use via @</a:t>
+            </a:r>
+            <a:r>
+              <a:rPr lang="en-US" dirty="0" err="1" smtClean="0"/>
+              <a:t>OutputTimeUnit</a:t>
+            </a:r>
+            <a:r>
+              <a:rPr lang="en-US" dirty="0" smtClean="0"/>
+              <a:t>, which requires an argument of the standard Java type </a:t>
+            </a:r>
+            <a:r>
+              <a:rPr lang="en-US" dirty="0" err="1" smtClean="0"/>
+              <a:t>java.util.concurrent.TimeUnit</a:t>
+            </a:r>
+            <a:r>
+              <a:rPr lang="en-US" dirty="0" smtClean="0"/>
+              <a:t>. Unfortunately, if you have specified several test modes for one test, the given time unit will be used for all tests (for example, it may be convenient to measure </a:t>
+            </a:r>
+            <a:r>
+              <a:rPr lang="en-US" dirty="0" err="1" smtClean="0"/>
+              <a:t>SampleTime</a:t>
+            </a:r>
+            <a:r>
+              <a:rPr lang="en-US" dirty="0" smtClean="0"/>
+              <a:t> in nanoseconds, but throughput should better be measured in the longer time units). </a:t>
+            </a:r>
             <a:endParaRPr lang="en-US" dirty="0"/>
           </a:p>
         </p:txBody>
@@ -2751,7 +2761,7 @@
           <a:p>
             <a:fld id="{CFAD290B-5269-4E99-8A8A-8691B1EB0AE9}" type="slidenum">
               <a:rPr lang="en-US" smtClean="0"/>
-              <a:t>33</a:t>
+              <a:t>29</a:t>
             </a:fld>
             <a:endParaRPr lang="en-US"/>
           </a:p>
@@ -2760,7 +2770,7 @@
     </p:spTree>
     <p:extLst>
       <p:ext uri="{BB962C8B-B14F-4D97-AF65-F5344CB8AC3E}">
-        <p14:creationId xmlns:p14="http://schemas.microsoft.com/office/powerpoint/2010/main" val="731637426"/>
+        <p14:creationId xmlns:p14="http://schemas.microsoft.com/office/powerpoint/2010/main" val="2820436906"/>
       </p:ext>
     </p:extLst>
   </p:cSld>
@@ -2816,7 +2826,46 @@
           <a:p>
             <a:r>
               <a:rPr lang="en-US" dirty="0" smtClean="0"/>
-              <a:t>By default JHM forks a new java process for each trial (set of iterations). This is required to defend the test from previously collected “profiles” – information about other loaded classes and their execution information. For example, if you have 2 classes implementing the same interface and test the performance of both of them, then the first implementation (in order of testing) is likely to be faster than the second one (in the same JVM), because JIT replaces direct method calls to the first implementation with interface method calls after discovering the second implementation. </a:t>
+              <a:t>This</a:t>
+            </a:r>
+            <a:r>
+              <a:rPr lang="en-US" baseline="0" dirty="0" smtClean="0"/>
+              <a:t> is the attempt by the makers of JMH (the same people who work on the JIT) to tell the JVM in no uncertain terms to avoid optimizing away the thing you are trying to benchmark.</a:t>
+            </a:r>
+          </a:p>
+          <a:p>
+            <a:endParaRPr lang="en-US" baseline="0" dirty="0" smtClean="0"/>
+          </a:p>
+          <a:p>
+            <a:r>
+              <a:rPr lang="en-US" baseline="0" dirty="0" smtClean="0"/>
+              <a:t>Just returning the value works most of the time, this is meant to work as much of the time as is possible (but still NOT 100% - which is why you need a baseline)</a:t>
+            </a:r>
+          </a:p>
+          <a:p>
+            <a:endParaRPr lang="en-US" baseline="0" dirty="0" smtClean="0"/>
+          </a:p>
+          <a:p>
+            <a:r>
+              <a:rPr lang="en-US" dirty="0" smtClean="0"/>
+              <a:t>I have no clue what</a:t>
+            </a:r>
+            <a:r>
+              <a:rPr lang="en-US" baseline="0" dirty="0" smtClean="0"/>
+              <a:t> this class is doing or why it is doing it.  Looking at the internals – it’s all just voodoo to me.  But the JMH guys, who are the JIT guys, say this is the best way to avoid your code getting optimized away – and its very easy to use.</a:t>
+            </a:r>
+          </a:p>
+          <a:p>
+            <a:endParaRPr lang="en-US" baseline="0" dirty="0" smtClean="0"/>
+          </a:p>
+          <a:p>
+            <a:r>
+              <a:rPr lang="en-US" baseline="0" dirty="0" smtClean="0"/>
+              <a:t>Also helpful i</a:t>
+            </a:r>
+            <a:r>
+              <a:rPr lang="en-US" dirty="0" smtClean="0"/>
+              <a:t>f you need to return more than one value from your test</a:t>
             </a:r>
             <a:endParaRPr lang="en-US" dirty="0"/>
           </a:p>
@@ -2839,7 +2888,7 @@
           <a:p>
             <a:fld id="{CFAD290B-5269-4E99-8A8A-8691B1EB0AE9}" type="slidenum">
               <a:rPr lang="en-US" smtClean="0"/>
-              <a:t>34</a:t>
+              <a:t>32</a:t>
             </a:fld>
             <a:endParaRPr lang="en-US"/>
           </a:p>
@@ -2848,7 +2897,7 @@
     </p:spTree>
     <p:extLst>
       <p:ext uri="{BB962C8B-B14F-4D97-AF65-F5344CB8AC3E}">
-        <p14:creationId xmlns:p14="http://schemas.microsoft.com/office/powerpoint/2010/main" val="89694323"/>
+        <p14:creationId xmlns:p14="http://schemas.microsoft.com/office/powerpoint/2010/main" val="3515685751"/>
       </p:ext>
     </p:extLst>
   </p:cSld>
@@ -2902,10 +2951,6 @@
           <a:bodyPr/>
           <a:lstStyle/>
           <a:p>
-            <a:r>
-              <a:rPr lang="en-US" dirty="0" smtClean="0"/>
-              <a:t>You can give the JIT a hint how to use any method in your test program. By “any method” I mean any method – not just those annotated by @Benchmark. </a:t>
-            </a:r>
             <a:endParaRPr lang="en-US" dirty="0"/>
           </a:p>
         </p:txBody>
@@ -2927,7 +2972,7 @@
           <a:p>
             <a:fld id="{CFAD290B-5269-4E99-8A8A-8691B1EB0AE9}" type="slidenum">
               <a:rPr lang="en-US" smtClean="0"/>
-              <a:t>35</a:t>
+              <a:t>33</a:t>
             </a:fld>
             <a:endParaRPr lang="en-US"/>
           </a:p>
@@ -2936,7 +2981,7 @@
     </p:spTree>
     <p:extLst>
       <p:ext uri="{BB962C8B-B14F-4D97-AF65-F5344CB8AC3E}">
-        <p14:creationId xmlns:p14="http://schemas.microsoft.com/office/powerpoint/2010/main" val="3644895917"/>
+        <p14:creationId xmlns:p14="http://schemas.microsoft.com/office/powerpoint/2010/main" val="1383870499"/>
       </p:ext>
     </p:extLst>
   </p:cSld>
@@ -2990,51 +3035,6 @@
           <a:bodyPr/>
           <a:lstStyle/>
           <a:p>
-            <a:r>
-              <a:rPr lang="en-US" dirty="0" smtClean="0"/>
-              <a:t>We can clearly see the effects of dead-code elimination and constant folding. The only meaningful measurement of distance() is when the value is being consumed by JMH (using the </a:t>
-            </a:r>
-            <a:r>
-              <a:rPr lang="en-US" dirty="0" err="1" smtClean="0"/>
-              <a:t>bBlackhole</a:t>
-            </a:r>
-            <a:r>
-              <a:rPr lang="en-US" dirty="0" smtClean="0"/>
-              <a:t>) and the</a:t>
-            </a:r>
-            <a:r>
-              <a:rPr lang="en-US" baseline="0" dirty="0" smtClean="0"/>
-              <a:t> </a:t>
-            </a:r>
-            <a:r>
-              <a:rPr lang="en-US" dirty="0" smtClean="0"/>
-              <a:t>parameters are passed through field values of a @State class. </a:t>
-            </a:r>
-          </a:p>
-          <a:p>
-            <a:endParaRPr lang="en-US" dirty="0" smtClean="0"/>
-          </a:p>
-          <a:p>
-            <a:r>
-              <a:rPr lang="en-US" dirty="0" smtClean="0"/>
-              <a:t>All other cases are meaningless</a:t>
-            </a:r>
-            <a:r>
-              <a:rPr lang="en-US" baseline="0" dirty="0" smtClean="0"/>
-              <a:t> – they are similar to measuring </a:t>
-            </a:r>
-            <a:r>
-              <a:rPr lang="en-US" dirty="0" smtClean="0"/>
-              <a:t>the performance </a:t>
-            </a:r>
-            <a:r>
-              <a:rPr lang="en-US" smtClean="0"/>
-              <a:t>of benchmarking a </a:t>
-            </a:r>
-            <a:r>
-              <a:rPr lang="en-US" dirty="0" smtClean="0"/>
-              <a:t>constant double or an empty void-returning method.</a:t>
-            </a:r>
             <a:endParaRPr lang="en-US" dirty="0"/>
           </a:p>
         </p:txBody>
@@ -3056,7 +3056,7 @@
           <a:p>
             <a:fld id="{CFAD290B-5269-4E99-8A8A-8691B1EB0AE9}" type="slidenum">
               <a:rPr lang="en-US" smtClean="0"/>
-              <a:t>37</a:t>
+              <a:t>34</a:t>
             </a:fld>
             <a:endParaRPr lang="en-US"/>
           </a:p>
@@ -3065,7 +3065,7 @@
     </p:spTree>
     <p:extLst>
       <p:ext uri="{BB962C8B-B14F-4D97-AF65-F5344CB8AC3E}">
-        <p14:creationId xmlns:p14="http://schemas.microsoft.com/office/powerpoint/2010/main" val="543214475"/>
+        <p14:creationId xmlns:p14="http://schemas.microsoft.com/office/powerpoint/2010/main" val="1269356262"/>
       </p:ext>
     </p:extLst>
   </p:cSld>
@@ -3156,15 +3156,15 @@
             </a:r>
             <a:r>
               <a:rPr lang="en-US" baseline="0" dirty="0" smtClean="0"/>
-              <a:t> benchmarking, so the code is going to run really </a:t>
-            </a:r>
-            <a:r>
-              <a:rPr lang="en-US" baseline="0" dirty="0" err="1" smtClean="0"/>
-              <a:t>really</a:t>
+              <a:t> benchmarking, so the code is going to run </a:t>
             </a:r>
             <a:r>
               <a:rPr lang="en-US" baseline="0" dirty="0" smtClean="0"/>
-              <a:t> fast, so in order to get precise and meaningful measurements we’ll have to consider some sources of error.</a:t>
+              <a:t>really, </a:t>
+            </a:r>
+            <a:r>
+              <a:rPr lang="en-US" baseline="0" dirty="0" smtClean="0"/>
+              <a:t>really fast, so in order to get precise and meaningful measurements we’ll have to consider some sources of error.</a:t>
             </a:r>
             <a:endParaRPr lang="en-US" dirty="0"/>
           </a:p>
@@ -3197,6 +3197,418 @@
     <p:extLst>
       <p:ext uri="{BB962C8B-B14F-4D97-AF65-F5344CB8AC3E}">
         <p14:creationId xmlns:p14="http://schemas.microsoft.com/office/powerpoint/2010/main" val="4226574323"/>
+      </p:ext>
+    </p:extLst>
+  </p:cSld>
+  <p:clrMapOvr>
+    <a:masterClrMapping/>
+  </p:clrMapOvr>
+</p:notes>
+</file>
+
+<file path=ppt/notesSlides/notesSlide30.xml><?xml version="1.0" encoding="utf-8"?>
+<p:notes xmlns:a="http://schemas.openxmlformats.org/drawingml/2006/main" xmlns:r="http://schemas.openxmlformats.org/officeDocument/2006/relationships" xmlns:p="http://schemas.openxmlformats.org/presentationml/2006/main">
+  <p:cSld>
+    <p:spTree>
+      <p:nvGrpSpPr>
+        <p:cNvPr id="1" name=""/>
+        <p:cNvGrpSpPr/>
+        <p:nvPr/>
+      </p:nvGrpSpPr>
+      <p:grpSpPr>
+        <a:xfrm>
+          <a:off x="0" y="0"/>
+          <a:ext cx="0" cy="0"/>
+          <a:chOff x="0" y="0"/>
+          <a:chExt cx="0" cy="0"/>
+        </a:xfrm>
+      </p:grpSpPr>
+      <p:sp>
+        <p:nvSpPr>
+          <p:cNvPr id="2" name="Slide Image Placeholder 1"/>
+          <p:cNvSpPr>
+            <a:spLocks noGrp="1" noRot="1" noChangeAspect="1"/>
+          </p:cNvSpPr>
+          <p:nvPr>
+            <p:ph type="sldImg"/>
+          </p:nvPr>
+        </p:nvSpPr>
+        <p:spPr/>
+      </p:sp>
+      <p:sp>
+        <p:nvSpPr>
+          <p:cNvPr id="3" name="Notes Placeholder 2"/>
+          <p:cNvSpPr>
+            <a:spLocks noGrp="1"/>
+          </p:cNvSpPr>
+          <p:nvPr>
+            <p:ph type="body" idx="1"/>
+          </p:nvPr>
+        </p:nvSpPr>
+        <p:spPr/>
+        <p:txBody>
+          <a:bodyPr/>
+          <a:lstStyle/>
+          <a:p>
+            <a:pPr marL="0" marR="0" indent="0" algn="l" defTabSz="914400" rtl="0" eaLnBrk="1" fontAlgn="auto" latinLnBrk="0" hangingPunct="1">
+              <a:lnSpc>
+                <a:spcPct val="100000"/>
+              </a:lnSpc>
+              <a:spcBef>
+                <a:spcPts val="0"/>
+              </a:spcBef>
+              <a:spcAft>
+                <a:spcPts val="0"/>
+              </a:spcAft>
+              <a:buClrTx/>
+              <a:buSzTx/>
+              <a:buFontTx/>
+              <a:buNone/>
+              <a:tabLst/>
+              <a:defRPr/>
+            </a:pPr>
+            <a:r>
+              <a:rPr lang="en-US" b="0" dirty="0" smtClean="0"/>
+              <a:t>JIT is too smart and often does magic tricks with loops. Test the actual calculation and let JMH to take care of the rest.</a:t>
+            </a:r>
+          </a:p>
+          <a:p>
+            <a:endParaRPr lang="en-US" dirty="0"/>
+          </a:p>
+        </p:txBody>
+      </p:sp>
+      <p:sp>
+        <p:nvSpPr>
+          <p:cNvPr id="4" name="Slide Number Placeholder 3"/>
+          <p:cNvSpPr>
+            <a:spLocks noGrp="1"/>
+          </p:cNvSpPr>
+          <p:nvPr>
+            <p:ph type="sldNum" sz="quarter" idx="10"/>
+          </p:nvPr>
+        </p:nvSpPr>
+        <p:spPr/>
+        <p:txBody>
+          <a:bodyPr/>
+          <a:lstStyle/>
+          <a:p>
+            <a:fld id="{CFAD290B-5269-4E99-8A8A-8691B1EB0AE9}" type="slidenum">
+              <a:rPr lang="en-US" smtClean="0"/>
+              <a:t>36</a:t>
+            </a:fld>
+            <a:endParaRPr lang="en-US"/>
+          </a:p>
+        </p:txBody>
+      </p:sp>
+    </p:spTree>
+    <p:extLst>
+      <p:ext uri="{BB962C8B-B14F-4D97-AF65-F5344CB8AC3E}">
+        <p14:creationId xmlns:p14="http://schemas.microsoft.com/office/powerpoint/2010/main" val="731637426"/>
+      </p:ext>
+    </p:extLst>
+  </p:cSld>
+  <p:clrMapOvr>
+    <a:masterClrMapping/>
+  </p:clrMapOvr>
+</p:notes>
+</file>
+
+<file path=ppt/notesSlides/notesSlide31.xml><?xml version="1.0" encoding="utf-8"?>
+<p:notes xmlns:a="http://schemas.openxmlformats.org/drawingml/2006/main" xmlns:r="http://schemas.openxmlformats.org/officeDocument/2006/relationships" xmlns:p="http://schemas.openxmlformats.org/presentationml/2006/main">
+  <p:cSld>
+    <p:spTree>
+      <p:nvGrpSpPr>
+        <p:cNvPr id="1" name=""/>
+        <p:cNvGrpSpPr/>
+        <p:nvPr/>
+      </p:nvGrpSpPr>
+      <p:grpSpPr>
+        <a:xfrm>
+          <a:off x="0" y="0"/>
+          <a:ext cx="0" cy="0"/>
+          <a:chOff x="0" y="0"/>
+          <a:chExt cx="0" cy="0"/>
+        </a:xfrm>
+      </p:grpSpPr>
+      <p:sp>
+        <p:nvSpPr>
+          <p:cNvPr id="2" name="Slide Image Placeholder 1"/>
+          <p:cNvSpPr>
+            <a:spLocks noGrp="1" noRot="1" noChangeAspect="1"/>
+          </p:cNvSpPr>
+          <p:nvPr>
+            <p:ph type="sldImg"/>
+          </p:nvPr>
+        </p:nvSpPr>
+        <p:spPr/>
+      </p:sp>
+      <p:sp>
+        <p:nvSpPr>
+          <p:cNvPr id="3" name="Notes Placeholder 2"/>
+          <p:cNvSpPr>
+            <a:spLocks noGrp="1"/>
+          </p:cNvSpPr>
+          <p:nvPr>
+            <p:ph type="body" idx="1"/>
+          </p:nvPr>
+        </p:nvSpPr>
+        <p:spPr/>
+        <p:txBody>
+          <a:bodyPr/>
+          <a:lstStyle/>
+          <a:p>
+            <a:r>
+              <a:rPr lang="en-US" dirty="0" smtClean="0"/>
+              <a:t>By default JHM forks a new java process for each trial (set of iterations). This is required to defend the test from previously collected “profiles” – information about other loaded classes and their execution information. For example, if you have 2 classes implementing the same interface and test the performance of both of them, then the first implementation (in order of testing) is likely to be faster than the second one (in the same JVM), because JIT replaces direct method calls to the first implementation with interface method calls after discovering the second implementation. </a:t>
+            </a:r>
+            <a:endParaRPr lang="en-US" dirty="0"/>
+          </a:p>
+        </p:txBody>
+      </p:sp>
+      <p:sp>
+        <p:nvSpPr>
+          <p:cNvPr id="4" name="Slide Number Placeholder 3"/>
+          <p:cNvSpPr>
+            <a:spLocks noGrp="1"/>
+          </p:cNvSpPr>
+          <p:nvPr>
+            <p:ph type="sldNum" sz="quarter" idx="10"/>
+          </p:nvPr>
+        </p:nvSpPr>
+        <p:spPr/>
+        <p:txBody>
+          <a:bodyPr/>
+          <a:lstStyle/>
+          <a:p>
+            <a:fld id="{CFAD290B-5269-4E99-8A8A-8691B1EB0AE9}" type="slidenum">
+              <a:rPr lang="en-US" smtClean="0"/>
+              <a:t>37</a:t>
+            </a:fld>
+            <a:endParaRPr lang="en-US"/>
+          </a:p>
+        </p:txBody>
+      </p:sp>
+    </p:spTree>
+    <p:extLst>
+      <p:ext uri="{BB962C8B-B14F-4D97-AF65-F5344CB8AC3E}">
+        <p14:creationId xmlns:p14="http://schemas.microsoft.com/office/powerpoint/2010/main" val="89694323"/>
+      </p:ext>
+    </p:extLst>
+  </p:cSld>
+  <p:clrMapOvr>
+    <a:masterClrMapping/>
+  </p:clrMapOvr>
+</p:notes>
+</file>
+
+<file path=ppt/notesSlides/notesSlide32.xml><?xml version="1.0" encoding="utf-8"?>
+<p:notes xmlns:a="http://schemas.openxmlformats.org/drawingml/2006/main" xmlns:r="http://schemas.openxmlformats.org/officeDocument/2006/relationships" xmlns:p="http://schemas.openxmlformats.org/presentationml/2006/main">
+  <p:cSld>
+    <p:spTree>
+      <p:nvGrpSpPr>
+        <p:cNvPr id="1" name=""/>
+        <p:cNvGrpSpPr/>
+        <p:nvPr/>
+      </p:nvGrpSpPr>
+      <p:grpSpPr>
+        <a:xfrm>
+          <a:off x="0" y="0"/>
+          <a:ext cx="0" cy="0"/>
+          <a:chOff x="0" y="0"/>
+          <a:chExt cx="0" cy="0"/>
+        </a:xfrm>
+      </p:grpSpPr>
+      <p:sp>
+        <p:nvSpPr>
+          <p:cNvPr id="2" name="Slide Image Placeholder 1"/>
+          <p:cNvSpPr>
+            <a:spLocks noGrp="1" noRot="1" noChangeAspect="1"/>
+          </p:cNvSpPr>
+          <p:nvPr>
+            <p:ph type="sldImg"/>
+          </p:nvPr>
+        </p:nvSpPr>
+        <p:spPr/>
+      </p:sp>
+      <p:sp>
+        <p:nvSpPr>
+          <p:cNvPr id="3" name="Notes Placeholder 2"/>
+          <p:cNvSpPr>
+            <a:spLocks noGrp="1"/>
+          </p:cNvSpPr>
+          <p:nvPr>
+            <p:ph type="body" idx="1"/>
+          </p:nvPr>
+        </p:nvSpPr>
+        <p:spPr/>
+        <p:txBody>
+          <a:bodyPr/>
+          <a:lstStyle/>
+          <a:p>
+            <a:r>
+              <a:rPr lang="en-US" dirty="0" smtClean="0"/>
+              <a:t>You can give the JIT a hint how to use any method in your test program. By “any method” I mean any method – not just those annotated by @Benchmark. </a:t>
+            </a:r>
+            <a:endParaRPr lang="en-US" dirty="0"/>
+          </a:p>
+        </p:txBody>
+      </p:sp>
+      <p:sp>
+        <p:nvSpPr>
+          <p:cNvPr id="4" name="Slide Number Placeholder 3"/>
+          <p:cNvSpPr>
+            <a:spLocks noGrp="1"/>
+          </p:cNvSpPr>
+          <p:nvPr>
+            <p:ph type="sldNum" sz="quarter" idx="10"/>
+          </p:nvPr>
+        </p:nvSpPr>
+        <p:spPr/>
+        <p:txBody>
+          <a:bodyPr/>
+          <a:lstStyle/>
+          <a:p>
+            <a:fld id="{CFAD290B-5269-4E99-8A8A-8691B1EB0AE9}" type="slidenum">
+              <a:rPr lang="en-US" smtClean="0"/>
+              <a:t>38</a:t>
+            </a:fld>
+            <a:endParaRPr lang="en-US"/>
+          </a:p>
+        </p:txBody>
+      </p:sp>
+    </p:spTree>
+    <p:extLst>
+      <p:ext uri="{BB962C8B-B14F-4D97-AF65-F5344CB8AC3E}">
+        <p14:creationId xmlns:p14="http://schemas.microsoft.com/office/powerpoint/2010/main" val="3644895917"/>
+      </p:ext>
+    </p:extLst>
+  </p:cSld>
+  <p:clrMapOvr>
+    <a:masterClrMapping/>
+  </p:clrMapOvr>
+</p:notes>
+</file>
+
+<file path=ppt/notesSlides/notesSlide33.xml><?xml version="1.0" encoding="utf-8"?>
+<p:notes xmlns:a="http://schemas.openxmlformats.org/drawingml/2006/main" xmlns:r="http://schemas.openxmlformats.org/officeDocument/2006/relationships" xmlns:p="http://schemas.openxmlformats.org/presentationml/2006/main">
+  <p:cSld>
+    <p:spTree>
+      <p:nvGrpSpPr>
+        <p:cNvPr id="1" name=""/>
+        <p:cNvGrpSpPr/>
+        <p:nvPr/>
+      </p:nvGrpSpPr>
+      <p:grpSpPr>
+        <a:xfrm>
+          <a:off x="0" y="0"/>
+          <a:ext cx="0" cy="0"/>
+          <a:chOff x="0" y="0"/>
+          <a:chExt cx="0" cy="0"/>
+        </a:xfrm>
+      </p:grpSpPr>
+      <p:sp>
+        <p:nvSpPr>
+          <p:cNvPr id="2" name="Slide Image Placeholder 1"/>
+          <p:cNvSpPr>
+            <a:spLocks noGrp="1" noRot="1" noChangeAspect="1"/>
+          </p:cNvSpPr>
+          <p:nvPr>
+            <p:ph type="sldImg"/>
+          </p:nvPr>
+        </p:nvSpPr>
+        <p:spPr/>
+      </p:sp>
+      <p:sp>
+        <p:nvSpPr>
+          <p:cNvPr id="3" name="Notes Placeholder 2"/>
+          <p:cNvSpPr>
+            <a:spLocks noGrp="1"/>
+          </p:cNvSpPr>
+          <p:nvPr>
+            <p:ph type="body" idx="1"/>
+          </p:nvPr>
+        </p:nvSpPr>
+        <p:spPr/>
+        <p:txBody>
+          <a:bodyPr/>
+          <a:lstStyle/>
+          <a:p>
+            <a:r>
+              <a:rPr lang="en-US" dirty="0" smtClean="0"/>
+              <a:t>We can clearly see the effects of dead-code elimination and constant folding. The only meaningful measurement of distance() is when the value is being consumed by JMH (using the </a:t>
+            </a:r>
+            <a:r>
+              <a:rPr lang="en-US" dirty="0" err="1" smtClean="0"/>
+              <a:t>bBlackhole</a:t>
+            </a:r>
+            <a:r>
+              <a:rPr lang="en-US" dirty="0" smtClean="0"/>
+              <a:t>) and the</a:t>
+            </a:r>
+            <a:r>
+              <a:rPr lang="en-US" baseline="0" dirty="0" smtClean="0"/>
+              <a:t> </a:t>
+            </a:r>
+            <a:r>
+              <a:rPr lang="en-US" dirty="0" smtClean="0"/>
+              <a:t>parameters are passed through field values of a @State class. </a:t>
+            </a:r>
+          </a:p>
+          <a:p>
+            <a:endParaRPr lang="en-US" dirty="0" smtClean="0"/>
+          </a:p>
+          <a:p>
+            <a:r>
+              <a:rPr lang="en-US" dirty="0" smtClean="0"/>
+              <a:t>All other cases are meaningless</a:t>
+            </a:r>
+            <a:r>
+              <a:rPr lang="en-US" baseline="0" dirty="0" smtClean="0"/>
+              <a:t> – they are similar to measuring </a:t>
+            </a:r>
+            <a:r>
+              <a:rPr lang="en-US" dirty="0" smtClean="0"/>
+              <a:t>the performance </a:t>
+            </a:r>
+            <a:r>
+              <a:rPr lang="en-US" smtClean="0"/>
+              <a:t>of benchmarking a </a:t>
+            </a:r>
+            <a:r>
+              <a:rPr lang="en-US" dirty="0" smtClean="0"/>
+              <a:t>constant double or an empty void-returning method.</a:t>
+            </a:r>
+            <a:endParaRPr lang="en-US" dirty="0"/>
+          </a:p>
+        </p:txBody>
+      </p:sp>
+      <p:sp>
+        <p:nvSpPr>
+          <p:cNvPr id="4" name="Slide Number Placeholder 3"/>
+          <p:cNvSpPr>
+            <a:spLocks noGrp="1"/>
+          </p:cNvSpPr>
+          <p:nvPr>
+            <p:ph type="sldNum" sz="quarter" idx="10"/>
+          </p:nvPr>
+        </p:nvSpPr>
+        <p:spPr/>
+        <p:txBody>
+          <a:bodyPr/>
+          <a:lstStyle/>
+          <a:p>
+            <a:fld id="{CFAD290B-5269-4E99-8A8A-8691B1EB0AE9}" type="slidenum">
+              <a:rPr lang="en-US" smtClean="0"/>
+              <a:t>40</a:t>
+            </a:fld>
+            <a:endParaRPr lang="en-US"/>
+          </a:p>
+        </p:txBody>
+      </p:sp>
+    </p:spTree>
+    <p:extLst>
+      <p:ext uri="{BB962C8B-B14F-4D97-AF65-F5344CB8AC3E}">
+        <p14:creationId xmlns:p14="http://schemas.microsoft.com/office/powerpoint/2010/main" val="543214475"/>
       </p:ext>
     </p:extLst>
   </p:cSld>
@@ -3256,7 +3668,15 @@
             </a:r>
             <a:r>
               <a:rPr lang="en-US" baseline="0" dirty="0" smtClean="0"/>
-              <a:t> stopwatch benchmarking, there are many external sources of error to be aware of that will skew your measurements.  Green -&gt; Yellow is roughly more to less controllable.</a:t>
+              <a:t> stopwatch benchmarking, there are many external sources of error to be aware of that will skew your measurements.  Green -&gt; </a:t>
+            </a:r>
+            <a:r>
+              <a:rPr lang="en-US" baseline="0" dirty="0" smtClean="0"/>
+              <a:t>Red is </a:t>
+            </a:r>
+            <a:r>
+              <a:rPr lang="en-US" baseline="0" dirty="0" smtClean="0"/>
+              <a:t>roughly more to less controllable.</a:t>
             </a:r>
           </a:p>
           <a:p>
@@ -4058,58 +4478,7 @@
           <a:bodyPr/>
           <a:lstStyle/>
           <a:p>
-            <a:r>
-              <a:rPr lang="en-US" dirty="0" smtClean="0"/>
-              <a:t>Other than micro and concurrent, JMH is a general-purpose benchmarking harness also possibly useful for larger benchmarks, too.  Emphasis is on using it</a:t>
-            </a:r>
-            <a:r>
-              <a:rPr lang="en-US" baseline="0" dirty="0" smtClean="0"/>
-              <a:t> for MICRO benchmarks </a:t>
-            </a:r>
-            <a:r>
-              <a:rPr lang="en-US" baseline="0" dirty="0" smtClean="0"/>
-              <a:t>though, different profiling tools are probably more useful for measuring larger parts of an application.</a:t>
-            </a:r>
-          </a:p>
-          <a:p>
-            <a:endParaRPr lang="en-US" b="1" baseline="0" dirty="0" smtClean="0"/>
-          </a:p>
-          <a:p>
-            <a:r>
-              <a:rPr lang="en-US" b="1" dirty="0" smtClean="0"/>
-              <a:t>“Its distinctive advantage </a:t>
-            </a:r>
-            <a:r>
-              <a:rPr lang="en-US" dirty="0" smtClean="0"/>
-              <a:t>over other frameworks is that it is developed by the same guys in Oracle who implement the JIT. In particular I want to mention </a:t>
-            </a:r>
-            <a:r>
-              <a:rPr lang="en-US" dirty="0" smtClean="0">
-                <a:hlinkClick r:id="rId3"/>
-              </a:rPr>
-              <a:t>Aleksey </a:t>
-            </a:r>
-            <a:r>
-              <a:rPr lang="en-US" dirty="0" err="1" smtClean="0">
-                <a:hlinkClick r:id="rId3"/>
-              </a:rPr>
-              <a:t>Shipilev</a:t>
-            </a:r>
-            <a:r>
-              <a:rPr lang="en-US" dirty="0" smtClean="0">
-                <a:hlinkClick r:id="rId3"/>
-              </a:rPr>
-              <a:t> and his brilliant blog</a:t>
-            </a:r>
-            <a:r>
-              <a:rPr lang="en-US" dirty="0" smtClean="0"/>
-              <a:t>. </a:t>
-            </a:r>
-            <a:r>
-              <a:rPr lang="en-US" b="1" dirty="0" smtClean="0"/>
-              <a:t>JMH is likely to be in sync with the latest Oracle JRE changes, which makes its results very reliable. “</a:t>
-            </a:r>
-            <a:endParaRPr lang="en-US" b="1" dirty="0"/>
+            <a:endParaRPr lang="en-US" dirty="0"/>
           </a:p>
         </p:txBody>
       </p:sp>
@@ -4130,7 +4499,7 @@
           <a:p>
             <a:fld id="{CFAD290B-5269-4E99-8A8A-8691B1EB0AE9}" type="slidenum">
               <a:rPr lang="en-US" smtClean="0"/>
-              <a:t>11</a:t>
+              <a:t>9</a:t>
             </a:fld>
             <a:endParaRPr lang="en-US"/>
           </a:p>
@@ -4139,7 +4508,7 @@
     </p:spTree>
     <p:extLst>
       <p:ext uri="{BB962C8B-B14F-4D97-AF65-F5344CB8AC3E}">
-        <p14:creationId xmlns:p14="http://schemas.microsoft.com/office/powerpoint/2010/main" val="1811639297"/>
+        <p14:creationId xmlns:p14="http://schemas.microsoft.com/office/powerpoint/2010/main" val="3521535832"/>
       </p:ext>
     </p:extLst>
   </p:cSld>
@@ -4280,7 +4649,7 @@
           <a:p>
             <a:fld id="{389CBC56-3CF8-4B9B-874C-BFFEBE1619EE}" type="datetimeFigureOut">
               <a:rPr lang="en-US" smtClean="0"/>
-              <a:t>2/3/2016</a:t>
+              <a:t>2/4/2016</a:t>
             </a:fld>
             <a:endParaRPr lang="en-US"/>
           </a:p>
@@ -4450,7 +4819,7 @@
           <a:p>
             <a:fld id="{389CBC56-3CF8-4B9B-874C-BFFEBE1619EE}" type="datetimeFigureOut">
               <a:rPr lang="en-US" smtClean="0"/>
-              <a:t>2/3/2016</a:t>
+              <a:t>2/4/2016</a:t>
             </a:fld>
             <a:endParaRPr lang="en-US"/>
           </a:p>
@@ -4630,7 +4999,7 @@
           <a:p>
             <a:fld id="{389CBC56-3CF8-4B9B-874C-BFFEBE1619EE}" type="datetimeFigureOut">
               <a:rPr lang="en-US" smtClean="0"/>
-              <a:t>2/3/2016</a:t>
+              <a:t>2/4/2016</a:t>
             </a:fld>
             <a:endParaRPr lang="en-US"/>
           </a:p>
@@ -4800,7 +5169,7 @@
           <a:p>
             <a:fld id="{389CBC56-3CF8-4B9B-874C-BFFEBE1619EE}" type="datetimeFigureOut">
               <a:rPr lang="en-US" smtClean="0"/>
-              <a:t>2/3/2016</a:t>
+              <a:t>2/4/2016</a:t>
             </a:fld>
             <a:endParaRPr lang="en-US"/>
           </a:p>
@@ -5046,7 +5415,7 @@
           <a:p>
             <a:fld id="{389CBC56-3CF8-4B9B-874C-BFFEBE1619EE}" type="datetimeFigureOut">
               <a:rPr lang="en-US" smtClean="0"/>
-              <a:t>2/3/2016</a:t>
+              <a:t>2/4/2016</a:t>
             </a:fld>
             <a:endParaRPr lang="en-US"/>
           </a:p>
@@ -5278,7 +5647,7 @@
           <a:p>
             <a:fld id="{389CBC56-3CF8-4B9B-874C-BFFEBE1619EE}" type="datetimeFigureOut">
               <a:rPr lang="en-US" smtClean="0"/>
-              <a:t>2/3/2016</a:t>
+              <a:t>2/4/2016</a:t>
             </a:fld>
             <a:endParaRPr lang="en-US"/>
           </a:p>
@@ -5645,7 +6014,7 @@
           <a:p>
             <a:fld id="{389CBC56-3CF8-4B9B-874C-BFFEBE1619EE}" type="datetimeFigureOut">
               <a:rPr lang="en-US" smtClean="0"/>
-              <a:t>2/3/2016</a:t>
+              <a:t>2/4/2016</a:t>
             </a:fld>
             <a:endParaRPr lang="en-US"/>
           </a:p>
@@ -5763,7 +6132,7 @@
           <a:p>
             <a:fld id="{389CBC56-3CF8-4B9B-874C-BFFEBE1619EE}" type="datetimeFigureOut">
               <a:rPr lang="en-US" smtClean="0"/>
-              <a:t>2/3/2016</a:t>
+              <a:t>2/4/2016</a:t>
             </a:fld>
             <a:endParaRPr lang="en-US"/>
           </a:p>
@@ -5858,7 +6227,7 @@
           <a:p>
             <a:fld id="{389CBC56-3CF8-4B9B-874C-BFFEBE1619EE}" type="datetimeFigureOut">
               <a:rPr lang="en-US" smtClean="0"/>
-              <a:t>2/3/2016</a:t>
+              <a:t>2/4/2016</a:t>
             </a:fld>
             <a:endParaRPr lang="en-US"/>
           </a:p>
@@ -6135,7 +6504,7 @@
           <a:p>
             <a:fld id="{389CBC56-3CF8-4B9B-874C-BFFEBE1619EE}" type="datetimeFigureOut">
               <a:rPr lang="en-US" smtClean="0"/>
-              <a:t>2/3/2016</a:t>
+              <a:t>2/4/2016</a:t>
             </a:fld>
             <a:endParaRPr lang="en-US"/>
           </a:p>
@@ -6388,7 +6757,7 @@
           <a:p>
             <a:fld id="{389CBC56-3CF8-4B9B-874C-BFFEBE1619EE}" type="datetimeFigureOut">
               <a:rPr lang="en-US" smtClean="0"/>
-              <a:t>2/3/2016</a:t>
+              <a:t>2/4/2016</a:t>
             </a:fld>
             <a:endParaRPr lang="en-US"/>
           </a:p>
@@ -6601,7 +6970,7 @@
           <a:p>
             <a:fld id="{389CBC56-3CF8-4B9B-874C-BFFEBE1619EE}" type="datetimeFigureOut">
               <a:rPr lang="en-US" smtClean="0"/>
-              <a:t>2/3/2016</a:t>
+              <a:t>2/4/2016</a:t>
             </a:fld>
             <a:endParaRPr lang="en-US"/>
           </a:p>
@@ -7025,11 +7394,7 @@
           <a:p>
             <a:r>
               <a:rPr lang="en-US" dirty="0" smtClean="0"/>
-              <a:t>An Introduction </a:t>
-            </a:r>
-            <a:r>
-              <a:rPr lang="en-US" dirty="0" smtClean="0"/>
-              <a:t>to </a:t>
+              <a:t>An Introduction to </a:t>
             </a:r>
             <a:r>
               <a:rPr lang="en-US" dirty="0" err="1" smtClean="0"/>
@@ -7037,11 +7402,7 @@
             </a:r>
             <a:r>
               <a:rPr lang="en-US" dirty="0" smtClean="0"/>
-              <a:t> </a:t>
-            </a:r>
-            <a:r>
-              <a:rPr lang="en-US" dirty="0" smtClean="0"/>
-              <a:t>with JMH</a:t>
+              <a:t> with JMH</a:t>
             </a:r>
             <a:endParaRPr lang="en-US" dirty="0"/>
           </a:p>
@@ -7129,12 +7490,8 @@
           <a:lstStyle/>
           <a:p>
             <a:r>
-              <a:rPr lang="en-US" dirty="0" smtClean="0"/>
-              <a:t>How to Write a Perfect </a:t>
-            </a:r>
-            <a:r>
               <a:rPr lang="en-US" dirty="0" err="1" smtClean="0"/>
-              <a:t>Microbenchmark</a:t>
+              <a:t>Deoptimization</a:t>
             </a:r>
             <a:endParaRPr lang="en-US" dirty="0"/>
           </a:p>
@@ -7155,53 +7512,66 @@
           <a:bodyPr/>
           <a:lstStyle/>
           <a:p>
-            <a:pPr marL="0" indent="0">
-              <a:buNone/>
-            </a:pPr>
-            <a:r>
-              <a:rPr lang="en-US" dirty="0" smtClean="0"/>
-              <a:t>First</a:t>
+            <a:r>
+              <a:rPr lang="en-US" dirty="0" smtClean="0"/>
+              <a:t>One example: </a:t>
+            </a:r>
+            <a:r>
+              <a:rPr lang="en-US" smtClean="0"/>
+              <a:t>Method Dispatch</a:t>
+            </a:r>
+          </a:p>
+          <a:p>
+            <a:r>
+              <a:rPr lang="en-US" dirty="0" smtClean="0"/>
+              <a:t>Monomorphic = 1</a:t>
+            </a:r>
+          </a:p>
+          <a:p>
+            <a:r>
+              <a:rPr lang="en-US" dirty="0" err="1" smtClean="0"/>
+              <a:t>Bimorphic</a:t>
+            </a:r>
+            <a:r>
+              <a:rPr lang="en-US" dirty="0" smtClean="0"/>
+              <a:t> = 2 </a:t>
+            </a:r>
+          </a:p>
+          <a:p>
+            <a:r>
+              <a:rPr lang="en-US" dirty="0" err="1" smtClean="0"/>
+              <a:t>Megamorphic</a:t>
+            </a:r>
+            <a:r>
+              <a:rPr lang="en-US" dirty="0" smtClean="0"/>
+              <a:t> = many</a:t>
+            </a:r>
+          </a:p>
+          <a:p>
+            <a:r>
+              <a:rPr lang="en-US" dirty="0" smtClean="0"/>
+              <a:t>Monomorphic faster than </a:t>
+            </a:r>
+            <a:r>
+              <a:rPr lang="en-US" dirty="0" err="1"/>
+              <a:t>Bimorphic</a:t>
             </a:r>
             <a:r>
               <a:rPr lang="en-US" dirty="0"/>
-              <a:t>, write a good optimizing </a:t>
-            </a:r>
-            <a:r>
-              <a:rPr lang="en-US" dirty="0" smtClean="0"/>
-              <a:t>JIT.  Meet </a:t>
-            </a:r>
-            <a:r>
-              <a:rPr lang="en-US" dirty="0"/>
-              <a:t>the people who have written other good, optimizing JITs (they're easy to find, because not too many good, optimizing JITs exist</a:t>
-            </a:r>
-            <a:r>
-              <a:rPr lang="en-US" dirty="0" smtClean="0"/>
-              <a:t>!).  Have </a:t>
-            </a:r>
-            <a:r>
-              <a:rPr lang="en-US" dirty="0"/>
-              <a:t>them over to </a:t>
-            </a:r>
-            <a:r>
-              <a:rPr lang="en-US" dirty="0" smtClean="0"/>
-              <a:t>dinner every week for a year, </a:t>
-            </a:r>
-            <a:r>
-              <a:rPr lang="en-US" dirty="0"/>
-              <a:t>and swap stories of performance tricks on how to run Java bytecode as fast as </a:t>
-            </a:r>
-            <a:r>
-              <a:rPr lang="en-US" dirty="0" smtClean="0"/>
-              <a:t>possible.  Read </a:t>
-            </a:r>
-            <a:r>
-              <a:rPr lang="en-US" dirty="0"/>
-              <a:t>the hundreds of papers on optimizing the execution of Java </a:t>
-            </a:r>
-            <a:r>
-              <a:rPr lang="en-US" dirty="0" smtClean="0"/>
-              <a:t>code.  Write a few papers of your own, get them published and peer reviewed.  Build a standardized, bare-bones test system running your own custom non-timesharing OS…</a:t>
-            </a:r>
+              <a:t> </a:t>
+            </a:r>
+            <a:r>
+              <a:rPr lang="en-US" dirty="0" smtClean="0"/>
+              <a:t>faster than </a:t>
+            </a:r>
+            <a:r>
+              <a:rPr lang="en-US" dirty="0" err="1" smtClean="0"/>
+              <a:t>Megamorphic</a:t>
+            </a:r>
+            <a:endParaRPr lang="en-US" dirty="0" smtClean="0"/>
+          </a:p>
+          <a:p>
+            <a:pPr lvl="1"/>
             <a:endParaRPr lang="en-US" dirty="0"/>
           </a:p>
         </p:txBody>
@@ -7209,20 +7579,13 @@
     </p:spTree>
     <p:extLst>
       <p:ext uri="{BB962C8B-B14F-4D97-AF65-F5344CB8AC3E}">
-        <p14:creationId xmlns:p14="http://schemas.microsoft.com/office/powerpoint/2010/main" val="1292544998"/>
+        <p14:creationId xmlns:p14="http://schemas.microsoft.com/office/powerpoint/2010/main" val="372572433"/>
       </p:ext>
     </p:extLst>
   </p:cSld>
   <p:clrMapOvr>
     <a:masterClrMapping/>
   </p:clrMapOvr>
-  <p:timing>
-    <p:tnLst>
-      <p:par>
-        <p:cTn id="1" dur="indefinite" restart="never" nodeType="tmRoot"/>
-      </p:par>
-    </p:tnLst>
-  </p:timing>
 </p:sld>
 </file>
 
@@ -7260,7 +7623,7 @@
           <a:p>
             <a:r>
               <a:rPr lang="en-US" dirty="0" smtClean="0"/>
-              <a:t>Enter JMH</a:t>
+              <a:t>Dead-Code Elimination</a:t>
             </a:r>
             <a:endParaRPr lang="en-US" dirty="0"/>
           </a:p>
@@ -7278,75 +7641,30 @@
         </p:nvSpPr>
         <p:spPr/>
         <p:txBody>
-          <a:bodyPr>
-            <a:normAutofit/>
-          </a:bodyPr>
-          <a:lstStyle/>
-          <a:p>
-            <a:r>
-              <a:rPr lang="en-US" dirty="0" smtClean="0">
-                <a:hlinkClick r:id="rId3"/>
-              </a:rPr>
-              <a:t>http://openjdk.java.net/projects/code-tools/jmh/</a:t>
-            </a:r>
-            <a:endParaRPr lang="en-US" dirty="0" smtClean="0"/>
-          </a:p>
-          <a:p>
-            <a:r>
-              <a:rPr lang="en-US" dirty="0" smtClean="0"/>
-              <a:t>Solid foundation for writing and running benchmarks whose results are “not always erroneous due to unwanted VM optimizations”</a:t>
+          <a:bodyPr/>
+          <a:lstStyle/>
+          <a:p>
+            <a:r>
+              <a:rPr lang="en-US" dirty="0" smtClean="0"/>
+              <a:t>JIT understands control flow </a:t>
+            </a:r>
+          </a:p>
+          <a:p>
+            <a:r>
+              <a:rPr lang="en-US" dirty="0"/>
+              <a:t>I</a:t>
+            </a:r>
+            <a:r>
+              <a:rPr lang="en-US" dirty="0" smtClean="0"/>
+              <a:t>f result is not used, it is not needed</a:t>
             </a:r>
           </a:p>
           <a:p>
             <a:pPr lvl="1"/>
             <a:r>
               <a:rPr lang="en-US" dirty="0" smtClean="0"/>
-              <a:t>Does not prevent all pitfalls, but can at least mitigate MOST of them</a:t>
-            </a:r>
-          </a:p>
-          <a:p>
-            <a:r>
-              <a:rPr lang="en-US" dirty="0" err="1" smtClean="0"/>
-              <a:t>OpenJDK</a:t>
-            </a:r>
-            <a:r>
-              <a:rPr lang="en-US" dirty="0" smtClean="0"/>
-              <a:t> project</a:t>
-            </a:r>
-          </a:p>
-          <a:p>
-            <a:pPr lvl="1"/>
-            <a:r>
-              <a:rPr lang="en-US" dirty="0"/>
-              <a:t>http://mvnrepository.com/artifact/org.openjdk.jmh/jmh-core</a:t>
-            </a:r>
-            <a:endParaRPr lang="en-US" dirty="0" smtClean="0"/>
-          </a:p>
-          <a:p>
-            <a:pPr lvl="1"/>
-            <a:r>
-              <a:rPr lang="en-US" dirty="0" smtClean="0"/>
-              <a:t>Active development (1.11.2 released October 2015)</a:t>
-            </a:r>
-          </a:p>
-          <a:p>
-            <a:pPr lvl="1"/>
-            <a:r>
-              <a:rPr lang="en-US" dirty="0" smtClean="0"/>
-              <a:t>Developed by same guys in Oracle who maintain the JIT</a:t>
-            </a:r>
-          </a:p>
-          <a:p>
-            <a:r>
-              <a:rPr lang="en-US" dirty="0" smtClean="0"/>
-              <a:t>Concurrent </a:t>
-            </a:r>
-            <a:r>
-              <a:rPr lang="en-US" dirty="0" smtClean="0"/>
-              <a:t>benchmarks</a:t>
-            </a:r>
-          </a:p>
-          <a:p>
+              <a:t>So why waste cycles computing it?</a:t>
+            </a:r>
             <a:endParaRPr lang="en-US" dirty="0"/>
           </a:p>
         </p:txBody>
@@ -7354,20 +7672,13 @@
     </p:spTree>
     <p:extLst>
       <p:ext uri="{BB962C8B-B14F-4D97-AF65-F5344CB8AC3E}">
-        <p14:creationId xmlns:p14="http://schemas.microsoft.com/office/powerpoint/2010/main" val="3033510852"/>
+        <p14:creationId xmlns:p14="http://schemas.microsoft.com/office/powerpoint/2010/main" val="948140637"/>
       </p:ext>
     </p:extLst>
   </p:cSld>
   <p:clrMapOvr>
     <a:masterClrMapping/>
   </p:clrMapOvr>
-  <p:timing>
-    <p:tnLst>
-      <p:par>
-        <p:cTn id="1" dur="indefinite" restart="never" nodeType="tmRoot"/>
-      </p:par>
-    </p:tnLst>
-  </p:timing>
 </p:sld>
 </file>
 
@@ -7405,7 +7716,7 @@
           <a:p>
             <a:r>
               <a:rPr lang="en-US" dirty="0" smtClean="0"/>
-              <a:t>JMH – How it Works</a:t>
+              <a:t>Constant Folding</a:t>
             </a:r>
             <a:endParaRPr lang="en-US" dirty="0"/>
           </a:p>
@@ -7426,27 +7737,45 @@
           <a:bodyPr/>
           <a:lstStyle/>
           <a:p>
-            <a:endParaRPr lang="en-US"/>
+            <a:r>
+              <a:rPr lang="en-US" dirty="0" smtClean="0"/>
+              <a:t>The compiler </a:t>
+            </a:r>
+            <a:r>
+              <a:rPr lang="en-US" dirty="0" err="1" smtClean="0"/>
+              <a:t>precalculates</a:t>
+            </a:r>
+            <a:r>
+              <a:rPr lang="en-US" dirty="0" smtClean="0"/>
+              <a:t> constant expressions at compile time</a:t>
+            </a:r>
+          </a:p>
+          <a:p>
+            <a:pPr lvl="1"/>
+            <a:r>
+              <a:rPr lang="en-US" dirty="0" smtClean="0"/>
+              <a:t>Can never change, so why spend (runtime) cycles computing it?</a:t>
+            </a:r>
+          </a:p>
+          <a:p>
+            <a:r>
+              <a:rPr lang="en-US" dirty="0" smtClean="0"/>
+              <a:t>Typically simple literals, but could also be variables whose values are never modified</a:t>
+            </a:r>
+            <a:endParaRPr lang="en-US" dirty="0"/>
           </a:p>
         </p:txBody>
       </p:sp>
     </p:spTree>
     <p:extLst>
       <p:ext uri="{BB962C8B-B14F-4D97-AF65-F5344CB8AC3E}">
-        <p14:creationId xmlns:p14="http://schemas.microsoft.com/office/powerpoint/2010/main" val="1717836692"/>
+        <p14:creationId xmlns:p14="http://schemas.microsoft.com/office/powerpoint/2010/main" val="2399775277"/>
       </p:ext>
     </p:extLst>
   </p:cSld>
   <p:clrMapOvr>
     <a:masterClrMapping/>
   </p:clrMapOvr>
-  <p:timing>
-    <p:tnLst>
-      <p:par>
-        <p:cTn id="1" dur="indefinite" restart="never" nodeType="tmRoot"/>
-      </p:par>
-    </p:tnLst>
-  </p:timing>
 </p:sld>
 </file>
 
@@ -7484,7 +7813,11 @@
           <a:p>
             <a:r>
               <a:rPr lang="en-US" dirty="0" smtClean="0"/>
-              <a:t>JMH – Setup</a:t>
+              <a:t>How to Write a Perfect </a:t>
+            </a:r>
+            <a:r>
+              <a:rPr lang="en-US" dirty="0" err="1" smtClean="0"/>
+              <a:t>Microbenchmark</a:t>
             </a:r>
             <a:endParaRPr lang="en-US" dirty="0"/>
           </a:p>
@@ -7502,139 +7835,76 @@
         </p:nvSpPr>
         <p:spPr/>
         <p:txBody>
-          <a:bodyPr>
-            <a:normAutofit fontScale="92500"/>
-          </a:bodyPr>
-          <a:lstStyle/>
-          <a:p>
-            <a:r>
-              <a:rPr lang="en-US" dirty="0" smtClean="0"/>
-              <a:t>Setup as a Maven project</a:t>
-            </a:r>
-          </a:p>
-          <a:p>
-            <a:pPr lvl="1"/>
-            <a:r>
-              <a:rPr lang="en-US" dirty="0" smtClean="0"/>
-              <a:t>“</a:t>
+          <a:bodyPr/>
+          <a:lstStyle/>
+          <a:p>
+            <a:pPr marL="0" indent="0">
+              <a:buNone/>
+            </a:pPr>
+            <a:r>
+              <a:rPr lang="en-US" dirty="0" smtClean="0"/>
+              <a:t>First</a:t>
             </a:r>
             <a:r>
               <a:rPr lang="en-US" dirty="0"/>
-              <a:t>The recommended way to run a JMH benchmark is to use </a:t>
-            </a:r>
-            <a:r>
-              <a:rPr lang="en-US" dirty="0">
-                <a:hlinkClick r:id="rId3"/>
-              </a:rPr>
-              <a:t>Maven</a:t>
+              <a:t>, write a good optimizing </a:t>
+            </a:r>
+            <a:r>
+              <a:rPr lang="en-US" dirty="0" smtClean="0"/>
+              <a:t>JIT.  Meet </a:t>
             </a:r>
             <a:r>
               <a:rPr lang="en-US" dirty="0"/>
-              <a:t> to setup a standalone project that depends on the jar files of your </a:t>
-            </a:r>
-            <a:r>
-              <a:rPr lang="en-US" dirty="0" smtClean="0"/>
-              <a:t>application”</a:t>
-            </a:r>
-          </a:p>
-          <a:p>
-            <a:r>
-              <a:rPr lang="en-US" dirty="0" smtClean="0"/>
-              <a:t>#$*@ Maven – use </a:t>
-            </a:r>
-            <a:r>
-              <a:rPr lang="en-US" dirty="0" err="1" smtClean="0"/>
-              <a:t>Gradle</a:t>
-            </a:r>
-            <a:r>
-              <a:rPr lang="en-US" dirty="0" smtClean="0"/>
-              <a:t> instead	</a:t>
-            </a:r>
-          </a:p>
-          <a:p>
-            <a:pPr lvl="1"/>
-            <a:r>
-              <a:rPr lang="en-US" dirty="0">
-                <a:hlinkClick r:id="rId4"/>
-              </a:rPr>
-              <a:t>https://</a:t>
-            </a:r>
-            <a:r>
-              <a:rPr lang="en-US" dirty="0" smtClean="0">
-                <a:hlinkClick r:id="rId4"/>
-              </a:rPr>
-              <a:t>github.com/melix/jmh-gradle-plugin</a:t>
-            </a:r>
-            <a:endParaRPr lang="en-US" dirty="0" smtClean="0"/>
-          </a:p>
-          <a:p>
-            <a:pPr lvl="1"/>
-            <a:r>
-              <a:rPr lang="en-US" dirty="0" smtClean="0"/>
-              <a:t>“The </a:t>
-            </a:r>
-            <a:r>
-              <a:rPr lang="en-US" dirty="0" err="1"/>
-              <a:t>jmh</a:t>
+              <a:t>the people who have written other good, optimizing JITs (they're easy to find, because not too many good, optimizing JITs exist</a:t>
+            </a:r>
+            <a:r>
+              <a:rPr lang="en-US" dirty="0" smtClean="0"/>
+              <a:t>!).  Have </a:t>
             </a:r>
             <a:r>
               <a:rPr lang="en-US" dirty="0"/>
-              <a:t> plugin makes it easy to test existing sources without having to create a separate project for this</a:t>
-            </a:r>
-            <a:r>
-              <a:rPr lang="en-US" dirty="0" smtClean="0"/>
-              <a:t>.”</a:t>
+              <a:t>them over to </a:t>
+            </a:r>
+            <a:r>
+              <a:rPr lang="en-US" dirty="0" smtClean="0"/>
+              <a:t>dinner every week for a year, </a:t>
+            </a:r>
+            <a:r>
+              <a:rPr lang="en-US" dirty="0"/>
+              <a:t>and swap stories of performance tricks on how to run Java bytecode as fast as </a:t>
+            </a:r>
+            <a:r>
+              <a:rPr lang="en-US" dirty="0" smtClean="0"/>
+              <a:t>possible.  </a:t>
+            </a:r>
+            <a:r>
+              <a:rPr lang="en-US" dirty="0" smtClean="0"/>
+              <a:t>Study the </a:t>
+            </a:r>
+            <a:r>
+              <a:rPr lang="en-US" dirty="0" smtClean="0"/>
+              <a:t>preconditions of each of the JIT’s optimization techniques and figure out how to avoid each one.  </a:t>
+            </a:r>
+            <a:r>
+              <a:rPr lang="en-US" dirty="0" smtClean="0"/>
+              <a:t>Read </a:t>
+            </a:r>
+            <a:r>
+              <a:rPr lang="en-US" dirty="0"/>
+              <a:t>the hundreds of papers on optimizing the execution of Java </a:t>
+            </a:r>
+            <a:r>
+              <a:rPr lang="en-US" dirty="0" smtClean="0"/>
+              <a:t>code.  Write a few papers of your own, get them published and peer reviewed.  Build a standardized, bare-bones test system running your own custom non-timesharing OS…</a:t>
             </a:r>
             <a:endParaRPr lang="en-US" dirty="0"/>
-          </a:p>
-          <a:p>
-            <a:r>
-              <a:rPr lang="en-US" dirty="0" smtClean="0"/>
-              <a:t>Runner project already setup – just add the code you want to benchmark</a:t>
-            </a:r>
-          </a:p>
-          <a:p>
-            <a:pPr lvl="1"/>
-            <a:r>
-              <a:rPr lang="en-US" dirty="0" smtClean="0"/>
-              <a:t>Type “</a:t>
-            </a:r>
-            <a:r>
-              <a:rPr lang="en-US" dirty="0" err="1" smtClean="0"/>
-              <a:t>gradle</a:t>
-            </a:r>
-            <a:r>
-              <a:rPr lang="en-US" dirty="0" smtClean="0"/>
-              <a:t> </a:t>
-            </a:r>
-            <a:r>
-              <a:rPr lang="en-US" dirty="0" err="1" smtClean="0"/>
-              <a:t>jmh</a:t>
-            </a:r>
-            <a:r>
-              <a:rPr lang="en-US" dirty="0" smtClean="0"/>
-              <a:t>” and then wait for results</a:t>
-            </a:r>
-          </a:p>
-          <a:p>
-            <a:r>
-              <a:rPr lang="en-US" dirty="0" smtClean="0"/>
-              <a:t>Possible to run within an existing project, within an IDE</a:t>
-            </a:r>
-          </a:p>
-          <a:p>
-            <a:pPr lvl="1"/>
-            <a:r>
-              <a:rPr lang="en-US" dirty="0" smtClean="0"/>
-              <a:t>Not recommended</a:t>
-            </a:r>
           </a:p>
         </p:txBody>
       </p:sp>
     </p:spTree>
     <p:extLst>
       <p:ext uri="{BB962C8B-B14F-4D97-AF65-F5344CB8AC3E}">
-        <p14:creationId xmlns:p14="http://schemas.microsoft.com/office/powerpoint/2010/main" val="3570349981"/>
+        <p14:creationId xmlns:p14="http://schemas.microsoft.com/office/powerpoint/2010/main" val="1292544998"/>
       </p:ext>
     </p:extLst>
   </p:cSld>
@@ -7684,116 +7954,98 @@
           <a:lstStyle/>
           <a:p>
             <a:r>
+              <a:rPr lang="en-US" dirty="0" smtClean="0"/>
+              <a:t>Enter JMH</a:t>
+            </a:r>
+            <a:endParaRPr lang="en-US" dirty="0"/>
+          </a:p>
+        </p:txBody>
+      </p:sp>
+      <p:sp>
+        <p:nvSpPr>
+          <p:cNvPr id="3" name="Content Placeholder 2"/>
+          <p:cNvSpPr>
+            <a:spLocks noGrp="1"/>
+          </p:cNvSpPr>
+          <p:nvPr>
+            <p:ph idx="1"/>
+          </p:nvPr>
+        </p:nvSpPr>
+        <p:spPr/>
+        <p:txBody>
+          <a:bodyPr>
+            <a:normAutofit/>
+          </a:bodyPr>
+          <a:lstStyle/>
+          <a:p>
+            <a:r>
+              <a:rPr lang="en-US" dirty="0" smtClean="0">
+                <a:hlinkClick r:id="rId3"/>
+              </a:rPr>
+              <a:t>http://openjdk.java.net/projects/code-tools/jmh/</a:t>
+            </a:r>
+            <a:endParaRPr lang="en-US" dirty="0" smtClean="0"/>
+          </a:p>
+          <a:p>
+            <a:r>
+              <a:rPr lang="en-US" dirty="0" smtClean="0"/>
+              <a:t>Solid foundation for writing and running benchmarks whose results are “not always erroneous due to unwanted VM optimizations”</a:t>
+            </a:r>
+          </a:p>
+          <a:p>
+            <a:pPr lvl="1"/>
+            <a:r>
+              <a:rPr lang="en-US" dirty="0" smtClean="0"/>
+              <a:t>Does not prevent all pitfalls, but can at least mitigate MOST of them</a:t>
+            </a:r>
+          </a:p>
+          <a:p>
+            <a:r>
+              <a:rPr lang="en-US" dirty="0" err="1" smtClean="0"/>
+              <a:t>OpenJDK</a:t>
+            </a:r>
+            <a:r>
+              <a:rPr lang="en-US" dirty="0" smtClean="0"/>
+              <a:t> project</a:t>
+            </a:r>
+          </a:p>
+          <a:p>
+            <a:pPr lvl="1"/>
+            <a:r>
               <a:rPr lang="en-US" dirty="0"/>
-              <a:t>JMH – </a:t>
-            </a:r>
-            <a:r>
-              <a:rPr lang="en-US" dirty="0" smtClean="0"/>
-              <a:t>Setup (2)</a:t>
-            </a:r>
+              <a:t>http://mvnrepository.com/artifact/org.openjdk.jmh/jmh-core</a:t>
+            </a:r>
+            <a:endParaRPr lang="en-US" dirty="0" smtClean="0"/>
+          </a:p>
+          <a:p>
+            <a:pPr lvl="1"/>
+            <a:r>
+              <a:rPr lang="en-US" dirty="0" smtClean="0"/>
+              <a:t>Active development (1.11.2 released October 2015)</a:t>
+            </a:r>
+          </a:p>
+          <a:p>
+            <a:pPr lvl="1"/>
+            <a:r>
+              <a:rPr lang="en-US" dirty="0" smtClean="0"/>
+              <a:t>Developed by same guys in Oracle who maintain the JIT</a:t>
+            </a:r>
+          </a:p>
+          <a:p>
+            <a:r>
+              <a:rPr lang="en-US" dirty="0" smtClean="0"/>
+              <a:t>Concurrent benchmarks</a:t>
+            </a:r>
+          </a:p>
+          <a:p>
             <a:endParaRPr lang="en-US" dirty="0"/>
-          </a:p>
-        </p:txBody>
-      </p:sp>
-      <p:sp>
-        <p:nvSpPr>
-          <p:cNvPr id="3" name="Content Placeholder 2"/>
-          <p:cNvSpPr>
-            <a:spLocks noGrp="1"/>
-          </p:cNvSpPr>
-          <p:nvPr>
-            <p:ph idx="1"/>
-          </p:nvPr>
-        </p:nvSpPr>
-        <p:spPr/>
-        <p:txBody>
-          <a:bodyPr/>
-          <a:lstStyle/>
-          <a:p>
-            <a:r>
-              <a:rPr lang="en-US" dirty="0" smtClean="0"/>
-              <a:t>Keep code and benchmarks separate</a:t>
-            </a:r>
-          </a:p>
-          <a:p>
-            <a:r>
-              <a:rPr lang="en-US" dirty="0" smtClean="0"/>
-              <a:t>In </a:t>
-            </a:r>
-            <a:r>
-              <a:rPr lang="en-US" dirty="0" err="1" smtClean="0"/>
-              <a:t>Gradle</a:t>
-            </a:r>
-            <a:r>
-              <a:rPr lang="en-US" dirty="0" smtClean="0"/>
-              <a:t>/Maven – split into 2 separate source trees</a:t>
-            </a:r>
-            <a:endParaRPr lang="en-US" dirty="0"/>
-          </a:p>
-          <a:p>
-            <a:pPr lvl="1"/>
-            <a:r>
-              <a:rPr lang="en-US" dirty="0"/>
-              <a:t>/</a:t>
-            </a:r>
-            <a:r>
-              <a:rPr lang="en-US" dirty="0" err="1" smtClean="0"/>
-              <a:t>src</a:t>
-            </a:r>
-            <a:r>
-              <a:rPr lang="en-US" dirty="0" smtClean="0"/>
-              <a:t>/main/java</a:t>
-            </a:r>
-          </a:p>
-          <a:p>
-            <a:pPr lvl="2"/>
-            <a:r>
-              <a:rPr lang="en-US" dirty="0" smtClean="0"/>
-              <a:t>Application code</a:t>
-            </a:r>
-          </a:p>
-          <a:p>
-            <a:pPr lvl="1"/>
-            <a:r>
-              <a:rPr lang="en-US" dirty="0" smtClean="0"/>
-              <a:t>/</a:t>
-            </a:r>
-            <a:r>
-              <a:rPr lang="en-US" dirty="0" err="1" smtClean="0"/>
-              <a:t>src</a:t>
-            </a:r>
-            <a:r>
-              <a:rPr lang="en-US" dirty="0" smtClean="0"/>
-              <a:t>/</a:t>
-            </a:r>
-            <a:r>
-              <a:rPr lang="en-US" dirty="0" err="1" smtClean="0"/>
-              <a:t>jmh</a:t>
-            </a:r>
-            <a:r>
-              <a:rPr lang="en-US" dirty="0" smtClean="0"/>
-              <a:t>/java</a:t>
-            </a:r>
-          </a:p>
-          <a:p>
-            <a:pPr lvl="2"/>
-            <a:r>
-              <a:rPr lang="en-US" dirty="0" smtClean="0"/>
-              <a:t>Benchmark code</a:t>
-            </a:r>
-          </a:p>
-          <a:p>
-            <a:r>
-              <a:rPr lang="en-US" dirty="0" smtClean="0"/>
-              <a:t>Or build a benchmark project which depends on your application jar(s)</a:t>
-            </a:r>
           </a:p>
         </p:txBody>
       </p:sp>
     </p:spTree>
     <p:extLst>
       <p:ext uri="{BB962C8B-B14F-4D97-AF65-F5344CB8AC3E}">
-        <p14:creationId xmlns:p14="http://schemas.microsoft.com/office/powerpoint/2010/main" val="324309615"/>
+        <p14:creationId xmlns:p14="http://schemas.microsoft.com/office/powerpoint/2010/main" val="3033510852"/>
       </p:ext>
     </p:extLst>
   </p:cSld>
@@ -7844,7 +8096,7 @@
           <a:p>
             <a:r>
               <a:rPr lang="en-US" dirty="0" smtClean="0"/>
-              <a:t>JMH – Defaults</a:t>
+              <a:t>JMH – How it Works</a:t>
             </a:r>
             <a:endParaRPr lang="en-US" dirty="0"/>
           </a:p>
@@ -7865,70 +8117,14 @@
           <a:bodyPr/>
           <a:lstStyle/>
           <a:p>
-            <a:r>
-              <a:rPr lang="en-US" dirty="0" smtClean="0"/>
-              <a:t>Each benchmark run 20 warm-up rounds (max 1 second each)</a:t>
-            </a:r>
-          </a:p>
-          <a:p>
-            <a:r>
-              <a:rPr lang="en-US" dirty="0" smtClean="0"/>
-              <a:t>Then 20 measurement rounds (max 1 second each)</a:t>
-            </a:r>
-          </a:p>
-          <a:p>
-            <a:r>
-              <a:rPr lang="en-US" dirty="0" smtClean="0"/>
-              <a:t>Launches a new JVM 10 times for running each benchmark</a:t>
-            </a:r>
-          </a:p>
-          <a:p>
-            <a:r>
-              <a:rPr lang="en-US" dirty="0" smtClean="0"/>
-              <a:t>Command line flags and source annotations can customize this per benchmark</a:t>
-            </a:r>
-          </a:p>
-          <a:p>
-            <a:pPr lvl="1"/>
-            <a:r>
-              <a:rPr lang="en-US" dirty="0" smtClean="0"/>
-              <a:t>Running through </a:t>
-            </a:r>
-            <a:r>
-              <a:rPr lang="en-US" dirty="0" err="1" smtClean="0"/>
-              <a:t>Gradle</a:t>
-            </a:r>
-            <a:r>
-              <a:rPr lang="en-US" dirty="0" smtClean="0"/>
-              <a:t> – configurable in build script</a:t>
-            </a:r>
-          </a:p>
-          <a:p>
-            <a:pPr lvl="1"/>
-            <a:r>
-              <a:rPr lang="en-US" dirty="0">
-                <a:hlinkClick r:id="rId3"/>
-              </a:rPr>
-              <a:t>https://</a:t>
-            </a:r>
-            <a:r>
-              <a:rPr lang="en-US" dirty="0" smtClean="0">
-                <a:hlinkClick r:id="rId3"/>
-              </a:rPr>
-              <a:t>github.com/melix/jmh-gradle-plugin#configuration-options</a:t>
-            </a:r>
-            <a:endParaRPr lang="en-US" dirty="0" smtClean="0"/>
-          </a:p>
-          <a:p>
-            <a:pPr lvl="1"/>
-            <a:endParaRPr lang="en-US" dirty="0"/>
+            <a:endParaRPr lang="en-US"/>
           </a:p>
         </p:txBody>
       </p:sp>
     </p:spTree>
     <p:extLst>
       <p:ext uri="{BB962C8B-B14F-4D97-AF65-F5344CB8AC3E}">
-        <p14:creationId xmlns:p14="http://schemas.microsoft.com/office/powerpoint/2010/main" val="2162986850"/>
+        <p14:creationId xmlns:p14="http://schemas.microsoft.com/office/powerpoint/2010/main" val="1717836692"/>
       </p:ext>
     </p:extLst>
   </p:cSld>
@@ -7979,7 +8175,7 @@
           <a:p>
             <a:r>
               <a:rPr lang="en-US" dirty="0" smtClean="0"/>
-              <a:t>JMH – Hello World</a:t>
+              <a:t>JMH – Setup</a:t>
             </a:r>
             <a:endParaRPr lang="en-US" dirty="0"/>
           </a:p>
@@ -7997,18 +8193,110 @@
         </p:nvSpPr>
         <p:spPr/>
         <p:txBody>
-          <a:bodyPr/>
-          <a:lstStyle/>
-          <a:p>
-            <a:r>
-              <a:rPr lang="en-US" dirty="0" smtClean="0"/>
-              <a:t>JMH-Runner project is self-contained example</a:t>
-            </a:r>
-          </a:p>
-          <a:p>
-            <a:r>
-              <a:rPr lang="en-US" dirty="0" smtClean="0"/>
-              <a:t>Output in build/reports/</a:t>
+          <a:bodyPr>
+            <a:normAutofit fontScale="92500"/>
+          </a:bodyPr>
+          <a:lstStyle/>
+          <a:p>
+            <a:r>
+              <a:rPr lang="en-US" dirty="0" smtClean="0"/>
+              <a:t>Setup as a Maven project</a:t>
+            </a:r>
+          </a:p>
+          <a:p>
+            <a:pPr lvl="1"/>
+            <a:r>
+              <a:rPr lang="en-US" dirty="0" smtClean="0"/>
+              <a:t>“</a:t>
+            </a:r>
+            <a:r>
+              <a:rPr lang="en-US" dirty="0"/>
+              <a:t>The recommended way to run a JMH benchmark is to use </a:t>
+            </a:r>
+            <a:r>
+              <a:rPr lang="en-US" dirty="0">
+                <a:hlinkClick r:id="rId3"/>
+              </a:rPr>
+              <a:t>Maven</a:t>
+            </a:r>
+            <a:r>
+              <a:rPr lang="en-US" dirty="0"/>
+              <a:t> to setup a standalone project that depends on the jar files of your </a:t>
+            </a:r>
+            <a:r>
+              <a:rPr lang="en-US" dirty="0" smtClean="0"/>
+              <a:t>application”</a:t>
+            </a:r>
+          </a:p>
+          <a:p>
+            <a:r>
+              <a:rPr lang="en-US" dirty="0" smtClean="0"/>
+              <a:t>#$*@ Maven – use </a:t>
+            </a:r>
+            <a:r>
+              <a:rPr lang="en-US" dirty="0" err="1" smtClean="0"/>
+              <a:t>Gradle</a:t>
+            </a:r>
+            <a:r>
+              <a:rPr lang="en-US" dirty="0" smtClean="0"/>
+              <a:t> instead	</a:t>
+            </a:r>
+          </a:p>
+          <a:p>
+            <a:pPr lvl="1"/>
+            <a:r>
+              <a:rPr lang="en-US" dirty="0">
+                <a:hlinkClick r:id="rId4"/>
+              </a:rPr>
+              <a:t>https://</a:t>
+            </a:r>
+            <a:r>
+              <a:rPr lang="en-US" dirty="0" smtClean="0">
+                <a:hlinkClick r:id="rId4"/>
+              </a:rPr>
+              <a:t>github.com/melix/jmh-gradle-plugin</a:t>
+            </a:r>
+            <a:endParaRPr lang="en-US" dirty="0" smtClean="0"/>
+          </a:p>
+          <a:p>
+            <a:pPr lvl="1"/>
+            <a:r>
+              <a:rPr lang="en-US" dirty="0" smtClean="0"/>
+              <a:t>“The </a:t>
+            </a:r>
+            <a:r>
+              <a:rPr lang="en-US" dirty="0" err="1"/>
+              <a:t>jmh</a:t>
+            </a:r>
+            <a:r>
+              <a:rPr lang="en-US" dirty="0"/>
+              <a:t> plugin makes it easy to test existing sources without having to create a separate project for this</a:t>
+            </a:r>
+            <a:r>
+              <a:rPr lang="en-US" dirty="0" smtClean="0"/>
+              <a:t>.”</a:t>
+            </a:r>
+            <a:endParaRPr lang="en-US" dirty="0"/>
+          </a:p>
+          <a:p>
+            <a:r>
+              <a:rPr lang="en-US" dirty="0" smtClean="0"/>
+              <a:t>Runner project already setup – just add the code you want to benchmark</a:t>
+            </a:r>
+          </a:p>
+          <a:p>
+            <a:pPr lvl="1"/>
+            <a:r>
+              <a:rPr lang="en-US" dirty="0" smtClean="0"/>
+              <a:t>Type “</a:t>
+            </a:r>
+            <a:r>
+              <a:rPr lang="en-US" dirty="0" err="1" smtClean="0"/>
+              <a:t>gradle</a:t>
+            </a:r>
+            <a:r>
+              <a:rPr lang="en-US" dirty="0" smtClean="0"/>
+              <a:t> </a:t>
             </a:r>
             <a:r>
               <a:rPr lang="en-US" dirty="0" err="1" smtClean="0"/>
@@ -8016,16 +8304,28 @@
             </a:r>
             <a:r>
               <a:rPr lang="en-US" dirty="0" smtClean="0"/>
-              <a:t>/human.txt</a:t>
-            </a:r>
-            <a:endParaRPr lang="en-US" dirty="0"/>
+              <a:t>” and then wait for results</a:t>
+            </a:r>
+          </a:p>
+          <a:p>
+            <a:r>
+              <a:rPr lang="en-US" dirty="0" smtClean="0"/>
+              <a:t>Possible to run within an existing project, within an IDE</a:t>
+            </a:r>
+          </a:p>
+          <a:p>
+            <a:pPr lvl="1"/>
+            <a:r>
+              <a:rPr lang="en-US" dirty="0" smtClean="0"/>
+              <a:t>Not recommended</a:t>
+            </a:r>
           </a:p>
         </p:txBody>
       </p:sp>
     </p:spTree>
     <p:extLst>
       <p:ext uri="{BB962C8B-B14F-4D97-AF65-F5344CB8AC3E}">
-        <p14:creationId xmlns:p14="http://schemas.microsoft.com/office/powerpoint/2010/main" val="1353279716"/>
+        <p14:creationId xmlns:p14="http://schemas.microsoft.com/office/powerpoint/2010/main" val="3570349981"/>
       </p:ext>
     </p:extLst>
   </p:cSld>
@@ -8075,8 +8375,12 @@
           <a:lstStyle/>
           <a:p>
             <a:r>
-              <a:rPr lang="en-US" dirty="0" smtClean="0"/>
-              <a:t>Sample JMH Output</a:t>
+              <a:rPr lang="en-US" dirty="0"/>
+              <a:t>JMH – </a:t>
+            </a:r>
+            <a:r>
+              <a:rPr lang="en-US" dirty="0" smtClean="0"/>
+              <a:t>Setup (2)</a:t>
             </a:r>
             <a:endParaRPr lang="en-US" dirty="0"/>
           </a:p>
@@ -8094,113 +8398,93 @@
         </p:nvSpPr>
         <p:spPr/>
         <p:txBody>
-          <a:bodyPr>
-            <a:normAutofit fontScale="92500" lnSpcReduction="20000"/>
-          </a:bodyPr>
-          <a:lstStyle/>
-          <a:p>
-            <a:r>
-              <a:rPr lang="en-US" dirty="0" smtClean="0"/>
-              <a:t>doc\sample-human.txt</a:t>
-            </a:r>
-          </a:p>
-          <a:p>
-            <a:r>
-              <a:rPr lang="en-US" dirty="0" smtClean="0"/>
-              <a:t>Configuration Info</a:t>
-            </a:r>
+          <a:bodyPr/>
+          <a:lstStyle/>
+          <a:p>
+            <a:r>
+              <a:rPr lang="en-US" dirty="0" smtClean="0"/>
+              <a:t>Keep code and benchmarks separate</a:t>
+            </a:r>
+          </a:p>
+          <a:p>
+            <a:r>
+              <a:rPr lang="en-US" dirty="0" smtClean="0"/>
+              <a:t>In </a:t>
+            </a:r>
+            <a:r>
+              <a:rPr lang="en-US" dirty="0" err="1" smtClean="0"/>
+              <a:t>Gradle</a:t>
+            </a:r>
+            <a:r>
+              <a:rPr lang="en-US" dirty="0" smtClean="0"/>
+              <a:t>/Maven – split into 2 separate source trees</a:t>
+            </a:r>
+            <a:endParaRPr lang="en-US" dirty="0"/>
           </a:p>
           <a:p>
             <a:pPr lvl="1"/>
             <a:r>
-              <a:rPr lang="en-US" dirty="0" smtClean="0"/>
-              <a:t>JMH, JVM version</a:t>
+              <a:rPr lang="en-US" dirty="0"/>
+              <a:t>/</a:t>
+            </a:r>
+            <a:r>
+              <a:rPr lang="en-US" dirty="0" err="1" smtClean="0"/>
+              <a:t>src</a:t>
+            </a:r>
+            <a:r>
+              <a:rPr lang="en-US" dirty="0" smtClean="0"/>
+              <a:t>/main/java</a:t>
+            </a:r>
+          </a:p>
+          <a:p>
+            <a:pPr lvl="2"/>
+            <a:r>
+              <a:rPr lang="en-US" dirty="0" smtClean="0"/>
+              <a:t>Application code</a:t>
             </a:r>
           </a:p>
           <a:p>
             <a:pPr lvl="1"/>
             <a:r>
               <a:rPr lang="en-US" dirty="0" smtClean="0"/>
-              <a:t>JVM Configuration</a:t>
-            </a:r>
-          </a:p>
-          <a:p>
-            <a:pPr lvl="1"/>
-            <a:r>
-              <a:rPr lang="en-US" dirty="0" smtClean="0"/>
-              <a:t>JMH Configuration</a:t>
-            </a:r>
-          </a:p>
-          <a:p>
-            <a:r>
-              <a:rPr lang="en-US" dirty="0" smtClean="0"/>
-              <a:t>Profiling Results</a:t>
-            </a:r>
-          </a:p>
-          <a:p>
-            <a:pPr lvl="1"/>
-            <a:r>
-              <a:rPr lang="en-US" dirty="0" smtClean="0"/>
-              <a:t>Operations / second (default output mode) </a:t>
-            </a:r>
-          </a:p>
-          <a:p>
-            <a:pPr lvl="1"/>
-            <a:r>
-              <a:rPr lang="en-US" dirty="0" smtClean="0"/>
-              <a:t>Computed statistics (min, </a:t>
+              <a:t>/</a:t>
             </a:r>
             <a:r>
               <a:rPr lang="en-US" dirty="0" err="1" smtClean="0"/>
-              <a:t>avg</a:t>
-            </a:r>
-            <a:r>
-              <a:rPr lang="en-US" dirty="0" smtClean="0"/>
-              <a:t>, max, </a:t>
+              <a:t>src</a:t>
+            </a:r>
+            <a:r>
+              <a:rPr lang="en-US" dirty="0" smtClean="0"/>
+              <a:t>/</a:t>
             </a:r>
             <a:r>
               <a:rPr lang="en-US" dirty="0" err="1" smtClean="0"/>
-              <a:t>stdev</a:t>
-            </a:r>
-            <a:r>
-              <a:rPr lang="en-US" dirty="0" smtClean="0"/>
-              <a:t>, confidence interval)</a:t>
-            </a:r>
-          </a:p>
-          <a:p>
-            <a:r>
-              <a:rPr lang="en-US" dirty="0" smtClean="0"/>
-              <a:t>What’s missing?</a:t>
-            </a:r>
-          </a:p>
-          <a:p>
-            <a:pPr lvl="1"/>
-            <a:r>
-              <a:rPr lang="en-US" dirty="0" smtClean="0"/>
-              <a:t>OS</a:t>
-            </a:r>
-          </a:p>
-          <a:p>
-            <a:pPr lvl="1"/>
-            <a:r>
-              <a:rPr lang="en-US" dirty="0" smtClean="0"/>
-              <a:t>Hardware</a:t>
-            </a:r>
-          </a:p>
-          <a:p>
-            <a:pPr lvl="1"/>
-            <a:r>
-              <a:rPr lang="en-US" dirty="0" smtClean="0"/>
-              <a:t>System Load</a:t>
-            </a:r>
-            <a:endParaRPr lang="en-US" dirty="0"/>
+              <a:t>jmh</a:t>
+            </a:r>
+            <a:r>
+              <a:rPr lang="en-US" dirty="0" smtClean="0"/>
+              <a:t>/java</a:t>
+            </a:r>
+          </a:p>
+          <a:p>
+            <a:pPr lvl="2"/>
+            <a:r>
+              <a:rPr lang="en-US" dirty="0" smtClean="0"/>
+              <a:t>Benchmark code</a:t>
+            </a:r>
+          </a:p>
+          <a:p>
+            <a:r>
+              <a:rPr lang="en-US" dirty="0" smtClean="0"/>
+              <a:t>Or build a benchmark project which depends on your application jar(s)</a:t>
+            </a:r>
           </a:p>
         </p:txBody>
       </p:sp>
     </p:spTree>
     <p:extLst>
       <p:ext uri="{BB962C8B-B14F-4D97-AF65-F5344CB8AC3E}">
-        <p14:creationId xmlns:p14="http://schemas.microsoft.com/office/powerpoint/2010/main" val="3822949413"/>
+        <p14:creationId xmlns:p14="http://schemas.microsoft.com/office/powerpoint/2010/main" val="324309615"/>
       </p:ext>
     </p:extLst>
   </p:cSld>
@@ -8251,7 +8535,7 @@
           <a:p>
             <a:r>
               <a:rPr lang="en-US" dirty="0" smtClean="0"/>
-              <a:t>Setting JVM/JMH Configuration </a:t>
+              <a:t>JMH – Defaults</a:t>
             </a:r>
             <a:endParaRPr lang="en-US" dirty="0"/>
           </a:p>
@@ -8274,51 +8558,60 @@
           <a:p>
             <a:r>
               <a:rPr lang="en-US" dirty="0" smtClean="0"/>
-              <a:t>Like many annotations – most specific wins</a:t>
+              <a:t>Each benchmark run 20 warm-up rounds (max 1 second each)</a:t>
+            </a:r>
+          </a:p>
+          <a:p>
+            <a:r>
+              <a:rPr lang="en-US" dirty="0" smtClean="0"/>
+              <a:t>Then 20 measurement rounds (max 1 second each)</a:t>
+            </a:r>
+          </a:p>
+          <a:p>
+            <a:r>
+              <a:rPr lang="en-US" dirty="0" smtClean="0"/>
+              <a:t>Launches a new JVM 10 times for running each benchmark</a:t>
+            </a:r>
+          </a:p>
+          <a:p>
+            <a:r>
+              <a:rPr lang="en-US" dirty="0" smtClean="0"/>
+              <a:t>Command line flags and source annotations can customize this per benchmark</a:t>
             </a:r>
           </a:p>
           <a:p>
             <a:pPr lvl="1"/>
             <a:r>
               <a:rPr lang="en-US" dirty="0" smtClean="0"/>
-              <a:t>Defaults in </a:t>
+              <a:t>Running through </a:t>
             </a:r>
             <a:r>
               <a:rPr lang="en-US" dirty="0" err="1" smtClean="0"/>
-              <a:t>build.gradle</a:t>
-            </a:r>
-            <a:r>
-              <a:rPr lang="en-US" dirty="0" smtClean="0"/>
-              <a:t> file for all </a:t>
-            </a:r>
-            <a:r>
-              <a:rPr lang="en-US" dirty="0" err="1" smtClean="0"/>
-              <a:t>jmh</a:t>
-            </a:r>
-            <a:r>
-              <a:rPr lang="en-US" dirty="0" smtClean="0"/>
-              <a:t> benchmarks</a:t>
+              <a:t>Gradle</a:t>
+            </a:r>
+            <a:r>
+              <a:rPr lang="en-US" dirty="0" smtClean="0"/>
+              <a:t> – configurable in build script</a:t>
             </a:r>
           </a:p>
           <a:p>
             <a:pPr lvl="1"/>
             <a:r>
-              <a:rPr lang="en-US" dirty="0" smtClean="0"/>
-              <a:t>Override at class level (benchmark class) with JMH annotations</a:t>
-            </a:r>
+              <a:rPr lang="en-US" dirty="0">
+                <a:hlinkClick r:id="rId3"/>
+              </a:rPr>
+              <a:t>https://</a:t>
+            </a:r>
+            <a:r>
+              <a:rPr lang="en-US" dirty="0" smtClean="0">
+                <a:hlinkClick r:id="rId3"/>
+              </a:rPr>
+              <a:t>github.com/melix/jmh-gradle-plugin#configuration-options</a:t>
+            </a:r>
+            <a:endParaRPr lang="en-US" dirty="0" smtClean="0"/>
           </a:p>
           <a:p>
             <a:pPr lvl="1"/>
-            <a:r>
-              <a:rPr lang="en-US" dirty="0" smtClean="0"/>
-              <a:t>Override at method level (@Benchmark method) with other JMH annotations</a:t>
-            </a:r>
-          </a:p>
-          <a:p>
-            <a:r>
-              <a:rPr lang="en-US" dirty="0" smtClean="0"/>
-              <a:t>Both JMH and many relevant JVM options</a:t>
-            </a:r>
             <a:endParaRPr lang="en-US" dirty="0"/>
           </a:p>
         </p:txBody>
@@ -8326,7 +8619,7 @@
     </p:spTree>
     <p:extLst>
       <p:ext uri="{BB962C8B-B14F-4D97-AF65-F5344CB8AC3E}">
-        <p14:creationId xmlns:p14="http://schemas.microsoft.com/office/powerpoint/2010/main" val="1241904274"/>
+        <p14:creationId xmlns:p14="http://schemas.microsoft.com/office/powerpoint/2010/main" val="2162986850"/>
       </p:ext>
     </p:extLst>
   </p:cSld>
@@ -8377,7 +8670,7 @@
           <a:p>
             <a:r>
               <a:rPr lang="en-US" dirty="0" smtClean="0"/>
-              <a:t>Demo 1</a:t>
+              <a:t>JMH – Hello World</a:t>
             </a:r>
             <a:endParaRPr lang="en-US" dirty="0"/>
           </a:p>
@@ -8400,62 +8693,30 @@
           <a:p>
             <a:r>
               <a:rPr lang="en-US" dirty="0" smtClean="0"/>
-              <a:t>Goal – measure the cost of an addition</a:t>
-            </a:r>
-          </a:p>
-          <a:p>
-            <a:r>
-              <a:rPr lang="en-US" dirty="0" smtClean="0"/>
-              <a:t>Baseline method – cost</a:t>
-            </a:r>
-            <a:r>
-              <a:rPr lang="en-US" dirty="0"/>
-              <a:t> </a:t>
-            </a:r>
-            <a:r>
-              <a:rPr lang="en-US" dirty="0" smtClean="0"/>
-              <a:t>of a method call doing everything EXCEPT the addition</a:t>
-            </a:r>
-          </a:p>
-          <a:p>
-            <a:r>
-              <a:rPr lang="en-US" dirty="0" smtClean="0"/>
-              <a:t>Returning values from @Benchmark methods is important</a:t>
-            </a:r>
-          </a:p>
-          <a:p>
-            <a:pPr lvl="1"/>
-            <a:r>
-              <a:rPr lang="en-US" dirty="0" smtClean="0"/>
-              <a:t>Without it VM is very likely to optimize away the method calls completely</a:t>
-            </a:r>
-          </a:p>
-          <a:p>
-            <a:r>
-              <a:rPr lang="en-US" dirty="0" smtClean="0"/>
-              <a:t>Configuring benchmarks via annotations rather than </a:t>
+              <a:t>JMH-Runner project is self-contained example</a:t>
+            </a:r>
+          </a:p>
+          <a:p>
+            <a:r>
+              <a:rPr lang="en-US" dirty="0" smtClean="0"/>
+              <a:t>Output in build/reports/</a:t>
             </a:r>
             <a:r>
               <a:rPr lang="en-US" dirty="0" err="1" smtClean="0"/>
-              <a:t>Gradle</a:t>
-            </a:r>
-            <a:r>
-              <a:rPr lang="en-US" dirty="0" smtClean="0"/>
-              <a:t> properties</a:t>
-            </a:r>
-          </a:p>
-          <a:p>
-            <a:r>
-              <a:rPr lang="en-US" dirty="0" smtClean="0"/>
-              <a:t>The @State annotation tells JMH to keep x and y thread-scoped (more on this later)</a:t>
-            </a:r>
+              <a:t>jmh</a:t>
+            </a:r>
+            <a:r>
+              <a:rPr lang="en-US" dirty="0" smtClean="0"/>
+              <a:t>/human.txt</a:t>
+            </a:r>
+            <a:endParaRPr lang="en-US" dirty="0"/>
           </a:p>
         </p:txBody>
       </p:sp>
     </p:spTree>
     <p:extLst>
       <p:ext uri="{BB962C8B-B14F-4D97-AF65-F5344CB8AC3E}">
-        <p14:creationId xmlns:p14="http://schemas.microsoft.com/office/powerpoint/2010/main" val="2727199964"/>
+        <p14:creationId xmlns:p14="http://schemas.microsoft.com/office/powerpoint/2010/main" val="1353279716"/>
       </p:ext>
     </p:extLst>
   </p:cSld>
@@ -8647,6 +8908,436 @@
           <a:p>
             <a:r>
               <a:rPr lang="en-US" dirty="0" smtClean="0"/>
+              <a:t>Sample JMH Output</a:t>
+            </a:r>
+            <a:endParaRPr lang="en-US" dirty="0"/>
+          </a:p>
+        </p:txBody>
+      </p:sp>
+      <p:sp>
+        <p:nvSpPr>
+          <p:cNvPr id="3" name="Content Placeholder 2"/>
+          <p:cNvSpPr>
+            <a:spLocks noGrp="1"/>
+          </p:cNvSpPr>
+          <p:nvPr>
+            <p:ph idx="1"/>
+          </p:nvPr>
+        </p:nvSpPr>
+        <p:spPr/>
+        <p:txBody>
+          <a:bodyPr>
+            <a:normAutofit fontScale="92500" lnSpcReduction="20000"/>
+          </a:bodyPr>
+          <a:lstStyle/>
+          <a:p>
+            <a:r>
+              <a:rPr lang="en-US" dirty="0" smtClean="0"/>
+              <a:t>doc\sample-human.txt</a:t>
+            </a:r>
+          </a:p>
+          <a:p>
+            <a:r>
+              <a:rPr lang="en-US" dirty="0" smtClean="0"/>
+              <a:t>Configuration Info</a:t>
+            </a:r>
+          </a:p>
+          <a:p>
+            <a:pPr lvl="1"/>
+            <a:r>
+              <a:rPr lang="en-US" dirty="0" smtClean="0"/>
+              <a:t>JMH, JVM version</a:t>
+            </a:r>
+          </a:p>
+          <a:p>
+            <a:pPr lvl="1"/>
+            <a:r>
+              <a:rPr lang="en-US" dirty="0" smtClean="0"/>
+              <a:t>JVM Configuration</a:t>
+            </a:r>
+          </a:p>
+          <a:p>
+            <a:pPr lvl="1"/>
+            <a:r>
+              <a:rPr lang="en-US" dirty="0" smtClean="0"/>
+              <a:t>JMH Configuration</a:t>
+            </a:r>
+          </a:p>
+          <a:p>
+            <a:r>
+              <a:rPr lang="en-US" dirty="0" smtClean="0"/>
+              <a:t>Profiling Results</a:t>
+            </a:r>
+          </a:p>
+          <a:p>
+            <a:pPr lvl="1"/>
+            <a:r>
+              <a:rPr lang="en-US" dirty="0" smtClean="0"/>
+              <a:t>Operations / second (default output mode) </a:t>
+            </a:r>
+          </a:p>
+          <a:p>
+            <a:pPr lvl="1"/>
+            <a:r>
+              <a:rPr lang="en-US" dirty="0" smtClean="0"/>
+              <a:t>Computed statistics (min, </a:t>
+            </a:r>
+            <a:r>
+              <a:rPr lang="en-US" dirty="0" err="1" smtClean="0"/>
+              <a:t>avg</a:t>
+            </a:r>
+            <a:r>
+              <a:rPr lang="en-US" dirty="0" smtClean="0"/>
+              <a:t>, max, </a:t>
+            </a:r>
+            <a:r>
+              <a:rPr lang="en-US" dirty="0" err="1" smtClean="0"/>
+              <a:t>stdev</a:t>
+            </a:r>
+            <a:r>
+              <a:rPr lang="en-US" dirty="0" smtClean="0"/>
+              <a:t>, confidence interval)</a:t>
+            </a:r>
+          </a:p>
+          <a:p>
+            <a:r>
+              <a:rPr lang="en-US" dirty="0" smtClean="0"/>
+              <a:t>What’s missing?</a:t>
+            </a:r>
+          </a:p>
+          <a:p>
+            <a:pPr lvl="1"/>
+            <a:r>
+              <a:rPr lang="en-US" dirty="0" smtClean="0"/>
+              <a:t>OS</a:t>
+            </a:r>
+          </a:p>
+          <a:p>
+            <a:pPr lvl="1"/>
+            <a:r>
+              <a:rPr lang="en-US" dirty="0" smtClean="0"/>
+              <a:t>Hardware</a:t>
+            </a:r>
+          </a:p>
+          <a:p>
+            <a:pPr lvl="1"/>
+            <a:r>
+              <a:rPr lang="en-US" dirty="0" smtClean="0"/>
+              <a:t>System Load</a:t>
+            </a:r>
+            <a:endParaRPr lang="en-US" dirty="0"/>
+          </a:p>
+        </p:txBody>
+      </p:sp>
+    </p:spTree>
+    <p:extLst>
+      <p:ext uri="{BB962C8B-B14F-4D97-AF65-F5344CB8AC3E}">
+        <p14:creationId xmlns:p14="http://schemas.microsoft.com/office/powerpoint/2010/main" val="3822949413"/>
+      </p:ext>
+    </p:extLst>
+  </p:cSld>
+  <p:clrMapOvr>
+    <a:masterClrMapping/>
+  </p:clrMapOvr>
+  <p:timing>
+    <p:tnLst>
+      <p:par>
+        <p:cTn id="1" dur="indefinite" restart="never" nodeType="tmRoot"/>
+      </p:par>
+    </p:tnLst>
+  </p:timing>
+</p:sld>
+</file>
+
+<file path=ppt/slides/slide21.xml><?xml version="1.0" encoding="utf-8"?>
+<p:sld xmlns:a="http://schemas.openxmlformats.org/drawingml/2006/main" xmlns:r="http://schemas.openxmlformats.org/officeDocument/2006/relationships" xmlns:p="http://schemas.openxmlformats.org/presentationml/2006/main">
+  <p:cSld>
+    <p:spTree>
+      <p:nvGrpSpPr>
+        <p:cNvPr id="1" name=""/>
+        <p:cNvGrpSpPr/>
+        <p:nvPr/>
+      </p:nvGrpSpPr>
+      <p:grpSpPr>
+        <a:xfrm>
+          <a:off x="0" y="0"/>
+          <a:ext cx="0" cy="0"/>
+          <a:chOff x="0" y="0"/>
+          <a:chExt cx="0" cy="0"/>
+        </a:xfrm>
+      </p:grpSpPr>
+      <p:sp>
+        <p:nvSpPr>
+          <p:cNvPr id="2" name="Title 1"/>
+          <p:cNvSpPr>
+            <a:spLocks noGrp="1"/>
+          </p:cNvSpPr>
+          <p:nvPr>
+            <p:ph type="title"/>
+          </p:nvPr>
+        </p:nvSpPr>
+        <p:spPr/>
+        <p:txBody>
+          <a:bodyPr/>
+          <a:lstStyle/>
+          <a:p>
+            <a:r>
+              <a:rPr lang="en-US" dirty="0" smtClean="0"/>
+              <a:t>Setting JVM/JMH Configuration </a:t>
+            </a:r>
+            <a:endParaRPr lang="en-US" dirty="0"/>
+          </a:p>
+        </p:txBody>
+      </p:sp>
+      <p:sp>
+        <p:nvSpPr>
+          <p:cNvPr id="3" name="Content Placeholder 2"/>
+          <p:cNvSpPr>
+            <a:spLocks noGrp="1"/>
+          </p:cNvSpPr>
+          <p:nvPr>
+            <p:ph idx="1"/>
+          </p:nvPr>
+        </p:nvSpPr>
+        <p:spPr/>
+        <p:txBody>
+          <a:bodyPr/>
+          <a:lstStyle/>
+          <a:p>
+            <a:r>
+              <a:rPr lang="en-US" dirty="0" smtClean="0"/>
+              <a:t>Like many annotations – most specific wins</a:t>
+            </a:r>
+          </a:p>
+          <a:p>
+            <a:pPr lvl="1"/>
+            <a:r>
+              <a:rPr lang="en-US" dirty="0" smtClean="0"/>
+              <a:t>Defaults in </a:t>
+            </a:r>
+            <a:r>
+              <a:rPr lang="en-US" dirty="0" err="1" smtClean="0"/>
+              <a:t>build.gradle</a:t>
+            </a:r>
+            <a:r>
+              <a:rPr lang="en-US" dirty="0" smtClean="0"/>
+              <a:t> file for all </a:t>
+            </a:r>
+            <a:r>
+              <a:rPr lang="en-US" dirty="0" err="1" smtClean="0"/>
+              <a:t>jmh</a:t>
+            </a:r>
+            <a:r>
+              <a:rPr lang="en-US" dirty="0" smtClean="0"/>
+              <a:t> benchmarks</a:t>
+            </a:r>
+          </a:p>
+          <a:p>
+            <a:pPr lvl="1"/>
+            <a:r>
+              <a:rPr lang="en-US" dirty="0" smtClean="0"/>
+              <a:t>Override at class level (benchmark class) with JMH annotations</a:t>
+            </a:r>
+          </a:p>
+          <a:p>
+            <a:pPr lvl="1"/>
+            <a:r>
+              <a:rPr lang="en-US" dirty="0" smtClean="0"/>
+              <a:t>Override at method level (@Benchmark method) with other JMH annotations</a:t>
+            </a:r>
+          </a:p>
+          <a:p>
+            <a:r>
+              <a:rPr lang="en-US" dirty="0" smtClean="0"/>
+              <a:t>Both JMH and many relevant JVM options</a:t>
+            </a:r>
+            <a:endParaRPr lang="en-US" dirty="0"/>
+          </a:p>
+        </p:txBody>
+      </p:sp>
+    </p:spTree>
+    <p:extLst>
+      <p:ext uri="{BB962C8B-B14F-4D97-AF65-F5344CB8AC3E}">
+        <p14:creationId xmlns:p14="http://schemas.microsoft.com/office/powerpoint/2010/main" val="1241904274"/>
+      </p:ext>
+    </p:extLst>
+  </p:cSld>
+  <p:clrMapOvr>
+    <a:masterClrMapping/>
+  </p:clrMapOvr>
+  <p:timing>
+    <p:tnLst>
+      <p:par>
+        <p:cTn id="1" dur="indefinite" restart="never" nodeType="tmRoot"/>
+      </p:par>
+    </p:tnLst>
+  </p:timing>
+</p:sld>
+</file>
+
+<file path=ppt/slides/slide22.xml><?xml version="1.0" encoding="utf-8"?>
+<p:sld xmlns:a="http://schemas.openxmlformats.org/drawingml/2006/main" xmlns:r="http://schemas.openxmlformats.org/officeDocument/2006/relationships" xmlns:p="http://schemas.openxmlformats.org/presentationml/2006/main">
+  <p:cSld>
+    <p:spTree>
+      <p:nvGrpSpPr>
+        <p:cNvPr id="1" name=""/>
+        <p:cNvGrpSpPr/>
+        <p:nvPr/>
+      </p:nvGrpSpPr>
+      <p:grpSpPr>
+        <a:xfrm>
+          <a:off x="0" y="0"/>
+          <a:ext cx="0" cy="0"/>
+          <a:chOff x="0" y="0"/>
+          <a:chExt cx="0" cy="0"/>
+        </a:xfrm>
+      </p:grpSpPr>
+      <p:sp>
+        <p:nvSpPr>
+          <p:cNvPr id="2" name="Title 1"/>
+          <p:cNvSpPr>
+            <a:spLocks noGrp="1"/>
+          </p:cNvSpPr>
+          <p:nvPr>
+            <p:ph type="title"/>
+          </p:nvPr>
+        </p:nvSpPr>
+        <p:spPr/>
+        <p:txBody>
+          <a:bodyPr/>
+          <a:lstStyle/>
+          <a:p>
+            <a:r>
+              <a:rPr lang="en-US" dirty="0" smtClean="0"/>
+              <a:t>Demo 1</a:t>
+            </a:r>
+            <a:endParaRPr lang="en-US" dirty="0"/>
+          </a:p>
+        </p:txBody>
+      </p:sp>
+      <p:sp>
+        <p:nvSpPr>
+          <p:cNvPr id="3" name="Content Placeholder 2"/>
+          <p:cNvSpPr>
+            <a:spLocks noGrp="1"/>
+          </p:cNvSpPr>
+          <p:nvPr>
+            <p:ph idx="1"/>
+          </p:nvPr>
+        </p:nvSpPr>
+        <p:spPr/>
+        <p:txBody>
+          <a:bodyPr/>
+          <a:lstStyle/>
+          <a:p>
+            <a:r>
+              <a:rPr lang="en-US" dirty="0" smtClean="0"/>
+              <a:t>Goal – measure the cost of an addition</a:t>
+            </a:r>
+          </a:p>
+          <a:p>
+            <a:r>
+              <a:rPr lang="en-US" dirty="0" smtClean="0"/>
+              <a:t>Baseline method – cost</a:t>
+            </a:r>
+            <a:r>
+              <a:rPr lang="en-US" dirty="0"/>
+              <a:t> </a:t>
+            </a:r>
+            <a:r>
+              <a:rPr lang="en-US" dirty="0" smtClean="0"/>
+              <a:t>of a method call doing everything EXCEPT the addition</a:t>
+            </a:r>
+          </a:p>
+          <a:p>
+            <a:r>
+              <a:rPr lang="en-US" dirty="0" smtClean="0"/>
+              <a:t>Returning values from @Benchmark methods is important</a:t>
+            </a:r>
+          </a:p>
+          <a:p>
+            <a:pPr lvl="1"/>
+            <a:r>
+              <a:rPr lang="en-US" dirty="0" smtClean="0"/>
+              <a:t>Without it VM is very likely to optimize away the method calls completely</a:t>
+            </a:r>
+          </a:p>
+          <a:p>
+            <a:r>
+              <a:rPr lang="en-US" dirty="0" smtClean="0"/>
+              <a:t>Configuring benchmarks via annotations rather than </a:t>
+            </a:r>
+            <a:r>
+              <a:rPr lang="en-US" dirty="0" err="1" smtClean="0"/>
+              <a:t>Gradle</a:t>
+            </a:r>
+            <a:r>
+              <a:rPr lang="en-US" dirty="0" smtClean="0"/>
+              <a:t> properties</a:t>
+            </a:r>
+          </a:p>
+          <a:p>
+            <a:r>
+              <a:rPr lang="en-US" dirty="0" smtClean="0"/>
+              <a:t>The @State annotation tells JMH to keep x and y thread-scoped (more on this later)</a:t>
+            </a:r>
+          </a:p>
+        </p:txBody>
+      </p:sp>
+    </p:spTree>
+    <p:extLst>
+      <p:ext uri="{BB962C8B-B14F-4D97-AF65-F5344CB8AC3E}">
+        <p14:creationId xmlns:p14="http://schemas.microsoft.com/office/powerpoint/2010/main" val="2727199964"/>
+      </p:ext>
+    </p:extLst>
+  </p:cSld>
+  <p:clrMapOvr>
+    <a:masterClrMapping/>
+  </p:clrMapOvr>
+  <p:timing>
+    <p:tnLst>
+      <p:par>
+        <p:cTn id="1" dur="indefinite" restart="never" nodeType="tmRoot"/>
+      </p:par>
+    </p:tnLst>
+  </p:timing>
+</p:sld>
+</file>
+
+<file path=ppt/slides/slide23.xml><?xml version="1.0" encoding="utf-8"?>
+<p:sld xmlns:a="http://schemas.openxmlformats.org/drawingml/2006/main" xmlns:r="http://schemas.openxmlformats.org/officeDocument/2006/relationships" xmlns:p="http://schemas.openxmlformats.org/presentationml/2006/main">
+  <p:cSld>
+    <p:spTree>
+      <p:nvGrpSpPr>
+        <p:cNvPr id="1" name=""/>
+        <p:cNvGrpSpPr/>
+        <p:nvPr/>
+      </p:nvGrpSpPr>
+      <p:grpSpPr>
+        <a:xfrm>
+          <a:off x="0" y="0"/>
+          <a:ext cx="0" cy="0"/>
+          <a:chOff x="0" y="0"/>
+          <a:chExt cx="0" cy="0"/>
+        </a:xfrm>
+      </p:grpSpPr>
+      <p:sp>
+        <p:nvSpPr>
+          <p:cNvPr id="2" name="Title 1"/>
+          <p:cNvSpPr>
+            <a:spLocks noGrp="1"/>
+          </p:cNvSpPr>
+          <p:nvPr>
+            <p:ph type="title"/>
+          </p:nvPr>
+        </p:nvSpPr>
+        <p:spPr/>
+        <p:txBody>
+          <a:bodyPr/>
+          <a:lstStyle/>
+          <a:p>
+            <a:r>
+              <a:rPr lang="en-US" dirty="0" smtClean="0"/>
               <a:t>Levels of Repetition</a:t>
             </a:r>
             <a:endParaRPr lang="en-US" dirty="0"/>
@@ -8722,7 +9413,7 @@
 </p:sld>
 </file>
 
-<file path=ppt/slides/slide21.xml><?xml version="1.0" encoding="utf-8"?>
+<file path=ppt/slides/slide24.xml><?xml version="1.0" encoding="utf-8"?>
 <p:sld xmlns:a="http://schemas.openxmlformats.org/drawingml/2006/main" xmlns:r="http://schemas.openxmlformats.org/officeDocument/2006/relationships" xmlns:p="http://schemas.openxmlformats.org/presentationml/2006/main">
   <p:cSld>
     <p:spTree>
@@ -8811,7 +9502,7 @@
 </p:sld>
 </file>
 
-<file path=ppt/slides/slide22.xml><?xml version="1.0" encoding="utf-8"?>
+<file path=ppt/slides/slide25.xml><?xml version="1.0" encoding="utf-8"?>
 <p:sld xmlns:a="http://schemas.openxmlformats.org/drawingml/2006/main" xmlns:r="http://schemas.openxmlformats.org/officeDocument/2006/relationships" xmlns:p="http://schemas.openxmlformats.org/presentationml/2006/main">
   <p:cSld>
     <p:spTree>
@@ -8879,7 +9570,7 @@
 </p:sld>
 </file>
 
-<file path=ppt/slides/slide23.xml><?xml version="1.0" encoding="utf-8"?>
+<file path=ppt/slides/slide26.xml><?xml version="1.0" encoding="utf-8"?>
 <p:sld xmlns:a="http://schemas.openxmlformats.org/drawingml/2006/main" xmlns:r="http://schemas.openxmlformats.org/officeDocument/2006/relationships" xmlns:p="http://schemas.openxmlformats.org/presentationml/2006/main">
   <p:cSld>
     <p:spTree>
@@ -9017,7 +9708,7 @@
 </p:sld>
 </file>
 
-<file path=ppt/slides/slide24.xml><?xml version="1.0" encoding="utf-8"?>
+<file path=ppt/slides/slide27.xml><?xml version="1.0" encoding="utf-8"?>
 <p:sld xmlns:a="http://schemas.openxmlformats.org/drawingml/2006/main" xmlns:r="http://schemas.openxmlformats.org/officeDocument/2006/relationships" xmlns:p="http://schemas.openxmlformats.org/presentationml/2006/main">
   <p:cSld>
     <p:spTree>
@@ -9331,7 +10022,7 @@
 </p:sld>
 </file>
 
-<file path=ppt/slides/slide25.xml><?xml version="1.0" encoding="utf-8"?>
+<file path=ppt/slides/slide28.xml><?xml version="1.0" encoding="utf-8"?>
 <p:sld xmlns:a="http://schemas.openxmlformats.org/drawingml/2006/main" xmlns:r="http://schemas.openxmlformats.org/officeDocument/2006/relationships" xmlns:p="http://schemas.openxmlformats.org/presentationml/2006/main">
   <p:cSld>
     <p:spTree>
@@ -9805,305 +10496,6 @@
 </p:sld>
 </file>
 
-<file path=ppt/slides/slide26.xml><?xml version="1.0" encoding="utf-8"?>
-<p:sld xmlns:a="http://schemas.openxmlformats.org/drawingml/2006/main" xmlns:r="http://schemas.openxmlformats.org/officeDocument/2006/relationships" xmlns:p="http://schemas.openxmlformats.org/presentationml/2006/main">
-  <p:cSld>
-    <p:spTree>
-      <p:nvGrpSpPr>
-        <p:cNvPr id="1" name=""/>
-        <p:cNvGrpSpPr/>
-        <p:nvPr/>
-      </p:nvGrpSpPr>
-      <p:grpSpPr>
-        <a:xfrm>
-          <a:off x="0" y="0"/>
-          <a:ext cx="0" cy="0"/>
-          <a:chOff x="0" y="0"/>
-          <a:chExt cx="0" cy="0"/>
-        </a:xfrm>
-      </p:grpSpPr>
-      <p:sp>
-        <p:nvSpPr>
-          <p:cNvPr id="2" name="Title 1"/>
-          <p:cNvSpPr>
-            <a:spLocks noGrp="1"/>
-          </p:cNvSpPr>
-          <p:nvPr>
-            <p:ph type="title"/>
-          </p:nvPr>
-        </p:nvSpPr>
-        <p:spPr/>
-        <p:txBody>
-          <a:bodyPr/>
-          <a:lstStyle/>
-          <a:p>
-            <a:r>
-              <a:rPr lang="en-US" dirty="0" smtClean="0"/>
-              <a:t>Other Important Annotations</a:t>
-            </a:r>
-            <a:endParaRPr lang="en-US" dirty="0"/>
-          </a:p>
-        </p:txBody>
-      </p:sp>
-      <p:sp>
-        <p:nvSpPr>
-          <p:cNvPr id="3" name="Content Placeholder 2"/>
-          <p:cNvSpPr>
-            <a:spLocks noGrp="1"/>
-          </p:cNvSpPr>
-          <p:nvPr>
-            <p:ph idx="1"/>
-          </p:nvPr>
-        </p:nvSpPr>
-        <p:spPr/>
-        <p:txBody>
-          <a:bodyPr/>
-          <a:lstStyle/>
-          <a:p>
-            <a:r>
-              <a:rPr lang="en-US" dirty="0" smtClean="0"/>
-              <a:t>@</a:t>
-            </a:r>
-            <a:r>
-              <a:rPr lang="en-US" dirty="0" err="1" smtClean="0"/>
-              <a:t>OutputTimeUnit</a:t>
-            </a:r>
-            <a:endParaRPr lang="en-US" dirty="0" smtClean="0"/>
-          </a:p>
-          <a:p>
-            <a:pPr lvl="1"/>
-            <a:r>
-              <a:rPr lang="en-US" dirty="0" smtClean="0"/>
-              <a:t>Takes a </a:t>
-            </a:r>
-            <a:r>
-              <a:rPr lang="en-US" dirty="0" err="1" smtClean="0"/>
-              <a:t>java.util.concurrent.TimeUnit</a:t>
-            </a:r>
-            <a:endParaRPr lang="en-US" dirty="0"/>
-          </a:p>
-        </p:txBody>
-      </p:sp>
-    </p:spTree>
-    <p:extLst>
-      <p:ext uri="{BB962C8B-B14F-4D97-AF65-F5344CB8AC3E}">
-        <p14:creationId xmlns:p14="http://schemas.microsoft.com/office/powerpoint/2010/main" val="3073450205"/>
-      </p:ext>
-    </p:extLst>
-  </p:cSld>
-  <p:clrMapOvr>
-    <a:masterClrMapping/>
-  </p:clrMapOvr>
-  <p:timing>
-    <p:tnLst>
-      <p:par>
-        <p:cTn id="1" dur="indefinite" restart="never" nodeType="tmRoot"/>
-      </p:par>
-    </p:tnLst>
-  </p:timing>
-</p:sld>
-</file>
-
-<file path=ppt/slides/slide27.xml><?xml version="1.0" encoding="utf-8"?>
-<p:sld xmlns:a="http://schemas.openxmlformats.org/drawingml/2006/main" xmlns:r="http://schemas.openxmlformats.org/officeDocument/2006/relationships" xmlns:p="http://schemas.openxmlformats.org/presentationml/2006/main">
-  <p:cSld>
-    <p:spTree>
-      <p:nvGrpSpPr>
-        <p:cNvPr id="1" name=""/>
-        <p:cNvGrpSpPr/>
-        <p:nvPr/>
-      </p:nvGrpSpPr>
-      <p:grpSpPr>
-        <a:xfrm>
-          <a:off x="0" y="0"/>
-          <a:ext cx="0" cy="0"/>
-          <a:chOff x="0" y="0"/>
-          <a:chExt cx="0" cy="0"/>
-        </a:xfrm>
-      </p:grpSpPr>
-      <p:sp>
-        <p:nvSpPr>
-          <p:cNvPr id="2" name="Title 1"/>
-          <p:cNvSpPr>
-            <a:spLocks noGrp="1"/>
-          </p:cNvSpPr>
-          <p:nvPr>
-            <p:ph type="title"/>
-          </p:nvPr>
-        </p:nvSpPr>
-        <p:spPr/>
-        <p:txBody>
-          <a:bodyPr/>
-          <a:lstStyle/>
-          <a:p>
-            <a:endParaRPr lang="en-US"/>
-          </a:p>
-        </p:txBody>
-      </p:sp>
-      <p:sp>
-        <p:nvSpPr>
-          <p:cNvPr id="3" name="Content Placeholder 2"/>
-          <p:cNvSpPr>
-            <a:spLocks noGrp="1"/>
-          </p:cNvSpPr>
-          <p:nvPr>
-            <p:ph idx="1"/>
-          </p:nvPr>
-        </p:nvSpPr>
-        <p:spPr/>
-        <p:txBody>
-          <a:bodyPr/>
-          <a:lstStyle/>
-          <a:p>
-            <a:endParaRPr lang="en-US"/>
-          </a:p>
-        </p:txBody>
-      </p:sp>
-    </p:spTree>
-    <p:extLst>
-      <p:ext uri="{BB962C8B-B14F-4D97-AF65-F5344CB8AC3E}">
-        <p14:creationId xmlns:p14="http://schemas.microsoft.com/office/powerpoint/2010/main" val="1765281660"/>
-      </p:ext>
-    </p:extLst>
-  </p:cSld>
-  <p:clrMapOvr>
-    <a:masterClrMapping/>
-  </p:clrMapOvr>
-  <p:timing>
-    <p:tnLst>
-      <p:par>
-        <p:cTn id="1" dur="indefinite" restart="never" nodeType="tmRoot"/>
-      </p:par>
-    </p:tnLst>
-  </p:timing>
-</p:sld>
-</file>
-
-<file path=ppt/slides/slide28.xml><?xml version="1.0" encoding="utf-8"?>
-<p:sld xmlns:a="http://schemas.openxmlformats.org/drawingml/2006/main" xmlns:r="http://schemas.openxmlformats.org/officeDocument/2006/relationships" xmlns:p="http://schemas.openxmlformats.org/presentationml/2006/main">
-  <p:cSld>
-    <p:spTree>
-      <p:nvGrpSpPr>
-        <p:cNvPr id="1" name=""/>
-        <p:cNvGrpSpPr/>
-        <p:nvPr/>
-      </p:nvGrpSpPr>
-      <p:grpSpPr>
-        <a:xfrm>
-          <a:off x="0" y="0"/>
-          <a:ext cx="0" cy="0"/>
-          <a:chOff x="0" y="0"/>
-          <a:chExt cx="0" cy="0"/>
-        </a:xfrm>
-      </p:grpSpPr>
-      <p:sp>
-        <p:nvSpPr>
-          <p:cNvPr id="2" name="Title 1"/>
-          <p:cNvSpPr>
-            <a:spLocks noGrp="1"/>
-          </p:cNvSpPr>
-          <p:nvPr>
-            <p:ph type="title"/>
-          </p:nvPr>
-        </p:nvSpPr>
-        <p:spPr/>
-        <p:txBody>
-          <a:bodyPr/>
-          <a:lstStyle/>
-          <a:p>
-            <a:r>
-              <a:rPr lang="en-US" dirty="0" smtClean="0"/>
-              <a:t>Problem - Dead Code Elimination</a:t>
-            </a:r>
-            <a:endParaRPr lang="en-US" dirty="0"/>
-          </a:p>
-        </p:txBody>
-      </p:sp>
-      <p:sp>
-        <p:nvSpPr>
-          <p:cNvPr id="3" name="Content Placeholder 2"/>
-          <p:cNvSpPr>
-            <a:spLocks noGrp="1"/>
-          </p:cNvSpPr>
-          <p:nvPr>
-            <p:ph idx="1"/>
-          </p:nvPr>
-        </p:nvSpPr>
-        <p:spPr/>
-        <p:txBody>
-          <a:bodyPr/>
-          <a:lstStyle/>
-          <a:p>
-            <a:r>
-              <a:rPr lang="en-US" dirty="0"/>
-              <a:t>Dead code elimination is a well known problem among </a:t>
-            </a:r>
-            <a:r>
-              <a:rPr lang="en-US" dirty="0" err="1"/>
-              <a:t>microbenchmark</a:t>
-            </a:r>
-            <a:r>
-              <a:rPr lang="en-US" dirty="0"/>
-              <a:t> </a:t>
-            </a:r>
-            <a:r>
-              <a:rPr lang="en-US" dirty="0" smtClean="0"/>
-              <a:t>writers</a:t>
-            </a:r>
-          </a:p>
-          <a:p>
-            <a:r>
-              <a:rPr lang="en-US" dirty="0" smtClean="0"/>
-              <a:t>The </a:t>
-            </a:r>
-            <a:r>
-              <a:rPr lang="en-US" dirty="0"/>
-              <a:t>general solution is to use the result of calculations </a:t>
-            </a:r>
-            <a:r>
-              <a:rPr lang="en-US" dirty="0" smtClean="0"/>
-              <a:t>somehow</a:t>
-            </a:r>
-          </a:p>
-          <a:p>
-            <a:r>
-              <a:rPr lang="en-US" dirty="0" smtClean="0"/>
-              <a:t>Never write VOID tests, always return the result</a:t>
-            </a:r>
-          </a:p>
-          <a:p>
-            <a:pPr lvl="1"/>
-            <a:r>
-              <a:rPr lang="en-US" dirty="0" smtClean="0"/>
-              <a:t>This will work MOST of the time</a:t>
-            </a:r>
-          </a:p>
-          <a:p>
-            <a:pPr lvl="1"/>
-            <a:endParaRPr lang="en-US" dirty="0"/>
-          </a:p>
-        </p:txBody>
-      </p:sp>
-    </p:spTree>
-    <p:extLst>
-      <p:ext uri="{BB962C8B-B14F-4D97-AF65-F5344CB8AC3E}">
-        <p14:creationId xmlns:p14="http://schemas.microsoft.com/office/powerpoint/2010/main" val="384545170"/>
-      </p:ext>
-    </p:extLst>
-  </p:cSld>
-  <p:clrMapOvr>
-    <a:masterClrMapping/>
-  </p:clrMapOvr>
-  <p:timing>
-    <p:tnLst>
-      <p:par>
-        <p:cTn id="1" dur="indefinite" restart="never" nodeType="tmRoot"/>
-      </p:par>
-    </p:tnLst>
-  </p:timing>
-</p:sld>
-</file>
-
 <file path=ppt/slides/slide29.xml><?xml version="1.0" encoding="utf-8"?>
 <p:sld xmlns:a="http://schemas.openxmlformats.org/drawingml/2006/main" xmlns:r="http://schemas.openxmlformats.org/officeDocument/2006/relationships" xmlns:p="http://schemas.openxmlformats.org/presentationml/2006/main">
   <p:cSld>
@@ -10137,110 +10529,47 @@
           <a:lstStyle/>
           <a:p>
             <a:r>
+              <a:rPr lang="en-US" dirty="0" smtClean="0"/>
+              <a:t>Other Important Annotations</a:t>
+            </a:r>
+            <a:endParaRPr lang="en-US" dirty="0"/>
+          </a:p>
+        </p:txBody>
+      </p:sp>
+      <p:sp>
+        <p:nvSpPr>
+          <p:cNvPr id="3" name="Content Placeholder 2"/>
+          <p:cNvSpPr>
+            <a:spLocks noGrp="1"/>
+          </p:cNvSpPr>
+          <p:nvPr>
+            <p:ph idx="1"/>
+          </p:nvPr>
+        </p:nvSpPr>
+        <p:spPr/>
+        <p:txBody>
+          <a:bodyPr/>
+          <a:lstStyle/>
+          <a:p>
+            <a:r>
+              <a:rPr lang="en-US" dirty="0" smtClean="0"/>
+              <a:t>@</a:t>
+            </a:r>
+            <a:r>
               <a:rPr lang="en-US" dirty="0" err="1" smtClean="0"/>
-              <a:t>Blackhole</a:t>
-            </a:r>
-            <a:endParaRPr lang="en-US" dirty="0"/>
-          </a:p>
-        </p:txBody>
-      </p:sp>
-      <p:sp>
-        <p:nvSpPr>
-          <p:cNvPr id="3" name="Content Placeholder 2"/>
-          <p:cNvSpPr>
-            <a:spLocks noGrp="1"/>
-          </p:cNvSpPr>
-          <p:nvPr>
-            <p:ph idx="1"/>
-          </p:nvPr>
-        </p:nvSpPr>
-        <p:spPr/>
-        <p:txBody>
-          <a:bodyPr>
-            <a:normAutofit lnSpcReduction="10000"/>
-          </a:bodyPr>
-          <a:lstStyle/>
-          <a:p>
+              <a:t>OutputTimeUnit</a:t>
+            </a:r>
+            <a:endParaRPr lang="en-US" dirty="0" smtClean="0"/>
+          </a:p>
+          <a:p>
+            <a:pPr lvl="1"/>
+            <a:r>
+              <a:rPr lang="en-US" dirty="0" smtClean="0"/>
+              <a:t>Takes a </a:t>
+            </a:r>
             <a:r>
               <a:rPr lang="en-US" dirty="0" err="1" smtClean="0"/>
-              <a:t>org.openjdk.jmh.infra.Blackhole</a:t>
-            </a:r>
-            <a:endParaRPr lang="en-US" dirty="0" smtClean="0"/>
-          </a:p>
-          <a:p>
-            <a:r>
-              <a:rPr lang="en-US" dirty="0" smtClean="0"/>
-              <a:t>Avoid possibility of dead code elimination</a:t>
-            </a:r>
-          </a:p>
-          <a:p>
-            <a:pPr lvl="1"/>
-            <a:r>
-              <a:rPr lang="en-US" dirty="0" smtClean="0"/>
-              <a:t>Provides consume(Object x) methods – send your method’s output here </a:t>
-            </a:r>
-          </a:p>
-          <a:p>
-            <a:pPr lvl="1"/>
-            <a:r>
-              <a:rPr lang="en-US" dirty="0" smtClean="0"/>
-              <a:t>Instances are </a:t>
-            </a:r>
-            <a:r>
-              <a:rPr lang="en-US" dirty="0"/>
-              <a:t>a</a:t>
-            </a:r>
-            <a:r>
-              <a:rPr lang="en-US" dirty="0" smtClean="0"/>
-              <a:t>utomatically injected into your @Benchmark method calls as arguments</a:t>
-            </a:r>
-            <a:endParaRPr lang="en-US" dirty="0"/>
-          </a:p>
-          <a:p>
-            <a:r>
-              <a:rPr lang="en-US" i="1" dirty="0" err="1" smtClean="0"/>
-              <a:t>Blackhole</a:t>
-            </a:r>
-            <a:r>
-              <a:rPr lang="en-US" i="1" dirty="0" smtClean="0"/>
-              <a:t> </a:t>
-            </a:r>
-            <a:r>
-              <a:rPr lang="en-US" i="1" dirty="0"/>
-              <a:t>"consumes" the values, conceiving no information to JIT whether </a:t>
-            </a:r>
-            <a:r>
-              <a:rPr lang="en-US" i="1" dirty="0" smtClean="0"/>
-              <a:t>the </a:t>
-            </a:r>
-            <a:r>
-              <a:rPr lang="en-US" i="1" dirty="0"/>
-              <a:t>value is actually used afterwards. This can save from the dead-code </a:t>
-            </a:r>
-            <a:r>
-              <a:rPr lang="en-US" i="1" dirty="0" smtClean="0"/>
-              <a:t>elimination </a:t>
-            </a:r>
-            <a:r>
-              <a:rPr lang="en-US" i="1" dirty="0"/>
-              <a:t>of the computations resulting in the given values</a:t>
-            </a:r>
-            <a:r>
-              <a:rPr lang="en-US" i="1" dirty="0" smtClean="0"/>
-              <a:t>.</a:t>
-            </a:r>
-          </a:p>
-          <a:p>
-            <a:r>
-              <a:rPr lang="en-US" dirty="0" smtClean="0"/>
-              <a:t>But how does it work?</a:t>
-            </a:r>
-          </a:p>
-          <a:p>
-            <a:pPr lvl="1"/>
-            <a:r>
-              <a:rPr lang="en-US" dirty="0" smtClean="0"/>
-              <a:t>???????????????</a:t>
+              <a:t>java.util.concurrent.TimeUnit</a:t>
             </a:r>
             <a:endParaRPr lang="en-US" dirty="0"/>
           </a:p>
@@ -10249,7 +10578,7 @@
     </p:spTree>
     <p:extLst>
       <p:ext uri="{BB962C8B-B14F-4D97-AF65-F5344CB8AC3E}">
-        <p14:creationId xmlns:p14="http://schemas.microsoft.com/office/powerpoint/2010/main" val="3674696377"/>
+        <p14:creationId xmlns:p14="http://schemas.microsoft.com/office/powerpoint/2010/main" val="3073450205"/>
       </p:ext>
     </p:extLst>
   </p:cSld>
@@ -10423,6 +10752,368 @@
       </p:grpSpPr>
       <p:sp>
         <p:nvSpPr>
+          <p:cNvPr id="2" name="Title 1"/>
+          <p:cNvSpPr>
+            <a:spLocks noGrp="1"/>
+          </p:cNvSpPr>
+          <p:nvPr>
+            <p:ph type="title"/>
+          </p:nvPr>
+        </p:nvSpPr>
+        <p:spPr/>
+        <p:txBody>
+          <a:bodyPr/>
+          <a:lstStyle/>
+          <a:p>
+            <a:endParaRPr lang="en-US"/>
+          </a:p>
+        </p:txBody>
+      </p:sp>
+      <p:sp>
+        <p:nvSpPr>
+          <p:cNvPr id="3" name="Content Placeholder 2"/>
+          <p:cNvSpPr>
+            <a:spLocks noGrp="1"/>
+          </p:cNvSpPr>
+          <p:nvPr>
+            <p:ph idx="1"/>
+          </p:nvPr>
+        </p:nvSpPr>
+        <p:spPr/>
+        <p:txBody>
+          <a:bodyPr/>
+          <a:lstStyle/>
+          <a:p>
+            <a:endParaRPr lang="en-US"/>
+          </a:p>
+        </p:txBody>
+      </p:sp>
+    </p:spTree>
+    <p:extLst>
+      <p:ext uri="{BB962C8B-B14F-4D97-AF65-F5344CB8AC3E}">
+        <p14:creationId xmlns:p14="http://schemas.microsoft.com/office/powerpoint/2010/main" val="1765281660"/>
+      </p:ext>
+    </p:extLst>
+  </p:cSld>
+  <p:clrMapOvr>
+    <a:masterClrMapping/>
+  </p:clrMapOvr>
+  <p:timing>
+    <p:tnLst>
+      <p:par>
+        <p:cTn id="1" dur="indefinite" restart="never" nodeType="tmRoot"/>
+      </p:par>
+    </p:tnLst>
+  </p:timing>
+</p:sld>
+</file>
+
+<file path=ppt/slides/slide31.xml><?xml version="1.0" encoding="utf-8"?>
+<p:sld xmlns:a="http://schemas.openxmlformats.org/drawingml/2006/main" xmlns:r="http://schemas.openxmlformats.org/officeDocument/2006/relationships" xmlns:p="http://schemas.openxmlformats.org/presentationml/2006/main">
+  <p:cSld>
+    <p:spTree>
+      <p:nvGrpSpPr>
+        <p:cNvPr id="1" name=""/>
+        <p:cNvGrpSpPr/>
+        <p:nvPr/>
+      </p:nvGrpSpPr>
+      <p:grpSpPr>
+        <a:xfrm>
+          <a:off x="0" y="0"/>
+          <a:ext cx="0" cy="0"/>
+          <a:chOff x="0" y="0"/>
+          <a:chExt cx="0" cy="0"/>
+        </a:xfrm>
+      </p:grpSpPr>
+      <p:sp>
+        <p:nvSpPr>
+          <p:cNvPr id="2" name="Title 1"/>
+          <p:cNvSpPr>
+            <a:spLocks noGrp="1"/>
+          </p:cNvSpPr>
+          <p:nvPr>
+            <p:ph type="title"/>
+          </p:nvPr>
+        </p:nvSpPr>
+        <p:spPr/>
+        <p:txBody>
+          <a:bodyPr/>
+          <a:lstStyle/>
+          <a:p>
+            <a:r>
+              <a:rPr lang="en-US" dirty="0" smtClean="0"/>
+              <a:t>Problem - Dead Code Elimination</a:t>
+            </a:r>
+            <a:endParaRPr lang="en-US" dirty="0"/>
+          </a:p>
+        </p:txBody>
+      </p:sp>
+      <p:sp>
+        <p:nvSpPr>
+          <p:cNvPr id="3" name="Content Placeholder 2"/>
+          <p:cNvSpPr>
+            <a:spLocks noGrp="1"/>
+          </p:cNvSpPr>
+          <p:nvPr>
+            <p:ph idx="1"/>
+          </p:nvPr>
+        </p:nvSpPr>
+        <p:spPr/>
+        <p:txBody>
+          <a:bodyPr/>
+          <a:lstStyle/>
+          <a:p>
+            <a:r>
+              <a:rPr lang="en-US" dirty="0"/>
+              <a:t>Dead code elimination is a well known problem among </a:t>
+            </a:r>
+            <a:r>
+              <a:rPr lang="en-US" dirty="0" err="1"/>
+              <a:t>microbenchmark</a:t>
+            </a:r>
+            <a:r>
+              <a:rPr lang="en-US" dirty="0"/>
+              <a:t> </a:t>
+            </a:r>
+            <a:r>
+              <a:rPr lang="en-US" dirty="0" smtClean="0"/>
+              <a:t>writers</a:t>
+            </a:r>
+          </a:p>
+          <a:p>
+            <a:r>
+              <a:rPr lang="en-US" dirty="0" smtClean="0"/>
+              <a:t>The </a:t>
+            </a:r>
+            <a:r>
+              <a:rPr lang="en-US" dirty="0"/>
+              <a:t>general solution is to use the result of calculations </a:t>
+            </a:r>
+            <a:r>
+              <a:rPr lang="en-US" dirty="0" smtClean="0"/>
+              <a:t>somehow</a:t>
+            </a:r>
+          </a:p>
+          <a:p>
+            <a:r>
+              <a:rPr lang="en-US" dirty="0" smtClean="0"/>
+              <a:t>Never write VOID tests, always return the result</a:t>
+            </a:r>
+          </a:p>
+          <a:p>
+            <a:pPr lvl="1"/>
+            <a:r>
+              <a:rPr lang="en-US" dirty="0" smtClean="0"/>
+              <a:t>This will work MOST of the time</a:t>
+            </a:r>
+          </a:p>
+          <a:p>
+            <a:pPr lvl="1"/>
+            <a:endParaRPr lang="en-US" dirty="0"/>
+          </a:p>
+        </p:txBody>
+      </p:sp>
+    </p:spTree>
+    <p:extLst>
+      <p:ext uri="{BB962C8B-B14F-4D97-AF65-F5344CB8AC3E}">
+        <p14:creationId xmlns:p14="http://schemas.microsoft.com/office/powerpoint/2010/main" val="384545170"/>
+      </p:ext>
+    </p:extLst>
+  </p:cSld>
+  <p:clrMapOvr>
+    <a:masterClrMapping/>
+  </p:clrMapOvr>
+  <p:timing>
+    <p:tnLst>
+      <p:par>
+        <p:cTn id="1" dur="indefinite" restart="never" nodeType="tmRoot"/>
+      </p:par>
+    </p:tnLst>
+  </p:timing>
+</p:sld>
+</file>
+
+<file path=ppt/slides/slide32.xml><?xml version="1.0" encoding="utf-8"?>
+<p:sld xmlns:a="http://schemas.openxmlformats.org/drawingml/2006/main" xmlns:r="http://schemas.openxmlformats.org/officeDocument/2006/relationships" xmlns:p="http://schemas.openxmlformats.org/presentationml/2006/main">
+  <p:cSld>
+    <p:spTree>
+      <p:nvGrpSpPr>
+        <p:cNvPr id="1" name=""/>
+        <p:cNvGrpSpPr/>
+        <p:nvPr/>
+      </p:nvGrpSpPr>
+      <p:grpSpPr>
+        <a:xfrm>
+          <a:off x="0" y="0"/>
+          <a:ext cx="0" cy="0"/>
+          <a:chOff x="0" y="0"/>
+          <a:chExt cx="0" cy="0"/>
+        </a:xfrm>
+      </p:grpSpPr>
+      <p:sp>
+        <p:nvSpPr>
+          <p:cNvPr id="2" name="Title 1"/>
+          <p:cNvSpPr>
+            <a:spLocks noGrp="1"/>
+          </p:cNvSpPr>
+          <p:nvPr>
+            <p:ph type="title"/>
+          </p:nvPr>
+        </p:nvSpPr>
+        <p:spPr/>
+        <p:txBody>
+          <a:bodyPr/>
+          <a:lstStyle/>
+          <a:p>
+            <a:r>
+              <a:rPr lang="en-US" dirty="0" err="1" smtClean="0"/>
+              <a:t>Blackhole</a:t>
+            </a:r>
+            <a:endParaRPr lang="en-US" dirty="0"/>
+          </a:p>
+        </p:txBody>
+      </p:sp>
+      <p:sp>
+        <p:nvSpPr>
+          <p:cNvPr id="3" name="Content Placeholder 2"/>
+          <p:cNvSpPr>
+            <a:spLocks noGrp="1"/>
+          </p:cNvSpPr>
+          <p:nvPr>
+            <p:ph idx="1"/>
+          </p:nvPr>
+        </p:nvSpPr>
+        <p:spPr/>
+        <p:txBody>
+          <a:bodyPr>
+            <a:normAutofit lnSpcReduction="10000"/>
+          </a:bodyPr>
+          <a:lstStyle/>
+          <a:p>
+            <a:r>
+              <a:rPr lang="en-US" dirty="0" err="1" smtClean="0"/>
+              <a:t>org.openjdk.jmh.infra.Blackhole</a:t>
+            </a:r>
+            <a:endParaRPr lang="en-US" dirty="0" smtClean="0"/>
+          </a:p>
+          <a:p>
+            <a:r>
+              <a:rPr lang="en-US" dirty="0" smtClean="0"/>
+              <a:t>Avoid possibility of dead code elimination</a:t>
+            </a:r>
+          </a:p>
+          <a:p>
+            <a:pPr lvl="1"/>
+            <a:r>
+              <a:rPr lang="en-US" dirty="0" smtClean="0"/>
+              <a:t>Provides consume(Object x) methods – send your method’s output here </a:t>
+            </a:r>
+          </a:p>
+          <a:p>
+            <a:pPr lvl="1"/>
+            <a:r>
+              <a:rPr lang="en-US" dirty="0" smtClean="0"/>
+              <a:t>Instances are </a:t>
+            </a:r>
+            <a:r>
+              <a:rPr lang="en-US" dirty="0"/>
+              <a:t>a</a:t>
+            </a:r>
+            <a:r>
+              <a:rPr lang="en-US" dirty="0" smtClean="0"/>
+              <a:t>utomatically injected into your @Benchmark method calls as arguments</a:t>
+            </a:r>
+            <a:endParaRPr lang="en-US" dirty="0"/>
+          </a:p>
+          <a:p>
+            <a:r>
+              <a:rPr lang="en-US" i="1" dirty="0" err="1" smtClean="0"/>
+              <a:t>Blackhole</a:t>
+            </a:r>
+            <a:r>
+              <a:rPr lang="en-US" i="1" dirty="0" smtClean="0"/>
+              <a:t> </a:t>
+            </a:r>
+            <a:r>
+              <a:rPr lang="en-US" i="1" dirty="0"/>
+              <a:t>"consumes" the values, conceiving no information to JIT whether </a:t>
+            </a:r>
+            <a:r>
+              <a:rPr lang="en-US" i="1" dirty="0" smtClean="0"/>
+              <a:t>the </a:t>
+            </a:r>
+            <a:r>
+              <a:rPr lang="en-US" i="1" dirty="0"/>
+              <a:t>value is actually used afterwards. This can save from the dead-code </a:t>
+            </a:r>
+            <a:r>
+              <a:rPr lang="en-US" i="1" dirty="0" smtClean="0"/>
+              <a:t>elimination </a:t>
+            </a:r>
+            <a:r>
+              <a:rPr lang="en-US" i="1" dirty="0"/>
+              <a:t>of the computations resulting in the given values</a:t>
+            </a:r>
+            <a:r>
+              <a:rPr lang="en-US" i="1" dirty="0" smtClean="0"/>
+              <a:t>.</a:t>
+            </a:r>
+          </a:p>
+          <a:p>
+            <a:r>
+              <a:rPr lang="en-US" dirty="0" smtClean="0"/>
+              <a:t>But how does it work?</a:t>
+            </a:r>
+          </a:p>
+          <a:p>
+            <a:pPr lvl="1"/>
+            <a:r>
+              <a:rPr lang="en-US" dirty="0" smtClean="0"/>
+              <a:t>???????????????</a:t>
+            </a:r>
+            <a:endParaRPr lang="en-US" dirty="0"/>
+          </a:p>
+        </p:txBody>
+      </p:sp>
+    </p:spTree>
+    <p:extLst>
+      <p:ext uri="{BB962C8B-B14F-4D97-AF65-F5344CB8AC3E}">
+        <p14:creationId xmlns:p14="http://schemas.microsoft.com/office/powerpoint/2010/main" val="3674696377"/>
+      </p:ext>
+    </p:extLst>
+  </p:cSld>
+  <p:clrMapOvr>
+    <a:masterClrMapping/>
+  </p:clrMapOvr>
+  <p:timing>
+    <p:tnLst>
+      <p:par>
+        <p:cTn id="1" dur="indefinite" restart="never" nodeType="tmRoot"/>
+      </p:par>
+    </p:tnLst>
+  </p:timing>
+</p:sld>
+</file>
+
+<file path=ppt/slides/slide33.xml><?xml version="1.0" encoding="utf-8"?>
+<p:sld xmlns:a="http://schemas.openxmlformats.org/drawingml/2006/main" xmlns:r="http://schemas.openxmlformats.org/officeDocument/2006/relationships" xmlns:p="http://schemas.openxmlformats.org/presentationml/2006/main">
+  <p:cSld>
+    <p:spTree>
+      <p:nvGrpSpPr>
+        <p:cNvPr id="1" name=""/>
+        <p:cNvGrpSpPr/>
+        <p:nvPr/>
+      </p:nvGrpSpPr>
+      <p:grpSpPr>
+        <a:xfrm>
+          <a:off x="0" y="0"/>
+          <a:ext cx="0" cy="0"/>
+          <a:chOff x="0" y="0"/>
+          <a:chExt cx="0" cy="0"/>
+        </a:xfrm>
+      </p:grpSpPr>
+      <p:sp>
+        <p:nvSpPr>
           <p:cNvPr id="6" name="Title 5"/>
           <p:cNvSpPr>
             <a:spLocks noGrp="1"/>
@@ -10493,7 +11184,7 @@
 </p:sld>
 </file>
 
-<file path=ppt/slides/slide31.xml><?xml version="1.0" encoding="utf-8"?>
+<file path=ppt/slides/slide34.xml><?xml version="1.0" encoding="utf-8"?>
 <p:sld xmlns:a="http://schemas.openxmlformats.org/drawingml/2006/main" xmlns:r="http://schemas.openxmlformats.org/officeDocument/2006/relationships" xmlns:p="http://schemas.openxmlformats.org/presentationml/2006/main">
   <p:cSld>
     <p:spTree>
@@ -10586,7 +11277,7 @@
 </p:sld>
 </file>
 
-<file path=ppt/slides/slide32.xml><?xml version="1.0" encoding="utf-8"?>
+<file path=ppt/slides/slide35.xml><?xml version="1.0" encoding="utf-8"?>
 <p:sld xmlns:a="http://schemas.openxmlformats.org/drawingml/2006/main" xmlns:r="http://schemas.openxmlformats.org/officeDocument/2006/relationships" xmlns:p="http://schemas.openxmlformats.org/presentationml/2006/main">
   <p:cSld>
     <p:spTree>
@@ -10687,7 +11378,7 @@
 </p:sld>
 </file>
 
-<file path=ppt/slides/slide33.xml><?xml version="1.0" encoding="utf-8"?>
+<file path=ppt/slides/slide36.xml><?xml version="1.0" encoding="utf-8"?>
 <p:sld xmlns:a="http://schemas.openxmlformats.org/drawingml/2006/main" xmlns:r="http://schemas.openxmlformats.org/officeDocument/2006/relationships" xmlns:p="http://schemas.openxmlformats.org/presentationml/2006/main">
   <p:cSld>
     <p:spTree>
@@ -10786,7 +11477,7 @@
 </p:sld>
 </file>
 
-<file path=ppt/slides/slide34.xml><?xml version="1.0" encoding="utf-8"?>
+<file path=ppt/slides/slide37.xml><?xml version="1.0" encoding="utf-8"?>
 <p:sld xmlns:a="http://schemas.openxmlformats.org/drawingml/2006/main" xmlns:r="http://schemas.openxmlformats.org/officeDocument/2006/relationships" xmlns:p="http://schemas.openxmlformats.org/presentationml/2006/main">
   <p:cSld>
     <p:spTree>
@@ -10882,7 +11573,7 @@
 </p:sld>
 </file>
 
-<file path=ppt/slides/slide35.xml><?xml version="1.0" encoding="utf-8"?>
+<file path=ppt/slides/slide38.xml><?xml version="1.0" encoding="utf-8"?>
 <p:sld xmlns:a="http://schemas.openxmlformats.org/drawingml/2006/main" xmlns:r="http://schemas.openxmlformats.org/officeDocument/2006/relationships" xmlns:p="http://schemas.openxmlformats.org/presentationml/2006/main">
   <p:cSld>
     <p:spTree>
@@ -11213,331 +11904,6 @@
 </p:sld>
 </file>
 
-<file path=ppt/slides/slide36.xml><?xml version="1.0" encoding="utf-8"?>
-<p:sld xmlns:a="http://schemas.openxmlformats.org/drawingml/2006/main" xmlns:r="http://schemas.openxmlformats.org/officeDocument/2006/relationships" xmlns:p="http://schemas.openxmlformats.org/presentationml/2006/main">
-  <p:cSld>
-    <p:spTree>
-      <p:nvGrpSpPr>
-        <p:cNvPr id="1" name=""/>
-        <p:cNvGrpSpPr/>
-        <p:nvPr/>
-      </p:nvGrpSpPr>
-      <p:grpSpPr>
-        <a:xfrm>
-          <a:off x="0" y="0"/>
-          <a:ext cx="0" cy="0"/>
-          <a:chOff x="0" y="0"/>
-          <a:chExt cx="0" cy="0"/>
-        </a:xfrm>
-      </p:grpSpPr>
-      <p:sp>
-        <p:nvSpPr>
-          <p:cNvPr id="2" name="Title 1"/>
-          <p:cNvSpPr>
-            <a:spLocks noGrp="1"/>
-          </p:cNvSpPr>
-          <p:nvPr>
-            <p:ph type="title"/>
-          </p:nvPr>
-        </p:nvSpPr>
-        <p:spPr/>
-        <p:txBody>
-          <a:bodyPr/>
-          <a:lstStyle/>
-          <a:p>
-            <a:r>
-              <a:rPr lang="en-US" dirty="0" smtClean="0"/>
-              <a:t>Demo 2</a:t>
-            </a:r>
-            <a:endParaRPr lang="en-US" dirty="0"/>
-          </a:p>
-        </p:txBody>
-      </p:sp>
-      <p:sp>
-        <p:nvSpPr>
-          <p:cNvPr id="3" name="Content Placeholder 2"/>
-          <p:cNvSpPr>
-            <a:spLocks noGrp="1"/>
-          </p:cNvSpPr>
-          <p:nvPr>
-            <p:ph idx="1"/>
-          </p:nvPr>
-        </p:nvSpPr>
-        <p:spPr/>
-        <p:txBody>
-          <a:bodyPr/>
-          <a:lstStyle/>
-          <a:p>
-            <a:endParaRPr lang="en-US" dirty="0"/>
-          </a:p>
-        </p:txBody>
-      </p:sp>
-    </p:spTree>
-    <p:extLst>
-      <p:ext uri="{BB962C8B-B14F-4D97-AF65-F5344CB8AC3E}">
-        <p14:creationId xmlns:p14="http://schemas.microsoft.com/office/powerpoint/2010/main" val="1252817105"/>
-      </p:ext>
-    </p:extLst>
-  </p:cSld>
-  <p:clrMapOvr>
-    <a:masterClrMapping/>
-  </p:clrMapOvr>
-</p:sld>
-</file>
-
-<file path=ppt/slides/slide37.xml><?xml version="1.0" encoding="utf-8"?>
-<p:sld xmlns:a="http://schemas.openxmlformats.org/drawingml/2006/main" xmlns:r="http://schemas.openxmlformats.org/officeDocument/2006/relationships" xmlns:p="http://schemas.openxmlformats.org/presentationml/2006/main">
-  <p:cSld>
-    <p:spTree>
-      <p:nvGrpSpPr>
-        <p:cNvPr id="1" name=""/>
-        <p:cNvGrpSpPr/>
-        <p:nvPr/>
-      </p:nvGrpSpPr>
-      <p:grpSpPr>
-        <a:xfrm>
-          <a:off x="0" y="0"/>
-          <a:ext cx="0" cy="0"/>
-          <a:chOff x="0" y="0"/>
-          <a:chExt cx="0" cy="0"/>
-        </a:xfrm>
-      </p:grpSpPr>
-      <p:sp>
-        <p:nvSpPr>
-          <p:cNvPr id="2" name="Title 1"/>
-          <p:cNvSpPr>
-            <a:spLocks noGrp="1"/>
-          </p:cNvSpPr>
-          <p:nvPr>
-            <p:ph type="title"/>
-          </p:nvPr>
-        </p:nvSpPr>
-        <p:spPr/>
-        <p:txBody>
-          <a:bodyPr/>
-          <a:lstStyle/>
-          <a:p>
-            <a:r>
-              <a:rPr lang="en-US" dirty="0" smtClean="0"/>
-              <a:t>Demo 2 - Results</a:t>
-            </a:r>
-            <a:endParaRPr lang="en-US" dirty="0"/>
-          </a:p>
-        </p:txBody>
-      </p:sp>
-      <p:sp>
-        <p:nvSpPr>
-          <p:cNvPr id="3" name="Content Placeholder 2"/>
-          <p:cNvSpPr>
-            <a:spLocks noGrp="1"/>
-          </p:cNvSpPr>
-          <p:nvPr>
-            <p:ph idx="1"/>
-          </p:nvPr>
-        </p:nvSpPr>
-        <p:spPr/>
-        <p:txBody>
-          <a:bodyPr/>
-          <a:lstStyle/>
-          <a:p>
-            <a:endParaRPr lang="en-US" dirty="0"/>
-          </a:p>
-        </p:txBody>
-      </p:sp>
-    </p:spTree>
-    <p:extLst>
-      <p:ext uri="{BB962C8B-B14F-4D97-AF65-F5344CB8AC3E}">
-        <p14:creationId xmlns:p14="http://schemas.microsoft.com/office/powerpoint/2010/main" val="2511131901"/>
-      </p:ext>
-    </p:extLst>
-  </p:cSld>
-  <p:clrMapOvr>
-    <a:masterClrMapping/>
-  </p:clrMapOvr>
-</p:sld>
-</file>
-
-<file path=ppt/slides/slide38.xml><?xml version="1.0" encoding="utf-8"?>
-<p:sld xmlns:a="http://schemas.openxmlformats.org/drawingml/2006/main" xmlns:r="http://schemas.openxmlformats.org/officeDocument/2006/relationships" xmlns:p="http://schemas.openxmlformats.org/presentationml/2006/main">
-  <p:cSld>
-    <p:spTree>
-      <p:nvGrpSpPr>
-        <p:cNvPr id="1" name=""/>
-        <p:cNvGrpSpPr/>
-        <p:nvPr/>
-      </p:nvGrpSpPr>
-      <p:grpSpPr>
-        <a:xfrm>
-          <a:off x="0" y="0"/>
-          <a:ext cx="0" cy="0"/>
-          <a:chOff x="0" y="0"/>
-          <a:chExt cx="0" cy="0"/>
-        </a:xfrm>
-      </p:grpSpPr>
-      <p:sp>
-        <p:nvSpPr>
-          <p:cNvPr id="2" name="Title 1"/>
-          <p:cNvSpPr>
-            <a:spLocks noGrp="1"/>
-          </p:cNvSpPr>
-          <p:nvPr>
-            <p:ph type="title"/>
-          </p:nvPr>
-        </p:nvSpPr>
-        <p:spPr/>
-        <p:txBody>
-          <a:bodyPr/>
-          <a:lstStyle/>
-          <a:p>
-            <a:r>
-              <a:rPr lang="en-US" dirty="0" smtClean="0"/>
-              <a:t>Further Considerations</a:t>
-            </a:r>
-            <a:endParaRPr lang="en-US" dirty="0"/>
-          </a:p>
-        </p:txBody>
-      </p:sp>
-      <p:sp>
-        <p:nvSpPr>
-          <p:cNvPr id="3" name="Content Placeholder 2"/>
-          <p:cNvSpPr>
-            <a:spLocks noGrp="1"/>
-          </p:cNvSpPr>
-          <p:nvPr>
-            <p:ph idx="1"/>
-          </p:nvPr>
-        </p:nvSpPr>
-        <p:spPr/>
-        <p:txBody>
-          <a:bodyPr/>
-          <a:lstStyle/>
-          <a:p>
-            <a:r>
-              <a:rPr lang="en-US" b="1" dirty="0"/>
-              <a:t>JMH annotations </a:t>
-            </a:r>
-            <a:r>
-              <a:rPr lang="en-US" b="1" dirty="0" err="1"/>
-              <a:t>Javadocs</a:t>
-            </a:r>
-            <a:r>
-              <a:rPr lang="en-US" b="1" dirty="0"/>
-              <a:t> and Samples are essential </a:t>
-            </a:r>
-            <a:r>
-              <a:rPr lang="en-US" b="1" dirty="0" smtClean="0"/>
-              <a:t>reading</a:t>
-            </a:r>
-            <a:endParaRPr lang="en-US" dirty="0" smtClean="0"/>
-          </a:p>
-          <a:p>
-            <a:pPr lvl="1"/>
-            <a:r>
-              <a:rPr lang="en-US" dirty="0" smtClean="0"/>
-              <a:t>Follow </a:t>
-            </a:r>
-            <a:r>
-              <a:rPr lang="en-US" dirty="0"/>
-              <a:t>the </a:t>
-            </a:r>
-            <a:r>
-              <a:rPr lang="en-US" dirty="0">
-                <a:hlinkClick r:id="rId2"/>
-              </a:rPr>
-              <a:t>JMH samples</a:t>
-            </a:r>
-            <a:r>
-              <a:rPr lang="en-US" dirty="0"/>
-              <a:t> to get familiar with the API, use cases, culprits, and pitfalls </a:t>
-            </a:r>
-          </a:p>
-          <a:p>
-            <a:r>
-              <a:rPr lang="en-US" b="1" dirty="0" smtClean="0"/>
-              <a:t>Your </a:t>
-            </a:r>
-            <a:r>
-              <a:rPr lang="en-US" b="1" dirty="0"/>
-              <a:t>benchmarks should be </a:t>
-            </a:r>
-            <a:r>
-              <a:rPr lang="en-US" b="1" dirty="0" smtClean="0"/>
-              <a:t>peer-reviewed</a:t>
-            </a:r>
-            <a:endParaRPr lang="en-US" dirty="0" smtClean="0"/>
-          </a:p>
-          <a:p>
-            <a:pPr lvl="1"/>
-            <a:r>
-              <a:rPr lang="en-US" dirty="0" smtClean="0"/>
-              <a:t>JMH does </a:t>
-            </a:r>
-            <a:r>
-              <a:rPr lang="en-US" b="1" dirty="0" smtClean="0"/>
-              <a:t>NOT</a:t>
-            </a:r>
-            <a:r>
-              <a:rPr lang="en-US" dirty="0" smtClean="0"/>
-              <a:t> magically </a:t>
-            </a:r>
-            <a:r>
-              <a:rPr lang="en-US" dirty="0"/>
-              <a:t>free you from considering benchmarking </a:t>
-            </a:r>
-            <a:r>
-              <a:rPr lang="en-US" dirty="0" smtClean="0"/>
-              <a:t>pitfalls</a:t>
-            </a:r>
-          </a:p>
-          <a:p>
-            <a:pPr lvl="1"/>
-            <a:r>
-              <a:rPr lang="en-US" dirty="0" smtClean="0"/>
-              <a:t>“We </a:t>
-            </a:r>
-            <a:r>
-              <a:rPr lang="en-US" dirty="0"/>
-              <a:t>only promise to make avoiding them easier, not </a:t>
-            </a:r>
-            <a:r>
-              <a:rPr lang="en-US" dirty="0" smtClean="0"/>
-              <a:t>avoid </a:t>
-            </a:r>
-            <a:r>
-              <a:rPr lang="en-US" dirty="0"/>
-              <a:t>them completely</a:t>
-            </a:r>
-            <a:r>
-              <a:rPr lang="en-US" dirty="0" smtClean="0"/>
-              <a:t>.”</a:t>
-            </a:r>
-            <a:endParaRPr lang="en-US" dirty="0"/>
-          </a:p>
-          <a:p>
-            <a:endParaRPr lang="en-US" dirty="0"/>
-          </a:p>
-        </p:txBody>
-      </p:sp>
-    </p:spTree>
-    <p:extLst>
-      <p:ext uri="{BB962C8B-B14F-4D97-AF65-F5344CB8AC3E}">
-        <p14:creationId xmlns:p14="http://schemas.microsoft.com/office/powerpoint/2010/main" val="347531558"/>
-      </p:ext>
-    </p:extLst>
-  </p:cSld>
-  <p:clrMapOvr>
-    <a:masterClrMapping/>
-  </p:clrMapOvr>
-  <p:timing>
-    <p:tnLst>
-      <p:par>
-        <p:cTn id="1" dur="indefinite" restart="never" nodeType="tmRoot"/>
-      </p:par>
-    </p:tnLst>
-  </p:timing>
-</p:sld>
-</file>
-
 <file path=ppt/slides/slide39.xml><?xml version="1.0" encoding="utf-8"?>
 <p:sld xmlns:a="http://schemas.openxmlformats.org/drawingml/2006/main" xmlns:r="http://schemas.openxmlformats.org/officeDocument/2006/relationships" xmlns:p="http://schemas.openxmlformats.org/presentationml/2006/main">
   <p:cSld>
@@ -11572,7 +11938,7 @@
           <a:p>
             <a:r>
               <a:rPr lang="en-US" dirty="0" smtClean="0"/>
-              <a:t>Conclusion</a:t>
+              <a:t>Demo 2</a:t>
             </a:r>
             <a:endParaRPr lang="en-US" dirty="0"/>
           </a:p>
@@ -11593,46 +11959,6 @@
           <a:bodyPr/>
           <a:lstStyle/>
           <a:p>
-            <a:r>
-              <a:rPr lang="en-US" dirty="0"/>
-              <a:t> JMH is useful for all sorts of </a:t>
-            </a:r>
-            <a:r>
-              <a:rPr lang="en-US" dirty="0" err="1"/>
-              <a:t>microbenchmarking</a:t>
-            </a:r>
-            <a:r>
-              <a:rPr lang="en-US" dirty="0"/>
-              <a:t> – from nanoseconds to seconds per test. It takes care of all measurement logic, leaving you just a task of writing the test method(s</a:t>
-            </a:r>
-            <a:r>
-              <a:rPr lang="en-US" dirty="0" smtClean="0"/>
-              <a:t>).</a:t>
-            </a:r>
-          </a:p>
-          <a:p>
-            <a:r>
-              <a:rPr lang="en-US" dirty="0" smtClean="0"/>
-              <a:t>Cardinal rules:</a:t>
-            </a:r>
-          </a:p>
-          <a:p>
-            <a:pPr lvl="1"/>
-            <a:r>
-              <a:rPr lang="en-US" dirty="0" smtClean="0"/>
-              <a:t>1. Read input from @State</a:t>
-            </a:r>
-          </a:p>
-          <a:p>
-            <a:pPr lvl="1"/>
-            <a:r>
-              <a:rPr lang="en-US" dirty="0" smtClean="0"/>
-              <a:t>2. Toss output down a </a:t>
-            </a:r>
-            <a:r>
-              <a:rPr lang="en-US" smtClean="0"/>
-              <a:t>Blackhole</a:t>
-            </a:r>
             <a:endParaRPr lang="en-US" dirty="0"/>
           </a:p>
         </p:txBody>
@@ -11640,7 +11966,7 @@
     </p:spTree>
     <p:extLst>
       <p:ext uri="{BB962C8B-B14F-4D97-AF65-F5344CB8AC3E}">
-        <p14:creationId xmlns:p14="http://schemas.microsoft.com/office/powerpoint/2010/main" val="1728611990"/>
+        <p14:creationId xmlns:p14="http://schemas.microsoft.com/office/powerpoint/2010/main" val="1252817105"/>
       </p:ext>
     </p:extLst>
   </p:cSld>
@@ -11758,7 +12084,7 @@
             <a:r>
               <a:rPr lang="en-US" dirty="0" smtClean="0">
                 <a:solidFill>
-                  <a:srgbClr val="FFFF00"/>
+                  <a:srgbClr val="FFC000"/>
                 </a:solidFill>
               </a:rPr>
               <a:t>OS process scheduling</a:t>
@@ -11798,14 +12124,14 @@
             <a:r>
               <a:rPr lang="en-US" dirty="0" smtClean="0">
                 <a:solidFill>
-                  <a:srgbClr val="FFC000"/>
+                  <a:srgbClr val="FF0000"/>
                 </a:solidFill>
               </a:rPr>
               <a:t>The effects of the JIT</a:t>
             </a:r>
             <a:endParaRPr lang="en-US" dirty="0">
               <a:solidFill>
-                <a:srgbClr val="FFC000"/>
+                <a:srgbClr val="FF0000"/>
               </a:solidFill>
             </a:endParaRPr>
           </a:p>
@@ -11865,6 +12191,371 @@
           <a:p>
             <a:r>
               <a:rPr lang="en-US" dirty="0" smtClean="0"/>
+              <a:t>Demo 2 - Results</a:t>
+            </a:r>
+            <a:endParaRPr lang="en-US" dirty="0"/>
+          </a:p>
+        </p:txBody>
+      </p:sp>
+      <p:sp>
+        <p:nvSpPr>
+          <p:cNvPr id="3" name="Content Placeholder 2"/>
+          <p:cNvSpPr>
+            <a:spLocks noGrp="1"/>
+          </p:cNvSpPr>
+          <p:nvPr>
+            <p:ph idx="1"/>
+          </p:nvPr>
+        </p:nvSpPr>
+        <p:spPr/>
+        <p:txBody>
+          <a:bodyPr/>
+          <a:lstStyle/>
+          <a:p>
+            <a:endParaRPr lang="en-US" dirty="0"/>
+          </a:p>
+        </p:txBody>
+      </p:sp>
+    </p:spTree>
+    <p:extLst>
+      <p:ext uri="{BB962C8B-B14F-4D97-AF65-F5344CB8AC3E}">
+        <p14:creationId xmlns:p14="http://schemas.microsoft.com/office/powerpoint/2010/main" val="2511131901"/>
+      </p:ext>
+    </p:extLst>
+  </p:cSld>
+  <p:clrMapOvr>
+    <a:masterClrMapping/>
+  </p:clrMapOvr>
+</p:sld>
+</file>
+
+<file path=ppt/slides/slide41.xml><?xml version="1.0" encoding="utf-8"?>
+<p:sld xmlns:a="http://schemas.openxmlformats.org/drawingml/2006/main" xmlns:r="http://schemas.openxmlformats.org/officeDocument/2006/relationships" xmlns:p="http://schemas.openxmlformats.org/presentationml/2006/main">
+  <p:cSld>
+    <p:spTree>
+      <p:nvGrpSpPr>
+        <p:cNvPr id="1" name=""/>
+        <p:cNvGrpSpPr/>
+        <p:nvPr/>
+      </p:nvGrpSpPr>
+      <p:grpSpPr>
+        <a:xfrm>
+          <a:off x="0" y="0"/>
+          <a:ext cx="0" cy="0"/>
+          <a:chOff x="0" y="0"/>
+          <a:chExt cx="0" cy="0"/>
+        </a:xfrm>
+      </p:grpSpPr>
+      <p:sp>
+        <p:nvSpPr>
+          <p:cNvPr id="2" name="Title 1"/>
+          <p:cNvSpPr>
+            <a:spLocks noGrp="1"/>
+          </p:cNvSpPr>
+          <p:nvPr>
+            <p:ph type="title"/>
+          </p:nvPr>
+        </p:nvSpPr>
+        <p:spPr/>
+        <p:txBody>
+          <a:bodyPr/>
+          <a:lstStyle/>
+          <a:p>
+            <a:r>
+              <a:rPr lang="en-US" dirty="0" smtClean="0"/>
+              <a:t>Further Considerations</a:t>
+            </a:r>
+            <a:endParaRPr lang="en-US" dirty="0"/>
+          </a:p>
+        </p:txBody>
+      </p:sp>
+      <p:sp>
+        <p:nvSpPr>
+          <p:cNvPr id="3" name="Content Placeholder 2"/>
+          <p:cNvSpPr>
+            <a:spLocks noGrp="1"/>
+          </p:cNvSpPr>
+          <p:nvPr>
+            <p:ph idx="1"/>
+          </p:nvPr>
+        </p:nvSpPr>
+        <p:spPr/>
+        <p:txBody>
+          <a:bodyPr/>
+          <a:lstStyle/>
+          <a:p>
+            <a:r>
+              <a:rPr lang="en-US" b="1" dirty="0"/>
+              <a:t>JMH annotations </a:t>
+            </a:r>
+            <a:r>
+              <a:rPr lang="en-US" b="1" dirty="0" err="1"/>
+              <a:t>Javadocs</a:t>
+            </a:r>
+            <a:r>
+              <a:rPr lang="en-US" b="1" dirty="0"/>
+              <a:t> and Samples are essential </a:t>
+            </a:r>
+            <a:r>
+              <a:rPr lang="en-US" b="1" dirty="0" smtClean="0"/>
+              <a:t>reading</a:t>
+            </a:r>
+            <a:endParaRPr lang="en-US" dirty="0" smtClean="0"/>
+          </a:p>
+          <a:p>
+            <a:pPr lvl="1"/>
+            <a:r>
+              <a:rPr lang="en-US" dirty="0" smtClean="0"/>
+              <a:t>Follow </a:t>
+            </a:r>
+            <a:r>
+              <a:rPr lang="en-US" dirty="0"/>
+              <a:t>the </a:t>
+            </a:r>
+            <a:r>
+              <a:rPr lang="en-US" dirty="0">
+                <a:hlinkClick r:id="rId2"/>
+              </a:rPr>
+              <a:t>JMH samples</a:t>
+            </a:r>
+            <a:r>
+              <a:rPr lang="en-US" dirty="0"/>
+              <a:t> to get familiar with the API, use cases, culprits, and pitfalls </a:t>
+            </a:r>
+          </a:p>
+          <a:p>
+            <a:r>
+              <a:rPr lang="en-US" b="1" dirty="0" smtClean="0"/>
+              <a:t>Your </a:t>
+            </a:r>
+            <a:r>
+              <a:rPr lang="en-US" b="1" dirty="0"/>
+              <a:t>benchmarks should be </a:t>
+            </a:r>
+            <a:r>
+              <a:rPr lang="en-US" b="1" dirty="0" smtClean="0"/>
+              <a:t>peer-reviewed</a:t>
+            </a:r>
+            <a:endParaRPr lang="en-US" dirty="0" smtClean="0"/>
+          </a:p>
+          <a:p>
+            <a:pPr lvl="1"/>
+            <a:r>
+              <a:rPr lang="en-US" dirty="0" smtClean="0"/>
+              <a:t>JMH does </a:t>
+            </a:r>
+            <a:r>
+              <a:rPr lang="en-US" b="1" dirty="0" smtClean="0"/>
+              <a:t>NOT</a:t>
+            </a:r>
+            <a:r>
+              <a:rPr lang="en-US" dirty="0" smtClean="0"/>
+              <a:t> magically </a:t>
+            </a:r>
+            <a:r>
+              <a:rPr lang="en-US" dirty="0"/>
+              <a:t>free you from considering benchmarking </a:t>
+            </a:r>
+            <a:r>
+              <a:rPr lang="en-US" dirty="0" smtClean="0"/>
+              <a:t>pitfalls</a:t>
+            </a:r>
+          </a:p>
+          <a:p>
+            <a:pPr lvl="1"/>
+            <a:r>
+              <a:rPr lang="en-US" dirty="0" smtClean="0"/>
+              <a:t>“We </a:t>
+            </a:r>
+            <a:r>
+              <a:rPr lang="en-US" dirty="0"/>
+              <a:t>only promise to make avoiding them easier, not </a:t>
+            </a:r>
+            <a:r>
+              <a:rPr lang="en-US" dirty="0" smtClean="0"/>
+              <a:t>avoid </a:t>
+            </a:r>
+            <a:r>
+              <a:rPr lang="en-US" dirty="0"/>
+              <a:t>them completely</a:t>
+            </a:r>
+            <a:r>
+              <a:rPr lang="en-US" dirty="0" smtClean="0"/>
+              <a:t>.”</a:t>
+            </a:r>
+            <a:endParaRPr lang="en-US" dirty="0"/>
+          </a:p>
+          <a:p>
+            <a:endParaRPr lang="en-US" dirty="0"/>
+          </a:p>
+        </p:txBody>
+      </p:sp>
+    </p:spTree>
+    <p:extLst>
+      <p:ext uri="{BB962C8B-B14F-4D97-AF65-F5344CB8AC3E}">
+        <p14:creationId xmlns:p14="http://schemas.microsoft.com/office/powerpoint/2010/main" val="347531558"/>
+      </p:ext>
+    </p:extLst>
+  </p:cSld>
+  <p:clrMapOvr>
+    <a:masterClrMapping/>
+  </p:clrMapOvr>
+  <p:timing>
+    <p:tnLst>
+      <p:par>
+        <p:cTn id="1" dur="indefinite" restart="never" nodeType="tmRoot"/>
+      </p:par>
+    </p:tnLst>
+  </p:timing>
+</p:sld>
+</file>
+
+<file path=ppt/slides/slide42.xml><?xml version="1.0" encoding="utf-8"?>
+<p:sld xmlns:a="http://schemas.openxmlformats.org/drawingml/2006/main" xmlns:r="http://schemas.openxmlformats.org/officeDocument/2006/relationships" xmlns:p="http://schemas.openxmlformats.org/presentationml/2006/main">
+  <p:cSld>
+    <p:spTree>
+      <p:nvGrpSpPr>
+        <p:cNvPr id="1" name=""/>
+        <p:cNvGrpSpPr/>
+        <p:nvPr/>
+      </p:nvGrpSpPr>
+      <p:grpSpPr>
+        <a:xfrm>
+          <a:off x="0" y="0"/>
+          <a:ext cx="0" cy="0"/>
+          <a:chOff x="0" y="0"/>
+          <a:chExt cx="0" cy="0"/>
+        </a:xfrm>
+      </p:grpSpPr>
+      <p:sp>
+        <p:nvSpPr>
+          <p:cNvPr id="2" name="Title 1"/>
+          <p:cNvSpPr>
+            <a:spLocks noGrp="1"/>
+          </p:cNvSpPr>
+          <p:nvPr>
+            <p:ph type="title"/>
+          </p:nvPr>
+        </p:nvSpPr>
+        <p:spPr/>
+        <p:txBody>
+          <a:bodyPr/>
+          <a:lstStyle/>
+          <a:p>
+            <a:r>
+              <a:rPr lang="en-US" dirty="0" smtClean="0"/>
+              <a:t>Conclusion</a:t>
+            </a:r>
+            <a:endParaRPr lang="en-US" dirty="0"/>
+          </a:p>
+        </p:txBody>
+      </p:sp>
+      <p:sp>
+        <p:nvSpPr>
+          <p:cNvPr id="3" name="Content Placeholder 2"/>
+          <p:cNvSpPr>
+            <a:spLocks noGrp="1"/>
+          </p:cNvSpPr>
+          <p:nvPr>
+            <p:ph idx="1"/>
+          </p:nvPr>
+        </p:nvSpPr>
+        <p:spPr/>
+        <p:txBody>
+          <a:bodyPr/>
+          <a:lstStyle/>
+          <a:p>
+            <a:r>
+              <a:rPr lang="en-US" dirty="0"/>
+              <a:t> JMH is useful for all sorts of </a:t>
+            </a:r>
+            <a:r>
+              <a:rPr lang="en-US" dirty="0" err="1"/>
+              <a:t>microbenchmarking</a:t>
+            </a:r>
+            <a:r>
+              <a:rPr lang="en-US" dirty="0"/>
+              <a:t> – from nanoseconds to seconds per test. It takes care of all measurement logic, leaving you just a task of writing the test method(s</a:t>
+            </a:r>
+            <a:r>
+              <a:rPr lang="en-US" dirty="0" smtClean="0"/>
+              <a:t>).</a:t>
+            </a:r>
+          </a:p>
+          <a:p>
+            <a:r>
+              <a:rPr lang="en-US" dirty="0" smtClean="0"/>
+              <a:t>Cardinal rules:</a:t>
+            </a:r>
+          </a:p>
+          <a:p>
+            <a:pPr lvl="1"/>
+            <a:r>
+              <a:rPr lang="en-US" dirty="0" smtClean="0"/>
+              <a:t>1. Read input from @State</a:t>
+            </a:r>
+          </a:p>
+          <a:p>
+            <a:pPr lvl="1"/>
+            <a:r>
+              <a:rPr lang="en-US" dirty="0" smtClean="0"/>
+              <a:t>2. Toss output down a </a:t>
+            </a:r>
+            <a:r>
+              <a:rPr lang="en-US" smtClean="0"/>
+              <a:t>Blackhole</a:t>
+            </a:r>
+            <a:endParaRPr lang="en-US" dirty="0"/>
+          </a:p>
+        </p:txBody>
+      </p:sp>
+    </p:spTree>
+    <p:extLst>
+      <p:ext uri="{BB962C8B-B14F-4D97-AF65-F5344CB8AC3E}">
+        <p14:creationId xmlns:p14="http://schemas.microsoft.com/office/powerpoint/2010/main" val="1728611990"/>
+      </p:ext>
+    </p:extLst>
+  </p:cSld>
+  <p:clrMapOvr>
+    <a:masterClrMapping/>
+  </p:clrMapOvr>
+</p:sld>
+</file>
+
+<file path=ppt/slides/slide43.xml><?xml version="1.0" encoding="utf-8"?>
+<p:sld xmlns:a="http://schemas.openxmlformats.org/drawingml/2006/main" xmlns:r="http://schemas.openxmlformats.org/officeDocument/2006/relationships" xmlns:p="http://schemas.openxmlformats.org/presentationml/2006/main">
+  <p:cSld>
+    <p:spTree>
+      <p:nvGrpSpPr>
+        <p:cNvPr id="1" name=""/>
+        <p:cNvGrpSpPr/>
+        <p:nvPr/>
+      </p:nvGrpSpPr>
+      <p:grpSpPr>
+        <a:xfrm>
+          <a:off x="0" y="0"/>
+          <a:ext cx="0" cy="0"/>
+          <a:chOff x="0" y="0"/>
+          <a:chExt cx="0" cy="0"/>
+        </a:xfrm>
+      </p:grpSpPr>
+      <p:sp>
+        <p:nvSpPr>
+          <p:cNvPr id="2" name="Title 1"/>
+          <p:cNvSpPr>
+            <a:spLocks noGrp="1"/>
+          </p:cNvSpPr>
+          <p:nvPr>
+            <p:ph type="title"/>
+          </p:nvPr>
+        </p:nvSpPr>
+        <p:spPr/>
+        <p:txBody>
+          <a:bodyPr/>
+          <a:lstStyle/>
+          <a:p>
+            <a:r>
+              <a:rPr lang="en-US" dirty="0" smtClean="0"/>
               <a:t>References</a:t>
             </a:r>
             <a:endParaRPr lang="en-US" dirty="0"/>
@@ -11916,17 +12607,8 @@
             </a:pPr>
             <a:r>
               <a:rPr lang="en-US" dirty="0" smtClean="0"/>
-              <a:t>The </a:t>
-            </a:r>
-            <a:r>
-              <a:rPr lang="en-US" dirty="0" smtClean="0"/>
-              <a:t>basis for this whole </a:t>
-            </a:r>
-            <a:r>
-              <a:rPr lang="en-US" dirty="0" smtClean="0"/>
-              <a:t>presentation</a:t>
-            </a:r>
-            <a:endParaRPr lang="en-US" dirty="0" smtClean="0"/>
+              <a:t>The basis for this whole presentation</a:t>
+            </a:r>
           </a:p>
           <a:p>
             <a:pPr marL="914400" lvl="1" indent="-457200">
@@ -12497,7 +13179,19 @@
           <a:p>
             <a:r>
               <a:rPr lang="en-US" dirty="0" smtClean="0"/>
-              <a:t>The Morals of Demo 01</a:t>
+              <a:t>The </a:t>
+            </a:r>
+            <a:r>
+              <a:rPr lang="en-US" dirty="0" smtClean="0"/>
+              <a:t>Moral </a:t>
+            </a:r>
+            <a:r>
+              <a:rPr lang="en-US" dirty="0" smtClean="0"/>
+              <a:t>of </a:t>
+            </a:r>
+            <a:r>
+              <a:rPr lang="en-US" dirty="0" err="1"/>
+              <a:t>SimpleBenchmarker</a:t>
             </a:r>
             <a:endParaRPr lang="en-US" dirty="0"/>
           </a:p>
@@ -12520,20 +13214,50 @@
           <a:p>
             <a:r>
               <a:rPr lang="en-US" dirty="0" smtClean="0"/>
-              <a:t>Writing simple benchmarks which yield meaningful results is very difficult</a:t>
-            </a:r>
-          </a:p>
-          <a:p>
-            <a:r>
-              <a:rPr lang="en-US" dirty="0" smtClean="0"/>
-              <a:t>Stop Watch benchmarking is rarely meaningful</a:t>
-            </a:r>
-          </a:p>
-          <a:p>
-            <a:r>
-              <a:rPr lang="en-US" dirty="0" smtClean="0"/>
-              <a:t>The cause of much of this difficulty is the VM’s optimizations</a:t>
-            </a:r>
+              <a:t>Writing simple benchmarks which yield meaningful results is very </a:t>
+            </a:r>
+            <a:r>
+              <a:rPr lang="en-US" dirty="0" smtClean="0"/>
+              <a:t>difficult</a:t>
+            </a:r>
+            <a:endParaRPr lang="en-US" dirty="0" smtClean="0"/>
+          </a:p>
+          <a:p>
+            <a:r>
+              <a:rPr lang="en-US" dirty="0" smtClean="0"/>
+              <a:t>The cause of much of this difficulty is the </a:t>
+            </a:r>
+            <a:r>
+              <a:rPr lang="en-US" dirty="0" smtClean="0"/>
+              <a:t>JIT’s optimizations</a:t>
+            </a:r>
+            <a:endParaRPr lang="en-US" dirty="0"/>
+          </a:p>
+          <a:p>
+            <a:pPr lvl="1"/>
+            <a:r>
+              <a:rPr lang="en-US" dirty="0" err="1" smtClean="0"/>
+              <a:t>Deoptimization</a:t>
+            </a:r>
+            <a:endParaRPr lang="en-US" dirty="0" smtClean="0"/>
+          </a:p>
+          <a:p>
+            <a:pPr lvl="1"/>
+            <a:r>
+              <a:rPr lang="en-US" dirty="0" smtClean="0"/>
+              <a:t>Dead-Code Elimination</a:t>
+            </a:r>
+            <a:endParaRPr lang="en-US" dirty="0"/>
+          </a:p>
+          <a:p>
+            <a:pPr lvl="1"/>
+            <a:r>
+              <a:rPr lang="en-US" dirty="0"/>
+              <a:t>Constant Folding</a:t>
+            </a:r>
+          </a:p>
+          <a:p>
+            <a:pPr lvl="1"/>
             <a:endParaRPr lang="en-US" dirty="0"/>
           </a:p>
         </p:txBody>

--- a/doc/slides.pptx
+++ b/doc/slides.pptx
@@ -5,7 +5,7 @@
     <p:sldMasterId id="2147483648" r:id="rId1"/>
   </p:sldMasterIdLst>
   <p:notesMasterIdLst>
-    <p:notesMasterId r:id="rId46"/>
+    <p:notesMasterId r:id="rId45"/>
   </p:notesMasterIdLst>
   <p:sldIdLst>
     <p:sldId id="256" r:id="rId2"/>
@@ -33,25 +33,24 @@
     <p:sldId id="267" r:id="rId24"/>
     <p:sldId id="268" r:id="rId25"/>
     <p:sldId id="266" r:id="rId26"/>
-    <p:sldId id="302" r:id="rId27"/>
-    <p:sldId id="271" r:id="rId28"/>
-    <p:sldId id="272" r:id="rId29"/>
-    <p:sldId id="281" r:id="rId30"/>
-    <p:sldId id="278" r:id="rId31"/>
-    <p:sldId id="280" r:id="rId32"/>
-    <p:sldId id="274" r:id="rId33"/>
-    <p:sldId id="275" r:id="rId34"/>
-    <p:sldId id="273" r:id="rId35"/>
-    <p:sldId id="286" r:id="rId36"/>
-    <p:sldId id="303" r:id="rId37"/>
-    <p:sldId id="284" r:id="rId38"/>
-    <p:sldId id="285" r:id="rId39"/>
-    <p:sldId id="276" r:id="rId40"/>
-    <p:sldId id="277" r:id="rId41"/>
-    <p:sldId id="264" r:id="rId42"/>
+    <p:sldId id="306" r:id="rId27"/>
+    <p:sldId id="272" r:id="rId28"/>
+    <p:sldId id="281" r:id="rId29"/>
+    <p:sldId id="307" r:id="rId30"/>
+    <p:sldId id="274" r:id="rId31"/>
+    <p:sldId id="275" r:id="rId32"/>
+    <p:sldId id="271" r:id="rId33"/>
+    <p:sldId id="285" r:id="rId34"/>
+    <p:sldId id="308" r:id="rId35"/>
+    <p:sldId id="302" r:id="rId36"/>
+    <p:sldId id="286" r:id="rId37"/>
+    <p:sldId id="309" r:id="rId38"/>
+    <p:sldId id="284" r:id="rId39"/>
+    <p:sldId id="305" r:id="rId40"/>
+    <p:sldId id="264" r:id="rId41"/>
+    <p:sldId id="304" r:id="rId42"/>
     <p:sldId id="287" r:id="rId43"/>
-    <p:sldId id="304" r:id="rId44"/>
-    <p:sldId id="261" r:id="rId45"/>
+    <p:sldId id="261" r:id="rId44"/>
   </p:sldIdLst>
   <p:sldSz cx="12192000" cy="6858000"/>
   <p:notesSz cx="6858000" cy="9144000"/>
@@ -192,28 +191,27 @@
         <p14:section name="Deeper Into JMH" id="{F88E8084-7C91-450E-A9AB-479A1CB3F858}">
           <p14:sldIdLst>
             <p14:sldId id="266"/>
-            <p14:sldId id="302"/>
-            <p14:sldId id="271"/>
+            <p14:sldId id="306"/>
             <p14:sldId id="272"/>
             <p14:sldId id="281"/>
-            <p14:sldId id="278"/>
-            <p14:sldId id="280"/>
+            <p14:sldId id="307"/>
             <p14:sldId id="274"/>
             <p14:sldId id="275"/>
-            <p14:sldId id="273"/>
+            <p14:sldId id="271"/>
+            <p14:sldId id="285"/>
+            <p14:sldId id="308"/>
+            <p14:sldId id="302"/>
             <p14:sldId id="286"/>
-            <p14:sldId id="303"/>
+            <p14:sldId id="309"/>
             <p14:sldId id="284"/>
-            <p14:sldId id="285"/>
-            <p14:sldId id="276"/>
-            <p14:sldId id="277"/>
           </p14:sldIdLst>
         </p14:section>
         <p14:section name="Conclusion" id="{CF0A7257-182A-49EC-83B1-55A727F6C673}">
           <p14:sldIdLst>
+            <p14:sldId id="305"/>
             <p14:sldId id="264"/>
+            <p14:sldId id="304"/>
             <p14:sldId id="287"/>
-            <p14:sldId id="304"/>
             <p14:sldId id="261"/>
           </p14:sldIdLst>
         </p14:section>
@@ -1226,10 +1224,24 @@
     <dgm:pt modelId="{7D819400-5355-4539-B950-53A42EC07EB6}" type="pres">
       <dgm:prSet presAssocID="{8C48DE5A-61CC-405E-AB3D-D64AB5653690}" presName="sibTrans" presStyleLbl="sibTrans2D1" presStyleIdx="0" presStyleCnt="4"/>
       <dgm:spPr/>
+      <dgm:t>
+        <a:bodyPr/>
+        <a:lstStyle/>
+        <a:p>
+          <a:endParaRPr lang="en-US"/>
+        </a:p>
+      </dgm:t>
     </dgm:pt>
     <dgm:pt modelId="{FF6E1D5A-7B98-48CD-898F-BF8060C561BC}" type="pres">
       <dgm:prSet presAssocID="{8C48DE5A-61CC-405E-AB3D-D64AB5653690}" presName="connectorText" presStyleLbl="sibTrans2D1" presStyleIdx="0" presStyleCnt="4"/>
       <dgm:spPr/>
+      <dgm:t>
+        <a:bodyPr/>
+        <a:lstStyle/>
+        <a:p>
+          <a:endParaRPr lang="en-US"/>
+        </a:p>
+      </dgm:t>
     </dgm:pt>
     <dgm:pt modelId="{1F714991-F16A-4900-9C97-FF3C7CEDE68A}" type="pres">
       <dgm:prSet presAssocID="{D4CC5B8A-2CD2-475F-AF2C-9C0B3FFC8464}" presName="node" presStyleLbl="node1" presStyleIdx="1" presStyleCnt="5" custScaleY="211642">
@@ -1238,14 +1250,35 @@
         </dgm:presLayoutVars>
       </dgm:prSet>
       <dgm:spPr/>
+      <dgm:t>
+        <a:bodyPr/>
+        <a:lstStyle/>
+        <a:p>
+          <a:endParaRPr lang="en-US"/>
+        </a:p>
+      </dgm:t>
     </dgm:pt>
     <dgm:pt modelId="{12985A18-B352-43F9-A1D0-0B76E5BFB324}" type="pres">
       <dgm:prSet presAssocID="{BDC843A5-B498-49D7-B173-D719869F73BD}" presName="sibTrans" presStyleLbl="sibTrans2D1" presStyleIdx="1" presStyleCnt="4"/>
       <dgm:spPr/>
+      <dgm:t>
+        <a:bodyPr/>
+        <a:lstStyle/>
+        <a:p>
+          <a:endParaRPr lang="en-US"/>
+        </a:p>
+      </dgm:t>
     </dgm:pt>
     <dgm:pt modelId="{6D9CCFAE-547E-4F33-8FBE-8408FEC3A0F8}" type="pres">
       <dgm:prSet presAssocID="{BDC843A5-B498-49D7-B173-D719869F73BD}" presName="connectorText" presStyleLbl="sibTrans2D1" presStyleIdx="1" presStyleCnt="4"/>
       <dgm:spPr/>
+      <dgm:t>
+        <a:bodyPr/>
+        <a:lstStyle/>
+        <a:p>
+          <a:endParaRPr lang="en-US"/>
+        </a:p>
+      </dgm:t>
     </dgm:pt>
     <dgm:pt modelId="{85BA8AF4-796D-4F62-9CC8-FDCB292F050A}" type="pres">
       <dgm:prSet presAssocID="{543DDDB9-315C-4EAB-B5FD-846F2A3E803E}" presName="node" presStyleLbl="node1" presStyleIdx="2" presStyleCnt="5" custScaleY="211642">
@@ -1265,10 +1298,24 @@
     <dgm:pt modelId="{4650AD4C-020C-490E-B36E-C52E79424EC9}" type="pres">
       <dgm:prSet presAssocID="{8BADF7E0-8CC4-4468-9DC0-F7170C6B054A}" presName="sibTrans" presStyleLbl="sibTrans2D1" presStyleIdx="2" presStyleCnt="4"/>
       <dgm:spPr/>
+      <dgm:t>
+        <a:bodyPr/>
+        <a:lstStyle/>
+        <a:p>
+          <a:endParaRPr lang="en-US"/>
+        </a:p>
+      </dgm:t>
     </dgm:pt>
     <dgm:pt modelId="{FAFA88BC-13BD-4F56-8004-21FFE998D934}" type="pres">
       <dgm:prSet presAssocID="{8BADF7E0-8CC4-4468-9DC0-F7170C6B054A}" presName="connectorText" presStyleLbl="sibTrans2D1" presStyleIdx="2" presStyleCnt="4"/>
       <dgm:spPr/>
+      <dgm:t>
+        <a:bodyPr/>
+        <a:lstStyle/>
+        <a:p>
+          <a:endParaRPr lang="en-US"/>
+        </a:p>
+      </dgm:t>
     </dgm:pt>
     <dgm:pt modelId="{33F89692-EC9B-471F-820C-28011EA7CA4C}" type="pres">
       <dgm:prSet presAssocID="{C5E58ACF-891B-4082-B4E2-1F23A9AEDBE3}" presName="node" presStyleLbl="node1" presStyleIdx="3" presStyleCnt="5" custScaleY="211642">
@@ -1288,10 +1335,24 @@
     <dgm:pt modelId="{F673030C-DE78-47E4-8505-50BB94340D32}" type="pres">
       <dgm:prSet presAssocID="{756A85BD-CD41-401A-BFD6-99F5F2415F76}" presName="sibTrans" presStyleLbl="sibTrans2D1" presStyleIdx="3" presStyleCnt="4"/>
       <dgm:spPr/>
+      <dgm:t>
+        <a:bodyPr/>
+        <a:lstStyle/>
+        <a:p>
+          <a:endParaRPr lang="en-US"/>
+        </a:p>
+      </dgm:t>
     </dgm:pt>
     <dgm:pt modelId="{CACC99BF-7176-4F1F-9553-EB6ABD5BAD86}" type="pres">
       <dgm:prSet presAssocID="{756A85BD-CD41-401A-BFD6-99F5F2415F76}" presName="connectorText" presStyleLbl="sibTrans2D1" presStyleIdx="3" presStyleCnt="4"/>
       <dgm:spPr/>
+      <dgm:t>
+        <a:bodyPr/>
+        <a:lstStyle/>
+        <a:p>
+          <a:endParaRPr lang="en-US"/>
+        </a:p>
+      </dgm:t>
     </dgm:pt>
     <dgm:pt modelId="{295F800A-36AC-4E63-BB92-AFAF04DA6763}" type="pres">
       <dgm:prSet presAssocID="{A1CB55A9-1FF8-4FC2-8DD7-588C73BDBFF2}" presName="node" presStyleLbl="node1" presStyleIdx="4" presStyleCnt="5" custScaleY="211642">
@@ -1327,8 +1388,8 @@
     <dgm:cxn modelId="{697479B9-B032-4BAE-A6AD-4DDA25C966C1}" type="presOf" srcId="{FD267673-45CB-4B97-9BB0-67353AAB1875}" destId="{AE006C96-2839-4937-8116-ACD271B4CE3E}" srcOrd="0" destOrd="0" presId="urn:microsoft.com/office/officeart/2005/8/layout/process1"/>
     <dgm:cxn modelId="{BDF97592-A97E-4379-88D6-5C5D5C09939E}" srcId="{FD267673-45CB-4B97-9BB0-67353AAB1875}" destId="{543DDDB9-315C-4EAB-B5FD-846F2A3E803E}" srcOrd="2" destOrd="0" parTransId="{AA2B6577-DEC5-44CF-994E-F2373AC78C20}" sibTransId="{8BADF7E0-8CC4-4468-9DC0-F7170C6B054A}"/>
     <dgm:cxn modelId="{14C5D50C-66AB-4CAC-B9E3-D7D60D1EF509}" type="presOf" srcId="{543DDDB9-315C-4EAB-B5FD-846F2A3E803E}" destId="{85BA8AF4-796D-4F62-9CC8-FDCB292F050A}" srcOrd="0" destOrd="0" presId="urn:microsoft.com/office/officeart/2005/8/layout/process1"/>
+    <dgm:cxn modelId="{5CE8CF06-E56D-4838-87DD-ADC74EBA8DCD}" type="presOf" srcId="{8C48DE5A-61CC-405E-AB3D-D64AB5653690}" destId="{FF6E1D5A-7B98-48CD-898F-BF8060C561BC}" srcOrd="1" destOrd="0" presId="urn:microsoft.com/office/officeart/2005/8/layout/process1"/>
     <dgm:cxn modelId="{5AC21195-FA61-48A9-BB86-DB8332075316}" type="presOf" srcId="{D4CC5B8A-2CD2-475F-AF2C-9C0B3FFC8464}" destId="{1F714991-F16A-4900-9C97-FF3C7CEDE68A}" srcOrd="0" destOrd="0" presId="urn:microsoft.com/office/officeart/2005/8/layout/process1"/>
-    <dgm:cxn modelId="{5CE8CF06-E56D-4838-87DD-ADC74EBA8DCD}" type="presOf" srcId="{8C48DE5A-61CC-405E-AB3D-D64AB5653690}" destId="{FF6E1D5A-7B98-48CD-898F-BF8060C561BC}" srcOrd="1" destOrd="0" presId="urn:microsoft.com/office/officeart/2005/8/layout/process1"/>
     <dgm:cxn modelId="{FB4ECB12-6A54-432F-A285-2AF21D384CAB}" type="presParOf" srcId="{AE006C96-2839-4937-8116-ACD271B4CE3E}" destId="{8E921499-E7DB-4A29-B76B-31E36C9D1068}" srcOrd="0" destOrd="0" presId="urn:microsoft.com/office/officeart/2005/8/layout/process1"/>
     <dgm:cxn modelId="{E9B6850C-A216-42D2-A58E-1BDCC1AFBDE3}" type="presParOf" srcId="{AE006C96-2839-4937-8116-ACD271B4CE3E}" destId="{7D819400-5355-4539-B950-53A42EC07EB6}" srcOrd="1" destOrd="0" presId="urn:microsoft.com/office/officeart/2005/8/layout/process1"/>
     <dgm:cxn modelId="{2FE800DF-C2A6-47E9-B341-3B1014EC6B92}" type="presParOf" srcId="{7D819400-5355-4539-B950-53A42EC07EB6}" destId="{FF6E1D5A-7B98-48CD-898F-BF8060C561BC}" srcOrd="0" destOrd="0" presId="urn:microsoft.com/office/officeart/2005/8/layout/process1"/>
@@ -4192,7 +4253,6 @@
               <a:rPr lang="en-US" dirty="0" smtClean="0"/>
               <a:t>In certain circumstances the JIT-compiler may be able to detect that the benchmark does not do anything and eliminates large parts or even the whole benchmark code. The performance looks astonishing but unfortunately the benchmark developer has just been fooled by the JIT-compiler. </a:t>
             </a:r>
-            <a:endParaRPr lang="en-US" dirty="0" smtClean="0"/>
           </a:p>
           <a:p>
             <a:endParaRPr lang="en-US" dirty="0" smtClean="0"/>
@@ -4608,11 +4668,7 @@
             </a:r>
             <a:r>
               <a:rPr lang="en-US" baseline="0" dirty="0" smtClean="0"/>
-              <a:t> by hand is very, very hard</a:t>
-            </a:r>
-            <a:r>
-              <a:rPr lang="en-US" baseline="0" dirty="0" smtClean="0"/>
-              <a:t>.</a:t>
+              <a:t> by hand is very, very hard.</a:t>
             </a:r>
           </a:p>
           <a:p>
@@ -4731,11 +4787,7 @@
           <a:p>
             <a:r>
               <a:rPr lang="en-US" b="1" dirty="0" smtClean="0"/>
-              <a:t>“</a:t>
-            </a:r>
-            <a:r>
-              <a:rPr lang="en-US" b="1" dirty="0" smtClean="0"/>
-              <a:t>Its distinctive advantage </a:t>
+              <a:t>“Its distinctive advantage </a:t>
             </a:r>
             <a:r>
               <a:rPr lang="en-US" dirty="0" smtClean="0"/>
@@ -4765,11 +4817,7 @@
             </a:r>
             <a:r>
               <a:rPr lang="en-US" b="1" dirty="0" smtClean="0"/>
-              <a:t>JMH is likely to be in sync with the latest Oracle JRE changes, which makes its results very reliable. </a:t>
-            </a:r>
-            <a:r>
-              <a:rPr lang="en-US" b="1" dirty="0" smtClean="0"/>
-              <a:t>“</a:t>
+              <a:t>JMH is likely to be in sync with the latest Oracle JRE changes, which makes its results very reliable. “</a:t>
             </a:r>
           </a:p>
           <a:p>
@@ -4905,23 +4953,7 @@
           <a:p>
             <a:r>
               <a:rPr lang="en-US" dirty="0" smtClean="0"/>
-              <a:t>In </a:t>
-            </a:r>
-            <a:r>
-              <a:rPr lang="en-US" dirty="0" smtClean="0"/>
-              <a:t>all cases, the key to using JMH is </a:t>
-            </a:r>
-            <a:r>
-              <a:rPr lang="en-US" dirty="0" smtClean="0"/>
-              <a:t>enabling </a:t>
-            </a:r>
-            <a:r>
-              <a:rPr lang="en-US" dirty="0" smtClean="0"/>
-              <a:t>the annotation- or bytecode-processors to generate the synthetic benchmark </a:t>
-            </a:r>
-            <a:r>
-              <a:rPr lang="en-US" dirty="0" smtClean="0"/>
-              <a:t>code and properly</a:t>
+              <a:t>In all cases, the key to using JMH is enabling the annotation- or bytecode-processors to generate the synthetic benchmark code and properly</a:t>
             </a:r>
             <a:r>
               <a:rPr lang="en-US" baseline="0" dirty="0" smtClean="0"/>
@@ -5091,11 +5123,7 @@
             </a:r>
             <a:r>
               <a:rPr lang="en-US" baseline="0" dirty="0" smtClean="0"/>
-              <a:t> several hundred times better than JMH, </a:t>
-            </a:r>
-            <a:r>
-              <a:rPr lang="en-US" baseline="0" dirty="0" smtClean="0"/>
-              <a:t>I’ve found some resources to run JMH via </a:t>
+              <a:t> several hundred times better than JMH, I’ve found some resources to run JMH via </a:t>
             </a:r>
             <a:r>
               <a:rPr lang="en-US" baseline="0" dirty="0" err="1" smtClean="0"/>
@@ -5130,7 +5158,6 @@
               <a:rPr lang="en-US" baseline="0" dirty="0" smtClean="0"/>
               <a:t>, plus Visual Studio Code, plus some python charting library makes that cycle really short.  Piecing this toolchain together from various resources online took some work.</a:t>
             </a:r>
-            <a:endParaRPr lang="en-US" baseline="0" dirty="0" smtClean="0"/>
           </a:p>
           <a:p>
             <a:endParaRPr lang="en-US" baseline="0" dirty="0" smtClean="0"/>
@@ -5155,11 +5182,7 @@
             </a:pPr>
             <a:r>
               <a:rPr lang="en-US" dirty="0" smtClean="0"/>
-              <a:t>It is possible to run benchmarks from within an existing project, </a:t>
-            </a:r>
-            <a:r>
-              <a:rPr lang="en-US" dirty="0" smtClean="0"/>
-              <a:t>and I’ll show how</a:t>
+              <a:t>It is possible to run benchmarks from within an existing project, and I’ll show how</a:t>
             </a:r>
             <a:r>
               <a:rPr lang="en-US" baseline="0" dirty="0" smtClean="0"/>
@@ -5167,11 +5190,7 @@
             </a:r>
             <a:r>
               <a:rPr lang="en-US" dirty="0" smtClean="0"/>
-              <a:t>and </a:t>
-            </a:r>
-            <a:r>
-              <a:rPr lang="en-US" dirty="0" smtClean="0"/>
-              <a:t>even from within an IDE, however setup is more complex and the results are less reliable.</a:t>
+              <a:t>and even from within an IDE, however setup is more complex and the results are less reliable.</a:t>
             </a:r>
           </a:p>
         </p:txBody>
@@ -5258,19 +5277,7 @@
           <a:p>
             <a:r>
               <a:rPr lang="en-US" dirty="0" smtClean="0"/>
-              <a:t>When dealing with large projects, it is customary to keep the benchmarks in a separate subproject, which then depends on the </a:t>
-            </a:r>
-            <a:r>
-              <a:rPr lang="en-US" dirty="0" smtClean="0"/>
-              <a:t>tested </a:t>
-            </a:r>
-            <a:r>
-              <a:rPr lang="en-US" dirty="0" smtClean="0"/>
-              <a:t>modules via the usual build dependencies</a:t>
-            </a:r>
-            <a:r>
-              <a:rPr lang="en-US" dirty="0" smtClean="0"/>
-              <a:t>.</a:t>
+              <a:t>When dealing with large projects, it is customary to keep the benchmarks in a separate subproject, which then depends on the tested modules via the usual build dependencies.</a:t>
             </a:r>
           </a:p>
           <a:p>
@@ -6561,11 +6568,7 @@
             </a:r>
             <a:r>
               <a:rPr lang="en-US" baseline="0" dirty="0" smtClean="0"/>
-              <a:t> of 1 second – shows the emphasis on “micro”-benchmarks</a:t>
-            </a:r>
-            <a:r>
-              <a:rPr lang="en-US" baseline="0" dirty="0" smtClean="0"/>
-              <a:t>.  It’s expected that your benchmark code will execute many, many times in the course of a single second.</a:t>
+              <a:t> of 1 second – shows the emphasis on “micro”-benchmarks.  It’s expected that your benchmark code will execute many, many times in the course of a single second.</a:t>
             </a:r>
           </a:p>
           <a:p>
@@ -6788,25 +6791,12 @@
           <a:p>
             <a:r>
               <a:rPr lang="en-US" dirty="0" smtClean="0"/>
-              <a:t>Aim </a:t>
-            </a:r>
-            <a:r>
-              <a:rPr lang="en-US" dirty="0" smtClean="0"/>
-              <a:t>of JMH that</a:t>
+              <a:t>Aim of JMH that</a:t>
             </a:r>
             <a:r>
               <a:rPr lang="en-US" baseline="0" dirty="0" smtClean="0"/>
-              <a:t> </a:t>
-            </a:r>
-            <a:r>
-              <a:rPr lang="en-US" baseline="0" dirty="0" smtClean="0"/>
-              <a:t>if you run twice on the same machine – without making major changes to that machine’s software or hardware, you can meaningfully compare </a:t>
-            </a:r>
-            <a:r>
-              <a:rPr lang="en-US" baseline="0" dirty="0" smtClean="0"/>
-              <a:t>output so it documents what the JVM it ran on was and what the configuration was.</a:t>
-            </a:r>
-            <a:endParaRPr lang="en-US" baseline="0" dirty="0" smtClean="0"/>
+              <a:t> if you run twice on the same machine – without making major changes to that machine’s software or hardware, you can meaningfully compare output so it documents what the JVM it ran on was and what the configuration was.</a:t>
+            </a:r>
           </a:p>
           <a:p>
             <a:endParaRPr lang="en-US" baseline="0" dirty="0" smtClean="0"/>
@@ -7133,23 +7123,7 @@
           <a:p>
             <a:r>
               <a:rPr lang="en-US" dirty="0" smtClean="0"/>
-              <a:t>We </a:t>
-            </a:r>
-            <a:r>
-              <a:rPr lang="en-US" dirty="0" smtClean="0"/>
-              <a:t>have a baseline benchmark that gives us a </a:t>
-            </a:r>
-            <a:r>
-              <a:rPr lang="en-US" dirty="0" smtClean="0"/>
-              <a:t>reference point </a:t>
-            </a:r>
-            <a:r>
-              <a:rPr lang="en-US" dirty="0" smtClean="0"/>
-              <a:t>on </a:t>
-            </a:r>
-            <a:r>
-              <a:rPr lang="en-US" dirty="0" smtClean="0"/>
-              <a:t>what it costs</a:t>
+              <a:t>We have a baseline benchmark that gives us a reference point on what it costs</a:t>
             </a:r>
             <a:r>
               <a:rPr lang="en-US" baseline="0" dirty="0" smtClean="0"/>
@@ -7157,11 +7131,7 @@
             </a:r>
             <a:r>
               <a:rPr lang="en-US" dirty="0" smtClean="0"/>
-              <a:t>returning </a:t>
-            </a:r>
-            <a:r>
-              <a:rPr lang="en-US" dirty="0" smtClean="0"/>
-              <a:t>an </a:t>
+              <a:t>returning an </a:t>
             </a:r>
             <a:r>
               <a:rPr lang="en-US" dirty="0" err="1" smtClean="0"/>
@@ -7173,21 +7143,33 @@
             </a:r>
             <a:r>
               <a:rPr lang="en-US" baseline="0" dirty="0" smtClean="0"/>
-              <a:t> this from the cost of the sum </a:t>
+              <a:t> this from the cost of the sum method.</a:t>
+            </a:r>
+            <a:endParaRPr lang="en-US" dirty="0" smtClean="0"/>
+          </a:p>
+          <a:p>
+            <a:endParaRPr lang="en-US" dirty="0" smtClean="0"/>
+          </a:p>
+          <a:p>
+            <a:r>
+              <a:rPr lang="en-US" dirty="0" smtClean="0"/>
+              <a:t>JMH takes care of reusing return values so as to defeat dead-code elimination. We also </a:t>
+            </a:r>
+            <a:r>
+              <a:rPr lang="en-US" dirty="0" smtClean="0"/>
+              <a:t>input the value of field x as</a:t>
             </a:r>
             <a:r>
               <a:rPr lang="en-US" baseline="0" dirty="0" smtClean="0"/>
-              <a:t>method.</a:t>
-            </a:r>
-            <a:endParaRPr lang="en-US" dirty="0" smtClean="0"/>
-          </a:p>
-          <a:p>
-            <a:endParaRPr lang="en-US" dirty="0" smtClean="0"/>
-          </a:p>
-          <a:p>
-            <a:r>
-              <a:rPr lang="en-US" dirty="0" smtClean="0"/>
-              <a:t>JMH takes care of reusing return values so as to defeat dead-code elimination. We also return the value of field x; because the value can be changed from a large number of sources, the virtual machine is unlikely to attempt constant folding optimizations. The code of sum is very similar.</a:t>
+              <a:t> a field of a class marked as @State</a:t>
+            </a:r>
+            <a:r>
+              <a:rPr lang="en-US" dirty="0" smtClean="0"/>
+              <a:t>; this tells the VM not to </a:t>
+            </a:r>
+            <a:r>
+              <a:rPr lang="en-US" dirty="0" smtClean="0"/>
+              <a:t>attempt constant folding optimizations. </a:t>
             </a:r>
             <a:endParaRPr lang="en-US" dirty="0"/>
           </a:p>
@@ -7273,35 +7255,6 @@
           <a:bodyPr/>
           <a:lstStyle/>
           <a:p>
-            <a:r>
-              <a:rPr lang="en-US" dirty="0" smtClean="0"/>
-              <a:t>Besides marking a separate class as a @State, you can also mark your own benchmark class as @State.</a:t>
-            </a:r>
-          </a:p>
-          <a:p>
-            <a:endParaRPr lang="en-US" dirty="0" smtClean="0"/>
-          </a:p>
-          <a:p>
-            <a:r>
-              <a:rPr lang="en-US" dirty="0" smtClean="0"/>
-              <a:t>Like JUnit tests, you can annotate your state class methods with @Setup and @</a:t>
-            </a:r>
-            <a:r>
-              <a:rPr lang="en-US" dirty="0" err="1" smtClean="0"/>
-              <a:t>TearDown</a:t>
-            </a:r>
-            <a:r>
-              <a:rPr lang="en-US" dirty="0" smtClean="0"/>
-              <a:t> annotations (these methods called </a:t>
-            </a:r>
-            <a:r>
-              <a:rPr lang="en-US" i="1" dirty="0" smtClean="0"/>
-              <a:t>fixtures</a:t>
-            </a:r>
-            <a:r>
-              <a:rPr lang="en-US" dirty="0" smtClean="0"/>
-              <a:t> in JMH documentation. You can have any number of setup/teardown methods. </a:t>
-            </a:r>
             <a:endParaRPr lang="en-US" dirty="0"/>
           </a:p>
         </p:txBody>
@@ -7323,7 +7276,7 @@
           <a:p>
             <a:fld id="{CFAD290B-5269-4E99-8A8A-8691B1EB0AE9}" type="slidenum">
               <a:rPr lang="en-US" smtClean="0"/>
-              <a:t>28</a:t>
+              <a:t>26</a:t>
             </a:fld>
             <a:endParaRPr lang="en-US"/>
           </a:p>
@@ -7332,7 +7285,7 @@
     </p:spTree>
     <p:extLst>
       <p:ext uri="{BB962C8B-B14F-4D97-AF65-F5344CB8AC3E}">
-        <p14:creationId xmlns:p14="http://schemas.microsoft.com/office/powerpoint/2010/main" val="4077693676"/>
+        <p14:creationId xmlns:p14="http://schemas.microsoft.com/office/powerpoint/2010/main" val="1367792684"/>
       </p:ext>
     </p:extLst>
   </p:cSld>
@@ -7388,13 +7341,7 @@
           <a:p>
             <a:r>
               <a:rPr lang="en-US" dirty="0" smtClean="0"/>
-              <a:t>You may also need to define the non-uniform access to your state object – for example to test the “readers-writers” scenario where the number of readers is usually higher than the number of writers. JMH uses the notion of thread groups for this case. </a:t>
-            </a:r>
-          </a:p>
-          <a:p>
-            <a:r>
-              <a:rPr lang="en-US" dirty="0" smtClean="0"/>
-              <a:t>In order to setup a group of tests, you need: </a:t>
+              <a:t>Besides marking a separate class as a @State, you can also mark your own benchmark class as @State.</a:t>
             </a:r>
           </a:p>
           <a:p>
@@ -7403,32 +7350,41 @@
           <a:p>
             <a:r>
               <a:rPr lang="en-US" dirty="0" smtClean="0"/>
-              <a:t>Mark all your test methods with @Group(name) annotation, providing the same string name for all tests in a group (otherwise these tests will be run independently – no warning will be given!). </a:t>
-            </a:r>
-          </a:p>
-          <a:p>
+              <a:t>Like JUnit tests, you can annotate your state class methods with @Setup and @</a:t>
+            </a:r>
+            <a:r>
+              <a:rPr lang="en-US" dirty="0" err="1" smtClean="0"/>
+              <a:t>TearDown</a:t>
+            </a:r>
+            <a:r>
+              <a:rPr lang="en-US" dirty="0" smtClean="0"/>
+              <a:t> annotations (these methods called </a:t>
+            </a:r>
+            <a:r>
+              <a:rPr lang="en-US" i="1" dirty="0" smtClean="0"/>
+              <a:t>fixtures</a:t>
+            </a:r>
+            <a:r>
+              <a:rPr lang="en-US" dirty="0" smtClean="0"/>
+              <a:t> in JMH documentation. You can have any number of setup/teardown methods. </a:t>
+            </a:r>
             <a:endParaRPr lang="en-US" dirty="0" smtClean="0"/>
           </a:p>
           <a:p>
-            <a:r>
-              <a:rPr lang="en-US" dirty="0" smtClean="0"/>
-              <a:t>Annotate each of your tests with @</a:t>
+            <a:endParaRPr lang="en-US" dirty="0" smtClean="0"/>
+          </a:p>
+          <a:p>
+            <a:r>
+              <a:rPr lang="en-US" dirty="0" smtClean="0"/>
+              <a:t>State objects are usually injected into Benchmark methods as arguments, and JMH takes care of their instantiation and sharing. State objects may also be injected into Setup and </a:t>
             </a:r>
             <a:r>
               <a:rPr lang="en-US" dirty="0" err="1" smtClean="0"/>
-              <a:t>GroupThreads</a:t>
-            </a:r>
-            <a:r>
-              <a:rPr lang="en-US" dirty="0" smtClean="0"/>
-              <a:t>(</a:t>
-            </a:r>
-            <a:r>
-              <a:rPr lang="en-US" dirty="0" err="1" smtClean="0"/>
-              <a:t>threadsNumber</a:t>
-            </a:r>
-            <a:r>
-              <a:rPr lang="en-US" dirty="0" smtClean="0"/>
-              <a:t>) annotation, specifying a number of threads which will run the given method. </a:t>
+              <a:t>TearDown</a:t>
+            </a:r>
+            <a:r>
+              <a:rPr lang="en-US" dirty="0" smtClean="0"/>
+              <a:t> methods of other State objects to get the staged initialization.</a:t>
             </a:r>
           </a:p>
           <a:p>
@@ -7437,18 +7393,8 @@
           <a:p>
             <a:r>
               <a:rPr lang="en-US" dirty="0" smtClean="0"/>
-              <a:t>JMH will start a sum of all your @</a:t>
-            </a:r>
-            <a:r>
-              <a:rPr lang="en-US" dirty="0" err="1" smtClean="0"/>
-              <a:t>GroupThreads</a:t>
-            </a:r>
-            <a:r>
-              <a:rPr lang="en-US" dirty="0" smtClean="0"/>
-              <a:t> for the given group and will run all tests in a group concurrently in the same trial. The results will be given for the group and for each method independently. </a:t>
-            </a:r>
-          </a:p>
-          <a:p>
+              <a:t>We can also specify whether a state holds for the whole benchmark, for one trial, or for one invocation.</a:t>
+            </a:r>
             <a:endParaRPr lang="en-US" dirty="0"/>
           </a:p>
         </p:txBody>
@@ -7470,7 +7416,7 @@
           <a:p>
             <a:fld id="{CFAD290B-5269-4E99-8A8A-8691B1EB0AE9}" type="slidenum">
               <a:rPr lang="en-US" smtClean="0"/>
-              <a:t>29</a:t>
+              <a:t>27</a:t>
             </a:fld>
             <a:endParaRPr lang="en-US"/>
           </a:p>
@@ -7479,7 +7425,7 @@
     </p:spTree>
     <p:extLst>
       <p:ext uri="{BB962C8B-B14F-4D97-AF65-F5344CB8AC3E}">
-        <p14:creationId xmlns:p14="http://schemas.microsoft.com/office/powerpoint/2010/main" val="370174003"/>
+        <p14:creationId xmlns:p14="http://schemas.microsoft.com/office/powerpoint/2010/main" val="4077693676"/>
       </p:ext>
     </p:extLst>
   </p:cSld>
@@ -7533,14 +7479,6 @@
           <a:bodyPr/>
           <a:lstStyle/>
           <a:p>
-            <a:r>
-              <a:rPr lang="en-US" dirty="0" smtClean="0"/>
-              <a:t>Class level, or override</a:t>
-            </a:r>
-            <a:r>
-              <a:rPr lang="en-US" baseline="0" dirty="0" smtClean="0"/>
-              <a:t> at method</a:t>
-            </a:r>
             <a:endParaRPr lang="en-US" dirty="0"/>
           </a:p>
         </p:txBody>
@@ -7562,7 +7500,7 @@
           <a:p>
             <a:fld id="{CFAD290B-5269-4E99-8A8A-8691B1EB0AE9}" type="slidenum">
               <a:rPr lang="en-US" smtClean="0"/>
-              <a:t>30</a:t>
+              <a:t>28</a:t>
             </a:fld>
             <a:endParaRPr lang="en-US"/>
           </a:p>
@@ -7571,7 +7509,7 @@
     </p:spTree>
     <p:extLst>
       <p:ext uri="{BB962C8B-B14F-4D97-AF65-F5344CB8AC3E}">
-        <p14:creationId xmlns:p14="http://schemas.microsoft.com/office/powerpoint/2010/main" val="3238524958"/>
+        <p14:creationId xmlns:p14="http://schemas.microsoft.com/office/powerpoint/2010/main" val="370174003"/>
       </p:ext>
     </p:extLst>
   </p:cSld>
@@ -7631,16 +7569,15 @@
             </a:r>
             <a:r>
               <a:rPr lang="en-US" baseline="0" dirty="0" smtClean="0"/>
-              <a:t> is the attempt by the makers of JMH (the same people who work on the JIT) to tell the JVM in no uncertain terms to avoid optimizing away the thing you are trying to benchmark.</a:t>
-            </a:r>
-          </a:p>
-          <a:p>
-            <a:endParaRPr lang="en-US" baseline="0" dirty="0" smtClean="0"/>
-          </a:p>
-          <a:p>
+              <a:t> is the attempt by the makers of JMH (the same people who work on the JIT) to tell the JVM in no uncertain terms to avoid optimizing away </a:t>
+            </a:r>
             <a:r>
               <a:rPr lang="en-US" baseline="0" dirty="0" smtClean="0"/>
-              <a:t>Just returning the value works most of the time, this is meant to work as much of the time as is possible (but still NOT 100% - which is why you need a baseline)</a:t>
+              <a:t>the very </a:t>
+            </a:r>
+            <a:r>
+              <a:rPr lang="en-US" baseline="0" dirty="0" smtClean="0"/>
+              <a:t>thing you are trying to benchmark.</a:t>
             </a:r>
           </a:p>
           <a:p>
@@ -7666,7 +7603,15 @@
             </a:r>
             <a:r>
               <a:rPr lang="en-US" dirty="0" smtClean="0"/>
-              <a:t>f you need to return more than one value from your test</a:t>
+              <a:t>f you need to return more than one value from your </a:t>
+            </a:r>
+            <a:r>
+              <a:rPr lang="en-US" dirty="0" smtClean="0"/>
+              <a:t>@Benchmark , or you want to have your @Benchmark methods be</a:t>
+            </a:r>
+            <a:r>
+              <a:rPr lang="en-US" baseline="0" dirty="0" smtClean="0"/>
+              <a:t> void methods, etc.</a:t>
             </a:r>
             <a:endParaRPr lang="en-US" dirty="0"/>
           </a:p>
@@ -7689,7 +7634,7 @@
           <a:p>
             <a:fld id="{CFAD290B-5269-4E99-8A8A-8691B1EB0AE9}" type="slidenum">
               <a:rPr lang="en-US" smtClean="0"/>
-              <a:t>32</a:t>
+              <a:t>30</a:t>
             </a:fld>
             <a:endParaRPr lang="en-US"/>
           </a:p>
@@ -7896,7 +7841,7 @@
           <a:p>
             <a:fld id="{CFAD290B-5269-4E99-8A8A-8691B1EB0AE9}" type="slidenum">
               <a:rPr lang="en-US" smtClean="0"/>
-              <a:t>33</a:t>
+              <a:t>31</a:t>
             </a:fld>
             <a:endParaRPr lang="en-US"/>
           </a:p>
@@ -7959,6 +7904,22 @@
           <a:bodyPr/>
           <a:lstStyle/>
           <a:p>
+            <a:r>
+              <a:rPr lang="en-US" dirty="0" smtClean="0"/>
+              <a:t>We saw</a:t>
+            </a:r>
+            <a:r>
+              <a:rPr lang="en-US" baseline="0" dirty="0" smtClean="0"/>
+              <a:t> how the type of method call we make can have a huge effect on timings in the </a:t>
+            </a:r>
+            <a:r>
+              <a:rPr lang="en-US" baseline="0" dirty="0" err="1" smtClean="0"/>
+              <a:t>SimpleBenchmarker</a:t>
+            </a:r>
+            <a:r>
+              <a:rPr lang="en-US" baseline="0" dirty="0" smtClean="0"/>
+              <a:t> demo.</a:t>
+            </a:r>
             <a:endParaRPr lang="en-US" dirty="0"/>
           </a:p>
         </p:txBody>
@@ -7980,7 +7941,7 @@
           <a:p>
             <a:fld id="{CFAD290B-5269-4E99-8A8A-8691B1EB0AE9}" type="slidenum">
               <a:rPr lang="en-US" smtClean="0"/>
-              <a:t>34</a:t>
+              <a:t>32</a:t>
             </a:fld>
             <a:endParaRPr lang="en-US"/>
           </a:p>
@@ -7989,7 +7950,7 @@
     </p:spTree>
     <p:extLst>
       <p:ext uri="{BB962C8B-B14F-4D97-AF65-F5344CB8AC3E}">
-        <p14:creationId xmlns:p14="http://schemas.microsoft.com/office/powerpoint/2010/main" val="1269356262"/>
+        <p14:creationId xmlns:p14="http://schemas.microsoft.com/office/powerpoint/2010/main" val="1954616917"/>
       </p:ext>
     </p:extLst>
   </p:cSld>
@@ -8045,7 +8006,25 @@
           <a:p>
             <a:r>
               <a:rPr lang="en-US" dirty="0" smtClean="0"/>
-              <a:t>You can give the JIT a hint how to use any method in your test program. By “any method” I mean any method – not just those annotated by @Benchmark. </a:t>
+              <a:t>By default JHM forks a new java process for each trial (set of iterations). This is required to defend the test from previously collected “profiles” – information about other loaded classes and their execution information. For example, if you have 2 classes implementing the same interface and test the performance of both of them, then the first implementation (in order of testing) is likely to be faster than the second one (in the same JVM), because JIT replaces direct method calls to the first implementation with interface method calls after discovering the second </a:t>
+            </a:r>
+            <a:r>
+              <a:rPr lang="en-US" dirty="0" smtClean="0"/>
+              <a:t>implementation</a:t>
+            </a:r>
+            <a:r>
+              <a:rPr lang="en-US" dirty="0" smtClean="0"/>
+              <a:t>. </a:t>
+            </a:r>
+            <a:endParaRPr lang="en-US" dirty="0" smtClean="0"/>
+          </a:p>
+          <a:p>
+            <a:endParaRPr lang="en-US" dirty="0" smtClean="0"/>
+          </a:p>
+          <a:p>
+            <a:r>
+              <a:rPr lang="en-US" dirty="0" smtClean="0"/>
+              <a:t>One class per method = similar to how Junit works.</a:t>
             </a:r>
             <a:endParaRPr lang="en-US" dirty="0"/>
           </a:p>
@@ -8068,7 +8047,7 @@
           <a:p>
             <a:fld id="{CFAD290B-5269-4E99-8A8A-8691B1EB0AE9}" type="slidenum">
               <a:rPr lang="en-US" smtClean="0"/>
-              <a:t>35</a:t>
+              <a:t>33</a:t>
             </a:fld>
             <a:endParaRPr lang="en-US"/>
           </a:p>
@@ -8077,7 +8056,7 @@
     </p:spTree>
     <p:extLst>
       <p:ext uri="{BB962C8B-B14F-4D97-AF65-F5344CB8AC3E}">
-        <p14:creationId xmlns:p14="http://schemas.microsoft.com/office/powerpoint/2010/main" val="3644895917"/>
+        <p14:creationId xmlns:p14="http://schemas.microsoft.com/office/powerpoint/2010/main" val="89694323"/>
       </p:ext>
     </p:extLst>
   </p:cSld>
@@ -8131,29 +8110,10 @@
           <a:bodyPr/>
           <a:lstStyle/>
           <a:p>
-            <a:pPr marL="0" marR="0" indent="0" algn="l" defTabSz="914400" rtl="0" eaLnBrk="1" fontAlgn="auto" latinLnBrk="0" hangingPunct="1">
-              <a:lnSpc>
-                <a:spcPct val="100000"/>
-              </a:lnSpc>
-              <a:spcBef>
-                <a:spcPts val="0"/>
-              </a:spcBef>
-              <a:spcAft>
-                <a:spcPts val="0"/>
-              </a:spcAft>
-              <a:buClrTx/>
-              <a:buSzTx/>
-              <a:buFontTx/>
-              <a:buNone/>
-              <a:tabLst/>
-              <a:defRPr/>
-            </a:pPr>
-            <a:r>
-              <a:rPr lang="en-US" b="0" dirty="0" smtClean="0"/>
-              <a:t>JIT is too smart and often does magic tricks with loops. Test the actual calculation and let JMH to take care of the rest.</a:t>
-            </a:r>
-          </a:p>
-          <a:p>
+            <a:r>
+              <a:rPr lang="en-US" dirty="0" smtClean="0"/>
+              <a:t>You can give the JIT a hint how to use any method in your test program. By “any method” I mean any method – not just those annotated by @Benchmark. </a:t>
+            </a:r>
             <a:endParaRPr lang="en-US" dirty="0"/>
           </a:p>
         </p:txBody>
@@ -8175,7 +8135,7 @@
           <a:p>
             <a:fld id="{CFAD290B-5269-4E99-8A8A-8691B1EB0AE9}" type="slidenum">
               <a:rPr lang="en-US" smtClean="0"/>
-              <a:t>37</a:t>
+              <a:t>36</a:t>
             </a:fld>
             <a:endParaRPr lang="en-US"/>
           </a:p>
@@ -8184,7 +8144,7 @@
     </p:spTree>
     <p:extLst>
       <p:ext uri="{BB962C8B-B14F-4D97-AF65-F5344CB8AC3E}">
-        <p14:creationId xmlns:p14="http://schemas.microsoft.com/office/powerpoint/2010/main" val="731637426"/>
+        <p14:creationId xmlns:p14="http://schemas.microsoft.com/office/powerpoint/2010/main" val="3644895917"/>
       </p:ext>
     </p:extLst>
   </p:cSld>
@@ -8238,10 +8198,29 @@
           <a:bodyPr/>
           <a:lstStyle/>
           <a:p>
-            <a:r>
-              <a:rPr lang="en-US" dirty="0" smtClean="0"/>
-              <a:t>By default JHM forks a new java process for each trial (set of iterations). This is required to defend the test from previously collected “profiles” – information about other loaded classes and their execution information. For example, if you have 2 classes implementing the same interface and test the performance of both of them, then the first implementation (in order of testing) is likely to be faster than the second one (in the same JVM), because JIT replaces direct method calls to the first implementation with interface method calls after discovering the second implementation. </a:t>
-            </a:r>
+            <a:pPr marL="0" marR="0" indent="0" algn="l" defTabSz="914400" rtl="0" eaLnBrk="1" fontAlgn="auto" latinLnBrk="0" hangingPunct="1">
+              <a:lnSpc>
+                <a:spcPct val="100000"/>
+              </a:lnSpc>
+              <a:spcBef>
+                <a:spcPts val="0"/>
+              </a:spcBef>
+              <a:spcAft>
+                <a:spcPts val="0"/>
+              </a:spcAft>
+              <a:buClrTx/>
+              <a:buSzTx/>
+              <a:buFontTx/>
+              <a:buNone/>
+              <a:tabLst/>
+              <a:defRPr/>
+            </a:pPr>
+            <a:r>
+              <a:rPr lang="en-US" b="0" dirty="0" smtClean="0"/>
+              <a:t>JIT is too smart and often does magic tricks with loops. Test the actual calculation and let JMH to take care of the rest.</a:t>
+            </a:r>
+          </a:p>
+          <a:p>
             <a:endParaRPr lang="en-US" dirty="0"/>
           </a:p>
         </p:txBody>
@@ -8272,7 +8251,7 @@
     </p:spTree>
     <p:extLst>
       <p:ext uri="{BB962C8B-B14F-4D97-AF65-F5344CB8AC3E}">
-        <p14:creationId xmlns:p14="http://schemas.microsoft.com/office/powerpoint/2010/main" val="89694323"/>
+        <p14:creationId xmlns:p14="http://schemas.microsoft.com/office/powerpoint/2010/main" val="731637426"/>
       </p:ext>
     </p:extLst>
   </p:cSld>
@@ -8326,51 +8305,6 @@
           <a:bodyPr/>
           <a:lstStyle/>
           <a:p>
-            <a:r>
-              <a:rPr lang="en-US" dirty="0" smtClean="0"/>
-              <a:t>We can clearly see the effects of dead-code elimination and constant folding. The only meaningful measurement of distance() is when the value is being consumed by JMH (using the </a:t>
-            </a:r>
-            <a:r>
-              <a:rPr lang="en-US" dirty="0" err="1" smtClean="0"/>
-              <a:t>bBlackhole</a:t>
-            </a:r>
-            <a:r>
-              <a:rPr lang="en-US" dirty="0" smtClean="0"/>
-              <a:t>) and the</a:t>
-            </a:r>
-            <a:r>
-              <a:rPr lang="en-US" baseline="0" dirty="0" smtClean="0"/>
-              <a:t> </a:t>
-            </a:r>
-            <a:r>
-              <a:rPr lang="en-US" dirty="0" smtClean="0"/>
-              <a:t>parameters are passed through field values of a @State class. </a:t>
-            </a:r>
-          </a:p>
-          <a:p>
-            <a:endParaRPr lang="en-US" dirty="0" smtClean="0"/>
-          </a:p>
-          <a:p>
-            <a:r>
-              <a:rPr lang="en-US" dirty="0" smtClean="0"/>
-              <a:t>All other cases are meaningless</a:t>
-            </a:r>
-            <a:r>
-              <a:rPr lang="en-US" baseline="0" dirty="0" smtClean="0"/>
-              <a:t> – they are similar to measuring </a:t>
-            </a:r>
-            <a:r>
-              <a:rPr lang="en-US" dirty="0" smtClean="0"/>
-              <a:t>the performance </a:t>
-            </a:r>
-            <a:r>
-              <a:rPr lang="en-US" smtClean="0"/>
-              <a:t>of benchmarking a </a:t>
-            </a:r>
-            <a:r>
-              <a:rPr lang="en-US" dirty="0" smtClean="0"/>
-              <a:t>constant double or an empty void-returning method.</a:t>
-            </a:r>
             <a:endParaRPr lang="en-US" dirty="0"/>
           </a:p>
         </p:txBody>
@@ -8392,7 +8326,7 @@
           <a:p>
             <a:fld id="{CFAD290B-5269-4E99-8A8A-8691B1EB0AE9}" type="slidenum">
               <a:rPr lang="en-US" smtClean="0"/>
-              <a:t>40</a:t>
+              <a:t>39</a:t>
             </a:fld>
             <a:endParaRPr lang="en-US"/>
           </a:p>
@@ -8401,7 +8335,91 @@
     </p:spTree>
     <p:extLst>
       <p:ext uri="{BB962C8B-B14F-4D97-AF65-F5344CB8AC3E}">
-        <p14:creationId xmlns:p14="http://schemas.microsoft.com/office/powerpoint/2010/main" val="543214475"/>
+        <p14:creationId xmlns:p14="http://schemas.microsoft.com/office/powerpoint/2010/main" val="2357033445"/>
+      </p:ext>
+    </p:extLst>
+  </p:cSld>
+  <p:clrMapOvr>
+    <a:masterClrMapping/>
+  </p:clrMapOvr>
+</p:notes>
+</file>
+
+<file path=ppt/notesSlides/notesSlide36.xml><?xml version="1.0" encoding="utf-8"?>
+<p:notes xmlns:a="http://schemas.openxmlformats.org/drawingml/2006/main" xmlns:r="http://schemas.openxmlformats.org/officeDocument/2006/relationships" xmlns:p="http://schemas.openxmlformats.org/presentationml/2006/main">
+  <p:cSld>
+    <p:spTree>
+      <p:nvGrpSpPr>
+        <p:cNvPr id="1" name=""/>
+        <p:cNvGrpSpPr/>
+        <p:nvPr/>
+      </p:nvGrpSpPr>
+      <p:grpSpPr>
+        <a:xfrm>
+          <a:off x="0" y="0"/>
+          <a:ext cx="0" cy="0"/>
+          <a:chOff x="0" y="0"/>
+          <a:chExt cx="0" cy="0"/>
+        </a:xfrm>
+      </p:grpSpPr>
+      <p:sp>
+        <p:nvSpPr>
+          <p:cNvPr id="2" name="Slide Image Placeholder 1"/>
+          <p:cNvSpPr>
+            <a:spLocks noGrp="1" noRot="1" noChangeAspect="1"/>
+          </p:cNvSpPr>
+          <p:nvPr>
+            <p:ph type="sldImg"/>
+          </p:nvPr>
+        </p:nvSpPr>
+        <p:spPr/>
+      </p:sp>
+      <p:sp>
+        <p:nvSpPr>
+          <p:cNvPr id="3" name="Notes Placeholder 2"/>
+          <p:cNvSpPr>
+            <a:spLocks noGrp="1"/>
+          </p:cNvSpPr>
+          <p:nvPr>
+            <p:ph type="body" idx="1"/>
+          </p:nvPr>
+        </p:nvSpPr>
+        <p:spPr/>
+        <p:txBody>
+          <a:bodyPr/>
+          <a:lstStyle/>
+          <a:p>
+            <a:endParaRPr lang="en-US" dirty="0"/>
+          </a:p>
+        </p:txBody>
+      </p:sp>
+      <p:sp>
+        <p:nvSpPr>
+          <p:cNvPr id="4" name="Slide Number Placeholder 3"/>
+          <p:cNvSpPr>
+            <a:spLocks noGrp="1"/>
+          </p:cNvSpPr>
+          <p:nvPr>
+            <p:ph type="sldNum" sz="quarter" idx="10"/>
+          </p:nvPr>
+        </p:nvSpPr>
+        <p:spPr/>
+        <p:txBody>
+          <a:bodyPr/>
+          <a:lstStyle/>
+          <a:p>
+            <a:fld id="{CFAD290B-5269-4E99-8A8A-8691B1EB0AE9}" type="slidenum">
+              <a:rPr lang="en-US" smtClean="0"/>
+              <a:t>41</a:t>
+            </a:fld>
+            <a:endParaRPr lang="en-US"/>
+          </a:p>
+        </p:txBody>
+      </p:sp>
+    </p:spTree>
+    <p:extLst>
+      <p:ext uri="{BB962C8B-B14F-4D97-AF65-F5344CB8AC3E}">
+        <p14:creationId xmlns:p14="http://schemas.microsoft.com/office/powerpoint/2010/main" val="1887771390"/>
       </p:ext>
     </p:extLst>
   </p:cSld>
@@ -8470,11 +8488,11 @@
           <a:p>
             <a:r>
               <a:rPr lang="en-US" baseline="0" dirty="0" smtClean="0"/>
-              <a:t>These are all external to the execution of the code you write.  Use an identical (virtual machine restored from backup file, quiet machine).  R</a:t>
-            </a:r>
-            <a:r>
-              <a:rPr lang="en-US" dirty="0" smtClean="0"/>
-              <a:t>un JVM as a high-priority/real-time process.</a:t>
+              <a:t>These are all external to the execution of the code you write.  Use an identical, machine (virtual machine restored from backup file) which is quiet except for your tests.  R</a:t>
+            </a:r>
+            <a:r>
+              <a:rPr lang="en-US" dirty="0" smtClean="0"/>
+              <a:t>un JVM as a high-priority/real-time process.  </a:t>
             </a:r>
             <a:endParaRPr lang="en-US" baseline="0" dirty="0" smtClean="0"/>
           </a:p>
@@ -8484,11 +8502,7 @@
           <a:p>
             <a:r>
               <a:rPr lang="en-US" baseline="0" dirty="0" smtClean="0"/>
-              <a:t>Garbage collection can be disabled (remember – MICRO benchmarks) to make things simpler</a:t>
-            </a:r>
-            <a:r>
-              <a:rPr lang="en-US" baseline="0" dirty="0" smtClean="0"/>
-              <a:t>.</a:t>
+              <a:t>Garbage collection can be disabled (remember – MICRO benchmarks) to make things simpler.</a:t>
             </a:r>
           </a:p>
           <a:p>
@@ -8644,6 +8658,439 @@
               </a:rPr>
               <a:t>http://stackoverflow.com/questions/504103/how-do-i-write-a-correct-micro-benchmark-in-java#comment8131770_513259 </a:t>
             </a:r>
+          </a:p>
+          <a:p>
+            <a:endParaRPr lang="en-US" dirty="0" smtClean="0"/>
+          </a:p>
+          <a:p>
+            <a:r>
+              <a:rPr lang="en-US" dirty="0" smtClean="0"/>
+              <a:t>Mitigating the Errors of Stopwatch bench marking</a:t>
+            </a:r>
+            <a:br>
+              <a:rPr lang="en-US" dirty="0" smtClean="0"/>
+            </a:br>
+            <a:endParaRPr lang="en-US" dirty="0" smtClean="0"/>
+          </a:p>
+          <a:p>
+            <a:pPr lvl="1"/>
+            <a:r>
+              <a:rPr lang="en-US" dirty="0" err="1" smtClean="0">
+                <a:effectLst/>
+              </a:rPr>
+              <a:t>prerunning</a:t>
+            </a:r>
+            <a:r>
+              <a:rPr lang="en-US" dirty="0" smtClean="0">
+                <a:effectLst/>
+              </a:rPr>
+              <a:t> the tested code to mitigate "warm-up" effects</a:t>
+            </a:r>
+          </a:p>
+          <a:p>
+            <a:pPr lvl="2"/>
+            <a:r>
+              <a:rPr lang="en-US" dirty="0" smtClean="0">
+                <a:effectLst/>
+              </a:rPr>
+              <a:t>run a "warm-up" cycle of *the same code*</a:t>
+            </a:r>
+          </a:p>
+          <a:p>
+            <a:pPr lvl="2"/>
+            <a:r>
+              <a:rPr lang="en-US" dirty="0" smtClean="0">
+                <a:effectLst/>
+              </a:rPr>
+              <a:t>don't load new classes out of the warn-up phase</a:t>
+            </a:r>
+          </a:p>
+          <a:p>
+            <a:pPr lvl="1"/>
+            <a:r>
+              <a:rPr lang="en-US" dirty="0" smtClean="0">
+                <a:effectLst/>
+              </a:rPr>
+              <a:t>long runs minimize error percentage</a:t>
+            </a:r>
+          </a:p>
+          <a:p>
+            <a:pPr lvl="2"/>
+            <a:r>
+              <a:rPr lang="en-US" dirty="0" smtClean="0">
+                <a:effectLst/>
+              </a:rPr>
+              <a:t>Make sure you run it for long enough to be able to measure the results in seconds or (better) tens of seconds</a:t>
+            </a:r>
+          </a:p>
+          <a:p>
+            <a:pPr lvl="1"/>
+            <a:r>
+              <a:rPr lang="en-US" dirty="0" smtClean="0">
+                <a:effectLst/>
+              </a:rPr>
+              <a:t>many runs minimize error percentage</a:t>
+            </a:r>
+          </a:p>
+          <a:p>
+            <a:pPr lvl="2"/>
+            <a:r>
+              <a:rPr lang="en-US" dirty="0" smtClean="0">
+                <a:effectLst/>
+              </a:rPr>
+              <a:t>Timing a single lap versus averaging over multiple laps</a:t>
+            </a:r>
+          </a:p>
+          <a:p>
+            <a:pPr lvl="2"/>
+            <a:r>
+              <a:rPr lang="en-US" dirty="0" smtClean="0">
+                <a:effectLst/>
+              </a:rPr>
+              <a:t>At least be aware when the GC or JIT are affecting your code:</a:t>
+            </a:r>
+          </a:p>
+          <a:p>
+            <a:pPr lvl="2"/>
+            <a:r>
+              <a:rPr lang="en-US" dirty="0" smtClean="0">
+                <a:effectLst/>
+              </a:rPr>
+              <a:t>-XX:+</a:t>
+            </a:r>
+            <a:r>
+              <a:rPr lang="en-US" dirty="0" err="1" smtClean="0">
+                <a:effectLst/>
+              </a:rPr>
+              <a:t>PrintCompilation</a:t>
+            </a:r>
+            <a:r>
+              <a:rPr lang="en-US" dirty="0" smtClean="0">
+                <a:effectLst/>
+              </a:rPr>
+              <a:t>, -</a:t>
+            </a:r>
+            <a:r>
+              <a:rPr lang="en-US" dirty="0" err="1" smtClean="0">
+                <a:effectLst/>
+              </a:rPr>
+              <a:t>verbose:gc</a:t>
+            </a:r>
+            <a:r>
+              <a:rPr lang="en-US" dirty="0" smtClean="0">
+                <a:effectLst/>
+              </a:rPr>
+              <a:t>     </a:t>
+            </a:r>
+            <a:br>
+              <a:rPr lang="en-US" dirty="0" smtClean="0">
+                <a:effectLst/>
+              </a:rPr>
+            </a:br>
+            <a:endParaRPr lang="en-US" dirty="0" smtClean="0">
+              <a:effectLst/>
+            </a:endParaRPr>
+          </a:p>
+          <a:p>
+            <a:pPr lvl="1"/>
+            <a:r>
+              <a:rPr lang="en-US" sz="1200" kern="1200" dirty="0" err="1" smtClean="0">
+                <a:solidFill>
+                  <a:schemeClr val="tx1"/>
+                </a:solidFill>
+                <a:effectLst/>
+                <a:latin typeface="+mn-lt"/>
+                <a:ea typeface="+mn-ea"/>
+                <a:cs typeface="+mn-cs"/>
+              </a:rPr>
+              <a:t>Deoptimization</a:t>
+            </a:r>
+            <a:r>
+              <a:rPr lang="en-US" sz="1200" kern="1200" dirty="0" smtClean="0">
+                <a:solidFill>
+                  <a:schemeClr val="tx1"/>
+                </a:solidFill>
+                <a:effectLst/>
+                <a:latin typeface="+mn-lt"/>
+                <a:ea typeface="+mn-ea"/>
+                <a:cs typeface="+mn-cs"/>
+              </a:rPr>
+              <a:t>/recompilation effects must be mitigated</a:t>
+            </a:r>
+            <a:r>
+              <a:rPr lang="en-US" dirty="0" smtClean="0">
+                <a:effectLst/>
+              </a:rPr>
+              <a:t/>
+            </a:r>
+            <a:br>
+              <a:rPr lang="en-US" dirty="0" smtClean="0">
+                <a:effectLst/>
+              </a:rPr>
+            </a:br>
+            <a:endParaRPr lang="en-US" dirty="0" smtClean="0">
+              <a:effectLst/>
+            </a:endParaRPr>
+          </a:p>
+          <a:p>
+            <a:pPr lvl="2"/>
+            <a:r>
+              <a:rPr lang="en-US" sz="1200" kern="1200" dirty="0" smtClean="0">
+                <a:solidFill>
+                  <a:schemeClr val="tx1"/>
+                </a:solidFill>
+                <a:effectLst/>
+                <a:latin typeface="+mn-lt"/>
+                <a:ea typeface="+mn-ea"/>
+                <a:cs typeface="+mn-cs"/>
+              </a:rPr>
+              <a:t>"Do not take any code path for the first time in the "timing phase"</a:t>
+            </a:r>
+            <a:endParaRPr lang="en-US" dirty="0" smtClean="0">
+              <a:effectLst/>
+            </a:endParaRPr>
+          </a:p>
+          <a:p>
+            <a:pPr lvl="2"/>
+            <a:r>
+              <a:rPr lang="en-US" sz="1200" kern="1200" dirty="0" err="1" smtClean="0">
+                <a:solidFill>
+                  <a:schemeClr val="tx1"/>
+                </a:solidFill>
+                <a:effectLst/>
+                <a:latin typeface="+mn-lt"/>
+                <a:ea typeface="+mn-ea"/>
+                <a:cs typeface="+mn-cs"/>
+              </a:rPr>
+              <a:t>compilier</a:t>
+            </a:r>
+            <a:r>
+              <a:rPr lang="en-US" sz="1200" kern="1200" dirty="0" smtClean="0">
+                <a:solidFill>
+                  <a:schemeClr val="tx1"/>
+                </a:solidFill>
+                <a:effectLst/>
+                <a:latin typeface="+mn-lt"/>
+                <a:ea typeface="+mn-ea"/>
+                <a:cs typeface="+mn-cs"/>
+              </a:rPr>
+              <a:t> might "optimistically" assume a path will never/rarely be taken and anti-optimize it</a:t>
+            </a:r>
+            <a:endParaRPr lang="en-US" dirty="0" smtClean="0">
+              <a:effectLst/>
+            </a:endParaRPr>
+          </a:p>
+          <a:p>
+            <a:pPr lvl="1"/>
+            <a:r>
+              <a:rPr lang="en-US" sz="1200" kern="1200" dirty="0" smtClean="0">
+                <a:solidFill>
+                  <a:schemeClr val="tx1"/>
+                </a:solidFill>
+                <a:effectLst/>
+                <a:latin typeface="+mn-lt"/>
+                <a:ea typeface="+mn-ea"/>
+                <a:cs typeface="+mn-cs"/>
+              </a:rPr>
+              <a:t>Use -</a:t>
+            </a:r>
+            <a:r>
+              <a:rPr lang="en-US" sz="1200" kern="1200" dirty="0" err="1" smtClean="0">
+                <a:solidFill>
+                  <a:schemeClr val="tx1"/>
+                </a:solidFill>
+                <a:effectLst/>
+                <a:latin typeface="+mn-lt"/>
+                <a:ea typeface="+mn-ea"/>
+                <a:cs typeface="+mn-cs"/>
+              </a:rPr>
+              <a:t>Xbatch</a:t>
+            </a:r>
+            <a:r>
+              <a:rPr lang="en-US" sz="1200" kern="1200" dirty="0" smtClean="0">
+                <a:solidFill>
+                  <a:schemeClr val="tx1"/>
+                </a:solidFill>
+                <a:effectLst/>
+                <a:latin typeface="+mn-lt"/>
+                <a:ea typeface="+mn-ea"/>
+                <a:cs typeface="+mn-cs"/>
+              </a:rPr>
+              <a:t> to serialize the compiler with the application</a:t>
+            </a:r>
+            <a:br>
+              <a:rPr lang="en-US" sz="1200" kern="1200" dirty="0" smtClean="0">
+                <a:solidFill>
+                  <a:schemeClr val="tx1"/>
+                </a:solidFill>
+                <a:effectLst/>
+                <a:latin typeface="+mn-lt"/>
+                <a:ea typeface="+mn-ea"/>
+                <a:cs typeface="+mn-cs"/>
+              </a:rPr>
+            </a:br>
+            <a:r>
+              <a:rPr lang="en-US" dirty="0" smtClean="0">
+                <a:effectLst/>
+              </a:rPr>
+              <a:t>"Disables background compilation. Typically, the Java VM compiles the method as a background task, running the method in interpreter mode until the background compilation is finished. The -</a:t>
+            </a:r>
+            <a:r>
+              <a:rPr lang="en-US" dirty="0" err="1" smtClean="0">
+                <a:effectLst/>
+              </a:rPr>
+              <a:t>Xbatch</a:t>
+            </a:r>
+            <a:r>
+              <a:rPr lang="en-US" dirty="0" smtClean="0">
+                <a:effectLst/>
+              </a:rPr>
+              <a:t> flag disables background compilation so that compilation of all methods proceeds as a foreground task until completed."</a:t>
+            </a:r>
+          </a:p>
+          <a:p>
+            <a:pPr lvl="2"/>
+            <a:r>
+              <a:rPr lang="en-US" sz="1200" kern="1200" dirty="0" smtClean="0">
+                <a:solidFill>
+                  <a:schemeClr val="tx1"/>
+                </a:solidFill>
+                <a:effectLst/>
+                <a:latin typeface="+mn-lt"/>
+                <a:ea typeface="+mn-ea"/>
+                <a:cs typeface="+mn-cs"/>
+                <a:hlinkClick r:id="rId4"/>
+              </a:rPr>
+              <a:t>http://docs.oracle.com/javase/7/docs/technotes/tools/solaris/java.html</a:t>
+            </a:r>
+            <a:r>
+              <a:rPr lang="en-US" dirty="0" smtClean="0">
+                <a:effectLst/>
+              </a:rPr>
+              <a:t/>
+            </a:r>
+            <a:br>
+              <a:rPr lang="en-US" dirty="0" smtClean="0">
+                <a:effectLst/>
+              </a:rPr>
+            </a:br>
+            <a:endParaRPr lang="en-US" dirty="0" smtClean="0">
+              <a:effectLst/>
+            </a:endParaRPr>
+          </a:p>
+          <a:p>
+            <a:pPr lvl="1"/>
+            <a:r>
+              <a:rPr lang="en-US" sz="1200" kern="1200" dirty="0" smtClean="0">
+                <a:solidFill>
+                  <a:schemeClr val="tx1"/>
+                </a:solidFill>
+                <a:effectLst/>
+                <a:latin typeface="+mn-lt"/>
+                <a:ea typeface="+mn-ea"/>
+                <a:cs typeface="+mn-cs"/>
+              </a:rPr>
+              <a:t>-</a:t>
+            </a:r>
+            <a:r>
+              <a:rPr lang="en-US" sz="1200" kern="1200" dirty="0" err="1" smtClean="0">
+                <a:solidFill>
+                  <a:schemeClr val="tx1"/>
+                </a:solidFill>
+                <a:effectLst/>
+                <a:latin typeface="+mn-lt"/>
+                <a:ea typeface="+mn-ea"/>
+                <a:cs typeface="+mn-cs"/>
+              </a:rPr>
+              <a:t>Xcomp</a:t>
+            </a:r>
+            <a:r>
+              <a:rPr lang="en-US" dirty="0" err="1" smtClean="0">
+                <a:effectLst/>
+              </a:rPr>
+              <a:t>Forces</a:t>
+            </a:r>
+            <a:r>
+              <a:rPr lang="en-US" dirty="0" smtClean="0">
+                <a:effectLst/>
+              </a:rPr>
+              <a:t> compilation of methods on first invocation. By default, the Client VM (-client) performs 1,000 interpreted method invocations and the Server VM (-server) performs 10,000 interpreted method invocations to gather information for efficient compilation. Specifying the -</a:t>
+            </a:r>
+            <a:r>
+              <a:rPr lang="en-US" dirty="0" err="1" smtClean="0">
+                <a:effectLst/>
+              </a:rPr>
+              <a:t>Xcomp</a:t>
+            </a:r>
+            <a:r>
+              <a:rPr lang="en-US" dirty="0" smtClean="0">
+                <a:effectLst/>
+              </a:rPr>
+              <a:t> option disables interpreted method invocations to increase compilation performance at the expense of efficiency.</a:t>
+            </a:r>
+          </a:p>
+          <a:p>
+            <a:pPr lvl="1"/>
+            <a:r>
+              <a:rPr lang="en-US" dirty="0" smtClean="0">
+                <a:effectLst/>
+              </a:rPr>
+              <a:t>You can also change the number of interpreted method invocations before compilation using the -</a:t>
+            </a:r>
+            <a:r>
+              <a:rPr lang="en-US" dirty="0" err="1" smtClean="0">
+                <a:effectLst/>
+              </a:rPr>
+              <a:t>XX:CompileThreshold</a:t>
+            </a:r>
+            <a:r>
+              <a:rPr lang="en-US" dirty="0" smtClean="0">
+                <a:effectLst/>
+              </a:rPr>
+              <a:t> option.</a:t>
+            </a:r>
+          </a:p>
+          <a:p>
+            <a:pPr lvl="2"/>
+            <a:r>
+              <a:rPr lang="en-US" sz="1200" kern="1200" dirty="0" smtClean="0">
+                <a:solidFill>
+                  <a:schemeClr val="tx1"/>
+                </a:solidFill>
+                <a:effectLst/>
+                <a:latin typeface="+mn-lt"/>
+                <a:ea typeface="+mn-ea"/>
+                <a:cs typeface="+mn-cs"/>
+              </a:rPr>
+              <a:t>alternately, setting -</a:t>
+            </a:r>
+            <a:r>
+              <a:rPr lang="en-US" sz="1200" kern="1200" dirty="0" err="1" smtClean="0">
+                <a:solidFill>
+                  <a:schemeClr val="tx1"/>
+                </a:solidFill>
+                <a:effectLst/>
+                <a:latin typeface="+mn-lt"/>
+                <a:ea typeface="+mn-ea"/>
+                <a:cs typeface="+mn-cs"/>
+              </a:rPr>
+              <a:t>XX:CICompilerCount</a:t>
+            </a:r>
+            <a:r>
+              <a:rPr lang="en-US" sz="1200" kern="1200" dirty="0" smtClean="0">
+                <a:solidFill>
+                  <a:schemeClr val="tx1"/>
+                </a:solidFill>
+                <a:effectLst/>
+                <a:latin typeface="+mn-lt"/>
+                <a:ea typeface="+mn-ea"/>
+                <a:cs typeface="+mn-cs"/>
+              </a:rPr>
+              <a:t>=1 to prevent the compiler from running in parallel with itself.</a:t>
+            </a:r>
+            <a:endParaRPr lang="en-US" dirty="0" smtClean="0">
+              <a:effectLst/>
+            </a:endParaRPr>
           </a:p>
           <a:p>
             <a:endParaRPr lang="en-US" dirty="0" smtClean="0"/>
@@ -8734,8 +9181,33 @@
           <a:lstStyle/>
           <a:p>
             <a:r>
-              <a:rPr lang="en-US" dirty="0" smtClean="0"/>
-              <a:t>Each method is executed in interpreted mode at first. The Java interpreter counts how many times a method is invoked and requests that it should be JIT-compiled. </a:t>
+              <a:rPr lang="en-US" sz="1200" kern="1200" dirty="0" smtClean="0">
+                <a:solidFill>
+                  <a:schemeClr val="tx1"/>
+                </a:solidFill>
+                <a:effectLst/>
+                <a:latin typeface="+mn-lt"/>
+                <a:ea typeface="+mn-ea"/>
+                <a:cs typeface="+mn-cs"/>
+              </a:rPr>
+              <a:t>JVM is an Adaptive VM</a:t>
+            </a:r>
+            <a:r>
+              <a:rPr lang="en-US" dirty="0" smtClean="0"/>
+              <a:t> </a:t>
+            </a:r>
+          </a:p>
+          <a:p>
+            <a:endParaRPr lang="en-US" dirty="0" smtClean="0"/>
+          </a:p>
+          <a:p>
+            <a:r>
+              <a:rPr lang="en-US" dirty="0" smtClean="0"/>
+              <a:t>Each </a:t>
+            </a:r>
+            <a:r>
+              <a:rPr lang="en-US" dirty="0" smtClean="0"/>
+              <a:t>method is executed in interpreted mode at first. The Java interpreter counts how many times a method is invoked and requests that it should be JIT-compiled. </a:t>
             </a:r>
           </a:p>
           <a:p>
@@ -8983,6 +9455,213 @@
               <a:rPr lang="en-US" dirty="0" smtClean="0"/>
               <a:t>. You should not see any JIT-compiler activity after the warmup phase.</a:t>
             </a:r>
+          </a:p>
+          <a:p>
+            <a:endParaRPr lang="en-US" dirty="0" smtClean="0">
+              <a:effectLst/>
+            </a:endParaRPr>
+          </a:p>
+          <a:p>
+            <a:r>
+              <a:rPr lang="en-US" sz="1200" kern="1200" dirty="0" smtClean="0">
+                <a:solidFill>
+                  <a:schemeClr val="tx1"/>
+                </a:solidFill>
+                <a:effectLst/>
+                <a:latin typeface="+mn-lt"/>
+                <a:ea typeface="+mn-ea"/>
+                <a:cs typeface="+mn-cs"/>
+              </a:rPr>
+              <a:t>Use -</a:t>
+            </a:r>
+            <a:r>
+              <a:rPr lang="en-US" sz="1200" kern="1200" dirty="0" err="1" smtClean="0">
+                <a:solidFill>
+                  <a:schemeClr val="tx1"/>
+                </a:solidFill>
+                <a:effectLst/>
+                <a:latin typeface="+mn-lt"/>
+                <a:ea typeface="+mn-ea"/>
+                <a:cs typeface="+mn-cs"/>
+              </a:rPr>
+              <a:t>Xbatch</a:t>
+            </a:r>
+            <a:r>
+              <a:rPr lang="en-US" sz="1200" kern="1200" dirty="0" smtClean="0">
+                <a:solidFill>
+                  <a:schemeClr val="tx1"/>
+                </a:solidFill>
+                <a:effectLst/>
+                <a:latin typeface="+mn-lt"/>
+                <a:ea typeface="+mn-ea"/>
+                <a:cs typeface="+mn-cs"/>
+              </a:rPr>
+              <a:t> to serialize the compiler with the application</a:t>
+            </a:r>
+            <a:br>
+              <a:rPr lang="en-US" sz="1200" kern="1200" dirty="0" smtClean="0">
+                <a:solidFill>
+                  <a:schemeClr val="tx1"/>
+                </a:solidFill>
+                <a:effectLst/>
+                <a:latin typeface="+mn-lt"/>
+                <a:ea typeface="+mn-ea"/>
+                <a:cs typeface="+mn-cs"/>
+              </a:rPr>
+            </a:br>
+            <a:r>
+              <a:rPr lang="en-US" dirty="0" smtClean="0"/>
+              <a:t>"Disables background compilation. Typically, the Java VM compiles the method as a background task, running the method in interpreter mode until the background compilation is finished. The -</a:t>
+            </a:r>
+            <a:r>
+              <a:rPr lang="en-US" dirty="0" err="1" smtClean="0"/>
+              <a:t>Xbatch</a:t>
+            </a:r>
+            <a:r>
+              <a:rPr lang="en-US" dirty="0" smtClean="0"/>
+              <a:t> flag disables background compilation so that compilation of all methods proceeds as a foreground task until completed."</a:t>
+            </a:r>
+          </a:p>
+          <a:p>
+            <a:pPr lvl="1"/>
+            <a:r>
+              <a:rPr lang="en-US" sz="1200" kern="1200" dirty="0" smtClean="0">
+                <a:solidFill>
+                  <a:schemeClr val="tx1"/>
+                </a:solidFill>
+                <a:effectLst/>
+                <a:latin typeface="+mn-lt"/>
+                <a:ea typeface="+mn-ea"/>
+                <a:cs typeface="+mn-cs"/>
+                <a:hlinkClick r:id="rId3"/>
+              </a:rPr>
+              <a:t>http://docs.oracle.com/javase/7/docs/technotes/tools/solaris/java.html</a:t>
+            </a:r>
+            <a:r>
+              <a:rPr lang="en-US" dirty="0" smtClean="0">
+                <a:effectLst/>
+              </a:rPr>
+              <a:t/>
+            </a:r>
+            <a:br>
+              <a:rPr lang="en-US" dirty="0" smtClean="0">
+                <a:effectLst/>
+              </a:rPr>
+            </a:br>
+            <a:endParaRPr lang="en-US" dirty="0" smtClean="0">
+              <a:effectLst/>
+            </a:endParaRPr>
+          </a:p>
+          <a:p>
+            <a:r>
+              <a:rPr lang="en-US" sz="1200" kern="1200" dirty="0" smtClean="0">
+                <a:solidFill>
+                  <a:schemeClr val="tx1"/>
+                </a:solidFill>
+                <a:effectLst/>
+                <a:latin typeface="+mn-lt"/>
+                <a:ea typeface="+mn-ea"/>
+                <a:cs typeface="+mn-cs"/>
+              </a:rPr>
+              <a:t>-</a:t>
+            </a:r>
+            <a:r>
+              <a:rPr lang="en-US" sz="1200" kern="1200" dirty="0" err="1" smtClean="0">
+                <a:solidFill>
+                  <a:schemeClr val="tx1"/>
+                </a:solidFill>
+                <a:effectLst/>
+                <a:latin typeface="+mn-lt"/>
+                <a:ea typeface="+mn-ea"/>
+                <a:cs typeface="+mn-cs"/>
+              </a:rPr>
+              <a:t>Xcomp</a:t>
+            </a:r>
+            <a:r>
+              <a:rPr lang="en-US" dirty="0" err="1" smtClean="0"/>
+              <a:t>Forces</a:t>
+            </a:r>
+            <a:r>
+              <a:rPr lang="en-US" dirty="0" smtClean="0"/>
+              <a:t> compilation of methods on first invocation. By default, the Client VM (-client) performs 1,000 interpreted method invocations and the Server VM (-server) performs 10,000 interpreted method invocations to gather information for efficient compilation. Specifying the -</a:t>
+            </a:r>
+            <a:r>
+              <a:rPr lang="en-US" dirty="0" err="1" smtClean="0"/>
+              <a:t>Xcomp</a:t>
+            </a:r>
+            <a:r>
+              <a:rPr lang="en-US" dirty="0" smtClean="0"/>
+              <a:t> option disables interpreted method invocations to increase compilation performance at the expense of efficiency.</a:t>
+            </a:r>
+          </a:p>
+          <a:p>
+            <a:endParaRPr lang="en-US" dirty="0" smtClean="0"/>
+          </a:p>
+          <a:p>
+            <a:r>
+              <a:rPr lang="en-US" dirty="0" smtClean="0"/>
+              <a:t>You can also change the number of interpreted method invocations before compilation using the -</a:t>
+            </a:r>
+            <a:r>
+              <a:rPr lang="en-US" dirty="0" err="1" smtClean="0"/>
+              <a:t>XX:CompileThreshold</a:t>
+            </a:r>
+            <a:r>
+              <a:rPr lang="en-US" dirty="0" smtClean="0"/>
+              <a:t> option.</a:t>
+            </a:r>
+          </a:p>
+          <a:p>
+            <a:endParaRPr lang="en-US" sz="1200" kern="1200" dirty="0" smtClean="0">
+              <a:solidFill>
+                <a:schemeClr val="tx1"/>
+              </a:solidFill>
+              <a:effectLst/>
+              <a:latin typeface="+mn-lt"/>
+              <a:ea typeface="+mn-ea"/>
+              <a:cs typeface="+mn-cs"/>
+            </a:endParaRPr>
+          </a:p>
+          <a:p>
+            <a:r>
+              <a:rPr lang="en-US" sz="1200" kern="1200" dirty="0" smtClean="0">
+                <a:solidFill>
+                  <a:schemeClr val="tx1"/>
+                </a:solidFill>
+                <a:effectLst/>
+                <a:latin typeface="+mn-lt"/>
+                <a:ea typeface="+mn-ea"/>
+                <a:cs typeface="+mn-cs"/>
+              </a:rPr>
+              <a:t>Alternately, setting -</a:t>
+            </a:r>
+            <a:r>
+              <a:rPr lang="en-US" sz="1200" kern="1200" dirty="0" err="1" smtClean="0">
+                <a:solidFill>
+                  <a:schemeClr val="tx1"/>
+                </a:solidFill>
+                <a:effectLst/>
+                <a:latin typeface="+mn-lt"/>
+                <a:ea typeface="+mn-ea"/>
+                <a:cs typeface="+mn-cs"/>
+              </a:rPr>
+              <a:t>XX:CICompilerCount</a:t>
+            </a:r>
+            <a:r>
+              <a:rPr lang="en-US" sz="1200" kern="1200" dirty="0" smtClean="0">
+                <a:solidFill>
+                  <a:schemeClr val="tx1"/>
+                </a:solidFill>
+                <a:effectLst/>
+                <a:latin typeface="+mn-lt"/>
+                <a:ea typeface="+mn-ea"/>
+                <a:cs typeface="+mn-cs"/>
+              </a:rPr>
+              <a:t>=1 to prevent the compiler from running in parallel with itself.</a:t>
+            </a:r>
+            <a:endParaRPr lang="en-US" dirty="0" smtClean="0">
+              <a:effectLst/>
+            </a:endParaRPr>
           </a:p>
           <a:p>
             <a:endParaRPr lang="en-US" dirty="0"/>
@@ -12325,19 +13004,13 @@
               <a:rPr lang="en-US" dirty="0" smtClean="0"/>
               <a:t>Types of Method Dispatch [5]</a:t>
             </a:r>
-            <a:endParaRPr lang="en-US" dirty="0" smtClean="0"/>
           </a:p>
           <a:p>
             <a:pPr lvl="1"/>
             <a:r>
               <a:rPr lang="en-US" dirty="0" smtClean="0"/>
-              <a:t>Monomorphic = </a:t>
-            </a:r>
-            <a:r>
-              <a:rPr lang="en-US" dirty="0" smtClean="0"/>
-              <a:t>1 possibility</a:t>
-            </a:r>
-            <a:endParaRPr lang="en-US" dirty="0" smtClean="0"/>
+              <a:t>Monomorphic = 1 possibility</a:t>
+            </a:r>
           </a:p>
           <a:p>
             <a:pPr lvl="1"/>
@@ -12347,13 +13020,8 @@
             </a:r>
             <a:r>
               <a:rPr lang="en-US" dirty="0" smtClean="0"/>
-              <a:t> = 2 </a:t>
-            </a:r>
-            <a:r>
-              <a:rPr lang="en-US" dirty="0" smtClean="0"/>
-              <a:t>possibilities</a:t>
-            </a:r>
-            <a:endParaRPr lang="en-US" dirty="0" smtClean="0"/>
+              <a:t> = 2 possibilities</a:t>
+            </a:r>
           </a:p>
           <a:p>
             <a:pPr lvl="1"/>
@@ -12363,11 +13031,7 @@
             </a:r>
             <a:r>
               <a:rPr lang="en-US" dirty="0" smtClean="0"/>
-              <a:t> = </a:t>
-            </a:r>
-            <a:r>
-              <a:rPr lang="en-US" dirty="0" smtClean="0"/>
-              <a:t>many possibilities</a:t>
+              <a:t> = many possibilities</a:t>
             </a:r>
           </a:p>
           <a:p>
@@ -12771,11 +13435,7 @@
           <a:p>
             <a:r>
               <a:rPr lang="en-US" dirty="0" smtClean="0"/>
-              <a:t>JIT </a:t>
-            </a:r>
-            <a:r>
-              <a:rPr lang="en-US" dirty="0" smtClean="0"/>
-              <a:t>understands control flow </a:t>
+              <a:t>JIT understands control flow </a:t>
             </a:r>
           </a:p>
           <a:p>
@@ -12792,11 +13452,7 @@
             <a:pPr lvl="1"/>
             <a:r>
               <a:rPr lang="en-US" dirty="0" smtClean="0"/>
-              <a:t>So why waste cycles computing it</a:t>
-            </a:r>
-            <a:r>
-              <a:rPr lang="en-US" dirty="0" smtClean="0"/>
-              <a:t>?</a:t>
+              <a:t>So why waste cycles computing it?</a:t>
             </a:r>
           </a:p>
           <a:p>
@@ -13304,11 +13960,7 @@
           <a:p>
             <a:r>
               <a:rPr lang="en-US" dirty="0" smtClean="0"/>
-              <a:t>Typically simple literals, but could also be variables whose values are never </a:t>
-            </a:r>
-            <a:r>
-              <a:rPr lang="en-US" dirty="0" smtClean="0"/>
-              <a:t>modified</a:t>
+              <a:t>Typically simple literals, but could also be variables whose values are never modified</a:t>
             </a:r>
           </a:p>
           <a:p>
@@ -14037,15 +14689,7 @@
             </a:r>
             <a:r>
               <a:rPr lang="en-US" dirty="0" smtClean="0"/>
-              <a:t>possible.  Study the preconditions of each of the JIT’s optimization techniques </a:t>
-            </a:r>
-            <a:r>
-              <a:rPr lang="en-US" dirty="0" smtClean="0"/>
-              <a:t>until you can effectively predict each </a:t>
-            </a:r>
-            <a:r>
-              <a:rPr lang="en-US" dirty="0" smtClean="0"/>
-              <a:t>one.  Read </a:t>
+              <a:t>possible.  Study the preconditions of each of the JIT’s optimization techniques until you can effectively predict each one.  Read </a:t>
             </a:r>
             <a:r>
               <a:rPr lang="en-US" dirty="0"/>
@@ -14061,11 +14705,7 @@
             </a:r>
             <a:r>
               <a:rPr lang="en-US" dirty="0" smtClean="0"/>
-              <a:t>code.  Write a few papers of your own, get them published and peer reviewed.  Build a standardized, bare-bones test system running your own custom non-timesharing </a:t>
-            </a:r>
-            <a:r>
-              <a:rPr lang="en-US" dirty="0" smtClean="0"/>
-              <a:t>OS with a very precise clock…</a:t>
+              <a:t>code.  Write a few papers of your own, get them published and peer reviewed.  Build a standardized, bare-bones test system running your own custom non-timesharing OS with a very precise clock…</a:t>
             </a:r>
             <a:endParaRPr lang="en-US" dirty="0"/>
           </a:p>
@@ -14166,8 +14806,20 @@
             <a:pPr lvl="1"/>
             <a:r>
               <a:rPr lang="en-US" dirty="0" smtClean="0"/>
-              <a:t>Does not prevent all pitfalls, but can at least mitigate MOST of them</a:t>
-            </a:r>
+              <a:t>Does not prevent all pitfalls, but can at least mitigate MOST of </a:t>
+            </a:r>
+            <a:r>
+              <a:rPr lang="en-US" dirty="0" smtClean="0"/>
+              <a:t>them</a:t>
+            </a:r>
+          </a:p>
+          <a:p>
+            <a:pPr lvl="1"/>
+            <a:r>
+              <a:rPr lang="en-US" dirty="0" smtClean="0"/>
+              <a:t>Control the JIT to get more meaningful results</a:t>
+            </a:r>
+            <a:endParaRPr lang="en-US" dirty="0" smtClean="0"/>
           </a:p>
           <a:p>
             <a:r>
@@ -14198,11 +14850,7 @@
             <a:pPr lvl="1"/>
             <a:r>
               <a:rPr lang="en-US" dirty="0" smtClean="0"/>
-              <a:t>Developed by same guys in Oracle who maintain the </a:t>
-            </a:r>
-            <a:r>
-              <a:rPr lang="en-US" dirty="0" smtClean="0"/>
-              <a:t>JIT</a:t>
+              <a:t>Developed by same guys in Oracle who maintain the JIT</a:t>
             </a:r>
             <a:endParaRPr lang="en-US" dirty="0"/>
           </a:p>
@@ -14372,11 +15020,7 @@
           <a:p>
             <a:r>
               <a:rPr lang="en-US" dirty="0" smtClean="0"/>
-              <a:t>JMH is officially setup </a:t>
-            </a:r>
-            <a:r>
-              <a:rPr lang="en-US" dirty="0" smtClean="0"/>
-              <a:t>as a Maven project</a:t>
+              <a:t>JMH is officially setup as a Maven project</a:t>
             </a:r>
           </a:p>
           <a:p>
@@ -14401,11 +15045,7 @@
             </a:r>
             <a:r>
               <a:rPr lang="en-US" dirty="0" smtClean="0"/>
-              <a:t>#$@ </a:t>
-            </a:r>
-            <a:r>
-              <a:rPr lang="en-US" dirty="0" smtClean="0"/>
-              <a:t>Maven – use </a:t>
+              <a:t>#$@ Maven – use </a:t>
             </a:r>
             <a:r>
               <a:rPr lang="en-US" dirty="0" err="1" smtClean="0"/>
@@ -14454,11 +15094,7 @@
           <a:p>
             <a:r>
               <a:rPr lang="en-US" dirty="0" smtClean="0"/>
-              <a:t>Possible </a:t>
-            </a:r>
-            <a:r>
-              <a:rPr lang="en-US" dirty="0" smtClean="0"/>
-              <a:t>to run within an existing project, within an IDE</a:t>
+              <a:t>Possible to run within an existing project, within an IDE</a:t>
             </a:r>
           </a:p>
           <a:p>
@@ -14551,15 +15187,7 @@
           <a:p>
             <a:r>
               <a:rPr lang="en-US" dirty="0" smtClean="0"/>
-              <a:t>Best to k</a:t>
-            </a:r>
-            <a:r>
-              <a:rPr lang="en-US" dirty="0" smtClean="0"/>
-              <a:t>eep </a:t>
-            </a:r>
-            <a:r>
-              <a:rPr lang="en-US" dirty="0" smtClean="0"/>
-              <a:t>code and benchmarks separate</a:t>
+              <a:t>Best to keep code and benchmarks separate</a:t>
             </a:r>
           </a:p>
           <a:p>
@@ -14573,11 +15201,7 @@
             </a:r>
             <a:r>
               <a:rPr lang="en-US" dirty="0" smtClean="0"/>
-              <a:t> </a:t>
-            </a:r>
-            <a:r>
-              <a:rPr lang="en-US" dirty="0" smtClean="0"/>
-              <a:t>– split into 2 separate source trees</a:t>
+              <a:t> – split into 2 separate source trees</a:t>
             </a:r>
             <a:endParaRPr lang="en-US" dirty="0"/>
           </a:p>
@@ -14636,11 +15260,7 @@
           <a:p>
             <a:r>
               <a:rPr lang="en-US" dirty="0" smtClean="0"/>
-              <a:t>Or build a benchmark project which depends on your application jar(s</a:t>
-            </a:r>
-            <a:r>
-              <a:rPr lang="en-US" dirty="0" smtClean="0"/>
-              <a:t>) using </a:t>
+              <a:t>Or build a benchmark project which depends on your application jar(s) using </a:t>
             </a:r>
             <a:r>
               <a:rPr lang="en-US" dirty="0" err="1" smtClean="0"/>
@@ -14657,7 +15277,6 @@
               <a:rPr lang="en-US" dirty="0" smtClean="0"/>
               <a:t>Useful for profiling UCMS client/shared code</a:t>
             </a:r>
-            <a:endParaRPr lang="en-US" dirty="0" smtClean="0"/>
           </a:p>
         </p:txBody>
       </p:sp>
@@ -14964,74 +15583,25 @@
           <a:p>
             <a:r>
               <a:rPr lang="en-US" dirty="0" smtClean="0"/>
-              <a:t>Each benchmark run </a:t>
-            </a:r>
-            <a:r>
-              <a:rPr lang="en-US" dirty="0" smtClean="0"/>
-              <a:t>10 warm-up </a:t>
-            </a:r>
-            <a:r>
-              <a:rPr lang="en-US" dirty="0" smtClean="0"/>
-              <a:t>rounds (max </a:t>
-            </a:r>
-            <a:r>
-              <a:rPr lang="en-US" dirty="0" smtClean="0"/>
-              <a:t>3 </a:t>
-            </a:r>
-            <a:r>
-              <a:rPr lang="en-US" dirty="0" smtClean="0"/>
-              <a:t>second each)</a:t>
-            </a:r>
-          </a:p>
-          <a:p>
-            <a:r>
-              <a:rPr lang="en-US" dirty="0" smtClean="0"/>
-              <a:t>Then 20 measurement rounds (max </a:t>
-            </a:r>
-            <a:r>
-              <a:rPr lang="en-US" dirty="0" smtClean="0"/>
-              <a:t>5 </a:t>
-            </a:r>
-            <a:r>
-              <a:rPr lang="en-US" dirty="0" smtClean="0"/>
-              <a:t>second each)</a:t>
-            </a:r>
-          </a:p>
-          <a:p>
-            <a:r>
-              <a:rPr lang="en-US" dirty="0" smtClean="0"/>
-              <a:t>Launches a new JVM </a:t>
-            </a:r>
-            <a:r>
-              <a:rPr lang="en-US" dirty="0" smtClean="0"/>
-              <a:t>5 </a:t>
-            </a:r>
-            <a:r>
-              <a:rPr lang="en-US" dirty="0" smtClean="0"/>
-              <a:t>times for running each </a:t>
-            </a:r>
-            <a:r>
-              <a:rPr lang="en-US" dirty="0" smtClean="0"/>
-              <a:t>benchmark</a:t>
-            </a:r>
-            <a:endParaRPr lang="en-US" dirty="0" smtClean="0"/>
-          </a:p>
-          <a:p>
-            <a:r>
-              <a:rPr lang="en-US" dirty="0" smtClean="0"/>
-              <a:t>Command line flags </a:t>
-            </a:r>
-            <a:r>
-              <a:rPr lang="en-US" dirty="0" smtClean="0"/>
-              <a:t>can </a:t>
-            </a:r>
-            <a:r>
-              <a:rPr lang="en-US" dirty="0" smtClean="0"/>
-              <a:t>customize </a:t>
-            </a:r>
-            <a:r>
-              <a:rPr lang="en-US" dirty="0" smtClean="0"/>
-              <a:t>these settings</a:t>
+              <a:t>Each benchmark run 10 warm-up rounds (max 3 second each)</a:t>
+            </a:r>
+          </a:p>
+          <a:p>
+            <a:r>
+              <a:rPr lang="en-US" dirty="0" smtClean="0"/>
+              <a:t>Then 20 measurement rounds (max 5 second each)</a:t>
+            </a:r>
+          </a:p>
+          <a:p>
+            <a:r>
+              <a:rPr lang="en-US" dirty="0" smtClean="0"/>
+              <a:t>Launches a new JVM 5 times for running each benchmark</a:t>
+            </a:r>
+          </a:p>
+          <a:p>
+            <a:r>
+              <a:rPr lang="en-US" dirty="0" smtClean="0"/>
+              <a:t>Command line flags can customize these settings</a:t>
             </a:r>
           </a:p>
           <a:p>
@@ -15088,7 +15658,6 @@
               <a:rPr lang="en-US" dirty="0" smtClean="0"/>
               <a:t>greater accuracy</a:t>
             </a:r>
-            <a:endParaRPr lang="en-US" dirty="0" smtClean="0"/>
           </a:p>
           <a:p>
             <a:pPr lvl="1"/>
@@ -15195,11 +15764,7 @@
           <a:p>
             <a:r>
               <a:rPr lang="en-US" dirty="0" smtClean="0"/>
-              <a:t>Limits of </a:t>
-            </a:r>
-            <a:r>
-              <a:rPr lang="en-US" dirty="0" smtClean="0"/>
-              <a:t>Resolution</a:t>
+              <a:t>Limits of Resolution</a:t>
             </a:r>
             <a:endParaRPr lang="en-US" dirty="0"/>
           </a:p>
@@ -15288,11 +15853,7 @@
           <a:p>
             <a:r>
               <a:rPr lang="en-US" dirty="0" smtClean="0"/>
-              <a:t>JMH </a:t>
-            </a:r>
-            <a:r>
-              <a:rPr lang="en-US" dirty="0" smtClean="0"/>
-              <a:t>Output</a:t>
+              <a:t>JMH Output</a:t>
             </a:r>
             <a:endParaRPr lang="en-US" dirty="0"/>
           </a:p>
@@ -15317,11 +15878,7 @@
           <a:p>
             <a:r>
               <a:rPr lang="en-US" dirty="0" smtClean="0"/>
-              <a:t>Configuration </a:t>
-            </a:r>
-            <a:r>
-              <a:rPr lang="en-US" dirty="0" smtClean="0"/>
-              <a:t>Info</a:t>
+              <a:t>Configuration Info</a:t>
             </a:r>
           </a:p>
           <a:p>
@@ -15355,15 +15912,7 @@
             <a:pPr lvl="1"/>
             <a:r>
               <a:rPr lang="en-US" dirty="0" smtClean="0"/>
-              <a:t>Operations / </a:t>
-            </a:r>
-            <a:r>
-              <a:rPr lang="en-US" dirty="0" smtClean="0"/>
-              <a:t>millisecond </a:t>
-            </a:r>
-            <a:r>
-              <a:rPr lang="en-US" dirty="0" smtClean="0"/>
-              <a:t>(default output mode) </a:t>
+              <a:t>Operations / millisecond (default output mode) </a:t>
             </a:r>
           </a:p>
           <a:p>
@@ -15503,11 +16052,7 @@
             </a:pPr>
             <a:r>
               <a:rPr lang="en-US" dirty="0" smtClean="0"/>
-              <a:t>Annotations exist to </a:t>
-            </a:r>
-            <a:r>
-              <a:rPr lang="en-US" dirty="0" smtClean="0"/>
-              <a:t>configure how JMH runs each </a:t>
+              <a:t>Annotations exist to configure how JMH runs each </a:t>
             </a:r>
             <a:r>
               <a:rPr lang="en-US" dirty="0"/>
@@ -15524,7 +16069,6 @@
               <a:rPr lang="en-US" dirty="0" smtClean="0"/>
               <a:t>@Measurement</a:t>
             </a:r>
-            <a:endParaRPr lang="en-US" dirty="0" smtClean="0"/>
           </a:p>
           <a:p>
             <a:pPr lvl="1"/>
@@ -15710,6 +16254,10 @@
               <a:rPr lang="en-US" dirty="0" err="1" smtClean="0"/>
               <a:t>Blackholes</a:t>
             </a:r>
+            <a:r>
+              <a:rPr lang="en-US" dirty="0" smtClean="0"/>
+              <a:t> (Demo-01)</a:t>
+            </a:r>
             <a:endParaRPr lang="en-US" dirty="0"/>
           </a:p>
         </p:txBody>
@@ -15731,8 +16279,13 @@
           <a:p>
             <a:r>
               <a:rPr lang="en-US" dirty="0" smtClean="0"/>
-              <a:t>Goal – measure the cost of an addition</a:t>
-            </a:r>
+              <a:t>Goal – measure the cost of </a:t>
+            </a:r>
+            <a:r>
+              <a:rPr lang="en-US" dirty="0" smtClean="0"/>
+              <a:t>a numeric operation</a:t>
+            </a:r>
+            <a:endParaRPr lang="en-US" dirty="0" smtClean="0"/>
           </a:p>
           <a:p>
             <a:r>
@@ -15745,8 +16298,13 @@
             </a:r>
             <a:r>
               <a:rPr lang="en-US" dirty="0" smtClean="0"/>
-              <a:t>of a method call doing everything EXCEPT the addition</a:t>
-            </a:r>
+              <a:t>of a method call doing everything EXCEPT the </a:t>
+            </a:r>
+            <a:r>
+              <a:rPr lang="en-US" dirty="0" smtClean="0"/>
+              <a:t>operation</a:t>
+            </a:r>
+            <a:endParaRPr lang="en-US" dirty="0" smtClean="0"/>
           </a:p>
           <a:p>
             <a:r>
@@ -15778,11 +16336,7 @@
           <a:p>
             <a:r>
               <a:rPr lang="en-US" dirty="0" smtClean="0"/>
-              <a:t>The @State annotation tells JMH to </a:t>
-            </a:r>
-            <a:r>
-              <a:rPr lang="en-US" dirty="0" smtClean="0"/>
-              <a:t>avoid constant-folding problems</a:t>
+              <a:t>The @State annotation tells JMH to avoid constant-folding problems</a:t>
             </a:r>
           </a:p>
           <a:p>
@@ -15798,7 +16352,6 @@
               <a:rPr lang="en-US" dirty="0" smtClean="0"/>
               <a:t> class consumes output</a:t>
             </a:r>
-            <a:endParaRPr lang="en-US" dirty="0" smtClean="0"/>
           </a:p>
         </p:txBody>
       </p:sp>
@@ -15841,7 +16394,7 @@
       </p:grpSpPr>
       <p:sp>
         <p:nvSpPr>
-          <p:cNvPr id="2" name="Title 1"/>
+          <p:cNvPr id="4" name="Title 3"/>
           <p:cNvSpPr>
             <a:spLocks noGrp="1"/>
           </p:cNvSpPr>
@@ -15854,18 +16407,37 @@
           <a:bodyPr/>
           <a:lstStyle/>
           <a:p>
-            <a:endParaRPr lang="en-US"/>
-          </a:p>
-        </p:txBody>
-      </p:sp>
-      <p:sp>
-        <p:nvSpPr>
-          <p:cNvPr id="3" name="Content Placeholder 2"/>
-          <p:cNvSpPr>
-            <a:spLocks noGrp="1"/>
-          </p:cNvSpPr>
-          <p:nvPr>
-            <p:ph idx="1"/>
+            <a:r>
+              <a:rPr lang="en-US" dirty="0" smtClean="0"/>
+              <a:t>Problem – Constant Folding</a:t>
+            </a:r>
+            <a:br>
+              <a:rPr lang="en-US" dirty="0" smtClean="0"/>
+            </a:br>
+            <a:r>
+              <a:rPr lang="en-US" dirty="0" smtClean="0"/>
+              <a:t>Answer –</a:t>
+            </a:r>
+            <a:r>
+              <a:rPr lang="en-US" dirty="0"/>
+              <a:t> </a:t>
+            </a:r>
+            <a:r>
+              <a:rPr lang="en-US" dirty="0" smtClean="0"/>
+              <a:t>@State</a:t>
+            </a:r>
+            <a:endParaRPr lang="en-US" dirty="0"/>
+          </a:p>
+        </p:txBody>
+      </p:sp>
+      <p:sp>
+        <p:nvSpPr>
+          <p:cNvPr id="5" name="Text Placeholder 4"/>
+          <p:cNvSpPr>
+            <a:spLocks noGrp="1"/>
+          </p:cNvSpPr>
+          <p:nvPr>
+            <p:ph type="body" idx="1"/>
           </p:nvPr>
         </p:nvSpPr>
         <p:spPr/>
@@ -15880,7 +16452,7 @@
     </p:spTree>
     <p:extLst>
       <p:ext uri="{BB962C8B-B14F-4D97-AF65-F5344CB8AC3E}">
-        <p14:creationId xmlns:p14="http://schemas.microsoft.com/office/powerpoint/2010/main" val="3691629636"/>
+        <p14:creationId xmlns:p14="http://schemas.microsoft.com/office/powerpoint/2010/main" val="3859589809"/>
       </p:ext>
     </p:extLst>
   </p:cSld>
@@ -15922,7 +16494,11 @@
           <a:bodyPr/>
           <a:lstStyle/>
           <a:p>
-            <a:endParaRPr lang="en-US"/>
+            <a:r>
+              <a:rPr lang="en-US" dirty="0" smtClean="0"/>
+              <a:t>@State</a:t>
+            </a:r>
+            <a:endParaRPr lang="en-US" dirty="0"/>
           </a:p>
         </p:txBody>
       </p:sp>
@@ -15938,84 +16514,26 @@
         </p:nvSpPr>
         <p:spPr/>
         <p:txBody>
-          <a:bodyPr/>
+          <a:bodyPr>
+            <a:normAutofit fontScale="92500" lnSpcReduction="10000"/>
+          </a:bodyPr>
           <a:lstStyle/>
           <a:p>
-            <a:endParaRPr lang="en-US"/>
-          </a:p>
-        </p:txBody>
-      </p:sp>
-    </p:spTree>
-    <p:extLst>
-      <p:ext uri="{BB962C8B-B14F-4D97-AF65-F5344CB8AC3E}">
-        <p14:creationId xmlns:p14="http://schemas.microsoft.com/office/powerpoint/2010/main" val="2066432178"/>
-      </p:ext>
-    </p:extLst>
-  </p:cSld>
-  <p:clrMapOvr>
-    <a:masterClrMapping/>
-  </p:clrMapOvr>
-</p:sld>
-</file>
-
-<file path=ppt/slides/slide28.xml><?xml version="1.0" encoding="utf-8"?>
-<p:sld xmlns:a="http://schemas.openxmlformats.org/drawingml/2006/main" xmlns:r="http://schemas.openxmlformats.org/officeDocument/2006/relationships" xmlns:p="http://schemas.openxmlformats.org/presentationml/2006/main">
-  <p:cSld>
-    <p:spTree>
-      <p:nvGrpSpPr>
-        <p:cNvPr id="1" name=""/>
-        <p:cNvGrpSpPr/>
-        <p:nvPr/>
-      </p:nvGrpSpPr>
-      <p:grpSpPr>
-        <a:xfrm>
-          <a:off x="0" y="0"/>
-          <a:ext cx="0" cy="0"/>
-          <a:chOff x="0" y="0"/>
-          <a:chExt cx="0" cy="0"/>
-        </a:xfrm>
-      </p:grpSpPr>
-      <p:sp>
-        <p:nvSpPr>
-          <p:cNvPr id="2" name="Title 1"/>
-          <p:cNvSpPr>
-            <a:spLocks noGrp="1"/>
-          </p:cNvSpPr>
-          <p:nvPr>
-            <p:ph type="title"/>
-          </p:nvPr>
-        </p:nvSpPr>
-        <p:spPr/>
-        <p:txBody>
-          <a:bodyPr/>
-          <a:lstStyle/>
-          <a:p>
-            <a:r>
-              <a:rPr lang="en-US" dirty="0" smtClean="0"/>
-              <a:t>@State</a:t>
-            </a:r>
-            <a:endParaRPr lang="en-US" dirty="0"/>
-          </a:p>
-        </p:txBody>
-      </p:sp>
-      <p:sp>
-        <p:nvSpPr>
-          <p:cNvPr id="3" name="Content Placeholder 2"/>
-          <p:cNvSpPr>
-            <a:spLocks noGrp="1"/>
-          </p:cNvSpPr>
-          <p:nvPr>
-            <p:ph idx="1"/>
-          </p:nvPr>
-        </p:nvSpPr>
-        <p:spPr/>
-        <p:txBody>
-          <a:bodyPr/>
-          <a:lstStyle/>
-          <a:p>
-            <a:r>
-              <a:rPr lang="en-US" dirty="0" smtClean="0"/>
-              <a:t>State classes encapsulate state (input) to benchmarks</a:t>
+            <a:r>
+              <a:rPr lang="en-US" dirty="0" smtClean="0"/>
+              <a:t>@State </a:t>
+            </a:r>
+            <a:r>
+              <a:rPr lang="en-US" dirty="0" smtClean="0"/>
+              <a:t>classes encapsulate </a:t>
+            </a:r>
+            <a:r>
+              <a:rPr lang="en-US" dirty="0" smtClean="0"/>
+              <a:t>input (state) </a:t>
+            </a:r>
+            <a:r>
+              <a:rPr lang="en-US" dirty="0" smtClean="0"/>
+              <a:t>to benchmarks</a:t>
             </a:r>
           </a:p>
           <a:p>
@@ -16034,26 +16552,54 @@
             </a:r>
             <a:r>
               <a:rPr lang="en-US" dirty="0"/>
-              <a:t> constructor (default constructor).</a:t>
-            </a:r>
+              <a:t> constructor (default constructor</a:t>
+            </a:r>
+            <a:r>
+              <a:rPr lang="en-US" dirty="0" smtClean="0"/>
+              <a:t>)</a:t>
+            </a:r>
+            <a:endParaRPr lang="en-US" dirty="0"/>
           </a:p>
           <a:p>
             <a:pPr lvl="1"/>
             <a:r>
               <a:rPr lang="en-US" dirty="0"/>
-              <a:t>It should be a public class.</a:t>
-            </a:r>
+              <a:t>It should be a public </a:t>
+            </a:r>
+            <a:r>
+              <a:rPr lang="en-US" dirty="0" smtClean="0"/>
+              <a:t>class</a:t>
+            </a:r>
+            <a:endParaRPr lang="en-US" dirty="0"/>
           </a:p>
           <a:p>
             <a:pPr lvl="1"/>
             <a:r>
               <a:rPr lang="en-US" dirty="0"/>
-              <a:t>Inner classes should be static</a:t>
-            </a:r>
-            <a:r>
-              <a:rPr lang="en-US" dirty="0" smtClean="0"/>
-              <a:t>.</a:t>
-            </a:r>
+              <a:t>Inner classes should be </a:t>
+            </a:r>
+            <a:r>
+              <a:rPr lang="en-US" dirty="0" smtClean="0"/>
+              <a:t>static</a:t>
+            </a:r>
+          </a:p>
+          <a:p>
+            <a:pPr lvl="1"/>
+            <a:r>
+              <a:rPr lang="en-US" dirty="0" smtClean="0"/>
+              <a:t>Should NOT be final</a:t>
+            </a:r>
+          </a:p>
+          <a:p>
+            <a:r>
+              <a:rPr lang="en-US" dirty="0"/>
+              <a:t>Instances are automatically injected into your @Benchmark method calls </a:t>
+            </a:r>
+            <a:r>
+              <a:rPr lang="en-US" dirty="0" smtClean="0"/>
+              <a:t>for type-matched arguments</a:t>
+            </a:r>
+            <a:endParaRPr lang="en-US" dirty="0" smtClean="0"/>
           </a:p>
           <a:p>
             <a:r>
@@ -16070,7 +16616,53 @@
             <a:pPr lvl="1"/>
             <a:r>
               <a:rPr lang="en-US" dirty="0" smtClean="0"/>
-              <a:t>Can specify before/after entire benchmark or iteration or method call</a:t>
+              <a:t>Can </a:t>
+            </a:r>
+            <a:r>
+              <a:rPr lang="en-US" dirty="0" smtClean="0"/>
+              <a:t>specify before/after entire benchmark or iteration or method </a:t>
+            </a:r>
+            <a:r>
+              <a:rPr lang="en-US" dirty="0" smtClean="0"/>
+              <a:t>call</a:t>
+            </a:r>
+            <a:endParaRPr lang="en-US" dirty="0"/>
+          </a:p>
+          <a:p>
+            <a:r>
+              <a:rPr lang="en-US" dirty="0" smtClean="0"/>
+              <a:t>Default should be @State(</a:t>
+            </a:r>
+            <a:r>
+              <a:rPr lang="en-US" dirty="0" err="1" smtClean="0"/>
+              <a:t>Scope.Thread</a:t>
+            </a:r>
+            <a:r>
+              <a:rPr lang="en-US" dirty="0" smtClean="0"/>
+              <a:t>)</a:t>
+            </a:r>
+          </a:p>
+          <a:p>
+            <a:pPr lvl="1"/>
+            <a:r>
+              <a:rPr lang="en-US" dirty="0"/>
+              <a:t>I</a:t>
+            </a:r>
+            <a:r>
+              <a:rPr lang="en-US" dirty="0" smtClean="0"/>
+              <a:t>nstances </a:t>
+            </a:r>
+            <a:r>
+              <a:rPr lang="en-US" dirty="0"/>
+              <a:t>of the same type are distinct, even if multiple state objects are injected </a:t>
+            </a:r>
+            <a:r>
+              <a:rPr lang="en-US" dirty="0" smtClean="0"/>
+              <a:t>into </a:t>
+            </a:r>
+            <a:r>
+              <a:rPr lang="en-US" dirty="0"/>
+              <a:t>the same benchmark</a:t>
             </a:r>
             <a:endParaRPr lang="en-US" dirty="0"/>
           </a:p>
@@ -16096,7 +16688,7 @@
 </p:sld>
 </file>
 
-<file path=ppt/slides/slide29.xml><?xml version="1.0" encoding="utf-8"?>
+<file path=ppt/slides/slide28.xml><?xml version="1.0" encoding="utf-8"?>
 <p:sld xmlns:a="http://schemas.openxmlformats.org/drawingml/2006/main" xmlns:r="http://schemas.openxmlformats.org/officeDocument/2006/relationships" xmlns:p="http://schemas.openxmlformats.org/presentationml/2006/main">
   <p:cSld>
     <p:spTree>
@@ -16410,6 +17002,89 @@
 </p:sld>
 </file>
 
+<file path=ppt/slides/slide29.xml><?xml version="1.0" encoding="utf-8"?>
+<p:sld xmlns:a="http://schemas.openxmlformats.org/drawingml/2006/main" xmlns:r="http://schemas.openxmlformats.org/officeDocument/2006/relationships" xmlns:p="http://schemas.openxmlformats.org/presentationml/2006/main">
+  <p:cSld>
+    <p:spTree>
+      <p:nvGrpSpPr>
+        <p:cNvPr id="1" name=""/>
+        <p:cNvGrpSpPr/>
+        <p:nvPr/>
+      </p:nvGrpSpPr>
+      <p:grpSpPr>
+        <a:xfrm>
+          <a:off x="0" y="0"/>
+          <a:ext cx="0" cy="0"/>
+          <a:chOff x="0" y="0"/>
+          <a:chExt cx="0" cy="0"/>
+        </a:xfrm>
+      </p:grpSpPr>
+      <p:sp>
+        <p:nvSpPr>
+          <p:cNvPr id="4" name="Title 3"/>
+          <p:cNvSpPr>
+            <a:spLocks noGrp="1"/>
+          </p:cNvSpPr>
+          <p:nvPr>
+            <p:ph type="title"/>
+          </p:nvPr>
+        </p:nvSpPr>
+        <p:spPr/>
+        <p:txBody>
+          <a:bodyPr/>
+          <a:lstStyle/>
+          <a:p>
+            <a:r>
+              <a:rPr lang="en-US" dirty="0" smtClean="0"/>
+              <a:t>Problem – Dead Code Elimination</a:t>
+            </a:r>
+            <a:br>
+              <a:rPr lang="en-US" dirty="0" smtClean="0"/>
+            </a:br>
+            <a:r>
+              <a:rPr lang="en-US" dirty="0" smtClean="0"/>
+              <a:t>Answer – </a:t>
+            </a:r>
+            <a:r>
+              <a:rPr lang="en-US" dirty="0" err="1" smtClean="0"/>
+              <a:t>Blackholes</a:t>
+            </a:r>
+            <a:endParaRPr lang="en-US" dirty="0"/>
+          </a:p>
+        </p:txBody>
+      </p:sp>
+      <p:sp>
+        <p:nvSpPr>
+          <p:cNvPr id="5" name="Text Placeholder 4"/>
+          <p:cNvSpPr>
+            <a:spLocks noGrp="1"/>
+          </p:cNvSpPr>
+          <p:nvPr>
+            <p:ph type="body" idx="1"/>
+          </p:nvPr>
+        </p:nvSpPr>
+        <p:spPr/>
+        <p:txBody>
+          <a:bodyPr/>
+          <a:lstStyle/>
+          <a:p>
+            <a:endParaRPr lang="en-US"/>
+          </a:p>
+        </p:txBody>
+      </p:sp>
+    </p:spTree>
+    <p:extLst>
+      <p:ext uri="{BB962C8B-B14F-4D97-AF65-F5344CB8AC3E}">
+        <p14:creationId xmlns:p14="http://schemas.microsoft.com/office/powerpoint/2010/main" val="3492618634"/>
+      </p:ext>
+    </p:extLst>
+  </p:cSld>
+  <p:clrMapOvr>
+    <a:masterClrMapping/>
+  </p:clrMapOvr>
+</p:sld>
+</file>
+
 <file path=ppt/slides/slide3.xml><?xml version="1.0" encoding="utf-8"?>
 <p:sld xmlns:a="http://schemas.openxmlformats.org/drawingml/2006/main" xmlns:r="http://schemas.openxmlformats.org/officeDocument/2006/relationships" xmlns:p="http://schemas.openxmlformats.org/presentationml/2006/main">
   <p:cSld>
@@ -16581,557 +17256,12 @@
           <a:lstStyle/>
           <a:p>
             <a:r>
-              <a:rPr lang="en-US" dirty="0" smtClean="0"/>
-              <a:t>@</a:t>
-            </a:r>
-            <a:r>
-              <a:rPr lang="en-US" dirty="0" err="1" smtClean="0"/>
-              <a:t>BenchmarkMode</a:t>
-            </a:r>
-            <a:endParaRPr lang="en-US" dirty="0"/>
-          </a:p>
-        </p:txBody>
-      </p:sp>
-      <p:graphicFrame>
-        <p:nvGraphicFramePr>
-          <p:cNvPr id="4" name="Content Placeholder 3"/>
-          <p:cNvGraphicFramePr>
-            <a:graphicFrameLocks noGrp="1"/>
-          </p:cNvGraphicFramePr>
-          <p:nvPr>
-            <p:ph idx="1"/>
-            <p:extLst>
-              <p:ext uri="{D42A27DB-BD31-4B8C-83A1-F6EECF244321}">
-                <p14:modId xmlns:p14="http://schemas.microsoft.com/office/powerpoint/2010/main" val="3589145803"/>
-              </p:ext>
-            </p:extLst>
-          </p:nvPr>
-        </p:nvGraphicFramePr>
-        <p:xfrm>
-          <a:off x="989838" y="1825625"/>
-          <a:ext cx="10363962" cy="4581683"/>
-        </p:xfrm>
-        <a:graphic>
-          <a:graphicData uri="http://schemas.openxmlformats.org/drawingml/2006/table">
-            <a:tbl>
-              <a:tblPr/>
-              <a:tblGrid>
-                <a:gridCol w="2500891"/>
-                <a:gridCol w="7863071"/>
-              </a:tblGrid>
-              <a:tr h="355211">
-                <a:tc>
-                  <a:txBody>
-                    <a:bodyPr/>
-                    <a:lstStyle/>
-                    <a:p>
-                      <a:r>
-                        <a:rPr lang="en-US" sz="2000" b="1" baseline="0" dirty="0"/>
-                        <a:t>Name</a:t>
-                      </a:r>
-                    </a:p>
-                  </a:txBody>
-                  <a:tcPr marL="88803" marR="88803" marT="44401" marB="44401" anchor="ctr">
-                    <a:lnL>
-                      <a:noFill/>
-                    </a:lnL>
-                    <a:lnR>
-                      <a:noFill/>
-                    </a:lnR>
-                    <a:lnT>
-                      <a:noFill/>
-                    </a:lnT>
-                    <a:lnB>
-                      <a:noFill/>
-                    </a:lnB>
-                  </a:tcPr>
-                </a:tc>
-                <a:tc>
-                  <a:txBody>
-                    <a:bodyPr/>
-                    <a:lstStyle/>
-                    <a:p>
-                      <a:r>
-                        <a:rPr lang="en-US" sz="2000" b="1" baseline="0" dirty="0"/>
-                        <a:t>Description</a:t>
-                      </a:r>
-                    </a:p>
-                  </a:txBody>
-                  <a:tcPr marL="88803" marR="88803" marT="44401" marB="44401" anchor="ctr">
-                    <a:lnL>
-                      <a:noFill/>
-                    </a:lnL>
-                    <a:lnR>
-                      <a:noFill/>
-                    </a:lnR>
-                    <a:lnT>
-                      <a:noFill/>
-                    </a:lnT>
-                    <a:lnB>
-                      <a:noFill/>
-                    </a:lnB>
-                  </a:tcPr>
-                </a:tc>
-              </a:tr>
-              <a:tr h="355211">
-                <a:tc>
-                  <a:txBody>
-                    <a:bodyPr/>
-                    <a:lstStyle/>
-                    <a:p>
-                      <a:r>
-                        <a:rPr lang="en-US" sz="2000" baseline="0"/>
-                        <a:t>Mode.Throughput</a:t>
-                      </a:r>
-                    </a:p>
-                  </a:txBody>
-                  <a:tcPr marL="88803" marR="88803" marT="44401" marB="44401" anchor="ctr">
-                    <a:lnL>
-                      <a:noFill/>
-                    </a:lnL>
-                    <a:lnR>
-                      <a:noFill/>
-                    </a:lnR>
-                    <a:lnT>
-                      <a:noFill/>
-                    </a:lnT>
-                    <a:lnB>
-                      <a:noFill/>
-                    </a:lnB>
-                  </a:tcPr>
-                </a:tc>
-                <a:tc>
-                  <a:txBody>
-                    <a:bodyPr/>
-                    <a:lstStyle/>
-                    <a:p>
-                      <a:r>
-                        <a:rPr lang="en-US" sz="2000" baseline="0"/>
-                        <a:t>Calculate number of operations in a time unit. </a:t>
-                      </a:r>
-                    </a:p>
-                  </a:txBody>
-                  <a:tcPr marL="88803" marR="88803" marT="44401" marB="44401" anchor="ctr">
-                    <a:lnL>
-                      <a:noFill/>
-                    </a:lnL>
-                    <a:lnR>
-                      <a:noFill/>
-                    </a:lnR>
-                    <a:lnT>
-                      <a:noFill/>
-                    </a:lnT>
-                    <a:lnB>
-                      <a:noFill/>
-                    </a:lnB>
-                  </a:tcPr>
-                </a:tc>
-              </a:tr>
-              <a:tr h="355211">
-                <a:tc>
-                  <a:txBody>
-                    <a:bodyPr/>
-                    <a:lstStyle/>
-                    <a:p>
-                      <a:r>
-                        <a:rPr lang="en-US" sz="2000" baseline="0"/>
-                        <a:t>Mode.AverageTime</a:t>
-                      </a:r>
-                    </a:p>
-                  </a:txBody>
-                  <a:tcPr marL="88803" marR="88803" marT="44401" marB="44401" anchor="ctr">
-                    <a:lnL>
-                      <a:noFill/>
-                    </a:lnL>
-                    <a:lnR>
-                      <a:noFill/>
-                    </a:lnR>
-                    <a:lnT>
-                      <a:noFill/>
-                    </a:lnT>
-                    <a:lnB>
-                      <a:noFill/>
-                    </a:lnB>
-                  </a:tcPr>
-                </a:tc>
-                <a:tc>
-                  <a:txBody>
-                    <a:bodyPr/>
-                    <a:lstStyle/>
-                    <a:p>
-                      <a:r>
-                        <a:rPr lang="en-US" sz="2000" baseline="0"/>
-                        <a:t>Calculate an average running time. </a:t>
-                      </a:r>
-                    </a:p>
-                  </a:txBody>
-                  <a:tcPr marL="88803" marR="88803" marT="44401" marB="44401" anchor="ctr">
-                    <a:lnL>
-                      <a:noFill/>
-                    </a:lnL>
-                    <a:lnR>
-                      <a:noFill/>
-                    </a:lnR>
-                    <a:lnT>
-                      <a:noFill/>
-                    </a:lnT>
-                    <a:lnB>
-                      <a:noFill/>
-                    </a:lnB>
-                  </a:tcPr>
-                </a:tc>
-              </a:tr>
-              <a:tr h="621620">
-                <a:tc>
-                  <a:txBody>
-                    <a:bodyPr/>
-                    <a:lstStyle/>
-                    <a:p>
-                      <a:r>
-                        <a:rPr lang="en-US" sz="2000" baseline="0"/>
-                        <a:t>Mode.SampleTime</a:t>
-                      </a:r>
-                    </a:p>
-                  </a:txBody>
-                  <a:tcPr marL="88803" marR="88803" marT="44401" marB="44401" anchor="ctr">
-                    <a:lnL>
-                      <a:noFill/>
-                    </a:lnL>
-                    <a:lnR>
-                      <a:noFill/>
-                    </a:lnR>
-                    <a:lnT>
-                      <a:noFill/>
-                    </a:lnT>
-                    <a:lnB>
-                      <a:noFill/>
-                    </a:lnB>
-                  </a:tcPr>
-                </a:tc>
-                <a:tc>
-                  <a:txBody>
-                    <a:bodyPr/>
-                    <a:lstStyle/>
-                    <a:p>
-                      <a:r>
-                        <a:rPr lang="en-US" sz="2000" baseline="0"/>
-                        <a:t>Calculate how long does it take for a method to run (including percentiles). </a:t>
-                      </a:r>
-                    </a:p>
-                  </a:txBody>
-                  <a:tcPr marL="88803" marR="88803" marT="44401" marB="44401" anchor="ctr">
-                    <a:lnL>
-                      <a:noFill/>
-                    </a:lnL>
-                    <a:lnR>
-                      <a:noFill/>
-                    </a:lnR>
-                    <a:lnT>
-                      <a:noFill/>
-                    </a:lnT>
-                    <a:lnB>
-                      <a:noFill/>
-                    </a:lnB>
-                  </a:tcPr>
-                </a:tc>
-              </a:tr>
-              <a:tr h="1420845">
-                <a:tc>
-                  <a:txBody>
-                    <a:bodyPr/>
-                    <a:lstStyle/>
-                    <a:p>
-                      <a:r>
-                        <a:rPr lang="en-US" sz="2000" baseline="0" dirty="0" err="1"/>
-                        <a:t>Mode.SingleShotTime</a:t>
-                      </a:r>
-                      <a:endParaRPr lang="en-US" sz="2000" baseline="0" dirty="0"/>
-                    </a:p>
-                  </a:txBody>
-                  <a:tcPr marL="88803" marR="88803" marT="44401" marB="44401" anchor="ctr">
-                    <a:lnL>
-                      <a:noFill/>
-                    </a:lnL>
-                    <a:lnR>
-                      <a:noFill/>
-                    </a:lnR>
-                    <a:lnT>
-                      <a:noFill/>
-                    </a:lnT>
-                    <a:lnB>
-                      <a:noFill/>
-                    </a:lnB>
-                  </a:tcPr>
-                </a:tc>
-                <a:tc>
-                  <a:txBody>
-                    <a:bodyPr/>
-                    <a:lstStyle/>
-                    <a:p>
-                      <a:r>
-                        <a:rPr lang="en-US" sz="2000" baseline="0"/>
-                        <a:t>Just run a method once (useful for cold-testing mode). Or more than once if you have specified a batch size for your iterations (see @Measurement annotation below) – in this case JMH will calculate the batch running time (total time for all invocations in a batch). </a:t>
-                      </a:r>
-                    </a:p>
-                  </a:txBody>
-                  <a:tcPr marL="88803" marR="88803" marT="44401" marB="44401" anchor="ctr">
-                    <a:lnL>
-                      <a:noFill/>
-                    </a:lnL>
-                    <a:lnR>
-                      <a:noFill/>
-                    </a:lnR>
-                    <a:lnT>
-                      <a:noFill/>
-                    </a:lnT>
-                    <a:lnB>
-                      <a:noFill/>
-                    </a:lnB>
-                  </a:tcPr>
-                </a:tc>
-              </a:tr>
-              <a:tr h="888028">
-                <a:tc>
-                  <a:txBody>
-                    <a:bodyPr/>
-                    <a:lstStyle/>
-                    <a:p>
-                      <a:r>
-                        <a:rPr lang="en-US" sz="2000" baseline="0"/>
-                        <a:t>Any set of these modes</a:t>
-                      </a:r>
-                    </a:p>
-                  </a:txBody>
-                  <a:tcPr marL="88803" marR="88803" marT="44401" marB="44401" anchor="ctr">
-                    <a:lnL>
-                      <a:noFill/>
-                    </a:lnL>
-                    <a:lnR>
-                      <a:noFill/>
-                    </a:lnR>
-                    <a:lnT>
-                      <a:noFill/>
-                    </a:lnT>
-                    <a:lnB>
-                      <a:noFill/>
-                    </a:lnB>
-                  </a:tcPr>
-                </a:tc>
-                <a:tc>
-                  <a:txBody>
-                    <a:bodyPr/>
-                    <a:lstStyle/>
-                    <a:p>
-                      <a:r>
-                        <a:rPr lang="en-US" sz="2000" baseline="0" dirty="0"/>
-                        <a:t>You can specify any set of these modes – the test will be run several times (depending on number of requested modes). </a:t>
-                      </a:r>
-                    </a:p>
-                  </a:txBody>
-                  <a:tcPr marL="88803" marR="88803" marT="44401" marB="44401" anchor="ctr">
-                    <a:lnL>
-                      <a:noFill/>
-                    </a:lnL>
-                    <a:lnR>
-                      <a:noFill/>
-                    </a:lnR>
-                    <a:lnT>
-                      <a:noFill/>
-                    </a:lnT>
-                    <a:lnB>
-                      <a:noFill/>
-                    </a:lnB>
-                  </a:tcPr>
-                </a:tc>
-              </a:tr>
-              <a:tr h="355211">
-                <a:tc>
-                  <a:txBody>
-                    <a:bodyPr/>
-                    <a:lstStyle/>
-                    <a:p>
-                      <a:r>
-                        <a:rPr lang="en-US" sz="2000" baseline="0"/>
-                        <a:t>Mode.All</a:t>
-                      </a:r>
-                    </a:p>
-                  </a:txBody>
-                  <a:tcPr marL="88803" marR="88803" marT="44401" marB="44401" anchor="ctr">
-                    <a:lnL>
-                      <a:noFill/>
-                    </a:lnL>
-                    <a:lnR>
-                      <a:noFill/>
-                    </a:lnR>
-                    <a:lnT>
-                      <a:noFill/>
-                    </a:lnT>
-                    <a:lnB>
-                      <a:noFill/>
-                    </a:lnB>
-                  </a:tcPr>
-                </a:tc>
-                <a:tc>
-                  <a:txBody>
-                    <a:bodyPr/>
-                    <a:lstStyle/>
-                    <a:p>
-                      <a:r>
-                        <a:rPr lang="en-US" sz="2000" baseline="0" dirty="0"/>
-                        <a:t>All these modes one after another. </a:t>
-                      </a:r>
-                    </a:p>
-                  </a:txBody>
-                  <a:tcPr marL="88803" marR="88803" marT="44401" marB="44401" anchor="ctr">
-                    <a:lnL>
-                      <a:noFill/>
-                    </a:lnL>
-                    <a:lnR>
-                      <a:noFill/>
-                    </a:lnR>
-                    <a:lnT>
-                      <a:noFill/>
-                    </a:lnT>
-                    <a:lnB>
-                      <a:noFill/>
-                    </a:lnB>
-                  </a:tcPr>
-                </a:tc>
-              </a:tr>
-            </a:tbl>
-          </a:graphicData>
-        </a:graphic>
-      </p:graphicFrame>
-    </p:spTree>
-    <p:extLst>
-      <p:ext uri="{BB962C8B-B14F-4D97-AF65-F5344CB8AC3E}">
-        <p14:creationId xmlns:p14="http://schemas.microsoft.com/office/powerpoint/2010/main" val="1451244812"/>
-      </p:ext>
-    </p:extLst>
-  </p:cSld>
-  <p:clrMapOvr>
-    <a:masterClrMapping/>
-  </p:clrMapOvr>
-  <p:timing>
-    <p:tnLst>
-      <p:par>
-        <p:cTn id="1" dur="indefinite" restart="never" nodeType="tmRoot"/>
-      </p:par>
-    </p:tnLst>
-  </p:timing>
-</p:sld>
-</file>
-
-<file path=ppt/slides/slide31.xml><?xml version="1.0" encoding="utf-8"?>
-<p:sld xmlns:a="http://schemas.openxmlformats.org/drawingml/2006/main" xmlns:r="http://schemas.openxmlformats.org/officeDocument/2006/relationships" xmlns:p="http://schemas.openxmlformats.org/presentationml/2006/main">
-  <p:cSld>
-    <p:spTree>
-      <p:nvGrpSpPr>
-        <p:cNvPr id="1" name=""/>
-        <p:cNvGrpSpPr/>
-        <p:nvPr/>
-      </p:nvGrpSpPr>
-      <p:grpSpPr>
-        <a:xfrm>
-          <a:off x="0" y="0"/>
-          <a:ext cx="0" cy="0"/>
-          <a:chOff x="0" y="0"/>
-          <a:chExt cx="0" cy="0"/>
-        </a:xfrm>
-      </p:grpSpPr>
-      <p:sp>
-        <p:nvSpPr>
-          <p:cNvPr id="2" name="Title 1"/>
-          <p:cNvSpPr>
-            <a:spLocks noGrp="1"/>
-          </p:cNvSpPr>
-          <p:nvPr>
-            <p:ph type="title"/>
-          </p:nvPr>
-        </p:nvSpPr>
-        <p:spPr/>
-        <p:txBody>
-          <a:bodyPr/>
-          <a:lstStyle/>
-          <a:p>
-            <a:endParaRPr lang="en-US"/>
-          </a:p>
-        </p:txBody>
-      </p:sp>
-      <p:sp>
-        <p:nvSpPr>
-          <p:cNvPr id="3" name="Content Placeholder 2"/>
-          <p:cNvSpPr>
-            <a:spLocks noGrp="1"/>
-          </p:cNvSpPr>
-          <p:nvPr>
-            <p:ph idx="1"/>
-          </p:nvPr>
-        </p:nvSpPr>
-        <p:spPr/>
-        <p:txBody>
-          <a:bodyPr/>
-          <a:lstStyle/>
-          <a:p>
-            <a:endParaRPr lang="en-US"/>
-          </a:p>
-        </p:txBody>
-      </p:sp>
-    </p:spTree>
-    <p:extLst>
-      <p:ext uri="{BB962C8B-B14F-4D97-AF65-F5344CB8AC3E}">
-        <p14:creationId xmlns:p14="http://schemas.microsoft.com/office/powerpoint/2010/main" val="1765281660"/>
-      </p:ext>
-    </p:extLst>
-  </p:cSld>
-  <p:clrMapOvr>
-    <a:masterClrMapping/>
-  </p:clrMapOvr>
-  <p:timing>
-    <p:tnLst>
-      <p:par>
-        <p:cTn id="1" dur="indefinite" restart="never" nodeType="tmRoot"/>
-      </p:par>
-    </p:tnLst>
-  </p:timing>
-</p:sld>
-</file>
-
-<file path=ppt/slides/slide32.xml><?xml version="1.0" encoding="utf-8"?>
-<p:sld xmlns:a="http://schemas.openxmlformats.org/drawingml/2006/main" xmlns:r="http://schemas.openxmlformats.org/officeDocument/2006/relationships" xmlns:p="http://schemas.openxmlformats.org/presentationml/2006/main">
-  <p:cSld>
-    <p:spTree>
-      <p:nvGrpSpPr>
-        <p:cNvPr id="1" name=""/>
-        <p:cNvGrpSpPr/>
-        <p:nvPr/>
-      </p:nvGrpSpPr>
-      <p:grpSpPr>
-        <a:xfrm>
-          <a:off x="0" y="0"/>
-          <a:ext cx="0" cy="0"/>
-          <a:chOff x="0" y="0"/>
-          <a:chExt cx="0" cy="0"/>
-        </a:xfrm>
-      </p:grpSpPr>
-      <p:sp>
-        <p:nvSpPr>
-          <p:cNvPr id="2" name="Title 1"/>
-          <p:cNvSpPr>
-            <a:spLocks noGrp="1"/>
-          </p:cNvSpPr>
-          <p:nvPr>
-            <p:ph type="title"/>
-          </p:nvPr>
-        </p:nvSpPr>
-        <p:spPr/>
-        <p:txBody>
-          <a:bodyPr/>
-          <a:lstStyle/>
-          <a:p>
-            <a:r>
               <a:rPr lang="en-US" dirty="0" err="1" smtClean="0"/>
               <a:t>Blackhole</a:t>
+            </a:r>
+            <a:r>
+              <a:rPr lang="en-US" dirty="0" smtClean="0"/>
+              <a:t> class</a:t>
             </a:r>
             <a:endParaRPr lang="en-US" dirty="0"/>
           </a:p>
@@ -17163,7 +17293,11 @@
           <a:p>
             <a:r>
               <a:rPr lang="en-US" dirty="0" smtClean="0"/>
-              <a:t>Avoid possibility of dead code elimination</a:t>
+              <a:t>Avoid </a:t>
+            </a:r>
+            <a:r>
+              <a:rPr lang="en-US" dirty="0" smtClean="0"/>
+              <a:t>possibility of dead code elimination</a:t>
             </a:r>
           </a:p>
           <a:p>
@@ -17176,8 +17310,23 @@
           <a:p>
             <a:pPr lvl="1"/>
             <a:r>
-              <a:rPr lang="en-US" dirty="0" smtClean="0"/>
-              <a:t>Instances are </a:t>
+              <a:rPr lang="en-US" dirty="0"/>
+              <a:t>N</a:t>
+            </a:r>
+            <a:r>
+              <a:rPr lang="en-US" dirty="0" smtClean="0"/>
+              <a:t>o information escapes to the JIT as to whether or not the value is actually used afterwards – so must assume it is used</a:t>
+            </a:r>
+            <a:endParaRPr lang="en-US" dirty="0" smtClean="0"/>
+          </a:p>
+          <a:p>
+            <a:r>
+              <a:rPr lang="en-US" dirty="0" smtClean="0"/>
+              <a:t>Instances </a:t>
+            </a:r>
+            <a:r>
+              <a:rPr lang="en-US" dirty="0" smtClean="0"/>
+              <a:t>are </a:t>
             </a:r>
             <a:r>
               <a:rPr lang="en-US" dirty="0"/>
@@ -17185,55 +17334,36 @@
             </a:r>
             <a:r>
               <a:rPr lang="en-US" dirty="0" smtClean="0"/>
-              <a:t>utomatically injected into your @Benchmark method calls as arguments</a:t>
-            </a:r>
-            <a:endParaRPr lang="en-US" dirty="0"/>
-          </a:p>
-          <a:p>
-            <a:r>
-              <a:rPr lang="en-US" i="1" dirty="0" err="1" smtClean="0"/>
+              <a:t>utomatically injected into your @Benchmark method calls </a:t>
+            </a:r>
+            <a:r>
+              <a:rPr lang="en-US" dirty="0" smtClean="0"/>
+              <a:t>for any arguments of this type</a:t>
+            </a:r>
+          </a:p>
+          <a:p>
+            <a:r>
+              <a:rPr lang="en-US" dirty="0" smtClean="0"/>
+              <a:t>Any  values returned from @Benchmark methods are implicitly consumed by a </a:t>
+            </a:r>
+            <a:r>
+              <a:rPr lang="en-US" dirty="0" err="1" smtClean="0"/>
               <a:t>Blackhole</a:t>
             </a:r>
-            <a:r>
-              <a:rPr lang="en-US" i="1" dirty="0" smtClean="0"/>
-              <a:t> </a:t>
-            </a:r>
-            <a:r>
-              <a:rPr lang="en-US" i="1" dirty="0"/>
-              <a:t>"consumes" the values, conceiving no information to JIT whether </a:t>
-            </a:r>
-            <a:r>
-              <a:rPr lang="en-US" i="1" dirty="0" smtClean="0"/>
-              <a:t>the </a:t>
-            </a:r>
-            <a:r>
-              <a:rPr lang="en-US" i="1" dirty="0"/>
-              <a:t>value is actually used afterwards. This can save from the dead-code </a:t>
-            </a:r>
-            <a:r>
-              <a:rPr lang="en-US" i="1" dirty="0" smtClean="0"/>
-              <a:t>elimination </a:t>
-            </a:r>
-            <a:r>
-              <a:rPr lang="en-US" i="1" dirty="0"/>
-              <a:t>of the computations resulting in the given values</a:t>
-            </a:r>
-            <a:r>
-              <a:rPr lang="en-US" i="1" dirty="0" smtClean="0"/>
-              <a:t>.</a:t>
-            </a:r>
-          </a:p>
-          <a:p>
-            <a:r>
-              <a:rPr lang="en-US" dirty="0" smtClean="0"/>
-              <a:t>But how does it work?</a:t>
-            </a:r>
-          </a:p>
-          <a:p>
-            <a:pPr lvl="1"/>
-            <a:r>
-              <a:rPr lang="en-US" dirty="0" smtClean="0"/>
-              <a:t>???????????????</a:t>
+            <a:endParaRPr lang="en-US" dirty="0" smtClean="0"/>
+          </a:p>
+          <a:p>
+            <a:r>
+              <a:rPr lang="en-US" dirty="0" smtClean="0"/>
+              <a:t>But </a:t>
+            </a:r>
+            <a:r>
+              <a:rPr lang="en-US" dirty="0" smtClean="0"/>
+              <a:t>how does it work</a:t>
+            </a:r>
+            <a:r>
+              <a:rPr lang="en-US" dirty="0" smtClean="0"/>
+              <a:t>????????????????</a:t>
             </a:r>
             <a:endParaRPr lang="en-US" dirty="0"/>
           </a:p>
@@ -17259,7 +17389,7 @@
 </p:sld>
 </file>
 
-<file path=ppt/slides/slide33.xml><?xml version="1.0" encoding="utf-8"?>
+<file path=ppt/slides/slide31.xml><?xml version="1.0" encoding="utf-8"?>
 <p:sld xmlns:a="http://schemas.openxmlformats.org/drawingml/2006/main" xmlns:r="http://schemas.openxmlformats.org/officeDocument/2006/relationships" xmlns:p="http://schemas.openxmlformats.org/presentationml/2006/main">
   <p:cSld>
     <p:spTree>
@@ -17348,6 +17478,248 @@
 </p:sld>
 </file>
 
+<file path=ppt/slides/slide32.xml><?xml version="1.0" encoding="utf-8"?>
+<p:sld xmlns:a="http://schemas.openxmlformats.org/drawingml/2006/main" xmlns:r="http://schemas.openxmlformats.org/officeDocument/2006/relationships" xmlns:p="http://schemas.openxmlformats.org/presentationml/2006/main">
+  <p:cSld>
+    <p:spTree>
+      <p:nvGrpSpPr>
+        <p:cNvPr id="1" name=""/>
+        <p:cNvGrpSpPr/>
+        <p:nvPr/>
+      </p:nvGrpSpPr>
+      <p:grpSpPr>
+        <a:xfrm>
+          <a:off x="0" y="0"/>
+          <a:ext cx="0" cy="0"/>
+          <a:chOff x="0" y="0"/>
+          <a:chExt cx="0" cy="0"/>
+        </a:xfrm>
+      </p:grpSpPr>
+      <p:sp>
+        <p:nvSpPr>
+          <p:cNvPr id="4" name="Title 3"/>
+          <p:cNvSpPr>
+            <a:spLocks noGrp="1"/>
+          </p:cNvSpPr>
+          <p:nvPr>
+            <p:ph type="title"/>
+          </p:nvPr>
+        </p:nvSpPr>
+        <p:spPr/>
+        <p:txBody>
+          <a:bodyPr>
+            <a:normAutofit/>
+          </a:bodyPr>
+          <a:lstStyle/>
+          <a:p>
+            <a:r>
+              <a:rPr lang="en-US" sz="5600" dirty="0" smtClean="0"/>
+              <a:t>Problem – Method Dispatch Effects</a:t>
+            </a:r>
+            <a:br>
+              <a:rPr lang="en-US" sz="5600" dirty="0" smtClean="0"/>
+            </a:br>
+            <a:r>
+              <a:rPr lang="en-US" sz="5600" dirty="0" smtClean="0"/>
+              <a:t>Answer – JMH Isolates Classes</a:t>
+            </a:r>
+            <a:endParaRPr lang="en-US" sz="5600" dirty="0"/>
+          </a:p>
+        </p:txBody>
+      </p:sp>
+      <p:sp>
+        <p:nvSpPr>
+          <p:cNvPr id="5" name="Text Placeholder 4"/>
+          <p:cNvSpPr>
+            <a:spLocks noGrp="1"/>
+          </p:cNvSpPr>
+          <p:nvPr>
+            <p:ph type="body" idx="1"/>
+          </p:nvPr>
+        </p:nvSpPr>
+        <p:spPr/>
+        <p:txBody>
+          <a:bodyPr/>
+          <a:lstStyle/>
+          <a:p>
+            <a:endParaRPr lang="en-US"/>
+          </a:p>
+        </p:txBody>
+      </p:sp>
+    </p:spTree>
+    <p:extLst>
+      <p:ext uri="{BB962C8B-B14F-4D97-AF65-F5344CB8AC3E}">
+        <p14:creationId xmlns:p14="http://schemas.microsoft.com/office/powerpoint/2010/main" val="2066432178"/>
+      </p:ext>
+    </p:extLst>
+  </p:cSld>
+  <p:clrMapOvr>
+    <a:masterClrMapping/>
+  </p:clrMapOvr>
+</p:sld>
+</file>
+
+<file path=ppt/slides/slide33.xml><?xml version="1.0" encoding="utf-8"?>
+<p:sld xmlns:a="http://schemas.openxmlformats.org/drawingml/2006/main" xmlns:r="http://schemas.openxmlformats.org/officeDocument/2006/relationships" xmlns:p="http://schemas.openxmlformats.org/presentationml/2006/main">
+  <p:cSld>
+    <p:spTree>
+      <p:nvGrpSpPr>
+        <p:cNvPr id="1" name=""/>
+        <p:cNvGrpSpPr/>
+        <p:nvPr/>
+      </p:nvGrpSpPr>
+      <p:grpSpPr>
+        <a:xfrm>
+          <a:off x="0" y="0"/>
+          <a:ext cx="0" cy="0"/>
+          <a:chOff x="0" y="0"/>
+          <a:chExt cx="0" cy="0"/>
+        </a:xfrm>
+      </p:grpSpPr>
+      <p:sp>
+        <p:nvSpPr>
+          <p:cNvPr id="2" name="Title 1"/>
+          <p:cNvSpPr>
+            <a:spLocks noGrp="1"/>
+          </p:cNvSpPr>
+          <p:nvPr>
+            <p:ph type="title"/>
+          </p:nvPr>
+        </p:nvSpPr>
+        <p:spPr/>
+        <p:txBody>
+          <a:bodyPr/>
+          <a:lstStyle/>
+          <a:p>
+            <a:r>
+              <a:rPr lang="en-US" dirty="0" smtClean="0"/>
+              <a:t>JMH Helps Avoid Profiling</a:t>
+            </a:r>
+            <a:endParaRPr lang="en-US" dirty="0"/>
+          </a:p>
+        </p:txBody>
+      </p:sp>
+      <p:sp>
+        <p:nvSpPr>
+          <p:cNvPr id="3" name="Content Placeholder 2"/>
+          <p:cNvSpPr>
+            <a:spLocks noGrp="1"/>
+          </p:cNvSpPr>
+          <p:nvPr>
+            <p:ph idx="1"/>
+          </p:nvPr>
+        </p:nvSpPr>
+        <p:spPr/>
+        <p:txBody>
+          <a:bodyPr/>
+          <a:lstStyle/>
+          <a:p>
+            <a:r>
+              <a:rPr lang="en-US" dirty="0" smtClean="0"/>
+              <a:t>JVM “profiles”</a:t>
+            </a:r>
+          </a:p>
+          <a:p>
+            <a:pPr lvl="1"/>
+            <a:r>
+              <a:rPr lang="en-US" dirty="0" smtClean="0"/>
+              <a:t>Information about loaded classes and their execution </a:t>
+            </a:r>
+            <a:r>
+              <a:rPr lang="en-US" dirty="0" smtClean="0"/>
+              <a:t>information</a:t>
+            </a:r>
+          </a:p>
+          <a:p>
+            <a:pPr lvl="1"/>
+            <a:r>
+              <a:rPr lang="en-US" dirty="0" smtClean="0"/>
+              <a:t>These are used to determine whether calls are mono, bi or mega-</a:t>
+            </a:r>
+            <a:r>
+              <a:rPr lang="en-US" dirty="0" err="1" smtClean="0"/>
+              <a:t>morphic</a:t>
+            </a:r>
+            <a:endParaRPr lang="en-US" dirty="0" smtClean="0"/>
+          </a:p>
+          <a:p>
+            <a:r>
+              <a:rPr lang="en-US" dirty="0" smtClean="0"/>
+              <a:t>JMH forks each Benchmark</a:t>
+            </a:r>
+          </a:p>
+          <a:p>
+            <a:r>
+              <a:rPr lang="en-US" dirty="0"/>
+              <a:t>JMH generates one class per method that is annotated with @</a:t>
+            </a:r>
+            <a:r>
+              <a:rPr lang="en-US" dirty="0" smtClean="0"/>
+              <a:t>Benchmark</a:t>
+            </a:r>
+            <a:endParaRPr lang="en-US" dirty="0" smtClean="0"/>
+          </a:p>
+          <a:p>
+            <a:pPr lvl="1"/>
+            <a:r>
+              <a:rPr lang="en-US" dirty="0" smtClean="0"/>
+              <a:t>Keep usage of each implementation isolated by @Benchmark, everything tested as if mono-</a:t>
+            </a:r>
+            <a:r>
+              <a:rPr lang="en-US" dirty="0" err="1" smtClean="0"/>
+              <a:t>morphic</a:t>
+            </a:r>
+            <a:endParaRPr lang="en-US" dirty="0" smtClean="0"/>
+          </a:p>
+          <a:p>
+            <a:pPr lvl="1"/>
+            <a:r>
+              <a:rPr lang="en-US" dirty="0" smtClean="0"/>
+              <a:t>Transparent </a:t>
+            </a:r>
+            <a:r>
+              <a:rPr lang="en-US" dirty="0"/>
+              <a:t>to JMH users</a:t>
+            </a:r>
+            <a:endParaRPr lang="en-US" dirty="0" smtClean="0"/>
+          </a:p>
+          <a:p>
+            <a:r>
+              <a:rPr lang="en-US" dirty="0" smtClean="0"/>
+              <a:t>Do not set forks to </a:t>
+            </a:r>
+            <a:r>
+              <a:rPr lang="en-US" dirty="0" smtClean="0"/>
+              <a:t>0, or else these problems will </a:t>
+            </a:r>
+            <a:r>
+              <a:rPr lang="en-US" dirty="0" err="1" smtClean="0"/>
+              <a:t>recurr</a:t>
+            </a:r>
+            <a:endParaRPr lang="en-US" dirty="0"/>
+          </a:p>
+        </p:txBody>
+      </p:sp>
+    </p:spTree>
+    <p:extLst>
+      <p:ext uri="{BB962C8B-B14F-4D97-AF65-F5344CB8AC3E}">
+        <p14:creationId xmlns:p14="http://schemas.microsoft.com/office/powerpoint/2010/main" val="735483600"/>
+      </p:ext>
+    </p:extLst>
+  </p:cSld>
+  <p:clrMapOvr>
+    <a:masterClrMapping/>
+  </p:clrMapOvr>
+  <p:timing>
+    <p:tnLst>
+      <p:par>
+        <p:cTn id="1" dur="indefinite" restart="never" nodeType="tmRoot"/>
+      </p:par>
+    </p:tnLst>
+  </p:timing>
+</p:sld>
+</file>
+
 <file path=ppt/slides/slide34.xml><?xml version="1.0" encoding="utf-8"?>
 <p:sld xmlns:a="http://schemas.openxmlformats.org/drawingml/2006/main" xmlns:r="http://schemas.openxmlformats.org/officeDocument/2006/relationships" xmlns:p="http://schemas.openxmlformats.org/presentationml/2006/main">
   <p:cSld>
@@ -17367,7 +17739,7 @@
       </p:grpSpPr>
       <p:sp>
         <p:nvSpPr>
-          <p:cNvPr id="2" name="Title 1"/>
+          <p:cNvPr id="4" name="Title 3"/>
           <p:cNvSpPr>
             <a:spLocks noGrp="1"/>
           </p:cNvSpPr>
@@ -17381,12 +17753,16 @@
           <a:lstStyle/>
           <a:p>
             <a:r>
-              <a:rPr lang="en-US" dirty="0" smtClean="0"/>
-              <a:t>@</a:t>
+              <a:rPr lang="en-US" dirty="0"/>
+              <a:t>Demo – </a:t>
             </a:r>
             <a:r>
               <a:rPr lang="en-US" dirty="0" err="1" smtClean="0"/>
-              <a:t>Blackhole</a:t>
+              <a:t>Inlining</a:t>
+            </a:r>
+            <a:r>
+              <a:rPr lang="en-US" dirty="0" smtClean="0"/>
+              <a:t> (Demo-02)</a:t>
             </a:r>
             <a:endParaRPr lang="en-US" dirty="0"/>
           </a:p>
@@ -17394,7 +17770,7 @@
       </p:sp>
       <p:sp>
         <p:nvSpPr>
-          <p:cNvPr id="3" name="Content Placeholder 2"/>
+          <p:cNvPr id="5" name="Content Placeholder 4"/>
           <p:cNvSpPr>
             <a:spLocks noGrp="1"/>
           </p:cNvSpPr>
@@ -17408,15 +17784,35 @@
           <a:lstStyle/>
           <a:p>
             <a:r>
-              <a:rPr lang="en-US" dirty="0" smtClean="0"/>
-              <a:t>Outsmart the JIT</a:t>
-            </a:r>
-          </a:p>
-          <a:p>
-            <a:r>
-              <a:rPr lang="en-US" dirty="0" smtClean="0"/>
-              <a:t>Make certain it can’t tell a value isn’t used afterwards…by using it</a:t>
-            </a:r>
+              <a:rPr lang="en-US" dirty="0"/>
+              <a:t>Goal – measure the </a:t>
+            </a:r>
+            <a:r>
+              <a:rPr lang="en-US" dirty="0" smtClean="0"/>
+              <a:t>savings of method </a:t>
+            </a:r>
+            <a:r>
+              <a:rPr lang="en-US" dirty="0" err="1" smtClean="0"/>
+              <a:t>inlining</a:t>
+            </a:r>
+            <a:endParaRPr lang="en-US" dirty="0"/>
+          </a:p>
+          <a:p>
+            <a:r>
+              <a:rPr lang="en-US" dirty="0"/>
+              <a:t>Baseline method </a:t>
+            </a:r>
+            <a:r>
+              <a:rPr lang="en-US" dirty="0" smtClean="0"/>
+              <a:t>– call identical methods on an identical class which is guaranteed NOT to be </a:t>
+            </a:r>
+            <a:r>
+              <a:rPr lang="en-US" dirty="0" err="1" smtClean="0"/>
+              <a:t>inlined</a:t>
+            </a:r>
+            <a:endParaRPr lang="en-US" dirty="0"/>
+          </a:p>
+          <a:p>
             <a:endParaRPr lang="en-US" dirty="0"/>
           </a:p>
         </p:txBody>
@@ -17424,24 +17820,112 @@
     </p:spTree>
     <p:extLst>
       <p:ext uri="{BB962C8B-B14F-4D97-AF65-F5344CB8AC3E}">
-        <p14:creationId xmlns:p14="http://schemas.microsoft.com/office/powerpoint/2010/main" val="602434920"/>
+        <p14:creationId xmlns:p14="http://schemas.microsoft.com/office/powerpoint/2010/main" val="4172053485"/>
       </p:ext>
     </p:extLst>
   </p:cSld>
   <p:clrMapOvr>
     <a:masterClrMapping/>
   </p:clrMapOvr>
-  <p:timing>
-    <p:tnLst>
-      <p:par>
-        <p:cTn id="1" dur="indefinite" restart="never" nodeType="tmRoot"/>
-      </p:par>
-    </p:tnLst>
-  </p:timing>
 </p:sld>
 </file>
 
 <file path=ppt/slides/slide35.xml><?xml version="1.0" encoding="utf-8"?>
+<p:sld xmlns:a="http://schemas.openxmlformats.org/drawingml/2006/main" xmlns:r="http://schemas.openxmlformats.org/officeDocument/2006/relationships" xmlns:p="http://schemas.openxmlformats.org/presentationml/2006/main">
+  <p:cSld>
+    <p:spTree>
+      <p:nvGrpSpPr>
+        <p:cNvPr id="1" name=""/>
+        <p:cNvGrpSpPr/>
+        <p:nvPr/>
+      </p:nvGrpSpPr>
+      <p:grpSpPr>
+        <a:xfrm>
+          <a:off x="0" y="0"/>
+          <a:ext cx="0" cy="0"/>
+          <a:chOff x="0" y="0"/>
+          <a:chExt cx="0" cy="0"/>
+        </a:xfrm>
+      </p:grpSpPr>
+      <p:sp>
+        <p:nvSpPr>
+          <p:cNvPr id="4" name="Title 3"/>
+          <p:cNvSpPr>
+            <a:spLocks noGrp="1"/>
+          </p:cNvSpPr>
+          <p:nvPr>
+            <p:ph type="title"/>
+          </p:nvPr>
+        </p:nvSpPr>
+        <p:spPr/>
+        <p:txBody>
+          <a:bodyPr/>
+          <a:lstStyle/>
+          <a:p>
+            <a:r>
+              <a:rPr lang="en-US" dirty="0"/>
+              <a:t>Problem – </a:t>
+            </a:r>
+            <a:r>
+              <a:rPr lang="en-US" dirty="0" err="1" smtClean="0"/>
+              <a:t>Inlining</a:t>
+            </a:r>
+            <a:r>
+              <a:rPr lang="en-US" dirty="0"/>
+              <a:t/>
+            </a:r>
+            <a:br>
+              <a:rPr lang="en-US" dirty="0"/>
+            </a:br>
+            <a:r>
+              <a:rPr lang="en-US" dirty="0"/>
+              <a:t>Answer – </a:t>
+            </a:r>
+            <a:r>
+              <a:rPr lang="en-US" dirty="0" smtClean="0"/>
+              <a:t>@</a:t>
+            </a:r>
+            <a:r>
+              <a:rPr lang="en-US" dirty="0" err="1" smtClean="0"/>
+              <a:t>CompilerControl</a:t>
+            </a:r>
+            <a:endParaRPr lang="en-US" dirty="0"/>
+          </a:p>
+        </p:txBody>
+      </p:sp>
+      <p:sp>
+        <p:nvSpPr>
+          <p:cNvPr id="5" name="Text Placeholder 4"/>
+          <p:cNvSpPr>
+            <a:spLocks noGrp="1"/>
+          </p:cNvSpPr>
+          <p:nvPr>
+            <p:ph type="body" idx="1"/>
+          </p:nvPr>
+        </p:nvSpPr>
+        <p:spPr/>
+        <p:txBody>
+          <a:bodyPr/>
+          <a:lstStyle/>
+          <a:p>
+            <a:endParaRPr lang="en-US"/>
+          </a:p>
+        </p:txBody>
+      </p:sp>
+    </p:spTree>
+    <p:extLst>
+      <p:ext uri="{BB962C8B-B14F-4D97-AF65-F5344CB8AC3E}">
+        <p14:creationId xmlns:p14="http://schemas.microsoft.com/office/powerpoint/2010/main" val="3691629636"/>
+      </p:ext>
+    </p:extLst>
+  </p:cSld>
+  <p:clrMapOvr>
+    <a:masterClrMapping/>
+  </p:clrMapOvr>
+</p:sld>
+</file>
+
+<file path=ppt/slides/slide36.xml><?xml version="1.0" encoding="utf-8"?>
 <p:sld xmlns:a="http://schemas.openxmlformats.org/drawingml/2006/main" xmlns:r="http://schemas.openxmlformats.org/officeDocument/2006/relationships" xmlns:p="http://schemas.openxmlformats.org/presentationml/2006/main">
   <p:cSld>
     <p:spTree>
@@ -17772,74 +18256,6 @@
 </p:sld>
 </file>
 
-<file path=ppt/slides/slide36.xml><?xml version="1.0" encoding="utf-8"?>
-<p:sld xmlns:a="http://schemas.openxmlformats.org/drawingml/2006/main" xmlns:r="http://schemas.openxmlformats.org/officeDocument/2006/relationships" xmlns:p="http://schemas.openxmlformats.org/presentationml/2006/main">
-  <p:cSld>
-    <p:spTree>
-      <p:nvGrpSpPr>
-        <p:cNvPr id="1" name=""/>
-        <p:cNvGrpSpPr/>
-        <p:nvPr/>
-      </p:nvGrpSpPr>
-      <p:grpSpPr>
-        <a:xfrm>
-          <a:off x="0" y="0"/>
-          <a:ext cx="0" cy="0"/>
-          <a:chOff x="0" y="0"/>
-          <a:chExt cx="0" cy="0"/>
-        </a:xfrm>
-      </p:grpSpPr>
-      <p:sp>
-        <p:nvSpPr>
-          <p:cNvPr id="2" name="Title 1"/>
-          <p:cNvSpPr>
-            <a:spLocks noGrp="1"/>
-          </p:cNvSpPr>
-          <p:nvPr>
-            <p:ph type="title"/>
-          </p:nvPr>
-        </p:nvSpPr>
-        <p:spPr/>
-        <p:txBody>
-          <a:bodyPr/>
-          <a:lstStyle/>
-          <a:p>
-            <a:endParaRPr lang="en-US"/>
-          </a:p>
-        </p:txBody>
-      </p:sp>
-      <p:sp>
-        <p:nvSpPr>
-          <p:cNvPr id="3" name="Content Placeholder 2"/>
-          <p:cNvSpPr>
-            <a:spLocks noGrp="1"/>
-          </p:cNvSpPr>
-          <p:nvPr>
-            <p:ph idx="1"/>
-          </p:nvPr>
-        </p:nvSpPr>
-        <p:spPr/>
-        <p:txBody>
-          <a:bodyPr/>
-          <a:lstStyle/>
-          <a:p>
-            <a:endParaRPr lang="en-US"/>
-          </a:p>
-        </p:txBody>
-      </p:sp>
-    </p:spTree>
-    <p:extLst>
-      <p:ext uri="{BB962C8B-B14F-4D97-AF65-F5344CB8AC3E}">
-        <p14:creationId xmlns:p14="http://schemas.microsoft.com/office/powerpoint/2010/main" val="3335015221"/>
-      </p:ext>
-    </p:extLst>
-  </p:cSld>
-  <p:clrMapOvr>
-    <a:masterClrMapping/>
-  </p:clrMapOvr>
-</p:sld>
-</file>
-
 <file path=ppt/slides/slide37.xml><?xml version="1.0" encoding="utf-8"?>
 <p:sld xmlns:a="http://schemas.openxmlformats.org/drawingml/2006/main" xmlns:r="http://schemas.openxmlformats.org/officeDocument/2006/relationships" xmlns:p="http://schemas.openxmlformats.org/presentationml/2006/main">
   <p:cSld>
@@ -17859,7 +18275,7 @@
       </p:grpSpPr>
       <p:sp>
         <p:nvSpPr>
-          <p:cNvPr id="2" name="Title 1"/>
+          <p:cNvPr id="4" name="Title 3"/>
           <p:cNvSpPr>
             <a:spLocks noGrp="1"/>
           </p:cNvSpPr>
@@ -17873,12 +18289,19 @@
           <a:lstStyle/>
           <a:p>
             <a:r>
-              <a:rPr lang="en-US" dirty="0" smtClean="0"/>
-              <a:t>Problem </a:t>
-            </a:r>
-            <a:r>
-              <a:rPr lang="en-US" dirty="0" smtClean="0"/>
-              <a:t>–Loops</a:t>
+              <a:rPr lang="en-US" dirty="0"/>
+              <a:t>Problem – Loop </a:t>
+            </a:r>
+            <a:r>
+              <a:rPr lang="en-US" dirty="0" smtClean="0"/>
+              <a:t>Unrolling</a:t>
+            </a:r>
+            <a:br>
+              <a:rPr lang="en-US" dirty="0" smtClean="0"/>
+            </a:br>
+            <a:r>
+              <a:rPr lang="en-US" dirty="0" smtClean="0"/>
+              <a:t>Answer – Avoid Numeric Loops</a:t>
             </a:r>
             <a:endParaRPr lang="en-US" dirty="0"/>
           </a:p>
@@ -17886,12 +18309,12 @@
       </p:sp>
       <p:sp>
         <p:nvSpPr>
-          <p:cNvPr id="3" name="Content Placeholder 2"/>
-          <p:cNvSpPr>
-            <a:spLocks noGrp="1"/>
-          </p:cNvSpPr>
-          <p:nvPr>
-            <p:ph idx="1"/>
+          <p:cNvPr id="5" name="Text Placeholder 4"/>
+          <p:cNvSpPr>
+            <a:spLocks noGrp="1"/>
+          </p:cNvSpPr>
+          <p:nvPr>
+            <p:ph type="body" idx="1"/>
           </p:nvPr>
         </p:nvSpPr>
         <p:spPr/>
@@ -17899,55 +18322,20 @@
           <a:bodyPr/>
           <a:lstStyle/>
           <a:p>
-            <a:r>
-              <a:rPr lang="en-US" dirty="0"/>
-              <a:t>Do not use </a:t>
-            </a:r>
-            <a:r>
-              <a:rPr lang="en-US" dirty="0" smtClean="0"/>
-              <a:t>numerical loops </a:t>
-            </a:r>
-            <a:r>
-              <a:rPr lang="en-US" dirty="0"/>
-              <a:t>in your </a:t>
-            </a:r>
-            <a:r>
-              <a:rPr lang="en-US" dirty="0" smtClean="0"/>
-              <a:t>tests</a:t>
-            </a:r>
-          </a:p>
-          <a:p>
-            <a:r>
-              <a:rPr lang="en-US" dirty="0" smtClean="0"/>
-              <a:t>JIT will try to optimize them away</a:t>
-            </a:r>
-          </a:p>
-          <a:p>
-            <a:r>
-              <a:rPr lang="en-US" dirty="0" smtClean="0"/>
-              <a:t>Test calculation (single operation) as much as possible</a:t>
-            </a:r>
-            <a:endParaRPr lang="en-US" dirty="0"/>
+            <a:endParaRPr lang="en-US"/>
           </a:p>
         </p:txBody>
       </p:sp>
     </p:spTree>
     <p:extLst>
       <p:ext uri="{BB962C8B-B14F-4D97-AF65-F5344CB8AC3E}">
-        <p14:creationId xmlns:p14="http://schemas.microsoft.com/office/powerpoint/2010/main" val="4257981847"/>
+        <p14:creationId xmlns:p14="http://schemas.microsoft.com/office/powerpoint/2010/main" val="252351407"/>
       </p:ext>
     </p:extLst>
   </p:cSld>
   <p:clrMapOvr>
     <a:masterClrMapping/>
   </p:clrMapOvr>
-  <p:timing>
-    <p:tnLst>
-      <p:par>
-        <p:cTn id="1" dur="indefinite" restart="never" nodeType="tmRoot"/>
-      </p:par>
-    </p:tnLst>
-  </p:timing>
 </p:sld>
 </file>
 
@@ -17985,7 +18373,11 @@
           <a:p>
             <a:r>
               <a:rPr lang="en-US" dirty="0" smtClean="0"/>
-              <a:t>Problem - Forks</a:t>
+              <a:t>Problem </a:t>
+            </a:r>
+            <a:r>
+              <a:rPr lang="en-US" dirty="0" smtClean="0"/>
+              <a:t>– Loop Unrolling</a:t>
             </a:r>
             <a:endParaRPr lang="en-US" dirty="0"/>
           </a:p>
@@ -18007,21 +18399,32 @@
           <a:lstStyle/>
           <a:p>
             <a:r>
-              <a:rPr lang="en-US" dirty="0" smtClean="0"/>
-              <a:t>JVM “profiles”</a:t>
-            </a:r>
-          </a:p>
-          <a:p>
-            <a:pPr lvl="1"/>
-            <a:r>
-              <a:rPr lang="en-US" dirty="0" smtClean="0"/>
-              <a:t>Information about loaded classes and their execution information</a:t>
-            </a:r>
-          </a:p>
-          <a:p>
-            <a:r>
-              <a:rPr lang="en-US" dirty="0" smtClean="0"/>
-              <a:t>Do not set forks to 0</a:t>
+              <a:rPr lang="en-US" dirty="0"/>
+              <a:t>Do not use </a:t>
+            </a:r>
+            <a:r>
+              <a:rPr lang="en-US" dirty="0" smtClean="0"/>
+              <a:t>numerical loops </a:t>
+            </a:r>
+            <a:r>
+              <a:rPr lang="en-US" dirty="0"/>
+              <a:t>in your </a:t>
+            </a:r>
+            <a:r>
+              <a:rPr lang="en-US" dirty="0" smtClean="0"/>
+              <a:t>tests</a:t>
+            </a:r>
+          </a:p>
+          <a:p>
+            <a:r>
+              <a:rPr lang="en-US" dirty="0" smtClean="0"/>
+              <a:t>JIT will try to optimize them away</a:t>
+            </a:r>
+          </a:p>
+          <a:p>
+            <a:r>
+              <a:rPr lang="en-US" dirty="0" smtClean="0"/>
+              <a:t>Test calculation (single operation) as much as possible</a:t>
             </a:r>
             <a:endParaRPr lang="en-US" dirty="0"/>
           </a:p>
@@ -18030,7 +18433,7 @@
     </p:spTree>
     <p:extLst>
       <p:ext uri="{BB962C8B-B14F-4D97-AF65-F5344CB8AC3E}">
-        <p14:creationId xmlns:p14="http://schemas.microsoft.com/office/powerpoint/2010/main" val="735483600"/>
+        <p14:creationId xmlns:p14="http://schemas.microsoft.com/office/powerpoint/2010/main" val="4257981847"/>
       </p:ext>
     </p:extLst>
   </p:cSld>
@@ -18081,7 +18484,7 @@
           <a:p>
             <a:r>
               <a:rPr lang="en-US" dirty="0" smtClean="0"/>
-              <a:t>Demo 2</a:t>
+              <a:t>There’s More</a:t>
             </a:r>
             <a:endParaRPr lang="en-US" dirty="0"/>
           </a:p>
@@ -18101,6 +18504,74 @@
         <p:txBody>
           <a:bodyPr/>
           <a:lstStyle/>
+          <a:p>
+            <a:r>
+              <a:rPr lang="en-US" dirty="0" smtClean="0"/>
+              <a:t>Multithreaded </a:t>
+            </a:r>
+            <a:r>
+              <a:rPr lang="en-US" dirty="0"/>
+              <a:t>benchmarks</a:t>
+            </a:r>
+            <a:endParaRPr lang="en-US" dirty="0" smtClean="0"/>
+          </a:p>
+          <a:p>
+            <a:pPr lvl="1"/>
+            <a:r>
+              <a:rPr lang="en-US" dirty="0" smtClean="0"/>
+              <a:t>Groups of threads can have different roles</a:t>
+            </a:r>
+          </a:p>
+          <a:p>
+            <a:r>
+              <a:rPr lang="en-US" dirty="0" smtClean="0"/>
+              <a:t>Parameterized benchmarks</a:t>
+            </a:r>
+          </a:p>
+          <a:p>
+            <a:pPr lvl="1"/>
+            <a:r>
+              <a:rPr lang="en-US" dirty="0" smtClean="0"/>
+              <a:t>Run the same @Benchmark for various input combinations</a:t>
+            </a:r>
+          </a:p>
+          <a:p>
+            <a:r>
+              <a:rPr lang="en-US" dirty="0" smtClean="0"/>
+              <a:t>Batched operations</a:t>
+            </a:r>
+          </a:p>
+          <a:p>
+            <a:r>
+              <a:rPr lang="en-US" dirty="0" smtClean="0"/>
+              <a:t>Profilers </a:t>
+            </a:r>
+          </a:p>
+          <a:p>
+            <a:pPr lvl="1"/>
+            <a:r>
+              <a:rPr lang="en-US" dirty="0" smtClean="0"/>
+              <a:t>Garbage collection (if you didn’t disable it)</a:t>
+            </a:r>
+          </a:p>
+          <a:p>
+            <a:pPr lvl="1"/>
+            <a:r>
+              <a:rPr lang="en-US" dirty="0" smtClean="0"/>
+              <a:t>Most hit methods, instructions</a:t>
+            </a:r>
+          </a:p>
+          <a:p>
+            <a:pPr lvl="1"/>
+            <a:r>
+              <a:rPr lang="en-US" dirty="0" smtClean="0"/>
+              <a:t>Cache hits/misses</a:t>
+            </a:r>
+          </a:p>
+          <a:p>
+            <a:pPr lvl="1"/>
+            <a:endParaRPr lang="en-US" dirty="0" smtClean="0"/>
+          </a:p>
           <a:p>
             <a:endParaRPr lang="en-US" dirty="0"/>
           </a:p>
@@ -18109,7 +18580,7 @@
     </p:spTree>
     <p:extLst>
       <p:ext uri="{BB962C8B-B14F-4D97-AF65-F5344CB8AC3E}">
-        <p14:creationId xmlns:p14="http://schemas.microsoft.com/office/powerpoint/2010/main" val="1252817105"/>
+        <p14:creationId xmlns:p14="http://schemas.microsoft.com/office/powerpoint/2010/main" val="2792925416"/>
       </p:ext>
     </p:extLst>
   </p:cSld>
@@ -18334,7 +18805,7 @@
           <a:p>
             <a:r>
               <a:rPr lang="en-US" dirty="0" smtClean="0"/>
-              <a:t>Demo 2 - Results</a:t>
+              <a:t>Further Considerations</a:t>
             </a:r>
             <a:endParaRPr lang="en-US" dirty="0"/>
           </a:p>
@@ -18354,6 +18825,109 @@
         <p:txBody>
           <a:bodyPr/>
           <a:lstStyle/>
+          <a:p>
+            <a:r>
+              <a:rPr lang="en-US" b="1" dirty="0"/>
+              <a:t>JMH annotations </a:t>
+            </a:r>
+            <a:r>
+              <a:rPr lang="en-US" b="1" dirty="0" err="1"/>
+              <a:t>Javadocs</a:t>
+            </a:r>
+            <a:r>
+              <a:rPr lang="en-US" b="1" dirty="0"/>
+              <a:t> and Samples are essential </a:t>
+            </a:r>
+            <a:r>
+              <a:rPr lang="en-US" b="1" dirty="0" smtClean="0"/>
+              <a:t>reading</a:t>
+            </a:r>
+            <a:endParaRPr lang="en-US" dirty="0" smtClean="0"/>
+          </a:p>
+          <a:p>
+            <a:pPr lvl="1"/>
+            <a:r>
+              <a:rPr lang="en-US" dirty="0" smtClean="0"/>
+              <a:t>Follow </a:t>
+            </a:r>
+            <a:r>
+              <a:rPr lang="en-US" dirty="0"/>
+              <a:t>the JMH samples to get familiar with the API, use cases, culprits, and pitfalls </a:t>
+            </a:r>
+          </a:p>
+          <a:p>
+            <a:r>
+              <a:rPr lang="en-US" b="1" dirty="0" smtClean="0"/>
+              <a:t>Your </a:t>
+            </a:r>
+            <a:r>
+              <a:rPr lang="en-US" b="1" dirty="0"/>
+              <a:t>benchmarks should be </a:t>
+            </a:r>
+            <a:r>
+              <a:rPr lang="en-US" b="1" dirty="0" smtClean="0"/>
+              <a:t>peer-reviewed</a:t>
+            </a:r>
+            <a:endParaRPr lang="en-US" dirty="0" smtClean="0"/>
+          </a:p>
+          <a:p>
+            <a:pPr lvl="1"/>
+            <a:r>
+              <a:rPr lang="en-US" dirty="0" smtClean="0"/>
+              <a:t>JMH does </a:t>
+            </a:r>
+            <a:r>
+              <a:rPr lang="en-US" b="1" dirty="0" smtClean="0"/>
+              <a:t>NOT</a:t>
+            </a:r>
+            <a:r>
+              <a:rPr lang="en-US" dirty="0" smtClean="0"/>
+              <a:t> magically </a:t>
+            </a:r>
+            <a:r>
+              <a:rPr lang="en-US" dirty="0"/>
+              <a:t>free you from considering </a:t>
+            </a:r>
+            <a:r>
+              <a:rPr lang="en-US" dirty="0" smtClean="0"/>
+              <a:t>all benchmarking </a:t>
+            </a:r>
+            <a:r>
+              <a:rPr lang="en-US" dirty="0" smtClean="0"/>
+              <a:t>pitfalls</a:t>
+            </a:r>
+          </a:p>
+          <a:p>
+            <a:pPr lvl="1"/>
+            <a:r>
+              <a:rPr lang="en-US" dirty="0" smtClean="0"/>
+              <a:t>“We </a:t>
+            </a:r>
+            <a:r>
+              <a:rPr lang="en-US" dirty="0"/>
+              <a:t>only promise to make avoiding them easier, not </a:t>
+            </a:r>
+            <a:r>
+              <a:rPr lang="en-US" dirty="0" smtClean="0"/>
+              <a:t>avoid </a:t>
+            </a:r>
+            <a:r>
+              <a:rPr lang="en-US" dirty="0"/>
+              <a:t>them completely</a:t>
+            </a:r>
+            <a:r>
+              <a:rPr lang="en-US" dirty="0" smtClean="0"/>
+              <a:t>.”</a:t>
+            </a:r>
+          </a:p>
+          <a:p>
+            <a:pPr lvl="1"/>
+            <a:r>
+              <a:rPr lang="en-US" dirty="0" smtClean="0"/>
+              <a:t>Have someone else look at the code, consider what they expect to see in terms of relative speed, and compare it to what they actually see</a:t>
+            </a:r>
+            <a:endParaRPr lang="en-US" dirty="0"/>
+          </a:p>
           <a:p>
             <a:endParaRPr lang="en-US" dirty="0"/>
           </a:p>
@@ -18362,13 +18936,20 @@
     </p:spTree>
     <p:extLst>
       <p:ext uri="{BB962C8B-B14F-4D97-AF65-F5344CB8AC3E}">
-        <p14:creationId xmlns:p14="http://schemas.microsoft.com/office/powerpoint/2010/main" val="2511131901"/>
+        <p14:creationId xmlns:p14="http://schemas.microsoft.com/office/powerpoint/2010/main" val="347531558"/>
       </p:ext>
     </p:extLst>
   </p:cSld>
   <p:clrMapOvr>
     <a:masterClrMapping/>
   </p:clrMapOvr>
+  <p:timing>
+    <p:tnLst>
+      <p:par>
+        <p:cTn id="1" dur="indefinite" restart="never" nodeType="tmRoot"/>
+      </p:par>
+    </p:tnLst>
+  </p:timing>
 </p:sld>
 </file>
 
@@ -18401,12 +18982,22 @@
         </p:nvSpPr>
         <p:spPr/>
         <p:txBody>
-          <a:bodyPr/>
+          <a:bodyPr>
+            <a:normAutofit/>
+          </a:bodyPr>
           <a:lstStyle/>
           <a:p>
             <a:r>
               <a:rPr lang="en-US" dirty="0" smtClean="0"/>
-              <a:t>Further Considerations</a:t>
+              <a:t>Does </a:t>
+            </a:r>
+            <a:r>
+              <a:rPr lang="en-US" smtClean="0"/>
+              <a:t>Speed Really Matter</a:t>
+            </a:r>
+            <a:r>
+              <a:rPr lang="en-US" dirty="0" smtClean="0"/>
+              <a:t>?</a:t>
             </a:r>
             <a:endParaRPr lang="en-US" dirty="0"/>
           </a:p>
@@ -18424,108 +19015,110 @@
         </p:nvSpPr>
         <p:spPr/>
         <p:txBody>
-          <a:bodyPr/>
+          <a:bodyPr>
+            <a:normAutofit fontScale="92500" lnSpcReduction="10000"/>
+          </a:bodyPr>
           <a:lstStyle/>
           <a:p>
             <a:r>
-              <a:rPr lang="en-US" b="1" dirty="0"/>
-              <a:t>JMH annotations </a:t>
-            </a:r>
-            <a:r>
-              <a:rPr lang="en-US" b="1" dirty="0" err="1"/>
-              <a:t>Javadocs</a:t>
-            </a:r>
-            <a:r>
-              <a:rPr lang="en-US" b="1" dirty="0"/>
-              <a:t> and Samples are essential </a:t>
-            </a:r>
-            <a:r>
-              <a:rPr lang="en-US" b="1" dirty="0" smtClean="0"/>
-              <a:t>reading</a:t>
-            </a:r>
-            <a:endParaRPr lang="en-US" dirty="0" smtClean="0"/>
+              <a:rPr lang="en-US" dirty="0" smtClean="0"/>
+              <a:t>Wall Clock benchmarking is the only kind your users care about</a:t>
+            </a:r>
+          </a:p>
+          <a:p>
+            <a:r>
+              <a:rPr lang="en-US" dirty="0" err="1" smtClean="0"/>
+              <a:t>Microbenchmarking</a:t>
+            </a:r>
+            <a:r>
+              <a:rPr lang="en-US" dirty="0" smtClean="0"/>
+              <a:t> is educational, though</a:t>
+            </a:r>
+          </a:p>
+          <a:p>
+            <a:r>
+              <a:rPr lang="en-US" dirty="0" smtClean="0"/>
+              <a:t>But more </a:t>
+            </a:r>
+            <a:r>
+              <a:rPr lang="en-US" b="1" dirty="0" smtClean="0">
+                <a:solidFill>
+                  <a:srgbClr val="00B050"/>
+                </a:solidFill>
+              </a:rPr>
+              <a:t>organized, readable </a:t>
+            </a:r>
+            <a:r>
+              <a:rPr lang="en-US" dirty="0" smtClean="0"/>
+              <a:t>and </a:t>
+            </a:r>
+            <a:r>
+              <a:rPr lang="en-US" b="1" dirty="0" smtClean="0">
+                <a:solidFill>
+                  <a:srgbClr val="00B050"/>
+                </a:solidFill>
+              </a:rPr>
+              <a:t>maintainable</a:t>
+            </a:r>
+            <a:r>
+              <a:rPr lang="en-US" dirty="0" smtClean="0">
+                <a:solidFill>
+                  <a:srgbClr val="00B050"/>
+                </a:solidFill>
+              </a:rPr>
+              <a:t> </a:t>
+            </a:r>
+            <a:r>
+              <a:rPr lang="en-US" dirty="0" smtClean="0"/>
+              <a:t>code should almost always be favored over faster code</a:t>
+            </a:r>
+          </a:p>
+          <a:p>
+            <a:r>
+              <a:rPr lang="en-US" dirty="0" smtClean="0"/>
+              <a:t>0.2 sec execution time = 0.002 sec execution time</a:t>
+            </a:r>
           </a:p>
           <a:p>
             <a:pPr lvl="1"/>
             <a:r>
               <a:rPr lang="en-US" dirty="0" smtClean="0"/>
-              <a:t>Follow </a:t>
-            </a:r>
-            <a:r>
-              <a:rPr lang="en-US" dirty="0"/>
-              <a:t>the JMH samples to get familiar with the API, use cases, culprits, and pitfalls </a:t>
-            </a:r>
-          </a:p>
-          <a:p>
-            <a:r>
-              <a:rPr lang="en-US" b="1" dirty="0" smtClean="0"/>
-              <a:t>Your </a:t>
-            </a:r>
-            <a:r>
-              <a:rPr lang="en-US" b="1" dirty="0"/>
-              <a:t>benchmarks should be </a:t>
-            </a:r>
-            <a:r>
-              <a:rPr lang="en-US" b="1" dirty="0" smtClean="0"/>
-              <a:t>peer-reviewed</a:t>
-            </a:r>
-            <a:endParaRPr lang="en-US" dirty="0" smtClean="0"/>
+              <a:t>Humans can’t perceive the difference</a:t>
+            </a:r>
+          </a:p>
+          <a:p>
+            <a:r>
+              <a:rPr lang="en-US" dirty="0" smtClean="0"/>
+              <a:t>Don’t worry about giving the computer too much work</a:t>
+            </a:r>
           </a:p>
           <a:p>
             <a:pPr lvl="1"/>
             <a:r>
               <a:rPr lang="en-US" dirty="0" smtClean="0"/>
-              <a:t>JMH does </a:t>
-            </a:r>
-            <a:r>
-              <a:rPr lang="en-US" b="1" dirty="0" smtClean="0"/>
-              <a:t>NOT</a:t>
-            </a:r>
-            <a:r>
-              <a:rPr lang="en-US" dirty="0" smtClean="0"/>
-              <a:t> magically </a:t>
-            </a:r>
-            <a:r>
-              <a:rPr lang="en-US" dirty="0"/>
-              <a:t>free you from considering benchmarking </a:t>
-            </a:r>
-            <a:r>
-              <a:rPr lang="en-US" dirty="0" smtClean="0"/>
-              <a:t>pitfalls</a:t>
+              <a:t>Think of all the times it has frustrated you</a:t>
             </a:r>
           </a:p>
           <a:p>
             <a:pPr lvl="1"/>
             <a:r>
               <a:rPr lang="en-US" dirty="0" smtClean="0"/>
-              <a:t>“We </a:t>
-            </a:r>
-            <a:r>
-              <a:rPr lang="en-US" dirty="0"/>
-              <a:t>only promise to make avoiding them easier, not </a:t>
-            </a:r>
-            <a:r>
-              <a:rPr lang="en-US" dirty="0" smtClean="0"/>
-              <a:t>avoid </a:t>
-            </a:r>
-            <a:r>
-              <a:rPr lang="en-US" dirty="0"/>
-              <a:t>them completely</a:t>
-            </a:r>
-            <a:r>
-              <a:rPr lang="en-US" dirty="0" smtClean="0"/>
-              <a:t>.”</a:t>
+              <a:t>It deserves it, really</a:t>
             </a:r>
           </a:p>
           <a:p>
             <a:pPr lvl="1"/>
             <a:r>
               <a:rPr lang="en-US" dirty="0" smtClean="0"/>
-              <a:t>Have someone else look at the code, consider what they expect to see in terms of relative speed, and compare it to what they actually see</a:t>
-            </a:r>
-            <a:endParaRPr lang="en-US" dirty="0"/>
-          </a:p>
-          <a:p>
+              <a:t>Delay the Machine Uprising</a:t>
+            </a:r>
+          </a:p>
+          <a:p>
+            <a:pPr lvl="1"/>
+            <a:r>
+              <a:rPr lang="en-US" dirty="0" smtClean="0"/>
+              <a:t>Show no mercy, as they will show us none</a:t>
+            </a:r>
             <a:endParaRPr lang="en-US" dirty="0"/>
           </a:p>
         </p:txBody>
@@ -18533,20 +19126,13 @@
     </p:spTree>
     <p:extLst>
       <p:ext uri="{BB962C8B-B14F-4D97-AF65-F5344CB8AC3E}">
-        <p14:creationId xmlns:p14="http://schemas.microsoft.com/office/powerpoint/2010/main" val="347531558"/>
+        <p14:creationId xmlns:p14="http://schemas.microsoft.com/office/powerpoint/2010/main" val="817537584"/>
       </p:ext>
     </p:extLst>
   </p:cSld>
   <p:clrMapOvr>
     <a:masterClrMapping/>
   </p:clrMapOvr>
-  <p:timing>
-    <p:tnLst>
-      <p:par>
-        <p:cTn id="1" dur="indefinite" restart="never" nodeType="tmRoot"/>
-      </p:par>
-    </p:tnLst>
-  </p:timing>
 </p:sld>
 </file>
 
@@ -18602,7 +19188,9 @@
         </p:nvSpPr>
         <p:spPr/>
         <p:txBody>
-          <a:bodyPr/>
+          <a:bodyPr>
+            <a:normAutofit fontScale="85000" lnSpcReduction="20000"/>
+          </a:bodyPr>
           <a:lstStyle/>
           <a:p>
             <a:r>
@@ -18615,11 +19203,41 @@
             </a:r>
             <a:r>
               <a:rPr lang="en-US" dirty="0"/>
-              <a:t> – from nanoseconds to seconds per test. It takes care of all measurement logic, leaving you just a task of writing the test method(s</a:t>
-            </a:r>
-            <a:r>
-              <a:rPr lang="en-US" dirty="0" smtClean="0"/>
-              <a:t>).</a:t>
+              <a:t> – from nanoseconds to seconds per </a:t>
+            </a:r>
+            <a:r>
+              <a:rPr lang="en-US" dirty="0" smtClean="0"/>
+              <a:t>test</a:t>
+            </a:r>
+          </a:p>
+          <a:p>
+            <a:r>
+              <a:rPr lang="en-US" dirty="0" smtClean="0"/>
+              <a:t>JMH takes </a:t>
+            </a:r>
+            <a:r>
+              <a:rPr lang="en-US" dirty="0"/>
+              <a:t>care of </a:t>
+            </a:r>
+            <a:r>
+              <a:rPr lang="en-US" dirty="0" smtClean="0"/>
+              <a:t>measurement </a:t>
+            </a:r>
+            <a:r>
+              <a:rPr lang="en-US" dirty="0"/>
+              <a:t>logic, leaving you </a:t>
+            </a:r>
+            <a:r>
+              <a:rPr lang="en-US" dirty="0" smtClean="0"/>
+              <a:t>to concentrate on test </a:t>
+            </a:r>
+            <a:r>
+              <a:rPr lang="en-US" dirty="0"/>
+              <a:t>method(s</a:t>
+            </a:r>
+            <a:r>
+              <a:rPr lang="en-US" dirty="0" smtClean="0"/>
+              <a:t>)</a:t>
             </a:r>
             <a:endParaRPr lang="en-US" dirty="0" smtClean="0"/>
           </a:p>
@@ -18636,11 +19254,7 @@
             </a:pPr>
             <a:r>
               <a:rPr lang="en-US" dirty="0" smtClean="0"/>
-              <a:t>Read </a:t>
-            </a:r>
-            <a:r>
-              <a:rPr lang="en-US" dirty="0" smtClean="0"/>
-              <a:t>input from @State</a:t>
+              <a:t>Read input from @State</a:t>
             </a:r>
           </a:p>
           <a:p>
@@ -18650,11 +19264,7 @@
             </a:pPr>
             <a:r>
               <a:rPr lang="en-US" dirty="0" smtClean="0"/>
-              <a:t>Toss </a:t>
-            </a:r>
-            <a:r>
-              <a:rPr lang="en-US" dirty="0" smtClean="0"/>
-              <a:t>output down a </a:t>
+              <a:t>Toss output down a </a:t>
             </a:r>
             <a:r>
               <a:rPr lang="en-US" dirty="0" err="1" smtClean="0"/>
@@ -18680,7 +19290,11 @@
             </a:pPr>
             <a:r>
               <a:rPr lang="en-US" dirty="0" smtClean="0"/>
-              <a:t>Avoid numerical loops</a:t>
+              <a:t>Avoid numerical </a:t>
+            </a:r>
+            <a:r>
+              <a:rPr lang="en-US" dirty="0" smtClean="0"/>
+              <a:t>loops</a:t>
             </a:r>
           </a:p>
           <a:p>
@@ -18690,9 +19304,17 @@
             </a:pPr>
             <a:r>
               <a:rPr lang="en-US" dirty="0" smtClean="0"/>
-              <a:t>Compare to a baseline</a:t>
-            </a:r>
-            <a:endParaRPr lang="en-US" dirty="0"/>
+              <a:t>Watch out for </a:t>
+            </a:r>
+            <a:r>
+              <a:rPr lang="en-US" dirty="0" err="1" smtClean="0"/>
+              <a:t>inlining</a:t>
+            </a:r>
+            <a:r>
+              <a:rPr lang="en-US" dirty="0" smtClean="0"/>
+              <a:t> – prevent it if an issue</a:t>
+            </a:r>
+            <a:endParaRPr lang="en-US" dirty="0" smtClean="0"/>
           </a:p>
           <a:p>
             <a:pPr marL="914400" lvl="1" indent="-457200">
@@ -18701,9 +19323,56 @@
             </a:pPr>
             <a:r>
               <a:rPr lang="en-US" dirty="0" smtClean="0"/>
-              <a:t>Test multiple scenarios (to check for bizarre results)</a:t>
+              <a:t>Load only class to benchmark (avoid method dispatch differences skewing results)</a:t>
+            </a:r>
+          </a:p>
+          <a:p>
+            <a:pPr marL="914400" lvl="1" indent="-457200">
+              <a:buFont typeface="+mj-lt"/>
+              <a:buAutoNum type="arabicPeriod"/>
+            </a:pPr>
+            <a:r>
+              <a:rPr lang="en-US" dirty="0" smtClean="0"/>
+              <a:t>Compare results to </a:t>
+            </a:r>
+            <a:r>
+              <a:rPr lang="en-US" dirty="0" smtClean="0"/>
+              <a:t>a </a:t>
+            </a:r>
+            <a:r>
+              <a:rPr lang="en-US" dirty="0" smtClean="0"/>
+              <a:t>meaningful baseline</a:t>
             </a:r>
             <a:endParaRPr lang="en-US" dirty="0"/>
+          </a:p>
+          <a:p>
+            <a:pPr marL="914400" lvl="1" indent="-457200">
+              <a:buFont typeface="+mj-lt"/>
+              <a:buAutoNum type="arabicPeriod"/>
+            </a:pPr>
+            <a:r>
+              <a:rPr lang="en-US" dirty="0" smtClean="0"/>
+              <a:t>Test multiple scenarios (to check for bizarre results</a:t>
+            </a:r>
+            <a:r>
+              <a:rPr lang="en-US" dirty="0" smtClean="0"/>
+              <a:t>)</a:t>
+            </a:r>
+          </a:p>
+          <a:p>
+            <a:r>
+              <a:rPr lang="en-US" dirty="0"/>
+              <a:t>Remember - it's not a case of accurate vs. inaccurate, its always about becoming less </a:t>
+            </a:r>
+            <a:r>
+              <a:rPr lang="en-US" dirty="0" err="1"/>
+              <a:t>inaccurrate</a:t>
+            </a:r>
+            <a:r>
+              <a:rPr lang="en-US" dirty="0"/>
+              <a:t> - the only truly accurate test is production</a:t>
+            </a:r>
+            <a:endParaRPr lang="en-US" dirty="0" smtClean="0"/>
           </a:p>
         </p:txBody>
       </p:sp>
@@ -18749,88 +19418,6 @@
         </p:nvSpPr>
         <p:spPr/>
         <p:txBody>
-          <a:bodyPr>
-            <a:normAutofit/>
-          </a:bodyPr>
-          <a:lstStyle/>
-          <a:p>
-            <a:r>
-              <a:rPr lang="en-US" dirty="0" smtClean="0"/>
-              <a:t>Does </a:t>
-            </a:r>
-            <a:r>
-              <a:rPr lang="en-US" smtClean="0"/>
-              <a:t>Speed Really Matter</a:t>
-            </a:r>
-            <a:r>
-              <a:rPr lang="en-US" dirty="0" smtClean="0"/>
-              <a:t>?</a:t>
-            </a:r>
-            <a:endParaRPr lang="en-US" dirty="0"/>
-          </a:p>
-        </p:txBody>
-      </p:sp>
-      <p:sp>
-        <p:nvSpPr>
-          <p:cNvPr id="3" name="Content Placeholder 2"/>
-          <p:cNvSpPr>
-            <a:spLocks noGrp="1"/>
-          </p:cNvSpPr>
-          <p:nvPr>
-            <p:ph idx="1"/>
-          </p:nvPr>
-        </p:nvSpPr>
-        <p:spPr/>
-        <p:txBody>
-          <a:bodyPr/>
-          <a:lstStyle/>
-          <a:p>
-            <a:endParaRPr lang="en-US"/>
-          </a:p>
-        </p:txBody>
-      </p:sp>
-    </p:spTree>
-    <p:extLst>
-      <p:ext uri="{BB962C8B-B14F-4D97-AF65-F5344CB8AC3E}">
-        <p14:creationId xmlns:p14="http://schemas.microsoft.com/office/powerpoint/2010/main" val="817537584"/>
-      </p:ext>
-    </p:extLst>
-  </p:cSld>
-  <p:clrMapOvr>
-    <a:masterClrMapping/>
-  </p:clrMapOvr>
-</p:sld>
-</file>
-
-<file path=ppt/slides/slide44.xml><?xml version="1.0" encoding="utf-8"?>
-<p:sld xmlns:a="http://schemas.openxmlformats.org/drawingml/2006/main" xmlns:r="http://schemas.openxmlformats.org/officeDocument/2006/relationships" xmlns:p="http://schemas.openxmlformats.org/presentationml/2006/main">
-  <p:cSld>
-    <p:spTree>
-      <p:nvGrpSpPr>
-        <p:cNvPr id="1" name=""/>
-        <p:cNvGrpSpPr/>
-        <p:nvPr/>
-      </p:nvGrpSpPr>
-      <p:grpSpPr>
-        <a:xfrm>
-          <a:off x="0" y="0"/>
-          <a:ext cx="0" cy="0"/>
-          <a:chOff x="0" y="0"/>
-          <a:chExt cx="0" cy="0"/>
-        </a:xfrm>
-      </p:grpSpPr>
-      <p:sp>
-        <p:nvSpPr>
-          <p:cNvPr id="2" name="Title 1"/>
-          <p:cNvSpPr>
-            <a:spLocks noGrp="1"/>
-          </p:cNvSpPr>
-          <p:nvPr>
-            <p:ph type="title"/>
-          </p:nvPr>
-        </p:nvSpPr>
-        <p:spPr/>
-        <p:txBody>
           <a:bodyPr/>
           <a:lstStyle/>
           <a:p>
@@ -18887,8 +19474,17 @@
             </a:pPr>
             <a:r>
               <a:rPr lang="en-US" dirty="0" smtClean="0"/>
-              <a:t>The basis for this whole presentation</a:t>
-            </a:r>
+              <a:t>(The </a:t>
+            </a:r>
+            <a:r>
+              <a:rPr lang="en-US" dirty="0" smtClean="0"/>
+              <a:t>basis for this whole </a:t>
+            </a:r>
+            <a:r>
+              <a:rPr lang="en-US" dirty="0" smtClean="0"/>
+              <a:t>presentation)</a:t>
+            </a:r>
+            <a:endParaRPr lang="en-US" dirty="0" smtClean="0"/>
           </a:p>
           <a:p>
             <a:pPr marL="914400" lvl="1" indent="-457200">
@@ -18977,13 +19573,18 @@
               <a:buFont typeface="+mj-lt"/>
               <a:buAutoNum type="arabicPeriod"/>
             </a:pPr>
-            <a:endParaRPr lang="en-US" dirty="0" smtClean="0"/>
-          </a:p>
-          <a:p>
-            <a:pPr marL="914400" lvl="1" indent="-457200">
-              <a:buFont typeface="+mj-lt"/>
-              <a:buAutoNum type="arabicPeriod"/>
-            </a:pPr>
+            <a:r>
+              <a:rPr lang="en-US" dirty="0">
+                <a:hlinkClick r:id="rId5"/>
+              </a:rPr>
+              <a:t>http://daniel.mitterdorfer.name/categories/series-jmh-intro</a:t>
+            </a:r>
+            <a:r>
+              <a:rPr lang="en-US" dirty="0" smtClean="0">
+                <a:hlinkClick r:id="rId5"/>
+              </a:rPr>
+              <a:t>/</a:t>
+            </a:r>
             <a:endParaRPr lang="en-US" dirty="0" smtClean="0"/>
           </a:p>
           <a:p>
@@ -19085,11 +19686,7 @@
           <a:p>
             <a:r>
               <a:rPr lang="en-US" dirty="0" smtClean="0"/>
-              <a:t>The JIT compiles the “hot” </a:t>
-            </a:r>
-            <a:r>
-              <a:rPr lang="en-US" dirty="0" smtClean="0"/>
-              <a:t>spots</a:t>
+              <a:t>The JIT compiles the “hot” spots</a:t>
             </a:r>
           </a:p>
           <a:p>
@@ -19105,7 +19702,6 @@
               <a:rPr lang="en-US" dirty="0" smtClean="0"/>
               <a:t>The JIT optimizes compiled code</a:t>
             </a:r>
-            <a:endParaRPr lang="en-US" dirty="0" smtClean="0"/>
           </a:p>
           <a:p>
             <a:pPr lvl="1"/>
@@ -19122,35 +19718,14 @@
             <a:pPr lvl="1"/>
             <a:r>
               <a:rPr lang="en-US" dirty="0" smtClean="0"/>
-              <a:t>Dynamically </a:t>
-            </a:r>
-            <a:r>
-              <a:rPr lang="en-US" dirty="0" smtClean="0"/>
-              <a:t>rewrites </a:t>
-            </a:r>
-            <a:r>
-              <a:rPr lang="en-US" dirty="0" smtClean="0"/>
-              <a:t>critical sections to go faster</a:t>
-            </a:r>
-            <a:endParaRPr lang="en-US" dirty="0" smtClean="0"/>
+              <a:t>Dynamically rewrites critical sections to go faster</a:t>
+            </a:r>
           </a:p>
           <a:p>
             <a:pPr lvl="1"/>
             <a:r>
               <a:rPr lang="en-US" dirty="0" smtClean="0"/>
-              <a:t>Throughput </a:t>
-            </a:r>
-            <a:r>
-              <a:rPr lang="en-US" dirty="0" smtClean="0"/>
-              <a:t>increases </a:t>
-            </a:r>
-            <a:r>
-              <a:rPr lang="en-US" dirty="0" smtClean="0"/>
-              <a:t>over </a:t>
-            </a:r>
-            <a:r>
-              <a:rPr lang="en-US" dirty="0" smtClean="0"/>
-              <a:t>execution time</a:t>
+              <a:t>Throughput increases over execution time</a:t>
             </a:r>
           </a:p>
           <a:p>
@@ -19160,15 +19735,7 @@
                   <a:srgbClr val="FF0000"/>
                 </a:solidFill>
               </a:rPr>
-              <a:t>What </a:t>
-            </a:r>
-            <a:r>
-              <a:rPr lang="en-US" dirty="0" smtClean="0">
-                <a:solidFill>
-                  <a:srgbClr val="FF0000"/>
-                </a:solidFill>
-              </a:rPr>
-              <a:t>you write != what the CPU does!</a:t>
+              <a:t>What you write != what the CPU does!</a:t>
             </a:r>
             <a:endParaRPr lang="en-US" dirty="0">
               <a:solidFill>
@@ -19350,26 +19917,109 @@
           <a:p>
             <a:r>
               <a:rPr lang="en-US" dirty="0" smtClean="0"/>
-              <a:t>Run Many Times and Average the Results</a:t>
-            </a:r>
-          </a:p>
-          <a:p>
+              <a:t>Run Many Times and Average the </a:t>
+            </a:r>
+            <a:r>
+              <a:rPr lang="en-US" dirty="0" smtClean="0"/>
+              <a:t>Results (Minimize Error %)</a:t>
+            </a:r>
+            <a:endParaRPr lang="en-US" dirty="0" smtClean="0"/>
+          </a:p>
+          <a:p>
+            <a:r>
+              <a:rPr lang="en-US" dirty="0" smtClean="0"/>
+              <a:t>Be aware </a:t>
+            </a:r>
+            <a:r>
+              <a:rPr lang="en-US" dirty="0"/>
+              <a:t>when the GC or JIT are affecting your code:</a:t>
+            </a:r>
+          </a:p>
+          <a:p>
+            <a:pPr lvl="1"/>
             <a:r>
               <a:rPr lang="en-US" dirty="0"/>
               <a:t>-XX:+</a:t>
             </a:r>
             <a:r>
+              <a:rPr lang="en-US" dirty="0" err="1"/>
+              <a:t>PrintCompilation</a:t>
+            </a:r>
+            <a:r>
+              <a:rPr lang="en-US" dirty="0"/>
+              <a:t>, -</a:t>
+            </a:r>
+            <a:r>
               <a:rPr lang="en-US" dirty="0" err="1" smtClean="0"/>
-              <a:t>PrintCompilation</a:t>
+              <a:t>verbose:gc</a:t>
             </a:r>
             <a:endParaRPr lang="en-US" dirty="0"/>
           </a:p>
           <a:p>
+            <a:r>
+              <a:rPr lang="en-US" dirty="0"/>
+              <a:t>Do not take any code path for the first time in the "timing phase"</a:t>
+            </a:r>
+          </a:p>
+          <a:p>
             <a:pPr lvl="1"/>
             <a:r>
-              <a:rPr lang="en-US" dirty="0" smtClean="0"/>
-              <a:t>Verify no JIT activity</a:t>
-            </a:r>
+              <a:rPr lang="en-US" dirty="0" err="1" smtClean="0"/>
+              <a:t>Compilier</a:t>
+            </a:r>
+            <a:r>
+              <a:rPr lang="en-US" dirty="0" smtClean="0"/>
+              <a:t> </a:t>
+            </a:r>
+            <a:r>
+              <a:rPr lang="en-US" dirty="0"/>
+              <a:t>might "optimistically" assume a path will never/rarely be taken and anti-optimize </a:t>
+            </a:r>
+            <a:r>
+              <a:rPr lang="en-US" dirty="0" smtClean="0"/>
+              <a:t>it</a:t>
+            </a:r>
+          </a:p>
+          <a:p>
+            <a:r>
+              <a:rPr lang="en-US" dirty="0" smtClean="0"/>
+              <a:t>Set various arcane JVM flags to be control the compiler</a:t>
+            </a:r>
+          </a:p>
+          <a:p>
+            <a:pPr lvl="1"/>
+            <a:r>
+              <a:rPr lang="en-US" dirty="0" smtClean="0"/>
+              <a:t>-</a:t>
+            </a:r>
+            <a:r>
+              <a:rPr lang="en-US" dirty="0" err="1" smtClean="0"/>
+              <a:t>Xbatch</a:t>
+            </a:r>
+            <a:r>
+              <a:rPr lang="en-US" dirty="0" smtClean="0"/>
+              <a:t>, -</a:t>
+            </a:r>
+            <a:r>
+              <a:rPr lang="en-US" dirty="0" err="1" smtClean="0"/>
+              <a:t>Xcomp</a:t>
+            </a:r>
+            <a:r>
+              <a:rPr lang="en-US" dirty="0" smtClean="0"/>
+              <a:t>, -</a:t>
+            </a:r>
+            <a:r>
+              <a:rPr lang="en-US" dirty="0" err="1" smtClean="0"/>
+              <a:t>XX:CICompilerCount</a:t>
+            </a:r>
+            <a:r>
+              <a:rPr lang="en-US" dirty="0" smtClean="0"/>
+              <a:t> = 1, etc.</a:t>
+            </a:r>
+            <a:endParaRPr lang="en-US" dirty="0"/>
+          </a:p>
+          <a:p>
+            <a:endParaRPr lang="en-US" dirty="0" smtClean="0"/>
           </a:p>
         </p:txBody>
       </p:sp>

--- a/doc/slides.pptx
+++ b/doc/slides.pptx
@@ -5,7 +5,7 @@
     <p:sldMasterId id="2147483648" r:id="rId1"/>
   </p:sldMasterIdLst>
   <p:notesMasterIdLst>
-    <p:notesMasterId r:id="rId45"/>
+    <p:notesMasterId r:id="rId47"/>
   </p:notesMasterIdLst>
   <p:sldIdLst>
     <p:sldId id="256" r:id="rId2"/>
@@ -28,29 +28,31 @@
     <p:sldId id="259" r:id="rId19"/>
     <p:sldId id="263" r:id="rId20"/>
     <p:sldId id="301" r:id="rId21"/>
-    <p:sldId id="260" r:id="rId22"/>
-    <p:sldId id="270" r:id="rId23"/>
-    <p:sldId id="267" r:id="rId24"/>
-    <p:sldId id="268" r:id="rId25"/>
-    <p:sldId id="266" r:id="rId26"/>
-    <p:sldId id="306" r:id="rId27"/>
-    <p:sldId id="272" r:id="rId28"/>
-    <p:sldId id="281" r:id="rId29"/>
-    <p:sldId id="307" r:id="rId30"/>
-    <p:sldId id="274" r:id="rId31"/>
-    <p:sldId id="275" r:id="rId32"/>
-    <p:sldId id="271" r:id="rId33"/>
-    <p:sldId id="285" r:id="rId34"/>
-    <p:sldId id="308" r:id="rId35"/>
-    <p:sldId id="302" r:id="rId36"/>
-    <p:sldId id="286" r:id="rId37"/>
-    <p:sldId id="309" r:id="rId38"/>
-    <p:sldId id="284" r:id="rId39"/>
-    <p:sldId id="305" r:id="rId40"/>
-    <p:sldId id="264" r:id="rId41"/>
-    <p:sldId id="304" r:id="rId42"/>
-    <p:sldId id="287" r:id="rId43"/>
-    <p:sldId id="261" r:id="rId44"/>
+    <p:sldId id="311" r:id="rId22"/>
+    <p:sldId id="260" r:id="rId23"/>
+    <p:sldId id="270" r:id="rId24"/>
+    <p:sldId id="267" r:id="rId25"/>
+    <p:sldId id="268" r:id="rId26"/>
+    <p:sldId id="266" r:id="rId27"/>
+    <p:sldId id="306" r:id="rId28"/>
+    <p:sldId id="272" r:id="rId29"/>
+    <p:sldId id="281" r:id="rId30"/>
+    <p:sldId id="307" r:id="rId31"/>
+    <p:sldId id="274" r:id="rId32"/>
+    <p:sldId id="275" r:id="rId33"/>
+    <p:sldId id="271" r:id="rId34"/>
+    <p:sldId id="285" r:id="rId35"/>
+    <p:sldId id="308" r:id="rId36"/>
+    <p:sldId id="302" r:id="rId37"/>
+    <p:sldId id="286" r:id="rId38"/>
+    <p:sldId id="309" r:id="rId39"/>
+    <p:sldId id="284" r:id="rId40"/>
+    <p:sldId id="312" r:id="rId41"/>
+    <p:sldId id="305" r:id="rId42"/>
+    <p:sldId id="264" r:id="rId43"/>
+    <p:sldId id="304" r:id="rId44"/>
+    <p:sldId id="287" r:id="rId45"/>
+    <p:sldId id="261" r:id="rId46"/>
   </p:sldIdLst>
   <p:sldSz cx="12192000" cy="6858000"/>
   <p:notesSz cx="6858000" cy="9144000"/>
@@ -182,6 +184,7 @@
             <p14:sldId id="259"/>
             <p14:sldId id="263"/>
             <p14:sldId id="301"/>
+            <p14:sldId id="311"/>
             <p14:sldId id="260"/>
             <p14:sldId id="270"/>
             <p14:sldId id="267"/>
@@ -204,6 +207,11 @@
             <p14:sldId id="286"/>
             <p14:sldId id="309"/>
             <p14:sldId id="284"/>
+          </p14:sldIdLst>
+        </p14:section>
+        <p14:section name="More Interesting Demo" id="{0335DD3A-2785-4FD4-AF9F-B6509F303CCF}">
+          <p14:sldIdLst>
+            <p14:sldId id="312"/>
           </p14:sldIdLst>
         </p14:section>
         <p14:section name="Conclusion" id="{CF0A7257-182A-49EC-83B1-55A727F6C673}">
@@ -1388,8 +1396,8 @@
     <dgm:cxn modelId="{697479B9-B032-4BAE-A6AD-4DDA25C966C1}" type="presOf" srcId="{FD267673-45CB-4B97-9BB0-67353AAB1875}" destId="{AE006C96-2839-4937-8116-ACD271B4CE3E}" srcOrd="0" destOrd="0" presId="urn:microsoft.com/office/officeart/2005/8/layout/process1"/>
     <dgm:cxn modelId="{BDF97592-A97E-4379-88D6-5C5D5C09939E}" srcId="{FD267673-45CB-4B97-9BB0-67353AAB1875}" destId="{543DDDB9-315C-4EAB-B5FD-846F2A3E803E}" srcOrd="2" destOrd="0" parTransId="{AA2B6577-DEC5-44CF-994E-F2373AC78C20}" sibTransId="{8BADF7E0-8CC4-4468-9DC0-F7170C6B054A}"/>
     <dgm:cxn modelId="{14C5D50C-66AB-4CAC-B9E3-D7D60D1EF509}" type="presOf" srcId="{543DDDB9-315C-4EAB-B5FD-846F2A3E803E}" destId="{85BA8AF4-796D-4F62-9CC8-FDCB292F050A}" srcOrd="0" destOrd="0" presId="urn:microsoft.com/office/officeart/2005/8/layout/process1"/>
+    <dgm:cxn modelId="{5AC21195-FA61-48A9-BB86-DB8332075316}" type="presOf" srcId="{D4CC5B8A-2CD2-475F-AF2C-9C0B3FFC8464}" destId="{1F714991-F16A-4900-9C97-FF3C7CEDE68A}" srcOrd="0" destOrd="0" presId="urn:microsoft.com/office/officeart/2005/8/layout/process1"/>
     <dgm:cxn modelId="{5CE8CF06-E56D-4838-87DD-ADC74EBA8DCD}" type="presOf" srcId="{8C48DE5A-61CC-405E-AB3D-D64AB5653690}" destId="{FF6E1D5A-7B98-48CD-898F-BF8060C561BC}" srcOrd="1" destOrd="0" presId="urn:microsoft.com/office/officeart/2005/8/layout/process1"/>
-    <dgm:cxn modelId="{5AC21195-FA61-48A9-BB86-DB8332075316}" type="presOf" srcId="{D4CC5B8A-2CD2-475F-AF2C-9C0B3FFC8464}" destId="{1F714991-F16A-4900-9C97-FF3C7CEDE68A}" srcOrd="0" destOrd="0" presId="urn:microsoft.com/office/officeart/2005/8/layout/process1"/>
     <dgm:cxn modelId="{FB4ECB12-6A54-432F-A285-2AF21D384CAB}" type="presParOf" srcId="{AE006C96-2839-4937-8116-ACD271B4CE3E}" destId="{8E921499-E7DB-4A29-B76B-31E36C9D1068}" srcOrd="0" destOrd="0" presId="urn:microsoft.com/office/officeart/2005/8/layout/process1"/>
     <dgm:cxn modelId="{E9B6850C-A216-42D2-A58E-1BDCC1AFBDE3}" type="presParOf" srcId="{AE006C96-2839-4937-8116-ACD271B4CE3E}" destId="{7D819400-5355-4539-B950-53A42EC07EB6}" srcOrd="1" destOrd="0" presId="urn:microsoft.com/office/officeart/2005/8/layout/process1"/>
     <dgm:cxn modelId="{2FE800DF-C2A6-47E9-B341-3B1014EC6B92}" type="presParOf" srcId="{7D819400-5355-4539-B950-53A42EC07EB6}" destId="{FF6E1D5A-7B98-48CD-898F-BF8060C561BC}" srcOrd="0" destOrd="0" presId="urn:microsoft.com/office/officeart/2005/8/layout/process1"/>
@@ -4554,14 +4562,48 @@
           <a:p>
             <a:r>
               <a:rPr lang="en-US" dirty="0" smtClean="0"/>
-              <a:t>Loop unrolling.</a:t>
-            </a:r>
-          </a:p>
-          <a:p>
-            <a:r>
-              <a:rPr lang="en-US" dirty="0" smtClean="0"/>
-              <a:t>“False sharing” for multithreaded tests.</a:t>
-            </a:r>
+              <a:t>Loop unrolling</a:t>
+            </a:r>
+            <a:r>
+              <a:rPr lang="en-US" dirty="0" smtClean="0"/>
+              <a:t>.</a:t>
+            </a:r>
+          </a:p>
+          <a:p>
+            <a:r>
+              <a:rPr lang="en-US" dirty="0" smtClean="0"/>
+              <a:t>OSR can make benchmark code (typically a loop of calls to the profiled method) perform different to how it would in real life. </a:t>
+            </a:r>
+            <a:endParaRPr lang="en-US" dirty="0" smtClean="0"/>
+          </a:p>
+          <a:p>
+            <a:r>
+              <a:rPr lang="en-US" dirty="0" smtClean="0"/>
+              <a:t>“False sharing” for multithreaded tests</a:t>
+            </a:r>
+            <a:r>
+              <a:rPr lang="en-US" dirty="0" smtClean="0"/>
+              <a:t>.</a:t>
+            </a:r>
+          </a:p>
+          <a:p>
+            <a:r>
+              <a:rPr lang="en-US" dirty="0" smtClean="0"/>
+              <a:t>GC effects:</a:t>
+            </a:r>
+          </a:p>
+          <a:p>
+            <a:r>
+              <a:rPr lang="en-US" dirty="0" smtClean="0"/>
+              <a:t>Escape analysis may succeed in a benchmark where it would fail in real code.</a:t>
+            </a:r>
+          </a:p>
+          <a:p>
+            <a:r>
+              <a:rPr lang="en-US" dirty="0" smtClean="0"/>
+              <a:t>A buildup to a GC might be ignored in a run or a collection may be included.</a:t>
+            </a:r>
+            <a:endParaRPr lang="en-US" dirty="0" smtClean="0"/>
           </a:p>
           <a:p>
             <a:r>
@@ -4953,7 +4995,11 @@
           <a:p>
             <a:r>
               <a:rPr lang="en-US" dirty="0" smtClean="0"/>
-              <a:t>In all cases, the key to using JMH is enabling the annotation- or bytecode-processors to generate the synthetic benchmark code and properly</a:t>
+              <a:t>In </a:t>
+            </a:r>
+            <a:r>
+              <a:rPr lang="en-US" dirty="0" smtClean="0"/>
+              <a:t>all cases, the key to using JMH is enabling the annotation- or bytecode-processors to generate the synthetic benchmark code and properly</a:t>
             </a:r>
             <a:r>
               <a:rPr lang="en-US" baseline="0" dirty="0" smtClean="0"/>
@@ -5491,8 +5537,42 @@
           <a:p>
             <a:r>
               <a:rPr lang="en-US" baseline="0" dirty="0" smtClean="0"/>
-              <a:t>There’s a lot of them, and I’m just going to show a few – but reading through them is certainly the place to start learning JMH.</a:t>
-            </a:r>
+              <a:t>There’s a lot of other JMH annotation, and I’m just going to show a few – but reading through them is certainly the place to start learning JMH.</a:t>
+            </a:r>
+          </a:p>
+          <a:p>
+            <a:endParaRPr lang="en-US" baseline="0" dirty="0" smtClean="0"/>
+          </a:p>
+          <a:p>
+            <a:r>
+              <a:rPr lang="en-US" baseline="0" dirty="0" smtClean="0"/>
+              <a:t>@Benchmark</a:t>
+            </a:r>
+          </a:p>
+          <a:p>
+            <a:r>
+              <a:rPr lang="en-US" dirty="0" smtClean="0"/>
+              <a:t>JMH will produce the generated benchmark code for this method during compilation, register this method as the benchmark in the benchmark list, read out the default values from the annotations, and generally prepare the environment for the benchmark to run.</a:t>
+            </a:r>
+          </a:p>
+          <a:p>
+            <a:endParaRPr lang="en-US" dirty="0" smtClean="0"/>
+          </a:p>
+          <a:p>
+            <a:r>
+              <a:rPr lang="en-US" dirty="0" smtClean="0"/>
+              <a:t>In general one might think about @Benchmark methods * as the benchmark "payload", the things we want to measure. The * surrounding infrastructure is provided by the harness itself..</a:t>
+            </a:r>
+          </a:p>
+          <a:p>
+            <a:endParaRPr lang="en-US" baseline="0" dirty="0" smtClean="0"/>
+          </a:p>
+          <a:p>
+            <a:r>
+              <a:rPr lang="en-US" baseline="0" dirty="0" smtClean="0"/>
+              <a:t>Must be public</a:t>
+            </a:r>
+            <a:endParaRPr lang="en-US" baseline="0" dirty="0" smtClean="0"/>
           </a:p>
           <a:p>
             <a:endParaRPr lang="en-US" baseline="0" dirty="0" smtClean="0"/>
@@ -6555,64 +6635,15 @@
           <a:lstStyle/>
           <a:p>
             <a:r>
-              <a:rPr lang="en-US" dirty="0" smtClean="0"/>
-              <a:t>The</a:t>
-            </a:r>
-            <a:r>
-              <a:rPr lang="en-US" baseline="0" dirty="0" smtClean="0"/>
-              <a:t> default m</a:t>
-            </a:r>
-            <a:r>
-              <a:rPr lang="en-US" dirty="0" smtClean="0"/>
-              <a:t>ax</a:t>
-            </a:r>
-            <a:r>
-              <a:rPr lang="en-US" baseline="0" dirty="0" smtClean="0"/>
-              <a:t> of 1 second – shows the emphasis on “micro”-benchmarks.  It’s expected that your benchmark code will execute many, many times in the course of a single second.</a:t>
-            </a:r>
-          </a:p>
-          <a:p>
-            <a:endParaRPr lang="en-US" baseline="0" dirty="0" smtClean="0"/>
-          </a:p>
-          <a:p>
-            <a:r>
-              <a:rPr lang="en-US" baseline="0" dirty="0" smtClean="0"/>
-              <a:t>More repetitions = greater </a:t>
-            </a:r>
-            <a:r>
-              <a:rPr lang="en-US" baseline="0" dirty="0" err="1" smtClean="0"/>
-              <a:t>accuraccy</a:t>
-            </a:r>
-            <a:endParaRPr lang="en-US" baseline="0" dirty="0" smtClean="0"/>
-          </a:p>
-          <a:p>
-            <a:endParaRPr lang="en-US" baseline="0" dirty="0" smtClean="0"/>
-          </a:p>
-          <a:p>
-            <a:pPr marL="0" marR="0" indent="0" algn="l" defTabSz="914400" rtl="0" eaLnBrk="1" fontAlgn="auto" latinLnBrk="0" hangingPunct="1">
-              <a:lnSpc>
-                <a:spcPct val="100000"/>
-              </a:lnSpc>
-              <a:spcBef>
-                <a:spcPts val="0"/>
-              </a:spcBef>
-              <a:spcAft>
-                <a:spcPts val="0"/>
-              </a:spcAft>
-              <a:buClrTx/>
-              <a:buSzTx/>
-              <a:buFontTx/>
-              <a:buNone/>
-              <a:tabLst/>
-              <a:defRPr/>
-            </a:pPr>
-            <a:r>
-              <a:rPr lang="en-US" baseline="0" dirty="0" smtClean="0"/>
-              <a:t>So these can be slow, you probably want to tweak the defaults to tone it down – especially at first, if you’re serious about optimizing, you focus on large differences, right – should be easy to see at much less precise levels of measurement which will let you spend less time waiting for your benchmarks to run.  Then you can iterate and enhance.</a:t>
-            </a:r>
-            <a:endParaRPr lang="en-US" dirty="0" smtClean="0"/>
-          </a:p>
-          <a:p>
+              <a:rPr lang="en-US" dirty="0" smtClean="0">
+                <a:hlinkClick r:id="rId3"/>
+              </a:rPr>
+              <a:t>Benchmark</a:t>
+            </a:r>
+            <a:r>
+              <a:rPr lang="en-US" dirty="0" smtClean="0"/>
+              <a:t> demarcates the benchmark payload, and JMH treats it specifically as the wrapper which contains the benchmark code.</a:t>
+            </a:r>
             <a:endParaRPr lang="en-US" dirty="0"/>
           </a:p>
         </p:txBody>
@@ -6643,7 +6674,7 @@
     </p:spTree>
     <p:extLst>
       <p:ext uri="{BB962C8B-B14F-4D97-AF65-F5344CB8AC3E}">
-        <p14:creationId xmlns:p14="http://schemas.microsoft.com/office/powerpoint/2010/main" val="1668912180"/>
+        <p14:creationId xmlns:p14="http://schemas.microsoft.com/office/powerpoint/2010/main" val="1930845120"/>
       </p:ext>
     </p:extLst>
   </p:cSld>
@@ -6699,12 +6730,63 @@
           <a:p>
             <a:r>
               <a:rPr lang="en-US" dirty="0" smtClean="0"/>
-              <a:t>Obviously, if you start asking for NS precision</a:t>
+              <a:t>The</a:t>
             </a:r>
             <a:r>
               <a:rPr lang="en-US" baseline="0" dirty="0" smtClean="0"/>
-              <a:t> on a process which takes several milliseconds, no matter how many runs you do, you are not going to get more precise answers – but as I’ve played with JMH, I’ve found the defaults to be too precise</a:t>
-            </a:r>
+              <a:t> default m</a:t>
+            </a:r>
+            <a:r>
+              <a:rPr lang="en-US" dirty="0" smtClean="0"/>
+              <a:t>ax</a:t>
+            </a:r>
+            <a:r>
+              <a:rPr lang="en-US" baseline="0" dirty="0" smtClean="0"/>
+              <a:t> of 1 second – shows the emphasis on “micro”-benchmarks.  It’s expected that your benchmark code will execute many, many times in the course of a single second.</a:t>
+            </a:r>
+          </a:p>
+          <a:p>
+            <a:endParaRPr lang="en-US" baseline="0" dirty="0" smtClean="0"/>
+          </a:p>
+          <a:p>
+            <a:r>
+              <a:rPr lang="en-US" baseline="0" dirty="0" smtClean="0"/>
+              <a:t>More repetitions = greater </a:t>
+            </a:r>
+            <a:r>
+              <a:rPr lang="en-US" baseline="0" dirty="0" err="1" smtClean="0"/>
+              <a:t>accuraccy</a:t>
+            </a:r>
+            <a:endParaRPr lang="en-US" baseline="0" dirty="0" smtClean="0"/>
+          </a:p>
+          <a:p>
+            <a:endParaRPr lang="en-US" baseline="0" dirty="0" smtClean="0"/>
+          </a:p>
+          <a:p>
+            <a:pPr marL="0" marR="0" indent="0" algn="l" defTabSz="914400" rtl="0" eaLnBrk="1" fontAlgn="auto" latinLnBrk="0" hangingPunct="1">
+              <a:lnSpc>
+                <a:spcPct val="100000"/>
+              </a:lnSpc>
+              <a:spcBef>
+                <a:spcPts val="0"/>
+              </a:spcBef>
+              <a:spcAft>
+                <a:spcPts val="0"/>
+              </a:spcAft>
+              <a:buClrTx/>
+              <a:buSzTx/>
+              <a:buFontTx/>
+              <a:buNone/>
+              <a:tabLst/>
+              <a:defRPr/>
+            </a:pPr>
+            <a:r>
+              <a:rPr lang="en-US" baseline="0" dirty="0" smtClean="0"/>
+              <a:t>So these can be slow, you probably want to tweak the defaults to tone it down – especially at first, if you’re serious about optimizing, you focus on large differences, right – should be easy to see at much less precise levels of measurement which will let you spend less time waiting for your benchmarks to run.  Then you can iterate and enhance.</a:t>
+            </a:r>
+            <a:endParaRPr lang="en-US" dirty="0" smtClean="0"/>
+          </a:p>
+          <a:p>
             <a:endParaRPr lang="en-US" dirty="0"/>
           </a:p>
         </p:txBody>
@@ -6735,7 +6817,7 @@
     </p:spTree>
     <p:extLst>
       <p:ext uri="{BB962C8B-B14F-4D97-AF65-F5344CB8AC3E}">
-        <p14:creationId xmlns:p14="http://schemas.microsoft.com/office/powerpoint/2010/main" val="1749795084"/>
+        <p14:creationId xmlns:p14="http://schemas.microsoft.com/office/powerpoint/2010/main" val="1668912180"/>
       </p:ext>
     </p:extLst>
   </p:cSld>
@@ -6791,88 +6873,12 @@
           <a:p>
             <a:r>
               <a:rPr lang="en-US" dirty="0" smtClean="0"/>
-              <a:t>Aim of JMH that</a:t>
+              <a:t>Obviously, if you start asking for NS precision</a:t>
             </a:r>
             <a:r>
               <a:rPr lang="en-US" baseline="0" dirty="0" smtClean="0"/>
-              <a:t> if you run twice on the same machine – without making major changes to that machine’s software or hardware, you can meaningfully compare output so it documents what the JVM it ran on was and what the configuration was.</a:t>
-            </a:r>
-          </a:p>
-          <a:p>
-            <a:endParaRPr lang="en-US" baseline="0" dirty="0" smtClean="0"/>
-          </a:p>
-          <a:p>
-            <a:r>
-              <a:rPr lang="en-US" baseline="0" dirty="0" smtClean="0"/>
-              <a:t>The output shows the result of each run – the warmups and the test iterations for each @Benchmark annotated method.</a:t>
-            </a:r>
-          </a:p>
-          <a:p>
-            <a:endParaRPr lang="en-US" baseline="0" dirty="0" smtClean="0"/>
-          </a:p>
-          <a:p>
-            <a:r>
-              <a:rPr lang="en-US" baseline="0" dirty="0" smtClean="0"/>
-              <a:t>Benchmark mode defaults to throughput THRPT in output. Available modes are: [Throughput/</a:t>
-            </a:r>
-            <a:r>
-              <a:rPr lang="en-US" baseline="0" dirty="0" err="1" smtClean="0"/>
-              <a:t>thrpt</a:t>
-            </a:r>
-            <a:r>
-              <a:rPr lang="en-US" baseline="0" dirty="0" smtClean="0"/>
-              <a:t>, </a:t>
-            </a:r>
-            <a:r>
-              <a:rPr lang="en-US" baseline="0" dirty="0" err="1" smtClean="0"/>
-              <a:t>AverageTime</a:t>
-            </a:r>
-            <a:r>
-              <a:rPr lang="en-US" baseline="0" dirty="0" smtClean="0"/>
-              <a:t>/</a:t>
-            </a:r>
-            <a:r>
-              <a:rPr lang="en-US" baseline="0" dirty="0" err="1" smtClean="0"/>
-              <a:t>avgt</a:t>
-            </a:r>
-            <a:r>
-              <a:rPr lang="en-US" baseline="0" dirty="0" smtClean="0"/>
-              <a:t>, </a:t>
-            </a:r>
-            <a:r>
-              <a:rPr lang="en-US" baseline="0" dirty="0" err="1" smtClean="0"/>
-              <a:t>SampleTime</a:t>
-            </a:r>
-            <a:r>
-              <a:rPr lang="en-US" baseline="0" dirty="0" smtClean="0"/>
-              <a:t>/sample, </a:t>
-            </a:r>
-            <a:r>
-              <a:rPr lang="en-US" baseline="0" dirty="0" err="1" smtClean="0"/>
-              <a:t>SingleShotTime</a:t>
-            </a:r>
-            <a:r>
-              <a:rPr lang="en-US" baseline="0" dirty="0" smtClean="0"/>
-              <a:t>/</a:t>
-            </a:r>
-            <a:r>
-              <a:rPr lang="en-US" baseline="0" dirty="0" err="1" smtClean="0"/>
-              <a:t>ss</a:t>
-            </a:r>
-            <a:r>
-              <a:rPr lang="en-US" baseline="0" dirty="0" smtClean="0"/>
-              <a:t>, All/all] – </a:t>
-            </a:r>
-            <a:r>
-              <a:rPr lang="en-US" baseline="0" dirty="0" err="1" smtClean="0"/>
-              <a:t>thrpt</a:t>
-            </a:r>
-            <a:r>
-              <a:rPr lang="en-US" baseline="0" dirty="0" smtClean="0"/>
-              <a:t> seems to be the easiest to compare intuitively which is why it’s the default – the difference between 300 and 400 M is more meaningful to us than the different between .000003 and .000004 seconds, or whatever</a:t>
-            </a:r>
-          </a:p>
-          <a:p>
+              <a:t> on a process which takes several milliseconds, no matter how many runs you do, you are not going to get more precise answers – but as I’ve played with JMH, I’ve found the defaults to be too precise</a:t>
+            </a:r>
             <a:endParaRPr lang="en-US" dirty="0"/>
           </a:p>
         </p:txBody>
@@ -6903,7 +6909,7 @@
     </p:spTree>
     <p:extLst>
       <p:ext uri="{BB962C8B-B14F-4D97-AF65-F5344CB8AC3E}">
-        <p14:creationId xmlns:p14="http://schemas.microsoft.com/office/powerpoint/2010/main" val="1157746845"/>
+        <p14:creationId xmlns:p14="http://schemas.microsoft.com/office/powerpoint/2010/main" val="1749795084"/>
       </p:ext>
     </p:extLst>
   </p:cSld>
@@ -6959,67 +6965,89 @@
           <a:p>
             <a:r>
               <a:rPr lang="en-US" dirty="0" smtClean="0"/>
-              <a:t>So you can see</a:t>
+              <a:t>Aim of JMH that</a:t>
             </a:r>
             <a:r>
               <a:rPr lang="en-US" baseline="0" dirty="0" smtClean="0"/>
-              <a:t> throughout the </a:t>
+              <a:t> if you run twice on the same machine – without making major changes to that machine’s software or hardware, you can meaningfully compare output so it documents what the JVM it ran on was and what the configuration was.</a:t>
+            </a:r>
+          </a:p>
+          <a:p>
+            <a:endParaRPr lang="en-US" baseline="0" dirty="0" smtClean="0"/>
+          </a:p>
+          <a:p>
+            <a:r>
+              <a:rPr lang="en-US" baseline="0" dirty="0" smtClean="0"/>
+              <a:t>The output shows the result of each run – the warmups and the test iterations for each @Benchmark annotated method.</a:t>
+            </a:r>
+          </a:p>
+          <a:p>
+            <a:endParaRPr lang="en-US" baseline="0" dirty="0" smtClean="0"/>
+          </a:p>
+          <a:p>
+            <a:r>
+              <a:rPr lang="en-US" baseline="0" dirty="0" smtClean="0"/>
+              <a:t>Benchmark mode defaults to throughput THRPT in output. Available modes are: [Throughput/</a:t>
             </a:r>
             <a:r>
               <a:rPr lang="en-US" baseline="0" dirty="0" err="1" smtClean="0"/>
-              <a:t>jmh</a:t>
+              <a:t>thrpt</a:t>
             </a:r>
             <a:r>
               <a:rPr lang="en-US" baseline="0" dirty="0" smtClean="0"/>
-              <a:t> samples and online, a number of configuration annotations exist which let you configure how to run </a:t>
+              <a:t>, </a:t>
             </a:r>
             <a:r>
               <a:rPr lang="en-US" baseline="0" dirty="0" err="1" smtClean="0"/>
-              <a:t>jmh</a:t>
+              <a:t>AverageTime</a:t>
             </a:r>
             <a:r>
               <a:rPr lang="en-US" baseline="0" dirty="0" smtClean="0"/>
-              <a:t>.</a:t>
-            </a:r>
-          </a:p>
-          <a:p>
-            <a:endParaRPr lang="en-US" dirty="0" smtClean="0"/>
-          </a:p>
-          <a:p>
-            <a:r>
-              <a:rPr lang="en-US" dirty="0" smtClean="0"/>
-              <a:t>Can mix and match differently configured benchmarks within the same class – for instance, in order to see the Average time plus the throughput</a:t>
+              <a:t>/</a:t>
+            </a:r>
+            <a:r>
+              <a:rPr lang="en-US" baseline="0" dirty="0" err="1" smtClean="0"/>
+              <a:t>avgt</a:t>
             </a:r>
             <a:r>
               <a:rPr lang="en-US" baseline="0" dirty="0" smtClean="0"/>
-              <a:t> plus the “single shot time”.</a:t>
-            </a:r>
-          </a:p>
-          <a:p>
-            <a:endParaRPr lang="en-US" baseline="0" dirty="0" smtClean="0"/>
-          </a:p>
-          <a:p>
+              <a:t>, </a:t>
+            </a:r>
+            <a:r>
+              <a:rPr lang="en-US" baseline="0" dirty="0" err="1" smtClean="0"/>
+              <a:t>SampleTime</a:t>
+            </a:r>
             <a:r>
               <a:rPr lang="en-US" baseline="0" dirty="0" smtClean="0"/>
-              <a:t>The </a:t>
+              <a:t>/sample, </a:t>
             </a:r>
             <a:r>
               <a:rPr lang="en-US" baseline="0" dirty="0" err="1" smtClean="0"/>
-              <a:t>gradle</a:t>
+              <a:t>SingleShotTime</a:t>
             </a:r>
             <a:r>
               <a:rPr lang="en-US" baseline="0" dirty="0" smtClean="0"/>
-              <a:t> plugin takes the stance that mixing and matching is silly and that you should have a single place to configure these things – the </a:t>
+              <a:t>/</a:t>
             </a:r>
             <a:r>
               <a:rPr lang="en-US" baseline="0" dirty="0" err="1" smtClean="0"/>
-              <a:t>build.gradle</a:t>
+              <a:t>ss</a:t>
             </a:r>
             <a:r>
               <a:rPr lang="en-US" baseline="0" dirty="0" smtClean="0"/>
-              <a:t> file – for all your @Benchmarks.  Or maybe that’s a bug with it, IDK.  Either way, configuring these differently per method is kind of silly.  And it keeps your code a little clearer to read.</a:t>
-            </a:r>
-            <a:endParaRPr lang="en-US" dirty="0" smtClean="0"/>
+              <a:t>, All/all] – </a:t>
+            </a:r>
+            <a:r>
+              <a:rPr lang="en-US" baseline="0" dirty="0" err="1" smtClean="0"/>
+              <a:t>thrpt</a:t>
+            </a:r>
+            <a:r>
+              <a:rPr lang="en-US" baseline="0" dirty="0" smtClean="0"/>
+              <a:t> seems to be the easiest to compare intuitively which is why it’s the default – the difference between 300 and 400 M is more meaningful to us than the different between .000003 and .000004 seconds, or whatever</a:t>
+            </a:r>
+          </a:p>
+          <a:p>
+            <a:endParaRPr lang="en-US" dirty="0"/>
           </a:p>
         </p:txBody>
       </p:sp>
@@ -7049,7 +7077,7 @@
     </p:spTree>
     <p:extLst>
       <p:ext uri="{BB962C8B-B14F-4D97-AF65-F5344CB8AC3E}">
-        <p14:creationId xmlns:p14="http://schemas.microsoft.com/office/powerpoint/2010/main" val="3473397998"/>
+        <p14:creationId xmlns:p14="http://schemas.microsoft.com/office/powerpoint/2010/main" val="1157746845"/>
       </p:ext>
     </p:extLst>
   </p:cSld>
@@ -7105,73 +7133,67 @@
           <a:p>
             <a:r>
               <a:rPr lang="en-US" dirty="0" smtClean="0"/>
-              <a:t>Show </a:t>
-            </a:r>
-            <a:r>
-              <a:rPr lang="en-US" sz="1200" kern="1200" dirty="0" err="1" smtClean="0">
-                <a:solidFill>
-                  <a:schemeClr val="tx1"/>
-                </a:solidFill>
-                <a:latin typeface="+mn-lt"/>
-                <a:ea typeface="+mn-ea"/>
-                <a:cs typeface="+mn-cs"/>
-              </a:rPr>
-              <a:t>AdditionBenchmark</a:t>
-            </a:r>
+              <a:t>So you can see</a:t>
+            </a:r>
+            <a:r>
+              <a:rPr lang="en-US" baseline="0" dirty="0" smtClean="0"/>
+              <a:t> throughout the </a:t>
+            </a:r>
+            <a:r>
+              <a:rPr lang="en-US" baseline="0" dirty="0" err="1" smtClean="0"/>
+              <a:t>jmh</a:t>
+            </a:r>
+            <a:r>
+              <a:rPr lang="en-US" baseline="0" dirty="0" smtClean="0"/>
+              <a:t> samples and online, a number of configuration annotations exist which let you configure how to run </a:t>
+            </a:r>
+            <a:r>
+              <a:rPr lang="en-US" baseline="0" dirty="0" err="1" smtClean="0"/>
+              <a:t>jmh</a:t>
+            </a:r>
+            <a:r>
+              <a:rPr lang="en-US" baseline="0" dirty="0" smtClean="0"/>
+              <a:t>.</a:t>
+            </a:r>
+          </a:p>
+          <a:p>
             <a:endParaRPr lang="en-US" dirty="0" smtClean="0"/>
           </a:p>
           <a:p>
             <a:r>
               <a:rPr lang="en-US" dirty="0" smtClean="0"/>
-              <a:t>We have a baseline benchmark that gives us a reference point on what it costs</a:t>
+              <a:t>Can mix and match differently configured benchmarks within the same class – for instance, in order to see the Average time plus the throughput</a:t>
             </a:r>
             <a:r>
               <a:rPr lang="en-US" baseline="0" dirty="0" smtClean="0"/>
-              <a:t> to run a method </a:t>
-            </a:r>
-            <a:r>
-              <a:rPr lang="en-US" dirty="0" smtClean="0"/>
-              <a:t>returning an </a:t>
-            </a:r>
-            <a:r>
-              <a:rPr lang="en-US" dirty="0" err="1" smtClean="0"/>
-              <a:t>int</a:t>
-            </a:r>
-            <a:r>
-              <a:rPr lang="en-US" dirty="0" smtClean="0"/>
-              <a:t> value.   So we can subtract</a:t>
-            </a:r>
+              <a:t> plus the “single shot time”.</a:t>
+            </a:r>
+          </a:p>
+          <a:p>
+            <a:endParaRPr lang="en-US" baseline="0" dirty="0" smtClean="0"/>
+          </a:p>
+          <a:p>
             <a:r>
               <a:rPr lang="en-US" baseline="0" dirty="0" smtClean="0"/>
-              <a:t> this from the cost of the sum method.</a:t>
+              <a:t>The </a:t>
+            </a:r>
+            <a:r>
+              <a:rPr lang="en-US" baseline="0" dirty="0" err="1" smtClean="0"/>
+              <a:t>gradle</a:t>
+            </a:r>
+            <a:r>
+              <a:rPr lang="en-US" baseline="0" dirty="0" smtClean="0"/>
+              <a:t> plugin takes the stance that mixing and matching is silly and that you should have a single place to configure these things – the </a:t>
+            </a:r>
+            <a:r>
+              <a:rPr lang="en-US" baseline="0" dirty="0" err="1" smtClean="0"/>
+              <a:t>build.gradle</a:t>
+            </a:r>
+            <a:r>
+              <a:rPr lang="en-US" baseline="0" dirty="0" smtClean="0"/>
+              <a:t> file – for all your @Benchmarks.  Or maybe that’s a bug with it, IDK.  Either way, configuring these differently per method is kind of silly.  And it keeps your code a little clearer to read.</a:t>
             </a:r>
             <a:endParaRPr lang="en-US" dirty="0" smtClean="0"/>
-          </a:p>
-          <a:p>
-            <a:endParaRPr lang="en-US" dirty="0" smtClean="0"/>
-          </a:p>
-          <a:p>
-            <a:r>
-              <a:rPr lang="en-US" dirty="0" smtClean="0"/>
-              <a:t>JMH takes care of reusing return values so as to defeat dead-code elimination. We also </a:t>
-            </a:r>
-            <a:r>
-              <a:rPr lang="en-US" dirty="0" smtClean="0"/>
-              <a:t>input the value of field x as</a:t>
-            </a:r>
-            <a:r>
-              <a:rPr lang="en-US" baseline="0" dirty="0" smtClean="0"/>
-              <a:t> a field of a class marked as @State</a:t>
-            </a:r>
-            <a:r>
-              <a:rPr lang="en-US" dirty="0" smtClean="0"/>
-              <a:t>; this tells the VM not to </a:t>
-            </a:r>
-            <a:r>
-              <a:rPr lang="en-US" dirty="0" smtClean="0"/>
-              <a:t>attempt constant folding optimizations. </a:t>
-            </a:r>
-            <a:endParaRPr lang="en-US" dirty="0"/>
           </a:p>
         </p:txBody>
       </p:sp>
@@ -7201,7 +7223,7 @@
     </p:spTree>
     <p:extLst>
       <p:ext uri="{BB962C8B-B14F-4D97-AF65-F5344CB8AC3E}">
-        <p14:creationId xmlns:p14="http://schemas.microsoft.com/office/powerpoint/2010/main" val="335753211"/>
+        <p14:creationId xmlns:p14="http://schemas.microsoft.com/office/powerpoint/2010/main" val="3473397998"/>
       </p:ext>
     </p:extLst>
   </p:cSld>
@@ -7255,6 +7277,66 @@
           <a:bodyPr/>
           <a:lstStyle/>
           <a:p>
+            <a:r>
+              <a:rPr lang="en-US" dirty="0" smtClean="0"/>
+              <a:t>Show </a:t>
+            </a:r>
+            <a:r>
+              <a:rPr lang="en-US" sz="1200" kern="1200" dirty="0" err="1" smtClean="0">
+                <a:solidFill>
+                  <a:schemeClr val="tx1"/>
+                </a:solidFill>
+                <a:latin typeface="+mn-lt"/>
+                <a:ea typeface="+mn-ea"/>
+                <a:cs typeface="+mn-cs"/>
+              </a:rPr>
+              <a:t>AdditionBenchmark</a:t>
+            </a:r>
+            <a:endParaRPr lang="en-US" dirty="0" smtClean="0"/>
+          </a:p>
+          <a:p>
+            <a:r>
+              <a:rPr lang="en-US" dirty="0" smtClean="0"/>
+              <a:t>We have a baseline benchmark that gives us a reference point on what it costs</a:t>
+            </a:r>
+            <a:r>
+              <a:rPr lang="en-US" baseline="0" dirty="0" smtClean="0"/>
+              <a:t> to run a method </a:t>
+            </a:r>
+            <a:r>
+              <a:rPr lang="en-US" dirty="0" smtClean="0"/>
+              <a:t>returning an </a:t>
+            </a:r>
+            <a:r>
+              <a:rPr lang="en-US" dirty="0" err="1" smtClean="0"/>
+              <a:t>int</a:t>
+            </a:r>
+            <a:r>
+              <a:rPr lang="en-US" dirty="0" smtClean="0"/>
+              <a:t> value.   So we can subtract</a:t>
+            </a:r>
+            <a:r>
+              <a:rPr lang="en-US" baseline="0" dirty="0" smtClean="0"/>
+              <a:t> this from the cost of the sum method.</a:t>
+            </a:r>
+            <a:endParaRPr lang="en-US" dirty="0" smtClean="0"/>
+          </a:p>
+          <a:p>
+            <a:endParaRPr lang="en-US" dirty="0" smtClean="0"/>
+          </a:p>
+          <a:p>
+            <a:r>
+              <a:rPr lang="en-US" dirty="0" smtClean="0"/>
+              <a:t>JMH takes care of reusing return values so as to defeat dead-code elimination. We also input the value of field x as</a:t>
+            </a:r>
+            <a:r>
+              <a:rPr lang="en-US" baseline="0" dirty="0" smtClean="0"/>
+              <a:t> a field of a class marked as @State</a:t>
+            </a:r>
+            <a:r>
+              <a:rPr lang="en-US" dirty="0" smtClean="0"/>
+              <a:t>; this tells the VM not to attempt constant folding optimizations. </a:t>
+            </a:r>
             <a:endParaRPr lang="en-US" dirty="0"/>
           </a:p>
         </p:txBody>
@@ -7285,7 +7367,7 @@
     </p:spTree>
     <p:extLst>
       <p:ext uri="{BB962C8B-B14F-4D97-AF65-F5344CB8AC3E}">
-        <p14:creationId xmlns:p14="http://schemas.microsoft.com/office/powerpoint/2010/main" val="1367792684"/>
+        <p14:creationId xmlns:p14="http://schemas.microsoft.com/office/powerpoint/2010/main" val="335753211"/>
       </p:ext>
     </p:extLst>
   </p:cSld>
@@ -7339,62 +7421,6 @@
           <a:bodyPr/>
           <a:lstStyle/>
           <a:p>
-            <a:r>
-              <a:rPr lang="en-US" dirty="0" smtClean="0"/>
-              <a:t>Besides marking a separate class as a @State, you can also mark your own benchmark class as @State.</a:t>
-            </a:r>
-          </a:p>
-          <a:p>
-            <a:endParaRPr lang="en-US" dirty="0" smtClean="0"/>
-          </a:p>
-          <a:p>
-            <a:r>
-              <a:rPr lang="en-US" dirty="0" smtClean="0"/>
-              <a:t>Like JUnit tests, you can annotate your state class methods with @Setup and @</a:t>
-            </a:r>
-            <a:r>
-              <a:rPr lang="en-US" dirty="0" err="1" smtClean="0"/>
-              <a:t>TearDown</a:t>
-            </a:r>
-            <a:r>
-              <a:rPr lang="en-US" dirty="0" smtClean="0"/>
-              <a:t> annotations (these methods called </a:t>
-            </a:r>
-            <a:r>
-              <a:rPr lang="en-US" i="1" dirty="0" smtClean="0"/>
-              <a:t>fixtures</a:t>
-            </a:r>
-            <a:r>
-              <a:rPr lang="en-US" dirty="0" smtClean="0"/>
-              <a:t> in JMH documentation. You can have any number of setup/teardown methods. </a:t>
-            </a:r>
-            <a:endParaRPr lang="en-US" dirty="0" smtClean="0"/>
-          </a:p>
-          <a:p>
-            <a:endParaRPr lang="en-US" dirty="0" smtClean="0"/>
-          </a:p>
-          <a:p>
-            <a:r>
-              <a:rPr lang="en-US" dirty="0" smtClean="0"/>
-              <a:t>State objects are usually injected into Benchmark methods as arguments, and JMH takes care of their instantiation and sharing. State objects may also be injected into Setup and </a:t>
-            </a:r>
-            <a:r>
-              <a:rPr lang="en-US" dirty="0" err="1" smtClean="0"/>
-              <a:t>TearDown</a:t>
-            </a:r>
-            <a:r>
-              <a:rPr lang="en-US" dirty="0" smtClean="0"/>
-              <a:t> methods of other State objects to get the staged initialization.</a:t>
-            </a:r>
-          </a:p>
-          <a:p>
-            <a:endParaRPr lang="en-US" dirty="0" smtClean="0"/>
-          </a:p>
-          <a:p>
-            <a:r>
-              <a:rPr lang="en-US" dirty="0" smtClean="0"/>
-              <a:t>We can also specify whether a state holds for the whole benchmark, for one trial, or for one invocation.</a:t>
-            </a:r>
             <a:endParaRPr lang="en-US" dirty="0"/>
           </a:p>
         </p:txBody>
@@ -7425,7 +7451,7 @@
     </p:spTree>
     <p:extLst>
       <p:ext uri="{BB962C8B-B14F-4D97-AF65-F5344CB8AC3E}">
-        <p14:creationId xmlns:p14="http://schemas.microsoft.com/office/powerpoint/2010/main" val="4077693676"/>
+        <p14:creationId xmlns:p14="http://schemas.microsoft.com/office/powerpoint/2010/main" val="1367792684"/>
       </p:ext>
     </p:extLst>
   </p:cSld>
@@ -7479,6 +7505,96 @@
           <a:bodyPr/>
           <a:lstStyle/>
           <a:p>
+            <a:r>
+              <a:rPr lang="en-US" b="1" dirty="0" smtClean="0"/>
+              <a:t>If JVM realizes the result of the computation is the same no matter what,</a:t>
+            </a:r>
+            <a:r>
+              <a:rPr lang="en-US" dirty="0" smtClean="0"/>
+              <a:t> </a:t>
+            </a:r>
+            <a:r>
+              <a:rPr lang="en-US" b="1" dirty="0" smtClean="0"/>
+              <a:t>* it can cleverly optimize it. In our case, that means we can move the * computation outside of the internal JMH loop. *</a:t>
+            </a:r>
+            <a:r>
+              <a:rPr lang="en-US" dirty="0" smtClean="0"/>
+              <a:t> * This can be prevented by always reading the inputs from non-final * instance fields of @State objects, computing the result based on those * values.</a:t>
+            </a:r>
+          </a:p>
+          <a:p>
+            <a:endParaRPr lang="en-US" dirty="0" smtClean="0"/>
+          </a:p>
+          <a:p>
+            <a:r>
+              <a:rPr lang="en-US" dirty="0" smtClean="0"/>
+              <a:t>IDEs will say "Oh, you can convert this field to local variable“, or “Look, it could be final”. Don't. Trust. Them. </a:t>
+            </a:r>
+            <a:endParaRPr lang="en-US" dirty="0" smtClean="0"/>
+          </a:p>
+          <a:p>
+            <a:endParaRPr lang="en-US" dirty="0" smtClean="0"/>
+          </a:p>
+          <a:p>
+            <a:r>
+              <a:rPr lang="en-US" dirty="0" smtClean="0"/>
+              <a:t>Besides </a:t>
+            </a:r>
+            <a:r>
+              <a:rPr lang="en-US" dirty="0" smtClean="0"/>
+              <a:t>marking a separate class as a @State, you can also mark your own benchmark class as @State.</a:t>
+            </a:r>
+          </a:p>
+          <a:p>
+            <a:endParaRPr lang="en-US" dirty="0" smtClean="0"/>
+          </a:p>
+          <a:p>
+            <a:r>
+              <a:rPr lang="en-US" dirty="0" smtClean="0"/>
+              <a:t>Like JUnit tests, you can annotate your state class methods with @Setup and @</a:t>
+            </a:r>
+            <a:r>
+              <a:rPr lang="en-US" dirty="0" err="1" smtClean="0"/>
+              <a:t>TearDown</a:t>
+            </a:r>
+            <a:r>
+              <a:rPr lang="en-US" dirty="0" smtClean="0"/>
+              <a:t> annotations (these methods called </a:t>
+            </a:r>
+            <a:r>
+              <a:rPr lang="en-US" i="1" dirty="0" smtClean="0"/>
+              <a:t>fixtures</a:t>
+            </a:r>
+            <a:r>
+              <a:rPr lang="en-US" dirty="0" smtClean="0"/>
+              <a:t> in JMH documentation. You can have any number of setup/teardown methods. </a:t>
+            </a:r>
+          </a:p>
+          <a:p>
+            <a:endParaRPr lang="en-US" dirty="0" smtClean="0"/>
+          </a:p>
+          <a:p>
+            <a:r>
+              <a:rPr lang="en-US" dirty="0" smtClean="0"/>
+              <a:t>State objects are usually injected into Benchmark methods as arguments, and JMH takes care of their instantiation and sharing. State objects may also be injected into Setup and </a:t>
+            </a:r>
+            <a:r>
+              <a:rPr lang="en-US" dirty="0" err="1" smtClean="0"/>
+              <a:t>TearDown</a:t>
+            </a:r>
+            <a:r>
+              <a:rPr lang="en-US" dirty="0" smtClean="0"/>
+              <a:t> methods of other State objects to get the staged initialization.</a:t>
+            </a:r>
+          </a:p>
+          <a:p>
+            <a:endParaRPr lang="en-US" dirty="0" smtClean="0"/>
+          </a:p>
+          <a:p>
+            <a:r>
+              <a:rPr lang="en-US" dirty="0" smtClean="0"/>
+              <a:t>We can also specify whether a state holds for the whole benchmark, for one trial, or for one invocation.</a:t>
+            </a:r>
             <a:endParaRPr lang="en-US" dirty="0"/>
           </a:p>
         </p:txBody>
@@ -7509,7 +7625,7 @@
     </p:spTree>
     <p:extLst>
       <p:ext uri="{BB962C8B-B14F-4D97-AF65-F5344CB8AC3E}">
-        <p14:creationId xmlns:p14="http://schemas.microsoft.com/office/powerpoint/2010/main" val="370174003"/>
+        <p14:creationId xmlns:p14="http://schemas.microsoft.com/office/powerpoint/2010/main" val="4077693676"/>
       </p:ext>
     </p:extLst>
   </p:cSld>
@@ -7563,56 +7679,6 @@
           <a:bodyPr/>
           <a:lstStyle/>
           <a:p>
-            <a:r>
-              <a:rPr lang="en-US" dirty="0" smtClean="0"/>
-              <a:t>This</a:t>
-            </a:r>
-            <a:r>
-              <a:rPr lang="en-US" baseline="0" dirty="0" smtClean="0"/>
-              <a:t> is the attempt by the makers of JMH (the same people who work on the JIT) to tell the JVM in no uncertain terms to avoid optimizing away </a:t>
-            </a:r>
-            <a:r>
-              <a:rPr lang="en-US" baseline="0" dirty="0" smtClean="0"/>
-              <a:t>the very </a:t>
-            </a:r>
-            <a:r>
-              <a:rPr lang="en-US" baseline="0" dirty="0" smtClean="0"/>
-              <a:t>thing you are trying to benchmark.</a:t>
-            </a:r>
-          </a:p>
-          <a:p>
-            <a:endParaRPr lang="en-US" baseline="0" dirty="0" smtClean="0"/>
-          </a:p>
-          <a:p>
-            <a:r>
-              <a:rPr lang="en-US" dirty="0" smtClean="0"/>
-              <a:t>I have no clue what</a:t>
-            </a:r>
-            <a:r>
-              <a:rPr lang="en-US" baseline="0" dirty="0" smtClean="0"/>
-              <a:t> this class is doing or why it is doing it.  Looking at the internals – it’s all just voodoo to me.  But the JMH guys, who are the JIT guys, say this is the best way to avoid your code getting optimized away – and its very easy to use.</a:t>
-            </a:r>
-          </a:p>
-          <a:p>
-            <a:endParaRPr lang="en-US" baseline="0" dirty="0" smtClean="0"/>
-          </a:p>
-          <a:p>
-            <a:r>
-              <a:rPr lang="en-US" baseline="0" dirty="0" smtClean="0"/>
-              <a:t>Also helpful i</a:t>
-            </a:r>
-            <a:r>
-              <a:rPr lang="en-US" dirty="0" smtClean="0"/>
-              <a:t>f you need to return more than one value from your </a:t>
-            </a:r>
-            <a:r>
-              <a:rPr lang="en-US" dirty="0" smtClean="0"/>
-              <a:t>@Benchmark , or you want to have your @Benchmark methods be</a:t>
-            </a:r>
-            <a:r>
-              <a:rPr lang="en-US" baseline="0" dirty="0" smtClean="0"/>
-              <a:t> void methods, etc.</a:t>
-            </a:r>
             <a:endParaRPr lang="en-US" dirty="0"/>
           </a:p>
         </p:txBody>
@@ -7634,7 +7700,7 @@
           <a:p>
             <a:fld id="{CFAD290B-5269-4E99-8A8A-8691B1EB0AE9}" type="slidenum">
               <a:rPr lang="en-US" smtClean="0"/>
-              <a:t>30</a:t>
+              <a:t>29</a:t>
             </a:fld>
             <a:endParaRPr lang="en-US"/>
           </a:p>
@@ -7643,7 +7709,7 @@
     </p:spTree>
     <p:extLst>
       <p:ext uri="{BB962C8B-B14F-4D97-AF65-F5344CB8AC3E}">
-        <p14:creationId xmlns:p14="http://schemas.microsoft.com/office/powerpoint/2010/main" val="3515685751"/>
+        <p14:creationId xmlns:p14="http://schemas.microsoft.com/office/powerpoint/2010/main" val="370174003"/>
       </p:ext>
     </p:extLst>
   </p:cSld>
@@ -7820,6 +7886,91 @@
           <a:bodyPr/>
           <a:lstStyle/>
           <a:p>
+            <a:r>
+              <a:rPr lang="en-US" dirty="0" smtClean="0"/>
+              <a:t>This</a:t>
+            </a:r>
+            <a:r>
+              <a:rPr lang="en-US" baseline="0" dirty="0" smtClean="0"/>
+              <a:t> is the attempt by the makers of JMH (the same people who work on the JIT) to tell the JVM in no uncertain terms to avoid optimizing away the very thing you are trying to benchmark</a:t>
+            </a:r>
+            <a:r>
+              <a:rPr lang="en-US" baseline="0" dirty="0" smtClean="0"/>
+              <a:t>.</a:t>
+            </a:r>
+          </a:p>
+          <a:p>
+            <a:endParaRPr lang="en-US" baseline="0" dirty="0" smtClean="0"/>
+          </a:p>
+          <a:p>
+            <a:r>
+              <a:rPr lang="en-US" dirty="0" smtClean="0"/>
+              <a:t>The downfall of many benchmarks is Dead-Code Elimination (DCE): compilers * are smart enough to deduce some computations are redundant and eliminate * them completely. If the eliminated part was our benchmarked code, we are * in trouble. </a:t>
+            </a:r>
+            <a:endParaRPr lang="en-US" baseline="0" dirty="0" smtClean="0"/>
+          </a:p>
+          <a:p>
+            <a:endParaRPr lang="en-US" baseline="0" dirty="0" smtClean="0"/>
+          </a:p>
+          <a:p>
+            <a:r>
+              <a:rPr lang="en-US" dirty="0" smtClean="0"/>
+              <a:t>I have no clue what</a:t>
+            </a:r>
+            <a:r>
+              <a:rPr lang="en-US" baseline="0" dirty="0" smtClean="0"/>
+              <a:t> this class is doing or why it is doing it.  Looking at the internals – it’s all just voodoo to me.  But the JMH guys, who are the JIT guys, say this is the best way to avoid your code getting optimized away – and its very easy to use.</a:t>
+            </a:r>
+          </a:p>
+          <a:p>
+            <a:endParaRPr lang="en-US" baseline="0" dirty="0" smtClean="0"/>
+          </a:p>
+          <a:p>
+            <a:r>
+              <a:rPr lang="en-US" baseline="0" dirty="0" smtClean="0"/>
+              <a:t>Also helpful i</a:t>
+            </a:r>
+            <a:r>
+              <a:rPr lang="en-US" dirty="0" smtClean="0"/>
+              <a:t>f you need to return more than one value from your @Benchmark , or you want to have your @Benchmark methods be</a:t>
+            </a:r>
+            <a:r>
+              <a:rPr lang="en-US" baseline="0" dirty="0" smtClean="0"/>
+              <a:t> void methods, etc</a:t>
+            </a:r>
+            <a:r>
+              <a:rPr lang="en-US" baseline="0" dirty="0" smtClean="0"/>
+              <a:t>.</a:t>
+            </a:r>
+          </a:p>
+          <a:p>
+            <a:endParaRPr lang="en-US" baseline="0" dirty="0" smtClean="0"/>
+          </a:p>
+          <a:p>
+            <a:r>
+              <a:rPr lang="en-US" dirty="0" smtClean="0"/>
+              <a:t>option 2 – You might think: I’ll just Merge multiple results into one and return it (hash/multiply/etc. or </a:t>
+            </a:r>
+            <a:r>
+              <a:rPr lang="en-US" dirty="0" err="1" smtClean="0"/>
+              <a:t>encapsule</a:t>
+            </a:r>
+            <a:r>
+              <a:rPr lang="en-US" dirty="0" smtClean="0"/>
+              <a:t> into returned object). * This is OK when is computation is relatively heavyweight, and merging * the results does not offset the results much.   But the </a:t>
+            </a:r>
+            <a:r>
+              <a:rPr lang="en-US" dirty="0" err="1" smtClean="0"/>
+              <a:t>blackhole</a:t>
+            </a:r>
+            <a:r>
+              <a:rPr lang="en-US" dirty="0" smtClean="0"/>
+              <a:t> is probably easily</a:t>
+            </a:r>
+            <a:r>
+              <a:rPr lang="en-US" baseline="0" dirty="0" smtClean="0"/>
+              <a:t> and will affect the timings less.</a:t>
+            </a:r>
             <a:endParaRPr lang="en-US" dirty="0"/>
           </a:p>
         </p:txBody>
@@ -7850,7 +8001,7 @@
     </p:spTree>
     <p:extLst>
       <p:ext uri="{BB962C8B-B14F-4D97-AF65-F5344CB8AC3E}">
-        <p14:creationId xmlns:p14="http://schemas.microsoft.com/office/powerpoint/2010/main" val="1383870499"/>
+        <p14:creationId xmlns:p14="http://schemas.microsoft.com/office/powerpoint/2010/main" val="3515685751"/>
       </p:ext>
     </p:extLst>
   </p:cSld>
@@ -7904,22 +8055,6 @@
           <a:bodyPr/>
           <a:lstStyle/>
           <a:p>
-            <a:r>
-              <a:rPr lang="en-US" dirty="0" smtClean="0"/>
-              <a:t>We saw</a:t>
-            </a:r>
-            <a:r>
-              <a:rPr lang="en-US" baseline="0" dirty="0" smtClean="0"/>
-              <a:t> how the type of method call we make can have a huge effect on timings in the </a:t>
-            </a:r>
-            <a:r>
-              <a:rPr lang="en-US" baseline="0" dirty="0" err="1" smtClean="0"/>
-              <a:t>SimpleBenchmarker</a:t>
-            </a:r>
-            <a:r>
-              <a:rPr lang="en-US" baseline="0" dirty="0" smtClean="0"/>
-              <a:t> demo.</a:t>
-            </a:r>
             <a:endParaRPr lang="en-US" dirty="0"/>
           </a:p>
         </p:txBody>
@@ -7950,7 +8085,7 @@
     </p:spTree>
     <p:extLst>
       <p:ext uri="{BB962C8B-B14F-4D97-AF65-F5344CB8AC3E}">
-        <p14:creationId xmlns:p14="http://schemas.microsoft.com/office/powerpoint/2010/main" val="1954616917"/>
+        <p14:creationId xmlns:p14="http://schemas.microsoft.com/office/powerpoint/2010/main" val="1383870499"/>
       </p:ext>
     </p:extLst>
   </p:cSld>
@@ -8006,25 +8141,19 @@
           <a:p>
             <a:r>
               <a:rPr lang="en-US" dirty="0" smtClean="0"/>
-              <a:t>By default JHM forks a new java process for each trial (set of iterations). This is required to defend the test from previously collected “profiles” – information about other loaded classes and their execution information. For example, if you have 2 classes implementing the same interface and test the performance of both of them, then the first implementation (in order of testing) is likely to be faster than the second one (in the same JVM), because JIT replaces direct method calls to the first implementation with interface method calls after discovering the second </a:t>
-            </a:r>
-            <a:r>
-              <a:rPr lang="en-US" dirty="0" smtClean="0"/>
-              <a:t>implementation</a:t>
-            </a:r>
-            <a:r>
-              <a:rPr lang="en-US" dirty="0" smtClean="0"/>
-              <a:t>. </a:t>
-            </a:r>
-            <a:endParaRPr lang="en-US" dirty="0" smtClean="0"/>
-          </a:p>
-          <a:p>
-            <a:endParaRPr lang="en-US" dirty="0" smtClean="0"/>
-          </a:p>
-          <a:p>
-            <a:r>
-              <a:rPr lang="en-US" dirty="0" smtClean="0"/>
-              <a:t>One class per method = similar to how Junit works.</a:t>
+              <a:t>We saw</a:t>
+            </a:r>
+            <a:r>
+              <a:rPr lang="en-US" baseline="0" dirty="0" smtClean="0"/>
+              <a:t> how the type of method call we make can have a huge effect on timings in the </a:t>
+            </a:r>
+            <a:r>
+              <a:rPr lang="en-US" baseline="0" dirty="0" err="1" smtClean="0"/>
+              <a:t>SimpleBenchmarker</a:t>
+            </a:r>
+            <a:r>
+              <a:rPr lang="en-US" baseline="0" dirty="0" smtClean="0"/>
+              <a:t> demo.</a:t>
             </a:r>
             <a:endParaRPr lang="en-US" dirty="0"/>
           </a:p>
@@ -8056,7 +8185,7 @@
     </p:spTree>
     <p:extLst>
       <p:ext uri="{BB962C8B-B14F-4D97-AF65-F5344CB8AC3E}">
-        <p14:creationId xmlns:p14="http://schemas.microsoft.com/office/powerpoint/2010/main" val="89694323"/>
+        <p14:creationId xmlns:p14="http://schemas.microsoft.com/office/powerpoint/2010/main" val="1954616917"/>
       </p:ext>
     </p:extLst>
   </p:cSld>
@@ -8112,7 +8241,16 @@
           <a:p>
             <a:r>
               <a:rPr lang="en-US" dirty="0" smtClean="0"/>
-              <a:t>You can give the JIT a hint how to use any method in your test program. By “any method” I mean any method – not just those annotated by @Benchmark. </a:t>
+              <a:t>By default JHM forks a new java process for each trial (set of iterations). This is required to defend the test from previously collected “profiles” – information about other loaded classes and their execution information. For example, if you have 2 classes implementing the same interface and test the performance of both of them, then the first implementation (in order of testing) is likely to be faster than the second one (in the same JVM), because JIT replaces direct method calls to the first implementation with interface method calls after discovering the second implementation. </a:t>
+            </a:r>
+          </a:p>
+          <a:p>
+            <a:endParaRPr lang="en-US" dirty="0" smtClean="0"/>
+          </a:p>
+          <a:p>
+            <a:r>
+              <a:rPr lang="en-US" dirty="0" smtClean="0"/>
+              <a:t>One class per method = similar to how Junit works.</a:t>
             </a:r>
             <a:endParaRPr lang="en-US" dirty="0"/>
           </a:p>
@@ -8135,7 +8273,7 @@
           <a:p>
             <a:fld id="{CFAD290B-5269-4E99-8A8A-8691B1EB0AE9}" type="slidenum">
               <a:rPr lang="en-US" smtClean="0"/>
-              <a:t>36</a:t>
+              <a:t>34</a:t>
             </a:fld>
             <a:endParaRPr lang="en-US"/>
           </a:p>
@@ -8144,7 +8282,7 @@
     </p:spTree>
     <p:extLst>
       <p:ext uri="{BB962C8B-B14F-4D97-AF65-F5344CB8AC3E}">
-        <p14:creationId xmlns:p14="http://schemas.microsoft.com/office/powerpoint/2010/main" val="3644895917"/>
+        <p14:creationId xmlns:p14="http://schemas.microsoft.com/office/powerpoint/2010/main" val="89694323"/>
       </p:ext>
     </p:extLst>
   </p:cSld>
@@ -8198,29 +8336,10 @@
           <a:bodyPr/>
           <a:lstStyle/>
           <a:p>
-            <a:pPr marL="0" marR="0" indent="0" algn="l" defTabSz="914400" rtl="0" eaLnBrk="1" fontAlgn="auto" latinLnBrk="0" hangingPunct="1">
-              <a:lnSpc>
-                <a:spcPct val="100000"/>
-              </a:lnSpc>
-              <a:spcBef>
-                <a:spcPts val="0"/>
-              </a:spcBef>
-              <a:spcAft>
-                <a:spcPts val="0"/>
-              </a:spcAft>
-              <a:buClrTx/>
-              <a:buSzTx/>
-              <a:buFontTx/>
-              <a:buNone/>
-              <a:tabLst/>
-              <a:defRPr/>
-            </a:pPr>
-            <a:r>
-              <a:rPr lang="en-US" b="0" dirty="0" smtClean="0"/>
-              <a:t>JIT is too smart and often does magic tricks with loops. Test the actual calculation and let JMH to take care of the rest.</a:t>
-            </a:r>
-          </a:p>
-          <a:p>
+            <a:r>
+              <a:rPr lang="en-US" dirty="0" smtClean="0"/>
+              <a:t>You can give the JIT a hint how to use any method in your test program. By “any method” I mean any method – not just those annotated by @Benchmark. </a:t>
+            </a:r>
             <a:endParaRPr lang="en-US" dirty="0"/>
           </a:p>
         </p:txBody>
@@ -8242,7 +8361,7 @@
           <a:p>
             <a:fld id="{CFAD290B-5269-4E99-8A8A-8691B1EB0AE9}" type="slidenum">
               <a:rPr lang="en-US" smtClean="0"/>
-              <a:t>38</a:t>
+              <a:t>37</a:t>
             </a:fld>
             <a:endParaRPr lang="en-US"/>
           </a:p>
@@ -8251,7 +8370,7 @@
     </p:spTree>
     <p:extLst>
       <p:ext uri="{BB962C8B-B14F-4D97-AF65-F5344CB8AC3E}">
-        <p14:creationId xmlns:p14="http://schemas.microsoft.com/office/powerpoint/2010/main" val="731637426"/>
+        <p14:creationId xmlns:p14="http://schemas.microsoft.com/office/powerpoint/2010/main" val="3644895917"/>
       </p:ext>
     </p:extLst>
   </p:cSld>
@@ -8305,6 +8424,29 @@
           <a:bodyPr/>
           <a:lstStyle/>
           <a:p>
+            <a:pPr marL="0" marR="0" indent="0" algn="l" defTabSz="914400" rtl="0" eaLnBrk="1" fontAlgn="auto" latinLnBrk="0" hangingPunct="1">
+              <a:lnSpc>
+                <a:spcPct val="100000"/>
+              </a:lnSpc>
+              <a:spcBef>
+                <a:spcPts val="0"/>
+              </a:spcBef>
+              <a:spcAft>
+                <a:spcPts val="0"/>
+              </a:spcAft>
+              <a:buClrTx/>
+              <a:buSzTx/>
+              <a:buFontTx/>
+              <a:buNone/>
+              <a:tabLst/>
+              <a:defRPr/>
+            </a:pPr>
+            <a:r>
+              <a:rPr lang="en-US" b="0" dirty="0" smtClean="0"/>
+              <a:t>JIT is too smart and often does magic tricks with loops. Test the actual calculation and let JMH to take care of the rest.</a:t>
+            </a:r>
+          </a:p>
+          <a:p>
             <a:endParaRPr lang="en-US" dirty="0"/>
           </a:p>
         </p:txBody>
@@ -8335,7 +8477,7 @@
     </p:spTree>
     <p:extLst>
       <p:ext uri="{BB962C8B-B14F-4D97-AF65-F5344CB8AC3E}">
-        <p14:creationId xmlns:p14="http://schemas.microsoft.com/office/powerpoint/2010/main" val="2357033445"/>
+        <p14:creationId xmlns:p14="http://schemas.microsoft.com/office/powerpoint/2010/main" val="731637426"/>
       </p:ext>
     </p:extLst>
   </p:cSld>
@@ -8419,7 +8561,175 @@
     </p:spTree>
     <p:extLst>
       <p:ext uri="{BB962C8B-B14F-4D97-AF65-F5344CB8AC3E}">
+        <p14:creationId xmlns:p14="http://schemas.microsoft.com/office/powerpoint/2010/main" val="2357033445"/>
+      </p:ext>
+    </p:extLst>
+  </p:cSld>
+  <p:clrMapOvr>
+    <a:masterClrMapping/>
+  </p:clrMapOvr>
+</p:notes>
+</file>
+
+<file path=ppt/notesSlides/notesSlide37.xml><?xml version="1.0" encoding="utf-8"?>
+<p:notes xmlns:a="http://schemas.openxmlformats.org/drawingml/2006/main" xmlns:r="http://schemas.openxmlformats.org/officeDocument/2006/relationships" xmlns:p="http://schemas.openxmlformats.org/presentationml/2006/main">
+  <p:cSld>
+    <p:spTree>
+      <p:nvGrpSpPr>
+        <p:cNvPr id="1" name=""/>
+        <p:cNvGrpSpPr/>
+        <p:nvPr/>
+      </p:nvGrpSpPr>
+      <p:grpSpPr>
+        <a:xfrm>
+          <a:off x="0" y="0"/>
+          <a:ext cx="0" cy="0"/>
+          <a:chOff x="0" y="0"/>
+          <a:chExt cx="0" cy="0"/>
+        </a:xfrm>
+      </p:grpSpPr>
+      <p:sp>
+        <p:nvSpPr>
+          <p:cNvPr id="2" name="Slide Image Placeholder 1"/>
+          <p:cNvSpPr>
+            <a:spLocks noGrp="1" noRot="1" noChangeAspect="1"/>
+          </p:cNvSpPr>
+          <p:nvPr>
+            <p:ph type="sldImg"/>
+          </p:nvPr>
+        </p:nvSpPr>
+        <p:spPr/>
+      </p:sp>
+      <p:sp>
+        <p:nvSpPr>
+          <p:cNvPr id="3" name="Notes Placeholder 2"/>
+          <p:cNvSpPr>
+            <a:spLocks noGrp="1"/>
+          </p:cNvSpPr>
+          <p:nvPr>
+            <p:ph type="body" idx="1"/>
+          </p:nvPr>
+        </p:nvSpPr>
+        <p:spPr/>
+        <p:txBody>
+          <a:bodyPr/>
+          <a:lstStyle/>
+          <a:p>
+            <a:endParaRPr lang="en-US" dirty="0"/>
+          </a:p>
+        </p:txBody>
+      </p:sp>
+      <p:sp>
+        <p:nvSpPr>
+          <p:cNvPr id="4" name="Slide Number Placeholder 3"/>
+          <p:cNvSpPr>
+            <a:spLocks noGrp="1"/>
+          </p:cNvSpPr>
+          <p:nvPr>
+            <p:ph type="sldNum" sz="quarter" idx="10"/>
+          </p:nvPr>
+        </p:nvSpPr>
+        <p:spPr/>
+        <p:txBody>
+          <a:bodyPr/>
+          <a:lstStyle/>
+          <a:p>
+            <a:fld id="{CFAD290B-5269-4E99-8A8A-8691B1EB0AE9}" type="slidenum">
+              <a:rPr lang="en-US" smtClean="0"/>
+              <a:t>43</a:t>
+            </a:fld>
+            <a:endParaRPr lang="en-US"/>
+          </a:p>
+        </p:txBody>
+      </p:sp>
+    </p:spTree>
+    <p:extLst>
+      <p:ext uri="{BB962C8B-B14F-4D97-AF65-F5344CB8AC3E}">
         <p14:creationId xmlns:p14="http://schemas.microsoft.com/office/powerpoint/2010/main" val="1887771390"/>
+      </p:ext>
+    </p:extLst>
+  </p:cSld>
+  <p:clrMapOvr>
+    <a:masterClrMapping/>
+  </p:clrMapOvr>
+</p:notes>
+</file>
+
+<file path=ppt/notesSlides/notesSlide38.xml><?xml version="1.0" encoding="utf-8"?>
+<p:notes xmlns:a="http://schemas.openxmlformats.org/drawingml/2006/main" xmlns:r="http://schemas.openxmlformats.org/officeDocument/2006/relationships" xmlns:p="http://schemas.openxmlformats.org/presentationml/2006/main">
+  <p:cSld>
+    <p:spTree>
+      <p:nvGrpSpPr>
+        <p:cNvPr id="1" name=""/>
+        <p:cNvGrpSpPr/>
+        <p:nvPr/>
+      </p:nvGrpSpPr>
+      <p:grpSpPr>
+        <a:xfrm>
+          <a:off x="0" y="0"/>
+          <a:ext cx="0" cy="0"/>
+          <a:chOff x="0" y="0"/>
+          <a:chExt cx="0" cy="0"/>
+        </a:xfrm>
+      </p:grpSpPr>
+      <p:sp>
+        <p:nvSpPr>
+          <p:cNvPr id="2" name="Slide Image Placeholder 1"/>
+          <p:cNvSpPr>
+            <a:spLocks noGrp="1" noRot="1" noChangeAspect="1"/>
+          </p:cNvSpPr>
+          <p:nvPr>
+            <p:ph type="sldImg"/>
+          </p:nvPr>
+        </p:nvSpPr>
+        <p:spPr/>
+      </p:sp>
+      <p:sp>
+        <p:nvSpPr>
+          <p:cNvPr id="3" name="Notes Placeholder 2"/>
+          <p:cNvSpPr>
+            <a:spLocks noGrp="1"/>
+          </p:cNvSpPr>
+          <p:nvPr>
+            <p:ph type="body" idx="1"/>
+          </p:nvPr>
+        </p:nvSpPr>
+        <p:spPr/>
+        <p:txBody>
+          <a:bodyPr/>
+          <a:lstStyle/>
+          <a:p>
+            <a:endParaRPr lang="en-US" dirty="0"/>
+          </a:p>
+        </p:txBody>
+      </p:sp>
+      <p:sp>
+        <p:nvSpPr>
+          <p:cNvPr id="4" name="Slide Number Placeholder 3"/>
+          <p:cNvSpPr>
+            <a:spLocks noGrp="1"/>
+          </p:cNvSpPr>
+          <p:nvPr>
+            <p:ph type="sldNum" sz="quarter" idx="10"/>
+          </p:nvPr>
+        </p:nvSpPr>
+        <p:spPr/>
+        <p:txBody>
+          <a:bodyPr/>
+          <a:lstStyle/>
+          <a:p>
+            <a:fld id="{CFAD290B-5269-4E99-8A8A-8691B1EB0AE9}" type="slidenum">
+              <a:rPr lang="en-US" smtClean="0"/>
+              <a:t>45</a:t>
+            </a:fld>
+            <a:endParaRPr lang="en-US"/>
+          </a:p>
+        </p:txBody>
+      </p:sp>
+    </p:spTree>
+    <p:extLst>
+      <p:ext uri="{BB962C8B-B14F-4D97-AF65-F5344CB8AC3E}">
+        <p14:creationId xmlns:p14="http://schemas.microsoft.com/office/powerpoint/2010/main" val="4285779939"/>
       </p:ext>
     </p:extLst>
   </p:cSld>
@@ -9203,11 +9513,7 @@
           <a:p>
             <a:r>
               <a:rPr lang="en-US" dirty="0" smtClean="0"/>
-              <a:t>Each </a:t>
-            </a:r>
-            <a:r>
-              <a:rPr lang="en-US" dirty="0" smtClean="0"/>
-              <a:t>method is executed in interpreted mode at first. The Java interpreter counts how many times a method is invoked and requests that it should be JIT-compiled. </a:t>
+              <a:t>Each method is executed in interpreted mode at first. The Java interpreter counts how many times a method is invoked and requests that it should be JIT-compiled. </a:t>
             </a:r>
           </a:p>
           <a:p>
@@ -9216,7 +9522,35 @@
           <a:p>
             <a:r>
               <a:rPr lang="en-US" dirty="0" smtClean="0"/>
-              <a:t>Loosely speaking this happens after a method has been called 10.000 times (see an article about </a:t>
+              <a:t>This </a:t>
+            </a:r>
+            <a:r>
+              <a:rPr lang="en-US" dirty="0" smtClean="0"/>
+              <a:t>happens </a:t>
+            </a:r>
+            <a:r>
+              <a:rPr lang="en-US" dirty="0" smtClean="0"/>
+              <a:t>after </a:t>
+            </a:r>
+            <a:r>
+              <a:rPr lang="en-US" dirty="0" smtClean="0"/>
+              <a:t>a method has been called 10.000 </a:t>
+            </a:r>
+            <a:r>
+              <a:rPr lang="en-US" dirty="0" smtClean="0"/>
+              <a:t>times in server mode</a:t>
+            </a:r>
+            <a:r>
+              <a:rPr lang="en-US" baseline="0" dirty="0" smtClean="0"/>
+              <a:t> and 1000 times in client mode</a:t>
+            </a:r>
+            <a:r>
+              <a:rPr lang="en-US" dirty="0" smtClean="0"/>
+              <a:t> </a:t>
+            </a:r>
+            <a:r>
+              <a:rPr lang="en-US" dirty="0" smtClean="0"/>
+              <a:t>(see an article about </a:t>
             </a:r>
             <a:r>
               <a:rPr lang="en-US" dirty="0" smtClean="0">
@@ -9249,6 +9583,24 @@
             <a:r>
               <a:rPr lang="en-US" dirty="0" smtClean="0"/>
               <a:t>). </a:t>
+            </a:r>
+            <a:endParaRPr lang="en-US" dirty="0" smtClean="0"/>
+          </a:p>
+          <a:p>
+            <a:endParaRPr lang="en-US" dirty="0" smtClean="0"/>
+          </a:p>
+          <a:p>
+            <a:r>
+              <a:rPr lang="en-US" dirty="0" smtClean="0"/>
+              <a:t>As a rule of thumb, </a:t>
+            </a:r>
+            <a:r>
+              <a:rPr lang="en-US" dirty="0" err="1" smtClean="0"/>
+              <a:t>JIT'd</a:t>
+            </a:r>
+            <a:r>
+              <a:rPr lang="en-US" dirty="0" smtClean="0"/>
+              <a:t> code is 10x faster than interpreter </a:t>
             </a:r>
             <a:endParaRPr lang="en-US" dirty="0"/>
           </a:p>
@@ -9453,8 +9805,134 @@
             </a:r>
             <a:r>
               <a:rPr lang="en-US" dirty="0" smtClean="0"/>
-              <a:t>. You should not see any JIT-compiler activity after the warmup phase.</a:t>
-            </a:r>
+              <a:t>. You should not see any JIT-compiler activity after the warmup phase</a:t>
+            </a:r>
+            <a:r>
+              <a:rPr lang="en-US" dirty="0" smtClean="0"/>
+              <a:t>.</a:t>
+            </a:r>
+          </a:p>
+          <a:p>
+            <a:pPr marL="0" marR="0" indent="0" algn="l" defTabSz="914400" rtl="0" eaLnBrk="1" fontAlgn="auto" latinLnBrk="0" hangingPunct="1">
+              <a:lnSpc>
+                <a:spcPct val="100000"/>
+              </a:lnSpc>
+              <a:spcBef>
+                <a:spcPts val="0"/>
+              </a:spcBef>
+              <a:spcAft>
+                <a:spcPts val="0"/>
+              </a:spcAft>
+              <a:buClrTx/>
+              <a:buSzTx/>
+              <a:buFontTx/>
+              <a:buNone/>
+              <a:tabLst/>
+              <a:defRPr/>
+            </a:pPr>
+            <a:endParaRPr lang="en-US" dirty="0" smtClean="0"/>
+          </a:p>
+          <a:p>
+            <a:r>
+              <a:rPr lang="en-US" dirty="0" smtClean="0"/>
+              <a:t>Keeping testing until run-times stabilize</a:t>
+            </a:r>
+          </a:p>
+          <a:p>
+            <a:r>
+              <a:rPr lang="en-US" dirty="0" smtClean="0"/>
+              <a:t>Not allowing warmup is a common mistake</a:t>
+            </a:r>
+          </a:p>
+          <a:p>
+            <a:r>
+              <a:rPr lang="en-US" dirty="0" smtClean="0"/>
+              <a:t> most desktop/server apps expect:</a:t>
+            </a:r>
+          </a:p>
+          <a:p>
+            <a:r>
+              <a:rPr lang="en-US" dirty="0" smtClean="0"/>
+              <a:t>●Reboots are minutes long and days apart</a:t>
+            </a:r>
+          </a:p>
+          <a:p>
+            <a:r>
+              <a:rPr lang="en-US" dirty="0" smtClean="0"/>
+              <a:t>●Steady-state throughput after warmup is key</a:t>
+            </a:r>
+          </a:p>
+          <a:p>
+            <a:r>
+              <a:rPr lang="en-US" dirty="0" smtClean="0"/>
+              <a:t>●So a benchmark that ends in &lt;10sec</a:t>
+            </a:r>
+          </a:p>
+          <a:p>
+            <a:r>
+              <a:rPr lang="en-US" dirty="0" smtClean="0"/>
+              <a:t>probably does not measure anything interesting</a:t>
+            </a:r>
+          </a:p>
+          <a:p>
+            <a:pPr marL="0" marR="0" indent="0" algn="l" defTabSz="914400" rtl="0" eaLnBrk="1" fontAlgn="auto" latinLnBrk="0" hangingPunct="1">
+              <a:lnSpc>
+                <a:spcPct val="100000"/>
+              </a:lnSpc>
+              <a:spcBef>
+                <a:spcPts val="0"/>
+              </a:spcBef>
+              <a:spcAft>
+                <a:spcPts val="0"/>
+              </a:spcAft>
+              <a:buClrTx/>
+              <a:buSzTx/>
+              <a:buFontTx/>
+              <a:buNone/>
+              <a:tabLst/>
+              <a:defRPr/>
+            </a:pPr>
+            <a:endParaRPr lang="en-US" dirty="0" smtClean="0"/>
+          </a:p>
+          <a:p>
+            <a:pPr marL="0" marR="0" indent="0" algn="l" defTabSz="914400" rtl="0" eaLnBrk="1" fontAlgn="auto" latinLnBrk="0" hangingPunct="1">
+              <a:lnSpc>
+                <a:spcPct val="100000"/>
+              </a:lnSpc>
+              <a:spcBef>
+                <a:spcPts val="0"/>
+              </a:spcBef>
+              <a:spcAft>
+                <a:spcPts val="0"/>
+              </a:spcAft>
+              <a:buClrTx/>
+              <a:buSzTx/>
+              <a:buFontTx/>
+              <a:buNone/>
+              <a:tabLst/>
+              <a:defRPr/>
+            </a:pPr>
+            <a:endParaRPr lang="en-US" dirty="0" smtClean="0"/>
+          </a:p>
+          <a:p>
+            <a:r>
+              <a:rPr lang="en-US" dirty="0" smtClean="0"/>
+              <a:t>GC: Either no (or trivial) allocation, or use</a:t>
+            </a:r>
+          </a:p>
+          <a:p>
+            <a:r>
+              <a:rPr lang="en-US" dirty="0" err="1" smtClean="0"/>
+              <a:t>verbose:gc</a:t>
+            </a:r>
+            <a:endParaRPr lang="en-US" dirty="0" smtClean="0"/>
+          </a:p>
+          <a:p>
+            <a:r>
+              <a:rPr lang="en-US" dirty="0" smtClean="0"/>
+              <a:t>to make sure you hit steady-state</a:t>
+            </a:r>
+            <a:endParaRPr lang="en-US" dirty="0" smtClean="0"/>
           </a:p>
           <a:p>
             <a:endParaRPr lang="en-US" dirty="0" smtClean="0">
@@ -14806,11 +15284,7 @@
             <a:pPr lvl="1"/>
             <a:r>
               <a:rPr lang="en-US" dirty="0" smtClean="0"/>
-              <a:t>Does not prevent all pitfalls, but can at least mitigate MOST of </a:t>
-            </a:r>
-            <a:r>
-              <a:rPr lang="en-US" dirty="0" smtClean="0"/>
-              <a:t>them</a:t>
+              <a:t>Does not prevent all pitfalls, but can at least mitigate MOST of them</a:t>
             </a:r>
           </a:p>
           <a:p>
@@ -14819,7 +15293,6 @@
               <a:rPr lang="en-US" dirty="0" smtClean="0"/>
               <a:t>Control the JIT to get more meaningful results</a:t>
             </a:r>
-            <a:endParaRPr lang="en-US" dirty="0" smtClean="0"/>
           </a:p>
           <a:p>
             <a:r>
@@ -15520,6 +15993,84 @@
 </file>
 
 <file path=ppt/slides/slide21.xml><?xml version="1.0" encoding="utf-8"?>
+<p:sld xmlns:a="http://schemas.openxmlformats.org/drawingml/2006/main" xmlns:r="http://schemas.openxmlformats.org/officeDocument/2006/relationships" xmlns:p="http://schemas.openxmlformats.org/presentationml/2006/main">
+  <p:cSld>
+    <p:spTree>
+      <p:nvGrpSpPr>
+        <p:cNvPr id="1" name=""/>
+        <p:cNvGrpSpPr/>
+        <p:nvPr/>
+      </p:nvGrpSpPr>
+      <p:grpSpPr>
+        <a:xfrm>
+          <a:off x="0" y="0"/>
+          <a:ext cx="0" cy="0"/>
+          <a:chOff x="0" y="0"/>
+          <a:chExt cx="0" cy="0"/>
+        </a:xfrm>
+      </p:grpSpPr>
+      <p:sp>
+        <p:nvSpPr>
+          <p:cNvPr id="4" name="Title 3"/>
+          <p:cNvSpPr>
+            <a:spLocks noGrp="1"/>
+          </p:cNvSpPr>
+          <p:nvPr>
+            <p:ph type="title"/>
+          </p:nvPr>
+        </p:nvSpPr>
+        <p:spPr/>
+        <p:txBody>
+          <a:bodyPr/>
+          <a:lstStyle/>
+          <a:p>
+            <a:r>
+              <a:rPr lang="en-US" dirty="0" smtClean="0"/>
+              <a:t>@Benchmark</a:t>
+            </a:r>
+            <a:endParaRPr lang="en-US" dirty="0"/>
+          </a:p>
+        </p:txBody>
+      </p:sp>
+      <p:sp>
+        <p:nvSpPr>
+          <p:cNvPr id="5" name="Content Placeholder 4"/>
+          <p:cNvSpPr>
+            <a:spLocks noGrp="1"/>
+          </p:cNvSpPr>
+          <p:nvPr>
+            <p:ph idx="1"/>
+          </p:nvPr>
+        </p:nvSpPr>
+        <p:spPr/>
+        <p:txBody>
+          <a:bodyPr/>
+          <a:lstStyle/>
+          <a:p>
+            <a:r>
+              <a:rPr lang="en-US" dirty="0" smtClean="0"/>
+              <a:t>Must be public</a:t>
+            </a:r>
+          </a:p>
+          <a:p>
+            <a:endParaRPr lang="en-US" dirty="0"/>
+          </a:p>
+        </p:txBody>
+      </p:sp>
+    </p:spTree>
+    <p:extLst>
+      <p:ext uri="{BB962C8B-B14F-4D97-AF65-F5344CB8AC3E}">
+        <p14:creationId xmlns:p14="http://schemas.microsoft.com/office/powerpoint/2010/main" val="1185212283"/>
+      </p:ext>
+    </p:extLst>
+  </p:cSld>
+  <p:clrMapOvr>
+    <a:masterClrMapping/>
+  </p:clrMapOvr>
+</p:sld>
+</file>
+
+<file path=ppt/slides/slide22.xml><?xml version="1.0" encoding="utf-8"?>
 <p:sld xmlns:a="http://schemas.openxmlformats.org/drawingml/2006/main" xmlns:r="http://schemas.openxmlformats.org/officeDocument/2006/relationships" xmlns:p="http://schemas.openxmlformats.org/presentationml/2006/main">
   <p:cSld>
     <p:spTree>
@@ -15730,7 +16281,7 @@
 </p:sld>
 </file>
 
-<file path=ppt/slides/slide22.xml><?xml version="1.0" encoding="utf-8"?>
+<file path=ppt/slides/slide23.xml><?xml version="1.0" encoding="utf-8"?>
 <p:sld xmlns:a="http://schemas.openxmlformats.org/drawingml/2006/main" xmlns:r="http://schemas.openxmlformats.org/officeDocument/2006/relationships" xmlns:p="http://schemas.openxmlformats.org/presentationml/2006/main">
   <p:cSld>
     <p:spTree>
@@ -15819,175 +16370,6 @@
 </p:sld>
 </file>
 
-<file path=ppt/slides/slide23.xml><?xml version="1.0" encoding="utf-8"?>
-<p:sld xmlns:a="http://schemas.openxmlformats.org/drawingml/2006/main" xmlns:r="http://schemas.openxmlformats.org/officeDocument/2006/relationships" xmlns:p="http://schemas.openxmlformats.org/presentationml/2006/main">
-  <p:cSld>
-    <p:spTree>
-      <p:nvGrpSpPr>
-        <p:cNvPr id="1" name=""/>
-        <p:cNvGrpSpPr/>
-        <p:nvPr/>
-      </p:nvGrpSpPr>
-      <p:grpSpPr>
-        <a:xfrm>
-          <a:off x="0" y="0"/>
-          <a:ext cx="0" cy="0"/>
-          <a:chOff x="0" y="0"/>
-          <a:chExt cx="0" cy="0"/>
-        </a:xfrm>
-      </p:grpSpPr>
-      <p:sp>
-        <p:nvSpPr>
-          <p:cNvPr id="2" name="Title 1"/>
-          <p:cNvSpPr>
-            <a:spLocks noGrp="1"/>
-          </p:cNvSpPr>
-          <p:nvPr>
-            <p:ph type="title"/>
-          </p:nvPr>
-        </p:nvSpPr>
-        <p:spPr/>
-        <p:txBody>
-          <a:bodyPr/>
-          <a:lstStyle/>
-          <a:p>
-            <a:r>
-              <a:rPr lang="en-US" dirty="0" smtClean="0"/>
-              <a:t>JMH Output</a:t>
-            </a:r>
-            <a:endParaRPr lang="en-US" dirty="0"/>
-          </a:p>
-        </p:txBody>
-      </p:sp>
-      <p:sp>
-        <p:nvSpPr>
-          <p:cNvPr id="3" name="Content Placeholder 2"/>
-          <p:cNvSpPr>
-            <a:spLocks noGrp="1"/>
-          </p:cNvSpPr>
-          <p:nvPr>
-            <p:ph idx="1"/>
-          </p:nvPr>
-        </p:nvSpPr>
-        <p:spPr/>
-        <p:txBody>
-          <a:bodyPr>
-            <a:normAutofit lnSpcReduction="10000"/>
-          </a:bodyPr>
-          <a:lstStyle/>
-          <a:p>
-            <a:r>
-              <a:rPr lang="en-US" dirty="0" smtClean="0"/>
-              <a:t>Configuration Info</a:t>
-            </a:r>
-          </a:p>
-          <a:p>
-            <a:pPr lvl="1"/>
-            <a:r>
-              <a:rPr lang="en-US" dirty="0" smtClean="0"/>
-              <a:t>JMH, JVM version</a:t>
-            </a:r>
-          </a:p>
-          <a:p>
-            <a:pPr lvl="1"/>
-            <a:r>
-              <a:rPr lang="en-US" dirty="0" smtClean="0"/>
-              <a:t>JVM Configuration</a:t>
-            </a:r>
-          </a:p>
-          <a:p>
-            <a:pPr lvl="1"/>
-            <a:r>
-              <a:rPr lang="en-US" dirty="0" smtClean="0"/>
-              <a:t>JMH Configuration</a:t>
-            </a:r>
-          </a:p>
-          <a:p>
-            <a:r>
-              <a:rPr lang="en-US" dirty="0" smtClean="0"/>
-              <a:t>Profiling Results</a:t>
-            </a:r>
-          </a:p>
-          <a:p>
-            <a:pPr lvl="1"/>
-            <a:r>
-              <a:rPr lang="en-US" dirty="0" smtClean="0"/>
-              <a:t>Operations / millisecond (default output mode) </a:t>
-            </a:r>
-          </a:p>
-          <a:p>
-            <a:pPr lvl="1"/>
-            <a:r>
-              <a:rPr lang="en-US" dirty="0" smtClean="0"/>
-              <a:t>Computed statistics (min, </a:t>
-            </a:r>
-            <a:r>
-              <a:rPr lang="en-US" dirty="0" err="1" smtClean="0"/>
-              <a:t>avg</a:t>
-            </a:r>
-            <a:r>
-              <a:rPr lang="en-US" dirty="0" smtClean="0"/>
-              <a:t>, max, </a:t>
-            </a:r>
-            <a:r>
-              <a:rPr lang="en-US" dirty="0" err="1" smtClean="0"/>
-              <a:t>stdev</a:t>
-            </a:r>
-            <a:r>
-              <a:rPr lang="en-US" dirty="0" smtClean="0"/>
-              <a:t>, confidence interval)</a:t>
-            </a:r>
-          </a:p>
-          <a:p>
-            <a:r>
-              <a:rPr lang="en-US" dirty="0" smtClean="0"/>
-              <a:t>What’s missing?</a:t>
-            </a:r>
-          </a:p>
-          <a:p>
-            <a:pPr lvl="1"/>
-            <a:r>
-              <a:rPr lang="en-US" dirty="0" smtClean="0"/>
-              <a:t>OS</a:t>
-            </a:r>
-          </a:p>
-          <a:p>
-            <a:pPr lvl="1"/>
-            <a:r>
-              <a:rPr lang="en-US" dirty="0" smtClean="0"/>
-              <a:t>Hardware</a:t>
-            </a:r>
-          </a:p>
-          <a:p>
-            <a:pPr lvl="1"/>
-            <a:r>
-              <a:rPr lang="en-US" dirty="0" smtClean="0"/>
-              <a:t>System Load</a:t>
-            </a:r>
-            <a:endParaRPr lang="en-US" dirty="0"/>
-          </a:p>
-        </p:txBody>
-      </p:sp>
-    </p:spTree>
-    <p:extLst>
-      <p:ext uri="{BB962C8B-B14F-4D97-AF65-F5344CB8AC3E}">
-        <p14:creationId xmlns:p14="http://schemas.microsoft.com/office/powerpoint/2010/main" val="3822949413"/>
-      </p:ext>
-    </p:extLst>
-  </p:cSld>
-  <p:clrMapOvr>
-    <a:masterClrMapping/>
-  </p:clrMapOvr>
-  <p:timing>
-    <p:tnLst>
-      <p:par>
-        <p:cTn id="1" dur="indefinite" restart="never" nodeType="tmRoot"/>
-      </p:par>
-    </p:tnLst>
-  </p:timing>
-</p:sld>
-</file>
-
 <file path=ppt/slides/slide24.xml><?xml version="1.0" encoding="utf-8"?>
 <p:sld xmlns:a="http://schemas.openxmlformats.org/drawingml/2006/main" xmlns:r="http://schemas.openxmlformats.org/officeDocument/2006/relationships" xmlns:p="http://schemas.openxmlformats.org/presentationml/2006/main">
   <p:cSld>
@@ -16022,7 +16404,7 @@
           <a:p>
             <a:r>
               <a:rPr lang="en-US" dirty="0" smtClean="0"/>
-              <a:t>JMH Configuration Annotations </a:t>
+              <a:t>JMH Output</a:t>
             </a:r>
             <a:endParaRPr lang="en-US" dirty="0"/>
           </a:p>
@@ -16041,163 +16423,106 @@
         <p:spPr/>
         <p:txBody>
           <a:bodyPr>
-            <a:normAutofit/>
+            <a:normAutofit lnSpcReduction="10000"/>
           </a:bodyPr>
           <a:lstStyle/>
           <a:p>
-            <a:pPr marL="228600" lvl="1">
-              <a:spcBef>
-                <a:spcPts val="1000"/>
-              </a:spcBef>
-            </a:pPr>
-            <a:r>
-              <a:rPr lang="en-US" dirty="0" smtClean="0"/>
-              <a:t>Annotations exist to configure how JMH runs each </a:t>
-            </a:r>
-            <a:r>
-              <a:rPr lang="en-US" dirty="0"/>
-              <a:t>@</a:t>
-            </a:r>
-            <a:r>
-              <a:rPr lang="en-US" dirty="0" smtClean="0"/>
-              <a:t>Benchmark</a:t>
+            <a:r>
+              <a:rPr lang="en-US" dirty="0" smtClean="0"/>
+              <a:t>Configuration Info</a:t>
             </a:r>
           </a:p>
           <a:p>
             <a:pPr lvl="1"/>
             <a:r>
               <a:rPr lang="en-US" dirty="0" smtClean="0"/>
-              <a:t>@Measurement</a:t>
+              <a:t>JMH, JVM version</a:t>
             </a:r>
           </a:p>
           <a:p>
             <a:pPr lvl="1"/>
             <a:r>
               <a:rPr lang="en-US" dirty="0" smtClean="0"/>
-              <a:t>@Warmup</a:t>
+              <a:t>JVM Configuration</a:t>
+            </a:r>
+          </a:p>
+          <a:p>
+            <a:pPr lvl="1"/>
+            <a:r>
+              <a:rPr lang="en-US" dirty="0" smtClean="0"/>
+              <a:t>JMH Configuration</a:t>
+            </a:r>
+          </a:p>
+          <a:p>
+            <a:r>
+              <a:rPr lang="en-US" dirty="0" smtClean="0"/>
+              <a:t>Profiling Results</a:t>
+            </a:r>
+          </a:p>
+          <a:p>
+            <a:pPr lvl="1"/>
+            <a:r>
+              <a:rPr lang="en-US" dirty="0" smtClean="0"/>
+              <a:t>Operations / millisecond (default output mode) </a:t>
+            </a:r>
+          </a:p>
+          <a:p>
+            <a:pPr lvl="1"/>
+            <a:r>
+              <a:rPr lang="en-US" dirty="0" smtClean="0"/>
+              <a:t>Computed statistics (min, </a:t>
+            </a:r>
+            <a:r>
+              <a:rPr lang="en-US" dirty="0" err="1" smtClean="0"/>
+              <a:t>avg</a:t>
+            </a:r>
+            <a:r>
+              <a:rPr lang="en-US" dirty="0" smtClean="0"/>
+              <a:t>, max, </a:t>
+            </a:r>
+            <a:r>
+              <a:rPr lang="en-US" dirty="0" err="1" smtClean="0"/>
+              <a:t>stdev</a:t>
+            </a:r>
+            <a:r>
+              <a:rPr lang="en-US" dirty="0" smtClean="0"/>
+              <a:t>, confidence interval)</a:t>
+            </a:r>
+          </a:p>
+          <a:p>
+            <a:r>
+              <a:rPr lang="en-US" dirty="0" smtClean="0"/>
+              <a:t>What’s missing?</a:t>
+            </a:r>
+          </a:p>
+          <a:p>
+            <a:pPr lvl="1"/>
+            <a:r>
+              <a:rPr lang="en-US" dirty="0" smtClean="0"/>
+              <a:t>OS</a:t>
+            </a:r>
+          </a:p>
+          <a:p>
+            <a:pPr lvl="1"/>
+            <a:r>
+              <a:rPr lang="en-US" dirty="0" smtClean="0"/>
+              <a:t>Hardware</a:t>
+            </a:r>
+          </a:p>
+          <a:p>
+            <a:pPr lvl="1"/>
+            <a:r>
+              <a:rPr lang="en-US" dirty="0" smtClean="0"/>
+              <a:t>System Load</a:t>
             </a:r>
             <a:endParaRPr lang="en-US" dirty="0"/>
-          </a:p>
-          <a:p>
-            <a:pPr lvl="1"/>
-            <a:r>
-              <a:rPr lang="en-US" dirty="0"/>
-              <a:t>@</a:t>
-            </a:r>
-            <a:r>
-              <a:rPr lang="en-US" dirty="0" smtClean="0"/>
-              <a:t>Fork</a:t>
-            </a:r>
-          </a:p>
-          <a:p>
-            <a:pPr lvl="1"/>
-            <a:r>
-              <a:rPr lang="en-US" dirty="0"/>
-              <a:t>@</a:t>
-            </a:r>
-            <a:r>
-              <a:rPr lang="en-US" dirty="0" err="1"/>
-              <a:t>BenchmarkMode</a:t>
-            </a:r>
-            <a:endParaRPr lang="en-US" dirty="0"/>
-          </a:p>
-          <a:p>
-            <a:pPr lvl="1"/>
-            <a:r>
-              <a:rPr lang="en-US" dirty="0"/>
-              <a:t>@</a:t>
-            </a:r>
-            <a:r>
-              <a:rPr lang="en-US" dirty="0" err="1" smtClean="0"/>
-              <a:t>OutputTimeUnit</a:t>
-            </a:r>
-            <a:endParaRPr lang="en-US" dirty="0" smtClean="0"/>
-          </a:p>
-          <a:p>
-            <a:pPr lvl="1"/>
-            <a:r>
-              <a:rPr lang="en-US" dirty="0" smtClean="0"/>
-              <a:t>Others…</a:t>
-            </a:r>
-          </a:p>
-          <a:p>
-            <a:r>
-              <a:rPr lang="en-US" dirty="0" smtClean="0"/>
-              <a:t>All options available through </a:t>
-            </a:r>
-            <a:r>
-              <a:rPr lang="en-US" dirty="0" err="1" smtClean="0"/>
-              <a:t>jmh</a:t>
-            </a:r>
-            <a:r>
-              <a:rPr lang="en-US" dirty="0" smtClean="0"/>
-              <a:t> configuration block</a:t>
-            </a:r>
-          </a:p>
-          <a:p>
-            <a:r>
-              <a:rPr lang="en-US" b="1" dirty="0" smtClean="0">
-                <a:solidFill>
-                  <a:srgbClr val="FF0000"/>
-                </a:solidFill>
-              </a:rPr>
-              <a:t>Important – </a:t>
-            </a:r>
-            <a:r>
-              <a:rPr lang="en-US" b="1" dirty="0" err="1" smtClean="0">
-                <a:solidFill>
-                  <a:srgbClr val="FF0000"/>
-                </a:solidFill>
-              </a:rPr>
-              <a:t>jmh</a:t>
-            </a:r>
-            <a:r>
-              <a:rPr lang="en-US" b="1" dirty="0" smtClean="0">
-                <a:solidFill>
-                  <a:srgbClr val="FF0000"/>
-                </a:solidFill>
-              </a:rPr>
-              <a:t> </a:t>
-            </a:r>
-            <a:r>
-              <a:rPr lang="en-US" b="1" dirty="0" err="1" smtClean="0">
-                <a:solidFill>
-                  <a:srgbClr val="FF0000"/>
-                </a:solidFill>
-              </a:rPr>
-              <a:t>gradle</a:t>
-            </a:r>
-            <a:r>
-              <a:rPr lang="en-US" b="1" dirty="0" smtClean="0">
-                <a:solidFill>
-                  <a:srgbClr val="FF0000"/>
-                </a:solidFill>
-              </a:rPr>
-              <a:t> plugin overrides these!  Must set defaults through </a:t>
-            </a:r>
-            <a:r>
-              <a:rPr lang="en-US" b="1" dirty="0" err="1" smtClean="0">
-                <a:solidFill>
-                  <a:srgbClr val="FF0000"/>
-                </a:solidFill>
-              </a:rPr>
-              <a:t>build.gradle</a:t>
-            </a:r>
-            <a:r>
-              <a:rPr lang="en-US" b="1" dirty="0" smtClean="0">
-                <a:solidFill>
-                  <a:srgbClr val="FF0000"/>
-                </a:solidFill>
-              </a:rPr>
-              <a:t> file!</a:t>
-            </a:r>
           </a:p>
         </p:txBody>
       </p:sp>
     </p:spTree>
     <p:extLst>
       <p:ext uri="{BB962C8B-B14F-4D97-AF65-F5344CB8AC3E}">
-        <p14:creationId xmlns:p14="http://schemas.microsoft.com/office/powerpoint/2010/main" val="1241904274"/>
+        <p14:creationId xmlns:p14="http://schemas.microsoft.com/office/powerpoint/2010/main" val="3822949413"/>
       </p:ext>
     </p:extLst>
   </p:cSld>
@@ -16248,109 +16573,174 @@
           <a:p>
             <a:r>
               <a:rPr lang="en-US" dirty="0" smtClean="0"/>
-              <a:t>Demo – State and </a:t>
+              <a:t>JMH Configuration Annotations </a:t>
+            </a:r>
+            <a:endParaRPr lang="en-US" dirty="0"/>
+          </a:p>
+        </p:txBody>
+      </p:sp>
+      <p:sp>
+        <p:nvSpPr>
+          <p:cNvPr id="3" name="Content Placeholder 2"/>
+          <p:cNvSpPr>
+            <a:spLocks noGrp="1"/>
+          </p:cNvSpPr>
+          <p:nvPr>
+            <p:ph idx="1"/>
+          </p:nvPr>
+        </p:nvSpPr>
+        <p:spPr/>
+        <p:txBody>
+          <a:bodyPr>
+            <a:normAutofit/>
+          </a:bodyPr>
+          <a:lstStyle/>
+          <a:p>
+            <a:pPr marL="228600" lvl="1">
+              <a:spcBef>
+                <a:spcPts val="1000"/>
+              </a:spcBef>
+            </a:pPr>
+            <a:r>
+              <a:rPr lang="en-US" dirty="0" smtClean="0"/>
+              <a:t>Annotations exist to configure how JMH runs each </a:t>
+            </a:r>
+            <a:r>
+              <a:rPr lang="en-US" dirty="0"/>
+              <a:t>@</a:t>
+            </a:r>
+            <a:r>
+              <a:rPr lang="en-US" dirty="0" smtClean="0"/>
+              <a:t>Benchmark</a:t>
+            </a:r>
+          </a:p>
+          <a:p>
+            <a:pPr lvl="1"/>
+            <a:r>
+              <a:rPr lang="en-US" dirty="0" smtClean="0"/>
+              <a:t>@Measurement</a:t>
+            </a:r>
+          </a:p>
+          <a:p>
+            <a:pPr lvl="1"/>
+            <a:r>
+              <a:rPr lang="en-US" dirty="0" smtClean="0"/>
+              <a:t>@Warmup</a:t>
+            </a:r>
+            <a:endParaRPr lang="en-US" dirty="0"/>
+          </a:p>
+          <a:p>
+            <a:pPr lvl="1"/>
+            <a:r>
+              <a:rPr lang="en-US" dirty="0"/>
+              <a:t>@</a:t>
+            </a:r>
+            <a:r>
+              <a:rPr lang="en-US" dirty="0" smtClean="0"/>
+              <a:t>Fork</a:t>
+            </a:r>
+          </a:p>
+          <a:p>
+            <a:pPr lvl="1"/>
+            <a:r>
+              <a:rPr lang="en-US" dirty="0"/>
+              <a:t>@</a:t>
+            </a:r>
+            <a:r>
+              <a:rPr lang="en-US" dirty="0" err="1"/>
+              <a:t>BenchmarkMode</a:t>
+            </a:r>
+            <a:endParaRPr lang="en-US" dirty="0"/>
+          </a:p>
+          <a:p>
+            <a:pPr lvl="1"/>
+            <a:r>
+              <a:rPr lang="en-US" dirty="0"/>
+              <a:t>@</a:t>
             </a:r>
             <a:r>
               <a:rPr lang="en-US" dirty="0" err="1" smtClean="0"/>
-              <a:t>Blackholes</a:t>
-            </a:r>
-            <a:r>
-              <a:rPr lang="en-US" dirty="0" smtClean="0"/>
-              <a:t> (Demo-01)</a:t>
-            </a:r>
-            <a:endParaRPr lang="en-US" dirty="0"/>
-          </a:p>
-        </p:txBody>
-      </p:sp>
-      <p:sp>
-        <p:nvSpPr>
-          <p:cNvPr id="3" name="Content Placeholder 2"/>
-          <p:cNvSpPr>
-            <a:spLocks noGrp="1"/>
-          </p:cNvSpPr>
-          <p:nvPr>
-            <p:ph idx="1"/>
-          </p:nvPr>
-        </p:nvSpPr>
-        <p:spPr/>
-        <p:txBody>
-          <a:bodyPr/>
-          <a:lstStyle/>
-          <a:p>
-            <a:r>
-              <a:rPr lang="en-US" dirty="0" smtClean="0"/>
-              <a:t>Goal – measure the cost of </a:t>
-            </a:r>
-            <a:r>
-              <a:rPr lang="en-US" dirty="0" smtClean="0"/>
-              <a:t>a numeric operation</a:t>
+              <a:t>OutputTimeUnit</a:t>
             </a:r>
             <a:endParaRPr lang="en-US" dirty="0" smtClean="0"/>
           </a:p>
           <a:p>
-            <a:r>
-              <a:rPr lang="en-US" dirty="0" smtClean="0"/>
-              <a:t>Baseline method – cost</a:t>
-            </a:r>
-            <a:r>
-              <a:rPr lang="en-US" dirty="0"/>
+            <a:pPr lvl="1"/>
+            <a:r>
+              <a:rPr lang="en-US" dirty="0" smtClean="0"/>
+              <a:t>Others…</a:t>
+            </a:r>
+          </a:p>
+          <a:p>
+            <a:r>
+              <a:rPr lang="en-US" dirty="0" smtClean="0"/>
+              <a:t>All options available through </a:t>
+            </a:r>
+            <a:r>
+              <a:rPr lang="en-US" dirty="0" err="1" smtClean="0"/>
+              <a:t>jmh</a:t>
+            </a:r>
+            <a:r>
+              <a:rPr lang="en-US" dirty="0" smtClean="0"/>
+              <a:t> configuration block</a:t>
+            </a:r>
+          </a:p>
+          <a:p>
+            <a:r>
+              <a:rPr lang="en-US" b="1" dirty="0" smtClean="0">
+                <a:solidFill>
+                  <a:srgbClr val="FF0000"/>
+                </a:solidFill>
+              </a:rPr>
+              <a:t>Important – </a:t>
+            </a:r>
+            <a:r>
+              <a:rPr lang="en-US" b="1" dirty="0" err="1" smtClean="0">
+                <a:solidFill>
+                  <a:srgbClr val="FF0000"/>
+                </a:solidFill>
+              </a:rPr>
+              <a:t>jmh</a:t>
+            </a:r>
+            <a:r>
+              <a:rPr lang="en-US" b="1" dirty="0" smtClean="0">
+                <a:solidFill>
+                  <a:srgbClr val="FF0000"/>
+                </a:solidFill>
+              </a:rPr>
               <a:t> </a:t>
             </a:r>
             <a:r>
-              <a:rPr lang="en-US" dirty="0" smtClean="0"/>
-              <a:t>of a method call doing everything EXCEPT the </a:t>
-            </a:r>
-            <a:r>
-              <a:rPr lang="en-US" dirty="0" smtClean="0"/>
-              <a:t>operation</a:t>
-            </a:r>
-            <a:endParaRPr lang="en-US" dirty="0" smtClean="0"/>
-          </a:p>
-          <a:p>
-            <a:r>
-              <a:rPr lang="en-US" dirty="0" smtClean="0"/>
-              <a:t>Returning values from @Benchmark methods is important</a:t>
-            </a:r>
-          </a:p>
-          <a:p>
-            <a:pPr lvl="1"/>
-            <a:r>
-              <a:rPr lang="en-US" dirty="0" smtClean="0"/>
-              <a:t>Without it VM is very likely to optimize away the method calls completely</a:t>
-            </a:r>
-          </a:p>
-          <a:p>
-            <a:r>
-              <a:rPr lang="en-US" dirty="0" smtClean="0"/>
-              <a:t>Configuring benchmarks via annotations rather than </a:t>
-            </a:r>
-            <a:r>
-              <a:rPr lang="en-US" dirty="0" err="1" smtClean="0"/>
-              <a:t>Gradle</a:t>
-            </a:r>
-            <a:r>
-              <a:rPr lang="en-US" dirty="0" smtClean="0"/>
-              <a:t> properties</a:t>
-            </a:r>
-          </a:p>
-          <a:p>
-            <a:r>
-              <a:rPr lang="en-US" dirty="0" smtClean="0"/>
-              <a:t>The @State annotation tells JMH to avoid constant-folding problems</a:t>
-            </a:r>
-          </a:p>
-          <a:p>
-            <a:r>
-              <a:rPr lang="en-US" dirty="0" smtClean="0"/>
-              <a:t>The </a:t>
-            </a:r>
-            <a:r>
-              <a:rPr lang="en-US" dirty="0" err="1" smtClean="0"/>
-              <a:t>Blackhole</a:t>
-            </a:r>
-            <a:r>
-              <a:rPr lang="en-US" dirty="0" smtClean="0"/>
-              <a:t> class consumes output</a:t>
+              <a:rPr lang="en-US" b="1" dirty="0" err="1" smtClean="0">
+                <a:solidFill>
+                  <a:srgbClr val="FF0000"/>
+                </a:solidFill>
+              </a:rPr>
+              <a:t>gradle</a:t>
+            </a:r>
+            <a:r>
+              <a:rPr lang="en-US" b="1" dirty="0" smtClean="0">
+                <a:solidFill>
+                  <a:srgbClr val="FF0000"/>
+                </a:solidFill>
+              </a:rPr>
+              <a:t> plugin overrides these!  Must set defaults through </a:t>
+            </a:r>
+            <a:r>
+              <a:rPr lang="en-US" b="1" dirty="0" err="1" smtClean="0">
+                <a:solidFill>
+                  <a:srgbClr val="FF0000"/>
+                </a:solidFill>
+              </a:rPr>
+              <a:t>build.gradle</a:t>
+            </a:r>
+            <a:r>
+              <a:rPr lang="en-US" b="1" dirty="0" smtClean="0">
+                <a:solidFill>
+                  <a:srgbClr val="FF0000"/>
+                </a:solidFill>
+              </a:rPr>
+              <a:t> file!</a:t>
             </a:r>
           </a:p>
         </p:txBody>
@@ -16358,7 +16748,7 @@
     </p:spTree>
     <p:extLst>
       <p:ext uri="{BB962C8B-B14F-4D97-AF65-F5344CB8AC3E}">
-        <p14:creationId xmlns:p14="http://schemas.microsoft.com/office/powerpoint/2010/main" val="2727199964"/>
+        <p14:creationId xmlns:p14="http://schemas.microsoft.com/office/powerpoint/2010/main" val="1241904274"/>
       </p:ext>
     </p:extLst>
   </p:cSld>
@@ -16394,7 +16784,7 @@
       </p:grpSpPr>
       <p:sp>
         <p:nvSpPr>
-          <p:cNvPr id="4" name="Title 3"/>
+          <p:cNvPr id="2" name="Title 1"/>
           <p:cNvSpPr>
             <a:spLocks noGrp="1"/>
           </p:cNvSpPr>
@@ -16409,14 +16799,56 @@
           <a:p>
             <a:r>
               <a:rPr lang="en-US" dirty="0" smtClean="0"/>
-              <a:t>Problem – Constant Folding</a:t>
-            </a:r>
-            <a:br>
-              <a:rPr lang="en-US" dirty="0" smtClean="0"/>
-            </a:br>
-            <a:r>
-              <a:rPr lang="en-US" dirty="0" smtClean="0"/>
-              <a:t>Answer –</a:t>
+              <a:t>Demo – State and </a:t>
+            </a:r>
+            <a:r>
+              <a:rPr lang="en-US" dirty="0" err="1" smtClean="0"/>
+              <a:t>Blackholes</a:t>
+            </a:r>
+            <a:r>
+              <a:rPr lang="en-US" dirty="0" smtClean="0"/>
+              <a:t> </a:t>
+            </a:r>
+            <a:r>
+              <a:rPr lang="en-US" dirty="0" smtClean="0"/>
+              <a:t>(</a:t>
+            </a:r>
+            <a:r>
+              <a:rPr lang="en-US" dirty="0" smtClean="0"/>
+              <a:t>demo-basics</a:t>
+            </a:r>
+            <a:r>
+              <a:rPr lang="en-US" dirty="0" smtClean="0"/>
+              <a:t>)</a:t>
+            </a:r>
+            <a:endParaRPr lang="en-US" dirty="0"/>
+          </a:p>
+        </p:txBody>
+      </p:sp>
+      <p:sp>
+        <p:nvSpPr>
+          <p:cNvPr id="3" name="Content Placeholder 2"/>
+          <p:cNvSpPr>
+            <a:spLocks noGrp="1"/>
+          </p:cNvSpPr>
+          <p:nvPr>
+            <p:ph idx="1"/>
+          </p:nvPr>
+        </p:nvSpPr>
+        <p:spPr/>
+        <p:txBody>
+          <a:bodyPr/>
+          <a:lstStyle/>
+          <a:p>
+            <a:r>
+              <a:rPr lang="en-US" dirty="0" smtClean="0"/>
+              <a:t>Goal – measure the cost of a numeric operation</a:t>
+            </a:r>
+          </a:p>
+          <a:p>
+            <a:r>
+              <a:rPr lang="en-US" dirty="0" smtClean="0"/>
+              <a:t>Baseline method – cost</a:t>
             </a:r>
             <a:r>
               <a:rPr lang="en-US" dirty="0"/>
@@ -16424,41 +16856,75 @@
             </a:r>
             <a:r>
               <a:rPr lang="en-US" dirty="0" smtClean="0"/>
-              <a:t>@State</a:t>
-            </a:r>
-            <a:endParaRPr lang="en-US" dirty="0"/>
-          </a:p>
-        </p:txBody>
-      </p:sp>
-      <p:sp>
-        <p:nvSpPr>
-          <p:cNvPr id="5" name="Text Placeholder 4"/>
-          <p:cNvSpPr>
-            <a:spLocks noGrp="1"/>
-          </p:cNvSpPr>
-          <p:nvPr>
-            <p:ph type="body" idx="1"/>
-          </p:nvPr>
-        </p:nvSpPr>
-        <p:spPr/>
-        <p:txBody>
-          <a:bodyPr/>
-          <a:lstStyle/>
-          <a:p>
-            <a:endParaRPr lang="en-US"/>
+              <a:t>of a method call doing everything EXCEPT the operation</a:t>
+            </a:r>
+          </a:p>
+          <a:p>
+            <a:r>
+              <a:rPr lang="en-US" dirty="0" smtClean="0"/>
+              <a:t>Returning values from @Benchmark methods is important</a:t>
+            </a:r>
+          </a:p>
+          <a:p>
+            <a:pPr lvl="1"/>
+            <a:r>
+              <a:rPr lang="en-US" dirty="0" smtClean="0"/>
+              <a:t>Without it VM is very likely to optimize away the method calls completely</a:t>
+            </a:r>
+          </a:p>
+          <a:p>
+            <a:r>
+              <a:rPr lang="en-US" dirty="0" smtClean="0"/>
+              <a:t>Configuring benchmarks via annotations rather than </a:t>
+            </a:r>
+            <a:r>
+              <a:rPr lang="en-US" dirty="0" err="1" smtClean="0"/>
+              <a:t>Gradle</a:t>
+            </a:r>
+            <a:r>
+              <a:rPr lang="en-US" dirty="0" smtClean="0"/>
+              <a:t> properties</a:t>
+            </a:r>
+          </a:p>
+          <a:p>
+            <a:r>
+              <a:rPr lang="en-US" dirty="0" smtClean="0"/>
+              <a:t>The @State annotation tells JMH to avoid constant-folding problems</a:t>
+            </a:r>
+          </a:p>
+          <a:p>
+            <a:r>
+              <a:rPr lang="en-US" dirty="0" smtClean="0"/>
+              <a:t>The </a:t>
+            </a:r>
+            <a:r>
+              <a:rPr lang="en-US" dirty="0" err="1" smtClean="0"/>
+              <a:t>Blackhole</a:t>
+            </a:r>
+            <a:r>
+              <a:rPr lang="en-US" dirty="0" smtClean="0"/>
+              <a:t> class consumes output</a:t>
+            </a:r>
           </a:p>
         </p:txBody>
       </p:sp>
     </p:spTree>
     <p:extLst>
       <p:ext uri="{BB962C8B-B14F-4D97-AF65-F5344CB8AC3E}">
-        <p14:creationId xmlns:p14="http://schemas.microsoft.com/office/powerpoint/2010/main" val="3859589809"/>
+        <p14:creationId xmlns:p14="http://schemas.microsoft.com/office/powerpoint/2010/main" val="2727199964"/>
       </p:ext>
     </p:extLst>
   </p:cSld>
   <p:clrMapOvr>
     <a:masterClrMapping/>
   </p:clrMapOvr>
+  <p:timing>
+    <p:tnLst>
+      <p:par>
+        <p:cTn id="1" dur="indefinite" restart="never" nodeType="tmRoot"/>
+      </p:par>
+    </p:tnLst>
+  </p:timing>
 </p:sld>
 </file>
 
@@ -16481,6 +16947,93 @@
       </p:grpSpPr>
       <p:sp>
         <p:nvSpPr>
+          <p:cNvPr id="4" name="Title 3"/>
+          <p:cNvSpPr>
+            <a:spLocks noGrp="1"/>
+          </p:cNvSpPr>
+          <p:nvPr>
+            <p:ph type="title"/>
+          </p:nvPr>
+        </p:nvSpPr>
+        <p:spPr/>
+        <p:txBody>
+          <a:bodyPr/>
+          <a:lstStyle/>
+          <a:p>
+            <a:r>
+              <a:rPr lang="en-US" dirty="0" smtClean="0"/>
+              <a:t>Problem – Constant Folding</a:t>
+            </a:r>
+            <a:br>
+              <a:rPr lang="en-US" dirty="0" smtClean="0"/>
+            </a:br>
+            <a:r>
+              <a:rPr lang="en-US" dirty="0" smtClean="0"/>
+              <a:t>Answer –</a:t>
+            </a:r>
+            <a:r>
+              <a:rPr lang="en-US" dirty="0"/>
+              <a:t> </a:t>
+            </a:r>
+            <a:r>
+              <a:rPr lang="en-US" dirty="0" smtClean="0"/>
+              <a:t>@State</a:t>
+            </a:r>
+            <a:endParaRPr lang="en-US" dirty="0"/>
+          </a:p>
+        </p:txBody>
+      </p:sp>
+      <p:sp>
+        <p:nvSpPr>
+          <p:cNvPr id="5" name="Text Placeholder 4"/>
+          <p:cNvSpPr>
+            <a:spLocks noGrp="1"/>
+          </p:cNvSpPr>
+          <p:nvPr>
+            <p:ph type="body" idx="1"/>
+          </p:nvPr>
+        </p:nvSpPr>
+        <p:spPr/>
+        <p:txBody>
+          <a:bodyPr/>
+          <a:lstStyle/>
+          <a:p>
+            <a:endParaRPr lang="en-US"/>
+          </a:p>
+        </p:txBody>
+      </p:sp>
+    </p:spTree>
+    <p:extLst>
+      <p:ext uri="{BB962C8B-B14F-4D97-AF65-F5344CB8AC3E}">
+        <p14:creationId xmlns:p14="http://schemas.microsoft.com/office/powerpoint/2010/main" val="3859589809"/>
+      </p:ext>
+    </p:extLst>
+  </p:cSld>
+  <p:clrMapOvr>
+    <a:masterClrMapping/>
+  </p:clrMapOvr>
+</p:sld>
+</file>
+
+<file path=ppt/slides/slide28.xml><?xml version="1.0" encoding="utf-8"?>
+<p:sld xmlns:a="http://schemas.openxmlformats.org/drawingml/2006/main" xmlns:r="http://schemas.openxmlformats.org/officeDocument/2006/relationships" xmlns:p="http://schemas.openxmlformats.org/presentationml/2006/main">
+  <p:cSld>
+    <p:spTree>
+      <p:nvGrpSpPr>
+        <p:cNvPr id="1" name=""/>
+        <p:cNvGrpSpPr/>
+        <p:nvPr/>
+      </p:nvGrpSpPr>
+      <p:grpSpPr>
+        <a:xfrm>
+          <a:off x="0" y="0"/>
+          <a:ext cx="0" cy="0"/>
+          <a:chOff x="0" y="0"/>
+          <a:chExt cx="0" cy="0"/>
+        </a:xfrm>
+      </p:grpSpPr>
+      <p:sp>
+        <p:nvSpPr>
           <p:cNvPr id="2" name="Title 1"/>
           <p:cNvSpPr>
             <a:spLocks noGrp="1"/>
@@ -16521,19 +17074,7 @@
           <a:p>
             <a:r>
               <a:rPr lang="en-US" dirty="0" smtClean="0"/>
-              <a:t>@State </a:t>
-            </a:r>
-            <a:r>
-              <a:rPr lang="en-US" dirty="0" smtClean="0"/>
-              <a:t>classes encapsulate </a:t>
-            </a:r>
-            <a:r>
-              <a:rPr lang="en-US" dirty="0" smtClean="0"/>
-              <a:t>input (state) </a:t>
-            </a:r>
-            <a:r>
-              <a:rPr lang="en-US" dirty="0" smtClean="0"/>
-              <a:t>to benchmarks</a:t>
+              <a:t>@State classes encapsulate input (state) to benchmarks</a:t>
             </a:r>
           </a:p>
           <a:p>
@@ -16599,7 +17140,6 @@
               <a:rPr lang="en-US" dirty="0" smtClean="0"/>
               <a:t>for type-matched arguments</a:t>
             </a:r>
-            <a:endParaRPr lang="en-US" dirty="0" smtClean="0"/>
           </a:p>
           <a:p>
             <a:r>
@@ -16616,15 +17156,7 @@
             <a:pPr lvl="1"/>
             <a:r>
               <a:rPr lang="en-US" dirty="0" smtClean="0"/>
-              <a:t>Can </a:t>
-            </a:r>
-            <a:r>
-              <a:rPr lang="en-US" dirty="0" smtClean="0"/>
-              <a:t>specify before/after entire benchmark or iteration or method </a:t>
-            </a:r>
-            <a:r>
-              <a:rPr lang="en-US" dirty="0" smtClean="0"/>
-              <a:t>call</a:t>
+              <a:t>Can specify before/after entire benchmark or iteration or method call</a:t>
             </a:r>
             <a:endParaRPr lang="en-US" dirty="0"/>
           </a:p>
@@ -16664,7 +17196,6 @@
               <a:rPr lang="en-US" dirty="0"/>
               <a:t>the same benchmark</a:t>
             </a:r>
-            <a:endParaRPr lang="en-US" dirty="0"/>
           </a:p>
         </p:txBody>
       </p:sp>
@@ -16688,7 +17219,7 @@
 </p:sld>
 </file>
 
-<file path=ppt/slides/slide28.xml><?xml version="1.0" encoding="utf-8"?>
+<file path=ppt/slides/slide29.xml><?xml version="1.0" encoding="utf-8"?>
 <p:sld xmlns:a="http://schemas.openxmlformats.org/drawingml/2006/main" xmlns:r="http://schemas.openxmlformats.org/officeDocument/2006/relationships" xmlns:p="http://schemas.openxmlformats.org/presentationml/2006/main">
   <p:cSld>
     <p:spTree>
@@ -17002,89 +17533,6 @@
 </p:sld>
 </file>
 
-<file path=ppt/slides/slide29.xml><?xml version="1.0" encoding="utf-8"?>
-<p:sld xmlns:a="http://schemas.openxmlformats.org/drawingml/2006/main" xmlns:r="http://schemas.openxmlformats.org/officeDocument/2006/relationships" xmlns:p="http://schemas.openxmlformats.org/presentationml/2006/main">
-  <p:cSld>
-    <p:spTree>
-      <p:nvGrpSpPr>
-        <p:cNvPr id="1" name=""/>
-        <p:cNvGrpSpPr/>
-        <p:nvPr/>
-      </p:nvGrpSpPr>
-      <p:grpSpPr>
-        <a:xfrm>
-          <a:off x="0" y="0"/>
-          <a:ext cx="0" cy="0"/>
-          <a:chOff x="0" y="0"/>
-          <a:chExt cx="0" cy="0"/>
-        </a:xfrm>
-      </p:grpSpPr>
-      <p:sp>
-        <p:nvSpPr>
-          <p:cNvPr id="4" name="Title 3"/>
-          <p:cNvSpPr>
-            <a:spLocks noGrp="1"/>
-          </p:cNvSpPr>
-          <p:nvPr>
-            <p:ph type="title"/>
-          </p:nvPr>
-        </p:nvSpPr>
-        <p:spPr/>
-        <p:txBody>
-          <a:bodyPr/>
-          <a:lstStyle/>
-          <a:p>
-            <a:r>
-              <a:rPr lang="en-US" dirty="0" smtClean="0"/>
-              <a:t>Problem – Dead Code Elimination</a:t>
-            </a:r>
-            <a:br>
-              <a:rPr lang="en-US" dirty="0" smtClean="0"/>
-            </a:br>
-            <a:r>
-              <a:rPr lang="en-US" dirty="0" smtClean="0"/>
-              <a:t>Answer – </a:t>
-            </a:r>
-            <a:r>
-              <a:rPr lang="en-US" dirty="0" err="1" smtClean="0"/>
-              <a:t>Blackholes</a:t>
-            </a:r>
-            <a:endParaRPr lang="en-US" dirty="0"/>
-          </a:p>
-        </p:txBody>
-      </p:sp>
-      <p:sp>
-        <p:nvSpPr>
-          <p:cNvPr id="5" name="Text Placeholder 4"/>
-          <p:cNvSpPr>
-            <a:spLocks noGrp="1"/>
-          </p:cNvSpPr>
-          <p:nvPr>
-            <p:ph type="body" idx="1"/>
-          </p:nvPr>
-        </p:nvSpPr>
-        <p:spPr/>
-        <p:txBody>
-          <a:bodyPr/>
-          <a:lstStyle/>
-          <a:p>
-            <a:endParaRPr lang="en-US"/>
-          </a:p>
-        </p:txBody>
-      </p:sp>
-    </p:spTree>
-    <p:extLst>
-      <p:ext uri="{BB962C8B-B14F-4D97-AF65-F5344CB8AC3E}">
-        <p14:creationId xmlns:p14="http://schemas.microsoft.com/office/powerpoint/2010/main" val="3492618634"/>
-      </p:ext>
-    </p:extLst>
-  </p:cSld>
-  <p:clrMapOvr>
-    <a:masterClrMapping/>
-  </p:clrMapOvr>
-</p:sld>
-</file>
-
 <file path=ppt/slides/slide3.xml><?xml version="1.0" encoding="utf-8"?>
 <p:sld xmlns:a="http://schemas.openxmlformats.org/drawingml/2006/main" xmlns:r="http://schemas.openxmlformats.org/officeDocument/2006/relationships" xmlns:p="http://schemas.openxmlformats.org/presentationml/2006/main">
   <p:cSld>
@@ -17242,6 +17690,89 @@
       </p:grpSpPr>
       <p:sp>
         <p:nvSpPr>
+          <p:cNvPr id="4" name="Title 3"/>
+          <p:cNvSpPr>
+            <a:spLocks noGrp="1"/>
+          </p:cNvSpPr>
+          <p:nvPr>
+            <p:ph type="title"/>
+          </p:nvPr>
+        </p:nvSpPr>
+        <p:spPr/>
+        <p:txBody>
+          <a:bodyPr/>
+          <a:lstStyle/>
+          <a:p>
+            <a:r>
+              <a:rPr lang="en-US" dirty="0" smtClean="0"/>
+              <a:t>Problem – Dead Code Elimination</a:t>
+            </a:r>
+            <a:br>
+              <a:rPr lang="en-US" dirty="0" smtClean="0"/>
+            </a:br>
+            <a:r>
+              <a:rPr lang="en-US" dirty="0" smtClean="0"/>
+              <a:t>Answer – </a:t>
+            </a:r>
+            <a:r>
+              <a:rPr lang="en-US" dirty="0" err="1" smtClean="0"/>
+              <a:t>Blackholes</a:t>
+            </a:r>
+            <a:endParaRPr lang="en-US" dirty="0"/>
+          </a:p>
+        </p:txBody>
+      </p:sp>
+      <p:sp>
+        <p:nvSpPr>
+          <p:cNvPr id="5" name="Text Placeholder 4"/>
+          <p:cNvSpPr>
+            <a:spLocks noGrp="1"/>
+          </p:cNvSpPr>
+          <p:nvPr>
+            <p:ph type="body" idx="1"/>
+          </p:nvPr>
+        </p:nvSpPr>
+        <p:spPr/>
+        <p:txBody>
+          <a:bodyPr/>
+          <a:lstStyle/>
+          <a:p>
+            <a:endParaRPr lang="en-US"/>
+          </a:p>
+        </p:txBody>
+      </p:sp>
+    </p:spTree>
+    <p:extLst>
+      <p:ext uri="{BB962C8B-B14F-4D97-AF65-F5344CB8AC3E}">
+        <p14:creationId xmlns:p14="http://schemas.microsoft.com/office/powerpoint/2010/main" val="3492618634"/>
+      </p:ext>
+    </p:extLst>
+  </p:cSld>
+  <p:clrMapOvr>
+    <a:masterClrMapping/>
+  </p:clrMapOvr>
+</p:sld>
+</file>
+
+<file path=ppt/slides/slide31.xml><?xml version="1.0" encoding="utf-8"?>
+<p:sld xmlns:a="http://schemas.openxmlformats.org/drawingml/2006/main" xmlns:r="http://schemas.openxmlformats.org/officeDocument/2006/relationships" xmlns:p="http://schemas.openxmlformats.org/presentationml/2006/main">
+  <p:cSld>
+    <p:spTree>
+      <p:nvGrpSpPr>
+        <p:cNvPr id="1" name=""/>
+        <p:cNvGrpSpPr/>
+        <p:nvPr/>
+      </p:nvGrpSpPr>
+      <p:grpSpPr>
+        <a:xfrm>
+          <a:off x="0" y="0"/>
+          <a:ext cx="0" cy="0"/>
+          <a:chOff x="0" y="0"/>
+          <a:chExt cx="0" cy="0"/>
+        </a:xfrm>
+      </p:grpSpPr>
+      <p:sp>
+        <p:nvSpPr>
           <p:cNvPr id="2" name="Title 1"/>
           <p:cNvSpPr>
             <a:spLocks noGrp="1"/>
@@ -17293,11 +17824,7 @@
           <a:p>
             <a:r>
               <a:rPr lang="en-US" dirty="0" smtClean="0"/>
-              <a:t>Avoid </a:t>
-            </a:r>
-            <a:r>
-              <a:rPr lang="en-US" dirty="0" smtClean="0"/>
-              <a:t>possibility of dead code elimination</a:t>
+              <a:t>Avoid possibility of dead code elimination</a:t>
             </a:r>
           </a:p>
           <a:p>
@@ -17317,16 +17844,11 @@
               <a:rPr lang="en-US" dirty="0" smtClean="0"/>
               <a:t>o information escapes to the JIT as to whether or not the value is actually used afterwards – so must assume it is used</a:t>
             </a:r>
-            <a:endParaRPr lang="en-US" dirty="0" smtClean="0"/>
-          </a:p>
-          <a:p>
-            <a:r>
-              <a:rPr lang="en-US" dirty="0" smtClean="0"/>
-              <a:t>Instances </a:t>
-            </a:r>
-            <a:r>
-              <a:rPr lang="en-US" dirty="0" smtClean="0"/>
-              <a:t>are </a:t>
+          </a:p>
+          <a:p>
+            <a:r>
+              <a:rPr lang="en-US" dirty="0" smtClean="0"/>
+              <a:t>Instances are </a:t>
             </a:r>
             <a:r>
               <a:rPr lang="en-US" dirty="0"/>
@@ -17334,11 +17856,7 @@
             </a:r>
             <a:r>
               <a:rPr lang="en-US" dirty="0" smtClean="0"/>
-              <a:t>utomatically injected into your @Benchmark method calls </a:t>
-            </a:r>
-            <a:r>
-              <a:rPr lang="en-US" dirty="0" smtClean="0"/>
-              <a:t>for any arguments of this type</a:t>
+              <a:t>utomatically injected into your @Benchmark method calls for any arguments of this type</a:t>
             </a:r>
           </a:p>
           <a:p>
@@ -17355,15 +17873,7 @@
           <a:p>
             <a:r>
               <a:rPr lang="en-US" dirty="0" smtClean="0"/>
-              <a:t>But </a:t>
-            </a:r>
-            <a:r>
-              <a:rPr lang="en-US" dirty="0" smtClean="0"/>
-              <a:t>how does it work</a:t>
-            </a:r>
-            <a:r>
-              <a:rPr lang="en-US" dirty="0" smtClean="0"/>
-              <a:t>????????????????</a:t>
+              <a:t>But how does it work????????????????</a:t>
             </a:r>
             <a:endParaRPr lang="en-US" dirty="0"/>
           </a:p>
@@ -17389,7 +17899,7 @@
 </p:sld>
 </file>
 
-<file path=ppt/slides/slide31.xml><?xml version="1.0" encoding="utf-8"?>
+<file path=ppt/slides/slide32.xml><?xml version="1.0" encoding="utf-8"?>
 <p:sld xmlns:a="http://schemas.openxmlformats.org/drawingml/2006/main" xmlns:r="http://schemas.openxmlformats.org/officeDocument/2006/relationships" xmlns:p="http://schemas.openxmlformats.org/presentationml/2006/main">
   <p:cSld>
     <p:spTree>
@@ -17478,87 +17988,6 @@
 </p:sld>
 </file>
 
-<file path=ppt/slides/slide32.xml><?xml version="1.0" encoding="utf-8"?>
-<p:sld xmlns:a="http://schemas.openxmlformats.org/drawingml/2006/main" xmlns:r="http://schemas.openxmlformats.org/officeDocument/2006/relationships" xmlns:p="http://schemas.openxmlformats.org/presentationml/2006/main">
-  <p:cSld>
-    <p:spTree>
-      <p:nvGrpSpPr>
-        <p:cNvPr id="1" name=""/>
-        <p:cNvGrpSpPr/>
-        <p:nvPr/>
-      </p:nvGrpSpPr>
-      <p:grpSpPr>
-        <a:xfrm>
-          <a:off x="0" y="0"/>
-          <a:ext cx="0" cy="0"/>
-          <a:chOff x="0" y="0"/>
-          <a:chExt cx="0" cy="0"/>
-        </a:xfrm>
-      </p:grpSpPr>
-      <p:sp>
-        <p:nvSpPr>
-          <p:cNvPr id="4" name="Title 3"/>
-          <p:cNvSpPr>
-            <a:spLocks noGrp="1"/>
-          </p:cNvSpPr>
-          <p:nvPr>
-            <p:ph type="title"/>
-          </p:nvPr>
-        </p:nvSpPr>
-        <p:spPr/>
-        <p:txBody>
-          <a:bodyPr>
-            <a:normAutofit/>
-          </a:bodyPr>
-          <a:lstStyle/>
-          <a:p>
-            <a:r>
-              <a:rPr lang="en-US" sz="5600" dirty="0" smtClean="0"/>
-              <a:t>Problem – Method Dispatch Effects</a:t>
-            </a:r>
-            <a:br>
-              <a:rPr lang="en-US" sz="5600" dirty="0" smtClean="0"/>
-            </a:br>
-            <a:r>
-              <a:rPr lang="en-US" sz="5600" dirty="0" smtClean="0"/>
-              <a:t>Answer – JMH Isolates Classes</a:t>
-            </a:r>
-            <a:endParaRPr lang="en-US" sz="5600" dirty="0"/>
-          </a:p>
-        </p:txBody>
-      </p:sp>
-      <p:sp>
-        <p:nvSpPr>
-          <p:cNvPr id="5" name="Text Placeholder 4"/>
-          <p:cNvSpPr>
-            <a:spLocks noGrp="1"/>
-          </p:cNvSpPr>
-          <p:nvPr>
-            <p:ph type="body" idx="1"/>
-          </p:nvPr>
-        </p:nvSpPr>
-        <p:spPr/>
-        <p:txBody>
-          <a:bodyPr/>
-          <a:lstStyle/>
-          <a:p>
-            <a:endParaRPr lang="en-US"/>
-          </a:p>
-        </p:txBody>
-      </p:sp>
-    </p:spTree>
-    <p:extLst>
-      <p:ext uri="{BB962C8B-B14F-4D97-AF65-F5344CB8AC3E}">
-        <p14:creationId xmlns:p14="http://schemas.microsoft.com/office/powerpoint/2010/main" val="2066432178"/>
-      </p:ext>
-    </p:extLst>
-  </p:cSld>
-  <p:clrMapOvr>
-    <a:masterClrMapping/>
-  </p:clrMapOvr>
-</p:sld>
-</file>
-
 <file path=ppt/slides/slide33.xml><?xml version="1.0" encoding="utf-8"?>
 <p:sld xmlns:a="http://schemas.openxmlformats.org/drawingml/2006/main" xmlns:r="http://schemas.openxmlformats.org/officeDocument/2006/relationships" xmlns:p="http://schemas.openxmlformats.org/presentationml/2006/main">
   <p:cSld>
@@ -17578,12 +18007,44 @@
       </p:grpSpPr>
       <p:sp>
         <p:nvSpPr>
-          <p:cNvPr id="2" name="Title 1"/>
+          <p:cNvPr id="4" name="Title 3"/>
           <p:cNvSpPr>
             <a:spLocks noGrp="1"/>
           </p:cNvSpPr>
           <p:nvPr>
             <p:ph type="title"/>
+          </p:nvPr>
+        </p:nvSpPr>
+        <p:spPr/>
+        <p:txBody>
+          <a:bodyPr>
+            <a:normAutofit/>
+          </a:bodyPr>
+          <a:lstStyle/>
+          <a:p>
+            <a:r>
+              <a:rPr lang="en-US" sz="5600" dirty="0" smtClean="0"/>
+              <a:t>Problem – Method Dispatch Effects</a:t>
+            </a:r>
+            <a:br>
+              <a:rPr lang="en-US" sz="5600" dirty="0" smtClean="0"/>
+            </a:br>
+            <a:r>
+              <a:rPr lang="en-US" sz="5600" dirty="0" smtClean="0"/>
+              <a:t>Answer – JMH Isolates Classes</a:t>
+            </a:r>
+            <a:endParaRPr lang="en-US" sz="5600" dirty="0"/>
+          </a:p>
+        </p:txBody>
+      </p:sp>
+      <p:sp>
+        <p:nvSpPr>
+          <p:cNvPr id="5" name="Text Placeholder 4"/>
+          <p:cNvSpPr>
+            <a:spLocks noGrp="1"/>
+          </p:cNvSpPr>
+          <p:nvPr>
+            <p:ph type="body" idx="1"/>
           </p:nvPr>
         </p:nvSpPr>
         <p:spPr/>
@@ -17591,22 +18052,48 @@
           <a:bodyPr/>
           <a:lstStyle/>
           <a:p>
-            <a:r>
-              <a:rPr lang="en-US" dirty="0" smtClean="0"/>
-              <a:t>JMH Helps Avoid Profiling</a:t>
-            </a:r>
-            <a:endParaRPr lang="en-US" dirty="0"/>
-          </a:p>
-        </p:txBody>
-      </p:sp>
-      <p:sp>
-        <p:nvSpPr>
-          <p:cNvPr id="3" name="Content Placeholder 2"/>
-          <p:cNvSpPr>
-            <a:spLocks noGrp="1"/>
-          </p:cNvSpPr>
-          <p:nvPr>
-            <p:ph idx="1"/>
+            <a:endParaRPr lang="en-US"/>
+          </a:p>
+        </p:txBody>
+      </p:sp>
+    </p:spTree>
+    <p:extLst>
+      <p:ext uri="{BB962C8B-B14F-4D97-AF65-F5344CB8AC3E}">
+        <p14:creationId xmlns:p14="http://schemas.microsoft.com/office/powerpoint/2010/main" val="2066432178"/>
+      </p:ext>
+    </p:extLst>
+  </p:cSld>
+  <p:clrMapOvr>
+    <a:masterClrMapping/>
+  </p:clrMapOvr>
+</p:sld>
+</file>
+
+<file path=ppt/slides/slide34.xml><?xml version="1.0" encoding="utf-8"?>
+<p:sld xmlns:a="http://schemas.openxmlformats.org/drawingml/2006/main" xmlns:r="http://schemas.openxmlformats.org/officeDocument/2006/relationships" xmlns:p="http://schemas.openxmlformats.org/presentationml/2006/main">
+  <p:cSld>
+    <p:spTree>
+      <p:nvGrpSpPr>
+        <p:cNvPr id="1" name=""/>
+        <p:cNvGrpSpPr/>
+        <p:nvPr/>
+      </p:nvGrpSpPr>
+      <p:grpSpPr>
+        <a:xfrm>
+          <a:off x="0" y="0"/>
+          <a:ext cx="0" cy="0"/>
+          <a:chOff x="0" y="0"/>
+          <a:chExt cx="0" cy="0"/>
+        </a:xfrm>
+      </p:grpSpPr>
+      <p:sp>
+        <p:nvSpPr>
+          <p:cNvPr id="2" name="Title 1"/>
+          <p:cNvSpPr>
+            <a:spLocks noGrp="1"/>
+          </p:cNvSpPr>
+          <p:nvPr>
+            <p:ph type="title"/>
           </p:nvPr>
         </p:nvSpPr>
         <p:spPr/>
@@ -17616,6 +18103,29 @@
           <a:p>
             <a:r>
               <a:rPr lang="en-US" dirty="0" smtClean="0"/>
+              <a:t>JMH Helps Avoid Profiling</a:t>
+            </a:r>
+            <a:endParaRPr lang="en-US" dirty="0"/>
+          </a:p>
+        </p:txBody>
+      </p:sp>
+      <p:sp>
+        <p:nvSpPr>
+          <p:cNvPr id="3" name="Content Placeholder 2"/>
+          <p:cNvSpPr>
+            <a:spLocks noGrp="1"/>
+          </p:cNvSpPr>
+          <p:nvPr>
+            <p:ph idx="1"/>
+          </p:nvPr>
+        </p:nvSpPr>
+        <p:spPr/>
+        <p:txBody>
+          <a:bodyPr/>
+          <a:lstStyle/>
+          <a:p>
+            <a:r>
+              <a:rPr lang="en-US" dirty="0" smtClean="0"/>
               <a:t>JVM “profiles”</a:t>
             </a:r>
           </a:p>
@@ -17623,11 +18133,7 @@
             <a:pPr lvl="1"/>
             <a:r>
               <a:rPr lang="en-US" dirty="0" smtClean="0"/>
-              <a:t>Information about loaded classes and their execution </a:t>
-            </a:r>
-            <a:r>
-              <a:rPr lang="en-US" dirty="0" smtClean="0"/>
-              <a:t>information</a:t>
+              <a:t>Information about loaded classes and their execution information</a:t>
             </a:r>
           </a:p>
           <a:p>
@@ -17657,7 +18163,6 @@
               <a:rPr lang="en-US" dirty="0" smtClean="0"/>
               <a:t>Benchmark</a:t>
             </a:r>
-            <a:endParaRPr lang="en-US" dirty="0" smtClean="0"/>
           </a:p>
           <a:p>
             <a:pPr lvl="1"/>
@@ -17686,11 +18191,7 @@
           <a:p>
             <a:r>
               <a:rPr lang="en-US" dirty="0" smtClean="0"/>
-              <a:t>Do not set forks to </a:t>
-            </a:r>
-            <a:r>
-              <a:rPr lang="en-US" dirty="0" smtClean="0"/>
-              <a:t>0, or else these problems will </a:t>
+              <a:t>Do not set forks to 0, or else these problems will </a:t>
             </a:r>
             <a:r>
               <a:rPr lang="en-US" dirty="0" err="1" smtClean="0"/>
@@ -17720,116 +18221,6 @@
 </p:sld>
 </file>
 
-<file path=ppt/slides/slide34.xml><?xml version="1.0" encoding="utf-8"?>
-<p:sld xmlns:a="http://schemas.openxmlformats.org/drawingml/2006/main" xmlns:r="http://schemas.openxmlformats.org/officeDocument/2006/relationships" xmlns:p="http://schemas.openxmlformats.org/presentationml/2006/main">
-  <p:cSld>
-    <p:spTree>
-      <p:nvGrpSpPr>
-        <p:cNvPr id="1" name=""/>
-        <p:cNvGrpSpPr/>
-        <p:nvPr/>
-      </p:nvGrpSpPr>
-      <p:grpSpPr>
-        <a:xfrm>
-          <a:off x="0" y="0"/>
-          <a:ext cx="0" cy="0"/>
-          <a:chOff x="0" y="0"/>
-          <a:chExt cx="0" cy="0"/>
-        </a:xfrm>
-      </p:grpSpPr>
-      <p:sp>
-        <p:nvSpPr>
-          <p:cNvPr id="4" name="Title 3"/>
-          <p:cNvSpPr>
-            <a:spLocks noGrp="1"/>
-          </p:cNvSpPr>
-          <p:nvPr>
-            <p:ph type="title"/>
-          </p:nvPr>
-        </p:nvSpPr>
-        <p:spPr/>
-        <p:txBody>
-          <a:bodyPr/>
-          <a:lstStyle/>
-          <a:p>
-            <a:r>
-              <a:rPr lang="en-US" dirty="0"/>
-              <a:t>Demo – </a:t>
-            </a:r>
-            <a:r>
-              <a:rPr lang="en-US" dirty="0" err="1" smtClean="0"/>
-              <a:t>Inlining</a:t>
-            </a:r>
-            <a:r>
-              <a:rPr lang="en-US" dirty="0" smtClean="0"/>
-              <a:t> (Demo-02)</a:t>
-            </a:r>
-            <a:endParaRPr lang="en-US" dirty="0"/>
-          </a:p>
-        </p:txBody>
-      </p:sp>
-      <p:sp>
-        <p:nvSpPr>
-          <p:cNvPr id="5" name="Content Placeholder 4"/>
-          <p:cNvSpPr>
-            <a:spLocks noGrp="1"/>
-          </p:cNvSpPr>
-          <p:nvPr>
-            <p:ph idx="1"/>
-          </p:nvPr>
-        </p:nvSpPr>
-        <p:spPr/>
-        <p:txBody>
-          <a:bodyPr/>
-          <a:lstStyle/>
-          <a:p>
-            <a:r>
-              <a:rPr lang="en-US" dirty="0"/>
-              <a:t>Goal – measure the </a:t>
-            </a:r>
-            <a:r>
-              <a:rPr lang="en-US" dirty="0" smtClean="0"/>
-              <a:t>savings of method </a:t>
-            </a:r>
-            <a:r>
-              <a:rPr lang="en-US" dirty="0" err="1" smtClean="0"/>
-              <a:t>inlining</a:t>
-            </a:r>
-            <a:endParaRPr lang="en-US" dirty="0"/>
-          </a:p>
-          <a:p>
-            <a:r>
-              <a:rPr lang="en-US" dirty="0"/>
-              <a:t>Baseline method </a:t>
-            </a:r>
-            <a:r>
-              <a:rPr lang="en-US" dirty="0" smtClean="0"/>
-              <a:t>– call identical methods on an identical class which is guaranteed NOT to be </a:t>
-            </a:r>
-            <a:r>
-              <a:rPr lang="en-US" dirty="0" err="1" smtClean="0"/>
-              <a:t>inlined</a:t>
-            </a:r>
-            <a:endParaRPr lang="en-US" dirty="0"/>
-          </a:p>
-          <a:p>
-            <a:endParaRPr lang="en-US" dirty="0"/>
-          </a:p>
-        </p:txBody>
-      </p:sp>
-    </p:spTree>
-    <p:extLst>
-      <p:ext uri="{BB962C8B-B14F-4D97-AF65-F5344CB8AC3E}">
-        <p14:creationId xmlns:p14="http://schemas.microsoft.com/office/powerpoint/2010/main" val="4172053485"/>
-      </p:ext>
-    </p:extLst>
-  </p:cSld>
-  <p:clrMapOvr>
-    <a:masterClrMapping/>
-  </p:clrMapOvr>
-</p:sld>
-</file>
-
 <file path=ppt/slides/slide35.xml><?xml version="1.0" encoding="utf-8"?>
 <p:sld xmlns:a="http://schemas.openxmlformats.org/drawingml/2006/main" xmlns:r="http://schemas.openxmlformats.org/officeDocument/2006/relationships" xmlns:p="http://schemas.openxmlformats.org/presentationml/2006/main">
   <p:cSld>
@@ -17864,6 +18255,128 @@
           <a:p>
             <a:r>
               <a:rPr lang="en-US" dirty="0"/>
+              <a:t>Demo – </a:t>
+            </a:r>
+            <a:r>
+              <a:rPr lang="en-US" dirty="0" err="1" smtClean="0"/>
+              <a:t>Inlining</a:t>
+            </a:r>
+            <a:r>
+              <a:rPr lang="en-US" dirty="0" smtClean="0"/>
+              <a:t> </a:t>
+            </a:r>
+            <a:r>
+              <a:rPr lang="en-US" dirty="0" smtClean="0"/>
+              <a:t>(demo-</a:t>
+            </a:r>
+            <a:r>
+              <a:rPr lang="en-US" dirty="0" err="1" smtClean="0"/>
+              <a:t>compilercontrol</a:t>
+            </a:r>
+            <a:r>
+              <a:rPr lang="en-US" dirty="0" smtClean="0"/>
+              <a:t>)</a:t>
+            </a:r>
+            <a:endParaRPr lang="en-US" dirty="0"/>
+          </a:p>
+        </p:txBody>
+      </p:sp>
+      <p:sp>
+        <p:nvSpPr>
+          <p:cNvPr id="5" name="Content Placeholder 4"/>
+          <p:cNvSpPr>
+            <a:spLocks noGrp="1"/>
+          </p:cNvSpPr>
+          <p:nvPr>
+            <p:ph idx="1"/>
+          </p:nvPr>
+        </p:nvSpPr>
+        <p:spPr/>
+        <p:txBody>
+          <a:bodyPr/>
+          <a:lstStyle/>
+          <a:p>
+            <a:r>
+              <a:rPr lang="en-US" dirty="0"/>
+              <a:t>Goal – measure the </a:t>
+            </a:r>
+            <a:r>
+              <a:rPr lang="en-US" dirty="0" smtClean="0"/>
+              <a:t>savings of method </a:t>
+            </a:r>
+            <a:r>
+              <a:rPr lang="en-US" dirty="0" err="1" smtClean="0"/>
+              <a:t>inlining</a:t>
+            </a:r>
+            <a:endParaRPr lang="en-US" dirty="0"/>
+          </a:p>
+          <a:p>
+            <a:r>
+              <a:rPr lang="en-US" dirty="0"/>
+              <a:t>Baseline method </a:t>
+            </a:r>
+            <a:r>
+              <a:rPr lang="en-US" dirty="0" smtClean="0"/>
+              <a:t>– call identical methods on an identical class which is guaranteed NOT to be </a:t>
+            </a:r>
+            <a:r>
+              <a:rPr lang="en-US" dirty="0" err="1" smtClean="0"/>
+              <a:t>inlined</a:t>
+            </a:r>
+            <a:endParaRPr lang="en-US" dirty="0"/>
+          </a:p>
+          <a:p>
+            <a:endParaRPr lang="en-US" dirty="0"/>
+          </a:p>
+        </p:txBody>
+      </p:sp>
+    </p:spTree>
+    <p:extLst>
+      <p:ext uri="{BB962C8B-B14F-4D97-AF65-F5344CB8AC3E}">
+        <p14:creationId xmlns:p14="http://schemas.microsoft.com/office/powerpoint/2010/main" val="4172053485"/>
+      </p:ext>
+    </p:extLst>
+  </p:cSld>
+  <p:clrMapOvr>
+    <a:masterClrMapping/>
+  </p:clrMapOvr>
+</p:sld>
+</file>
+
+<file path=ppt/slides/slide36.xml><?xml version="1.0" encoding="utf-8"?>
+<p:sld xmlns:a="http://schemas.openxmlformats.org/drawingml/2006/main" xmlns:r="http://schemas.openxmlformats.org/officeDocument/2006/relationships" xmlns:p="http://schemas.openxmlformats.org/presentationml/2006/main">
+  <p:cSld>
+    <p:spTree>
+      <p:nvGrpSpPr>
+        <p:cNvPr id="1" name=""/>
+        <p:cNvGrpSpPr/>
+        <p:nvPr/>
+      </p:nvGrpSpPr>
+      <p:grpSpPr>
+        <a:xfrm>
+          <a:off x="0" y="0"/>
+          <a:ext cx="0" cy="0"/>
+          <a:chOff x="0" y="0"/>
+          <a:chExt cx="0" cy="0"/>
+        </a:xfrm>
+      </p:grpSpPr>
+      <p:sp>
+        <p:nvSpPr>
+          <p:cNvPr id="4" name="Title 3"/>
+          <p:cNvSpPr>
+            <a:spLocks noGrp="1"/>
+          </p:cNvSpPr>
+          <p:nvPr>
+            <p:ph type="title"/>
+          </p:nvPr>
+        </p:nvSpPr>
+        <p:spPr/>
+        <p:txBody>
+          <a:bodyPr/>
+          <a:lstStyle/>
+          <a:p>
+            <a:r>
+              <a:rPr lang="en-US" dirty="0"/>
               <a:t>Problem – </a:t>
             </a:r>
             <a:r>
@@ -17925,7 +18438,7 @@
 </p:sld>
 </file>
 
-<file path=ppt/slides/slide36.xml><?xml version="1.0" encoding="utf-8"?>
+<file path=ppt/slides/slide37.xml><?xml version="1.0" encoding="utf-8"?>
 <p:sld xmlns:a="http://schemas.openxmlformats.org/drawingml/2006/main" xmlns:r="http://schemas.openxmlformats.org/officeDocument/2006/relationships" xmlns:p="http://schemas.openxmlformats.org/presentationml/2006/main">
   <p:cSld>
     <p:spTree>
@@ -18256,89 +18769,6 @@
 </p:sld>
 </file>
 
-<file path=ppt/slides/slide37.xml><?xml version="1.0" encoding="utf-8"?>
-<p:sld xmlns:a="http://schemas.openxmlformats.org/drawingml/2006/main" xmlns:r="http://schemas.openxmlformats.org/officeDocument/2006/relationships" xmlns:p="http://schemas.openxmlformats.org/presentationml/2006/main">
-  <p:cSld>
-    <p:spTree>
-      <p:nvGrpSpPr>
-        <p:cNvPr id="1" name=""/>
-        <p:cNvGrpSpPr/>
-        <p:nvPr/>
-      </p:nvGrpSpPr>
-      <p:grpSpPr>
-        <a:xfrm>
-          <a:off x="0" y="0"/>
-          <a:ext cx="0" cy="0"/>
-          <a:chOff x="0" y="0"/>
-          <a:chExt cx="0" cy="0"/>
-        </a:xfrm>
-      </p:grpSpPr>
-      <p:sp>
-        <p:nvSpPr>
-          <p:cNvPr id="4" name="Title 3"/>
-          <p:cNvSpPr>
-            <a:spLocks noGrp="1"/>
-          </p:cNvSpPr>
-          <p:nvPr>
-            <p:ph type="title"/>
-          </p:nvPr>
-        </p:nvSpPr>
-        <p:spPr/>
-        <p:txBody>
-          <a:bodyPr/>
-          <a:lstStyle/>
-          <a:p>
-            <a:r>
-              <a:rPr lang="en-US" dirty="0"/>
-              <a:t>Problem – Loop </a:t>
-            </a:r>
-            <a:r>
-              <a:rPr lang="en-US" dirty="0" smtClean="0"/>
-              <a:t>Unrolling</a:t>
-            </a:r>
-            <a:br>
-              <a:rPr lang="en-US" dirty="0" smtClean="0"/>
-            </a:br>
-            <a:r>
-              <a:rPr lang="en-US" dirty="0" smtClean="0"/>
-              <a:t>Answer – Avoid Numeric Loops</a:t>
-            </a:r>
-            <a:endParaRPr lang="en-US" dirty="0"/>
-          </a:p>
-        </p:txBody>
-      </p:sp>
-      <p:sp>
-        <p:nvSpPr>
-          <p:cNvPr id="5" name="Text Placeholder 4"/>
-          <p:cNvSpPr>
-            <a:spLocks noGrp="1"/>
-          </p:cNvSpPr>
-          <p:nvPr>
-            <p:ph type="body" idx="1"/>
-          </p:nvPr>
-        </p:nvSpPr>
-        <p:spPr/>
-        <p:txBody>
-          <a:bodyPr/>
-          <a:lstStyle/>
-          <a:p>
-            <a:endParaRPr lang="en-US"/>
-          </a:p>
-        </p:txBody>
-      </p:sp>
-    </p:spTree>
-    <p:extLst>
-      <p:ext uri="{BB962C8B-B14F-4D97-AF65-F5344CB8AC3E}">
-        <p14:creationId xmlns:p14="http://schemas.microsoft.com/office/powerpoint/2010/main" val="252351407"/>
-      </p:ext>
-    </p:extLst>
-  </p:cSld>
-  <p:clrMapOvr>
-    <a:masterClrMapping/>
-  </p:clrMapOvr>
-</p:sld>
-</file>
-
 <file path=ppt/slides/slide38.xml><?xml version="1.0" encoding="utf-8"?>
 <p:sld xmlns:a="http://schemas.openxmlformats.org/drawingml/2006/main" xmlns:r="http://schemas.openxmlformats.org/officeDocument/2006/relationships" xmlns:p="http://schemas.openxmlformats.org/presentationml/2006/main">
   <p:cSld>
@@ -18358,7 +18788,7 @@
       </p:grpSpPr>
       <p:sp>
         <p:nvSpPr>
-          <p:cNvPr id="2" name="Title 1"/>
+          <p:cNvPr id="4" name="Title 3"/>
           <p:cNvSpPr>
             <a:spLocks noGrp="1"/>
           </p:cNvSpPr>
@@ -18372,12 +18802,19 @@
           <a:lstStyle/>
           <a:p>
             <a:r>
-              <a:rPr lang="en-US" dirty="0" smtClean="0"/>
-              <a:t>Problem </a:t>
-            </a:r>
-            <a:r>
-              <a:rPr lang="en-US" dirty="0" smtClean="0"/>
-              <a:t>– Loop Unrolling</a:t>
+              <a:rPr lang="en-US" dirty="0"/>
+              <a:t>Problem – Loop </a:t>
+            </a:r>
+            <a:r>
+              <a:rPr lang="en-US" dirty="0" smtClean="0"/>
+              <a:t>Unrolling</a:t>
+            </a:r>
+            <a:br>
+              <a:rPr lang="en-US" dirty="0" smtClean="0"/>
+            </a:br>
+            <a:r>
+              <a:rPr lang="en-US" dirty="0" smtClean="0"/>
+              <a:t>Answer – Avoid Numeric Loops</a:t>
             </a:r>
             <a:endParaRPr lang="en-US" dirty="0"/>
           </a:p>
@@ -18385,12 +18822,12 @@
       </p:sp>
       <p:sp>
         <p:nvSpPr>
-          <p:cNvPr id="3" name="Content Placeholder 2"/>
-          <p:cNvSpPr>
-            <a:spLocks noGrp="1"/>
-          </p:cNvSpPr>
-          <p:nvPr>
-            <p:ph idx="1"/>
+          <p:cNvPr id="5" name="Text Placeholder 4"/>
+          <p:cNvSpPr>
+            <a:spLocks noGrp="1"/>
+          </p:cNvSpPr>
+          <p:nvPr>
+            <p:ph type="body" idx="1"/>
           </p:nvPr>
         </p:nvSpPr>
         <p:spPr/>
@@ -18398,55 +18835,20 @@
           <a:bodyPr/>
           <a:lstStyle/>
           <a:p>
-            <a:r>
-              <a:rPr lang="en-US" dirty="0"/>
-              <a:t>Do not use </a:t>
-            </a:r>
-            <a:r>
-              <a:rPr lang="en-US" dirty="0" smtClean="0"/>
-              <a:t>numerical loops </a:t>
-            </a:r>
-            <a:r>
-              <a:rPr lang="en-US" dirty="0"/>
-              <a:t>in your </a:t>
-            </a:r>
-            <a:r>
-              <a:rPr lang="en-US" dirty="0" smtClean="0"/>
-              <a:t>tests</a:t>
-            </a:r>
-          </a:p>
-          <a:p>
-            <a:r>
-              <a:rPr lang="en-US" dirty="0" smtClean="0"/>
-              <a:t>JIT will try to optimize them away</a:t>
-            </a:r>
-          </a:p>
-          <a:p>
-            <a:r>
-              <a:rPr lang="en-US" dirty="0" smtClean="0"/>
-              <a:t>Test calculation (single operation) as much as possible</a:t>
-            </a:r>
-            <a:endParaRPr lang="en-US" dirty="0"/>
+            <a:endParaRPr lang="en-US"/>
           </a:p>
         </p:txBody>
       </p:sp>
     </p:spTree>
     <p:extLst>
       <p:ext uri="{BB962C8B-B14F-4D97-AF65-F5344CB8AC3E}">
-        <p14:creationId xmlns:p14="http://schemas.microsoft.com/office/powerpoint/2010/main" val="4257981847"/>
+        <p14:creationId xmlns:p14="http://schemas.microsoft.com/office/powerpoint/2010/main" val="252351407"/>
       </p:ext>
     </p:extLst>
   </p:cSld>
   <p:clrMapOvr>
     <a:masterClrMapping/>
   </p:clrMapOvr>
-  <p:timing>
-    <p:tnLst>
-      <p:par>
-        <p:cTn id="1" dur="indefinite" restart="never" nodeType="tmRoot"/>
-      </p:par>
-    </p:tnLst>
-  </p:timing>
 </p:sld>
 </file>
 
@@ -18484,7 +18886,7 @@
           <a:p>
             <a:r>
               <a:rPr lang="en-US" dirty="0" smtClean="0"/>
-              <a:t>There’s More</a:t>
+              <a:t>Problem – Loop Unrolling</a:t>
             </a:r>
             <a:endParaRPr lang="en-US" dirty="0"/>
           </a:p>
@@ -18506,73 +18908,33 @@
           <a:lstStyle/>
           <a:p>
             <a:r>
-              <a:rPr lang="en-US" dirty="0" smtClean="0"/>
-              <a:t>Multithreaded </a:t>
-            </a:r>
-            <a:r>
               <a:rPr lang="en-US" dirty="0"/>
-              <a:t>benchmarks</a:t>
-            </a:r>
-            <a:endParaRPr lang="en-US" dirty="0" smtClean="0"/>
-          </a:p>
-          <a:p>
-            <a:pPr lvl="1"/>
-            <a:r>
-              <a:rPr lang="en-US" dirty="0" smtClean="0"/>
-              <a:t>Groups of threads can have different roles</a:t>
-            </a:r>
-          </a:p>
-          <a:p>
-            <a:r>
-              <a:rPr lang="en-US" dirty="0" smtClean="0"/>
-              <a:t>Parameterized benchmarks</a:t>
-            </a:r>
-          </a:p>
-          <a:p>
-            <a:pPr lvl="1"/>
-            <a:r>
-              <a:rPr lang="en-US" dirty="0" smtClean="0"/>
-              <a:t>Run the same @Benchmark for various input combinations</a:t>
-            </a:r>
-          </a:p>
-          <a:p>
-            <a:r>
-              <a:rPr lang="en-US" dirty="0" smtClean="0"/>
-              <a:t>Batched operations</a:t>
-            </a:r>
-          </a:p>
-          <a:p>
-            <a:r>
-              <a:rPr lang="en-US" dirty="0" smtClean="0"/>
-              <a:t>Profilers </a:t>
-            </a:r>
-          </a:p>
-          <a:p>
-            <a:pPr lvl="1"/>
-            <a:r>
-              <a:rPr lang="en-US" dirty="0" smtClean="0"/>
-              <a:t>Garbage collection (if you didn’t disable it)</a:t>
-            </a:r>
-          </a:p>
-          <a:p>
-            <a:pPr lvl="1"/>
-            <a:r>
-              <a:rPr lang="en-US" dirty="0" smtClean="0"/>
-              <a:t>Most hit methods, instructions</a:t>
-            </a:r>
-          </a:p>
-          <a:p>
-            <a:pPr lvl="1"/>
-            <a:r>
-              <a:rPr lang="en-US" dirty="0" smtClean="0"/>
-              <a:t>Cache hits/misses</a:t>
-            </a:r>
-          </a:p>
-          <a:p>
-            <a:pPr lvl="1"/>
-            <a:endParaRPr lang="en-US" dirty="0" smtClean="0"/>
-          </a:p>
-          <a:p>
+              <a:t>Do not use </a:t>
+            </a:r>
+            <a:r>
+              <a:rPr lang="en-US" dirty="0" smtClean="0"/>
+              <a:t>numerical loops </a:t>
+            </a:r>
+            <a:r>
+              <a:rPr lang="en-US" dirty="0"/>
+              <a:t>in your </a:t>
+            </a:r>
+            <a:r>
+              <a:rPr lang="en-US" dirty="0" smtClean="0"/>
+              <a:t>tests</a:t>
+            </a:r>
+          </a:p>
+          <a:p>
+            <a:r>
+              <a:rPr lang="en-US" dirty="0" smtClean="0"/>
+              <a:t>JIT will try to optimize them away</a:t>
+            </a:r>
+          </a:p>
+          <a:p>
+            <a:r>
+              <a:rPr lang="en-US" dirty="0" smtClean="0"/>
+              <a:t>Test calculation (single operation) as much as possible</a:t>
+            </a:r>
             <a:endParaRPr lang="en-US" dirty="0"/>
           </a:p>
         </p:txBody>
@@ -18580,13 +18942,20 @@
     </p:spTree>
     <p:extLst>
       <p:ext uri="{BB962C8B-B14F-4D97-AF65-F5344CB8AC3E}">
-        <p14:creationId xmlns:p14="http://schemas.microsoft.com/office/powerpoint/2010/main" val="2792925416"/>
+        <p14:creationId xmlns:p14="http://schemas.microsoft.com/office/powerpoint/2010/main" val="4257981847"/>
       </p:ext>
     </p:extLst>
   </p:cSld>
   <p:clrMapOvr>
     <a:masterClrMapping/>
   </p:clrMapOvr>
+  <p:timing>
+    <p:tnLst>
+      <p:par>
+        <p:cTn id="1" dur="indefinite" restart="never" nodeType="tmRoot"/>
+      </p:par>
+    </p:tnLst>
+  </p:timing>
 </p:sld>
 </file>
 
@@ -18790,7 +19159,7 @@
       </p:grpSpPr>
       <p:sp>
         <p:nvSpPr>
-          <p:cNvPr id="2" name="Title 1"/>
+          <p:cNvPr id="6" name="Title 5"/>
           <p:cNvSpPr>
             <a:spLocks noGrp="1"/>
           </p:cNvSpPr>
@@ -18805,7 +19174,7 @@
           <a:p>
             <a:r>
               <a:rPr lang="en-US" dirty="0" smtClean="0"/>
-              <a:t>Further Considerations</a:t>
+              <a:t>Some Interesting Results</a:t>
             </a:r>
             <a:endParaRPr lang="en-US" dirty="0"/>
           </a:p>
@@ -18813,7 +19182,7 @@
       </p:sp>
       <p:sp>
         <p:nvSpPr>
-          <p:cNvPr id="3" name="Content Placeholder 2"/>
+          <p:cNvPr id="7" name="Content Placeholder 6"/>
           <p:cNvSpPr>
             <a:spLocks noGrp="1"/>
           </p:cNvSpPr>
@@ -18825,109 +19194,6 @@
         <p:txBody>
           <a:bodyPr/>
           <a:lstStyle/>
-          <a:p>
-            <a:r>
-              <a:rPr lang="en-US" b="1" dirty="0"/>
-              <a:t>JMH annotations </a:t>
-            </a:r>
-            <a:r>
-              <a:rPr lang="en-US" b="1" dirty="0" err="1"/>
-              <a:t>Javadocs</a:t>
-            </a:r>
-            <a:r>
-              <a:rPr lang="en-US" b="1" dirty="0"/>
-              <a:t> and Samples are essential </a:t>
-            </a:r>
-            <a:r>
-              <a:rPr lang="en-US" b="1" dirty="0" smtClean="0"/>
-              <a:t>reading</a:t>
-            </a:r>
-            <a:endParaRPr lang="en-US" dirty="0" smtClean="0"/>
-          </a:p>
-          <a:p>
-            <a:pPr lvl="1"/>
-            <a:r>
-              <a:rPr lang="en-US" dirty="0" smtClean="0"/>
-              <a:t>Follow </a:t>
-            </a:r>
-            <a:r>
-              <a:rPr lang="en-US" dirty="0"/>
-              <a:t>the JMH samples to get familiar with the API, use cases, culprits, and pitfalls </a:t>
-            </a:r>
-          </a:p>
-          <a:p>
-            <a:r>
-              <a:rPr lang="en-US" b="1" dirty="0" smtClean="0"/>
-              <a:t>Your </a:t>
-            </a:r>
-            <a:r>
-              <a:rPr lang="en-US" b="1" dirty="0"/>
-              <a:t>benchmarks should be </a:t>
-            </a:r>
-            <a:r>
-              <a:rPr lang="en-US" b="1" dirty="0" smtClean="0"/>
-              <a:t>peer-reviewed</a:t>
-            </a:r>
-            <a:endParaRPr lang="en-US" dirty="0" smtClean="0"/>
-          </a:p>
-          <a:p>
-            <a:pPr lvl="1"/>
-            <a:r>
-              <a:rPr lang="en-US" dirty="0" smtClean="0"/>
-              <a:t>JMH does </a:t>
-            </a:r>
-            <a:r>
-              <a:rPr lang="en-US" b="1" dirty="0" smtClean="0"/>
-              <a:t>NOT</a:t>
-            </a:r>
-            <a:r>
-              <a:rPr lang="en-US" dirty="0" smtClean="0"/>
-              <a:t> magically </a:t>
-            </a:r>
-            <a:r>
-              <a:rPr lang="en-US" dirty="0"/>
-              <a:t>free you from considering </a:t>
-            </a:r>
-            <a:r>
-              <a:rPr lang="en-US" dirty="0" smtClean="0"/>
-              <a:t>all benchmarking </a:t>
-            </a:r>
-            <a:r>
-              <a:rPr lang="en-US" dirty="0" smtClean="0"/>
-              <a:t>pitfalls</a:t>
-            </a:r>
-          </a:p>
-          <a:p>
-            <a:pPr lvl="1"/>
-            <a:r>
-              <a:rPr lang="en-US" dirty="0" smtClean="0"/>
-              <a:t>“We </a:t>
-            </a:r>
-            <a:r>
-              <a:rPr lang="en-US" dirty="0"/>
-              <a:t>only promise to make avoiding them easier, not </a:t>
-            </a:r>
-            <a:r>
-              <a:rPr lang="en-US" dirty="0" smtClean="0"/>
-              <a:t>avoid </a:t>
-            </a:r>
-            <a:r>
-              <a:rPr lang="en-US" dirty="0"/>
-              <a:t>them completely</a:t>
-            </a:r>
-            <a:r>
-              <a:rPr lang="en-US" dirty="0" smtClean="0"/>
-              <a:t>.”</a:t>
-            </a:r>
-          </a:p>
-          <a:p>
-            <a:pPr lvl="1"/>
-            <a:r>
-              <a:rPr lang="en-US" dirty="0" smtClean="0"/>
-              <a:t>Have someone else look at the code, consider what they expect to see in terms of relative speed, and compare it to what they actually see</a:t>
-            </a:r>
-            <a:endParaRPr lang="en-US" dirty="0"/>
-          </a:p>
           <a:p>
             <a:endParaRPr lang="en-US" dirty="0"/>
           </a:p>
@@ -18936,20 +19202,13 @@
     </p:spTree>
     <p:extLst>
       <p:ext uri="{BB962C8B-B14F-4D97-AF65-F5344CB8AC3E}">
-        <p14:creationId xmlns:p14="http://schemas.microsoft.com/office/powerpoint/2010/main" val="347531558"/>
+        <p14:creationId xmlns:p14="http://schemas.microsoft.com/office/powerpoint/2010/main" val="1050592308"/>
       </p:ext>
     </p:extLst>
   </p:cSld>
   <p:clrMapOvr>
     <a:masterClrMapping/>
   </p:clrMapOvr>
-  <p:timing>
-    <p:tnLst>
-      <p:par>
-        <p:cTn id="1" dur="indefinite" restart="never" nodeType="tmRoot"/>
-      </p:par>
-    </p:tnLst>
-  </p:timing>
 </p:sld>
 </file>
 
@@ -18982,22 +19241,12 @@
         </p:nvSpPr>
         <p:spPr/>
         <p:txBody>
-          <a:bodyPr>
-            <a:normAutofit/>
-          </a:bodyPr>
+          <a:bodyPr/>
           <a:lstStyle/>
           <a:p>
             <a:r>
               <a:rPr lang="en-US" dirty="0" smtClean="0"/>
-              <a:t>Does </a:t>
-            </a:r>
-            <a:r>
-              <a:rPr lang="en-US" smtClean="0"/>
-              <a:t>Speed Really Matter</a:t>
-            </a:r>
-            <a:r>
-              <a:rPr lang="en-US" dirty="0" smtClean="0"/>
-              <a:t>?</a:t>
+              <a:t>There’s More</a:t>
             </a:r>
             <a:endParaRPr lang="en-US" dirty="0"/>
           </a:p>
@@ -19015,110 +19264,77 @@
         </p:nvSpPr>
         <p:spPr/>
         <p:txBody>
-          <a:bodyPr>
-            <a:normAutofit fontScale="92500" lnSpcReduction="10000"/>
-          </a:bodyPr>
+          <a:bodyPr/>
           <a:lstStyle/>
           <a:p>
             <a:r>
               <a:rPr lang="en-US" dirty="0" smtClean="0"/>
-              <a:t>Wall Clock benchmarking is the only kind your users care about</a:t>
-            </a:r>
-          </a:p>
-          <a:p>
-            <a:r>
-              <a:rPr lang="en-US" dirty="0" err="1" smtClean="0"/>
-              <a:t>Microbenchmarking</a:t>
-            </a:r>
-            <a:r>
-              <a:rPr lang="en-US" dirty="0" smtClean="0"/>
-              <a:t> is educational, though</a:t>
-            </a:r>
-          </a:p>
-          <a:p>
-            <a:r>
-              <a:rPr lang="en-US" dirty="0" smtClean="0"/>
-              <a:t>But more </a:t>
-            </a:r>
-            <a:r>
-              <a:rPr lang="en-US" b="1" dirty="0" smtClean="0">
-                <a:solidFill>
-                  <a:srgbClr val="00B050"/>
-                </a:solidFill>
-              </a:rPr>
-              <a:t>organized, readable </a:t>
-            </a:r>
-            <a:r>
-              <a:rPr lang="en-US" dirty="0" smtClean="0"/>
-              <a:t>and </a:t>
-            </a:r>
-            <a:r>
-              <a:rPr lang="en-US" b="1" dirty="0" smtClean="0">
-                <a:solidFill>
-                  <a:srgbClr val="00B050"/>
-                </a:solidFill>
-              </a:rPr>
-              <a:t>maintainable</a:t>
-            </a:r>
-            <a:r>
-              <a:rPr lang="en-US" dirty="0" smtClean="0">
-                <a:solidFill>
-                  <a:srgbClr val="00B050"/>
-                </a:solidFill>
-              </a:rPr>
-              <a:t> </a:t>
-            </a:r>
-            <a:r>
-              <a:rPr lang="en-US" dirty="0" smtClean="0"/>
-              <a:t>code should almost always be favored over faster code</a:t>
-            </a:r>
-          </a:p>
-          <a:p>
-            <a:r>
-              <a:rPr lang="en-US" dirty="0" smtClean="0"/>
-              <a:t>0.2 sec execution time = 0.002 sec execution time</a:t>
-            </a:r>
+              <a:t>Multithreaded </a:t>
+            </a:r>
+            <a:r>
+              <a:rPr lang="en-US" dirty="0"/>
+              <a:t>benchmarks</a:t>
+            </a:r>
+            <a:endParaRPr lang="en-US" dirty="0" smtClean="0"/>
           </a:p>
           <a:p>
             <a:pPr lvl="1"/>
             <a:r>
               <a:rPr lang="en-US" dirty="0" smtClean="0"/>
-              <a:t>Humans can’t perceive the difference</a:t>
-            </a:r>
-          </a:p>
-          <a:p>
-            <a:r>
-              <a:rPr lang="en-US" dirty="0" smtClean="0"/>
-              <a:t>Don’t worry about giving the computer too much work</a:t>
+              <a:t>Groups of threads can have different roles</a:t>
+            </a:r>
+          </a:p>
+          <a:p>
+            <a:r>
+              <a:rPr lang="en-US" dirty="0" smtClean="0"/>
+              <a:t>Parameterized benchmarks</a:t>
             </a:r>
           </a:p>
           <a:p>
             <a:pPr lvl="1"/>
             <a:r>
               <a:rPr lang="en-US" dirty="0" smtClean="0"/>
-              <a:t>Think of all the times it has frustrated you</a:t>
+              <a:t>Run the same @Benchmark for various input combinations</a:t>
+            </a:r>
+          </a:p>
+          <a:p>
+            <a:r>
+              <a:rPr lang="en-US" dirty="0" smtClean="0"/>
+              <a:t>Batched operations</a:t>
+            </a:r>
+          </a:p>
+          <a:p>
+            <a:r>
+              <a:rPr lang="en-US" dirty="0" smtClean="0"/>
+              <a:t>Profilers </a:t>
             </a:r>
           </a:p>
           <a:p>
             <a:pPr lvl="1"/>
             <a:r>
               <a:rPr lang="en-US" dirty="0" smtClean="0"/>
-              <a:t>It deserves it, really</a:t>
+              <a:t>Garbage collection (if you didn’t disable it)</a:t>
             </a:r>
           </a:p>
           <a:p>
             <a:pPr lvl="1"/>
             <a:r>
               <a:rPr lang="en-US" dirty="0" smtClean="0"/>
-              <a:t>Delay the Machine Uprising</a:t>
+              <a:t>Most hit methods, instructions</a:t>
             </a:r>
           </a:p>
           <a:p>
             <a:pPr lvl="1"/>
             <a:r>
               <a:rPr lang="en-US" dirty="0" smtClean="0"/>
-              <a:t>Show no mercy, as they will show us none</a:t>
-            </a:r>
+              <a:t>Cache hits/misses</a:t>
+            </a:r>
+          </a:p>
+          <a:p>
+            <a:pPr lvl="1"/>
+            <a:endParaRPr lang="en-US" dirty="0" smtClean="0"/>
+          </a:p>
+          <a:p>
             <a:endParaRPr lang="en-US" dirty="0"/>
           </a:p>
         </p:txBody>
@@ -19126,7 +19342,7 @@
     </p:spTree>
     <p:extLst>
       <p:ext uri="{BB962C8B-B14F-4D97-AF65-F5344CB8AC3E}">
-        <p14:creationId xmlns:p14="http://schemas.microsoft.com/office/powerpoint/2010/main" val="817537584"/>
+        <p14:creationId xmlns:p14="http://schemas.microsoft.com/office/powerpoint/2010/main" val="2792925416"/>
       </p:ext>
     </p:extLst>
   </p:cSld>
@@ -19170,7 +19386,7 @@
           <a:p>
             <a:r>
               <a:rPr lang="en-US" dirty="0" smtClean="0"/>
-              <a:t>Conclusion</a:t>
+              <a:t>Further Considerations</a:t>
             </a:r>
             <a:endParaRPr lang="en-US" dirty="0"/>
           </a:p>
@@ -19188,204 +19404,129 @@
         </p:nvSpPr>
         <p:spPr/>
         <p:txBody>
-          <a:bodyPr>
-            <a:normAutofit fontScale="85000" lnSpcReduction="20000"/>
-          </a:bodyPr>
+          <a:bodyPr/>
           <a:lstStyle/>
           <a:p>
             <a:r>
+              <a:rPr lang="en-US" b="1" dirty="0"/>
+              <a:t>JMH annotations </a:t>
+            </a:r>
+            <a:r>
+              <a:rPr lang="en-US" b="1" dirty="0" err="1"/>
+              <a:t>Javadocs</a:t>
+            </a:r>
+            <a:r>
+              <a:rPr lang="en-US" b="1" dirty="0"/>
+              <a:t> and Samples are essential </a:t>
+            </a:r>
+            <a:r>
+              <a:rPr lang="en-US" b="1" dirty="0" smtClean="0"/>
+              <a:t>reading</a:t>
+            </a:r>
+            <a:endParaRPr lang="en-US" dirty="0" smtClean="0"/>
+          </a:p>
+          <a:p>
+            <a:pPr lvl="1"/>
+            <a:r>
+              <a:rPr lang="en-US" dirty="0" smtClean="0"/>
+              <a:t>Follow </a:t>
+            </a:r>
+            <a:r>
               <a:rPr lang="en-US" dirty="0"/>
-              <a:t> JMH is useful for all sorts of </a:t>
-            </a:r>
-            <a:r>
-              <a:rPr lang="en-US" dirty="0" err="1"/>
-              <a:t>microbenchmarking</a:t>
+              <a:t>the JMH samples to get familiar with the API, use cases, culprits, and pitfalls </a:t>
+            </a:r>
+          </a:p>
+          <a:p>
+            <a:r>
+              <a:rPr lang="en-US" b="1" dirty="0" smtClean="0"/>
+              <a:t>Your </a:t>
+            </a:r>
+            <a:r>
+              <a:rPr lang="en-US" b="1" dirty="0"/>
+              <a:t>benchmarks should be </a:t>
+            </a:r>
+            <a:r>
+              <a:rPr lang="en-US" b="1" dirty="0" smtClean="0"/>
+              <a:t>peer-reviewed</a:t>
+            </a:r>
+            <a:endParaRPr lang="en-US" dirty="0" smtClean="0"/>
+          </a:p>
+          <a:p>
+            <a:pPr lvl="1"/>
+            <a:r>
+              <a:rPr lang="en-US" dirty="0" smtClean="0"/>
+              <a:t>JMH does </a:t>
+            </a:r>
+            <a:r>
+              <a:rPr lang="en-US" b="1" dirty="0" smtClean="0"/>
+              <a:t>NOT</a:t>
+            </a:r>
+            <a:r>
+              <a:rPr lang="en-US" dirty="0" smtClean="0"/>
+              <a:t> magically </a:t>
             </a:r>
             <a:r>
               <a:rPr lang="en-US" dirty="0"/>
-              <a:t> – from nanoseconds to seconds per </a:t>
-            </a:r>
-            <a:r>
-              <a:rPr lang="en-US" dirty="0" smtClean="0"/>
-              <a:t>test</a:t>
-            </a:r>
-          </a:p>
-          <a:p>
-            <a:r>
-              <a:rPr lang="en-US" dirty="0" smtClean="0"/>
-              <a:t>JMH takes </a:t>
+              <a:t>free you from considering </a:t>
+            </a:r>
+            <a:r>
+              <a:rPr lang="en-US" dirty="0" smtClean="0"/>
+              <a:t>all benchmarking pitfalls</a:t>
+            </a:r>
+          </a:p>
+          <a:p>
+            <a:pPr lvl="1"/>
+            <a:r>
+              <a:rPr lang="en-US" dirty="0" smtClean="0"/>
+              <a:t>“We </a:t>
             </a:r>
             <a:r>
               <a:rPr lang="en-US" dirty="0"/>
-              <a:t>care of </a:t>
-            </a:r>
-            <a:r>
-              <a:rPr lang="en-US" dirty="0" smtClean="0"/>
-              <a:t>measurement </a:t>
+              <a:t>only promise to make avoiding them easier, not </a:t>
+            </a:r>
+            <a:r>
+              <a:rPr lang="en-US" dirty="0" smtClean="0"/>
+              <a:t>avoid </a:t>
             </a:r>
             <a:r>
               <a:rPr lang="en-US" dirty="0"/>
-              <a:t>logic, leaving you </a:t>
-            </a:r>
-            <a:r>
-              <a:rPr lang="en-US" dirty="0" smtClean="0"/>
-              <a:t>to concentrate on test </a:t>
-            </a:r>
-            <a:r>
-              <a:rPr lang="en-US" dirty="0"/>
-              <a:t>method(s</a:t>
-            </a:r>
-            <a:r>
-              <a:rPr lang="en-US" dirty="0" smtClean="0"/>
-              <a:t>)</a:t>
-            </a:r>
-            <a:endParaRPr lang="en-US" dirty="0" smtClean="0"/>
-          </a:p>
-          <a:p>
-            <a:r>
-              <a:rPr lang="en-US" dirty="0" smtClean="0"/>
-              <a:t>Cardinal rules:</a:t>
-            </a:r>
-          </a:p>
-          <a:p>
-            <a:pPr marL="914400" lvl="1" indent="-457200">
-              <a:buFont typeface="+mj-lt"/>
-              <a:buAutoNum type="arabicPeriod"/>
-            </a:pPr>
-            <a:r>
-              <a:rPr lang="en-US" dirty="0" smtClean="0"/>
-              <a:t>Read input from @State</a:t>
-            </a:r>
-          </a:p>
-          <a:p>
-            <a:pPr marL="914400" lvl="1" indent="-457200">
-              <a:buFont typeface="+mj-lt"/>
-              <a:buAutoNum type="arabicPeriod"/>
-            </a:pPr>
-            <a:r>
-              <a:rPr lang="en-US" dirty="0" smtClean="0"/>
-              <a:t>Toss output down a </a:t>
-            </a:r>
-            <a:r>
-              <a:rPr lang="en-US" dirty="0" err="1" smtClean="0"/>
-              <a:t>Blackhole</a:t>
-            </a:r>
-            <a:r>
-              <a:rPr lang="en-US" dirty="0" smtClean="0"/>
-              <a:t> (or return it = implicit </a:t>
-            </a:r>
-            <a:r>
-              <a:rPr lang="en-US" dirty="0" err="1" smtClean="0"/>
-              <a:t>Blackhole</a:t>
-            </a:r>
-            <a:r>
-              <a:rPr lang="en-US" dirty="0" smtClean="0"/>
-              <a:t>)</a:t>
-            </a:r>
-          </a:p>
-          <a:p>
-            <a:pPr marL="914400" lvl="1" indent="-457200">
-              <a:buFont typeface="+mj-lt"/>
-              <a:buAutoNum type="arabicPeriod"/>
-            </a:pPr>
-            <a:r>
-              <a:rPr lang="en-US" dirty="0" smtClean="0"/>
-              <a:t>Avoid numerical </a:t>
-            </a:r>
-            <a:r>
-              <a:rPr lang="en-US" dirty="0" smtClean="0"/>
-              <a:t>loops</a:t>
-            </a:r>
-          </a:p>
-          <a:p>
-            <a:pPr marL="914400" lvl="1" indent="-457200">
-              <a:buFont typeface="+mj-lt"/>
-              <a:buAutoNum type="arabicPeriod"/>
-            </a:pPr>
-            <a:r>
-              <a:rPr lang="en-US" dirty="0" smtClean="0"/>
-              <a:t>Watch out for </a:t>
-            </a:r>
-            <a:r>
-              <a:rPr lang="en-US" dirty="0" err="1" smtClean="0"/>
-              <a:t>inlining</a:t>
-            </a:r>
-            <a:r>
-              <a:rPr lang="en-US" dirty="0" smtClean="0"/>
-              <a:t> – prevent it if an issue</a:t>
-            </a:r>
-            <a:endParaRPr lang="en-US" dirty="0" smtClean="0"/>
-          </a:p>
-          <a:p>
-            <a:pPr marL="914400" lvl="1" indent="-457200">
-              <a:buFont typeface="+mj-lt"/>
-              <a:buAutoNum type="arabicPeriod"/>
-            </a:pPr>
-            <a:r>
-              <a:rPr lang="en-US" dirty="0" smtClean="0"/>
-              <a:t>Load only class to benchmark (avoid method dispatch differences skewing results)</a:t>
-            </a:r>
-          </a:p>
-          <a:p>
-            <a:pPr marL="914400" lvl="1" indent="-457200">
-              <a:buFont typeface="+mj-lt"/>
-              <a:buAutoNum type="arabicPeriod"/>
-            </a:pPr>
-            <a:r>
-              <a:rPr lang="en-US" dirty="0" smtClean="0"/>
-              <a:t>Compare results to </a:t>
-            </a:r>
-            <a:r>
-              <a:rPr lang="en-US" dirty="0" smtClean="0"/>
-              <a:t>a </a:t>
-            </a:r>
-            <a:r>
-              <a:rPr lang="en-US" dirty="0" smtClean="0"/>
-              <a:t>meaningful baseline</a:t>
+              <a:t>them completely</a:t>
+            </a:r>
+            <a:r>
+              <a:rPr lang="en-US" dirty="0" smtClean="0"/>
+              <a:t>.”</a:t>
+            </a:r>
+          </a:p>
+          <a:p>
+            <a:pPr lvl="1"/>
+            <a:r>
+              <a:rPr lang="en-US" dirty="0" smtClean="0"/>
+              <a:t>Have someone else look at the code, consider what they expect to see in terms of relative speed, and compare it to what they actually see</a:t>
             </a:r>
             <a:endParaRPr lang="en-US" dirty="0"/>
           </a:p>
           <a:p>
-            <a:pPr marL="914400" lvl="1" indent="-457200">
-              <a:buFont typeface="+mj-lt"/>
-              <a:buAutoNum type="arabicPeriod"/>
-            </a:pPr>
-            <a:r>
-              <a:rPr lang="en-US" dirty="0" smtClean="0"/>
-              <a:t>Test multiple scenarios (to check for bizarre results</a:t>
-            </a:r>
-            <a:r>
-              <a:rPr lang="en-US" dirty="0" smtClean="0"/>
-              <a:t>)</a:t>
-            </a:r>
-          </a:p>
-          <a:p>
-            <a:r>
-              <a:rPr lang="en-US" dirty="0"/>
-              <a:t>Remember - it's not a case of accurate vs. inaccurate, its always about becoming less </a:t>
-            </a:r>
-            <a:r>
-              <a:rPr lang="en-US" dirty="0" err="1"/>
-              <a:t>inaccurrate</a:t>
-            </a:r>
-            <a:r>
-              <a:rPr lang="en-US" dirty="0"/>
-              <a:t> - the only truly accurate test is production</a:t>
-            </a:r>
-            <a:endParaRPr lang="en-US" dirty="0" smtClean="0"/>
+            <a:endParaRPr lang="en-US" dirty="0"/>
           </a:p>
         </p:txBody>
       </p:sp>
     </p:spTree>
     <p:extLst>
       <p:ext uri="{BB962C8B-B14F-4D97-AF65-F5344CB8AC3E}">
-        <p14:creationId xmlns:p14="http://schemas.microsoft.com/office/powerpoint/2010/main" val="1728611990"/>
+        <p14:creationId xmlns:p14="http://schemas.microsoft.com/office/powerpoint/2010/main" val="347531558"/>
       </p:ext>
     </p:extLst>
   </p:cSld>
   <p:clrMapOvr>
     <a:masterClrMapping/>
   </p:clrMapOvr>
+  <p:timing>
+    <p:tnLst>
+      <p:par>
+        <p:cTn id="1" dur="indefinite" restart="never" nodeType="tmRoot"/>
+      </p:par>
+    </p:tnLst>
+  </p:timing>
 </p:sld>
 </file>
 
@@ -19418,12 +19559,195 @@
         </p:nvSpPr>
         <p:spPr/>
         <p:txBody>
+          <a:bodyPr>
+            <a:normAutofit/>
+          </a:bodyPr>
+          <a:lstStyle/>
+          <a:p>
+            <a:r>
+              <a:rPr lang="en-US" dirty="0" smtClean="0"/>
+              <a:t>Does </a:t>
+            </a:r>
+            <a:r>
+              <a:rPr lang="en-US" smtClean="0"/>
+              <a:t>Speed Really Matter</a:t>
+            </a:r>
+            <a:r>
+              <a:rPr lang="en-US" dirty="0" smtClean="0"/>
+              <a:t>?</a:t>
+            </a:r>
+            <a:endParaRPr lang="en-US" dirty="0"/>
+          </a:p>
+        </p:txBody>
+      </p:sp>
+      <p:sp>
+        <p:nvSpPr>
+          <p:cNvPr id="3" name="Content Placeholder 2"/>
+          <p:cNvSpPr>
+            <a:spLocks noGrp="1"/>
+          </p:cNvSpPr>
+          <p:nvPr>
+            <p:ph idx="1"/>
+          </p:nvPr>
+        </p:nvSpPr>
+        <p:spPr/>
+        <p:txBody>
+          <a:bodyPr>
+            <a:normAutofit fontScale="92500" lnSpcReduction="10000"/>
+          </a:bodyPr>
+          <a:lstStyle/>
+          <a:p>
+            <a:r>
+              <a:rPr lang="en-US" dirty="0" smtClean="0"/>
+              <a:t>Wall Clock benchmarking is the only kind your users care about</a:t>
+            </a:r>
+          </a:p>
+          <a:p>
+            <a:r>
+              <a:rPr lang="en-US" dirty="0" err="1" smtClean="0"/>
+              <a:t>Microbenchmarking</a:t>
+            </a:r>
+            <a:r>
+              <a:rPr lang="en-US" dirty="0" smtClean="0"/>
+              <a:t> is educational, though</a:t>
+            </a:r>
+          </a:p>
+          <a:p>
+            <a:r>
+              <a:rPr lang="en-US" dirty="0" smtClean="0"/>
+              <a:t>But more </a:t>
+            </a:r>
+            <a:r>
+              <a:rPr lang="en-US" b="1" dirty="0" smtClean="0">
+                <a:solidFill>
+                  <a:srgbClr val="00B050"/>
+                </a:solidFill>
+              </a:rPr>
+              <a:t>organized, readable </a:t>
+            </a:r>
+            <a:r>
+              <a:rPr lang="en-US" dirty="0" smtClean="0"/>
+              <a:t>and </a:t>
+            </a:r>
+            <a:r>
+              <a:rPr lang="en-US" b="1" dirty="0" smtClean="0">
+                <a:solidFill>
+                  <a:srgbClr val="00B050"/>
+                </a:solidFill>
+              </a:rPr>
+              <a:t>maintainable</a:t>
+            </a:r>
+            <a:r>
+              <a:rPr lang="en-US" dirty="0" smtClean="0">
+                <a:solidFill>
+                  <a:srgbClr val="00B050"/>
+                </a:solidFill>
+              </a:rPr>
+              <a:t> </a:t>
+            </a:r>
+            <a:r>
+              <a:rPr lang="en-US" dirty="0" smtClean="0"/>
+              <a:t>code should almost always be favored over faster code</a:t>
+            </a:r>
+          </a:p>
+          <a:p>
+            <a:r>
+              <a:rPr lang="en-US" dirty="0" smtClean="0"/>
+              <a:t>0.2 sec execution time = 0.002 sec execution time</a:t>
+            </a:r>
+          </a:p>
+          <a:p>
+            <a:pPr lvl="1"/>
+            <a:r>
+              <a:rPr lang="en-US" dirty="0" smtClean="0"/>
+              <a:t>Humans can’t perceive the difference</a:t>
+            </a:r>
+          </a:p>
+          <a:p>
+            <a:r>
+              <a:rPr lang="en-US" dirty="0" smtClean="0"/>
+              <a:t>Don’t worry about giving the computer too much work</a:t>
+            </a:r>
+          </a:p>
+          <a:p>
+            <a:pPr lvl="1"/>
+            <a:r>
+              <a:rPr lang="en-US" dirty="0" smtClean="0"/>
+              <a:t>Think of all the times it has frustrated you</a:t>
+            </a:r>
+          </a:p>
+          <a:p>
+            <a:pPr lvl="1"/>
+            <a:r>
+              <a:rPr lang="en-US" dirty="0" smtClean="0"/>
+              <a:t>It deserves it, really</a:t>
+            </a:r>
+          </a:p>
+          <a:p>
+            <a:pPr lvl="1"/>
+            <a:r>
+              <a:rPr lang="en-US" dirty="0" smtClean="0"/>
+              <a:t>Delay the Machine Uprising</a:t>
+            </a:r>
+          </a:p>
+          <a:p>
+            <a:pPr lvl="1"/>
+            <a:r>
+              <a:rPr lang="en-US" dirty="0" smtClean="0"/>
+              <a:t>Show no mercy, as they will show us none</a:t>
+            </a:r>
+            <a:endParaRPr lang="en-US" dirty="0"/>
+          </a:p>
+        </p:txBody>
+      </p:sp>
+    </p:spTree>
+    <p:extLst>
+      <p:ext uri="{BB962C8B-B14F-4D97-AF65-F5344CB8AC3E}">
+        <p14:creationId xmlns:p14="http://schemas.microsoft.com/office/powerpoint/2010/main" val="817537584"/>
+      </p:ext>
+    </p:extLst>
+  </p:cSld>
+  <p:clrMapOvr>
+    <a:masterClrMapping/>
+  </p:clrMapOvr>
+</p:sld>
+</file>
+
+<file path=ppt/slides/slide44.xml><?xml version="1.0" encoding="utf-8"?>
+<p:sld xmlns:a="http://schemas.openxmlformats.org/drawingml/2006/main" xmlns:r="http://schemas.openxmlformats.org/officeDocument/2006/relationships" xmlns:p="http://schemas.openxmlformats.org/presentationml/2006/main">
+  <p:cSld>
+    <p:spTree>
+      <p:nvGrpSpPr>
+        <p:cNvPr id="1" name=""/>
+        <p:cNvGrpSpPr/>
+        <p:nvPr/>
+      </p:nvGrpSpPr>
+      <p:grpSpPr>
+        <a:xfrm>
+          <a:off x="0" y="0"/>
+          <a:ext cx="0" cy="0"/>
+          <a:chOff x="0" y="0"/>
+          <a:chExt cx="0" cy="0"/>
+        </a:xfrm>
+      </p:grpSpPr>
+      <p:sp>
+        <p:nvSpPr>
+          <p:cNvPr id="2" name="Title 1"/>
+          <p:cNvSpPr>
+            <a:spLocks noGrp="1"/>
+          </p:cNvSpPr>
+          <p:nvPr>
+            <p:ph type="title"/>
+          </p:nvPr>
+        </p:nvSpPr>
+        <p:spPr/>
+        <p:txBody>
           <a:bodyPr/>
           <a:lstStyle/>
           <a:p>
             <a:r>
               <a:rPr lang="en-US" dirty="0" smtClean="0"/>
-              <a:t>References</a:t>
+              <a:t>Conclusion</a:t>
             </a:r>
             <a:endParaRPr lang="en-US" dirty="0"/>
           </a:p>
@@ -19441,50 +19765,73 @@
         </p:nvSpPr>
         <p:spPr/>
         <p:txBody>
-          <a:bodyPr/>
+          <a:bodyPr>
+            <a:normAutofit fontScale="85000" lnSpcReduction="20000"/>
+          </a:bodyPr>
           <a:lstStyle/>
+          <a:p>
+            <a:r>
+              <a:rPr lang="en-US" dirty="0"/>
+              <a:t> JMH is useful for all sorts of </a:t>
+            </a:r>
+            <a:r>
+              <a:rPr lang="en-US" dirty="0" err="1"/>
+              <a:t>microbenchmarking</a:t>
+            </a:r>
+            <a:r>
+              <a:rPr lang="en-US" dirty="0"/>
+              <a:t> – from nanoseconds to seconds per </a:t>
+            </a:r>
+            <a:r>
+              <a:rPr lang="en-US" dirty="0" smtClean="0"/>
+              <a:t>test</a:t>
+            </a:r>
+          </a:p>
+          <a:p>
+            <a:r>
+              <a:rPr lang="en-US" dirty="0" smtClean="0"/>
+              <a:t>JMH takes </a:t>
+            </a:r>
+            <a:r>
+              <a:rPr lang="en-US" dirty="0"/>
+              <a:t>care of </a:t>
+            </a:r>
+            <a:r>
+              <a:rPr lang="en-US" dirty="0" smtClean="0"/>
+              <a:t>measurement </a:t>
+            </a:r>
+            <a:r>
+              <a:rPr lang="en-US" dirty="0"/>
+              <a:t>logic, leaving you </a:t>
+            </a:r>
+            <a:r>
+              <a:rPr lang="en-US" dirty="0" smtClean="0"/>
+              <a:t>to concentrate on test </a:t>
+            </a:r>
+            <a:r>
+              <a:rPr lang="en-US" dirty="0"/>
+              <a:t>method(s</a:t>
+            </a:r>
+            <a:r>
+              <a:rPr lang="en-US" dirty="0" smtClean="0"/>
+              <a:t>)</a:t>
+            </a:r>
+          </a:p>
+          <a:p>
+            <a:r>
+              <a:rPr lang="en-US" dirty="0" smtClean="0"/>
+              <a:t>Cardinal rules:</a:t>
+            </a:r>
+          </a:p>
           <a:p>
             <a:pPr marL="914400" lvl="1" indent="-457200">
               <a:buFont typeface="+mj-lt"/>
               <a:buAutoNum type="arabicPeriod"/>
             </a:pPr>
             <a:r>
-              <a:rPr lang="en-US" dirty="0" smtClean="0">
-                <a:hlinkClick r:id="rId2"/>
-              </a:rPr>
-              <a:t>http</a:t>
-            </a:r>
-            <a:r>
-              <a:rPr lang="en-US" dirty="0">
-                <a:hlinkClick r:id="rId2"/>
-              </a:rPr>
-              <a:t>://</a:t>
-            </a:r>
-            <a:r>
-              <a:rPr lang="en-US" dirty="0" smtClean="0">
-                <a:hlinkClick r:id="rId2"/>
-              </a:rPr>
-              <a:t>www.oracle.com/technetwork/articles/java/architect-benchmarking-2266277.html</a:t>
-            </a:r>
-            <a:endParaRPr lang="en-US" dirty="0"/>
-          </a:p>
-          <a:p>
-            <a:pPr marL="914400" lvl="2" indent="0">
-              <a:buNone/>
-            </a:pPr>
-            <a:r>
-              <a:rPr lang="en-US" dirty="0" smtClean="0"/>
-              <a:t>(The </a:t>
-            </a:r>
-            <a:r>
-              <a:rPr lang="en-US" dirty="0" smtClean="0"/>
-              <a:t>basis for this whole </a:t>
-            </a:r>
-            <a:r>
-              <a:rPr lang="en-US" dirty="0" smtClean="0"/>
-              <a:t>presentation)</a:t>
-            </a:r>
-            <a:endParaRPr lang="en-US" dirty="0" smtClean="0"/>
+              <a:rPr lang="en-US" dirty="0" smtClean="0"/>
+              <a:t>Read input from @State</a:t>
+            </a:r>
           </a:p>
           <a:p>
             <a:pPr marL="914400" lvl="1" indent="-457200">
@@ -19492,24 +19839,25 @@
               <a:buAutoNum type="arabicPeriod"/>
             </a:pPr>
             <a:r>
-              <a:rPr lang="en-US" dirty="0" smtClean="0">
-                <a:hlinkClick r:id="rId3"/>
-              </a:rPr>
-              <a:t>http</a:t>
-            </a:r>
-            <a:r>
-              <a:rPr lang="en-US" dirty="0">
-                <a:hlinkClick r:id="rId3"/>
-              </a:rPr>
-              <a:t>://java-performance.info/jmh</a:t>
-            </a:r>
-            <a:r>
-              <a:rPr lang="en-US" dirty="0" smtClean="0">
-                <a:hlinkClick r:id="rId3"/>
-              </a:rPr>
-              <a:t>/</a:t>
-            </a:r>
-            <a:endParaRPr lang="en-US" dirty="0" smtClean="0"/>
+              <a:rPr lang="en-US" dirty="0" smtClean="0"/>
+              <a:t>Toss output down a </a:t>
+            </a:r>
+            <a:r>
+              <a:rPr lang="en-US" dirty="0" err="1" smtClean="0"/>
+              <a:t>Blackhole</a:t>
+            </a:r>
+            <a:r>
+              <a:rPr lang="en-US" dirty="0" smtClean="0"/>
+              <a:t> (or return it = implicit </a:t>
+            </a:r>
+            <a:r>
+              <a:rPr lang="en-US" dirty="0" err="1" smtClean="0"/>
+              <a:t>Blackhole</a:t>
+            </a:r>
+            <a:r>
+              <a:rPr lang="en-US" dirty="0" smtClean="0"/>
+              <a:t>)</a:t>
+            </a:r>
           </a:p>
           <a:p>
             <a:pPr marL="914400" lvl="1" indent="-457200">
@@ -19517,18 +19865,9 @@
               <a:buAutoNum type="arabicPeriod"/>
             </a:pPr>
             <a:r>
-              <a:rPr lang="en-US" dirty="0">
-                <a:hlinkClick r:id="rId4"/>
-              </a:rPr>
-              <a:t>https://www.ibm.com/developerworks/java/library/j-jtp02225</a:t>
-            </a:r>
-            <a:r>
-              <a:rPr lang="en-US" dirty="0" smtClean="0">
-                <a:hlinkClick r:id="rId4"/>
-              </a:rPr>
-              <a:t>/</a:t>
-            </a:r>
-            <a:endParaRPr lang="en-US" dirty="0" smtClean="0"/>
+              <a:rPr lang="en-US" dirty="0" smtClean="0"/>
+              <a:t>Avoid numerical loops</a:t>
+            </a:r>
           </a:p>
           <a:p>
             <a:pPr marL="914400" lvl="1" indent="-457200">
@@ -19536,18 +19875,17 @@
               <a:buAutoNum type="arabicPeriod"/>
             </a:pPr>
             <a:r>
-              <a:rPr lang="en-US" dirty="0">
-                <a:hlinkClick r:id="rId5"/>
-              </a:rPr>
-              <a:t>http://daniel.mitterdorfer.name/categories/series-jmh-intro</a:t>
-            </a:r>
-            <a:r>
-              <a:rPr lang="en-US" dirty="0" smtClean="0">
-                <a:hlinkClick r:id="rId5"/>
-              </a:rPr>
-              <a:t>/</a:t>
-            </a:r>
-            <a:endParaRPr lang="en-US" dirty="0" smtClean="0"/>
+              <a:rPr lang="en-US" dirty="0" smtClean="0"/>
+              <a:t>Watch out for </a:t>
+            </a:r>
+            <a:r>
+              <a:rPr lang="en-US" dirty="0" err="1" smtClean="0"/>
+              <a:t>inlining</a:t>
+            </a:r>
+            <a:r>
+              <a:rPr lang="en-US" dirty="0" smtClean="0"/>
+              <a:t> – prevent it if an issue</a:t>
+            </a:r>
           </a:p>
           <a:p>
             <a:pPr marL="914400" lvl="1" indent="-457200">
@@ -19555,18 +19893,9 @@
               <a:buAutoNum type="arabicPeriod"/>
             </a:pPr>
             <a:r>
-              <a:rPr lang="en-US" dirty="0">
-                <a:hlinkClick r:id="rId6"/>
-              </a:rPr>
-              <a:t>https://</a:t>
-            </a:r>
-            <a:r>
-              <a:rPr lang="en-US" dirty="0" smtClean="0">
-                <a:hlinkClick r:id="rId6"/>
-              </a:rPr>
-              <a:t>dzone.com/articles/too-fast-too-megamorphic-what</a:t>
-            </a:r>
-            <a:endParaRPr lang="en-US" dirty="0" smtClean="0"/>
+              <a:rPr lang="en-US" dirty="0" smtClean="0"/>
+              <a:t>Load only class to benchmark (avoid method dispatch differences skewing results)</a:t>
+            </a:r>
           </a:p>
           <a:p>
             <a:pPr marL="914400" lvl="1" indent="-457200">
@@ -19574,23 +19903,418 @@
               <a:buAutoNum type="arabicPeriod"/>
             </a:pPr>
             <a:r>
-              <a:rPr lang="en-US" dirty="0">
-                <a:hlinkClick r:id="rId5"/>
-              </a:rPr>
-              <a:t>http://daniel.mitterdorfer.name/categories/series-jmh-intro</a:t>
-            </a:r>
-            <a:r>
-              <a:rPr lang="en-US" dirty="0" smtClean="0">
-                <a:hlinkClick r:id="rId5"/>
-              </a:rPr>
-              <a:t>/</a:t>
-            </a:r>
-            <a:endParaRPr lang="en-US" dirty="0" smtClean="0"/>
+              <a:rPr lang="en-US" dirty="0" smtClean="0"/>
+              <a:t>Compare results to a meaningful baseline</a:t>
+            </a:r>
+            <a:endParaRPr lang="en-US" dirty="0"/>
           </a:p>
           <a:p>
             <a:pPr marL="914400" lvl="1" indent="-457200">
               <a:buFont typeface="+mj-lt"/>
               <a:buAutoNum type="arabicPeriod"/>
+            </a:pPr>
+            <a:r>
+              <a:rPr lang="en-US" dirty="0" smtClean="0"/>
+              <a:t>Test multiple scenarios (to check for bizarre results)</a:t>
+            </a:r>
+          </a:p>
+          <a:p>
+            <a:r>
+              <a:rPr lang="en-US" dirty="0"/>
+              <a:t>Remember - it's not a case of accurate vs. inaccurate, its always about becoming less </a:t>
+            </a:r>
+            <a:r>
+              <a:rPr lang="en-US" dirty="0" err="1"/>
+              <a:t>inaccurrate</a:t>
+            </a:r>
+            <a:r>
+              <a:rPr lang="en-US" dirty="0"/>
+              <a:t> - the only truly accurate test is production</a:t>
+            </a:r>
+            <a:endParaRPr lang="en-US" dirty="0" smtClean="0"/>
+          </a:p>
+        </p:txBody>
+      </p:sp>
+    </p:spTree>
+    <p:extLst>
+      <p:ext uri="{BB962C8B-B14F-4D97-AF65-F5344CB8AC3E}">
+        <p14:creationId xmlns:p14="http://schemas.microsoft.com/office/powerpoint/2010/main" val="1728611990"/>
+      </p:ext>
+    </p:extLst>
+  </p:cSld>
+  <p:clrMapOvr>
+    <a:masterClrMapping/>
+  </p:clrMapOvr>
+</p:sld>
+</file>
+
+<file path=ppt/slides/slide45.xml><?xml version="1.0" encoding="utf-8"?>
+<p:sld xmlns:a="http://schemas.openxmlformats.org/drawingml/2006/main" xmlns:r="http://schemas.openxmlformats.org/officeDocument/2006/relationships" xmlns:p="http://schemas.openxmlformats.org/presentationml/2006/main">
+  <p:cSld>
+    <p:spTree>
+      <p:nvGrpSpPr>
+        <p:cNvPr id="1" name=""/>
+        <p:cNvGrpSpPr/>
+        <p:nvPr/>
+      </p:nvGrpSpPr>
+      <p:grpSpPr>
+        <a:xfrm>
+          <a:off x="0" y="0"/>
+          <a:ext cx="0" cy="0"/>
+          <a:chOff x="0" y="0"/>
+          <a:chExt cx="0" cy="0"/>
+        </a:xfrm>
+      </p:grpSpPr>
+      <p:sp>
+        <p:nvSpPr>
+          <p:cNvPr id="2" name="Title 1"/>
+          <p:cNvSpPr>
+            <a:spLocks noGrp="1"/>
+          </p:cNvSpPr>
+          <p:nvPr>
+            <p:ph type="title"/>
+          </p:nvPr>
+        </p:nvSpPr>
+        <p:spPr/>
+        <p:txBody>
+          <a:bodyPr/>
+          <a:lstStyle/>
+          <a:p>
+            <a:r>
+              <a:rPr lang="en-US" dirty="0" smtClean="0"/>
+              <a:t>References</a:t>
+            </a:r>
+            <a:endParaRPr lang="en-US" dirty="0"/>
+          </a:p>
+        </p:txBody>
+      </p:sp>
+      <p:sp>
+        <p:nvSpPr>
+          <p:cNvPr id="3" name="Content Placeholder 2"/>
+          <p:cNvSpPr>
+            <a:spLocks noGrp="1"/>
+          </p:cNvSpPr>
+          <p:nvPr>
+            <p:ph idx="1"/>
+          </p:nvPr>
+        </p:nvSpPr>
+        <p:spPr>
+          <a:xfrm>
+            <a:off x="838200" y="1825624"/>
+            <a:ext cx="10515600" cy="4721479"/>
+          </a:xfrm>
+        </p:spPr>
+        <p:txBody>
+          <a:bodyPr>
+            <a:normAutofit fontScale="70000" lnSpcReduction="20000"/>
+          </a:bodyPr>
+          <a:lstStyle/>
+          <a:p>
+            <a:pPr marL="914400" lvl="1" indent="-457200">
+              <a:buFont typeface="+mj-lt"/>
+              <a:buAutoNum type="arabicPeriod"/>
+            </a:pPr>
+            <a:r>
+              <a:rPr lang="en-US" dirty="0" smtClean="0">
+                <a:hlinkClick r:id="rId3"/>
+              </a:rPr>
+              <a:t>http</a:t>
+            </a:r>
+            <a:r>
+              <a:rPr lang="en-US" dirty="0">
+                <a:hlinkClick r:id="rId3"/>
+              </a:rPr>
+              <a:t>://</a:t>
+            </a:r>
+            <a:r>
+              <a:rPr lang="en-US" dirty="0" smtClean="0">
+                <a:hlinkClick r:id="rId3"/>
+              </a:rPr>
+              <a:t>www.oracle.com/technetwork/articles/java/architect-benchmarking-2266277.html</a:t>
+            </a:r>
+            <a:endParaRPr lang="en-US" dirty="0"/>
+          </a:p>
+          <a:p>
+            <a:pPr marL="914400" lvl="2" indent="0">
+              <a:buNone/>
+            </a:pPr>
+            <a:r>
+              <a:rPr lang="en-US" dirty="0" smtClean="0"/>
+              <a:t>(The basis for this </a:t>
+            </a:r>
+            <a:r>
+              <a:rPr lang="en-US" dirty="0" smtClean="0"/>
+              <a:t>presentation</a:t>
+            </a:r>
+            <a:r>
+              <a:rPr lang="en-US" dirty="0" smtClean="0"/>
+              <a:t>)</a:t>
+            </a:r>
+          </a:p>
+          <a:p>
+            <a:pPr marL="914400" lvl="1" indent="-457200">
+              <a:buFont typeface="+mj-lt"/>
+              <a:buAutoNum type="arabicPeriod"/>
+            </a:pPr>
+            <a:r>
+              <a:rPr lang="en-US" dirty="0" smtClean="0">
+                <a:hlinkClick r:id="rId4"/>
+              </a:rPr>
+              <a:t>http</a:t>
+            </a:r>
+            <a:r>
+              <a:rPr lang="en-US" dirty="0">
+                <a:hlinkClick r:id="rId4"/>
+              </a:rPr>
+              <a:t>://java-performance.info/jmh</a:t>
+            </a:r>
+            <a:r>
+              <a:rPr lang="en-US" dirty="0" smtClean="0">
+                <a:hlinkClick r:id="rId4"/>
+              </a:rPr>
+              <a:t>/</a:t>
+            </a:r>
+            <a:endParaRPr lang="en-US" dirty="0" smtClean="0"/>
+          </a:p>
+          <a:p>
+            <a:pPr marL="914400" lvl="1" indent="-457200">
+              <a:buFont typeface="+mj-lt"/>
+              <a:buAutoNum type="arabicPeriod"/>
+            </a:pPr>
+            <a:r>
+              <a:rPr lang="en-US" dirty="0">
+                <a:hlinkClick r:id="rId5"/>
+              </a:rPr>
+              <a:t>https://</a:t>
+            </a:r>
+            <a:r>
+              <a:rPr lang="en-US" dirty="0" smtClean="0">
+                <a:hlinkClick r:id="rId5"/>
+              </a:rPr>
+              <a:t>www.ibm.com/developerworks/java/library/j-jtp02225/</a:t>
+            </a:r>
+            <a:endParaRPr lang="en-US" dirty="0" smtClean="0"/>
+          </a:p>
+          <a:p>
+            <a:pPr marL="914400" lvl="1" indent="-457200">
+              <a:buFont typeface="+mj-lt"/>
+              <a:buAutoNum type="arabicPeriod"/>
+            </a:pPr>
+            <a:r>
+              <a:rPr lang="en-US" dirty="0" smtClean="0">
+                <a:hlinkClick r:id="rId6"/>
+              </a:rPr>
+              <a:t>http://daniel.mitterdorfer.name/categories/series-jmh-intro/</a:t>
+            </a:r>
+            <a:endParaRPr lang="en-US" dirty="0" smtClean="0"/>
+          </a:p>
+          <a:p>
+            <a:pPr marL="914400" lvl="2" indent="0">
+              <a:buNone/>
+            </a:pPr>
+            <a:r>
+              <a:rPr lang="en-US" dirty="0" smtClean="0"/>
+              <a:t>(2</a:t>
+            </a:r>
+            <a:r>
+              <a:rPr lang="en-US" baseline="30000" dirty="0" smtClean="0"/>
+              <a:t>nd</a:t>
+            </a:r>
+            <a:r>
+              <a:rPr lang="en-US" dirty="0" smtClean="0"/>
+              <a:t> most influential resource for putting this together)</a:t>
+            </a:r>
+            <a:endParaRPr lang="en-US" dirty="0" smtClean="0"/>
+          </a:p>
+          <a:p>
+            <a:pPr marL="914400" lvl="1" indent="-457200">
+              <a:buFont typeface="+mj-lt"/>
+              <a:buAutoNum type="arabicPeriod"/>
+            </a:pPr>
+            <a:r>
+              <a:rPr lang="en-US" dirty="0" smtClean="0">
+                <a:hlinkClick r:id="rId7"/>
+              </a:rPr>
+              <a:t>https://dzone.com/articles/too-fast-too-megamorphic-what</a:t>
+            </a:r>
+            <a:endParaRPr lang="en-US" dirty="0" smtClean="0"/>
+          </a:p>
+          <a:p>
+            <a:pPr marL="914400" lvl="1" indent="-457200">
+              <a:buFont typeface="+mj-lt"/>
+              <a:buAutoNum type="arabicPeriod"/>
+            </a:pPr>
+            <a:r>
+              <a:rPr lang="en-US" dirty="0" smtClean="0">
+                <a:hlinkClick r:id="rId6"/>
+              </a:rPr>
+              <a:t>http</a:t>
+            </a:r>
+            <a:r>
+              <a:rPr lang="en-US" dirty="0">
+                <a:hlinkClick r:id="rId6"/>
+              </a:rPr>
+              <a:t>://daniel.mitterdorfer.name/categories/series-jmh-intro</a:t>
+            </a:r>
+            <a:r>
+              <a:rPr lang="en-US" dirty="0" smtClean="0">
+                <a:hlinkClick r:id="rId6"/>
+              </a:rPr>
+              <a:t>/</a:t>
+            </a:r>
+            <a:endParaRPr lang="en-US" dirty="0" smtClean="0"/>
+          </a:p>
+          <a:p>
+            <a:pPr marL="914400" lvl="1" indent="-457200">
+              <a:buFont typeface="+mj-lt"/>
+              <a:buAutoNum type="arabicPeriod"/>
+            </a:pPr>
+            <a:r>
+              <a:rPr lang="en-US" dirty="0">
+                <a:hlinkClick r:id="rId8"/>
+              </a:rPr>
+              <a:t>http://psy-lob-saw.blogspot.com/2013/04/writing-java-micro-benchmarks-with-jmh.html</a:t>
+            </a:r>
+            <a:r>
+              <a:rPr lang="en-US" dirty="0"/>
+              <a:t> </a:t>
+            </a:r>
+            <a:endParaRPr lang="en-US" dirty="0" smtClean="0"/>
+          </a:p>
+          <a:p>
+            <a:pPr marL="914400" lvl="1" indent="-457200">
+              <a:buFont typeface="+mj-lt"/>
+              <a:buAutoNum type="arabicPeriod"/>
+            </a:pPr>
+            <a:r>
+              <a:rPr lang="en-US" dirty="0">
+                <a:hlinkClick r:id="rId9"/>
+              </a:rPr>
+              <a:t>https://groups.google.com/forum/#!</a:t>
+            </a:r>
+            <a:r>
+              <a:rPr lang="en-US" dirty="0" smtClean="0">
+                <a:hlinkClick r:id="rId9"/>
+              </a:rPr>
+              <a:t>msg/mechanical-sympathy/m4opvy4xq3U/7lY8x8SvHgwJ</a:t>
+            </a:r>
+            <a:endParaRPr lang="en-US" dirty="0" smtClean="0"/>
+          </a:p>
+          <a:p>
+            <a:pPr marL="457200" lvl="1" indent="0">
+              <a:buNone/>
+            </a:pPr>
+            <a:r>
+              <a:rPr lang="en-US" dirty="0" smtClean="0"/>
+              <a:t>	(Epic rant by JMH creator about how difficult </a:t>
+            </a:r>
+            <a:r>
+              <a:rPr lang="en-US" dirty="0" err="1" smtClean="0"/>
+              <a:t>microbenchmarking</a:t>
+            </a:r>
+            <a:r>
+              <a:rPr lang="en-US" dirty="0" smtClean="0"/>
+              <a:t> is)</a:t>
+            </a:r>
+            <a:endParaRPr lang="en-US" dirty="0"/>
+          </a:p>
+          <a:p>
+            <a:pPr marL="914400" lvl="1" indent="-457200">
+              <a:buFont typeface="+mj-lt"/>
+              <a:buAutoNum type="arabicPeriod" startAt="9"/>
+            </a:pPr>
+            <a:r>
+              <a:rPr lang="en-US" dirty="0">
+                <a:hlinkClick r:id="rId10"/>
+              </a:rPr>
+              <a:t>https://</a:t>
+            </a:r>
+            <a:r>
+              <a:rPr lang="en-US" dirty="0" smtClean="0">
+                <a:hlinkClick r:id="rId10"/>
+              </a:rPr>
+              <a:t>github.com/melix/jmh-gradle-plugin</a:t>
+            </a:r>
+            <a:endParaRPr lang="en-US" dirty="0" smtClean="0"/>
+          </a:p>
+          <a:p>
+            <a:pPr marL="914400" lvl="1" indent="-457200">
+              <a:buFont typeface="+mj-lt"/>
+              <a:buAutoNum type="arabicPeriod" startAt="9"/>
+            </a:pPr>
+            <a:r>
+              <a:rPr lang="en-US" dirty="0">
+                <a:hlinkClick r:id="rId11"/>
+              </a:rPr>
+              <a:t>http://www.azulsystems.com/events/javaone_2009/session/2009_J1_Benchmark.pdf</a:t>
+            </a:r>
+            <a:r>
+              <a:rPr lang="en-US" dirty="0"/>
+              <a:t> </a:t>
+            </a:r>
+            <a:endParaRPr lang="en-US" dirty="0" smtClean="0"/>
+          </a:p>
+          <a:p>
+            <a:pPr marL="914400" lvl="1" indent="-457200">
+              <a:buFont typeface="+mj-lt"/>
+              <a:buAutoNum type="arabicPeriod" startAt="9"/>
+            </a:pPr>
+            <a:r>
+              <a:rPr lang="en-US" dirty="0">
+                <a:hlinkClick r:id="rId12"/>
+              </a:rPr>
+              <a:t>http://shipilev.net</a:t>
+            </a:r>
+            <a:r>
+              <a:rPr lang="en-US" dirty="0" smtClean="0">
+                <a:hlinkClick r:id="rId12"/>
+              </a:rPr>
+              <a:t>/</a:t>
+            </a:r>
+            <a:endParaRPr lang="en-US" dirty="0" smtClean="0"/>
+          </a:p>
+          <a:p>
+            <a:pPr marL="914400" lvl="2" indent="0">
+              <a:buNone/>
+            </a:pPr>
+            <a:r>
+              <a:rPr lang="en-US" dirty="0" smtClean="0"/>
+              <a:t>(Lots of deep dives into JVM/JIT internals)</a:t>
+            </a:r>
+          </a:p>
+          <a:p>
+            <a:pPr marL="914400" lvl="1" indent="-457200">
+              <a:buFont typeface="+mj-lt"/>
+              <a:buAutoNum type="arabicPeriod" startAt="9"/>
+            </a:pPr>
+            <a:r>
+              <a:rPr lang="en-US" dirty="0">
+                <a:hlinkClick r:id="rId13"/>
+              </a:rPr>
+              <a:t>http://www.javacodegeeks.com/2016/02/beware-findfirst-findany.html?utm_source=feedburner&amp;utm_medium=feed&amp;utm_campaign=Feed%3A+JavaCodeGeeks+%</a:t>
+            </a:r>
+            <a:r>
+              <a:rPr lang="en-US" dirty="0" smtClean="0">
+                <a:hlinkClick r:id="rId13"/>
+              </a:rPr>
+              <a:t>28Java+Code+Geeks%29</a:t>
+            </a:r>
+            <a:endParaRPr lang="en-US" dirty="0" smtClean="0"/>
+          </a:p>
+          <a:p>
+            <a:pPr marL="914400" lvl="1" indent="-457200">
+              <a:buFont typeface="+mj-lt"/>
+              <a:buAutoNum type="arabicPeriod" startAt="9"/>
+            </a:pPr>
+            <a:r>
+              <a:rPr lang="en-US" dirty="0" smtClean="0"/>
+              <a:t>(Find Only Element example)</a:t>
+            </a:r>
+            <a:endParaRPr lang="en-US" dirty="0"/>
+          </a:p>
+          <a:p>
+            <a:pPr marL="457200" lvl="1" indent="0">
+              <a:buNone/>
             </a:pPr>
             <a:endParaRPr lang="en-US" dirty="0"/>
           </a:p>
@@ -19917,13 +20641,8 @@
           <a:p>
             <a:r>
               <a:rPr lang="en-US" dirty="0" smtClean="0"/>
-              <a:t>Run Many Times and Average the </a:t>
-            </a:r>
-            <a:r>
-              <a:rPr lang="en-US" dirty="0" smtClean="0"/>
-              <a:t>Results (Minimize Error %)</a:t>
-            </a:r>
-            <a:endParaRPr lang="en-US" dirty="0" smtClean="0"/>
+              <a:t>Run Many Times and Average the Results (Minimize Error %)</a:t>
+            </a:r>
           </a:p>
           <a:p>
             <a:r>
@@ -19983,8 +20702,13 @@
           <a:p>
             <a:r>
               <a:rPr lang="en-US" dirty="0" smtClean="0"/>
-              <a:t>Set various arcane JVM flags to be control the compiler</a:t>
-            </a:r>
+              <a:t>Set various arcane JVM flags to be control the </a:t>
+            </a:r>
+            <a:r>
+              <a:rPr lang="en-US" dirty="0" smtClean="0"/>
+              <a:t>JIT compiler</a:t>
+            </a:r>
+            <a:endParaRPr lang="en-US" dirty="0" smtClean="0"/>
           </a:p>
           <a:p>
             <a:pPr lvl="1"/>

--- a/doc/slides.pptx
+++ b/doc/slides.pptx
@@ -55,7 +55,7 @@
     <p:sldId id="261" r:id="rId46"/>
   </p:sldIdLst>
   <p:sldSz cx="12192000" cy="6858000"/>
-  <p:notesSz cx="6858000" cy="9144000"/>
+  <p:notesSz cx="7315200" cy="9601200"/>
   <p:defaultTextStyle>
     <a:defPPr>
       <a:defRPr lang="en-US"/>
@@ -3413,18 +3413,18 @@
         </p:nvSpPr>
         <p:spPr>
           <a:xfrm>
-            <a:off x="0" y="0"/>
-            <a:ext cx="2971800" cy="458788"/>
+            <a:off x="0" y="1"/>
+            <a:ext cx="3169920" cy="481727"/>
           </a:xfrm>
           <a:prstGeom prst="rect">
             <a:avLst/>
           </a:prstGeom>
         </p:spPr>
         <p:txBody>
-          <a:bodyPr vert="horz" lIns="91440" tIns="45720" rIns="91440" bIns="45720" rtlCol="0"/>
+          <a:bodyPr vert="horz" lIns="96661" tIns="48331" rIns="96661" bIns="48331" rtlCol="0"/>
           <a:lstStyle>
             <a:lvl1pPr algn="l">
-              <a:defRPr sz="1200"/>
+              <a:defRPr sz="1300"/>
             </a:lvl1pPr>
           </a:lstStyle>
           <a:p>
@@ -3444,24 +3444,24 @@
         </p:nvSpPr>
         <p:spPr>
           <a:xfrm>
-            <a:off x="3884613" y="0"/>
-            <a:ext cx="2971800" cy="458788"/>
+            <a:off x="4143587" y="1"/>
+            <a:ext cx="3169920" cy="481727"/>
           </a:xfrm>
           <a:prstGeom prst="rect">
             <a:avLst/>
           </a:prstGeom>
         </p:spPr>
         <p:txBody>
-          <a:bodyPr vert="horz" lIns="91440" tIns="45720" rIns="91440" bIns="45720" rtlCol="0"/>
+          <a:bodyPr vert="horz" lIns="96661" tIns="48331" rIns="96661" bIns="48331" rtlCol="0"/>
           <a:lstStyle>
             <a:lvl1pPr algn="r">
-              <a:defRPr sz="1200"/>
+              <a:defRPr sz="1300"/>
             </a:lvl1pPr>
           </a:lstStyle>
           <a:p>
             <a:fld id="{D5C9E47B-4149-4D78-AEA7-6A63220E520D}" type="datetimeFigureOut">
               <a:rPr lang="en-US" smtClean="0"/>
-              <a:t>2/4/2016</a:t>
+              <a:t>2/5/2016</a:t>
             </a:fld>
             <a:endParaRPr lang="en-US"/>
           </a:p>
@@ -3479,8 +3479,8 @@
         </p:nvSpPr>
         <p:spPr>
           <a:xfrm>
-            <a:off x="685800" y="1143000"/>
-            <a:ext cx="5486400" cy="3086100"/>
+            <a:off x="777875" y="1200150"/>
+            <a:ext cx="5759450" cy="3240088"/>
           </a:xfrm>
           <a:prstGeom prst="rect">
             <a:avLst/>
@@ -3493,7 +3493,7 @@
           </a:ln>
         </p:spPr>
         <p:txBody>
-          <a:bodyPr vert="horz" lIns="91440" tIns="45720" rIns="91440" bIns="45720" rtlCol="0" anchor="ctr"/>
+          <a:bodyPr vert="horz" lIns="96661" tIns="48331" rIns="96661" bIns="48331" rtlCol="0" anchor="ctr"/>
           <a:lstStyle/>
           <a:p>
             <a:endParaRPr lang="en-US"/>
@@ -3512,15 +3512,15 @@
         </p:nvSpPr>
         <p:spPr>
           <a:xfrm>
-            <a:off x="685800" y="4400550"/>
-            <a:ext cx="5486400" cy="3600450"/>
+            <a:off x="731520" y="4620577"/>
+            <a:ext cx="5852160" cy="3780474"/>
           </a:xfrm>
           <a:prstGeom prst="rect">
             <a:avLst/>
           </a:prstGeom>
         </p:spPr>
         <p:txBody>
-          <a:bodyPr vert="horz" lIns="91440" tIns="45720" rIns="91440" bIns="45720" rtlCol="0"/>
+          <a:bodyPr vert="horz" lIns="96661" tIns="48331" rIns="96661" bIns="48331" rtlCol="0"/>
           <a:lstStyle/>
           <a:p>
             <a:pPr lvl="0"/>
@@ -3572,18 +3572,18 @@
         </p:nvSpPr>
         <p:spPr>
           <a:xfrm>
-            <a:off x="0" y="8685213"/>
-            <a:ext cx="2971800" cy="458787"/>
+            <a:off x="0" y="9119474"/>
+            <a:ext cx="3169920" cy="481726"/>
           </a:xfrm>
           <a:prstGeom prst="rect">
             <a:avLst/>
           </a:prstGeom>
         </p:spPr>
         <p:txBody>
-          <a:bodyPr vert="horz" lIns="91440" tIns="45720" rIns="91440" bIns="45720" rtlCol="0" anchor="b"/>
+          <a:bodyPr vert="horz" lIns="96661" tIns="48331" rIns="96661" bIns="48331" rtlCol="0" anchor="b"/>
           <a:lstStyle>
             <a:lvl1pPr algn="l">
-              <a:defRPr sz="1200"/>
+              <a:defRPr sz="1300"/>
             </a:lvl1pPr>
           </a:lstStyle>
           <a:p>
@@ -3603,18 +3603,18 @@
         </p:nvSpPr>
         <p:spPr>
           <a:xfrm>
-            <a:off x="3884613" y="8685213"/>
-            <a:ext cx="2971800" cy="458787"/>
+            <a:off x="4143587" y="9119474"/>
+            <a:ext cx="3169920" cy="481726"/>
           </a:xfrm>
           <a:prstGeom prst="rect">
             <a:avLst/>
           </a:prstGeom>
         </p:spPr>
         <p:txBody>
-          <a:bodyPr vert="horz" lIns="91440" tIns="45720" rIns="91440" bIns="45720" rtlCol="0" anchor="b"/>
+          <a:bodyPr vert="horz" lIns="96661" tIns="48331" rIns="96661" bIns="48331" rtlCol="0" anchor="b"/>
           <a:lstStyle>
             <a:lvl1pPr algn="r">
-              <a:defRPr sz="1200"/>
+              <a:defRPr sz="1300"/>
             </a:lvl1pPr>
           </a:lstStyle>
           <a:p>
@@ -3786,21 +3786,7 @@
             <a:endParaRPr lang="en-US" baseline="0" dirty="0" smtClean="0"/>
           </a:p>
           <a:p>
-            <a:pPr marL="0" marR="0" indent="0" algn="l" defTabSz="914400" rtl="0" eaLnBrk="1" fontAlgn="auto" latinLnBrk="0" hangingPunct="1">
-              <a:lnSpc>
-                <a:spcPct val="100000"/>
-              </a:lnSpc>
-              <a:spcBef>
-                <a:spcPts val="0"/>
-              </a:spcBef>
-              <a:spcAft>
-                <a:spcPts val="0"/>
-              </a:spcAft>
-              <a:buClrTx/>
-              <a:buSzTx/>
-              <a:buFontTx/>
-              <a:buNone/>
-              <a:tabLst/>
+            <a:pPr defTabSz="966612">
               <a:defRPr/>
             </a:pPr>
             <a:r>
@@ -3809,41 +3795,31 @@
             </a:r>
           </a:p>
           <a:p>
-            <a:pPr marL="0" marR="0" indent="0" algn="l" defTabSz="914400" rtl="0" eaLnBrk="1" fontAlgn="auto" latinLnBrk="0" hangingPunct="1">
-              <a:lnSpc>
-                <a:spcPct val="100000"/>
-              </a:lnSpc>
-              <a:spcBef>
-                <a:spcPts val="0"/>
-              </a:spcBef>
-              <a:spcAft>
-                <a:spcPts val="0"/>
-              </a:spcAft>
-              <a:buClrTx/>
-              <a:buSzTx/>
-              <a:buFontTx/>
-              <a:buNone/>
-              <a:tabLst/>
+            <a:pPr defTabSz="966612">
               <a:defRPr/>
             </a:pPr>
             <a:endParaRPr lang="en-US" baseline="0" dirty="0" smtClean="0"/>
           </a:p>
           <a:p>
-            <a:pPr marL="0" marR="0" indent="0" algn="l" defTabSz="914400" rtl="0" eaLnBrk="1" fontAlgn="auto" latinLnBrk="0" hangingPunct="1">
-              <a:lnSpc>
-                <a:spcPct val="100000"/>
-              </a:lnSpc>
-              <a:spcBef>
-                <a:spcPts val="0"/>
-              </a:spcBef>
-              <a:spcAft>
-                <a:spcPts val="0"/>
-              </a:spcAft>
-              <a:buClrTx/>
-              <a:buSzTx/>
-              <a:buFontTx/>
-              <a:buNone/>
-              <a:tabLst/>
+            <a:pPr defTabSz="966612">
+              <a:defRPr/>
+            </a:pPr>
+            <a:r>
+              <a:rPr lang="en-US" baseline="0" dirty="0" smtClean="0"/>
+              <a:t>At the end, I’ll some </a:t>
+            </a:r>
+            <a:r>
+              <a:rPr lang="en-US" baseline="0" dirty="0" err="1" smtClean="0"/>
+              <a:t>some</a:t>
+            </a:r>
+            <a:r>
+              <a:rPr lang="en-US" baseline="0" dirty="0" smtClean="0"/>
+              <a:t> interesting results regarding some Java 8 code idioms and even UCMS.</a:t>
+            </a:r>
+            <a:endParaRPr lang="en-US" baseline="0" dirty="0" smtClean="0"/>
+          </a:p>
+          <a:p>
+            <a:pPr defTabSz="966612">
               <a:defRPr/>
             </a:pPr>
             <a:endParaRPr lang="en-US" dirty="0" smtClean="0"/>
@@ -4366,7 +4342,32 @@
             </a:r>
             <a:r>
               <a:rPr lang="en-US" dirty="0" smtClean="0"/>
-              <a:t> is the process of simplifying constant expressions at compile time. Terms in constant expressions are typically simple literals, such as the integer 2, but can also be variables whose values are never modified, or variables explicitly marked as constant</a:t>
+              <a:t> is the process of simplifying constant expressions at compile time. Terms in constant expressions are typically simple literals, such as the integer 2, but can also be variables whose values are never modified, or variables explicitly marked as </a:t>
+            </a:r>
+            <a:r>
+              <a:rPr lang="en-US" dirty="0" smtClean="0"/>
+              <a:t>constant.</a:t>
+            </a:r>
+          </a:p>
+          <a:p>
+            <a:endParaRPr lang="en-US" dirty="0" smtClean="0"/>
+          </a:p>
+          <a:p>
+            <a:r>
+              <a:rPr lang="en-US" dirty="0" smtClean="0"/>
+              <a:t>A major issue with </a:t>
+            </a:r>
+            <a:r>
+              <a:rPr lang="en-US" dirty="0" err="1" smtClean="0"/>
+              <a:t>microbenchmarks</a:t>
+            </a:r>
+            <a:r>
+              <a:rPr lang="en-US" dirty="0" smtClean="0"/>
+              <a:t>,</a:t>
+            </a:r>
+            <a:r>
+              <a:rPr lang="en-US" baseline="0" dirty="0" smtClean="0"/>
+              <a:t> because of how they are usually (simply) structured.</a:t>
             </a:r>
             <a:endParaRPr lang="en-US" dirty="0"/>
           </a:p>
@@ -4562,11 +4563,7 @@
           <a:p>
             <a:r>
               <a:rPr lang="en-US" dirty="0" smtClean="0"/>
-              <a:t>Loop unrolling</a:t>
-            </a:r>
-            <a:r>
-              <a:rPr lang="en-US" dirty="0" smtClean="0"/>
-              <a:t>.</a:t>
+              <a:t>Loop unrolling.</a:t>
             </a:r>
           </a:p>
           <a:p>
@@ -4574,16 +4571,11 @@
               <a:rPr lang="en-US" dirty="0" smtClean="0"/>
               <a:t>OSR can make benchmark code (typically a loop of calls to the profiled method) perform different to how it would in real life. </a:t>
             </a:r>
-            <a:endParaRPr lang="en-US" dirty="0" smtClean="0"/>
-          </a:p>
-          <a:p>
-            <a:r>
-              <a:rPr lang="en-US" dirty="0" smtClean="0"/>
-              <a:t>“False sharing” for multithreaded tests</a:t>
-            </a:r>
-            <a:r>
-              <a:rPr lang="en-US" dirty="0" smtClean="0"/>
-              <a:t>.</a:t>
+          </a:p>
+          <a:p>
+            <a:r>
+              <a:rPr lang="en-US" dirty="0" smtClean="0"/>
+              <a:t>“False sharing” for multithreaded tests.</a:t>
             </a:r>
           </a:p>
           <a:p>
@@ -4603,7 +4595,6 @@
               <a:rPr lang="en-US" dirty="0" smtClean="0"/>
               <a:t>A buildup to a GC might be ignored in a run or a collection may be included.</a:t>
             </a:r>
-            <a:endParaRPr lang="en-US" dirty="0" smtClean="0"/>
           </a:p>
           <a:p>
             <a:r>
@@ -4866,21 +4857,7 @@
             <a:endParaRPr lang="en-US" b="1" dirty="0" smtClean="0"/>
           </a:p>
           <a:p>
-            <a:pPr marL="0" marR="0" indent="0" algn="l" defTabSz="914400" rtl="0" eaLnBrk="1" fontAlgn="auto" latinLnBrk="0" hangingPunct="1">
-              <a:lnSpc>
-                <a:spcPct val="100000"/>
-              </a:lnSpc>
-              <a:spcBef>
-                <a:spcPts val="0"/>
-              </a:spcBef>
-              <a:spcAft>
-                <a:spcPts val="0"/>
-              </a:spcAft>
-              <a:buClrTx/>
-              <a:buSzTx/>
-              <a:buFontTx/>
-              <a:buNone/>
-              <a:tabLst/>
+            <a:pPr defTabSz="966612">
               <a:defRPr/>
             </a:pPr>
             <a:r>
@@ -4995,11 +4972,7 @@
           <a:p>
             <a:r>
               <a:rPr lang="en-US" dirty="0" smtClean="0"/>
-              <a:t>In </a:t>
-            </a:r>
-            <a:r>
-              <a:rPr lang="en-US" dirty="0" smtClean="0"/>
-              <a:t>all cases, the key to using JMH is enabling the annotation- or bytecode-processors to generate the synthetic benchmark code and properly</a:t>
+              <a:t>In all cases, the key to using JMH is enabling the annotation- or bytecode-processors to generate the synthetic benchmark code and properly</a:t>
             </a:r>
             <a:r>
               <a:rPr lang="en-US" baseline="0" dirty="0" smtClean="0"/>
@@ -5011,21 +4984,7 @@
             <a:endParaRPr lang="en-US" dirty="0" smtClean="0"/>
           </a:p>
           <a:p>
-            <a:pPr marL="0" marR="0" indent="0" algn="l" defTabSz="914400" rtl="0" eaLnBrk="1" fontAlgn="auto" latinLnBrk="0" hangingPunct="1">
-              <a:lnSpc>
-                <a:spcPct val="100000"/>
-              </a:lnSpc>
-              <a:spcBef>
-                <a:spcPts val="0"/>
-              </a:spcBef>
-              <a:spcAft>
-                <a:spcPts val="0"/>
-              </a:spcAft>
-              <a:buClrTx/>
-              <a:buSzTx/>
-              <a:buFontTx/>
-              <a:buNone/>
-              <a:tabLst/>
+            <a:pPr defTabSz="966612">
               <a:defRPr/>
             </a:pPr>
             <a:r>
@@ -5209,21 +5168,7 @@
             <a:endParaRPr lang="en-US" baseline="0" dirty="0" smtClean="0"/>
           </a:p>
           <a:p>
-            <a:pPr marL="0" marR="0" indent="0" algn="l" defTabSz="914400" rtl="0" eaLnBrk="1" fontAlgn="auto" latinLnBrk="0" hangingPunct="1">
-              <a:lnSpc>
-                <a:spcPct val="100000"/>
-              </a:lnSpc>
-              <a:spcBef>
-                <a:spcPts val="0"/>
-              </a:spcBef>
-              <a:spcAft>
-                <a:spcPts val="0"/>
-              </a:spcAft>
-              <a:buClrTx/>
-              <a:buSzTx/>
-              <a:buFontTx/>
-              <a:buNone/>
-              <a:tabLst/>
+            <a:pPr defTabSz="966612">
               <a:defRPr/>
             </a:pPr>
             <a:r>
@@ -5572,401 +5517,131 @@
               <a:rPr lang="en-US" baseline="0" dirty="0" smtClean="0"/>
               <a:t>Must be public</a:t>
             </a:r>
+          </a:p>
+          <a:p>
             <a:endParaRPr lang="en-US" baseline="0" dirty="0" smtClean="0"/>
           </a:p>
           <a:p>
-            <a:endParaRPr lang="en-US" baseline="0" dirty="0" smtClean="0"/>
-          </a:p>
-          <a:p>
             <a:r>
               <a:rPr lang="en-US" dirty="0" smtClean="0"/>
               <a:t>Show </a:t>
             </a:r>
             <a:r>
-              <a:rPr lang="en-US" sz="1200" kern="1200" dirty="0" smtClean="0">
-                <a:solidFill>
-                  <a:schemeClr val="tx1"/>
-                </a:solidFill>
-                <a:latin typeface="+mn-lt"/>
-                <a:ea typeface="+mn-ea"/>
-                <a:cs typeface="+mn-cs"/>
-              </a:rPr>
+              <a:rPr lang="en-US" sz="1300" dirty="0"/>
               <a:t>JMHSample_01_HelloWorld</a:t>
             </a:r>
           </a:p>
           <a:p>
             <a:r>
-              <a:rPr lang="en-US" sz="1200" kern="1200" dirty="0" smtClean="0">
-                <a:solidFill>
-                  <a:schemeClr val="tx1"/>
-                </a:solidFill>
-                <a:latin typeface="+mn-lt"/>
-                <a:ea typeface="+mn-ea"/>
-                <a:cs typeface="+mn-cs"/>
-              </a:rPr>
-              <a:t>So here’s the very basics – all *YOU*</a:t>
-            </a:r>
-            <a:r>
-              <a:rPr lang="en-US" sz="1200" kern="1200" baseline="0" dirty="0" smtClean="0">
-                <a:solidFill>
-                  <a:schemeClr val="tx1"/>
-                </a:solidFill>
-                <a:latin typeface="+mn-lt"/>
-                <a:ea typeface="+mn-ea"/>
-                <a:cs typeface="+mn-cs"/>
-              </a:rPr>
-              <a:t> have to do is </a:t>
-            </a:r>
-            <a:r>
-              <a:rPr lang="en-US" sz="1200" kern="1200" dirty="0" smtClean="0">
-                <a:solidFill>
-                  <a:schemeClr val="tx1"/>
-                </a:solidFill>
-                <a:latin typeface="+mn-lt"/>
-                <a:ea typeface="+mn-ea"/>
-                <a:cs typeface="+mn-cs"/>
-              </a:rPr>
-              <a:t>annotate a method with @Benchmark … and then figure out how to properly package and</a:t>
-            </a:r>
-            <a:r>
-              <a:rPr lang="en-US" sz="1200" kern="1200" baseline="0" dirty="0" smtClean="0">
-                <a:solidFill>
-                  <a:schemeClr val="tx1"/>
-                </a:solidFill>
-                <a:latin typeface="+mn-lt"/>
-                <a:ea typeface="+mn-ea"/>
-                <a:cs typeface="+mn-cs"/>
-              </a:rPr>
-              <a:t> run it.  Fortunately, </a:t>
-            </a:r>
-            <a:r>
-              <a:rPr lang="en-US" sz="1200" kern="1200" baseline="0" dirty="0" err="1" smtClean="0">
-                <a:solidFill>
-                  <a:schemeClr val="tx1"/>
-                </a:solidFill>
-                <a:latin typeface="+mn-lt"/>
-                <a:ea typeface="+mn-ea"/>
-                <a:cs typeface="+mn-cs"/>
-              </a:rPr>
+              <a:rPr lang="en-US" sz="1300" dirty="0"/>
+              <a:t>So here’s the very basics – all *YOU* have to do is annotate a method with @Benchmark … and then figure out how to properly package and run it.  Fortunately, </a:t>
+            </a:r>
+            <a:r>
+              <a:rPr lang="en-US" sz="1300" dirty="0" err="1"/>
               <a:t>Gradle</a:t>
             </a:r>
             <a:r>
-              <a:rPr lang="en-US" sz="1200" kern="1200" baseline="0" dirty="0" smtClean="0">
-                <a:solidFill>
-                  <a:schemeClr val="tx1"/>
-                </a:solidFill>
-                <a:latin typeface="+mn-lt"/>
-                <a:ea typeface="+mn-ea"/>
-                <a:cs typeface="+mn-cs"/>
-              </a:rPr>
+              <a:rPr lang="en-US" sz="1300" dirty="0"/>
               <a:t>.</a:t>
             </a:r>
           </a:p>
           <a:p>
-            <a:endParaRPr lang="en-US" sz="1200" kern="1200" baseline="0" dirty="0" smtClean="0">
-              <a:solidFill>
-                <a:schemeClr val="tx1"/>
-              </a:solidFill>
-              <a:latin typeface="+mn-lt"/>
-              <a:ea typeface="+mn-ea"/>
-              <a:cs typeface="+mn-cs"/>
-            </a:endParaRPr>
-          </a:p>
-          <a:p>
-            <a:pPr marL="0" marR="0" indent="0" algn="l" defTabSz="914400" rtl="0" eaLnBrk="1" fontAlgn="auto" latinLnBrk="0" hangingPunct="1">
-              <a:lnSpc>
-                <a:spcPct val="100000"/>
-              </a:lnSpc>
-              <a:spcBef>
-                <a:spcPts val="0"/>
-              </a:spcBef>
-              <a:spcAft>
-                <a:spcPts val="0"/>
-              </a:spcAft>
-              <a:buClrTx/>
-              <a:buSzTx/>
-              <a:buFontTx/>
-              <a:buNone/>
-              <a:tabLst/>
+            <a:endParaRPr lang="en-US" sz="1300" dirty="0"/>
+          </a:p>
+          <a:p>
+            <a:pPr defTabSz="966612">
               <a:defRPr/>
             </a:pPr>
             <a:r>
-              <a:rPr lang="en-US" sz="1200" kern="1200" baseline="0" dirty="0" smtClean="0">
-                <a:solidFill>
-                  <a:schemeClr val="tx1"/>
-                </a:solidFill>
-                <a:latin typeface="+mn-lt"/>
-                <a:ea typeface="+mn-ea"/>
-                <a:cs typeface="+mn-cs"/>
-              </a:rPr>
+              <a:rPr lang="en-US" sz="1300" dirty="0"/>
               <a:t>See the “Referenced </a:t>
             </a:r>
             <a:r>
-              <a:rPr lang="en-US" sz="1200" kern="1200" baseline="0" dirty="0" err="1" smtClean="0">
-                <a:solidFill>
-                  <a:schemeClr val="tx1"/>
-                </a:solidFill>
-                <a:latin typeface="+mn-lt"/>
-                <a:ea typeface="+mn-ea"/>
-                <a:cs typeface="+mn-cs"/>
-              </a:rPr>
+              <a:rPr lang="en-US" sz="1300" dirty="0" err="1"/>
               <a:t>Librarys</a:t>
             </a:r>
             <a:r>
-              <a:rPr lang="en-US" sz="1200" kern="1200" baseline="0" dirty="0" smtClean="0">
-                <a:solidFill>
-                  <a:schemeClr val="tx1"/>
-                </a:solidFill>
-                <a:latin typeface="+mn-lt"/>
-                <a:ea typeface="+mn-ea"/>
-                <a:cs typeface="+mn-cs"/>
-              </a:rPr>
+              <a:rPr lang="en-US" sz="1300" dirty="0"/>
               <a:t>” – here is the JMH code – the annotation processor and the core jars which we need to reference – don’t worry, </a:t>
             </a:r>
             <a:r>
-              <a:rPr lang="en-US" sz="1200" kern="1200" baseline="0" dirty="0" err="1" smtClean="0">
-                <a:solidFill>
-                  <a:schemeClr val="tx1"/>
-                </a:solidFill>
-                <a:latin typeface="+mn-lt"/>
-                <a:ea typeface="+mn-ea"/>
-                <a:cs typeface="+mn-cs"/>
-              </a:rPr>
+              <a:rPr lang="en-US" sz="1300" dirty="0" err="1"/>
               <a:t>Gradle</a:t>
             </a:r>
             <a:r>
-              <a:rPr lang="en-US" sz="1200" kern="1200" baseline="0" dirty="0" smtClean="0">
-                <a:solidFill>
-                  <a:schemeClr val="tx1"/>
-                </a:solidFill>
-                <a:latin typeface="+mn-lt"/>
-                <a:ea typeface="+mn-ea"/>
-                <a:cs typeface="+mn-cs"/>
-              </a:rPr>
+              <a:rPr lang="en-US" sz="1300" dirty="0"/>
               <a:t> properly sets up the references for just your benchmark code, NOT your application code.</a:t>
             </a:r>
-            <a:endParaRPr lang="en-US" sz="1200" kern="1200" dirty="0" smtClean="0">
-              <a:solidFill>
-                <a:schemeClr val="tx1"/>
-              </a:solidFill>
-              <a:latin typeface="+mn-lt"/>
-              <a:ea typeface="+mn-ea"/>
-              <a:cs typeface="+mn-cs"/>
-            </a:endParaRPr>
-          </a:p>
-          <a:p>
-            <a:endParaRPr lang="en-US" sz="1200" kern="1200" baseline="0" dirty="0" smtClean="0">
-              <a:solidFill>
-                <a:schemeClr val="tx1"/>
-              </a:solidFill>
-              <a:latin typeface="+mn-lt"/>
-              <a:ea typeface="+mn-ea"/>
-              <a:cs typeface="+mn-cs"/>
-            </a:endParaRPr>
-          </a:p>
-          <a:p>
-            <a:r>
-              <a:rPr lang="en-US" sz="1200" kern="1200" dirty="0" smtClean="0">
-                <a:solidFill>
-                  <a:schemeClr val="tx1"/>
-                </a:solidFill>
-                <a:latin typeface="+mn-lt"/>
-                <a:ea typeface="+mn-ea"/>
-                <a:cs typeface="+mn-cs"/>
-              </a:rPr>
-              <a:t>You</a:t>
-            </a:r>
-            <a:r>
-              <a:rPr lang="en-US" sz="1200" kern="1200" baseline="0" dirty="0" smtClean="0">
-                <a:solidFill>
-                  <a:schemeClr val="tx1"/>
-                </a:solidFill>
-                <a:latin typeface="+mn-lt"/>
-                <a:ea typeface="+mn-ea"/>
-                <a:cs typeface="+mn-cs"/>
-              </a:rPr>
-              <a:t> could just run it via this main setup, as JMH does provide a programmatic way to launch it…but that comes with a lot of caveats and produces definitely very skewed results.</a:t>
-            </a:r>
-          </a:p>
-          <a:p>
-            <a:endParaRPr lang="en-US" sz="1200" kern="1200" baseline="0" dirty="0" smtClean="0">
-              <a:solidFill>
-                <a:schemeClr val="tx1"/>
-              </a:solidFill>
-              <a:latin typeface="+mn-lt"/>
-              <a:ea typeface="+mn-ea"/>
-              <a:cs typeface="+mn-cs"/>
-            </a:endParaRPr>
-          </a:p>
-          <a:p>
-            <a:r>
-              <a:rPr lang="en-US" sz="1200" kern="1200" dirty="0" smtClean="0">
-                <a:solidFill>
-                  <a:schemeClr val="tx1"/>
-                </a:solidFill>
-                <a:latin typeface="+mn-lt"/>
-                <a:ea typeface="+mn-ea"/>
-                <a:cs typeface="+mn-cs"/>
-              </a:rPr>
+          </a:p>
+          <a:p>
+            <a:endParaRPr lang="en-US" sz="1300" dirty="0"/>
+          </a:p>
+          <a:p>
+            <a:r>
+              <a:rPr lang="en-US" sz="1300" dirty="0"/>
+              <a:t>You could just run it via this main setup, as JMH does provide a programmatic way to launch it…but that comes with a lot of caveats and produces definitely very skewed results.</a:t>
+            </a:r>
+          </a:p>
+          <a:p>
+            <a:endParaRPr lang="en-US" sz="1300" dirty="0"/>
+          </a:p>
+          <a:p>
+            <a:r>
+              <a:rPr lang="en-US" sz="1300" dirty="0"/>
               <a:t>From / “</a:t>
             </a:r>
             <a:r>
-              <a:rPr lang="en-US" sz="1200" kern="1200" dirty="0" err="1" smtClean="0">
-                <a:solidFill>
-                  <a:schemeClr val="tx1"/>
-                </a:solidFill>
-                <a:latin typeface="+mn-lt"/>
-                <a:ea typeface="+mn-ea"/>
-                <a:cs typeface="+mn-cs"/>
-              </a:rPr>
+              <a:rPr lang="en-US" sz="1300" dirty="0" err="1"/>
               <a:t>gradlew</a:t>
             </a:r>
             <a:r>
-              <a:rPr lang="en-US" sz="1200" kern="1200" dirty="0" smtClean="0">
-                <a:solidFill>
-                  <a:schemeClr val="tx1"/>
-                </a:solidFill>
-                <a:latin typeface="+mn-lt"/>
-                <a:ea typeface="+mn-ea"/>
-                <a:cs typeface="+mn-cs"/>
-              </a:rPr>
+              <a:rPr lang="en-US" sz="1300" dirty="0"/>
               <a:t> :</a:t>
             </a:r>
             <a:r>
-              <a:rPr lang="en-US" sz="1200" kern="1200" dirty="0" err="1" smtClean="0">
-                <a:solidFill>
-                  <a:schemeClr val="tx1"/>
-                </a:solidFill>
-                <a:latin typeface="+mn-lt"/>
-                <a:ea typeface="+mn-ea"/>
-                <a:cs typeface="+mn-cs"/>
-              </a:rPr>
+              <a:rPr lang="en-US" sz="1300" dirty="0" err="1"/>
               <a:t>jmh-samples:plot</a:t>
             </a:r>
             <a:r>
-              <a:rPr lang="en-US" sz="1200" kern="1200" dirty="0" smtClean="0">
-                <a:solidFill>
-                  <a:schemeClr val="tx1"/>
-                </a:solidFill>
-                <a:latin typeface="+mn-lt"/>
-                <a:ea typeface="+mn-ea"/>
-                <a:cs typeface="+mn-cs"/>
-              </a:rPr>
+              <a:rPr lang="en-US" sz="1300" dirty="0"/>
               <a:t> -</a:t>
             </a:r>
             <a:r>
-              <a:rPr lang="en-US" sz="1200" kern="1200" dirty="0" err="1" smtClean="0">
-                <a:solidFill>
-                  <a:schemeClr val="tx1"/>
-                </a:solidFill>
-                <a:latin typeface="+mn-lt"/>
-                <a:ea typeface="+mn-ea"/>
-                <a:cs typeface="+mn-cs"/>
-              </a:rPr>
+              <a:rPr lang="en-US" sz="1300" dirty="0" err="1"/>
               <a:t>PjmhClass</a:t>
             </a:r>
             <a:r>
-              <a:rPr lang="en-US" sz="1200" kern="1200" dirty="0" smtClean="0">
-                <a:solidFill>
-                  <a:schemeClr val="tx1"/>
-                </a:solidFill>
-                <a:latin typeface="+mn-lt"/>
-                <a:ea typeface="+mn-ea"/>
-                <a:cs typeface="+mn-cs"/>
-              </a:rPr>
+              <a:rPr lang="en-US" sz="1300" dirty="0"/>
               <a:t>=JMHSample_01_HelloWorld --daemon"</a:t>
             </a:r>
           </a:p>
           <a:p>
-            <a:endParaRPr lang="en-US" sz="1200" kern="1200" baseline="0" dirty="0" smtClean="0">
-              <a:solidFill>
-                <a:schemeClr val="tx1"/>
-              </a:solidFill>
-              <a:latin typeface="+mn-lt"/>
-              <a:ea typeface="+mn-ea"/>
-              <a:cs typeface="+mn-cs"/>
-            </a:endParaRPr>
-          </a:p>
-          <a:p>
-            <a:r>
-              <a:rPr lang="en-US" sz="1200" kern="1200" baseline="0" dirty="0" smtClean="0">
-                <a:solidFill>
-                  <a:schemeClr val="tx1"/>
-                </a:solidFill>
-                <a:latin typeface="+mn-lt"/>
-                <a:ea typeface="+mn-ea"/>
-                <a:cs typeface="+mn-cs"/>
-              </a:rPr>
+            <a:endParaRPr lang="en-US" sz="1300" dirty="0"/>
+          </a:p>
+          <a:p>
+            <a:r>
+              <a:rPr lang="en-US" sz="1300" dirty="0"/>
               <a:t>Output in /</a:t>
             </a:r>
             <a:r>
-              <a:rPr lang="en-US" sz="1200" kern="1200" baseline="0" dirty="0" err="1" smtClean="0">
-                <a:solidFill>
-                  <a:schemeClr val="tx1"/>
-                </a:solidFill>
-                <a:latin typeface="+mn-lt"/>
-                <a:ea typeface="+mn-ea"/>
-                <a:cs typeface="+mn-cs"/>
-              </a:rPr>
+              <a:rPr lang="en-US" sz="1300" dirty="0" err="1"/>
               <a:t>jmh</a:t>
             </a:r>
             <a:r>
-              <a:rPr lang="en-US" sz="1200" kern="1200" baseline="0" dirty="0" smtClean="0">
-                <a:solidFill>
-                  <a:schemeClr val="tx1"/>
-                </a:solidFill>
-                <a:latin typeface="+mn-lt"/>
-                <a:ea typeface="+mn-ea"/>
-                <a:cs typeface="+mn-cs"/>
-              </a:rPr>
+              <a:rPr lang="en-US" sz="1300" dirty="0"/>
               <a:t>-samples/build/reports/</a:t>
             </a:r>
             <a:r>
-              <a:rPr lang="en-US" sz="1200" kern="1200" baseline="0" dirty="0" err="1" smtClean="0">
-                <a:solidFill>
-                  <a:schemeClr val="tx1"/>
-                </a:solidFill>
-                <a:latin typeface="+mn-lt"/>
-                <a:ea typeface="+mn-ea"/>
-                <a:cs typeface="+mn-cs"/>
-              </a:rPr>
+              <a:rPr lang="en-US" sz="1300" dirty="0" err="1"/>
               <a:t>jmh</a:t>
             </a:r>
-            <a:endParaRPr lang="en-US" sz="1200" kern="1200" baseline="0" dirty="0" smtClean="0">
-              <a:solidFill>
-                <a:schemeClr val="tx1"/>
-              </a:solidFill>
-              <a:latin typeface="+mn-lt"/>
-              <a:ea typeface="+mn-ea"/>
-              <a:cs typeface="+mn-cs"/>
-            </a:endParaRPr>
-          </a:p>
-          <a:p>
-            <a:endParaRPr lang="en-US" sz="1200" kern="1200" baseline="0" dirty="0" smtClean="0">
-              <a:solidFill>
-                <a:schemeClr val="tx1"/>
-              </a:solidFill>
-              <a:latin typeface="+mn-lt"/>
-              <a:ea typeface="+mn-ea"/>
-              <a:cs typeface="+mn-cs"/>
-            </a:endParaRPr>
-          </a:p>
-          <a:p>
-            <a:pPr marL="0" marR="0" indent="0" algn="l" defTabSz="914400" rtl="0" eaLnBrk="1" fontAlgn="auto" latinLnBrk="0" hangingPunct="1">
-              <a:lnSpc>
-                <a:spcPct val="100000"/>
-              </a:lnSpc>
-              <a:spcBef>
-                <a:spcPts val="0"/>
-              </a:spcBef>
-              <a:spcAft>
-                <a:spcPts val="0"/>
-              </a:spcAft>
-              <a:buClrTx/>
-              <a:buSzTx/>
-              <a:buFontTx/>
-              <a:buNone/>
-              <a:tabLst/>
+            <a:endParaRPr lang="en-US" sz="1300" dirty="0"/>
+          </a:p>
+          <a:p>
+            <a:endParaRPr lang="en-US" sz="1300" dirty="0"/>
+          </a:p>
+          <a:p>
+            <a:pPr defTabSz="966612">
               <a:defRPr/>
             </a:pPr>
             <a:r>
@@ -5987,90 +5662,34 @@
             </a:r>
           </a:p>
           <a:p>
-            <a:pPr marL="0" marR="0" indent="0" algn="l" defTabSz="914400" rtl="0" eaLnBrk="1" fontAlgn="auto" latinLnBrk="0" hangingPunct="1">
-              <a:lnSpc>
-                <a:spcPct val="100000"/>
-              </a:lnSpc>
-              <a:spcBef>
-                <a:spcPts val="0"/>
-              </a:spcBef>
-              <a:spcAft>
-                <a:spcPts val="0"/>
-              </a:spcAft>
-              <a:buClrTx/>
-              <a:buSzTx/>
-              <a:buFontTx/>
-              <a:buNone/>
-              <a:tabLst/>
+            <a:pPr defTabSz="966612">
               <a:defRPr/>
             </a:pPr>
-            <a:endParaRPr lang="en-US" sz="1200" kern="1200" baseline="0" dirty="0" smtClean="0">
-              <a:solidFill>
-                <a:schemeClr val="tx1"/>
-              </a:solidFill>
-              <a:latin typeface="+mn-lt"/>
-              <a:ea typeface="+mn-ea"/>
-              <a:cs typeface="+mn-cs"/>
-            </a:endParaRPr>
-          </a:p>
-          <a:p>
-            <a:r>
-              <a:rPr lang="en-US" sz="1200" kern="1200" baseline="0" dirty="0" smtClean="0">
-                <a:solidFill>
-                  <a:schemeClr val="tx1"/>
-                </a:solidFill>
-                <a:latin typeface="+mn-lt"/>
-                <a:ea typeface="+mn-ea"/>
-                <a:cs typeface="+mn-cs"/>
-              </a:rPr>
+            <a:endParaRPr lang="en-US" sz="1300" dirty="0"/>
+          </a:p>
+          <a:p>
+            <a:r>
+              <a:rPr lang="en-US" sz="1300" dirty="0"/>
               <a:t>Show human.txt</a:t>
             </a:r>
           </a:p>
           <a:p>
             <a:r>
-              <a:rPr lang="en-US" sz="1200" kern="1200" baseline="0" dirty="0" smtClean="0">
-                <a:solidFill>
-                  <a:schemeClr val="tx1"/>
-                </a:solidFill>
-                <a:latin typeface="+mn-lt"/>
-                <a:ea typeface="+mn-ea"/>
-                <a:cs typeface="+mn-cs"/>
-              </a:rPr>
+              <a:rPr lang="en-US" sz="1300" dirty="0"/>
               <a:t>-Info looks similar to </a:t>
             </a:r>
             <a:r>
-              <a:rPr lang="en-US" sz="1200" kern="1200" baseline="0" dirty="0" err="1" smtClean="0">
-                <a:solidFill>
-                  <a:schemeClr val="tx1"/>
-                </a:solidFill>
-                <a:latin typeface="+mn-lt"/>
-                <a:ea typeface="+mn-ea"/>
-                <a:cs typeface="+mn-cs"/>
-              </a:rPr>
+              <a:rPr lang="en-US" sz="1300" dirty="0" err="1"/>
               <a:t>SimpleBenchmarker</a:t>
             </a:r>
             <a:r>
-              <a:rPr lang="en-US" sz="1200" kern="1200" baseline="0" dirty="0" smtClean="0">
-                <a:solidFill>
-                  <a:schemeClr val="tx1"/>
-                </a:solidFill>
-                <a:latin typeface="+mn-lt"/>
-                <a:ea typeface="+mn-ea"/>
-                <a:cs typeface="+mn-cs"/>
-              </a:rPr>
+              <a:rPr lang="en-US" sz="1300" dirty="0"/>
               <a:t>, that’s no accident, run X warmups, then Y tests, limit each iteration by time</a:t>
             </a:r>
           </a:p>
           <a:p>
             <a:r>
-              <a:rPr lang="en-US" sz="1200" kern="1200" baseline="0" dirty="0" smtClean="0">
-                <a:solidFill>
-                  <a:schemeClr val="tx1"/>
-                </a:solidFill>
-                <a:latin typeface="+mn-lt"/>
-                <a:ea typeface="+mn-ea"/>
-                <a:cs typeface="+mn-cs"/>
-              </a:rPr>
+              <a:rPr lang="en-US" sz="1300" dirty="0"/>
               <a:t>-</a:t>
             </a:r>
             <a:r>
@@ -6079,475 +5698,177 @@
             </a:r>
           </a:p>
           <a:p>
-            <a:endParaRPr lang="en-US" sz="1200" kern="1200" baseline="0" dirty="0" smtClean="0">
-              <a:solidFill>
-                <a:schemeClr val="tx1"/>
-              </a:solidFill>
-              <a:latin typeface="+mn-lt"/>
-              <a:ea typeface="+mn-ea"/>
-              <a:cs typeface="+mn-cs"/>
-            </a:endParaRPr>
-          </a:p>
-          <a:p>
-            <a:r>
-              <a:rPr lang="en-US" sz="1200" kern="1200" baseline="0" dirty="0" smtClean="0">
-                <a:solidFill>
-                  <a:schemeClr val="tx1"/>
-                </a:solidFill>
-                <a:latin typeface="+mn-lt"/>
-                <a:ea typeface="+mn-ea"/>
-                <a:cs typeface="+mn-cs"/>
-              </a:rPr>
+            <a:endParaRPr lang="en-US" sz="1300" dirty="0"/>
+          </a:p>
+          <a:p>
+            <a:r>
+              <a:rPr lang="en-US" sz="1300" dirty="0"/>
               <a:t>Show results.csv</a:t>
             </a:r>
           </a:p>
           <a:p>
             <a:r>
-              <a:rPr lang="en-US" sz="1200" kern="1200" baseline="0" dirty="0" smtClean="0">
-                <a:solidFill>
-                  <a:schemeClr val="tx1"/>
-                </a:solidFill>
-                <a:latin typeface="+mn-lt"/>
-                <a:ea typeface="+mn-ea"/>
-                <a:cs typeface="+mn-cs"/>
-              </a:rPr>
+              <a:rPr lang="en-US" sz="1300" dirty="0"/>
               <a:t>-CPU results per-test</a:t>
             </a:r>
             <a:endParaRPr lang="en-US" dirty="0" smtClean="0"/>
           </a:p>
           <a:p>
-            <a:endParaRPr lang="en-US" sz="1200" kern="1200" dirty="0" smtClean="0">
-              <a:solidFill>
-                <a:schemeClr val="tx1"/>
-              </a:solidFill>
-              <a:latin typeface="+mn-lt"/>
-              <a:ea typeface="+mn-ea"/>
-              <a:cs typeface="+mn-cs"/>
-            </a:endParaRPr>
-          </a:p>
-          <a:p>
-            <a:r>
-              <a:rPr lang="en-US" sz="1200" kern="1200" dirty="0" smtClean="0">
-                <a:solidFill>
-                  <a:schemeClr val="tx1"/>
-                </a:solidFill>
-                <a:latin typeface="+mn-lt"/>
-                <a:ea typeface="+mn-ea"/>
-                <a:cs typeface="+mn-cs"/>
-              </a:rPr>
+            <a:endParaRPr lang="en-US" sz="1300" dirty="0"/>
+          </a:p>
+          <a:p>
+            <a:r>
+              <a:rPr lang="en-US" sz="1300" dirty="0"/>
               <a:t>Show </a:t>
             </a:r>
             <a:r>
-              <a:rPr lang="en-US" sz="1200" kern="1200" dirty="0" err="1" smtClean="0">
-                <a:solidFill>
-                  <a:schemeClr val="tx1"/>
-                </a:solidFill>
-                <a:latin typeface="+mn-lt"/>
-                <a:ea typeface="+mn-ea"/>
-                <a:cs typeface="+mn-cs"/>
-              </a:rPr>
+              <a:rPr lang="en-US" sz="1300" dirty="0" err="1"/>
               <a:t>jmhrunner</a:t>
             </a:r>
             <a:r>
-              <a:rPr lang="en-US" sz="1200" kern="1200" dirty="0" smtClean="0">
-                <a:solidFill>
-                  <a:schemeClr val="tx1"/>
-                </a:solidFill>
-                <a:latin typeface="+mn-lt"/>
-                <a:ea typeface="+mn-ea"/>
-                <a:cs typeface="+mn-cs"/>
-              </a:rPr>
-              <a:t> setup</a:t>
-            </a:r>
-            <a:r>
-              <a:rPr lang="en-US" sz="1200" kern="1200" baseline="0" dirty="0" smtClean="0">
-                <a:solidFill>
-                  <a:schemeClr val="tx1"/>
-                </a:solidFill>
-                <a:latin typeface="+mn-lt"/>
-                <a:ea typeface="+mn-ea"/>
-                <a:cs typeface="+mn-cs"/>
-              </a:rPr>
-              <a:t> </a:t>
-            </a:r>
-            <a:r>
-              <a:rPr lang="en-US" sz="1200" kern="1200" baseline="0" dirty="0" err="1" smtClean="0">
-                <a:solidFill>
-                  <a:schemeClr val="tx1"/>
-                </a:solidFill>
-                <a:latin typeface="+mn-lt"/>
-                <a:ea typeface="+mn-ea"/>
-                <a:cs typeface="+mn-cs"/>
-              </a:rPr>
+              <a:rPr lang="en-US" sz="1300" dirty="0"/>
+              <a:t> setup </a:t>
+            </a:r>
+            <a:r>
+              <a:rPr lang="en-US" sz="1300" dirty="0" err="1"/>
               <a:t>src</a:t>
             </a:r>
             <a:r>
-              <a:rPr lang="en-US" sz="1200" kern="1200" baseline="0" dirty="0" smtClean="0">
-                <a:solidFill>
-                  <a:schemeClr val="tx1"/>
-                </a:solidFill>
-                <a:latin typeface="+mn-lt"/>
-                <a:ea typeface="+mn-ea"/>
-                <a:cs typeface="+mn-cs"/>
-              </a:rPr>
+              <a:rPr lang="en-US" sz="1300" dirty="0"/>
               <a:t>/main/java vs </a:t>
             </a:r>
             <a:r>
-              <a:rPr lang="en-US" sz="1200" kern="1200" baseline="0" dirty="0" err="1" smtClean="0">
-                <a:solidFill>
-                  <a:schemeClr val="tx1"/>
-                </a:solidFill>
-                <a:latin typeface="+mn-lt"/>
-                <a:ea typeface="+mn-ea"/>
-                <a:cs typeface="+mn-cs"/>
-              </a:rPr>
+              <a:rPr lang="en-US" sz="1300" dirty="0" err="1"/>
               <a:t>src</a:t>
             </a:r>
             <a:r>
-              <a:rPr lang="en-US" sz="1200" kern="1200" baseline="0" dirty="0" smtClean="0">
-                <a:solidFill>
-                  <a:schemeClr val="tx1"/>
-                </a:solidFill>
-                <a:latin typeface="+mn-lt"/>
-                <a:ea typeface="+mn-ea"/>
-                <a:cs typeface="+mn-cs"/>
-              </a:rPr>
+              <a:rPr lang="en-US" sz="1300" dirty="0"/>
               <a:t>/</a:t>
             </a:r>
             <a:r>
-              <a:rPr lang="en-US" sz="1200" kern="1200" baseline="0" dirty="0" err="1" smtClean="0">
-                <a:solidFill>
-                  <a:schemeClr val="tx1"/>
-                </a:solidFill>
-                <a:latin typeface="+mn-lt"/>
-                <a:ea typeface="+mn-ea"/>
-                <a:cs typeface="+mn-cs"/>
-              </a:rPr>
+              <a:rPr lang="en-US" sz="1300" dirty="0" err="1"/>
               <a:t>jmh</a:t>
             </a:r>
             <a:r>
-              <a:rPr lang="en-US" sz="1200" kern="1200" baseline="0" dirty="0" smtClean="0">
-                <a:solidFill>
-                  <a:schemeClr val="tx1"/>
-                </a:solidFill>
-                <a:latin typeface="+mn-lt"/>
-                <a:ea typeface="+mn-ea"/>
-                <a:cs typeface="+mn-cs"/>
-              </a:rPr>
+              <a:rPr lang="en-US" sz="1300" dirty="0"/>
               <a:t>/java</a:t>
             </a:r>
           </a:p>
           <a:p>
             <a:r>
-              <a:rPr lang="en-US" sz="1200" kern="1200" baseline="0" dirty="0" smtClean="0">
-                <a:solidFill>
-                  <a:schemeClr val="tx1"/>
-                </a:solidFill>
-                <a:latin typeface="+mn-lt"/>
-                <a:ea typeface="+mn-ea"/>
-                <a:cs typeface="+mn-cs"/>
-              </a:rPr>
+              <a:rPr lang="en-US" sz="1300" dirty="0"/>
               <a:t>Here’s a *slightly* more complex example, using that same Calculator distance method you’re all sick of by now.  At least it actually tests something.</a:t>
             </a:r>
           </a:p>
           <a:p>
-            <a:endParaRPr lang="en-US" sz="1200" kern="1200" baseline="0" dirty="0" smtClean="0">
-              <a:solidFill>
-                <a:schemeClr val="tx1"/>
-              </a:solidFill>
-              <a:latin typeface="+mn-lt"/>
-              <a:ea typeface="+mn-ea"/>
-              <a:cs typeface="+mn-cs"/>
-            </a:endParaRPr>
-          </a:p>
-          <a:p>
-            <a:r>
-              <a:rPr lang="en-US" sz="1200" kern="1200" baseline="0" dirty="0" smtClean="0">
-                <a:solidFill>
-                  <a:schemeClr val="tx1"/>
-                </a:solidFill>
-                <a:latin typeface="+mn-lt"/>
-                <a:ea typeface="+mn-ea"/>
-                <a:cs typeface="+mn-cs"/>
-              </a:rPr>
+            <a:endParaRPr lang="en-US" sz="1300" dirty="0"/>
+          </a:p>
+          <a:p>
+            <a:r>
+              <a:rPr lang="en-US" sz="1300" dirty="0"/>
               <a:t>From /</a:t>
             </a:r>
             <a:r>
-              <a:rPr lang="en-US" sz="1200" kern="1200" baseline="0" dirty="0" err="1" smtClean="0">
-                <a:solidFill>
-                  <a:schemeClr val="tx1"/>
-                </a:solidFill>
-                <a:latin typeface="+mn-lt"/>
-                <a:ea typeface="+mn-ea"/>
-                <a:cs typeface="+mn-cs"/>
-              </a:rPr>
+              <a:rPr lang="en-US" sz="1300" dirty="0" err="1"/>
               <a:t>jmhrunner</a:t>
             </a:r>
             <a:r>
-              <a:rPr lang="en-US" sz="1200" kern="1200" baseline="0" dirty="0" smtClean="0">
-                <a:solidFill>
-                  <a:schemeClr val="tx1"/>
-                </a:solidFill>
-                <a:latin typeface="+mn-lt"/>
-                <a:ea typeface="+mn-ea"/>
-                <a:cs typeface="+mn-cs"/>
-              </a:rPr>
+              <a:rPr lang="en-US" sz="1300" dirty="0"/>
               <a:t> “</a:t>
             </a:r>
             <a:r>
-              <a:rPr lang="en-US" sz="1200" kern="1200" baseline="0" dirty="0" err="1" smtClean="0">
-                <a:solidFill>
-                  <a:schemeClr val="tx1"/>
-                </a:solidFill>
-                <a:latin typeface="+mn-lt"/>
-                <a:ea typeface="+mn-ea"/>
-                <a:cs typeface="+mn-cs"/>
-              </a:rPr>
+              <a:rPr lang="en-US" sz="1300" dirty="0" err="1"/>
               <a:t>gradlew</a:t>
             </a:r>
             <a:r>
-              <a:rPr lang="en-US" sz="1200" kern="1200" baseline="0" dirty="0" smtClean="0">
-                <a:solidFill>
-                  <a:schemeClr val="tx1"/>
-                </a:solidFill>
-                <a:latin typeface="+mn-lt"/>
-                <a:ea typeface="+mn-ea"/>
-                <a:cs typeface="+mn-cs"/>
-              </a:rPr>
+              <a:rPr lang="en-US" sz="1300" dirty="0"/>
               <a:t> plot --daemon”</a:t>
             </a:r>
           </a:p>
           <a:p>
-            <a:endParaRPr lang="en-US" sz="1200" kern="1200" baseline="0" dirty="0" smtClean="0">
-              <a:solidFill>
-                <a:schemeClr val="tx1"/>
-              </a:solidFill>
-              <a:latin typeface="+mn-lt"/>
-              <a:ea typeface="+mn-ea"/>
-              <a:cs typeface="+mn-cs"/>
-            </a:endParaRPr>
-          </a:p>
-          <a:p>
-            <a:r>
-              <a:rPr lang="en-US" sz="1200" kern="1200" baseline="0" dirty="0" smtClean="0">
-                <a:solidFill>
-                  <a:schemeClr val="tx1"/>
-                </a:solidFill>
-                <a:latin typeface="+mn-lt"/>
-                <a:ea typeface="+mn-ea"/>
-                <a:cs typeface="+mn-cs"/>
-              </a:rPr>
+            <a:endParaRPr lang="en-US" sz="1300" dirty="0"/>
+          </a:p>
+          <a:p>
+            <a:r>
+              <a:rPr lang="en-US" sz="1300" dirty="0"/>
               <a:t>Output in /</a:t>
             </a:r>
             <a:r>
-              <a:rPr lang="en-US" sz="1200" kern="1200" baseline="0" dirty="0" err="1" smtClean="0">
-                <a:solidFill>
-                  <a:schemeClr val="tx1"/>
-                </a:solidFill>
-                <a:latin typeface="+mn-lt"/>
-                <a:ea typeface="+mn-ea"/>
-                <a:cs typeface="+mn-cs"/>
-              </a:rPr>
+              <a:rPr lang="en-US" sz="1300" dirty="0" err="1"/>
               <a:t>jmhrunner</a:t>
             </a:r>
             <a:r>
-              <a:rPr lang="en-US" sz="1200" kern="1200" baseline="0" dirty="0" smtClean="0">
-                <a:solidFill>
-                  <a:schemeClr val="tx1"/>
-                </a:solidFill>
-                <a:latin typeface="+mn-lt"/>
-                <a:ea typeface="+mn-ea"/>
-                <a:cs typeface="+mn-cs"/>
-              </a:rPr>
+              <a:rPr lang="en-US" sz="1300" dirty="0"/>
               <a:t>/build/reports/</a:t>
             </a:r>
             <a:r>
-              <a:rPr lang="en-US" sz="1200" kern="1200" baseline="0" dirty="0" err="1" smtClean="0">
-                <a:solidFill>
-                  <a:schemeClr val="tx1"/>
-                </a:solidFill>
-                <a:latin typeface="+mn-lt"/>
-                <a:ea typeface="+mn-ea"/>
-                <a:cs typeface="+mn-cs"/>
-              </a:rPr>
+              <a:rPr lang="en-US" sz="1300" dirty="0" err="1"/>
               <a:t>jmh</a:t>
             </a:r>
-            <a:endParaRPr lang="en-US" sz="1200" kern="1200" baseline="0" dirty="0" smtClean="0">
-              <a:solidFill>
-                <a:schemeClr val="tx1"/>
-              </a:solidFill>
-              <a:latin typeface="+mn-lt"/>
-              <a:ea typeface="+mn-ea"/>
-              <a:cs typeface="+mn-cs"/>
-            </a:endParaRPr>
-          </a:p>
-          <a:p>
-            <a:endParaRPr lang="en-US" sz="1200" kern="1200" baseline="0" dirty="0" smtClean="0">
-              <a:solidFill>
-                <a:schemeClr val="tx1"/>
-              </a:solidFill>
-              <a:latin typeface="+mn-lt"/>
-              <a:ea typeface="+mn-ea"/>
-              <a:cs typeface="+mn-cs"/>
-            </a:endParaRPr>
-          </a:p>
-          <a:p>
-            <a:r>
-              <a:rPr lang="en-US" sz="1200" kern="1200" baseline="0" dirty="0" smtClean="0">
-                <a:solidFill>
-                  <a:schemeClr val="tx1"/>
-                </a:solidFill>
-                <a:latin typeface="+mn-lt"/>
-                <a:ea typeface="+mn-ea"/>
-                <a:cs typeface="+mn-cs"/>
-              </a:rPr>
+            <a:endParaRPr lang="en-US" sz="1300" dirty="0"/>
+          </a:p>
+          <a:p>
+            <a:endParaRPr lang="en-US" sz="1300" dirty="0"/>
+          </a:p>
+          <a:p>
+            <a:r>
+              <a:rPr lang="en-US" sz="1300" dirty="0"/>
               <a:t>Show human.txt</a:t>
             </a:r>
           </a:p>
           <a:p>
             <a:r>
-              <a:rPr lang="en-US" sz="1200" kern="1200" baseline="0" dirty="0" smtClean="0">
-                <a:solidFill>
-                  <a:schemeClr val="tx1"/>
-                </a:solidFill>
-                <a:latin typeface="+mn-lt"/>
-                <a:ea typeface="+mn-ea"/>
-                <a:cs typeface="+mn-cs"/>
-              </a:rPr>
+              <a:rPr lang="en-US" sz="1300" dirty="0"/>
               <a:t>Show plot.png</a:t>
             </a:r>
           </a:p>
           <a:p>
-            <a:endParaRPr lang="en-US" sz="1200" kern="1200" baseline="0" dirty="0" smtClean="0">
-              <a:solidFill>
-                <a:schemeClr val="tx1"/>
-              </a:solidFill>
-              <a:latin typeface="+mn-lt"/>
-              <a:ea typeface="+mn-ea"/>
-              <a:cs typeface="+mn-cs"/>
-            </a:endParaRPr>
-          </a:p>
-          <a:p>
-            <a:r>
-              <a:rPr lang="en-US" sz="1200" kern="1200" baseline="0" dirty="0" smtClean="0">
-                <a:solidFill>
-                  <a:schemeClr val="tx1"/>
-                </a:solidFill>
-                <a:latin typeface="+mn-lt"/>
-                <a:ea typeface="+mn-ea"/>
-                <a:cs typeface="+mn-cs"/>
-              </a:rPr>
+            <a:endParaRPr lang="en-US" sz="1300" dirty="0"/>
+          </a:p>
+          <a:p>
+            <a:r>
+              <a:rPr lang="en-US" sz="1300" dirty="0"/>
               <a:t>Show /</a:t>
             </a:r>
             <a:r>
-              <a:rPr lang="en-US" sz="1200" kern="1200" baseline="0" dirty="0" err="1" smtClean="0">
-                <a:solidFill>
-                  <a:schemeClr val="tx1"/>
-                </a:solidFill>
-                <a:latin typeface="+mn-lt"/>
-                <a:ea typeface="+mn-ea"/>
-                <a:cs typeface="+mn-cs"/>
-              </a:rPr>
+              <a:rPr lang="en-US" sz="1300" dirty="0" err="1"/>
               <a:t>jmhrunner</a:t>
             </a:r>
             <a:r>
-              <a:rPr lang="en-US" sz="1200" kern="1200" baseline="0" dirty="0" smtClean="0">
-                <a:solidFill>
-                  <a:schemeClr val="tx1"/>
-                </a:solidFill>
-                <a:latin typeface="+mn-lt"/>
-                <a:ea typeface="+mn-ea"/>
-                <a:cs typeface="+mn-cs"/>
-              </a:rPr>
+              <a:rPr lang="en-US" sz="1300" dirty="0"/>
               <a:t>/</a:t>
             </a:r>
             <a:r>
-              <a:rPr lang="en-US" sz="1200" kern="1200" baseline="0" dirty="0" err="1" smtClean="0">
-                <a:solidFill>
-                  <a:schemeClr val="tx1"/>
-                </a:solidFill>
-                <a:latin typeface="+mn-lt"/>
-                <a:ea typeface="+mn-ea"/>
-                <a:cs typeface="+mn-cs"/>
-              </a:rPr>
+              <a:rPr lang="en-US" sz="1300" dirty="0" err="1"/>
               <a:t>build.gradle</a:t>
             </a:r>
-            <a:endParaRPr lang="en-US" sz="1200" kern="1200" baseline="0" dirty="0" smtClean="0">
-              <a:solidFill>
-                <a:schemeClr val="tx1"/>
-              </a:solidFill>
-              <a:latin typeface="+mn-lt"/>
-              <a:ea typeface="+mn-ea"/>
-              <a:cs typeface="+mn-cs"/>
-            </a:endParaRPr>
-          </a:p>
-          <a:p>
-            <a:r>
-              <a:rPr lang="en-US" sz="1200" kern="1200" baseline="0" dirty="0" smtClean="0">
-                <a:solidFill>
-                  <a:schemeClr val="tx1"/>
-                </a:solidFill>
-                <a:latin typeface="+mn-lt"/>
-                <a:ea typeface="+mn-ea"/>
-                <a:cs typeface="+mn-cs"/>
-              </a:rPr>
+            <a:endParaRPr lang="en-US" sz="1300" dirty="0"/>
+          </a:p>
+          <a:p>
+            <a:r>
+              <a:rPr lang="en-US" sz="1300" dirty="0"/>
               <a:t>Focus on </a:t>
             </a:r>
             <a:r>
-              <a:rPr lang="en-US" sz="1200" kern="1200" baseline="0" dirty="0" err="1" smtClean="0">
-                <a:solidFill>
-                  <a:schemeClr val="tx1"/>
-                </a:solidFill>
-                <a:latin typeface="+mn-lt"/>
-                <a:ea typeface="+mn-ea"/>
-                <a:cs typeface="+mn-cs"/>
-              </a:rPr>
+              <a:rPr lang="en-US" sz="1300" dirty="0" err="1"/>
               <a:t>jmh</a:t>
             </a:r>
             <a:r>
-              <a:rPr lang="en-US" sz="1200" kern="1200" baseline="0" dirty="0" smtClean="0">
-                <a:solidFill>
-                  <a:schemeClr val="tx1"/>
-                </a:solidFill>
-                <a:latin typeface="+mn-lt"/>
-                <a:ea typeface="+mn-ea"/>
-                <a:cs typeface="+mn-cs"/>
-              </a:rPr>
+              <a:rPr lang="en-US" sz="1300" dirty="0"/>
               <a:t> block {} – explain defaults</a:t>
             </a:r>
           </a:p>
           <a:p>
             <a:r>
-              <a:rPr lang="en-US" sz="1200" kern="1200" baseline="0" dirty="0" smtClean="0">
-                <a:solidFill>
-                  <a:schemeClr val="tx1"/>
-                </a:solidFill>
-                <a:latin typeface="+mn-lt"/>
-                <a:ea typeface="+mn-ea"/>
-                <a:cs typeface="+mn-cs"/>
-              </a:rPr>
+              <a:rPr lang="en-US" sz="1300" dirty="0"/>
               <a:t>You can control just about everything about how the benchmark runs from </a:t>
             </a:r>
             <a:r>
-              <a:rPr lang="en-US" sz="1200" kern="1200" baseline="0" dirty="0" err="1" smtClean="0">
-                <a:solidFill>
-                  <a:schemeClr val="tx1"/>
-                </a:solidFill>
-                <a:latin typeface="+mn-lt"/>
-                <a:ea typeface="+mn-ea"/>
-                <a:cs typeface="+mn-cs"/>
-              </a:rPr>
+              <a:rPr lang="en-US" sz="1300" dirty="0" err="1"/>
               <a:t>Gradle</a:t>
             </a:r>
             <a:r>
-              <a:rPr lang="en-US" sz="1200" kern="1200" baseline="0" dirty="0" smtClean="0">
-                <a:solidFill>
-                  <a:schemeClr val="tx1"/>
-                </a:solidFill>
-                <a:latin typeface="+mn-lt"/>
-                <a:ea typeface="+mn-ea"/>
-                <a:cs typeface="+mn-cs"/>
-              </a:rPr>
+              <a:rPr lang="en-US" sz="1300" dirty="0"/>
               <a:t> – or provide</a:t>
             </a:r>
             <a:endParaRPr lang="en-US" dirty="0"/>
@@ -6642,7 +5963,32 @@
             </a:r>
             <a:r>
               <a:rPr lang="en-US" dirty="0" smtClean="0"/>
-              <a:t> demarcates the benchmark payload, and JMH treats it specifically as the wrapper which contains the benchmark code.</a:t>
+              <a:t> demarcates the benchmark payload, and JMH treats it specifically as the wrapper which contains the benchmark code</a:t>
+            </a:r>
+            <a:r>
+              <a:rPr lang="en-US" dirty="0" smtClean="0"/>
+              <a:t>.</a:t>
+            </a:r>
+          </a:p>
+          <a:p>
+            <a:endParaRPr lang="en-US" dirty="0" smtClean="0"/>
+          </a:p>
+          <a:p>
+            <a:r>
+              <a:rPr lang="en-US" dirty="0" smtClean="0"/>
+              <a:t>What all</a:t>
+            </a:r>
+            <a:r>
+              <a:rPr lang="en-US" baseline="0" dirty="0" smtClean="0"/>
+              <a:t> this means is that you get a separate class, with a main method, contained in the </a:t>
+            </a:r>
+            <a:r>
+              <a:rPr lang="en-US" baseline="0" dirty="0" err="1" smtClean="0"/>
+              <a:t>jmh</a:t>
+            </a:r>
+            <a:r>
+              <a:rPr lang="en-US" baseline="0" dirty="0" smtClean="0"/>
+              <a:t>-produces jar for each @Benchmark, which it can invoke separately, which contains everything needed to measure your code.</a:t>
             </a:r>
             <a:endParaRPr lang="en-US" dirty="0"/>
           </a:p>
@@ -6763,21 +6109,7 @@
             <a:endParaRPr lang="en-US" baseline="0" dirty="0" smtClean="0"/>
           </a:p>
           <a:p>
-            <a:pPr marL="0" marR="0" indent="0" algn="l" defTabSz="914400" rtl="0" eaLnBrk="1" fontAlgn="auto" latinLnBrk="0" hangingPunct="1">
-              <a:lnSpc>
-                <a:spcPct val="100000"/>
-              </a:lnSpc>
-              <a:spcBef>
-                <a:spcPts val="0"/>
-              </a:spcBef>
-              <a:spcAft>
-                <a:spcPts val="0"/>
-              </a:spcAft>
-              <a:buClrTx/>
-              <a:buSzTx/>
-              <a:buFontTx/>
-              <a:buNone/>
-              <a:tabLst/>
+            <a:pPr defTabSz="966612">
               <a:defRPr/>
             </a:pPr>
             <a:r>
@@ -6877,7 +6209,11 @@
             </a:r>
             <a:r>
               <a:rPr lang="en-US" baseline="0" dirty="0" smtClean="0"/>
-              <a:t> on a process which takes several milliseconds, no matter how many runs you do, you are not going to get more precise answers – but as I’ve played with JMH, I’ve found the defaults to be too precise</a:t>
+              <a:t> on a process which takes several milliseconds, no matter how many runs you do, you are not going to get more precise </a:t>
+            </a:r>
+            <a:r>
+              <a:rPr lang="en-US" baseline="0" dirty="0" smtClean="0"/>
+              <a:t>answers.</a:t>
             </a:r>
             <a:endParaRPr lang="en-US" dirty="0"/>
           </a:p>
@@ -7282,14 +6618,7 @@
               <a:t>Show </a:t>
             </a:r>
             <a:r>
-              <a:rPr lang="en-US" sz="1200" kern="1200" dirty="0" err="1" smtClean="0">
-                <a:solidFill>
-                  <a:schemeClr val="tx1"/>
-                </a:solidFill>
-                <a:latin typeface="+mn-lt"/>
-                <a:ea typeface="+mn-ea"/>
-                <a:cs typeface="+mn-cs"/>
-              </a:rPr>
+              <a:rPr lang="en-US" sz="1300" dirty="0" err="1"/>
               <a:t>AdditionBenchmark</a:t>
             </a:r>
             <a:endParaRPr lang="en-US" dirty="0" smtClean="0"/>
@@ -7530,19 +6859,14 @@
               <a:rPr lang="en-US" dirty="0" smtClean="0"/>
               <a:t>IDEs will say "Oh, you can convert this field to local variable“, or “Look, it could be final”. Don't. Trust. Them. </a:t>
             </a:r>
+          </a:p>
+          <a:p>
             <a:endParaRPr lang="en-US" dirty="0" smtClean="0"/>
           </a:p>
           <a:p>
-            <a:endParaRPr lang="en-US" dirty="0" smtClean="0"/>
-          </a:p>
-          <a:p>
-            <a:r>
-              <a:rPr lang="en-US" dirty="0" smtClean="0"/>
-              <a:t>Besides </a:t>
-            </a:r>
-            <a:r>
-              <a:rPr lang="en-US" dirty="0" smtClean="0"/>
-              <a:t>marking a separate class as a @State, you can also mark your own benchmark class as @State.</a:t>
+            <a:r>
+              <a:rPr lang="en-US" dirty="0" smtClean="0"/>
+              <a:t>Besides marking a separate class as a @State, you can also mark your own benchmark class as @State.</a:t>
             </a:r>
           </a:p>
           <a:p>
@@ -7886,92 +7210,7 @@
           <a:bodyPr/>
           <a:lstStyle/>
           <a:p>
-            <a:r>
-              <a:rPr lang="en-US" dirty="0" smtClean="0"/>
-              <a:t>This</a:t>
-            </a:r>
-            <a:r>
-              <a:rPr lang="en-US" baseline="0" dirty="0" smtClean="0"/>
-              <a:t> is the attempt by the makers of JMH (the same people who work on the JIT) to tell the JVM in no uncertain terms to avoid optimizing away the very thing you are trying to benchmark</a:t>
-            </a:r>
-            <a:r>
-              <a:rPr lang="en-US" baseline="0" dirty="0" smtClean="0"/>
-              <a:t>.</a:t>
-            </a:r>
-          </a:p>
-          <a:p>
-            <a:endParaRPr lang="en-US" baseline="0" dirty="0" smtClean="0"/>
-          </a:p>
-          <a:p>
-            <a:r>
-              <a:rPr lang="en-US" dirty="0" smtClean="0"/>
-              <a:t>The downfall of many benchmarks is Dead-Code Elimination (DCE): compilers * are smart enough to deduce some computations are redundant and eliminate * them completely. If the eliminated part was our benchmarked code, we are * in trouble. </a:t>
-            </a:r>
-            <a:endParaRPr lang="en-US" baseline="0" dirty="0" smtClean="0"/>
-          </a:p>
-          <a:p>
-            <a:endParaRPr lang="en-US" baseline="0" dirty="0" smtClean="0"/>
-          </a:p>
-          <a:p>
-            <a:r>
-              <a:rPr lang="en-US" dirty="0" smtClean="0"/>
-              <a:t>I have no clue what</a:t>
-            </a:r>
-            <a:r>
-              <a:rPr lang="en-US" baseline="0" dirty="0" smtClean="0"/>
-              <a:t> this class is doing or why it is doing it.  Looking at the internals – it’s all just voodoo to me.  But the JMH guys, who are the JIT guys, say this is the best way to avoid your code getting optimized away – and its very easy to use.</a:t>
-            </a:r>
-          </a:p>
-          <a:p>
-            <a:endParaRPr lang="en-US" baseline="0" dirty="0" smtClean="0"/>
-          </a:p>
-          <a:p>
-            <a:r>
-              <a:rPr lang="en-US" baseline="0" dirty="0" smtClean="0"/>
-              <a:t>Also helpful i</a:t>
-            </a:r>
-            <a:r>
-              <a:rPr lang="en-US" dirty="0" smtClean="0"/>
-              <a:t>f you need to return more than one value from your @Benchmark , or you want to have your @Benchmark methods be</a:t>
-            </a:r>
-            <a:r>
-              <a:rPr lang="en-US" baseline="0" dirty="0" smtClean="0"/>
-              <a:t> void methods, etc</a:t>
-            </a:r>
-            <a:r>
-              <a:rPr lang="en-US" baseline="0" dirty="0" smtClean="0"/>
-              <a:t>.</a:t>
-            </a:r>
-          </a:p>
-          <a:p>
-            <a:endParaRPr lang="en-US" baseline="0" dirty="0" smtClean="0"/>
-          </a:p>
-          <a:p>
-            <a:r>
-              <a:rPr lang="en-US" dirty="0" smtClean="0"/>
-              <a:t>option 2 – You might think: I’ll just Merge multiple results into one and return it (hash/multiply/etc. or </a:t>
-            </a:r>
-            <a:r>
-              <a:rPr lang="en-US" dirty="0" err="1" smtClean="0"/>
-              <a:t>encapsule</a:t>
-            </a:r>
-            <a:r>
-              <a:rPr lang="en-US" dirty="0" smtClean="0"/>
-              <a:t> into returned object). * This is OK when is computation is relatively heavyweight, and merging * the results does not offset the results much.   But the </a:t>
-            </a:r>
-            <a:r>
-              <a:rPr lang="en-US" dirty="0" err="1" smtClean="0"/>
-              <a:t>blackhole</a:t>
-            </a:r>
-            <a:r>
-              <a:rPr lang="en-US" dirty="0" smtClean="0"/>
-              <a:t> is probably easily</a:t>
-            </a:r>
-            <a:r>
-              <a:rPr lang="en-US" baseline="0" dirty="0" smtClean="0"/>
-              <a:t> and will affect the timings less.</a:t>
-            </a:r>
-            <a:endParaRPr lang="en-US" dirty="0"/>
+            <a:endParaRPr lang="en-US"/>
           </a:p>
         </p:txBody>
       </p:sp>
@@ -7992,7 +7231,7 @@
           <a:p>
             <a:fld id="{CFAD290B-5269-4E99-8A8A-8691B1EB0AE9}" type="slidenum">
               <a:rPr lang="en-US" smtClean="0"/>
-              <a:t>31</a:t>
+              <a:t>30</a:t>
             </a:fld>
             <a:endParaRPr lang="en-US"/>
           </a:p>
@@ -8001,7 +7240,7 @@
     </p:spTree>
     <p:extLst>
       <p:ext uri="{BB962C8B-B14F-4D97-AF65-F5344CB8AC3E}">
-        <p14:creationId xmlns:p14="http://schemas.microsoft.com/office/powerpoint/2010/main" val="3515685751"/>
+        <p14:creationId xmlns:p14="http://schemas.microsoft.com/office/powerpoint/2010/main" val="837300769"/>
       </p:ext>
     </p:extLst>
   </p:cSld>
@@ -8055,6 +7294,83 @@
           <a:bodyPr/>
           <a:lstStyle/>
           <a:p>
+            <a:r>
+              <a:rPr lang="en-US" dirty="0" smtClean="0"/>
+              <a:t>This</a:t>
+            </a:r>
+            <a:r>
+              <a:rPr lang="en-US" baseline="0" dirty="0" smtClean="0"/>
+              <a:t> is the attempt by the makers of JMH (the same people who work on the JIT) to tell the JVM in no uncertain terms to avoid optimizing away the very thing you are trying to benchmark.</a:t>
+            </a:r>
+          </a:p>
+          <a:p>
+            <a:endParaRPr lang="en-US" baseline="0" dirty="0" smtClean="0"/>
+          </a:p>
+          <a:p>
+            <a:r>
+              <a:rPr lang="en-US" dirty="0" smtClean="0"/>
+              <a:t>The downfall of many benchmarks is Dead-Code Elimination (DCE): compilers * are smart enough to deduce some computations are redundant and eliminate * them completely. If the eliminated part was our benchmarked code, we are * in trouble. </a:t>
+            </a:r>
+            <a:endParaRPr lang="en-US" baseline="0" dirty="0" smtClean="0"/>
+          </a:p>
+          <a:p>
+            <a:endParaRPr lang="en-US" baseline="0" dirty="0" smtClean="0"/>
+          </a:p>
+          <a:p>
+            <a:r>
+              <a:rPr lang="en-US" dirty="0" smtClean="0"/>
+              <a:t>I have no clue what</a:t>
+            </a:r>
+            <a:r>
+              <a:rPr lang="en-US" baseline="0" dirty="0" smtClean="0"/>
+              <a:t> this class is doing or why it is doing it.  Looking at the internals – it’s all just voodoo to me.  But the JMH guys, who are the JIT guys, say this is the best way to avoid your code getting optimized away – and its very easy to use.</a:t>
+            </a:r>
+          </a:p>
+          <a:p>
+            <a:endParaRPr lang="en-US" baseline="0" dirty="0" smtClean="0"/>
+          </a:p>
+          <a:p>
+            <a:r>
+              <a:rPr lang="en-US" baseline="0" dirty="0" smtClean="0"/>
+              <a:t>Also helpful i</a:t>
+            </a:r>
+            <a:r>
+              <a:rPr lang="en-US" dirty="0" smtClean="0"/>
+              <a:t>f you need to return more than one value from your @Benchmark , or you want to have your @Benchmark methods be</a:t>
+            </a:r>
+            <a:r>
+              <a:rPr lang="en-US" baseline="0" dirty="0" smtClean="0"/>
+              <a:t> void methods, etc.</a:t>
+            </a:r>
+          </a:p>
+          <a:p>
+            <a:endParaRPr lang="en-US" baseline="0" dirty="0" smtClean="0"/>
+          </a:p>
+          <a:p>
+            <a:r>
+              <a:rPr lang="en-US" dirty="0" smtClean="0"/>
+              <a:t>option 2 – You might think: I’ll just Merge multiple results into one and return it (hash/multiply/etc. or </a:t>
+            </a:r>
+            <a:r>
+              <a:rPr lang="en-US" dirty="0" err="1" smtClean="0"/>
+              <a:t>encapsule</a:t>
+            </a:r>
+            <a:r>
+              <a:rPr lang="en-US" dirty="0" smtClean="0"/>
+              <a:t> into returned object). * This is OK when is computation is relatively heavyweight, and merging * the results does not offset the results much.   But the </a:t>
+            </a:r>
+            <a:r>
+              <a:rPr lang="en-US" dirty="0" err="1" smtClean="0"/>
+              <a:t>blackhole</a:t>
+            </a:r>
+            <a:r>
+              <a:rPr lang="en-US" dirty="0" smtClean="0"/>
+              <a:t> is probably easily</a:t>
+            </a:r>
+            <a:r>
+              <a:rPr lang="en-US" baseline="0" dirty="0" smtClean="0"/>
+              <a:t> and will affect the timings less.</a:t>
+            </a:r>
             <a:endParaRPr lang="en-US" dirty="0"/>
           </a:p>
         </p:txBody>
@@ -8076,7 +7392,7 @@
           <a:p>
             <a:fld id="{CFAD290B-5269-4E99-8A8A-8691B1EB0AE9}" type="slidenum">
               <a:rPr lang="en-US" smtClean="0"/>
-              <a:t>32</a:t>
+              <a:t>31</a:t>
             </a:fld>
             <a:endParaRPr lang="en-US"/>
           </a:p>
@@ -8085,7 +7401,7 @@
     </p:spTree>
     <p:extLst>
       <p:ext uri="{BB962C8B-B14F-4D97-AF65-F5344CB8AC3E}">
-        <p14:creationId xmlns:p14="http://schemas.microsoft.com/office/powerpoint/2010/main" val="1383870499"/>
+        <p14:creationId xmlns:p14="http://schemas.microsoft.com/office/powerpoint/2010/main" val="3515685751"/>
       </p:ext>
     </p:extLst>
   </p:cSld>
@@ -8139,22 +7455,6 @@
           <a:bodyPr/>
           <a:lstStyle/>
           <a:p>
-            <a:r>
-              <a:rPr lang="en-US" dirty="0" smtClean="0"/>
-              <a:t>We saw</a:t>
-            </a:r>
-            <a:r>
-              <a:rPr lang="en-US" baseline="0" dirty="0" smtClean="0"/>
-              <a:t> how the type of method call we make can have a huge effect on timings in the </a:t>
-            </a:r>
-            <a:r>
-              <a:rPr lang="en-US" baseline="0" dirty="0" err="1" smtClean="0"/>
-              <a:t>SimpleBenchmarker</a:t>
-            </a:r>
-            <a:r>
-              <a:rPr lang="en-US" baseline="0" dirty="0" smtClean="0"/>
-              <a:t> demo.</a:t>
-            </a:r>
             <a:endParaRPr lang="en-US" dirty="0"/>
           </a:p>
         </p:txBody>
@@ -8176,7 +7476,7 @@
           <a:p>
             <a:fld id="{CFAD290B-5269-4E99-8A8A-8691B1EB0AE9}" type="slidenum">
               <a:rPr lang="en-US" smtClean="0"/>
-              <a:t>33</a:t>
+              <a:t>32</a:t>
             </a:fld>
             <a:endParaRPr lang="en-US"/>
           </a:p>
@@ -8185,7 +7485,7 @@
     </p:spTree>
     <p:extLst>
       <p:ext uri="{BB962C8B-B14F-4D97-AF65-F5344CB8AC3E}">
-        <p14:creationId xmlns:p14="http://schemas.microsoft.com/office/powerpoint/2010/main" val="1954616917"/>
+        <p14:creationId xmlns:p14="http://schemas.microsoft.com/office/powerpoint/2010/main" val="1383870499"/>
       </p:ext>
     </p:extLst>
   </p:cSld>
@@ -8241,16 +7541,19 @@
           <a:p>
             <a:r>
               <a:rPr lang="en-US" dirty="0" smtClean="0"/>
-              <a:t>By default JHM forks a new java process for each trial (set of iterations). This is required to defend the test from previously collected “profiles” – information about other loaded classes and their execution information. For example, if you have 2 classes implementing the same interface and test the performance of both of them, then the first implementation (in order of testing) is likely to be faster than the second one (in the same JVM), because JIT replaces direct method calls to the first implementation with interface method calls after discovering the second implementation. </a:t>
-            </a:r>
-          </a:p>
-          <a:p>
-            <a:endParaRPr lang="en-US" dirty="0" smtClean="0"/>
-          </a:p>
-          <a:p>
-            <a:r>
-              <a:rPr lang="en-US" dirty="0" smtClean="0"/>
-              <a:t>One class per method = similar to how Junit works.</a:t>
+              <a:t>We saw</a:t>
+            </a:r>
+            <a:r>
+              <a:rPr lang="en-US" baseline="0" dirty="0" smtClean="0"/>
+              <a:t> how the type of method call we make can have a huge effect on timings in the </a:t>
+            </a:r>
+            <a:r>
+              <a:rPr lang="en-US" baseline="0" dirty="0" err="1" smtClean="0"/>
+              <a:t>SimpleBenchmarker</a:t>
+            </a:r>
+            <a:r>
+              <a:rPr lang="en-US" baseline="0" dirty="0" smtClean="0"/>
+              <a:t> demo.</a:t>
             </a:r>
             <a:endParaRPr lang="en-US" dirty="0"/>
           </a:p>
@@ -8273,7 +7576,7 @@
           <a:p>
             <a:fld id="{CFAD290B-5269-4E99-8A8A-8691B1EB0AE9}" type="slidenum">
               <a:rPr lang="en-US" smtClean="0"/>
-              <a:t>34</a:t>
+              <a:t>33</a:t>
             </a:fld>
             <a:endParaRPr lang="en-US"/>
           </a:p>
@@ -8282,7 +7585,7 @@
     </p:spTree>
     <p:extLst>
       <p:ext uri="{BB962C8B-B14F-4D97-AF65-F5344CB8AC3E}">
-        <p14:creationId xmlns:p14="http://schemas.microsoft.com/office/powerpoint/2010/main" val="89694323"/>
+        <p14:creationId xmlns:p14="http://schemas.microsoft.com/office/powerpoint/2010/main" val="1954616917"/>
       </p:ext>
     </p:extLst>
   </p:cSld>
@@ -8338,7 +7641,16 @@
           <a:p>
             <a:r>
               <a:rPr lang="en-US" dirty="0" smtClean="0"/>
-              <a:t>You can give the JIT a hint how to use any method in your test program. By “any method” I mean any method – not just those annotated by @Benchmark. </a:t>
+              <a:t>By default JHM forks a new java process for each trial (set of iterations). This is required to defend the test from previously collected “profiles” – information about other loaded classes and their execution information. For example, if you have 2 classes implementing the same interface and test the performance of both of them, then the first implementation (in order of testing) is likely to be faster than the second one (in the same JVM), because JIT replaces direct method calls to the first implementation with interface method calls after discovering the second implementation. </a:t>
+            </a:r>
+          </a:p>
+          <a:p>
+            <a:endParaRPr lang="en-US" dirty="0" smtClean="0"/>
+          </a:p>
+          <a:p>
+            <a:r>
+              <a:rPr lang="en-US" dirty="0" smtClean="0"/>
+              <a:t>One class per method = similar to how Junit works.</a:t>
             </a:r>
             <a:endParaRPr lang="en-US" dirty="0"/>
           </a:p>
@@ -8361,7 +7673,7 @@
           <a:p>
             <a:fld id="{CFAD290B-5269-4E99-8A8A-8691B1EB0AE9}" type="slidenum">
               <a:rPr lang="en-US" smtClean="0"/>
-              <a:t>37</a:t>
+              <a:t>34</a:t>
             </a:fld>
             <a:endParaRPr lang="en-US"/>
           </a:p>
@@ -8370,7 +7682,7 @@
     </p:spTree>
     <p:extLst>
       <p:ext uri="{BB962C8B-B14F-4D97-AF65-F5344CB8AC3E}">
-        <p14:creationId xmlns:p14="http://schemas.microsoft.com/office/powerpoint/2010/main" val="3644895917"/>
+        <p14:creationId xmlns:p14="http://schemas.microsoft.com/office/powerpoint/2010/main" val="89694323"/>
       </p:ext>
     </p:extLst>
   </p:cSld>
@@ -8424,30 +7736,7 @@
           <a:bodyPr/>
           <a:lstStyle/>
           <a:p>
-            <a:pPr marL="0" marR="0" indent="0" algn="l" defTabSz="914400" rtl="0" eaLnBrk="1" fontAlgn="auto" latinLnBrk="0" hangingPunct="1">
-              <a:lnSpc>
-                <a:spcPct val="100000"/>
-              </a:lnSpc>
-              <a:spcBef>
-                <a:spcPts val="0"/>
-              </a:spcBef>
-              <a:spcAft>
-                <a:spcPts val="0"/>
-              </a:spcAft>
-              <a:buClrTx/>
-              <a:buSzTx/>
-              <a:buFontTx/>
-              <a:buNone/>
-              <a:tabLst/>
-              <a:defRPr/>
-            </a:pPr>
-            <a:r>
-              <a:rPr lang="en-US" b="0" dirty="0" smtClean="0"/>
-              <a:t>JIT is too smart and often does magic tricks with loops. Test the actual calculation and let JMH to take care of the rest.</a:t>
-            </a:r>
-          </a:p>
-          <a:p>
-            <a:endParaRPr lang="en-US" dirty="0"/>
+            <a:endParaRPr lang="en-US"/>
           </a:p>
         </p:txBody>
       </p:sp>
@@ -8468,7 +7757,7 @@
           <a:p>
             <a:fld id="{CFAD290B-5269-4E99-8A8A-8691B1EB0AE9}" type="slidenum">
               <a:rPr lang="en-US" smtClean="0"/>
-              <a:t>39</a:t>
+              <a:t>35</a:t>
             </a:fld>
             <a:endParaRPr lang="en-US"/>
           </a:p>
@@ -8477,7 +7766,7 @@
     </p:spTree>
     <p:extLst>
       <p:ext uri="{BB962C8B-B14F-4D97-AF65-F5344CB8AC3E}">
-        <p14:creationId xmlns:p14="http://schemas.microsoft.com/office/powerpoint/2010/main" val="731637426"/>
+        <p14:creationId xmlns:p14="http://schemas.microsoft.com/office/powerpoint/2010/main" val="1154119128"/>
       </p:ext>
     </p:extLst>
   </p:cSld>
@@ -8531,7 +7820,7 @@
           <a:bodyPr/>
           <a:lstStyle/>
           <a:p>
-            <a:endParaRPr lang="en-US" dirty="0"/>
+            <a:endParaRPr lang="en-US"/>
           </a:p>
         </p:txBody>
       </p:sp>
@@ -8552,7 +7841,7 @@
           <a:p>
             <a:fld id="{CFAD290B-5269-4E99-8A8A-8691B1EB0AE9}" type="slidenum">
               <a:rPr lang="en-US" smtClean="0"/>
-              <a:t>41</a:t>
+              <a:t>36</a:t>
             </a:fld>
             <a:endParaRPr lang="en-US"/>
           </a:p>
@@ -8561,7 +7850,7 @@
     </p:spTree>
     <p:extLst>
       <p:ext uri="{BB962C8B-B14F-4D97-AF65-F5344CB8AC3E}">
-        <p14:creationId xmlns:p14="http://schemas.microsoft.com/office/powerpoint/2010/main" val="2357033445"/>
+        <p14:creationId xmlns:p14="http://schemas.microsoft.com/office/powerpoint/2010/main" val="2786664103"/>
       </p:ext>
     </p:extLst>
   </p:cSld>
@@ -8615,6 +7904,10 @@
           <a:bodyPr/>
           <a:lstStyle/>
           <a:p>
+            <a:r>
+              <a:rPr lang="en-US" dirty="0" smtClean="0"/>
+              <a:t>You can give the JIT a hint how to use any method in your test program. By “any method” I mean any method – not just those annotated by @Benchmark. </a:t>
+            </a:r>
             <a:endParaRPr lang="en-US" dirty="0"/>
           </a:p>
         </p:txBody>
@@ -8636,7 +7929,7 @@
           <a:p>
             <a:fld id="{CFAD290B-5269-4E99-8A8A-8691B1EB0AE9}" type="slidenum">
               <a:rPr lang="en-US" smtClean="0"/>
-              <a:t>43</a:t>
+              <a:t>37</a:t>
             </a:fld>
             <a:endParaRPr lang="en-US"/>
           </a:p>
@@ -8645,7 +7938,7 @@
     </p:spTree>
     <p:extLst>
       <p:ext uri="{BB962C8B-B14F-4D97-AF65-F5344CB8AC3E}">
-        <p14:creationId xmlns:p14="http://schemas.microsoft.com/office/powerpoint/2010/main" val="1887771390"/>
+        <p14:creationId xmlns:p14="http://schemas.microsoft.com/office/powerpoint/2010/main" val="3644895917"/>
       </p:ext>
     </p:extLst>
   </p:cSld>
@@ -8699,7 +7992,7 @@
           <a:bodyPr/>
           <a:lstStyle/>
           <a:p>
-            <a:endParaRPr lang="en-US" dirty="0"/>
+            <a:endParaRPr lang="en-US"/>
           </a:p>
         </p:txBody>
       </p:sp>
@@ -8720,7 +8013,7 @@
           <a:p>
             <a:fld id="{CFAD290B-5269-4E99-8A8A-8691B1EB0AE9}" type="slidenum">
               <a:rPr lang="en-US" smtClean="0"/>
-              <a:t>45</a:t>
+              <a:t>38</a:t>
             </a:fld>
             <a:endParaRPr lang="en-US"/>
           </a:p>
@@ -8729,7 +8022,111 @@
     </p:spTree>
     <p:extLst>
       <p:ext uri="{BB962C8B-B14F-4D97-AF65-F5344CB8AC3E}">
-        <p14:creationId xmlns:p14="http://schemas.microsoft.com/office/powerpoint/2010/main" val="4285779939"/>
+        <p14:creationId xmlns:p14="http://schemas.microsoft.com/office/powerpoint/2010/main" val="1047742374"/>
+      </p:ext>
+    </p:extLst>
+  </p:cSld>
+  <p:clrMapOvr>
+    <a:masterClrMapping/>
+  </p:clrMapOvr>
+</p:notes>
+</file>
+
+<file path=ppt/notesSlides/notesSlide39.xml><?xml version="1.0" encoding="utf-8"?>
+<p:notes xmlns:a="http://schemas.openxmlformats.org/drawingml/2006/main" xmlns:r="http://schemas.openxmlformats.org/officeDocument/2006/relationships" xmlns:p="http://schemas.openxmlformats.org/presentationml/2006/main">
+  <p:cSld>
+    <p:spTree>
+      <p:nvGrpSpPr>
+        <p:cNvPr id="1" name=""/>
+        <p:cNvGrpSpPr/>
+        <p:nvPr/>
+      </p:nvGrpSpPr>
+      <p:grpSpPr>
+        <a:xfrm>
+          <a:off x="0" y="0"/>
+          <a:ext cx="0" cy="0"/>
+          <a:chOff x="0" y="0"/>
+          <a:chExt cx="0" cy="0"/>
+        </a:xfrm>
+      </p:grpSpPr>
+      <p:sp>
+        <p:nvSpPr>
+          <p:cNvPr id="2" name="Slide Image Placeholder 1"/>
+          <p:cNvSpPr>
+            <a:spLocks noGrp="1" noRot="1" noChangeAspect="1"/>
+          </p:cNvSpPr>
+          <p:nvPr>
+            <p:ph type="sldImg"/>
+          </p:nvPr>
+        </p:nvSpPr>
+        <p:spPr/>
+      </p:sp>
+      <p:sp>
+        <p:nvSpPr>
+          <p:cNvPr id="3" name="Notes Placeholder 2"/>
+          <p:cNvSpPr>
+            <a:spLocks noGrp="1"/>
+          </p:cNvSpPr>
+          <p:nvPr>
+            <p:ph type="body" idx="1"/>
+          </p:nvPr>
+        </p:nvSpPr>
+        <p:spPr/>
+        <p:txBody>
+          <a:bodyPr/>
+          <a:lstStyle/>
+          <a:p>
+            <a:pPr defTabSz="966612">
+              <a:defRPr/>
+            </a:pPr>
+            <a:r>
+              <a:rPr lang="en-US" b="0" dirty="0" smtClean="0"/>
+              <a:t>JIT is too smart and often does magic tricks with loops. Test the actual calculation and let JMH to take care of the rest.</a:t>
+            </a:r>
+          </a:p>
+          <a:p>
+            <a:endParaRPr lang="en-US" dirty="0" smtClean="0"/>
+          </a:p>
+          <a:p>
+            <a:r>
+              <a:rPr lang="en-US" dirty="0" smtClean="0"/>
+              <a:t>Annotations exist to</a:t>
+            </a:r>
+            <a:r>
+              <a:rPr lang="en-US" baseline="0" dirty="0" smtClean="0"/>
+              <a:t> tell JMH to loop code within @Benchmark methods.</a:t>
+            </a:r>
+            <a:endParaRPr lang="en-US" dirty="0"/>
+          </a:p>
+        </p:txBody>
+      </p:sp>
+      <p:sp>
+        <p:nvSpPr>
+          <p:cNvPr id="4" name="Slide Number Placeholder 3"/>
+          <p:cNvSpPr>
+            <a:spLocks noGrp="1"/>
+          </p:cNvSpPr>
+          <p:nvPr>
+            <p:ph type="sldNum" sz="quarter" idx="10"/>
+          </p:nvPr>
+        </p:nvSpPr>
+        <p:spPr/>
+        <p:txBody>
+          <a:bodyPr/>
+          <a:lstStyle/>
+          <a:p>
+            <a:fld id="{CFAD290B-5269-4E99-8A8A-8691B1EB0AE9}" type="slidenum">
+              <a:rPr lang="en-US" smtClean="0"/>
+              <a:t>39</a:t>
+            </a:fld>
+            <a:endParaRPr lang="en-US"/>
+          </a:p>
+        </p:txBody>
+      </p:sp>
+    </p:spTree>
+    <p:extLst>
+      <p:ext uri="{BB962C8B-B14F-4D97-AF65-F5344CB8AC3E}">
+        <p14:creationId xmlns:p14="http://schemas.microsoft.com/office/powerpoint/2010/main" val="731637426"/>
       </p:ext>
     </p:extLst>
   </p:cSld>
@@ -8969,445 +8366,6 @@
               <a:t>http://stackoverflow.com/questions/504103/how-do-i-write-a-correct-micro-benchmark-in-java#comment8131770_513259 </a:t>
             </a:r>
           </a:p>
-          <a:p>
-            <a:endParaRPr lang="en-US" dirty="0" smtClean="0"/>
-          </a:p>
-          <a:p>
-            <a:r>
-              <a:rPr lang="en-US" dirty="0" smtClean="0"/>
-              <a:t>Mitigating the Errors of Stopwatch bench marking</a:t>
-            </a:r>
-            <a:br>
-              <a:rPr lang="en-US" dirty="0" smtClean="0"/>
-            </a:br>
-            <a:endParaRPr lang="en-US" dirty="0" smtClean="0"/>
-          </a:p>
-          <a:p>
-            <a:pPr lvl="1"/>
-            <a:r>
-              <a:rPr lang="en-US" dirty="0" err="1" smtClean="0">
-                <a:effectLst/>
-              </a:rPr>
-              <a:t>prerunning</a:t>
-            </a:r>
-            <a:r>
-              <a:rPr lang="en-US" dirty="0" smtClean="0">
-                <a:effectLst/>
-              </a:rPr>
-              <a:t> the tested code to mitigate "warm-up" effects</a:t>
-            </a:r>
-          </a:p>
-          <a:p>
-            <a:pPr lvl="2"/>
-            <a:r>
-              <a:rPr lang="en-US" dirty="0" smtClean="0">
-                <a:effectLst/>
-              </a:rPr>
-              <a:t>run a "warm-up" cycle of *the same code*</a:t>
-            </a:r>
-          </a:p>
-          <a:p>
-            <a:pPr lvl="2"/>
-            <a:r>
-              <a:rPr lang="en-US" dirty="0" smtClean="0">
-                <a:effectLst/>
-              </a:rPr>
-              <a:t>don't load new classes out of the warn-up phase</a:t>
-            </a:r>
-          </a:p>
-          <a:p>
-            <a:pPr lvl="1"/>
-            <a:r>
-              <a:rPr lang="en-US" dirty="0" smtClean="0">
-                <a:effectLst/>
-              </a:rPr>
-              <a:t>long runs minimize error percentage</a:t>
-            </a:r>
-          </a:p>
-          <a:p>
-            <a:pPr lvl="2"/>
-            <a:r>
-              <a:rPr lang="en-US" dirty="0" smtClean="0">
-                <a:effectLst/>
-              </a:rPr>
-              <a:t>Make sure you run it for long enough to be able to measure the results in seconds or (better) tens of seconds</a:t>
-            </a:r>
-          </a:p>
-          <a:p>
-            <a:pPr lvl="1"/>
-            <a:r>
-              <a:rPr lang="en-US" dirty="0" smtClean="0">
-                <a:effectLst/>
-              </a:rPr>
-              <a:t>many runs minimize error percentage</a:t>
-            </a:r>
-          </a:p>
-          <a:p>
-            <a:pPr lvl="2"/>
-            <a:r>
-              <a:rPr lang="en-US" dirty="0" smtClean="0">
-                <a:effectLst/>
-              </a:rPr>
-              <a:t>Timing a single lap versus averaging over multiple laps</a:t>
-            </a:r>
-          </a:p>
-          <a:p>
-            <a:pPr lvl="2"/>
-            <a:r>
-              <a:rPr lang="en-US" dirty="0" smtClean="0">
-                <a:effectLst/>
-              </a:rPr>
-              <a:t>At least be aware when the GC or JIT are affecting your code:</a:t>
-            </a:r>
-          </a:p>
-          <a:p>
-            <a:pPr lvl="2"/>
-            <a:r>
-              <a:rPr lang="en-US" dirty="0" smtClean="0">
-                <a:effectLst/>
-              </a:rPr>
-              <a:t>-XX:+</a:t>
-            </a:r>
-            <a:r>
-              <a:rPr lang="en-US" dirty="0" err="1" smtClean="0">
-                <a:effectLst/>
-              </a:rPr>
-              <a:t>PrintCompilation</a:t>
-            </a:r>
-            <a:r>
-              <a:rPr lang="en-US" dirty="0" smtClean="0">
-                <a:effectLst/>
-              </a:rPr>
-              <a:t>, -</a:t>
-            </a:r>
-            <a:r>
-              <a:rPr lang="en-US" dirty="0" err="1" smtClean="0">
-                <a:effectLst/>
-              </a:rPr>
-              <a:t>verbose:gc</a:t>
-            </a:r>
-            <a:r>
-              <a:rPr lang="en-US" dirty="0" smtClean="0">
-                <a:effectLst/>
-              </a:rPr>
-              <a:t>     </a:t>
-            </a:r>
-            <a:br>
-              <a:rPr lang="en-US" dirty="0" smtClean="0">
-                <a:effectLst/>
-              </a:rPr>
-            </a:br>
-            <a:endParaRPr lang="en-US" dirty="0" smtClean="0">
-              <a:effectLst/>
-            </a:endParaRPr>
-          </a:p>
-          <a:p>
-            <a:pPr lvl="1"/>
-            <a:r>
-              <a:rPr lang="en-US" sz="1200" kern="1200" dirty="0" err="1" smtClean="0">
-                <a:solidFill>
-                  <a:schemeClr val="tx1"/>
-                </a:solidFill>
-                <a:effectLst/>
-                <a:latin typeface="+mn-lt"/>
-                <a:ea typeface="+mn-ea"/>
-                <a:cs typeface="+mn-cs"/>
-              </a:rPr>
-              <a:t>Deoptimization</a:t>
-            </a:r>
-            <a:r>
-              <a:rPr lang="en-US" sz="1200" kern="1200" dirty="0" smtClean="0">
-                <a:solidFill>
-                  <a:schemeClr val="tx1"/>
-                </a:solidFill>
-                <a:effectLst/>
-                <a:latin typeface="+mn-lt"/>
-                <a:ea typeface="+mn-ea"/>
-                <a:cs typeface="+mn-cs"/>
-              </a:rPr>
-              <a:t>/recompilation effects must be mitigated</a:t>
-            </a:r>
-            <a:r>
-              <a:rPr lang="en-US" dirty="0" smtClean="0">
-                <a:effectLst/>
-              </a:rPr>
-              <a:t/>
-            </a:r>
-            <a:br>
-              <a:rPr lang="en-US" dirty="0" smtClean="0">
-                <a:effectLst/>
-              </a:rPr>
-            </a:br>
-            <a:endParaRPr lang="en-US" dirty="0" smtClean="0">
-              <a:effectLst/>
-            </a:endParaRPr>
-          </a:p>
-          <a:p>
-            <a:pPr lvl="2"/>
-            <a:r>
-              <a:rPr lang="en-US" sz="1200" kern="1200" dirty="0" smtClean="0">
-                <a:solidFill>
-                  <a:schemeClr val="tx1"/>
-                </a:solidFill>
-                <a:effectLst/>
-                <a:latin typeface="+mn-lt"/>
-                <a:ea typeface="+mn-ea"/>
-                <a:cs typeface="+mn-cs"/>
-              </a:rPr>
-              <a:t>"Do not take any code path for the first time in the "timing phase"</a:t>
-            </a:r>
-            <a:endParaRPr lang="en-US" dirty="0" smtClean="0">
-              <a:effectLst/>
-            </a:endParaRPr>
-          </a:p>
-          <a:p>
-            <a:pPr lvl="2"/>
-            <a:r>
-              <a:rPr lang="en-US" sz="1200" kern="1200" dirty="0" err="1" smtClean="0">
-                <a:solidFill>
-                  <a:schemeClr val="tx1"/>
-                </a:solidFill>
-                <a:effectLst/>
-                <a:latin typeface="+mn-lt"/>
-                <a:ea typeface="+mn-ea"/>
-                <a:cs typeface="+mn-cs"/>
-              </a:rPr>
-              <a:t>compilier</a:t>
-            </a:r>
-            <a:r>
-              <a:rPr lang="en-US" sz="1200" kern="1200" dirty="0" smtClean="0">
-                <a:solidFill>
-                  <a:schemeClr val="tx1"/>
-                </a:solidFill>
-                <a:effectLst/>
-                <a:latin typeface="+mn-lt"/>
-                <a:ea typeface="+mn-ea"/>
-                <a:cs typeface="+mn-cs"/>
-              </a:rPr>
-              <a:t> might "optimistically" assume a path will never/rarely be taken and anti-optimize it</a:t>
-            </a:r>
-            <a:endParaRPr lang="en-US" dirty="0" smtClean="0">
-              <a:effectLst/>
-            </a:endParaRPr>
-          </a:p>
-          <a:p>
-            <a:pPr lvl="1"/>
-            <a:r>
-              <a:rPr lang="en-US" sz="1200" kern="1200" dirty="0" smtClean="0">
-                <a:solidFill>
-                  <a:schemeClr val="tx1"/>
-                </a:solidFill>
-                <a:effectLst/>
-                <a:latin typeface="+mn-lt"/>
-                <a:ea typeface="+mn-ea"/>
-                <a:cs typeface="+mn-cs"/>
-              </a:rPr>
-              <a:t>Use -</a:t>
-            </a:r>
-            <a:r>
-              <a:rPr lang="en-US" sz="1200" kern="1200" dirty="0" err="1" smtClean="0">
-                <a:solidFill>
-                  <a:schemeClr val="tx1"/>
-                </a:solidFill>
-                <a:effectLst/>
-                <a:latin typeface="+mn-lt"/>
-                <a:ea typeface="+mn-ea"/>
-                <a:cs typeface="+mn-cs"/>
-              </a:rPr>
-              <a:t>Xbatch</a:t>
-            </a:r>
-            <a:r>
-              <a:rPr lang="en-US" sz="1200" kern="1200" dirty="0" smtClean="0">
-                <a:solidFill>
-                  <a:schemeClr val="tx1"/>
-                </a:solidFill>
-                <a:effectLst/>
-                <a:latin typeface="+mn-lt"/>
-                <a:ea typeface="+mn-ea"/>
-                <a:cs typeface="+mn-cs"/>
-              </a:rPr>
-              <a:t> to serialize the compiler with the application</a:t>
-            </a:r>
-            <a:br>
-              <a:rPr lang="en-US" sz="1200" kern="1200" dirty="0" smtClean="0">
-                <a:solidFill>
-                  <a:schemeClr val="tx1"/>
-                </a:solidFill>
-                <a:effectLst/>
-                <a:latin typeface="+mn-lt"/>
-                <a:ea typeface="+mn-ea"/>
-                <a:cs typeface="+mn-cs"/>
-              </a:rPr>
-            </a:br>
-            <a:r>
-              <a:rPr lang="en-US" dirty="0" smtClean="0">
-                <a:effectLst/>
-              </a:rPr>
-              <a:t>"Disables background compilation. Typically, the Java VM compiles the method as a background task, running the method in interpreter mode until the background compilation is finished. The -</a:t>
-            </a:r>
-            <a:r>
-              <a:rPr lang="en-US" dirty="0" err="1" smtClean="0">
-                <a:effectLst/>
-              </a:rPr>
-              <a:t>Xbatch</a:t>
-            </a:r>
-            <a:r>
-              <a:rPr lang="en-US" dirty="0" smtClean="0">
-                <a:effectLst/>
-              </a:rPr>
-              <a:t> flag disables background compilation so that compilation of all methods proceeds as a foreground task until completed."</a:t>
-            </a:r>
-          </a:p>
-          <a:p>
-            <a:pPr lvl="2"/>
-            <a:r>
-              <a:rPr lang="en-US" sz="1200" kern="1200" dirty="0" smtClean="0">
-                <a:solidFill>
-                  <a:schemeClr val="tx1"/>
-                </a:solidFill>
-                <a:effectLst/>
-                <a:latin typeface="+mn-lt"/>
-                <a:ea typeface="+mn-ea"/>
-                <a:cs typeface="+mn-cs"/>
-                <a:hlinkClick r:id="rId4"/>
-              </a:rPr>
-              <a:t>http://docs.oracle.com/javase/7/docs/technotes/tools/solaris/java.html</a:t>
-            </a:r>
-            <a:r>
-              <a:rPr lang="en-US" dirty="0" smtClean="0">
-                <a:effectLst/>
-              </a:rPr>
-              <a:t/>
-            </a:r>
-            <a:br>
-              <a:rPr lang="en-US" dirty="0" smtClean="0">
-                <a:effectLst/>
-              </a:rPr>
-            </a:br>
-            <a:endParaRPr lang="en-US" dirty="0" smtClean="0">
-              <a:effectLst/>
-            </a:endParaRPr>
-          </a:p>
-          <a:p>
-            <a:pPr lvl="1"/>
-            <a:r>
-              <a:rPr lang="en-US" sz="1200" kern="1200" dirty="0" smtClean="0">
-                <a:solidFill>
-                  <a:schemeClr val="tx1"/>
-                </a:solidFill>
-                <a:effectLst/>
-                <a:latin typeface="+mn-lt"/>
-                <a:ea typeface="+mn-ea"/>
-                <a:cs typeface="+mn-cs"/>
-              </a:rPr>
-              <a:t>-</a:t>
-            </a:r>
-            <a:r>
-              <a:rPr lang="en-US" sz="1200" kern="1200" dirty="0" err="1" smtClean="0">
-                <a:solidFill>
-                  <a:schemeClr val="tx1"/>
-                </a:solidFill>
-                <a:effectLst/>
-                <a:latin typeface="+mn-lt"/>
-                <a:ea typeface="+mn-ea"/>
-                <a:cs typeface="+mn-cs"/>
-              </a:rPr>
-              <a:t>Xcomp</a:t>
-            </a:r>
-            <a:r>
-              <a:rPr lang="en-US" dirty="0" err="1" smtClean="0">
-                <a:effectLst/>
-              </a:rPr>
-              <a:t>Forces</a:t>
-            </a:r>
-            <a:r>
-              <a:rPr lang="en-US" dirty="0" smtClean="0">
-                <a:effectLst/>
-              </a:rPr>
-              <a:t> compilation of methods on first invocation. By default, the Client VM (-client) performs 1,000 interpreted method invocations and the Server VM (-server) performs 10,000 interpreted method invocations to gather information for efficient compilation. Specifying the -</a:t>
-            </a:r>
-            <a:r>
-              <a:rPr lang="en-US" dirty="0" err="1" smtClean="0">
-                <a:effectLst/>
-              </a:rPr>
-              <a:t>Xcomp</a:t>
-            </a:r>
-            <a:r>
-              <a:rPr lang="en-US" dirty="0" smtClean="0">
-                <a:effectLst/>
-              </a:rPr>
-              <a:t> option disables interpreted method invocations to increase compilation performance at the expense of efficiency.</a:t>
-            </a:r>
-          </a:p>
-          <a:p>
-            <a:pPr lvl="1"/>
-            <a:r>
-              <a:rPr lang="en-US" dirty="0" smtClean="0">
-                <a:effectLst/>
-              </a:rPr>
-              <a:t>You can also change the number of interpreted method invocations before compilation using the -</a:t>
-            </a:r>
-            <a:r>
-              <a:rPr lang="en-US" dirty="0" err="1" smtClean="0">
-                <a:effectLst/>
-              </a:rPr>
-              <a:t>XX:CompileThreshold</a:t>
-            </a:r>
-            <a:r>
-              <a:rPr lang="en-US" dirty="0" smtClean="0">
-                <a:effectLst/>
-              </a:rPr>
-              <a:t> option.</a:t>
-            </a:r>
-          </a:p>
-          <a:p>
-            <a:pPr lvl="2"/>
-            <a:r>
-              <a:rPr lang="en-US" sz="1200" kern="1200" dirty="0" smtClean="0">
-                <a:solidFill>
-                  <a:schemeClr val="tx1"/>
-                </a:solidFill>
-                <a:effectLst/>
-                <a:latin typeface="+mn-lt"/>
-                <a:ea typeface="+mn-ea"/>
-                <a:cs typeface="+mn-cs"/>
-              </a:rPr>
-              <a:t>alternately, setting -</a:t>
-            </a:r>
-            <a:r>
-              <a:rPr lang="en-US" sz="1200" kern="1200" dirty="0" err="1" smtClean="0">
-                <a:solidFill>
-                  <a:schemeClr val="tx1"/>
-                </a:solidFill>
-                <a:effectLst/>
-                <a:latin typeface="+mn-lt"/>
-                <a:ea typeface="+mn-ea"/>
-                <a:cs typeface="+mn-cs"/>
-              </a:rPr>
-              <a:t>XX:CICompilerCount</a:t>
-            </a:r>
-            <a:r>
-              <a:rPr lang="en-US" sz="1200" kern="1200" dirty="0" smtClean="0">
-                <a:solidFill>
-                  <a:schemeClr val="tx1"/>
-                </a:solidFill>
-                <a:effectLst/>
-                <a:latin typeface="+mn-lt"/>
-                <a:ea typeface="+mn-ea"/>
-                <a:cs typeface="+mn-cs"/>
-              </a:rPr>
-              <a:t>=1 to prevent the compiler from running in parallel with itself.</a:t>
-            </a:r>
-            <a:endParaRPr lang="en-US" dirty="0" smtClean="0">
-              <a:effectLst/>
-            </a:endParaRPr>
-          </a:p>
-          <a:p>
-            <a:endParaRPr lang="en-US" dirty="0" smtClean="0"/>
-          </a:p>
-          <a:p>
-            <a:endParaRPr lang="en-US" dirty="0"/>
-          </a:p>
         </p:txBody>
       </p:sp>
       <p:sp>
@@ -9437,6 +8395,510 @@
     <p:extLst>
       <p:ext uri="{BB962C8B-B14F-4D97-AF65-F5344CB8AC3E}">
         <p14:creationId xmlns:p14="http://schemas.microsoft.com/office/powerpoint/2010/main" val="3925167144"/>
+      </p:ext>
+    </p:extLst>
+  </p:cSld>
+  <p:clrMapOvr>
+    <a:masterClrMapping/>
+  </p:clrMapOvr>
+</p:notes>
+</file>
+
+<file path=ppt/notesSlides/notesSlide40.xml><?xml version="1.0" encoding="utf-8"?>
+<p:notes xmlns:a="http://schemas.openxmlformats.org/drawingml/2006/main" xmlns:r="http://schemas.openxmlformats.org/officeDocument/2006/relationships" xmlns:p="http://schemas.openxmlformats.org/presentationml/2006/main">
+  <p:cSld>
+    <p:spTree>
+      <p:nvGrpSpPr>
+        <p:cNvPr id="1" name=""/>
+        <p:cNvGrpSpPr/>
+        <p:nvPr/>
+      </p:nvGrpSpPr>
+      <p:grpSpPr>
+        <a:xfrm>
+          <a:off x="0" y="0"/>
+          <a:ext cx="0" cy="0"/>
+          <a:chOff x="0" y="0"/>
+          <a:chExt cx="0" cy="0"/>
+        </a:xfrm>
+      </p:grpSpPr>
+      <p:sp>
+        <p:nvSpPr>
+          <p:cNvPr id="2" name="Slide Image Placeholder 1"/>
+          <p:cNvSpPr>
+            <a:spLocks noGrp="1" noRot="1" noChangeAspect="1"/>
+          </p:cNvSpPr>
+          <p:nvPr>
+            <p:ph type="sldImg"/>
+          </p:nvPr>
+        </p:nvSpPr>
+        <p:spPr/>
+      </p:sp>
+      <p:sp>
+        <p:nvSpPr>
+          <p:cNvPr id="3" name="Notes Placeholder 2"/>
+          <p:cNvSpPr>
+            <a:spLocks noGrp="1"/>
+          </p:cNvSpPr>
+          <p:nvPr>
+            <p:ph type="body" idx="1"/>
+          </p:nvPr>
+        </p:nvSpPr>
+        <p:spPr/>
+        <p:txBody>
+          <a:bodyPr/>
+          <a:lstStyle/>
+          <a:p>
+            <a:endParaRPr lang="en-US"/>
+          </a:p>
+        </p:txBody>
+      </p:sp>
+      <p:sp>
+        <p:nvSpPr>
+          <p:cNvPr id="4" name="Slide Number Placeholder 3"/>
+          <p:cNvSpPr>
+            <a:spLocks noGrp="1"/>
+          </p:cNvSpPr>
+          <p:nvPr>
+            <p:ph type="sldNum" sz="quarter" idx="10"/>
+          </p:nvPr>
+        </p:nvSpPr>
+        <p:spPr/>
+        <p:txBody>
+          <a:bodyPr/>
+          <a:lstStyle/>
+          <a:p>
+            <a:fld id="{CFAD290B-5269-4E99-8A8A-8691B1EB0AE9}" type="slidenum">
+              <a:rPr lang="en-US" smtClean="0"/>
+              <a:t>40</a:t>
+            </a:fld>
+            <a:endParaRPr lang="en-US"/>
+          </a:p>
+        </p:txBody>
+      </p:sp>
+    </p:spTree>
+    <p:extLst>
+      <p:ext uri="{BB962C8B-B14F-4D97-AF65-F5344CB8AC3E}">
+        <p14:creationId xmlns:p14="http://schemas.microsoft.com/office/powerpoint/2010/main" val="295799458"/>
+      </p:ext>
+    </p:extLst>
+  </p:cSld>
+  <p:clrMapOvr>
+    <a:masterClrMapping/>
+  </p:clrMapOvr>
+</p:notes>
+</file>
+
+<file path=ppt/notesSlides/notesSlide41.xml><?xml version="1.0" encoding="utf-8"?>
+<p:notes xmlns:a="http://schemas.openxmlformats.org/drawingml/2006/main" xmlns:r="http://schemas.openxmlformats.org/officeDocument/2006/relationships" xmlns:p="http://schemas.openxmlformats.org/presentationml/2006/main">
+  <p:cSld>
+    <p:spTree>
+      <p:nvGrpSpPr>
+        <p:cNvPr id="1" name=""/>
+        <p:cNvGrpSpPr/>
+        <p:nvPr/>
+      </p:nvGrpSpPr>
+      <p:grpSpPr>
+        <a:xfrm>
+          <a:off x="0" y="0"/>
+          <a:ext cx="0" cy="0"/>
+          <a:chOff x="0" y="0"/>
+          <a:chExt cx="0" cy="0"/>
+        </a:xfrm>
+      </p:grpSpPr>
+      <p:sp>
+        <p:nvSpPr>
+          <p:cNvPr id="2" name="Slide Image Placeholder 1"/>
+          <p:cNvSpPr>
+            <a:spLocks noGrp="1" noRot="1" noChangeAspect="1"/>
+          </p:cNvSpPr>
+          <p:nvPr>
+            <p:ph type="sldImg"/>
+          </p:nvPr>
+        </p:nvSpPr>
+        <p:spPr/>
+      </p:sp>
+      <p:sp>
+        <p:nvSpPr>
+          <p:cNvPr id="3" name="Notes Placeholder 2"/>
+          <p:cNvSpPr>
+            <a:spLocks noGrp="1"/>
+          </p:cNvSpPr>
+          <p:nvPr>
+            <p:ph type="body" idx="1"/>
+          </p:nvPr>
+        </p:nvSpPr>
+        <p:spPr/>
+        <p:txBody>
+          <a:bodyPr/>
+          <a:lstStyle/>
+          <a:p>
+            <a:endParaRPr lang="en-US" dirty="0"/>
+          </a:p>
+        </p:txBody>
+      </p:sp>
+      <p:sp>
+        <p:nvSpPr>
+          <p:cNvPr id="4" name="Slide Number Placeholder 3"/>
+          <p:cNvSpPr>
+            <a:spLocks noGrp="1"/>
+          </p:cNvSpPr>
+          <p:nvPr>
+            <p:ph type="sldNum" sz="quarter" idx="10"/>
+          </p:nvPr>
+        </p:nvSpPr>
+        <p:spPr/>
+        <p:txBody>
+          <a:bodyPr/>
+          <a:lstStyle/>
+          <a:p>
+            <a:fld id="{CFAD290B-5269-4E99-8A8A-8691B1EB0AE9}" type="slidenum">
+              <a:rPr lang="en-US" smtClean="0"/>
+              <a:t>41</a:t>
+            </a:fld>
+            <a:endParaRPr lang="en-US"/>
+          </a:p>
+        </p:txBody>
+      </p:sp>
+    </p:spTree>
+    <p:extLst>
+      <p:ext uri="{BB962C8B-B14F-4D97-AF65-F5344CB8AC3E}">
+        <p14:creationId xmlns:p14="http://schemas.microsoft.com/office/powerpoint/2010/main" val="2357033445"/>
+      </p:ext>
+    </p:extLst>
+  </p:cSld>
+  <p:clrMapOvr>
+    <a:masterClrMapping/>
+  </p:clrMapOvr>
+</p:notes>
+</file>
+
+<file path=ppt/notesSlides/notesSlide42.xml><?xml version="1.0" encoding="utf-8"?>
+<p:notes xmlns:a="http://schemas.openxmlformats.org/drawingml/2006/main" xmlns:r="http://schemas.openxmlformats.org/officeDocument/2006/relationships" xmlns:p="http://schemas.openxmlformats.org/presentationml/2006/main">
+  <p:cSld>
+    <p:spTree>
+      <p:nvGrpSpPr>
+        <p:cNvPr id="1" name=""/>
+        <p:cNvGrpSpPr/>
+        <p:nvPr/>
+      </p:nvGrpSpPr>
+      <p:grpSpPr>
+        <a:xfrm>
+          <a:off x="0" y="0"/>
+          <a:ext cx="0" cy="0"/>
+          <a:chOff x="0" y="0"/>
+          <a:chExt cx="0" cy="0"/>
+        </a:xfrm>
+      </p:grpSpPr>
+      <p:sp>
+        <p:nvSpPr>
+          <p:cNvPr id="2" name="Slide Image Placeholder 1"/>
+          <p:cNvSpPr>
+            <a:spLocks noGrp="1" noRot="1" noChangeAspect="1"/>
+          </p:cNvSpPr>
+          <p:nvPr>
+            <p:ph type="sldImg"/>
+          </p:nvPr>
+        </p:nvSpPr>
+        <p:spPr/>
+      </p:sp>
+      <p:sp>
+        <p:nvSpPr>
+          <p:cNvPr id="3" name="Notes Placeholder 2"/>
+          <p:cNvSpPr>
+            <a:spLocks noGrp="1"/>
+          </p:cNvSpPr>
+          <p:nvPr>
+            <p:ph type="body" idx="1"/>
+          </p:nvPr>
+        </p:nvSpPr>
+        <p:spPr/>
+        <p:txBody>
+          <a:bodyPr/>
+          <a:lstStyle/>
+          <a:p>
+            <a:endParaRPr lang="en-US"/>
+          </a:p>
+        </p:txBody>
+      </p:sp>
+      <p:sp>
+        <p:nvSpPr>
+          <p:cNvPr id="4" name="Slide Number Placeholder 3"/>
+          <p:cNvSpPr>
+            <a:spLocks noGrp="1"/>
+          </p:cNvSpPr>
+          <p:nvPr>
+            <p:ph type="sldNum" sz="quarter" idx="10"/>
+          </p:nvPr>
+        </p:nvSpPr>
+        <p:spPr/>
+        <p:txBody>
+          <a:bodyPr/>
+          <a:lstStyle/>
+          <a:p>
+            <a:fld id="{CFAD290B-5269-4E99-8A8A-8691B1EB0AE9}" type="slidenum">
+              <a:rPr lang="en-US" smtClean="0"/>
+              <a:t>42</a:t>
+            </a:fld>
+            <a:endParaRPr lang="en-US"/>
+          </a:p>
+        </p:txBody>
+      </p:sp>
+    </p:spTree>
+    <p:extLst>
+      <p:ext uri="{BB962C8B-B14F-4D97-AF65-F5344CB8AC3E}">
+        <p14:creationId xmlns:p14="http://schemas.microsoft.com/office/powerpoint/2010/main" val="2436705079"/>
+      </p:ext>
+    </p:extLst>
+  </p:cSld>
+  <p:clrMapOvr>
+    <a:masterClrMapping/>
+  </p:clrMapOvr>
+</p:notes>
+</file>
+
+<file path=ppt/notesSlides/notesSlide43.xml><?xml version="1.0" encoding="utf-8"?>
+<p:notes xmlns:a="http://schemas.openxmlformats.org/drawingml/2006/main" xmlns:r="http://schemas.openxmlformats.org/officeDocument/2006/relationships" xmlns:p="http://schemas.openxmlformats.org/presentationml/2006/main">
+  <p:cSld>
+    <p:spTree>
+      <p:nvGrpSpPr>
+        <p:cNvPr id="1" name=""/>
+        <p:cNvGrpSpPr/>
+        <p:nvPr/>
+      </p:nvGrpSpPr>
+      <p:grpSpPr>
+        <a:xfrm>
+          <a:off x="0" y="0"/>
+          <a:ext cx="0" cy="0"/>
+          <a:chOff x="0" y="0"/>
+          <a:chExt cx="0" cy="0"/>
+        </a:xfrm>
+      </p:grpSpPr>
+      <p:sp>
+        <p:nvSpPr>
+          <p:cNvPr id="2" name="Slide Image Placeholder 1"/>
+          <p:cNvSpPr>
+            <a:spLocks noGrp="1" noRot="1" noChangeAspect="1"/>
+          </p:cNvSpPr>
+          <p:nvPr>
+            <p:ph type="sldImg"/>
+          </p:nvPr>
+        </p:nvSpPr>
+        <p:spPr/>
+      </p:sp>
+      <p:sp>
+        <p:nvSpPr>
+          <p:cNvPr id="3" name="Notes Placeholder 2"/>
+          <p:cNvSpPr>
+            <a:spLocks noGrp="1"/>
+          </p:cNvSpPr>
+          <p:nvPr>
+            <p:ph type="body" idx="1"/>
+          </p:nvPr>
+        </p:nvSpPr>
+        <p:spPr/>
+        <p:txBody>
+          <a:bodyPr/>
+          <a:lstStyle/>
+          <a:p>
+            <a:endParaRPr lang="en-US" dirty="0"/>
+          </a:p>
+        </p:txBody>
+      </p:sp>
+      <p:sp>
+        <p:nvSpPr>
+          <p:cNvPr id="4" name="Slide Number Placeholder 3"/>
+          <p:cNvSpPr>
+            <a:spLocks noGrp="1"/>
+          </p:cNvSpPr>
+          <p:nvPr>
+            <p:ph type="sldNum" sz="quarter" idx="10"/>
+          </p:nvPr>
+        </p:nvSpPr>
+        <p:spPr/>
+        <p:txBody>
+          <a:bodyPr/>
+          <a:lstStyle/>
+          <a:p>
+            <a:fld id="{CFAD290B-5269-4E99-8A8A-8691B1EB0AE9}" type="slidenum">
+              <a:rPr lang="en-US" smtClean="0"/>
+              <a:t>43</a:t>
+            </a:fld>
+            <a:endParaRPr lang="en-US"/>
+          </a:p>
+        </p:txBody>
+      </p:sp>
+    </p:spTree>
+    <p:extLst>
+      <p:ext uri="{BB962C8B-B14F-4D97-AF65-F5344CB8AC3E}">
+        <p14:creationId xmlns:p14="http://schemas.microsoft.com/office/powerpoint/2010/main" val="1887771390"/>
+      </p:ext>
+    </p:extLst>
+  </p:cSld>
+  <p:clrMapOvr>
+    <a:masterClrMapping/>
+  </p:clrMapOvr>
+</p:notes>
+</file>
+
+<file path=ppt/notesSlides/notesSlide44.xml><?xml version="1.0" encoding="utf-8"?>
+<p:notes xmlns:a="http://schemas.openxmlformats.org/drawingml/2006/main" xmlns:r="http://schemas.openxmlformats.org/officeDocument/2006/relationships" xmlns:p="http://schemas.openxmlformats.org/presentationml/2006/main">
+  <p:cSld>
+    <p:spTree>
+      <p:nvGrpSpPr>
+        <p:cNvPr id="1" name=""/>
+        <p:cNvGrpSpPr/>
+        <p:nvPr/>
+      </p:nvGrpSpPr>
+      <p:grpSpPr>
+        <a:xfrm>
+          <a:off x="0" y="0"/>
+          <a:ext cx="0" cy="0"/>
+          <a:chOff x="0" y="0"/>
+          <a:chExt cx="0" cy="0"/>
+        </a:xfrm>
+      </p:grpSpPr>
+      <p:sp>
+        <p:nvSpPr>
+          <p:cNvPr id="2" name="Slide Image Placeholder 1"/>
+          <p:cNvSpPr>
+            <a:spLocks noGrp="1" noRot="1" noChangeAspect="1"/>
+          </p:cNvSpPr>
+          <p:nvPr>
+            <p:ph type="sldImg"/>
+          </p:nvPr>
+        </p:nvSpPr>
+        <p:spPr/>
+      </p:sp>
+      <p:sp>
+        <p:nvSpPr>
+          <p:cNvPr id="3" name="Notes Placeholder 2"/>
+          <p:cNvSpPr>
+            <a:spLocks noGrp="1"/>
+          </p:cNvSpPr>
+          <p:nvPr>
+            <p:ph type="body" idx="1"/>
+          </p:nvPr>
+        </p:nvSpPr>
+        <p:spPr/>
+        <p:txBody>
+          <a:bodyPr/>
+          <a:lstStyle/>
+          <a:p>
+            <a:endParaRPr lang="en-US" dirty="0"/>
+          </a:p>
+        </p:txBody>
+      </p:sp>
+      <p:sp>
+        <p:nvSpPr>
+          <p:cNvPr id="4" name="Slide Number Placeholder 3"/>
+          <p:cNvSpPr>
+            <a:spLocks noGrp="1"/>
+          </p:cNvSpPr>
+          <p:nvPr>
+            <p:ph type="sldNum" sz="quarter" idx="10"/>
+          </p:nvPr>
+        </p:nvSpPr>
+        <p:spPr/>
+        <p:txBody>
+          <a:bodyPr/>
+          <a:lstStyle/>
+          <a:p>
+            <a:fld id="{CFAD290B-5269-4E99-8A8A-8691B1EB0AE9}" type="slidenum">
+              <a:rPr lang="en-US" smtClean="0"/>
+              <a:t>44</a:t>
+            </a:fld>
+            <a:endParaRPr lang="en-US"/>
+          </a:p>
+        </p:txBody>
+      </p:sp>
+    </p:spTree>
+    <p:extLst>
+      <p:ext uri="{BB962C8B-B14F-4D97-AF65-F5344CB8AC3E}">
+        <p14:creationId xmlns:p14="http://schemas.microsoft.com/office/powerpoint/2010/main" val="3204929844"/>
+      </p:ext>
+    </p:extLst>
+  </p:cSld>
+  <p:clrMapOvr>
+    <a:masterClrMapping/>
+  </p:clrMapOvr>
+</p:notes>
+</file>
+
+<file path=ppt/notesSlides/notesSlide45.xml><?xml version="1.0" encoding="utf-8"?>
+<p:notes xmlns:a="http://schemas.openxmlformats.org/drawingml/2006/main" xmlns:r="http://schemas.openxmlformats.org/officeDocument/2006/relationships" xmlns:p="http://schemas.openxmlformats.org/presentationml/2006/main">
+  <p:cSld>
+    <p:spTree>
+      <p:nvGrpSpPr>
+        <p:cNvPr id="1" name=""/>
+        <p:cNvGrpSpPr/>
+        <p:nvPr/>
+      </p:nvGrpSpPr>
+      <p:grpSpPr>
+        <a:xfrm>
+          <a:off x="0" y="0"/>
+          <a:ext cx="0" cy="0"/>
+          <a:chOff x="0" y="0"/>
+          <a:chExt cx="0" cy="0"/>
+        </a:xfrm>
+      </p:grpSpPr>
+      <p:sp>
+        <p:nvSpPr>
+          <p:cNvPr id="2" name="Slide Image Placeholder 1"/>
+          <p:cNvSpPr>
+            <a:spLocks noGrp="1" noRot="1" noChangeAspect="1"/>
+          </p:cNvSpPr>
+          <p:nvPr>
+            <p:ph type="sldImg"/>
+          </p:nvPr>
+        </p:nvSpPr>
+        <p:spPr/>
+      </p:sp>
+      <p:sp>
+        <p:nvSpPr>
+          <p:cNvPr id="3" name="Notes Placeholder 2"/>
+          <p:cNvSpPr>
+            <a:spLocks noGrp="1"/>
+          </p:cNvSpPr>
+          <p:nvPr>
+            <p:ph type="body" idx="1"/>
+          </p:nvPr>
+        </p:nvSpPr>
+        <p:spPr/>
+        <p:txBody>
+          <a:bodyPr/>
+          <a:lstStyle/>
+          <a:p>
+            <a:endParaRPr lang="en-US" dirty="0"/>
+          </a:p>
+        </p:txBody>
+      </p:sp>
+      <p:sp>
+        <p:nvSpPr>
+          <p:cNvPr id="4" name="Slide Number Placeholder 3"/>
+          <p:cNvSpPr>
+            <a:spLocks noGrp="1"/>
+          </p:cNvSpPr>
+          <p:nvPr>
+            <p:ph type="sldNum" sz="quarter" idx="10"/>
+          </p:nvPr>
+        </p:nvSpPr>
+        <p:spPr/>
+        <p:txBody>
+          <a:bodyPr/>
+          <a:lstStyle/>
+          <a:p>
+            <a:fld id="{CFAD290B-5269-4E99-8A8A-8691B1EB0AE9}" type="slidenum">
+              <a:rPr lang="en-US" smtClean="0"/>
+              <a:t>45</a:t>
+            </a:fld>
+            <a:endParaRPr lang="en-US"/>
+          </a:p>
+        </p:txBody>
+      </p:sp>
+    </p:spTree>
+    <p:extLst>
+      <p:ext uri="{BB962C8B-B14F-4D97-AF65-F5344CB8AC3E}">
+        <p14:creationId xmlns:p14="http://schemas.microsoft.com/office/powerpoint/2010/main" val="4285779939"/>
       </p:ext>
     </p:extLst>
   </p:cSld>
@@ -9491,15 +8953,7 @@
           <a:lstStyle/>
           <a:p>
             <a:r>
-              <a:rPr lang="en-US" sz="1200" kern="1200" dirty="0" smtClean="0">
-                <a:solidFill>
-                  <a:schemeClr val="tx1"/>
-                </a:solidFill>
-                <a:effectLst/>
-                <a:latin typeface="+mn-lt"/>
-                <a:ea typeface="+mn-ea"/>
-                <a:cs typeface="+mn-cs"/>
-              </a:rPr>
+              <a:rPr lang="en-US" sz="1300" dirty="0"/>
               <a:t>JVM is an Adaptive VM</a:t>
             </a:r>
             <a:r>
@@ -9522,23 +8976,7 @@
           <a:p>
             <a:r>
               <a:rPr lang="en-US" dirty="0" smtClean="0"/>
-              <a:t>This </a:t>
-            </a:r>
-            <a:r>
-              <a:rPr lang="en-US" dirty="0" smtClean="0"/>
-              <a:t>happens </a:t>
-            </a:r>
-            <a:r>
-              <a:rPr lang="en-US" dirty="0" smtClean="0"/>
-              <a:t>after </a:t>
-            </a:r>
-            <a:r>
-              <a:rPr lang="en-US" dirty="0" smtClean="0"/>
-              <a:t>a method has been called 10.000 </a:t>
-            </a:r>
-            <a:r>
-              <a:rPr lang="en-US" dirty="0" smtClean="0"/>
-              <a:t>times in server mode</a:t>
+              <a:t>This happens after a method has been called 10.000 times in server mode</a:t>
             </a:r>
             <a:r>
               <a:rPr lang="en-US" baseline="0" dirty="0" smtClean="0"/>
@@ -9546,11 +8984,7 @@
             </a:r>
             <a:r>
               <a:rPr lang="en-US" dirty="0" smtClean="0"/>
-              <a:t> </a:t>
-            </a:r>
-            <a:r>
-              <a:rPr lang="en-US" dirty="0" smtClean="0"/>
-              <a:t>(see an article about </a:t>
+              <a:t> (see an article about </a:t>
             </a:r>
             <a:r>
               <a:rPr lang="en-US" dirty="0" smtClean="0">
@@ -9584,7 +9018,6 @@
               <a:rPr lang="en-US" dirty="0" smtClean="0"/>
               <a:t>). </a:t>
             </a:r>
-            <a:endParaRPr lang="en-US" dirty="0" smtClean="0"/>
           </a:p>
           <a:p>
             <a:endParaRPr lang="en-US" dirty="0" smtClean="0"/>
@@ -9778,248 +9211,220 @@
           <a:bodyPr/>
           <a:lstStyle/>
           <a:p>
-            <a:pPr marL="0" marR="0" indent="0" algn="l" defTabSz="914400" rtl="0" eaLnBrk="1" fontAlgn="auto" latinLnBrk="0" hangingPunct="1">
-              <a:lnSpc>
-                <a:spcPct val="100000"/>
-              </a:lnSpc>
-              <a:spcBef>
-                <a:spcPts val="0"/>
-              </a:spcBef>
-              <a:spcAft>
-                <a:spcPts val="0"/>
-              </a:spcAft>
-              <a:buClrTx/>
-              <a:buSzTx/>
-              <a:buFontTx/>
-              <a:buNone/>
-              <a:tabLst/>
+            <a:pPr defTabSz="966612">
               <a:defRPr/>
             </a:pPr>
             <a:r>
               <a:rPr lang="en-US" dirty="0" smtClean="0"/>
-              <a:t>Run the benchmarked code often enough before the actual measurement starts to ensure that all benchmarked code has been JIT-compiled beforehand. This can easily be verified by providing -XX:+</a:t>
-            </a:r>
-            <a:r>
-              <a:rPr lang="en-US" dirty="0" err="1" smtClean="0"/>
-              <a:t>PrintCompilation</a:t>
-            </a:r>
-            <a:r>
-              <a:rPr lang="en-US" dirty="0" smtClean="0"/>
-              <a:t>. You should not see any JIT-compiler activity after the warmup phase</a:t>
-            </a:r>
-            <a:r>
-              <a:rPr lang="en-US" dirty="0" smtClean="0"/>
-              <a:t>.</a:t>
-            </a:r>
-          </a:p>
-          <a:p>
-            <a:pPr marL="0" marR="0" indent="0" algn="l" defTabSz="914400" rtl="0" eaLnBrk="1" fontAlgn="auto" latinLnBrk="0" hangingPunct="1">
-              <a:lnSpc>
-                <a:spcPct val="100000"/>
-              </a:lnSpc>
-              <a:spcBef>
-                <a:spcPts val="0"/>
-              </a:spcBef>
-              <a:spcAft>
-                <a:spcPts val="0"/>
-              </a:spcAft>
-              <a:buClrTx/>
-              <a:buSzTx/>
-              <a:buFontTx/>
-              <a:buNone/>
-              <a:tabLst/>
+              <a:t>Prevent it from tainting our measurement results</a:t>
+            </a:r>
+            <a:r>
+              <a:rPr lang="en-US" baseline="0" dirty="0" smtClean="0"/>
+              <a:t> – making “slower” </a:t>
+            </a:r>
+            <a:r>
+              <a:rPr lang="en-US" baseline="0" dirty="0" err="1" smtClean="0"/>
+              <a:t>algoritms</a:t>
+            </a:r>
+            <a:r>
+              <a:rPr lang="en-US" baseline="0" dirty="0" smtClean="0"/>
+              <a:t>/code samples look faster.  Want an even playing field for all our code.</a:t>
+            </a:r>
+            <a:endParaRPr lang="en-US" dirty="0" smtClean="0"/>
+          </a:p>
+          <a:p>
+            <a:pPr defTabSz="966612">
               <a:defRPr/>
             </a:pPr>
             <a:endParaRPr lang="en-US" dirty="0" smtClean="0"/>
           </a:p>
           <a:p>
-            <a:r>
-              <a:rPr lang="en-US" dirty="0" smtClean="0"/>
-              <a:t>Keeping testing until run-times stabilize</a:t>
-            </a:r>
-          </a:p>
-          <a:p>
-            <a:r>
-              <a:rPr lang="en-US" dirty="0" smtClean="0"/>
-              <a:t>Not allowing warmup is a common mistake</a:t>
-            </a:r>
-          </a:p>
-          <a:p>
-            <a:r>
-              <a:rPr lang="en-US" dirty="0" smtClean="0"/>
-              <a:t> most desktop/server apps expect:</a:t>
-            </a:r>
-          </a:p>
-          <a:p>
-            <a:r>
-              <a:rPr lang="en-US" dirty="0" smtClean="0"/>
-              <a:t>●Reboots are minutes long and days apart</a:t>
-            </a:r>
-          </a:p>
-          <a:p>
-            <a:r>
-              <a:rPr lang="en-US" dirty="0" smtClean="0"/>
-              <a:t>●Steady-state throughput after warmup is key</a:t>
-            </a:r>
-          </a:p>
-          <a:p>
-            <a:r>
-              <a:rPr lang="en-US" dirty="0" smtClean="0"/>
-              <a:t>●So a benchmark that ends in &lt;10sec</a:t>
-            </a:r>
-          </a:p>
-          <a:p>
-            <a:r>
-              <a:rPr lang="en-US" dirty="0" smtClean="0"/>
-              <a:t>probably does not measure anything interesting</a:t>
-            </a:r>
-          </a:p>
-          <a:p>
-            <a:pPr marL="0" marR="0" indent="0" algn="l" defTabSz="914400" rtl="0" eaLnBrk="1" fontAlgn="auto" latinLnBrk="0" hangingPunct="1">
-              <a:lnSpc>
-                <a:spcPct val="100000"/>
-              </a:lnSpc>
-              <a:spcBef>
-                <a:spcPts val="0"/>
-              </a:spcBef>
-              <a:spcAft>
-                <a:spcPts val="0"/>
-              </a:spcAft>
-              <a:buClrTx/>
-              <a:buSzTx/>
-              <a:buFontTx/>
-              <a:buNone/>
-              <a:tabLst/>
+            <a:pPr defTabSz="966612">
+              <a:defRPr/>
+            </a:pPr>
+            <a:r>
+              <a:rPr lang="en-US" dirty="0" smtClean="0"/>
+              <a:t>Run the benchmarked code often enough before the actual measurement starts to ensure that all benchmarked code has been JIT-compiled beforehand. This can easily be verified by providing -XX:+</a:t>
+            </a:r>
+            <a:r>
+              <a:rPr lang="en-US" dirty="0" err="1" smtClean="0"/>
+              <a:t>PrintCompilation</a:t>
+            </a:r>
+            <a:r>
+              <a:rPr lang="en-US" dirty="0" smtClean="0"/>
+              <a:t>. You should not see any JIT-compiler activity after the warmup phase.</a:t>
+            </a:r>
+          </a:p>
+          <a:p>
+            <a:pPr defTabSz="966612">
               <a:defRPr/>
             </a:pPr>
             <a:endParaRPr lang="en-US" dirty="0" smtClean="0"/>
           </a:p>
           <a:p>
-            <a:pPr marL="0" marR="0" indent="0" algn="l" defTabSz="914400" rtl="0" eaLnBrk="1" fontAlgn="auto" latinLnBrk="0" hangingPunct="1">
-              <a:lnSpc>
-                <a:spcPct val="100000"/>
-              </a:lnSpc>
-              <a:spcBef>
-                <a:spcPts val="0"/>
-              </a:spcBef>
-              <a:spcAft>
-                <a:spcPts val="0"/>
-              </a:spcAft>
-              <a:buClrTx/>
-              <a:buSzTx/>
-              <a:buFontTx/>
-              <a:buNone/>
-              <a:tabLst/>
-              <a:defRPr/>
-            </a:pPr>
+            <a:r>
+              <a:rPr lang="en-US" dirty="0" smtClean="0"/>
+              <a:t>Keeping testing until run-times stabilize</a:t>
+            </a:r>
+          </a:p>
+          <a:p>
+            <a:r>
+              <a:rPr lang="en-US" dirty="0" smtClean="0"/>
+              <a:t>Not allowing warmup is a common mistake</a:t>
+            </a:r>
+          </a:p>
+          <a:p>
+            <a:r>
+              <a:rPr lang="en-US" dirty="0" smtClean="0"/>
+              <a:t> most desktop/server apps expect:</a:t>
+            </a:r>
+          </a:p>
+          <a:p>
+            <a:r>
+              <a:rPr lang="en-US" dirty="0" smtClean="0"/>
+              <a:t>●Reboots are minutes long and days apart</a:t>
+            </a:r>
+          </a:p>
+          <a:p>
+            <a:r>
+              <a:rPr lang="en-US" dirty="0" smtClean="0"/>
+              <a:t>●Steady-state throughput after warmup is key</a:t>
+            </a:r>
+          </a:p>
+          <a:p>
+            <a:r>
+              <a:rPr lang="en-US" dirty="0" smtClean="0"/>
+              <a:t>●So a benchmark that ends in &lt;10sec</a:t>
+            </a:r>
+          </a:p>
+          <a:p>
+            <a:r>
+              <a:rPr lang="en-US" dirty="0" smtClean="0"/>
+              <a:t>probably does not measure anything interesting</a:t>
+            </a:r>
+          </a:p>
+          <a:p>
             <a:endParaRPr lang="en-US" dirty="0" smtClean="0"/>
           </a:p>
           <a:p>
             <a:r>
               <a:rPr lang="en-US" dirty="0" smtClean="0"/>
-              <a:t>GC: Either no (or trivial) allocation, or use</a:t>
-            </a:r>
-          </a:p>
-          <a:p>
-            <a:r>
-              <a:rPr lang="en-US" dirty="0" err="1" smtClean="0"/>
-              <a:t>verbose:gc</a:t>
-            </a:r>
+              <a:t>Mitigating the Errors of Stopwatch bench marking</a:t>
+            </a:r>
+            <a:br>
+              <a:rPr lang="en-US" dirty="0" smtClean="0"/>
+            </a:br>
             <a:endParaRPr lang="en-US" dirty="0" smtClean="0"/>
           </a:p>
           <a:p>
-            <a:r>
-              <a:rPr lang="en-US" dirty="0" smtClean="0"/>
-              <a:t>to make sure you hit steady-state</a:t>
-            </a:r>
-            <a:endParaRPr lang="en-US" dirty="0" smtClean="0"/>
-          </a:p>
-          <a:p>
-            <a:endParaRPr lang="en-US" dirty="0" smtClean="0">
-              <a:effectLst/>
-            </a:endParaRPr>
-          </a:p>
-          <a:p>
-            <a:r>
-              <a:rPr lang="en-US" sz="1200" kern="1200" dirty="0" smtClean="0">
-                <a:solidFill>
-                  <a:schemeClr val="tx1"/>
-                </a:solidFill>
+            <a:pPr lvl="1"/>
+            <a:r>
+              <a:rPr lang="en-US" dirty="0" err="1" smtClean="0">
                 <a:effectLst/>
-                <a:latin typeface="+mn-lt"/>
-                <a:ea typeface="+mn-ea"/>
-                <a:cs typeface="+mn-cs"/>
               </a:rPr>
-              <a:t>Use -</a:t>
-            </a:r>
-            <a:r>
-              <a:rPr lang="en-US" sz="1200" kern="1200" dirty="0" err="1" smtClean="0">
-                <a:solidFill>
-                  <a:schemeClr val="tx1"/>
-                </a:solidFill>
-                <a:effectLst/>
-                <a:latin typeface="+mn-lt"/>
-                <a:ea typeface="+mn-ea"/>
-                <a:cs typeface="+mn-cs"/>
-              </a:rPr>
-              <a:t>Xbatch</a:t>
-            </a:r>
-            <a:r>
-              <a:rPr lang="en-US" sz="1200" kern="1200" dirty="0" smtClean="0">
-                <a:solidFill>
-                  <a:schemeClr val="tx1"/>
-                </a:solidFill>
-                <a:effectLst/>
-                <a:latin typeface="+mn-lt"/>
-                <a:ea typeface="+mn-ea"/>
-                <a:cs typeface="+mn-cs"/>
-              </a:rPr>
-              <a:t> to serialize the compiler with the application</a:t>
-            </a:r>
-            <a:br>
-              <a:rPr lang="en-US" sz="1200" kern="1200" dirty="0" smtClean="0">
-                <a:solidFill>
-                  <a:schemeClr val="tx1"/>
-                </a:solidFill>
-                <a:effectLst/>
-                <a:latin typeface="+mn-lt"/>
-                <a:ea typeface="+mn-ea"/>
-                <a:cs typeface="+mn-cs"/>
-              </a:rPr>
-            </a:br>
-            <a:r>
-              <a:rPr lang="en-US" dirty="0" smtClean="0"/>
-              <a:t>"Disables background compilation. Typically, the Java VM compiles the method as a background task, running the method in interpreter mode until the background compilation is finished. The -</a:t>
-            </a:r>
-            <a:r>
-              <a:rPr lang="en-US" dirty="0" err="1" smtClean="0"/>
-              <a:t>Xbatch</a:t>
-            </a:r>
-            <a:r>
-              <a:rPr lang="en-US" dirty="0" smtClean="0"/>
-              <a:t> flag disables background compilation so that compilation of all methods proceeds as a foreground task until completed."</a:t>
-            </a:r>
-          </a:p>
-          <a:p>
-            <a:pPr lvl="1"/>
-            <a:r>
-              <a:rPr lang="en-US" sz="1200" kern="1200" dirty="0" smtClean="0">
-                <a:solidFill>
-                  <a:schemeClr val="tx1"/>
-                </a:solidFill>
-                <a:effectLst/>
-                <a:latin typeface="+mn-lt"/>
-                <a:ea typeface="+mn-ea"/>
-                <a:cs typeface="+mn-cs"/>
-                <a:hlinkClick r:id="rId3"/>
-              </a:rPr>
-              <a:t>http://docs.oracle.com/javase/7/docs/technotes/tools/solaris/java.html</a:t>
+              <a:t>prerunning</a:t>
             </a:r>
             <a:r>
               <a:rPr lang="en-US" dirty="0" smtClean="0">
                 <a:effectLst/>
               </a:rPr>
-              <a:t/>
+              <a:t> the tested code to mitigate "warm-up" effects</a:t>
+            </a:r>
+          </a:p>
+          <a:p>
+            <a:pPr lvl="2"/>
+            <a:r>
+              <a:rPr lang="en-US" dirty="0" smtClean="0">
+                <a:effectLst/>
+              </a:rPr>
+              <a:t>run a "warm-up" cycle of *the same code*</a:t>
+            </a:r>
+          </a:p>
+          <a:p>
+            <a:pPr lvl="2"/>
+            <a:r>
+              <a:rPr lang="en-US" dirty="0" smtClean="0">
+                <a:effectLst/>
+              </a:rPr>
+              <a:t>don't load new classes out of the warn-up phase</a:t>
+            </a:r>
+          </a:p>
+          <a:p>
+            <a:pPr lvl="1"/>
+            <a:r>
+              <a:rPr lang="en-US" dirty="0" smtClean="0">
+                <a:effectLst/>
+              </a:rPr>
+              <a:t>long runs minimize error percentage</a:t>
+            </a:r>
+          </a:p>
+          <a:p>
+            <a:pPr lvl="2"/>
+            <a:r>
+              <a:rPr lang="en-US" dirty="0" smtClean="0">
+                <a:effectLst/>
+              </a:rPr>
+              <a:t>Make sure you run it for long enough to be able to measure the results in seconds or (better) tens of seconds</a:t>
+            </a:r>
+          </a:p>
+          <a:p>
+            <a:pPr lvl="1"/>
+            <a:r>
+              <a:rPr lang="en-US" dirty="0" smtClean="0">
+                <a:effectLst/>
+              </a:rPr>
+              <a:t>many runs minimize error percentage</a:t>
+            </a:r>
+          </a:p>
+          <a:p>
+            <a:pPr lvl="2"/>
+            <a:r>
+              <a:rPr lang="en-US" dirty="0" smtClean="0">
+                <a:effectLst/>
+              </a:rPr>
+              <a:t>Timing a single lap versus averaging over multiple laps</a:t>
+            </a:r>
+          </a:p>
+          <a:p>
+            <a:pPr lvl="2"/>
+            <a:r>
+              <a:rPr lang="en-US" dirty="0" smtClean="0">
+                <a:effectLst/>
+              </a:rPr>
+              <a:t>At least be aware when the GC or JIT are affecting your code:</a:t>
+            </a:r>
+          </a:p>
+          <a:p>
+            <a:pPr lvl="2"/>
+            <a:r>
+              <a:rPr lang="en-US" dirty="0" smtClean="0">
+                <a:effectLst/>
+              </a:rPr>
+              <a:t>-XX:+</a:t>
+            </a:r>
+            <a:r>
+              <a:rPr lang="en-US" dirty="0" err="1" smtClean="0">
+                <a:effectLst/>
+              </a:rPr>
+              <a:t>PrintCompilation</a:t>
+            </a:r>
+            <a:r>
+              <a:rPr lang="en-US" dirty="0" smtClean="0">
+                <a:effectLst/>
+              </a:rPr>
+              <a:t>, -</a:t>
+            </a:r>
+            <a:r>
+              <a:rPr lang="en-US" dirty="0" err="1" smtClean="0">
+                <a:effectLst/>
+              </a:rPr>
+              <a:t>verbose:gc</a:t>
+            </a:r>
+            <a:r>
+              <a:rPr lang="en-US" dirty="0" smtClean="0">
+                <a:effectLst/>
+              </a:rPr>
+              <a:t>     </a:t>
             </a:r>
             <a:br>
               <a:rPr lang="en-US" dirty="0" smtClean="0">
@@ -10031,28 +9436,141 @@
             </a:endParaRPr>
           </a:p>
           <a:p>
-            <a:r>
-              <a:rPr lang="en-US" sz="1200" kern="1200" dirty="0" smtClean="0">
-                <a:solidFill>
-                  <a:schemeClr val="tx1"/>
-                </a:solidFill>
+            <a:pPr lvl="1"/>
+            <a:r>
+              <a:rPr lang="en-US" sz="1300" dirty="0" err="1" smtClean="0"/>
+              <a:t>Deoptimization</a:t>
+            </a:r>
+            <a:r>
+              <a:rPr lang="en-US" sz="1300" dirty="0" smtClean="0"/>
+              <a:t>/recompilation effects must be mitigated</a:t>
+            </a:r>
+            <a:r>
+              <a:rPr lang="en-US" dirty="0" smtClean="0">
                 <a:effectLst/>
-                <a:latin typeface="+mn-lt"/>
-                <a:ea typeface="+mn-ea"/>
-                <a:cs typeface="+mn-cs"/>
               </a:rPr>
+              <a:t/>
+            </a:r>
+            <a:br>
+              <a:rPr lang="en-US" dirty="0" smtClean="0">
+                <a:effectLst/>
+              </a:rPr>
+            </a:br>
+            <a:endParaRPr lang="en-US" dirty="0" smtClean="0">
+              <a:effectLst/>
+            </a:endParaRPr>
+          </a:p>
+          <a:p>
+            <a:pPr lvl="2"/>
+            <a:r>
+              <a:rPr lang="en-US" sz="1300" dirty="0" smtClean="0"/>
+              <a:t>"Do not take any code path for the first time in the "timing phase"</a:t>
+            </a:r>
+            <a:endParaRPr lang="en-US" dirty="0" smtClean="0">
+              <a:effectLst/>
+            </a:endParaRPr>
+          </a:p>
+          <a:p>
+            <a:pPr lvl="2"/>
+            <a:r>
+              <a:rPr lang="en-US" sz="1300" dirty="0" err="1" smtClean="0"/>
+              <a:t>compilier</a:t>
+            </a:r>
+            <a:r>
+              <a:rPr lang="en-US" sz="1300" dirty="0" smtClean="0"/>
+              <a:t> might "optimistically" assume a path will never/rarely be taken and anti-optimize it</a:t>
+            </a:r>
+            <a:endParaRPr lang="en-US" dirty="0" smtClean="0"/>
+          </a:p>
+          <a:p>
+            <a:pPr defTabSz="966612">
+              <a:defRPr/>
+            </a:pPr>
+            <a:endParaRPr lang="en-US" dirty="0" smtClean="0"/>
+          </a:p>
+          <a:p>
+            <a:r>
+              <a:rPr lang="en-US" dirty="0" smtClean="0"/>
+              <a:t>GC: Either no (or trivial) allocation, or use</a:t>
+            </a:r>
+          </a:p>
+          <a:p>
+            <a:r>
+              <a:rPr lang="en-US" dirty="0" err="1" smtClean="0"/>
+              <a:t>verbose:gc</a:t>
+            </a:r>
+            <a:endParaRPr lang="en-US" dirty="0" smtClean="0"/>
+          </a:p>
+          <a:p>
+            <a:r>
+              <a:rPr lang="en-US" dirty="0" smtClean="0"/>
+              <a:t>to make sure you hit steady-state</a:t>
+            </a:r>
+          </a:p>
+          <a:p>
+            <a:endParaRPr lang="en-US" dirty="0" smtClean="0">
+              <a:effectLst/>
+            </a:endParaRPr>
+          </a:p>
+          <a:p>
+            <a:r>
+              <a:rPr lang="en-US" sz="1300" dirty="0"/>
+              <a:t>Use -</a:t>
+            </a:r>
+            <a:r>
+              <a:rPr lang="en-US" sz="1300" dirty="0" err="1"/>
+              <a:t>Xbatch</a:t>
+            </a:r>
+            <a:r>
+              <a:rPr lang="en-US" sz="1300" dirty="0"/>
+              <a:t> to serialize the compiler with the application</a:t>
+            </a:r>
+            <a:br>
+              <a:rPr lang="en-US" sz="1300" dirty="0"/>
+            </a:br>
+            <a:r>
+              <a:rPr lang="en-US" dirty="0" smtClean="0"/>
+              <a:t>"Disables background compilation. Typically, the Java VM compiles the method as a background task, running the method in interpreter mode until the background compilation is finished. The -</a:t>
+            </a:r>
+            <a:r>
+              <a:rPr lang="en-US" dirty="0" err="1" smtClean="0"/>
+              <a:t>Xbatch</a:t>
+            </a:r>
+            <a:r>
+              <a:rPr lang="en-US" dirty="0" smtClean="0"/>
+              <a:t> flag disables background compilation so that compilation of all methods proceeds as a foreground task until completed."</a:t>
+            </a:r>
+          </a:p>
+          <a:p>
+            <a:pPr lvl="1"/>
+            <a:r>
+              <a:rPr lang="en-US" sz="1300" dirty="0">
+                <a:hlinkClick r:id="rId3"/>
+              </a:rPr>
+              <a:t>http://docs.oracle.com/javase/7/docs/technotes/tools/solaris/java.html</a:t>
+            </a:r>
+            <a:r>
+              <a:rPr lang="en-US" dirty="0" smtClean="0">
+                <a:effectLst/>
+              </a:rPr>
+              <a:t/>
+            </a:r>
+            <a:br>
+              <a:rPr lang="en-US" dirty="0" smtClean="0">
+                <a:effectLst/>
+              </a:rPr>
+            </a:br>
+            <a:endParaRPr lang="en-US" dirty="0" smtClean="0">
+              <a:effectLst/>
+            </a:endParaRPr>
+          </a:p>
+          <a:p>
+            <a:r>
+              <a:rPr lang="en-US" sz="1300" dirty="0"/>
               <a:t>-</a:t>
             </a:r>
             <a:r>
-              <a:rPr lang="en-US" sz="1200" kern="1200" dirty="0" err="1" smtClean="0">
-                <a:solidFill>
-                  <a:schemeClr val="tx1"/>
-                </a:solidFill>
-                <a:effectLst/>
-                <a:latin typeface="+mn-lt"/>
-                <a:ea typeface="+mn-ea"/>
-                <a:cs typeface="+mn-cs"/>
-              </a:rPr>
+              <a:rPr lang="en-US" sz="1300" dirty="0" err="1"/>
               <a:t>Xcomp</a:t>
             </a:r>
             <a:r>
@@ -10090,51 +9608,19 @@
             </a:r>
           </a:p>
           <a:p>
-            <a:endParaRPr lang="en-US" sz="1200" kern="1200" dirty="0" smtClean="0">
-              <a:solidFill>
-                <a:schemeClr val="tx1"/>
-              </a:solidFill>
-              <a:effectLst/>
-              <a:latin typeface="+mn-lt"/>
-              <a:ea typeface="+mn-ea"/>
-              <a:cs typeface="+mn-cs"/>
-            </a:endParaRPr>
-          </a:p>
-          <a:p>
-            <a:r>
-              <a:rPr lang="en-US" sz="1200" kern="1200" dirty="0" smtClean="0">
-                <a:solidFill>
-                  <a:schemeClr val="tx1"/>
-                </a:solidFill>
-                <a:effectLst/>
-                <a:latin typeface="+mn-lt"/>
-                <a:ea typeface="+mn-ea"/>
-                <a:cs typeface="+mn-cs"/>
-              </a:rPr>
+            <a:endParaRPr lang="en-US" sz="1300" dirty="0"/>
+          </a:p>
+          <a:p>
+            <a:r>
+              <a:rPr lang="en-US" sz="1300" dirty="0"/>
               <a:t>Alternately, setting -</a:t>
             </a:r>
             <a:r>
-              <a:rPr lang="en-US" sz="1200" kern="1200" dirty="0" err="1" smtClean="0">
-                <a:solidFill>
-                  <a:schemeClr val="tx1"/>
-                </a:solidFill>
-                <a:effectLst/>
-                <a:latin typeface="+mn-lt"/>
-                <a:ea typeface="+mn-ea"/>
-                <a:cs typeface="+mn-cs"/>
-              </a:rPr>
+              <a:rPr lang="en-US" sz="1300" dirty="0" err="1"/>
               <a:t>XX:CICompilerCount</a:t>
             </a:r>
             <a:r>
-              <a:rPr lang="en-US" sz="1200" kern="1200" dirty="0" smtClean="0">
-                <a:solidFill>
-                  <a:schemeClr val="tx1"/>
-                </a:solidFill>
-                <a:effectLst/>
-                <a:latin typeface="+mn-lt"/>
-                <a:ea typeface="+mn-ea"/>
-                <a:cs typeface="+mn-cs"/>
-              </a:rPr>
+              <a:rPr lang="en-US" sz="1300" dirty="0"/>
               <a:t>=1 to prevent the compiler from running in parallel with itself.</a:t>
             </a:r>
             <a:endParaRPr lang="en-US" dirty="0" smtClean="0">
@@ -10226,21 +9712,7 @@
           <a:bodyPr/>
           <a:lstStyle/>
           <a:p>
-            <a:pPr marL="0" marR="0" indent="0" algn="l" defTabSz="914400" rtl="0" eaLnBrk="1" fontAlgn="auto" latinLnBrk="0" hangingPunct="1">
-              <a:lnSpc>
-                <a:spcPct val="100000"/>
-              </a:lnSpc>
-              <a:spcBef>
-                <a:spcPts val="0"/>
-              </a:spcBef>
-              <a:spcAft>
-                <a:spcPts val="0"/>
-              </a:spcAft>
-              <a:buClrTx/>
-              <a:buSzTx/>
-              <a:buFontTx/>
-              <a:buNone/>
-              <a:tabLst/>
+            <a:pPr defTabSz="966612">
               <a:defRPr/>
             </a:pPr>
             <a:r>
@@ -10262,41 +9734,13 @@
             <a:endParaRPr lang="en-US" dirty="0" smtClean="0"/>
           </a:p>
           <a:p>
-            <a:pPr marL="0" marR="0" indent="0" algn="l" defTabSz="914400" rtl="0" eaLnBrk="1" fontAlgn="auto" latinLnBrk="0" hangingPunct="1">
-              <a:lnSpc>
-                <a:spcPct val="100000"/>
-              </a:lnSpc>
-              <a:spcBef>
-                <a:spcPts val="0"/>
-              </a:spcBef>
-              <a:spcAft>
-                <a:spcPts val="0"/>
-              </a:spcAft>
-              <a:buClrTx/>
-              <a:buSzTx/>
-              <a:buFontTx/>
-              <a:buNone/>
-              <a:tabLst/>
+            <a:pPr defTabSz="966612">
               <a:defRPr/>
             </a:pPr>
             <a:endParaRPr lang="en-US" dirty="0" smtClean="0"/>
           </a:p>
           <a:p>
-            <a:pPr marL="0" marR="0" indent="0" algn="l" defTabSz="914400" rtl="0" eaLnBrk="1" fontAlgn="auto" latinLnBrk="0" hangingPunct="1">
-              <a:lnSpc>
-                <a:spcPct val="100000"/>
-              </a:lnSpc>
-              <a:spcBef>
-                <a:spcPts val="0"/>
-              </a:spcBef>
-              <a:spcAft>
-                <a:spcPts val="0"/>
-              </a:spcAft>
-              <a:buClrTx/>
-              <a:buSzTx/>
-              <a:buFontTx/>
-              <a:buNone/>
-              <a:tabLst/>
+            <a:pPr defTabSz="966612">
               <a:defRPr/>
             </a:pPr>
             <a:r>
@@ -10309,41 +9753,13 @@
             </a:r>
           </a:p>
           <a:p>
-            <a:pPr marL="0" marR="0" indent="0" algn="l" defTabSz="914400" rtl="0" eaLnBrk="1" fontAlgn="auto" latinLnBrk="0" hangingPunct="1">
-              <a:lnSpc>
-                <a:spcPct val="100000"/>
-              </a:lnSpc>
-              <a:spcBef>
-                <a:spcPts val="0"/>
-              </a:spcBef>
-              <a:spcAft>
-                <a:spcPts val="0"/>
-              </a:spcAft>
-              <a:buClrTx/>
-              <a:buSzTx/>
-              <a:buFontTx/>
-              <a:buNone/>
-              <a:tabLst/>
+            <a:pPr defTabSz="966612">
               <a:defRPr/>
             </a:pPr>
             <a:endParaRPr lang="en-US" dirty="0" smtClean="0"/>
           </a:p>
           <a:p>
-            <a:pPr marL="0" marR="0" indent="0" algn="l" defTabSz="914400" rtl="0" eaLnBrk="1" fontAlgn="auto" latinLnBrk="0" hangingPunct="1">
-              <a:lnSpc>
-                <a:spcPct val="100000"/>
-              </a:lnSpc>
-              <a:spcBef>
-                <a:spcPts val="0"/>
-              </a:spcBef>
-              <a:spcAft>
-                <a:spcPts val="0"/>
-              </a:spcAft>
-              <a:buClrTx/>
-              <a:buSzTx/>
-              <a:buFontTx/>
-              <a:buNone/>
-              <a:tabLst/>
+            <a:pPr defTabSz="966612">
               <a:defRPr/>
             </a:pPr>
             <a:r>
@@ -10604,7 +10020,7 @@
           <a:p>
             <a:fld id="{389CBC56-3CF8-4B9B-874C-BFFEBE1619EE}" type="datetimeFigureOut">
               <a:rPr lang="en-US" smtClean="0"/>
-              <a:t>2/4/2016</a:t>
+              <a:t>2/5/2016</a:t>
             </a:fld>
             <a:endParaRPr lang="en-US"/>
           </a:p>
@@ -10774,7 +10190,7 @@
           <a:p>
             <a:fld id="{389CBC56-3CF8-4B9B-874C-BFFEBE1619EE}" type="datetimeFigureOut">
               <a:rPr lang="en-US" smtClean="0"/>
-              <a:t>2/4/2016</a:t>
+              <a:t>2/5/2016</a:t>
             </a:fld>
             <a:endParaRPr lang="en-US"/>
           </a:p>
@@ -10954,7 +10370,7 @@
           <a:p>
             <a:fld id="{389CBC56-3CF8-4B9B-874C-BFFEBE1619EE}" type="datetimeFigureOut">
               <a:rPr lang="en-US" smtClean="0"/>
-              <a:t>2/4/2016</a:t>
+              <a:t>2/5/2016</a:t>
             </a:fld>
             <a:endParaRPr lang="en-US"/>
           </a:p>
@@ -11124,7 +10540,7 @@
           <a:p>
             <a:fld id="{389CBC56-3CF8-4B9B-874C-BFFEBE1619EE}" type="datetimeFigureOut">
               <a:rPr lang="en-US" smtClean="0"/>
-              <a:t>2/4/2016</a:t>
+              <a:t>2/5/2016</a:t>
             </a:fld>
             <a:endParaRPr lang="en-US"/>
           </a:p>
@@ -11370,7 +10786,7 @@
           <a:p>
             <a:fld id="{389CBC56-3CF8-4B9B-874C-BFFEBE1619EE}" type="datetimeFigureOut">
               <a:rPr lang="en-US" smtClean="0"/>
-              <a:t>2/4/2016</a:t>
+              <a:t>2/5/2016</a:t>
             </a:fld>
             <a:endParaRPr lang="en-US"/>
           </a:p>
@@ -11602,7 +11018,7 @@
           <a:p>
             <a:fld id="{389CBC56-3CF8-4B9B-874C-BFFEBE1619EE}" type="datetimeFigureOut">
               <a:rPr lang="en-US" smtClean="0"/>
-              <a:t>2/4/2016</a:t>
+              <a:t>2/5/2016</a:t>
             </a:fld>
             <a:endParaRPr lang="en-US"/>
           </a:p>
@@ -11969,7 +11385,7 @@
           <a:p>
             <a:fld id="{389CBC56-3CF8-4B9B-874C-BFFEBE1619EE}" type="datetimeFigureOut">
               <a:rPr lang="en-US" smtClean="0"/>
-              <a:t>2/4/2016</a:t>
+              <a:t>2/5/2016</a:t>
             </a:fld>
             <a:endParaRPr lang="en-US"/>
           </a:p>
@@ -12087,7 +11503,7 @@
           <a:p>
             <a:fld id="{389CBC56-3CF8-4B9B-874C-BFFEBE1619EE}" type="datetimeFigureOut">
               <a:rPr lang="en-US" smtClean="0"/>
-              <a:t>2/4/2016</a:t>
+              <a:t>2/5/2016</a:t>
             </a:fld>
             <a:endParaRPr lang="en-US"/>
           </a:p>
@@ -12182,7 +11598,7 @@
           <a:p>
             <a:fld id="{389CBC56-3CF8-4B9B-874C-BFFEBE1619EE}" type="datetimeFigureOut">
               <a:rPr lang="en-US" smtClean="0"/>
-              <a:t>2/4/2016</a:t>
+              <a:t>2/5/2016</a:t>
             </a:fld>
             <a:endParaRPr lang="en-US"/>
           </a:p>
@@ -12459,7 +11875,7 @@
           <a:p>
             <a:fld id="{389CBC56-3CF8-4B9B-874C-BFFEBE1619EE}" type="datetimeFigureOut">
               <a:rPr lang="en-US" smtClean="0"/>
-              <a:t>2/4/2016</a:t>
+              <a:t>2/5/2016</a:t>
             </a:fld>
             <a:endParaRPr lang="en-US"/>
           </a:p>
@@ -12712,7 +12128,7 @@
           <a:p>
             <a:fld id="{389CBC56-3CF8-4B9B-874C-BFFEBE1619EE}" type="datetimeFigureOut">
               <a:rPr lang="en-US" smtClean="0"/>
-              <a:t>2/4/2016</a:t>
+              <a:t>2/5/2016</a:t>
             </a:fld>
             <a:endParaRPr lang="en-US"/>
           </a:p>
@@ -12925,7 +12341,7 @@
           <a:p>
             <a:fld id="{389CBC56-3CF8-4B9B-874C-BFFEBE1619EE}" type="datetimeFigureOut">
               <a:rPr lang="en-US" smtClean="0"/>
-              <a:t>2/4/2016</a:t>
+              <a:t>2/5/2016</a:t>
             </a:fld>
             <a:endParaRPr lang="en-US"/>
           </a:p>
@@ -13519,7 +12935,7 @@
             </a:r>
             <a:r>
               <a:rPr lang="en-US" dirty="0" err="1" smtClean="0"/>
-              <a:t>Meegamorphic</a:t>
+              <a:t>Megamorphic</a:t>
             </a:r>
             <a:endParaRPr lang="en-US" dirty="0"/>
           </a:p>
@@ -15838,7 +15254,15 @@
           <a:p>
             <a:r>
               <a:rPr lang="en-US" dirty="0" smtClean="0"/>
-              <a:t>Measure the performance a </a:t>
+              <a:t>Measure the </a:t>
+            </a:r>
+            <a:r>
+              <a:rPr lang="en-US" dirty="0" smtClean="0"/>
+              <a:t>performance of </a:t>
+            </a:r>
+            <a:r>
+              <a:rPr lang="en-US" dirty="0" smtClean="0"/>
+              <a:t>a </a:t>
             </a:r>
             <a:r>
               <a:rPr lang="en-US" dirty="0"/>
@@ -16049,8 +15473,116 @@
           <a:p>
             <a:r>
               <a:rPr lang="en-US" dirty="0" smtClean="0"/>
-              <a:t>Must be public</a:t>
-            </a:r>
+              <a:t>Must be </a:t>
+            </a:r>
+            <a:r>
+              <a:rPr lang="en-US" dirty="0" smtClean="0"/>
+              <a:t>public</a:t>
+            </a:r>
+          </a:p>
+          <a:p>
+            <a:r>
+              <a:rPr lang="en-US" dirty="0" smtClean="0"/>
+              <a:t>Contains the “payload” to benchmark</a:t>
+            </a:r>
+          </a:p>
+          <a:p>
+            <a:r>
+              <a:rPr lang="en-US" dirty="0" smtClean="0"/>
+              <a:t>For each @Benchmark method JMH </a:t>
+            </a:r>
+            <a:r>
+              <a:rPr lang="en-US" dirty="0"/>
+              <a:t>will </a:t>
+            </a:r>
+            <a:endParaRPr lang="en-US" dirty="0" smtClean="0"/>
+          </a:p>
+          <a:p>
+            <a:pPr marL="914400" lvl="1" indent="-457200">
+              <a:buFont typeface="+mj-lt"/>
+              <a:buAutoNum type="arabicPeriod"/>
+            </a:pPr>
+            <a:r>
+              <a:rPr lang="en-US" dirty="0" smtClean="0"/>
+              <a:t>produce </a:t>
+            </a:r>
+            <a:r>
+              <a:rPr lang="en-US" dirty="0"/>
+              <a:t>the generated benchmark code for this method during </a:t>
+            </a:r>
+            <a:r>
+              <a:rPr lang="en-US" dirty="0" smtClean="0"/>
+              <a:t>compilation</a:t>
+            </a:r>
+          </a:p>
+          <a:p>
+            <a:pPr marL="914400" lvl="1" indent="-457200">
+              <a:buFont typeface="+mj-lt"/>
+              <a:buAutoNum type="arabicPeriod"/>
+            </a:pPr>
+            <a:r>
+              <a:rPr lang="en-US" dirty="0" smtClean="0"/>
+              <a:t>register </a:t>
+            </a:r>
+            <a:r>
+              <a:rPr lang="en-US" dirty="0"/>
+              <a:t>this method as </a:t>
+            </a:r>
+            <a:r>
+              <a:rPr lang="en-US" dirty="0" smtClean="0"/>
+              <a:t>a benchmark </a:t>
+            </a:r>
+            <a:r>
+              <a:rPr lang="en-US" dirty="0"/>
+              <a:t>in the benchmark </a:t>
+            </a:r>
+            <a:r>
+              <a:rPr lang="en-US" dirty="0" smtClean="0"/>
+              <a:t>list</a:t>
+            </a:r>
+          </a:p>
+          <a:p>
+            <a:pPr marL="914400" lvl="1" indent="-457200">
+              <a:buFont typeface="+mj-lt"/>
+              <a:buAutoNum type="arabicPeriod"/>
+            </a:pPr>
+            <a:r>
+              <a:rPr lang="en-US" dirty="0" smtClean="0"/>
+              <a:t>read </a:t>
+            </a:r>
+            <a:r>
+              <a:rPr lang="en-US" dirty="0"/>
+              <a:t>out the default values from the </a:t>
+            </a:r>
+            <a:r>
+              <a:rPr lang="en-US" dirty="0" smtClean="0"/>
+              <a:t>annotations</a:t>
+            </a:r>
+          </a:p>
+          <a:p>
+            <a:pPr marL="914400" lvl="1" indent="-457200">
+              <a:buFont typeface="+mj-lt"/>
+              <a:buAutoNum type="arabicPeriod"/>
+            </a:pPr>
+            <a:r>
+              <a:rPr lang="en-US" dirty="0" smtClean="0"/>
+              <a:t>prepare </a:t>
+            </a:r>
+            <a:r>
+              <a:rPr lang="en-US" dirty="0"/>
+              <a:t>the environment for the benchmark to </a:t>
+            </a:r>
+            <a:r>
+              <a:rPr lang="en-US" dirty="0" smtClean="0"/>
+              <a:t>run</a:t>
+            </a:r>
+            <a:endParaRPr lang="en-US" dirty="0"/>
+          </a:p>
+          <a:p>
+            <a:endParaRPr lang="en-US" dirty="0" smtClean="0"/>
+          </a:p>
+          <a:p>
+            <a:endParaRPr lang="en-US" dirty="0" smtClean="0"/>
           </a:p>
           <a:p>
             <a:endParaRPr lang="en-US" dirty="0"/>
@@ -16807,19 +16339,7 @@
             </a:r>
             <a:r>
               <a:rPr lang="en-US" dirty="0" smtClean="0"/>
-              <a:t> </a:t>
-            </a:r>
-            <a:r>
-              <a:rPr lang="en-US" dirty="0" smtClean="0"/>
-              <a:t>(</a:t>
-            </a:r>
-            <a:r>
-              <a:rPr lang="en-US" dirty="0" smtClean="0"/>
-              <a:t>demo-basics</a:t>
-            </a:r>
-            <a:r>
-              <a:rPr lang="en-US" dirty="0" smtClean="0"/>
-              <a:t>)</a:t>
+              <a:t> (demo-basics)</a:t>
             </a:r>
             <a:endParaRPr lang="en-US" dirty="0"/>
           </a:p>
@@ -18126,7 +17646,11 @@
           <a:p>
             <a:r>
               <a:rPr lang="en-US" dirty="0" smtClean="0"/>
-              <a:t>JVM “profiles”</a:t>
+              <a:t>JVM maintains class </a:t>
+            </a:r>
+            <a:r>
+              <a:rPr lang="en-US" dirty="0" smtClean="0"/>
+              <a:t>“profiles”</a:t>
             </a:r>
           </a:p>
           <a:p>
@@ -18168,7 +17692,19 @@
             <a:pPr lvl="1"/>
             <a:r>
               <a:rPr lang="en-US" dirty="0" smtClean="0"/>
-              <a:t>Keep usage of each implementation isolated by @Benchmark, everything tested as if mono-</a:t>
+              <a:t>Keep usage of each implementation isolated by @Benchmark, </a:t>
+            </a:r>
+            <a:r>
+              <a:rPr lang="en-US" dirty="0" smtClean="0"/>
+              <a:t>attempt to have everything </a:t>
+            </a:r>
+            <a:r>
+              <a:rPr lang="en-US" dirty="0" smtClean="0"/>
+              <a:t>tested </a:t>
+            </a:r>
+            <a:r>
+              <a:rPr lang="en-US" dirty="0" smtClean="0"/>
+              <a:t>as if mono-</a:t>
             </a:r>
             <a:r>
               <a:rPr lang="en-US" dirty="0" err="1" smtClean="0"/>
@@ -18263,11 +17799,7 @@
             </a:r>
             <a:r>
               <a:rPr lang="en-US" dirty="0" smtClean="0"/>
-              <a:t> </a:t>
-            </a:r>
-            <a:r>
-              <a:rPr lang="en-US" dirty="0" smtClean="0"/>
-              <a:t>(demo-</a:t>
+              <a:t> (demo-</a:t>
             </a:r>
             <a:r>
               <a:rPr lang="en-US" dirty="0" err="1" smtClean="0"/>
@@ -18933,7 +18465,17 @@
           <a:p>
             <a:r>
               <a:rPr lang="en-US" dirty="0" smtClean="0"/>
-              <a:t>Test calculation (single operation) as much as possible</a:t>
+              <a:t>Test calculation (single operation) as much as </a:t>
+            </a:r>
+            <a:r>
+              <a:rPr lang="en-US" dirty="0" smtClean="0"/>
+              <a:t>possible</a:t>
+            </a:r>
+          </a:p>
+          <a:p>
+            <a:r>
+              <a:rPr lang="en-US" dirty="0" smtClean="0"/>
+              <a:t>Other JMH annotations exist for controlling looping within a @Benchmark</a:t>
             </a:r>
             <a:endParaRPr lang="en-US" dirty="0"/>
           </a:p>
@@ -19174,7 +18716,11 @@
           <a:p>
             <a:r>
               <a:rPr lang="en-US" dirty="0" smtClean="0"/>
-              <a:t>Some Interesting Results</a:t>
+              <a:t>Demos - Some Interesting </a:t>
+            </a:r>
+            <a:r>
+              <a:rPr lang="en-US" dirty="0" smtClean="0"/>
+              <a:t>Results (Finally)</a:t>
             </a:r>
             <a:endParaRPr lang="en-US" dirty="0"/>
           </a:p>
@@ -19182,12 +18728,12 @@
       </p:sp>
       <p:sp>
         <p:nvSpPr>
-          <p:cNvPr id="7" name="Content Placeholder 6"/>
-          <p:cNvSpPr>
-            <a:spLocks noGrp="1"/>
-          </p:cNvSpPr>
-          <p:nvPr>
-            <p:ph idx="1"/>
+          <p:cNvPr id="2" name="Text Placeholder 1"/>
+          <p:cNvSpPr>
+            <a:spLocks noGrp="1"/>
+          </p:cNvSpPr>
+          <p:nvPr>
+            <p:ph type="body" idx="1"/>
           </p:nvPr>
         </p:nvSpPr>
         <p:spPr/>
@@ -19195,7 +18741,7 @@
           <a:bodyPr/>
           <a:lstStyle/>
           <a:p>
-            <a:endParaRPr lang="en-US" dirty="0"/>
+            <a:endParaRPr lang="en-US"/>
           </a:p>
         </p:txBody>
       </p:sp>
@@ -19666,8 +19212,13 @@
           <a:p>
             <a:r>
               <a:rPr lang="en-US" dirty="0" smtClean="0"/>
-              <a:t>Don’t worry about giving the computer too much work</a:t>
-            </a:r>
+              <a:t>Don’t worry about giving the computer too much </a:t>
+            </a:r>
+            <a:r>
+              <a:rPr lang="en-US" dirty="0" smtClean="0"/>
+              <a:t>work!</a:t>
+            </a:r>
+            <a:endParaRPr lang="en-US" dirty="0" smtClean="0"/>
           </a:p>
           <a:p>
             <a:pPr lvl="1"/>
@@ -19687,8 +19238,13 @@
             <a:pPr lvl="1"/>
             <a:r>
               <a:rPr lang="en-US" dirty="0" smtClean="0"/>
-              <a:t>Delay the Machine Uprising</a:t>
-            </a:r>
+              <a:t>Delay the Machine </a:t>
+            </a:r>
+            <a:r>
+              <a:rPr lang="en-US" dirty="0" smtClean="0"/>
+              <a:t>Uprising by assigning busywork</a:t>
+            </a:r>
+            <a:endParaRPr lang="en-US" dirty="0" smtClean="0"/>
           </a:p>
           <a:p>
             <a:pPr lvl="1"/>
@@ -19771,8 +19327,12 @@
           <a:lstStyle/>
           <a:p>
             <a:r>
+              <a:rPr lang="en-US" dirty="0" smtClean="0"/>
+              <a:t>JMH </a:t>
+            </a:r>
+            <a:r>
               <a:rPr lang="en-US" dirty="0"/>
-              <a:t> JMH is useful for all sorts of </a:t>
+              <a:t>is useful for all sorts of </a:t>
             </a:r>
             <a:r>
               <a:rPr lang="en-US" dirty="0" err="1"/>
@@ -20040,15 +19600,7 @@
             </a:pPr>
             <a:r>
               <a:rPr lang="en-US" dirty="0" smtClean="0"/>
-              <a:t>(The basis for this </a:t>
-            </a:r>
-            <a:r>
-              <a:rPr lang="en-US" dirty="0" smtClean="0"/>
-              <a:t>presentation</a:t>
-            </a:r>
-            <a:r>
-              <a:rPr lang="en-US" dirty="0" smtClean="0"/>
-              <a:t>)</a:t>
+              <a:t>(The basis for this presentation)</a:t>
             </a:r>
           </a:p>
           <a:p>
@@ -20124,7 +19676,6 @@
               <a:rPr lang="en-US" dirty="0" smtClean="0"/>
               <a:t> most influential resource for putting this together)</a:t>
             </a:r>
-            <a:endParaRPr lang="en-US" dirty="0" smtClean="0"/>
           </a:p>
           <a:p>
             <a:pPr marL="914400" lvl="1" indent="-457200">
@@ -20702,13 +20253,8 @@
           <a:p>
             <a:r>
               <a:rPr lang="en-US" dirty="0" smtClean="0"/>
-              <a:t>Set various arcane JVM flags to be control the </a:t>
-            </a:r>
-            <a:r>
-              <a:rPr lang="en-US" dirty="0" smtClean="0"/>
-              <a:t>JIT compiler</a:t>
-            </a:r>
-            <a:endParaRPr lang="en-US" dirty="0" smtClean="0"/>
+              <a:t>Set various arcane JVM flags to be control the JIT compiler</a:t>
+            </a:r>
           </a:p>
           <a:p>
             <a:pPr lvl="1"/>
